--- a/StoryBoards/StoryBoard_RF3_AcessoAAcervo_BuscaRapida.pptx
+++ b/StoryBoards/StoryBoard_RF3_AcessoAAcervo_BuscaRapida.pptx
@@ -2,10 +2,10 @@
 <file path=ppt/presentation.xml><?xml version="1.0" encoding="utf-8"?>
 <p:presentation xmlns:a="http://schemas.openxmlformats.org/drawingml/2006/main" xmlns:r="http://schemas.openxmlformats.org/officeDocument/2006/relationships" xmlns:p="http://schemas.openxmlformats.org/presentationml/2006/main" saveSubsetFonts="1">
   <p:sldMasterIdLst>
-    <p:sldMasterId id="2147483648" r:id="rId1"/>
+    <p:sldMasterId id="2147483648" r:id="rId19"/>
   </p:sldMasterIdLst>
   <p:sldIdLst>
-    <p:sldId id="256" r:id="rId2"/>
+    <p:sldId id="256" r:id="rId20"/>
   </p:sldIdLst>
   <p:sldSz cx="12192000" cy="6858000"/>
   <p:notesSz cx="6858000" cy="9144000"/>
@@ -104,6 +104,11 @@
       </a:defRPr>
     </a:lvl9pPr>
   </p:defaultTextStyle>
+  <p:extLst>
+    <p:ext uri="{EFAFB233-063F-42B5-8137-9DF3F51BA10A}">
+      <p15:sldGuideLst xmlns:p15="http://schemas.microsoft.com/office/powerpoint/2012/main"/>
+    </p:ext>
+  </p:extLst>
 </p:presentation>
 </file>
 
@@ -2947,41 +2952,1551 @@
           <a:chExt cx="0" cy="0"/>
         </a:xfrm>
       </p:grpSpPr>
-      <p:sp>
-        <p:nvSpPr>
-          <p:cNvPr id="2" name="Título 1"/>
-          <p:cNvSpPr>
-            <a:spLocks noGrp="1"/>
-          </p:cNvSpPr>
-          <p:nvPr>
-            <p:ph type="ctrTitle"/>
-          </p:nvPr>
-        </p:nvSpPr>
-        <p:spPr/>
-        <p:txBody>
-          <a:bodyPr/>
-          <a:lstStyle/>
-          <a:p>
-            <a:endParaRPr lang="pt-BR"/>
-          </a:p>
-        </p:txBody>
-      </p:sp>
-      <p:sp>
-        <p:nvSpPr>
-          <p:cNvPr id="3" name="Subtítulo 2"/>
-          <p:cNvSpPr>
-            <a:spLocks noGrp="1"/>
-          </p:cNvSpPr>
-          <p:nvPr>
-            <p:ph type="subTitle" idx="1"/>
-          </p:nvPr>
-        </p:nvSpPr>
-        <p:spPr/>
-        <p:txBody>
-          <a:bodyPr/>
-          <a:lstStyle/>
-          <a:p>
-            <a:endParaRPr lang="pt-BR"/>
+      <p:grpSp>
+        <p:nvGrpSpPr>
+          <p:cNvPr id="4" name="WebBrowser"/>
+          <p:cNvGrpSpPr/>
+          <p:nvPr>
+            <p:custDataLst>
+              <p:custData r:id="rId1"/>
+            </p:custDataLst>
+          </p:nvPr>
+        </p:nvGrpSpPr>
+        <p:grpSpPr>
+          <a:xfrm>
+            <a:off x="0" y="0"/>
+            <a:ext cx="12192000" cy="6858000"/>
+            <a:chOff x="0" y="0"/>
+            <a:chExt cx="9144000" cy="6858000"/>
+          </a:xfrm>
+        </p:grpSpPr>
+        <p:sp>
+          <p:nvSpPr>
+            <p:cNvPr id="5" name="Background"/>
+            <p:cNvSpPr/>
+            <p:nvPr/>
+          </p:nvSpPr>
+          <p:spPr>
+            <a:xfrm>
+              <a:off x="0" y="0"/>
+              <a:ext cx="9144000" cy="6858000"/>
+            </a:xfrm>
+            <a:prstGeom prst="rect">
+              <a:avLst/>
+            </a:prstGeom>
+            <a:solidFill>
+              <a:srgbClr val="FFFFFF">
+                <a:lumMod val="65000"/>
+              </a:srgbClr>
+            </a:solidFill>
+            <a:ln w="3175" cap="flat" cmpd="sng" algn="ctr">
+              <a:solidFill>
+                <a:srgbClr val="000000">
+                  <a:lumMod val="50000"/>
+                  <a:lumOff val="50000"/>
+                </a:srgbClr>
+              </a:solidFill>
+              <a:prstDash val="solid"/>
+            </a:ln>
+            <a:effectLst/>
+          </p:spPr>
+          <p:txBody>
+            <a:bodyPr rtlCol="0" anchor="ctr"/>
+            <a:lstStyle/>
+            <a:p>
+              <a:pPr algn="ctr"/>
+              <a:endParaRPr lang="pt-BR" sz="1050" kern="0">
+                <a:solidFill>
+                  <a:prstClr val="white"/>
+                </a:solidFill>
+                <a:latin typeface="Segoe UI"/>
+              </a:endParaRPr>
+            </a:p>
+          </p:txBody>
+        </p:sp>
+        <p:sp>
+          <p:nvSpPr>
+            <p:cNvPr id="6" name="WindowTitle"/>
+            <p:cNvSpPr txBox="1"/>
+            <p:nvPr/>
+          </p:nvSpPr>
+          <p:spPr>
+            <a:xfrm>
+              <a:off x="22515" y="22341"/>
+              <a:ext cx="882021" cy="230832"/>
+            </a:xfrm>
+            <a:prstGeom prst="rect">
+              <a:avLst/>
+            </a:prstGeom>
+            <a:noFill/>
+          </p:spPr>
+          <p:txBody>
+            <a:bodyPr wrap="none" lIns="91440" tIns="18288" rIns="91440" bIns="27432" rtlCol="0" anchor="ctr" anchorCtr="0">
+              <a:spAutoFit/>
+            </a:bodyPr>
+            <a:lstStyle/>
+            <a:p>
+              <a:r>
+                <a:rPr lang="pt-BR" sz="1200">
+                  <a:solidFill>
+                    <a:prstClr val="white"/>
+                  </a:solidFill>
+                  <a:latin typeface="Segoe UI" pitchFamily="34" charset="0"/>
+                  <a:ea typeface="Segoe UI" pitchFamily="34" charset="0"/>
+                  <a:cs typeface="Segoe UI" pitchFamily="34" charset="0"/>
+                </a:rPr>
+                <a:t>Web page title</a:t>
+              </a:r>
+            </a:p>
+          </p:txBody>
+        </p:sp>
+        <p:grpSp>
+          <p:nvGrpSpPr>
+            <p:cNvPr id="7" name="Group 4"/>
+            <p:cNvGrpSpPr/>
+            <p:nvPr/>
+          </p:nvGrpSpPr>
+          <p:grpSpPr>
+            <a:xfrm>
+              <a:off x="81598" y="286385"/>
+              <a:ext cx="320040" cy="316520"/>
+              <a:chOff x="72073" y="221749"/>
+              <a:chExt cx="320040" cy="316520"/>
+            </a:xfrm>
+          </p:grpSpPr>
+          <p:sp>
+            <p:nvSpPr>
+              <p:cNvPr id="31" name="Oval 28"/>
+              <p:cNvSpPr/>
+              <p:nvPr/>
+            </p:nvSpPr>
+            <p:spPr>
+              <a:xfrm>
+                <a:off x="72073" y="221749"/>
+                <a:ext cx="320040" cy="316520"/>
+              </a:xfrm>
+              <a:prstGeom prst="ellipse">
+                <a:avLst/>
+              </a:prstGeom>
+              <a:gradFill flip="none" rotWithShape="1">
+                <a:gsLst>
+                  <a:gs pos="91000">
+                    <a:srgbClr val="FFFFFF">
+                      <a:lumMod val="85000"/>
+                    </a:srgbClr>
+                  </a:gs>
+                  <a:gs pos="36000">
+                    <a:srgbClr val="FFFFFF">
+                      <a:lumMod val="95000"/>
+                    </a:srgbClr>
+                  </a:gs>
+                  <a:gs pos="100000">
+                    <a:srgbClr val="FFFFFF">
+                      <a:lumMod val="95000"/>
+                    </a:srgbClr>
+                  </a:gs>
+                </a:gsLst>
+                <a:lin ang="5400000" scaled="0"/>
+                <a:tileRect/>
+              </a:gradFill>
+              <a:ln w="3175">
+                <a:solidFill>
+                  <a:srgbClr val="000000">
+                    <a:lumMod val="50000"/>
+                    <a:lumOff val="50000"/>
+                  </a:srgbClr>
+                </a:solidFill>
+              </a:ln>
+              <a:effectLst/>
+            </p:spPr>
+            <p:style>
+              <a:lnRef idx="2">
+                <a:srgbClr val="4F81BD">
+                  <a:shade val="50000"/>
+                </a:srgbClr>
+              </a:lnRef>
+              <a:fillRef idx="1">
+                <a:srgbClr val="4F81BD"/>
+              </a:fillRef>
+              <a:effectRef idx="0">
+                <a:srgbClr val="4F81BD"/>
+              </a:effectRef>
+              <a:fontRef idx="minor">
+                <a:srgbClr val="000000"/>
+              </a:fontRef>
+            </p:style>
+            <p:txBody>
+              <a:bodyPr rtlCol="0" anchor="ctr"/>
+              <a:lstStyle/>
+              <a:p>
+                <a:pPr algn="ctr"/>
+                <a:endParaRPr lang="pt-BR" sz="1050" u="sng">
+                  <a:solidFill>
+                    <a:prstClr val="white"/>
+                  </a:solidFill>
+                </a:endParaRPr>
+              </a:p>
+            </p:txBody>
+          </p:sp>
+          <p:sp>
+            <p:nvSpPr>
+              <p:cNvPr id="32" name="Left Arrow 29"/>
+              <p:cNvSpPr/>
+              <p:nvPr/>
+            </p:nvSpPr>
+            <p:spPr>
+              <a:xfrm>
+                <a:off x="109358" y="275511"/>
+                <a:ext cx="223134" cy="208997"/>
+              </a:xfrm>
+              <a:prstGeom prst="leftArrow">
+                <a:avLst/>
+              </a:prstGeom>
+              <a:solidFill>
+                <a:sysClr val="window" lastClr="FFFFFF"/>
+              </a:solidFill>
+              <a:ln w="3175" cap="flat" cmpd="sng" algn="ctr">
+                <a:solidFill>
+                  <a:sysClr val="windowText" lastClr="000000">
+                    <a:lumMod val="75000"/>
+                    <a:lumOff val="25000"/>
+                  </a:sysClr>
+                </a:solidFill>
+                <a:prstDash val="solid"/>
+              </a:ln>
+              <a:effectLst/>
+            </p:spPr>
+            <p:txBody>
+              <a:bodyPr rtlCol="0" anchor="ctr"/>
+              <a:lstStyle/>
+              <a:p>
+                <a:pPr algn="ctr"/>
+                <a:endParaRPr lang="pt-BR" sz="1050" kern="0">
+                  <a:solidFill>
+                    <a:prstClr val="white"/>
+                  </a:solidFill>
+                  <a:latin typeface="Segoe UI"/>
+                </a:endParaRPr>
+              </a:p>
+            </p:txBody>
+          </p:sp>
+        </p:grpSp>
+        <p:grpSp>
+          <p:nvGrpSpPr>
+            <p:cNvPr id="8" name="Group 5"/>
+            <p:cNvGrpSpPr/>
+            <p:nvPr/>
+          </p:nvGrpSpPr>
+          <p:grpSpPr>
+            <a:xfrm>
+              <a:off x="453671" y="286384"/>
+              <a:ext cx="320040" cy="316520"/>
+              <a:chOff x="444146" y="221748"/>
+              <a:chExt cx="320040" cy="316520"/>
+            </a:xfrm>
+          </p:grpSpPr>
+          <p:sp>
+            <p:nvSpPr>
+              <p:cNvPr id="29" name="Oval 26"/>
+              <p:cNvSpPr/>
+              <p:nvPr/>
+            </p:nvSpPr>
+            <p:spPr>
+              <a:xfrm>
+                <a:off x="444146" y="221748"/>
+                <a:ext cx="320040" cy="316520"/>
+              </a:xfrm>
+              <a:prstGeom prst="ellipse">
+                <a:avLst/>
+              </a:prstGeom>
+              <a:gradFill flip="none" rotWithShape="1">
+                <a:gsLst>
+                  <a:gs pos="91000">
+                    <a:srgbClr val="FFFFFF">
+                      <a:lumMod val="85000"/>
+                    </a:srgbClr>
+                  </a:gs>
+                  <a:gs pos="36000">
+                    <a:srgbClr val="FFFFFF">
+                      <a:lumMod val="95000"/>
+                    </a:srgbClr>
+                  </a:gs>
+                  <a:gs pos="100000">
+                    <a:srgbClr val="FFFFFF">
+                      <a:lumMod val="95000"/>
+                    </a:srgbClr>
+                  </a:gs>
+                </a:gsLst>
+                <a:lin ang="5400000" scaled="0"/>
+                <a:tileRect/>
+              </a:gradFill>
+              <a:ln w="3175">
+                <a:solidFill>
+                  <a:srgbClr val="000000">
+                    <a:lumMod val="50000"/>
+                    <a:lumOff val="50000"/>
+                  </a:srgbClr>
+                </a:solidFill>
+              </a:ln>
+              <a:effectLst/>
+            </p:spPr>
+            <p:style>
+              <a:lnRef idx="2">
+                <a:srgbClr val="4F81BD">
+                  <a:shade val="50000"/>
+                </a:srgbClr>
+              </a:lnRef>
+              <a:fillRef idx="1">
+                <a:srgbClr val="4F81BD"/>
+              </a:fillRef>
+              <a:effectRef idx="0">
+                <a:srgbClr val="4F81BD"/>
+              </a:effectRef>
+              <a:fontRef idx="minor">
+                <a:srgbClr val="000000"/>
+              </a:fontRef>
+            </p:style>
+            <p:txBody>
+              <a:bodyPr rtlCol="0" anchor="ctr"/>
+              <a:lstStyle/>
+              <a:p>
+                <a:pPr algn="ctr"/>
+                <a:endParaRPr lang="pt-BR" sz="1050" u="sng">
+                  <a:solidFill>
+                    <a:prstClr val="white"/>
+                  </a:solidFill>
+                </a:endParaRPr>
+              </a:p>
+            </p:txBody>
+          </p:sp>
+          <p:sp>
+            <p:nvSpPr>
+              <p:cNvPr id="30" name="Right Arrow 27"/>
+              <p:cNvSpPr/>
+              <p:nvPr/>
+            </p:nvSpPr>
+            <p:spPr>
+              <a:xfrm>
+                <a:off x="481249" y="275509"/>
+                <a:ext cx="257146" cy="208999"/>
+              </a:xfrm>
+              <a:prstGeom prst="rightArrow">
+                <a:avLst/>
+              </a:prstGeom>
+              <a:solidFill>
+                <a:sysClr val="window" lastClr="FFFFFF"/>
+              </a:solidFill>
+              <a:ln w="3175" cap="flat" cmpd="sng" algn="ctr">
+                <a:solidFill>
+                  <a:sysClr val="windowText" lastClr="000000">
+                    <a:lumMod val="75000"/>
+                    <a:lumOff val="25000"/>
+                  </a:sysClr>
+                </a:solidFill>
+                <a:prstDash val="solid"/>
+              </a:ln>
+              <a:effectLst/>
+            </p:spPr>
+            <p:txBody>
+              <a:bodyPr rtlCol="0" anchor="ctr"/>
+              <a:lstStyle/>
+              <a:p>
+                <a:pPr algn="ctr"/>
+                <a:endParaRPr lang="pt-BR" sz="1050" kern="0">
+                  <a:solidFill>
+                    <a:prstClr val="white"/>
+                  </a:solidFill>
+                  <a:latin typeface="Segoe UI"/>
+                </a:endParaRPr>
+              </a:p>
+            </p:txBody>
+          </p:sp>
+        </p:grpSp>
+        <p:grpSp>
+          <p:nvGrpSpPr>
+            <p:cNvPr id="9" name="Minimize - Maximize - Close"/>
+            <p:cNvGrpSpPr/>
+            <p:nvPr/>
+          </p:nvGrpSpPr>
+          <p:grpSpPr>
+            <a:xfrm>
+              <a:off x="8632311" y="92599"/>
+              <a:ext cx="384527" cy="78032"/>
+              <a:chOff x="9347642" y="131588"/>
+              <a:chExt cx="384527" cy="78032"/>
+            </a:xfrm>
+          </p:grpSpPr>
+          <p:cxnSp>
+            <p:nvCxnSpPr>
+              <p:cNvPr id="24" name="Line"/>
+              <p:cNvCxnSpPr/>
+              <p:nvPr/>
+            </p:nvCxnSpPr>
+            <p:spPr>
+              <a:xfrm>
+                <a:off x="9661396" y="131588"/>
+                <a:ext cx="70773" cy="76200"/>
+              </a:xfrm>
+              <a:prstGeom prst="line">
+                <a:avLst/>
+              </a:prstGeom>
+              <a:ln w="12700">
+                <a:solidFill>
+                  <a:srgbClr val="FFFFFF"/>
+                </a:solidFill>
+              </a:ln>
+            </p:spPr>
+            <p:style>
+              <a:lnRef idx="1">
+                <a:srgbClr val="4F81BD"/>
+              </a:lnRef>
+              <a:fillRef idx="0">
+                <a:srgbClr val="4F81BD"/>
+              </a:fillRef>
+              <a:effectRef idx="0">
+                <a:srgbClr val="4F81BD"/>
+              </a:effectRef>
+              <a:fontRef idx="minor">
+                <a:srgbClr val="000000"/>
+              </a:fontRef>
+            </p:style>
+          </p:cxnSp>
+          <p:cxnSp>
+            <p:nvCxnSpPr>
+              <p:cNvPr id="25" name="Line"/>
+              <p:cNvCxnSpPr/>
+              <p:nvPr/>
+            </p:nvCxnSpPr>
+            <p:spPr>
+              <a:xfrm flipH="1">
+                <a:off x="9661395" y="131588"/>
+                <a:ext cx="70773" cy="76200"/>
+              </a:xfrm>
+              <a:prstGeom prst="line">
+                <a:avLst/>
+              </a:prstGeom>
+              <a:ln w="12700">
+                <a:solidFill>
+                  <a:srgbClr val="FFFFFF"/>
+                </a:solidFill>
+              </a:ln>
+            </p:spPr>
+            <p:style>
+              <a:lnRef idx="1">
+                <a:srgbClr val="4F81BD"/>
+              </a:lnRef>
+              <a:fillRef idx="0">
+                <a:srgbClr val="4F81BD"/>
+              </a:fillRef>
+              <a:effectRef idx="0">
+                <a:srgbClr val="4F81BD"/>
+              </a:effectRef>
+              <a:fontRef idx="minor">
+                <a:srgbClr val="000000"/>
+              </a:fontRef>
+            </p:style>
+          </p:cxnSp>
+          <p:sp>
+            <p:nvSpPr>
+              <p:cNvPr id="26" name="Line"/>
+              <p:cNvSpPr/>
+              <p:nvPr/>
+            </p:nvSpPr>
+            <p:spPr>
+              <a:xfrm rot="10800000" flipV="1">
+                <a:off x="9499472" y="143255"/>
+                <a:ext cx="91440" cy="9144"/>
+              </a:xfrm>
+              <a:prstGeom prst="rect">
+                <a:avLst/>
+              </a:prstGeom>
+              <a:solidFill>
+                <a:srgbClr val="919191"/>
+              </a:solidFill>
+              <a:ln w="3175">
+                <a:solidFill>
+                  <a:srgbClr val="FFFFFF"/>
+                </a:solidFill>
+              </a:ln>
+            </p:spPr>
+            <p:style>
+              <a:lnRef idx="2">
+                <a:srgbClr val="4F81BD">
+                  <a:shade val="50000"/>
+                </a:srgbClr>
+              </a:lnRef>
+              <a:fillRef idx="1001">
+                <a:srgbClr val="000000"/>
+              </a:fillRef>
+              <a:effectRef idx="0">
+                <a:srgbClr val="4F81BD"/>
+              </a:effectRef>
+              <a:fontRef idx="minor">
+                <a:srgbClr val="000000"/>
+              </a:fontRef>
+            </p:style>
+            <p:txBody>
+              <a:bodyPr rtlCol="0" anchor="ctr"/>
+              <a:lstStyle/>
+              <a:p>
+                <a:pPr algn="ctr"/>
+                <a:endParaRPr lang="pt-BR" sz="1050">
+                  <a:solidFill>
+                    <a:prstClr val="white"/>
+                  </a:solidFill>
+                </a:endParaRPr>
+              </a:p>
+            </p:txBody>
+          </p:sp>
+          <p:sp>
+            <p:nvSpPr>
+              <p:cNvPr id="27" name="Line"/>
+              <p:cNvSpPr/>
+              <p:nvPr/>
+            </p:nvSpPr>
+            <p:spPr>
+              <a:xfrm rot="10800000" flipV="1">
+                <a:off x="9498658" y="135261"/>
+                <a:ext cx="91440" cy="72527"/>
+              </a:xfrm>
+              <a:prstGeom prst="rect">
+                <a:avLst/>
+              </a:prstGeom>
+              <a:noFill/>
+              <a:ln w="12700">
+                <a:solidFill>
+                  <a:srgbClr val="FFFFFF"/>
+                </a:solidFill>
+              </a:ln>
+            </p:spPr>
+            <p:style>
+              <a:lnRef idx="2">
+                <a:srgbClr val="4F81BD">
+                  <a:shade val="50000"/>
+                </a:srgbClr>
+              </a:lnRef>
+              <a:fillRef idx="1001">
+                <a:srgbClr val="000000"/>
+              </a:fillRef>
+              <a:effectRef idx="0">
+                <a:srgbClr val="4F81BD"/>
+              </a:effectRef>
+              <a:fontRef idx="minor">
+                <a:srgbClr val="000000"/>
+              </a:fontRef>
+            </p:style>
+            <p:txBody>
+              <a:bodyPr rtlCol="0" anchor="ctr"/>
+              <a:lstStyle/>
+              <a:p>
+                <a:pPr algn="ctr"/>
+                <a:endParaRPr lang="pt-BR" sz="1050">
+                  <a:solidFill>
+                    <a:prstClr val="white"/>
+                  </a:solidFill>
+                </a:endParaRPr>
+              </a:p>
+            </p:txBody>
+          </p:sp>
+          <p:sp>
+            <p:nvSpPr>
+              <p:cNvPr id="28" name="Line"/>
+              <p:cNvSpPr/>
+              <p:nvPr/>
+            </p:nvSpPr>
+            <p:spPr>
+              <a:xfrm rot="10800000" flipV="1">
+                <a:off x="9347642" y="200476"/>
+                <a:ext cx="91440" cy="9144"/>
+              </a:xfrm>
+              <a:prstGeom prst="rect">
+                <a:avLst/>
+              </a:prstGeom>
+              <a:solidFill>
+                <a:srgbClr val="919191"/>
+              </a:solidFill>
+              <a:ln w="3175">
+                <a:solidFill>
+                  <a:srgbClr val="FFFFFF"/>
+                </a:solidFill>
+              </a:ln>
+            </p:spPr>
+            <p:style>
+              <a:lnRef idx="2">
+                <a:srgbClr val="4F81BD">
+                  <a:shade val="50000"/>
+                </a:srgbClr>
+              </a:lnRef>
+              <a:fillRef idx="1001">
+                <a:srgbClr val="000000"/>
+              </a:fillRef>
+              <a:effectRef idx="0">
+                <a:srgbClr val="4F81BD"/>
+              </a:effectRef>
+              <a:fontRef idx="minor">
+                <a:srgbClr val="000000"/>
+              </a:fontRef>
+            </p:style>
+            <p:txBody>
+              <a:bodyPr rtlCol="0" anchor="ctr"/>
+              <a:lstStyle/>
+              <a:p>
+                <a:pPr algn="ctr"/>
+                <a:endParaRPr lang="pt-BR" sz="1050">
+                  <a:solidFill>
+                    <a:prstClr val="white"/>
+                  </a:solidFill>
+                </a:endParaRPr>
+              </a:p>
+            </p:txBody>
+          </p:sp>
+        </p:grpSp>
+        <p:sp>
+          <p:nvSpPr>
+            <p:cNvPr id="10" name="WebPageBody"/>
+            <p:cNvSpPr/>
+            <p:nvPr/>
+          </p:nvSpPr>
+          <p:spPr>
+            <a:xfrm>
+              <a:off x="76200" y="685159"/>
+              <a:ext cx="8991600" cy="6066801"/>
+            </a:xfrm>
+            <a:prstGeom prst="rect">
+              <a:avLst/>
+            </a:prstGeom>
+            <a:solidFill>
+              <a:sysClr val="window" lastClr="FFFFFF"/>
+            </a:solidFill>
+            <a:ln w="3175" cap="flat" cmpd="sng" algn="ctr">
+              <a:solidFill>
+                <a:srgbClr val="000000">
+                  <a:lumMod val="50000"/>
+                  <a:lumOff val="50000"/>
+                </a:srgbClr>
+              </a:solidFill>
+              <a:prstDash val="solid"/>
+            </a:ln>
+            <a:effectLst/>
+          </p:spPr>
+          <p:txBody>
+            <a:bodyPr rtlCol="0" anchor="ctr"/>
+            <a:lstStyle/>
+            <a:p>
+              <a:pPr algn="ctr"/>
+              <a:endParaRPr lang="pt-BR" sz="1050" kern="0">
+                <a:solidFill>
+                  <a:prstClr val="white"/>
+                </a:solidFill>
+                <a:latin typeface="Segoe UI"/>
+              </a:endParaRPr>
+            </a:p>
+          </p:txBody>
+        </p:sp>
+        <p:grpSp>
+          <p:nvGrpSpPr>
+            <p:cNvPr id="11" name="Group 8"/>
+            <p:cNvGrpSpPr/>
+            <p:nvPr/>
+          </p:nvGrpSpPr>
+          <p:grpSpPr>
+            <a:xfrm>
+              <a:off x="8386335" y="360579"/>
+              <a:ext cx="640645" cy="183940"/>
+              <a:chOff x="8303527" y="360579"/>
+              <a:chExt cx="640645" cy="183940"/>
+            </a:xfrm>
+          </p:grpSpPr>
+          <p:pic>
+            <p:nvPicPr>
+              <p:cNvPr id="21" name="Picture 2" descr="C:\Users\t-dantay\Documents\Placeholders\home.png"/>
+              <p:cNvPicPr>
+                <a:picLocks noChangeAspect="1" noChangeArrowheads="1"/>
+              </p:cNvPicPr>
+              <p:nvPr/>
+            </p:nvPicPr>
+            <p:blipFill>
+              <a:blip r:embed="rId11" cstate="print">
+                <a:extLst>
+                  <a:ext uri="{28A0092B-C50C-407E-A947-70E740481C1C}">
+                    <a14:useLocalDpi xmlns:a14="http://schemas.microsoft.com/office/drawing/2010/main" val="0"/>
+                  </a:ext>
+                </a:extLst>
+              </a:blip>
+              <a:srcRect/>
+              <a:stretch>
+                <a:fillRect/>
+              </a:stretch>
+            </p:blipFill>
+            <p:spPr bwMode="auto">
+              <a:xfrm>
+                <a:off x="8303527" y="361109"/>
+                <a:ext cx="185783" cy="182880"/>
+              </a:xfrm>
+              <a:prstGeom prst="rect">
+                <a:avLst/>
+              </a:prstGeom>
+              <a:noFill/>
+              <a:extLst>
+                <a:ext uri="{909E8E84-426E-40DD-AFC4-6F175D3DCCD1}">
+                  <a14:hiddenFill xmlns:a14="http://schemas.microsoft.com/office/drawing/2010/main">
+                    <a:solidFill>
+                      <a:srgbClr val="FFFFFF"/>
+                    </a:solidFill>
+                  </a14:hiddenFill>
+                </a:ext>
+              </a:extLst>
+            </p:spPr>
+          </p:pic>
+          <p:pic>
+            <p:nvPicPr>
+              <p:cNvPr id="22" name="Picture 2" descr="C:\Users\t-dantay\Documents\Placeholders\setting.png"/>
+              <p:cNvPicPr>
+                <a:picLocks noChangeAspect="1" noChangeArrowheads="1"/>
+              </p:cNvPicPr>
+              <p:nvPr/>
+            </p:nvPicPr>
+            <p:blipFill rotWithShape="1">
+              <a:blip r:embed="rId12" cstate="print">
+                <a:extLst>
+                  <a:ext uri="{28A0092B-C50C-407E-A947-70E740481C1C}">
+                    <a14:useLocalDpi xmlns:a14="http://schemas.microsoft.com/office/drawing/2010/main" val="0"/>
+                  </a:ext>
+                </a:extLst>
+              </a:blip>
+              <a:srcRect t="13480" r="35484"/>
+              <a:stretch/>
+            </p:blipFill>
+            <p:spPr bwMode="auto">
+              <a:xfrm>
+                <a:off x="8761292" y="360579"/>
+                <a:ext cx="182880" cy="183940"/>
+              </a:xfrm>
+              <a:prstGeom prst="rect">
+                <a:avLst/>
+              </a:prstGeom>
+              <a:noFill/>
+              <a:extLst>
+                <a:ext uri="{909E8E84-426E-40DD-AFC4-6F175D3DCCD1}">
+                  <a14:hiddenFill xmlns:a14="http://schemas.microsoft.com/office/drawing/2010/main">
+                    <a:solidFill>
+                      <a:srgbClr val="FFFFFF"/>
+                    </a:solidFill>
+                  </a14:hiddenFill>
+                </a:ext>
+              </a:extLst>
+            </p:spPr>
+          </p:pic>
+          <p:pic>
+            <p:nvPicPr>
+              <p:cNvPr id="23" name="Picture 2" descr="C:\Users\t-dantay\Documents\Placeholders\star.png"/>
+              <p:cNvPicPr>
+                <a:picLocks noChangeAspect="1" noChangeArrowheads="1"/>
+              </p:cNvPicPr>
+              <p:nvPr/>
+            </p:nvPicPr>
+            <p:blipFill>
+              <a:blip r:embed="rId13" cstate="print">
+                <a:extLst>
+                  <a:ext uri="{28A0092B-C50C-407E-A947-70E740481C1C}">
+                    <a14:useLocalDpi xmlns:a14="http://schemas.microsoft.com/office/drawing/2010/main" val="0"/>
+                  </a:ext>
+                </a:extLst>
+              </a:blip>
+              <a:srcRect/>
+              <a:stretch>
+                <a:fillRect/>
+              </a:stretch>
+            </p:blipFill>
+            <p:spPr bwMode="auto">
+              <a:xfrm>
+                <a:off x="8529364" y="361109"/>
+                <a:ext cx="191874" cy="182880"/>
+              </a:xfrm>
+              <a:prstGeom prst="rect">
+                <a:avLst/>
+              </a:prstGeom>
+              <a:noFill/>
+              <a:extLst>
+                <a:ext uri="{909E8E84-426E-40DD-AFC4-6F175D3DCCD1}">
+                  <a14:hiddenFill xmlns:a14="http://schemas.microsoft.com/office/drawing/2010/main">
+                    <a:solidFill>
+                      <a:srgbClr val="FFFFFF"/>
+                    </a:solidFill>
+                  </a14:hiddenFill>
+                </a:ext>
+              </a:extLst>
+            </p:spPr>
+          </p:pic>
+        </p:grpSp>
+        <p:grpSp>
+          <p:nvGrpSpPr>
+            <p:cNvPr id="12" name="Group 9"/>
+            <p:cNvGrpSpPr/>
+            <p:nvPr/>
+          </p:nvGrpSpPr>
+          <p:grpSpPr>
+            <a:xfrm>
+              <a:off x="923925" y="340846"/>
+              <a:ext cx="7142930" cy="228600"/>
+              <a:chOff x="923925" y="340846"/>
+              <a:chExt cx="7142930" cy="228600"/>
+            </a:xfrm>
+          </p:grpSpPr>
+          <p:sp>
+            <p:nvSpPr>
+              <p:cNvPr id="13" name="UrlBar"/>
+              <p:cNvSpPr/>
+              <p:nvPr/>
+            </p:nvSpPr>
+            <p:spPr>
+              <a:xfrm>
+                <a:off x="923925" y="340846"/>
+                <a:ext cx="7142930" cy="228600"/>
+              </a:xfrm>
+              <a:prstGeom prst="rect">
+                <a:avLst/>
+              </a:prstGeom>
+              <a:solidFill>
+                <a:sysClr val="window" lastClr="FFFFFF"/>
+              </a:solidFill>
+              <a:ln w="3175" cap="flat" cmpd="sng" algn="ctr">
+                <a:solidFill>
+                  <a:srgbClr val="000000">
+                    <a:lumMod val="50000"/>
+                    <a:lumOff val="50000"/>
+                  </a:srgbClr>
+                </a:solidFill>
+                <a:prstDash val="solid"/>
+              </a:ln>
+              <a:effectLst/>
+            </p:spPr>
+            <p:txBody>
+              <a:bodyPr rtlCol="0" anchor="ctr"/>
+              <a:lstStyle/>
+              <a:p>
+                <a:endParaRPr lang="pt-BR" sz="1200" kern="0">
+                  <a:solidFill>
+                    <a:prstClr val="black">
+                      <a:lumMod val="75000"/>
+                      <a:lumOff val="25000"/>
+                    </a:prstClr>
+                  </a:solidFill>
+                  <a:latin typeface="Segoe UI"/>
+                </a:endParaRPr>
+              </a:p>
+            </p:txBody>
+          </p:sp>
+          <p:grpSp>
+            <p:nvGrpSpPr>
+              <p:cNvPr id="14" name="Group 11"/>
+              <p:cNvGrpSpPr/>
+              <p:nvPr/>
+            </p:nvGrpSpPr>
+            <p:grpSpPr>
+              <a:xfrm>
+                <a:off x="7260350" y="363706"/>
+                <a:ext cx="744325" cy="182880"/>
+                <a:chOff x="7260350" y="363706"/>
+                <a:chExt cx="744325" cy="182880"/>
+              </a:xfrm>
+            </p:grpSpPr>
+            <p:pic>
+              <p:nvPicPr>
+                <p:cNvPr id="15" name="Search" descr="C:\Users\t-dantay\Documents\Placeholders\search.png"/>
+                <p:cNvPicPr>
+                  <a:picLocks noChangeAspect="1" noChangeArrowheads="1"/>
+                </p:cNvPicPr>
+                <p:nvPr/>
+              </p:nvPicPr>
+              <p:blipFill>
+                <a:blip r:embed="rId14" cstate="print">
+                  <a:extLst>
+                    <a:ext uri="{28A0092B-C50C-407E-A947-70E740481C1C}">
+                      <a14:useLocalDpi xmlns:a14="http://schemas.microsoft.com/office/drawing/2010/main" val="0"/>
+                    </a:ext>
+                  </a:extLst>
+                </a:blip>
+                <a:srcRect/>
+                <a:stretch>
+                  <a:fillRect/>
+                </a:stretch>
+              </p:blipFill>
+              <p:spPr bwMode="auto">
+                <a:xfrm flipH="1">
+                  <a:off x="7260350" y="363706"/>
+                  <a:ext cx="182880" cy="182880"/>
+                </a:xfrm>
+                <a:prstGeom prst="rect">
+                  <a:avLst/>
+                </a:prstGeom>
+                <a:noFill/>
+                <a:extLst>
+                  <a:ext uri="{909E8E84-426E-40DD-AFC4-6F175D3DCCD1}">
+                    <a14:hiddenFill xmlns:a14="http://schemas.microsoft.com/office/drawing/2010/main">
+                      <a:solidFill>
+                        <a:srgbClr val="FFFFFF"/>
+                      </a:solidFill>
+                    </a14:hiddenFill>
+                  </a:ext>
+                </a:extLst>
+              </p:spPr>
+            </p:pic>
+            <p:pic>
+              <p:nvPicPr>
+                <p:cNvPr id="16" name="Refresh" descr="C:\Users\t-dantay\Documents\First24\arrowrepeat1.png"/>
+                <p:cNvPicPr>
+                  <a:picLocks noChangeAspect="1" noChangeArrowheads="1"/>
+                </p:cNvPicPr>
+                <p:nvPr/>
+              </p:nvPicPr>
+              <p:blipFill>
+                <a:blip r:embed="rId15" cstate="print">
+                  <a:extLst>
+                    <a:ext uri="{28A0092B-C50C-407E-A947-70E740481C1C}">
+                      <a14:useLocalDpi xmlns:a14="http://schemas.microsoft.com/office/drawing/2010/main" val="0"/>
+                    </a:ext>
+                  </a:extLst>
+                </a:blip>
+                <a:srcRect/>
+                <a:stretch>
+                  <a:fillRect/>
+                </a:stretch>
+              </p:blipFill>
+              <p:spPr bwMode="auto">
+                <a:xfrm>
+                  <a:off x="7644400" y="363706"/>
+                  <a:ext cx="182880" cy="182880"/>
+                </a:xfrm>
+                <a:prstGeom prst="rect">
+                  <a:avLst/>
+                </a:prstGeom>
+                <a:noFill/>
+                <a:extLst>
+                  <a:ext uri="{909E8E84-426E-40DD-AFC4-6F175D3DCCD1}">
+                    <a14:hiddenFill xmlns:a14="http://schemas.microsoft.com/office/drawing/2010/main">
+                      <a:solidFill>
+                        <a:srgbClr val="FFFFFF"/>
+                      </a:solidFill>
+                    </a14:hiddenFill>
+                  </a:ext>
+                </a:extLst>
+              </p:spPr>
+            </p:pic>
+            <p:pic>
+              <p:nvPicPr>
+                <p:cNvPr id="17" name="Drop Down" descr="C:\Users\t-dantay\Documents\First24\arrowsimple1.png"/>
+                <p:cNvPicPr>
+                  <a:picLocks noChangeAspect="1" noChangeArrowheads="1"/>
+                </p:cNvPicPr>
+                <p:nvPr/>
+              </p:nvPicPr>
+              <p:blipFill>
+                <a:blip r:embed="rId16" cstate="print">
+                  <a:extLst>
+                    <a:ext uri="{28A0092B-C50C-407E-A947-70E740481C1C}">
+                      <a14:useLocalDpi xmlns:a14="http://schemas.microsoft.com/office/drawing/2010/main" val="0"/>
+                    </a:ext>
+                  </a:extLst>
+                </a:blip>
+                <a:srcRect/>
+                <a:stretch>
+                  <a:fillRect/>
+                </a:stretch>
+              </p:blipFill>
+              <p:spPr bwMode="auto">
+                <a:xfrm rot="5400000">
+                  <a:off x="7476150" y="409426"/>
+                  <a:ext cx="91440" cy="91440"/>
+                </a:xfrm>
+                <a:prstGeom prst="rect">
+                  <a:avLst/>
+                </a:prstGeom>
+                <a:noFill/>
+                <a:extLst>
+                  <a:ext uri="{909E8E84-426E-40DD-AFC4-6F175D3DCCD1}">
+                    <a14:hiddenFill xmlns:a14="http://schemas.microsoft.com/office/drawing/2010/main">
+                      <a:solidFill>
+                        <a:srgbClr val="FFFFFF"/>
+                      </a:solidFill>
+                    </a14:hiddenFill>
+                  </a:ext>
+                </a:extLst>
+              </p:spPr>
+            </p:pic>
+            <p:grpSp>
+              <p:nvGrpSpPr>
+                <p:cNvPr id="18" name="X"/>
+                <p:cNvGrpSpPr/>
+                <p:nvPr/>
+              </p:nvGrpSpPr>
+              <p:grpSpPr>
+                <a:xfrm>
+                  <a:off x="7913235" y="409426"/>
+                  <a:ext cx="91440" cy="91440"/>
+                  <a:chOff x="4687215" y="1739180"/>
+                  <a:chExt cx="91440" cy="91440"/>
+                </a:xfrm>
+              </p:grpSpPr>
+              <p:cxnSp>
+                <p:nvCxnSpPr>
+                  <p:cNvPr id="19" name="Straight Connector 16"/>
+                  <p:cNvCxnSpPr/>
+                  <p:nvPr/>
+                </p:nvCxnSpPr>
+                <p:spPr>
+                  <a:xfrm flipV="1">
+                    <a:off x="4687215" y="1739180"/>
+                    <a:ext cx="91440" cy="91440"/>
+                  </a:xfrm>
+                  <a:prstGeom prst="line">
+                    <a:avLst/>
+                  </a:prstGeom>
+                  <a:ln w="28575">
+                    <a:solidFill>
+                      <a:srgbClr val="FFFFFF">
+                        <a:lumMod val="50000"/>
+                      </a:srgbClr>
+                    </a:solidFill>
+                  </a:ln>
+                </p:spPr>
+                <p:style>
+                  <a:lnRef idx="1">
+                    <a:srgbClr val="FFFFFF"/>
+                  </a:lnRef>
+                  <a:fillRef idx="0">
+                    <a:srgbClr val="FFFFFF"/>
+                  </a:fillRef>
+                  <a:effectRef idx="0">
+                    <a:srgbClr val="FFFFFF"/>
+                  </a:effectRef>
+                  <a:fontRef idx="minor">
+                    <a:srgbClr val="000000"/>
+                  </a:fontRef>
+                </p:style>
+              </p:cxnSp>
+              <p:cxnSp>
+                <p:nvCxnSpPr>
+                  <p:cNvPr id="20" name="Straight Connector 17"/>
+                  <p:cNvCxnSpPr/>
+                  <p:nvPr/>
+                </p:nvCxnSpPr>
+                <p:spPr>
+                  <a:xfrm>
+                    <a:off x="4687215" y="1739180"/>
+                    <a:ext cx="91440" cy="91440"/>
+                  </a:xfrm>
+                  <a:prstGeom prst="line">
+                    <a:avLst/>
+                  </a:prstGeom>
+                  <a:ln w="28575">
+                    <a:solidFill>
+                      <a:srgbClr val="FFFFFF">
+                        <a:lumMod val="50000"/>
+                      </a:srgbClr>
+                    </a:solidFill>
+                  </a:ln>
+                </p:spPr>
+                <p:style>
+                  <a:lnRef idx="1">
+                    <a:srgbClr val="FFFFFF"/>
+                  </a:lnRef>
+                  <a:fillRef idx="0">
+                    <a:srgbClr val="FFFFFF"/>
+                  </a:fillRef>
+                  <a:effectRef idx="0">
+                    <a:srgbClr val="FFFFFF"/>
+                  </a:effectRef>
+                  <a:fontRef idx="minor">
+                    <a:srgbClr val="000000"/>
+                  </a:fontRef>
+                </p:style>
+              </p:cxnSp>
+            </p:grpSp>
+          </p:grpSp>
+        </p:grpSp>
+      </p:grpSp>
+      <p:sp>
+        <p:nvSpPr>
+          <p:cNvPr id="33" name="Retângulo: Cantos Arredondados 32"/>
+          <p:cNvSpPr/>
+          <p:nvPr/>
+        </p:nvSpPr>
+        <p:spPr>
+          <a:xfrm>
+            <a:off x="3532593" y="1973579"/>
+            <a:ext cx="4922520" cy="3489960"/>
+          </a:xfrm>
+          <a:prstGeom prst="roundRect">
+            <a:avLst/>
+          </a:prstGeom>
+          <a:noFill/>
+          <a:ln>
+            <a:solidFill>
+              <a:schemeClr val="bg1"/>
+            </a:solidFill>
+          </a:ln>
+          <a:effectLst>
+            <a:outerShdw blurRad="50800" dir="2700000" sx="101000" sy="101000" algn="tl" rotWithShape="0">
+              <a:schemeClr val="tx1">
+                <a:alpha val="66000"/>
+              </a:schemeClr>
+            </a:outerShdw>
+          </a:effectLst>
+        </p:spPr>
+        <p:style>
+          <a:lnRef idx="2">
+            <a:schemeClr val="accent1">
+              <a:shade val="50000"/>
+            </a:schemeClr>
+          </a:lnRef>
+          <a:fillRef idx="1">
+            <a:schemeClr val="accent1"/>
+          </a:fillRef>
+          <a:effectRef idx="0">
+            <a:schemeClr val="accent1"/>
+          </a:effectRef>
+          <a:fontRef idx="minor">
+            <a:schemeClr val="lt1"/>
+          </a:fontRef>
+        </p:style>
+        <p:txBody>
+          <a:bodyPr rtlCol="0" anchor="ctr"/>
+          <a:lstStyle/>
+          <a:p>
+            <a:pPr algn="ctr"/>
+            <a:endParaRPr lang="pt-BR">
+              <a:solidFill>
+                <a:schemeClr val="tx1"/>
+              </a:solidFill>
+            </a:endParaRPr>
+          </a:p>
+        </p:txBody>
+      </p:sp>
+      <p:sp>
+        <p:nvSpPr>
+          <p:cNvPr id="34" name="Content"/>
+          <p:cNvSpPr/>
+          <p:nvPr>
+            <p:custDataLst>
+              <p:custData r:id="rId2"/>
+            </p:custDataLst>
+          </p:nvPr>
+        </p:nvSpPr>
+        <p:spPr>
+          <a:xfrm>
+            <a:off x="5383802" y="3604259"/>
+            <a:ext cx="1220102" cy="228600"/>
+          </a:xfrm>
+          <a:prstGeom prst="rect">
+            <a:avLst/>
+          </a:prstGeom>
+          <a:solidFill>
+            <a:sysClr val="window" lastClr="FFFFFF"/>
+          </a:solidFill>
+          <a:ln w="3175">
+            <a:solidFill>
+              <a:srgbClr val="000000">
+                <a:lumMod val="50000"/>
+                <a:lumOff val="50000"/>
+              </a:srgbClr>
+            </a:solidFill>
+          </a:ln>
+          <a:effectLst/>
+        </p:spPr>
+        <p:style>
+          <a:lnRef idx="2">
+            <a:srgbClr val="4F81BD">
+              <a:shade val="50000"/>
+            </a:srgbClr>
+          </a:lnRef>
+          <a:fillRef idx="1">
+            <a:srgbClr val="4F81BD"/>
+          </a:fillRef>
+          <a:effectRef idx="0">
+            <a:srgbClr val="4F81BD"/>
+          </a:effectRef>
+          <a:fontRef idx="minor">
+            <a:srgbClr val="000000"/>
+          </a:fontRef>
+        </p:style>
+        <p:txBody>
+          <a:bodyPr wrap="none" lIns="45720" tIns="18288" rIns="45720" bIns="18288" rtlCol="0" anchor="ctr">
+            <a:noAutofit/>
+          </a:bodyPr>
+          <a:lstStyle/>
+          <a:p>
+            <a:endParaRPr lang="en-US" sz="1200" dirty="0">
+              <a:solidFill>
+                <a:srgbClr val="000000"/>
+              </a:solidFill>
+              <a:latin typeface="Segoe UI" pitchFamily="34" charset="0"/>
+              <a:cs typeface="Segoe UI" pitchFamily="34" charset="0"/>
+            </a:endParaRPr>
+          </a:p>
+        </p:txBody>
+      </p:sp>
+      <p:sp>
+        <p:nvSpPr>
+          <p:cNvPr id="35" name="Content"/>
+          <p:cNvSpPr/>
+          <p:nvPr>
+            <p:custDataLst>
+              <p:custData r:id="rId3"/>
+            </p:custDataLst>
+          </p:nvPr>
+        </p:nvSpPr>
+        <p:spPr>
+          <a:xfrm>
+            <a:off x="5373577" y="3915113"/>
+            <a:ext cx="1220102" cy="228600"/>
+          </a:xfrm>
+          <a:prstGeom prst="rect">
+            <a:avLst/>
+          </a:prstGeom>
+          <a:solidFill>
+            <a:sysClr val="window" lastClr="FFFFFF"/>
+          </a:solidFill>
+          <a:ln w="3175">
+            <a:solidFill>
+              <a:srgbClr val="000000">
+                <a:lumMod val="50000"/>
+                <a:lumOff val="50000"/>
+              </a:srgbClr>
+            </a:solidFill>
+          </a:ln>
+          <a:effectLst/>
+        </p:spPr>
+        <p:style>
+          <a:lnRef idx="2">
+            <a:srgbClr val="4F81BD">
+              <a:shade val="50000"/>
+            </a:srgbClr>
+          </a:lnRef>
+          <a:fillRef idx="1">
+            <a:srgbClr val="4F81BD"/>
+          </a:fillRef>
+          <a:effectRef idx="0">
+            <a:srgbClr val="4F81BD"/>
+          </a:effectRef>
+          <a:fontRef idx="minor">
+            <a:srgbClr val="000000"/>
+          </a:fontRef>
+        </p:style>
+        <p:txBody>
+          <a:bodyPr wrap="none" lIns="45720" tIns="18288" rIns="45720" bIns="18288" rtlCol="0" anchor="ctr">
+            <a:noAutofit/>
+          </a:bodyPr>
+          <a:lstStyle/>
+          <a:p>
+            <a:endParaRPr lang="en-US" sz="1200" dirty="0">
+              <a:solidFill>
+                <a:srgbClr val="000000"/>
+              </a:solidFill>
+              <a:latin typeface="Segoe UI" pitchFamily="34" charset="0"/>
+              <a:cs typeface="Segoe UI" pitchFamily="34" charset="0"/>
+            </a:endParaRPr>
+          </a:p>
+        </p:txBody>
+      </p:sp>
+      <p:sp>
+        <p:nvSpPr>
+          <p:cNvPr id="36" name="Content"/>
+          <p:cNvSpPr/>
+          <p:nvPr>
+            <p:custDataLst>
+              <p:custData r:id="rId4"/>
+            </p:custDataLst>
+          </p:nvPr>
+        </p:nvSpPr>
+        <p:spPr>
+          <a:xfrm>
+            <a:off x="5446893" y="4468019"/>
+            <a:ext cx="1106592" cy="228600"/>
+          </a:xfrm>
+          <a:prstGeom prst="roundRect">
+            <a:avLst/>
+          </a:prstGeom>
+          <a:solidFill>
+            <a:srgbClr val="FFFFFF">
+              <a:lumMod val="95000"/>
+            </a:srgbClr>
+          </a:solidFill>
+          <a:ln w="3175">
+            <a:solidFill>
+              <a:srgbClr val="000000">
+                <a:lumMod val="50000"/>
+                <a:lumOff val="50000"/>
+              </a:srgbClr>
+            </a:solidFill>
+          </a:ln>
+          <a:effectLst/>
+        </p:spPr>
+        <p:style>
+          <a:lnRef idx="2">
+            <a:srgbClr val="4F81BD">
+              <a:shade val="50000"/>
+            </a:srgbClr>
+          </a:lnRef>
+          <a:fillRef idx="1">
+            <a:srgbClr val="4F81BD"/>
+          </a:fillRef>
+          <a:effectRef idx="0">
+            <a:srgbClr val="4F81BD"/>
+          </a:effectRef>
+          <a:fontRef idx="minor">
+            <a:srgbClr val="000000"/>
+          </a:fontRef>
+        </p:style>
+        <p:txBody>
+          <a:bodyPr wrap="square" lIns="91440" tIns="0" rIns="91440" bIns="9144" rtlCol="0" anchor="ctr">
+            <a:noAutofit/>
+          </a:bodyPr>
+          <a:lstStyle/>
+          <a:p>
+            <a:pPr algn="ctr"/>
+            <a:r>
+              <a:rPr lang="pt-BR" sz="1200" dirty="0">
+                <a:latin typeface="Segoe UI" pitchFamily="34" charset="0"/>
+                <a:cs typeface="Segoe UI" pitchFamily="34" charset="0"/>
+              </a:rPr>
+              <a:t>Acessar</a:t>
+            </a:r>
+          </a:p>
+        </p:txBody>
+      </p:sp>
+      <p:sp>
+        <p:nvSpPr>
+          <p:cNvPr id="37" name="Content"/>
+          <p:cNvSpPr txBox="1"/>
+          <p:nvPr>
+            <p:custDataLst>
+              <p:custData r:id="rId5"/>
+            </p:custDataLst>
+          </p:nvPr>
+        </p:nvSpPr>
+        <p:spPr>
+          <a:xfrm>
+            <a:off x="4867087" y="3602027"/>
+            <a:ext cx="561372" cy="230832"/>
+          </a:xfrm>
+          <a:prstGeom prst="rect">
+            <a:avLst/>
+          </a:prstGeom>
+          <a:noFill/>
+        </p:spPr>
+        <p:txBody>
+          <a:bodyPr wrap="none" lIns="91440" tIns="18288" rIns="91440" bIns="27432" rtlCol="0" anchor="ctr" anchorCtr="0">
+            <a:spAutoFit/>
+          </a:bodyPr>
+          <a:lstStyle/>
+          <a:p>
+            <a:r>
+              <a:rPr lang="en-US" sz="1200" dirty="0">
+                <a:solidFill>
+                  <a:srgbClr val="000000"/>
+                </a:solidFill>
+                <a:latin typeface="Segoe UI" pitchFamily="34" charset="0"/>
+                <a:ea typeface="Segoe UI" pitchFamily="34" charset="0"/>
+                <a:cs typeface="Segoe UI" pitchFamily="34" charset="0"/>
+              </a:rPr>
+              <a:t>Login</a:t>
+            </a:r>
+          </a:p>
+        </p:txBody>
+      </p:sp>
+      <p:sp>
+        <p:nvSpPr>
+          <p:cNvPr id="38" name="Content"/>
+          <p:cNvSpPr txBox="1"/>
+          <p:nvPr>
+            <p:custDataLst>
+              <p:custData r:id="rId6"/>
+            </p:custDataLst>
+          </p:nvPr>
+        </p:nvSpPr>
+        <p:spPr>
+          <a:xfrm>
+            <a:off x="4848652" y="3927468"/>
+            <a:ext cx="598241" cy="230832"/>
+          </a:xfrm>
+          <a:prstGeom prst="rect">
+            <a:avLst/>
+          </a:prstGeom>
+          <a:noFill/>
+        </p:spPr>
+        <p:txBody>
+          <a:bodyPr wrap="none" lIns="91440" tIns="18288" rIns="91440" bIns="27432" rtlCol="0" anchor="ctr" anchorCtr="0">
+            <a:spAutoFit/>
+          </a:bodyPr>
+          <a:lstStyle/>
+          <a:p>
+            <a:r>
+              <a:rPr lang="pt-BR" sz="1200" dirty="0">
+                <a:solidFill>
+                  <a:srgbClr val="000000"/>
+                </a:solidFill>
+                <a:latin typeface="Segoe UI" pitchFamily="34" charset="0"/>
+                <a:ea typeface="Segoe UI" pitchFamily="34" charset="0"/>
+                <a:cs typeface="Segoe UI" pitchFamily="34" charset="0"/>
+              </a:rPr>
+              <a:t>Senha</a:t>
+            </a:r>
+          </a:p>
+        </p:txBody>
+      </p:sp>
+      <p:sp>
+        <p:nvSpPr>
+          <p:cNvPr id="39" name="Content"/>
+          <p:cNvSpPr txBox="1"/>
+          <p:nvPr>
+            <p:custDataLst>
+              <p:custData r:id="rId7"/>
+            </p:custDataLst>
+          </p:nvPr>
+        </p:nvSpPr>
+        <p:spPr>
+          <a:xfrm>
+            <a:off x="5297544" y="4122906"/>
+            <a:ext cx="1596912" cy="230832"/>
+          </a:xfrm>
+          <a:prstGeom prst="rect">
+            <a:avLst/>
+          </a:prstGeom>
+          <a:noFill/>
+        </p:spPr>
+        <p:txBody>
+          <a:bodyPr wrap="none" lIns="91440" tIns="18288" rIns="91440" bIns="27432" rtlCol="0" anchor="ctr" anchorCtr="0">
+            <a:spAutoFit/>
+          </a:bodyPr>
+          <a:lstStyle/>
+          <a:p>
+            <a:r>
+              <a:rPr lang="pt-BR" sz="1200" dirty="0">
+                <a:solidFill>
+                  <a:srgbClr val="0070C0"/>
+                </a:solidFill>
+                <a:latin typeface="Segoe UI" pitchFamily="34" charset="0"/>
+                <a:ea typeface="Segoe UI" pitchFamily="34" charset="0"/>
+                <a:cs typeface="Segoe UI" pitchFamily="34" charset="0"/>
+              </a:rPr>
+              <a:t>Esqueci minha senha</a:t>
+            </a:r>
+          </a:p>
+        </p:txBody>
+      </p:sp>
+      <p:sp>
+        <p:nvSpPr>
+          <p:cNvPr id="40" name="Content"/>
+          <p:cNvSpPr txBox="1"/>
+          <p:nvPr>
+            <p:custDataLst>
+              <p:custData r:id="rId8"/>
+            </p:custDataLst>
+          </p:nvPr>
+        </p:nvSpPr>
+        <p:spPr>
+          <a:xfrm>
+            <a:off x="4935778" y="3040291"/>
+            <a:ext cx="1958678" cy="353943"/>
+          </a:xfrm>
+          <a:prstGeom prst="rect">
+            <a:avLst/>
+          </a:prstGeom>
+          <a:noFill/>
+        </p:spPr>
+        <p:txBody>
+          <a:bodyPr wrap="none" lIns="91440" tIns="18288" rIns="91440" bIns="27432" rtlCol="0" anchor="ctr" anchorCtr="0">
+            <a:spAutoFit/>
+          </a:bodyPr>
+          <a:lstStyle/>
+          <a:p>
+            <a:r>
+              <a:rPr lang="en-US" sz="2000" dirty="0">
+                <a:solidFill>
+                  <a:srgbClr val="000000"/>
+                </a:solidFill>
+                <a:latin typeface="Segoe UI" pitchFamily="34" charset="0"/>
+                <a:ea typeface="Segoe UI" pitchFamily="34" charset="0"/>
+                <a:cs typeface="Segoe UI" pitchFamily="34" charset="0"/>
+              </a:rPr>
+              <a:t>Portal do </a:t>
+            </a:r>
+            <a:r>
+              <a:rPr lang="pt-BR" sz="2000" dirty="0">
+                <a:solidFill>
+                  <a:srgbClr val="000000"/>
+                </a:solidFill>
+                <a:latin typeface="Segoe UI" pitchFamily="34" charset="0"/>
+                <a:ea typeface="Segoe UI" pitchFamily="34" charset="0"/>
+                <a:cs typeface="Segoe UI" pitchFamily="34" charset="0"/>
+              </a:rPr>
+              <a:t>Aluno</a:t>
+            </a:r>
+          </a:p>
+        </p:txBody>
+      </p:sp>
+      <p:pic>
+        <p:nvPicPr>
+          <p:cNvPr id="41" name="Imagem 40"/>
+          <p:cNvPicPr>
+            <a:picLocks noChangeAspect="1"/>
+          </p:cNvPicPr>
+          <p:nvPr/>
+        </p:nvPicPr>
+        <p:blipFill>
+          <a:blip r:embed="rId17"/>
+          <a:stretch>
+            <a:fillRect/>
+          </a:stretch>
+        </p:blipFill>
+        <p:spPr>
+          <a:xfrm>
+            <a:off x="3850172" y="2180115"/>
+            <a:ext cx="279868" cy="582634"/>
+          </a:xfrm>
+          <a:prstGeom prst="rect">
+            <a:avLst/>
+          </a:prstGeom>
+        </p:spPr>
+      </p:pic>
+      <p:sp>
+        <p:nvSpPr>
+          <p:cNvPr id="42" name="Content"/>
+          <p:cNvSpPr txBox="1"/>
+          <p:nvPr>
+            <p:custDataLst>
+              <p:custData r:id="rId9"/>
+            </p:custDataLst>
+          </p:nvPr>
+        </p:nvSpPr>
+        <p:spPr>
+          <a:xfrm>
+            <a:off x="4084115" y="2237174"/>
+            <a:ext cx="1741952" cy="538609"/>
+          </a:xfrm>
+          <a:prstGeom prst="rect">
+            <a:avLst/>
+          </a:prstGeom>
+          <a:noFill/>
+        </p:spPr>
+        <p:txBody>
+          <a:bodyPr wrap="none" lIns="91440" tIns="18288" rIns="91440" bIns="27432" rtlCol="0" anchor="ctr" anchorCtr="0">
+            <a:spAutoFit/>
+          </a:bodyPr>
+          <a:lstStyle/>
+          <a:p>
+            <a:r>
+              <a:rPr lang="pt-BR" sz="3200" dirty="0">
+                <a:solidFill>
+                  <a:srgbClr val="000000"/>
+                </a:solidFill>
+                <a:latin typeface="Segoe UI" pitchFamily="34" charset="0"/>
+                <a:ea typeface="Segoe UI" pitchFamily="34" charset="0"/>
+                <a:cs typeface="Segoe UI" pitchFamily="34" charset="0"/>
+              </a:rPr>
+              <a:t>UNIRON</a:t>
+            </a:r>
           </a:p>
         </p:txBody>
       </p:sp>
@@ -3291,4 +4806,256 @@
     </a:ext>
   </a:extLst>
 </a:theme>
+</file>
+
+<file path=customXml/item1.xml><?xml version="1.0" encoding="utf-8"?>
+<Control xmlns="http://schemas.microsoft.com/VisualStudio/2011/storyboarding/control">
+  <Id Name="System.Storyboarding.Backgrounds.WebBrowser" Revision="1" Stencil="System.Storyboarding.Backgrounds" StencilVersion="0.1"/>
+</Control>
+</file>
+
+<file path=customXml/item10.xml><?xml version="1.0" encoding="utf-8"?>
+<Control xmlns="http://schemas.microsoft.com/VisualStudio/2011/storyboarding/control">
+  <Id Name="System.Storyboarding.Backgrounds.WebBrowser" Revision="1" Stencil="System.Storyboarding.Backgrounds" StencilVersion="0.1"/>
+</Control>
+</file>
+
+<file path=customXml/item11.xml><?xml version="1.0" encoding="utf-8"?>
+<Control xmlns="http://schemas.microsoft.com/VisualStudio/2011/storyboarding/control">
+  <Id Name="System.Storyboarding.Backgrounds.WebBrowser" Revision="1" Stencil="System.Storyboarding.Backgrounds" StencilVersion="0.1"/>
+</Control>
+</file>
+
+<file path=customXml/item12.xml><?xml version="1.0" encoding="utf-8"?>
+<Control xmlns="http://schemas.microsoft.com/VisualStudio/2011/storyboarding/control">
+  <Id Name="System.Storyboarding.Backgrounds.WebBrowser" Revision="1" Stencil="System.Storyboarding.Backgrounds" StencilVersion="0.1"/>
+</Control>
+</file>
+
+<file path=customXml/item13.xml><?xml version="1.0" encoding="utf-8"?>
+<Control xmlns="http://schemas.microsoft.com/VisualStudio/2011/storyboarding/control">
+  <Id Name="System.Storyboarding.Backgrounds.WebBrowser" Revision="1" Stencil="System.Storyboarding.Backgrounds" StencilVersion="0.1"/>
+</Control>
+</file>
+
+<file path=customXml/item14.xml><?xml version="1.0" encoding="utf-8"?>
+<Control xmlns="http://schemas.microsoft.com/VisualStudio/2011/storyboarding/control">
+  <Id Name="System.Storyboarding.Backgrounds.WebBrowser" Revision="1" Stencil="System.Storyboarding.Backgrounds" StencilVersion="0.1"/>
+</Control>
+</file>
+
+<file path=customXml/item15.xml><?xml version="1.0" encoding="utf-8"?>
+<Control xmlns="http://schemas.microsoft.com/VisualStudio/2011/storyboarding/control">
+  <Id Name="System.Storyboarding.Backgrounds.WebBrowser" Revision="1" Stencil="System.Storyboarding.Backgrounds" StencilVersion="0.1"/>
+</Control>
+</file>
+
+<file path=customXml/item16.xml><?xml version="1.0" encoding="utf-8"?>
+<Control xmlns="http://schemas.microsoft.com/VisualStudio/2011/storyboarding/control">
+  <Id Name="System.Storyboarding.Backgrounds.WebBrowser" Revision="1" Stencil="System.Storyboarding.Backgrounds" StencilVersion="0.1"/>
+</Control>
+</file>
+
+<file path=customXml/item17.xml><?xml version="1.0" encoding="utf-8"?>
+<Control xmlns="http://schemas.microsoft.com/VisualStudio/2011/storyboarding/control">
+  <Id Name="System.Storyboarding.Backgrounds.WebBrowser" Revision="1" Stencil="System.Storyboarding.Backgrounds" StencilVersion="0.1"/>
+</Control>
+</file>
+
+<file path=customXml/item18.xml><?xml version="1.0" encoding="utf-8"?>
+<Control xmlns="http://schemas.microsoft.com/VisualStudio/2011/storyboarding/control">
+  <Id Name="System.Storyboarding.Backgrounds.WebBrowser" Revision="1" Stencil="System.Storyboarding.Backgrounds" StencilVersion="0.1"/>
+</Control>
+</file>
+
+<file path=customXml/item2.xml><?xml version="1.0" encoding="utf-8"?>
+<Control xmlns="http://schemas.microsoft.com/VisualStudio/2011/storyboarding/control">
+  <Id Name="System.Storyboarding.Common.TextInput" Revision="1" Stencil="System.Storyboarding.Common" StencilVersion="0.1"/>
+</Control>
+</file>
+
+<file path=customXml/item3.xml><?xml version="1.0" encoding="utf-8"?>
+<Control xmlns="http://schemas.microsoft.com/VisualStudio/2011/storyboarding/control">
+  <Id Name="System.Storyboarding.Common.TextInput" Revision="1" Stencil="System.Storyboarding.Common" StencilVersion="0.1"/>
+</Control>
+</file>
+
+<file path=customXml/item4.xml><?xml version="1.0" encoding="utf-8"?>
+<Control xmlns="http://schemas.microsoft.com/VisualStudio/2011/storyboarding/control">
+  <Id Name="System.Storyboarding.Common.Button" Revision="1" Stencil="System.Storyboarding.Common" StencilVersion="0.1"/>
+</Control>
+</file>
+
+<file path=customXml/item5.xml><?xml version="1.0" encoding="utf-8"?>
+<Control xmlns="http://schemas.microsoft.com/VisualStudio/2011/storyboarding/control">
+  <Id Name="System.Storyboarding.Common.Text" Revision="1" Stencil="System.Storyboarding.Common" StencilVersion="0.1"/>
+</Control>
+</file>
+
+<file path=customXml/item6.xml><?xml version="1.0" encoding="utf-8"?>
+<Control xmlns="http://schemas.microsoft.com/VisualStudio/2011/storyboarding/control">
+  <Id Name="System.Storyboarding.Common.Text" Revision="1" Stencil="System.Storyboarding.Common" StencilVersion="0.1"/>
+</Control>
+</file>
+
+<file path=customXml/item7.xml><?xml version="1.0" encoding="utf-8"?>
+<Control xmlns="http://schemas.microsoft.com/VisualStudio/2011/storyboarding/control">
+  <Id Name="System.Storyboarding.Common.Text" Revision="1" Stencil="System.Storyboarding.Common" StencilVersion="0.1"/>
+</Control>
+</file>
+
+<file path=customXml/item8.xml><?xml version="1.0" encoding="utf-8"?>
+<Control xmlns="http://schemas.microsoft.com/VisualStudio/2011/storyboarding/control">
+  <Id Name="System.Storyboarding.Common.Text" Revision="1" Stencil="System.Storyboarding.Common" StencilVersion="0.1"/>
+</Control>
+</file>
+
+<file path=customXml/item9.xml><?xml version="1.0" encoding="utf-8"?>
+<Control xmlns="http://schemas.microsoft.com/VisualStudio/2011/storyboarding/control">
+  <Id Name="System.Storyboarding.Common.Text" Revision="1" Stencil="System.Storyboarding.Common" StencilVersion="0.1"/>
+</Control>
+</file>
+
+<file path=customXml/itemProps1.xml><?xml version="1.0" encoding="utf-8"?>
+<ds:datastoreItem xmlns:ds="http://schemas.openxmlformats.org/officeDocument/2006/customXml" ds:itemID="{487173A5-A9D2-4BCA-990A-1965DC6A52B3}">
+  <ds:schemaRefs>
+    <ds:schemaRef ds:uri="http://schemas.microsoft.com/VisualStudio/2011/storyboarding/control"/>
+  </ds:schemaRefs>
+</ds:datastoreItem>
+</file>
+
+<file path=customXml/itemProps10.xml><?xml version="1.0" encoding="utf-8"?>
+<ds:datastoreItem xmlns:ds="http://schemas.openxmlformats.org/officeDocument/2006/customXml" ds:itemID="{136156A8-E1CA-4F3D-82AA-BE652C9F64F2}">
+  <ds:schemaRefs>
+    <ds:schemaRef ds:uri="http://schemas.microsoft.com/VisualStudio/2011/storyboarding/control"/>
+  </ds:schemaRefs>
+</ds:datastoreItem>
+</file>
+
+<file path=customXml/itemProps11.xml><?xml version="1.0" encoding="utf-8"?>
+<ds:datastoreItem xmlns:ds="http://schemas.openxmlformats.org/officeDocument/2006/customXml" ds:itemID="{2AC127BD-FC4D-4BF5-A50B-50CEE625CC83}">
+  <ds:schemaRefs>
+    <ds:schemaRef ds:uri="http://schemas.microsoft.com/VisualStudio/2011/storyboarding/control"/>
+  </ds:schemaRefs>
+</ds:datastoreItem>
+</file>
+
+<file path=customXml/itemProps12.xml><?xml version="1.0" encoding="utf-8"?>
+<ds:datastoreItem xmlns:ds="http://schemas.openxmlformats.org/officeDocument/2006/customXml" ds:itemID="{3268A3EF-D6CA-49B5-A04C-91B4AA53FFB2}">
+  <ds:schemaRefs>
+    <ds:schemaRef ds:uri="http://schemas.microsoft.com/VisualStudio/2011/storyboarding/control"/>
+  </ds:schemaRefs>
+</ds:datastoreItem>
+</file>
+
+<file path=customXml/itemProps13.xml><?xml version="1.0" encoding="utf-8"?>
+<ds:datastoreItem xmlns:ds="http://schemas.openxmlformats.org/officeDocument/2006/customXml" ds:itemID="{D9833B6F-3137-4DD4-9271-F02E3222DF3E}">
+  <ds:schemaRefs>
+    <ds:schemaRef ds:uri="http://schemas.microsoft.com/VisualStudio/2011/storyboarding/control"/>
+  </ds:schemaRefs>
+</ds:datastoreItem>
+</file>
+
+<file path=customXml/itemProps14.xml><?xml version="1.0" encoding="utf-8"?>
+<ds:datastoreItem xmlns:ds="http://schemas.openxmlformats.org/officeDocument/2006/customXml" ds:itemID="{83197DEB-3330-47B2-AAEF-913A4A605B50}">
+  <ds:schemaRefs>
+    <ds:schemaRef ds:uri="http://schemas.microsoft.com/VisualStudio/2011/storyboarding/control"/>
+  </ds:schemaRefs>
+</ds:datastoreItem>
+</file>
+
+<file path=customXml/itemProps15.xml><?xml version="1.0" encoding="utf-8"?>
+<ds:datastoreItem xmlns:ds="http://schemas.openxmlformats.org/officeDocument/2006/customXml" ds:itemID="{BA892619-0C76-46BF-A1E5-E409DF05C4C5}">
+  <ds:schemaRefs>
+    <ds:schemaRef ds:uri="http://schemas.microsoft.com/VisualStudio/2011/storyboarding/control"/>
+  </ds:schemaRefs>
+</ds:datastoreItem>
+</file>
+
+<file path=customXml/itemProps16.xml><?xml version="1.0" encoding="utf-8"?>
+<ds:datastoreItem xmlns:ds="http://schemas.openxmlformats.org/officeDocument/2006/customXml" ds:itemID="{4791953E-C724-42FE-B90C-06F5F247AC0B}">
+  <ds:schemaRefs>
+    <ds:schemaRef ds:uri="http://schemas.microsoft.com/VisualStudio/2011/storyboarding/control"/>
+  </ds:schemaRefs>
+</ds:datastoreItem>
+</file>
+
+<file path=customXml/itemProps17.xml><?xml version="1.0" encoding="utf-8"?>
+<ds:datastoreItem xmlns:ds="http://schemas.openxmlformats.org/officeDocument/2006/customXml" ds:itemID="{6054DAC1-D987-43B9-93D9-57F739300240}">
+  <ds:schemaRefs>
+    <ds:schemaRef ds:uri="http://schemas.microsoft.com/VisualStudio/2011/storyboarding/control"/>
+  </ds:schemaRefs>
+</ds:datastoreItem>
+</file>
+
+<file path=customXml/itemProps18.xml><?xml version="1.0" encoding="utf-8"?>
+<ds:datastoreItem xmlns:ds="http://schemas.openxmlformats.org/officeDocument/2006/customXml" ds:itemID="{33F1231F-0306-4431-B9A3-C4103AB3FAD4}">
+  <ds:schemaRefs>
+    <ds:schemaRef ds:uri="http://schemas.microsoft.com/VisualStudio/2011/storyboarding/control"/>
+  </ds:schemaRefs>
+</ds:datastoreItem>
+</file>
+
+<file path=customXml/itemProps2.xml><?xml version="1.0" encoding="utf-8"?>
+<ds:datastoreItem xmlns:ds="http://schemas.openxmlformats.org/officeDocument/2006/customXml" ds:itemID="{21B35B14-483B-4E76-AAEC-4BB3303C976B}">
+  <ds:schemaRefs>
+    <ds:schemaRef ds:uri="http://schemas.microsoft.com/VisualStudio/2011/storyboarding/control"/>
+  </ds:schemaRefs>
+</ds:datastoreItem>
+</file>
+
+<file path=customXml/itemProps3.xml><?xml version="1.0" encoding="utf-8"?>
+<ds:datastoreItem xmlns:ds="http://schemas.openxmlformats.org/officeDocument/2006/customXml" ds:itemID="{986B96FE-18A9-49B5-A777-8363FE00896C}">
+  <ds:schemaRefs>
+    <ds:schemaRef ds:uri="http://schemas.microsoft.com/VisualStudio/2011/storyboarding/control"/>
+  </ds:schemaRefs>
+</ds:datastoreItem>
+</file>
+
+<file path=customXml/itemProps4.xml><?xml version="1.0" encoding="utf-8"?>
+<ds:datastoreItem xmlns:ds="http://schemas.openxmlformats.org/officeDocument/2006/customXml" ds:itemID="{E728FC32-ED93-427B-B9DE-6916B1306E12}">
+  <ds:schemaRefs>
+    <ds:schemaRef ds:uri="http://schemas.microsoft.com/VisualStudio/2011/storyboarding/control"/>
+  </ds:schemaRefs>
+</ds:datastoreItem>
+</file>
+
+<file path=customXml/itemProps5.xml><?xml version="1.0" encoding="utf-8"?>
+<ds:datastoreItem xmlns:ds="http://schemas.openxmlformats.org/officeDocument/2006/customXml" ds:itemID="{99CE0A09-15EE-4467-B74F-F200B8785290}">
+  <ds:schemaRefs>
+    <ds:schemaRef ds:uri="http://schemas.microsoft.com/VisualStudio/2011/storyboarding/control"/>
+  </ds:schemaRefs>
+</ds:datastoreItem>
+</file>
+
+<file path=customXml/itemProps6.xml><?xml version="1.0" encoding="utf-8"?>
+<ds:datastoreItem xmlns:ds="http://schemas.openxmlformats.org/officeDocument/2006/customXml" ds:itemID="{8517BDEE-C78A-467C-908C-749FEE10693B}">
+  <ds:schemaRefs>
+    <ds:schemaRef ds:uri="http://schemas.microsoft.com/VisualStudio/2011/storyboarding/control"/>
+  </ds:schemaRefs>
+</ds:datastoreItem>
+</file>
+
+<file path=customXml/itemProps7.xml><?xml version="1.0" encoding="utf-8"?>
+<ds:datastoreItem xmlns:ds="http://schemas.openxmlformats.org/officeDocument/2006/customXml" ds:itemID="{5B7DBCCA-82D6-4705-8E56-C44CD2412A33}">
+  <ds:schemaRefs>
+    <ds:schemaRef ds:uri="http://schemas.microsoft.com/VisualStudio/2011/storyboarding/control"/>
+  </ds:schemaRefs>
+</ds:datastoreItem>
+</file>
+
+<file path=customXml/itemProps8.xml><?xml version="1.0" encoding="utf-8"?>
+<ds:datastoreItem xmlns:ds="http://schemas.openxmlformats.org/officeDocument/2006/customXml" ds:itemID="{67CF3844-0CC4-4FA0-ACDF-BF763B8E0F78}">
+  <ds:schemaRefs>
+    <ds:schemaRef ds:uri="http://schemas.microsoft.com/VisualStudio/2011/storyboarding/control"/>
+  </ds:schemaRefs>
+</ds:datastoreItem>
+</file>
+
+<file path=customXml/itemProps9.xml><?xml version="1.0" encoding="utf-8"?>
+<ds:datastoreItem xmlns:ds="http://schemas.openxmlformats.org/officeDocument/2006/customXml" ds:itemID="{C2504A3A-27C7-4086-A1D3-270B0D361FAE}">
+  <ds:schemaRefs>
+    <ds:schemaRef ds:uri="http://schemas.microsoft.com/VisualStudio/2011/storyboarding/control"/>
+  </ds:schemaRefs>
+</ds:datastoreItem>
 </file>
--- a/StoryBoards/StoryBoard_RF3_AcessoAAcervo_BuscaRapida.pptx
+++ b/StoryBoards/StoryBoard_RF3_AcessoAAcervo_BuscaRapida.pptx
@@ -2,10 +2,12 @@
 <file path=ppt/presentation.xml><?xml version="1.0" encoding="utf-8"?>
 <p:presentation xmlns:a="http://schemas.openxmlformats.org/drawingml/2006/main" xmlns:r="http://schemas.openxmlformats.org/officeDocument/2006/relationships" xmlns:p="http://schemas.openxmlformats.org/presentationml/2006/main" saveSubsetFonts="1">
   <p:sldMasterIdLst>
-    <p:sldMasterId id="2147483648" r:id="rId19"/>
+    <p:sldMasterId id="2147483648" r:id="rId42"/>
   </p:sldMasterIdLst>
   <p:sldIdLst>
-    <p:sldId id="256" r:id="rId20"/>
+    <p:sldId id="256" r:id="rId43"/>
+    <p:sldId id="257" r:id="rId44"/>
+    <p:sldId id="258" r:id="rId45"/>
   </p:sldIdLst>
   <p:sldSz cx="12192000" cy="6858000"/>
   <p:notesSz cx="6858000" cy="9144000"/>
@@ -4513,6 +4515,6221 @@
 </p:sld>
 </file>
 
+<file path=ppt/slides/slide2.xml><?xml version="1.0" encoding="utf-8"?>
+<p:sld xmlns:a="http://schemas.openxmlformats.org/drawingml/2006/main" xmlns:r="http://schemas.openxmlformats.org/officeDocument/2006/relationships" xmlns:p="http://schemas.openxmlformats.org/presentationml/2006/main">
+  <p:cSld>
+    <p:spTree>
+      <p:nvGrpSpPr>
+        <p:cNvPr id="1" name=""/>
+        <p:cNvGrpSpPr/>
+        <p:nvPr/>
+      </p:nvGrpSpPr>
+      <p:grpSpPr>
+        <a:xfrm>
+          <a:off x="0" y="0"/>
+          <a:ext cx="0" cy="0"/>
+          <a:chOff x="0" y="0"/>
+          <a:chExt cx="0" cy="0"/>
+        </a:xfrm>
+      </p:grpSpPr>
+      <p:grpSp>
+        <p:nvGrpSpPr>
+          <p:cNvPr id="2" name="WebBrowser"/>
+          <p:cNvGrpSpPr/>
+          <p:nvPr>
+            <p:custDataLst>
+              <p:custData r:id="rId1"/>
+            </p:custDataLst>
+          </p:nvPr>
+        </p:nvGrpSpPr>
+        <p:grpSpPr>
+          <a:xfrm>
+            <a:off x="0" y="0"/>
+            <a:ext cx="12192000" cy="6858000"/>
+            <a:chOff x="0" y="0"/>
+            <a:chExt cx="9144000" cy="6858000"/>
+          </a:xfrm>
+        </p:grpSpPr>
+        <p:sp>
+          <p:nvSpPr>
+            <p:cNvPr id="3" name="Background"/>
+            <p:cNvSpPr/>
+            <p:nvPr/>
+          </p:nvSpPr>
+          <p:spPr>
+            <a:xfrm>
+              <a:off x="0" y="0"/>
+              <a:ext cx="9144000" cy="6858000"/>
+            </a:xfrm>
+            <a:prstGeom prst="rect">
+              <a:avLst/>
+            </a:prstGeom>
+            <a:solidFill>
+              <a:srgbClr val="FFFFFF">
+                <a:lumMod val="65000"/>
+              </a:srgbClr>
+            </a:solidFill>
+            <a:ln w="3175" cap="flat" cmpd="sng" algn="ctr">
+              <a:solidFill>
+                <a:srgbClr val="000000">
+                  <a:lumMod val="50000"/>
+                  <a:lumOff val="50000"/>
+                </a:srgbClr>
+              </a:solidFill>
+              <a:prstDash val="solid"/>
+            </a:ln>
+            <a:effectLst/>
+          </p:spPr>
+          <p:txBody>
+            <a:bodyPr rtlCol="0" anchor="ctr"/>
+            <a:lstStyle/>
+            <a:p>
+              <a:pPr algn="ctr"/>
+              <a:endParaRPr lang="pt-BR" sz="1050" kern="0">
+                <a:solidFill>
+                  <a:prstClr val="white"/>
+                </a:solidFill>
+                <a:latin typeface="Segoe UI"/>
+              </a:endParaRPr>
+            </a:p>
+          </p:txBody>
+        </p:sp>
+        <p:sp>
+          <p:nvSpPr>
+            <p:cNvPr id="4" name="WindowTitle"/>
+            <p:cNvSpPr txBox="1"/>
+            <p:nvPr/>
+          </p:nvSpPr>
+          <p:spPr>
+            <a:xfrm>
+              <a:off x="22515" y="22341"/>
+              <a:ext cx="882021" cy="230832"/>
+            </a:xfrm>
+            <a:prstGeom prst="rect">
+              <a:avLst/>
+            </a:prstGeom>
+            <a:noFill/>
+          </p:spPr>
+          <p:txBody>
+            <a:bodyPr wrap="none" lIns="91440" tIns="18288" rIns="91440" bIns="27432" rtlCol="0" anchor="ctr" anchorCtr="0">
+              <a:spAutoFit/>
+            </a:bodyPr>
+            <a:lstStyle/>
+            <a:p>
+              <a:r>
+                <a:rPr lang="pt-BR" sz="1200">
+                  <a:solidFill>
+                    <a:prstClr val="white"/>
+                  </a:solidFill>
+                  <a:latin typeface="Segoe UI" pitchFamily="34" charset="0"/>
+                  <a:ea typeface="Segoe UI" pitchFamily="34" charset="0"/>
+                  <a:cs typeface="Segoe UI" pitchFamily="34" charset="0"/>
+                </a:rPr>
+                <a:t>Web page title</a:t>
+              </a:r>
+            </a:p>
+          </p:txBody>
+        </p:sp>
+        <p:grpSp>
+          <p:nvGrpSpPr>
+            <p:cNvPr id="5" name="Group 4"/>
+            <p:cNvGrpSpPr/>
+            <p:nvPr/>
+          </p:nvGrpSpPr>
+          <p:grpSpPr>
+            <a:xfrm>
+              <a:off x="81598" y="286385"/>
+              <a:ext cx="320040" cy="316520"/>
+              <a:chOff x="72073" y="221749"/>
+              <a:chExt cx="320040" cy="316520"/>
+            </a:xfrm>
+          </p:grpSpPr>
+          <p:sp>
+            <p:nvSpPr>
+              <p:cNvPr id="29" name="Oval 28"/>
+              <p:cNvSpPr/>
+              <p:nvPr/>
+            </p:nvSpPr>
+            <p:spPr>
+              <a:xfrm>
+                <a:off x="72073" y="221749"/>
+                <a:ext cx="320040" cy="316520"/>
+              </a:xfrm>
+              <a:prstGeom prst="ellipse">
+                <a:avLst/>
+              </a:prstGeom>
+              <a:gradFill flip="none" rotWithShape="1">
+                <a:gsLst>
+                  <a:gs pos="91000">
+                    <a:srgbClr val="FFFFFF">
+                      <a:lumMod val="85000"/>
+                    </a:srgbClr>
+                  </a:gs>
+                  <a:gs pos="36000">
+                    <a:srgbClr val="FFFFFF">
+                      <a:lumMod val="95000"/>
+                    </a:srgbClr>
+                  </a:gs>
+                  <a:gs pos="100000">
+                    <a:srgbClr val="FFFFFF">
+                      <a:lumMod val="95000"/>
+                    </a:srgbClr>
+                  </a:gs>
+                </a:gsLst>
+                <a:lin ang="5400000" scaled="0"/>
+                <a:tileRect/>
+              </a:gradFill>
+              <a:ln w="3175">
+                <a:solidFill>
+                  <a:srgbClr val="000000">
+                    <a:lumMod val="50000"/>
+                    <a:lumOff val="50000"/>
+                  </a:srgbClr>
+                </a:solidFill>
+              </a:ln>
+              <a:effectLst/>
+            </p:spPr>
+            <p:style>
+              <a:lnRef idx="2">
+                <a:srgbClr val="4F81BD">
+                  <a:shade val="50000"/>
+                </a:srgbClr>
+              </a:lnRef>
+              <a:fillRef idx="1">
+                <a:srgbClr val="4F81BD"/>
+              </a:fillRef>
+              <a:effectRef idx="0">
+                <a:srgbClr val="4F81BD"/>
+              </a:effectRef>
+              <a:fontRef idx="minor">
+                <a:srgbClr val="000000"/>
+              </a:fontRef>
+            </p:style>
+            <p:txBody>
+              <a:bodyPr rtlCol="0" anchor="ctr"/>
+              <a:lstStyle/>
+              <a:p>
+                <a:pPr algn="ctr"/>
+                <a:endParaRPr lang="pt-BR" sz="1050" u="sng">
+                  <a:solidFill>
+                    <a:prstClr val="white"/>
+                  </a:solidFill>
+                </a:endParaRPr>
+              </a:p>
+            </p:txBody>
+          </p:sp>
+          <p:sp>
+            <p:nvSpPr>
+              <p:cNvPr id="30" name="Left Arrow 29"/>
+              <p:cNvSpPr/>
+              <p:nvPr/>
+            </p:nvSpPr>
+            <p:spPr>
+              <a:xfrm>
+                <a:off x="109358" y="275511"/>
+                <a:ext cx="223134" cy="208997"/>
+              </a:xfrm>
+              <a:prstGeom prst="leftArrow">
+                <a:avLst/>
+              </a:prstGeom>
+              <a:solidFill>
+                <a:sysClr val="window" lastClr="FFFFFF"/>
+              </a:solidFill>
+              <a:ln w="3175" cap="flat" cmpd="sng" algn="ctr">
+                <a:solidFill>
+                  <a:sysClr val="windowText" lastClr="000000">
+                    <a:lumMod val="75000"/>
+                    <a:lumOff val="25000"/>
+                  </a:sysClr>
+                </a:solidFill>
+                <a:prstDash val="solid"/>
+              </a:ln>
+              <a:effectLst/>
+            </p:spPr>
+            <p:txBody>
+              <a:bodyPr rtlCol="0" anchor="ctr"/>
+              <a:lstStyle/>
+              <a:p>
+                <a:pPr algn="ctr"/>
+                <a:endParaRPr lang="pt-BR" sz="1050" kern="0">
+                  <a:solidFill>
+                    <a:prstClr val="white"/>
+                  </a:solidFill>
+                  <a:latin typeface="Segoe UI"/>
+                </a:endParaRPr>
+              </a:p>
+            </p:txBody>
+          </p:sp>
+        </p:grpSp>
+        <p:grpSp>
+          <p:nvGrpSpPr>
+            <p:cNvPr id="6" name="Group 5"/>
+            <p:cNvGrpSpPr/>
+            <p:nvPr/>
+          </p:nvGrpSpPr>
+          <p:grpSpPr>
+            <a:xfrm>
+              <a:off x="453671" y="286384"/>
+              <a:ext cx="320040" cy="316520"/>
+              <a:chOff x="444146" y="221748"/>
+              <a:chExt cx="320040" cy="316520"/>
+            </a:xfrm>
+          </p:grpSpPr>
+          <p:sp>
+            <p:nvSpPr>
+              <p:cNvPr id="27" name="Oval 26"/>
+              <p:cNvSpPr/>
+              <p:nvPr/>
+            </p:nvSpPr>
+            <p:spPr>
+              <a:xfrm>
+                <a:off x="444146" y="221748"/>
+                <a:ext cx="320040" cy="316520"/>
+              </a:xfrm>
+              <a:prstGeom prst="ellipse">
+                <a:avLst/>
+              </a:prstGeom>
+              <a:gradFill flip="none" rotWithShape="1">
+                <a:gsLst>
+                  <a:gs pos="91000">
+                    <a:srgbClr val="FFFFFF">
+                      <a:lumMod val="85000"/>
+                    </a:srgbClr>
+                  </a:gs>
+                  <a:gs pos="36000">
+                    <a:srgbClr val="FFFFFF">
+                      <a:lumMod val="95000"/>
+                    </a:srgbClr>
+                  </a:gs>
+                  <a:gs pos="100000">
+                    <a:srgbClr val="FFFFFF">
+                      <a:lumMod val="95000"/>
+                    </a:srgbClr>
+                  </a:gs>
+                </a:gsLst>
+                <a:lin ang="5400000" scaled="0"/>
+                <a:tileRect/>
+              </a:gradFill>
+              <a:ln w="3175">
+                <a:solidFill>
+                  <a:srgbClr val="000000">
+                    <a:lumMod val="50000"/>
+                    <a:lumOff val="50000"/>
+                  </a:srgbClr>
+                </a:solidFill>
+              </a:ln>
+              <a:effectLst/>
+            </p:spPr>
+            <p:style>
+              <a:lnRef idx="2">
+                <a:srgbClr val="4F81BD">
+                  <a:shade val="50000"/>
+                </a:srgbClr>
+              </a:lnRef>
+              <a:fillRef idx="1">
+                <a:srgbClr val="4F81BD"/>
+              </a:fillRef>
+              <a:effectRef idx="0">
+                <a:srgbClr val="4F81BD"/>
+              </a:effectRef>
+              <a:fontRef idx="minor">
+                <a:srgbClr val="000000"/>
+              </a:fontRef>
+            </p:style>
+            <p:txBody>
+              <a:bodyPr rtlCol="0" anchor="ctr"/>
+              <a:lstStyle/>
+              <a:p>
+                <a:pPr algn="ctr"/>
+                <a:endParaRPr lang="pt-BR" sz="1050" u="sng">
+                  <a:solidFill>
+                    <a:prstClr val="white"/>
+                  </a:solidFill>
+                </a:endParaRPr>
+              </a:p>
+            </p:txBody>
+          </p:sp>
+          <p:sp>
+            <p:nvSpPr>
+              <p:cNvPr id="28" name="Right Arrow 27"/>
+              <p:cNvSpPr/>
+              <p:nvPr/>
+            </p:nvSpPr>
+            <p:spPr>
+              <a:xfrm>
+                <a:off x="481249" y="275509"/>
+                <a:ext cx="257146" cy="208999"/>
+              </a:xfrm>
+              <a:prstGeom prst="rightArrow">
+                <a:avLst/>
+              </a:prstGeom>
+              <a:solidFill>
+                <a:sysClr val="window" lastClr="FFFFFF"/>
+              </a:solidFill>
+              <a:ln w="3175" cap="flat" cmpd="sng" algn="ctr">
+                <a:solidFill>
+                  <a:sysClr val="windowText" lastClr="000000">
+                    <a:lumMod val="75000"/>
+                    <a:lumOff val="25000"/>
+                  </a:sysClr>
+                </a:solidFill>
+                <a:prstDash val="solid"/>
+              </a:ln>
+              <a:effectLst/>
+            </p:spPr>
+            <p:txBody>
+              <a:bodyPr rtlCol="0" anchor="ctr"/>
+              <a:lstStyle/>
+              <a:p>
+                <a:pPr algn="ctr"/>
+                <a:endParaRPr lang="pt-BR" sz="1050" kern="0">
+                  <a:solidFill>
+                    <a:prstClr val="white"/>
+                  </a:solidFill>
+                  <a:latin typeface="Segoe UI"/>
+                </a:endParaRPr>
+              </a:p>
+            </p:txBody>
+          </p:sp>
+        </p:grpSp>
+        <p:grpSp>
+          <p:nvGrpSpPr>
+            <p:cNvPr id="7" name="Minimize - Maximize - Close"/>
+            <p:cNvGrpSpPr/>
+            <p:nvPr/>
+          </p:nvGrpSpPr>
+          <p:grpSpPr>
+            <a:xfrm>
+              <a:off x="8632311" y="92599"/>
+              <a:ext cx="384527" cy="78032"/>
+              <a:chOff x="9347642" y="131588"/>
+              <a:chExt cx="384527" cy="78032"/>
+            </a:xfrm>
+          </p:grpSpPr>
+          <p:cxnSp>
+            <p:nvCxnSpPr>
+              <p:cNvPr id="22" name="Line"/>
+              <p:cNvCxnSpPr/>
+              <p:nvPr/>
+            </p:nvCxnSpPr>
+            <p:spPr>
+              <a:xfrm>
+                <a:off x="9661396" y="131588"/>
+                <a:ext cx="70773" cy="76200"/>
+              </a:xfrm>
+              <a:prstGeom prst="line">
+                <a:avLst/>
+              </a:prstGeom>
+              <a:ln w="12700">
+                <a:solidFill>
+                  <a:srgbClr val="FFFFFF"/>
+                </a:solidFill>
+              </a:ln>
+            </p:spPr>
+            <p:style>
+              <a:lnRef idx="1">
+                <a:srgbClr val="4F81BD"/>
+              </a:lnRef>
+              <a:fillRef idx="0">
+                <a:srgbClr val="4F81BD"/>
+              </a:fillRef>
+              <a:effectRef idx="0">
+                <a:srgbClr val="4F81BD"/>
+              </a:effectRef>
+              <a:fontRef idx="minor">
+                <a:srgbClr val="000000"/>
+              </a:fontRef>
+            </p:style>
+          </p:cxnSp>
+          <p:cxnSp>
+            <p:nvCxnSpPr>
+              <p:cNvPr id="23" name="Line"/>
+              <p:cNvCxnSpPr/>
+              <p:nvPr/>
+            </p:nvCxnSpPr>
+            <p:spPr>
+              <a:xfrm flipH="1">
+                <a:off x="9661395" y="131588"/>
+                <a:ext cx="70773" cy="76200"/>
+              </a:xfrm>
+              <a:prstGeom prst="line">
+                <a:avLst/>
+              </a:prstGeom>
+              <a:ln w="12700">
+                <a:solidFill>
+                  <a:srgbClr val="FFFFFF"/>
+                </a:solidFill>
+              </a:ln>
+            </p:spPr>
+            <p:style>
+              <a:lnRef idx="1">
+                <a:srgbClr val="4F81BD"/>
+              </a:lnRef>
+              <a:fillRef idx="0">
+                <a:srgbClr val="4F81BD"/>
+              </a:fillRef>
+              <a:effectRef idx="0">
+                <a:srgbClr val="4F81BD"/>
+              </a:effectRef>
+              <a:fontRef idx="minor">
+                <a:srgbClr val="000000"/>
+              </a:fontRef>
+            </p:style>
+          </p:cxnSp>
+          <p:sp>
+            <p:nvSpPr>
+              <p:cNvPr id="24" name="Line"/>
+              <p:cNvSpPr/>
+              <p:nvPr/>
+            </p:nvSpPr>
+            <p:spPr>
+              <a:xfrm rot="10800000" flipV="1">
+                <a:off x="9499472" y="143255"/>
+                <a:ext cx="91440" cy="9144"/>
+              </a:xfrm>
+              <a:prstGeom prst="rect">
+                <a:avLst/>
+              </a:prstGeom>
+              <a:solidFill>
+                <a:srgbClr val="919191"/>
+              </a:solidFill>
+              <a:ln w="3175">
+                <a:solidFill>
+                  <a:srgbClr val="FFFFFF"/>
+                </a:solidFill>
+              </a:ln>
+            </p:spPr>
+            <p:style>
+              <a:lnRef idx="2">
+                <a:srgbClr val="4F81BD">
+                  <a:shade val="50000"/>
+                </a:srgbClr>
+              </a:lnRef>
+              <a:fillRef idx="1001">
+                <a:srgbClr val="000000"/>
+              </a:fillRef>
+              <a:effectRef idx="0">
+                <a:srgbClr val="4F81BD"/>
+              </a:effectRef>
+              <a:fontRef idx="minor">
+                <a:srgbClr val="000000"/>
+              </a:fontRef>
+            </p:style>
+            <p:txBody>
+              <a:bodyPr rtlCol="0" anchor="ctr"/>
+              <a:lstStyle/>
+              <a:p>
+                <a:pPr algn="ctr"/>
+                <a:endParaRPr lang="pt-BR" sz="1050">
+                  <a:solidFill>
+                    <a:prstClr val="white"/>
+                  </a:solidFill>
+                </a:endParaRPr>
+              </a:p>
+            </p:txBody>
+          </p:sp>
+          <p:sp>
+            <p:nvSpPr>
+              <p:cNvPr id="25" name="Line"/>
+              <p:cNvSpPr/>
+              <p:nvPr/>
+            </p:nvSpPr>
+            <p:spPr>
+              <a:xfrm rot="10800000" flipV="1">
+                <a:off x="9498658" y="135261"/>
+                <a:ext cx="91440" cy="72527"/>
+              </a:xfrm>
+              <a:prstGeom prst="rect">
+                <a:avLst/>
+              </a:prstGeom>
+              <a:noFill/>
+              <a:ln w="12700">
+                <a:solidFill>
+                  <a:srgbClr val="FFFFFF"/>
+                </a:solidFill>
+              </a:ln>
+            </p:spPr>
+            <p:style>
+              <a:lnRef idx="2">
+                <a:srgbClr val="4F81BD">
+                  <a:shade val="50000"/>
+                </a:srgbClr>
+              </a:lnRef>
+              <a:fillRef idx="1001">
+                <a:srgbClr val="000000"/>
+              </a:fillRef>
+              <a:effectRef idx="0">
+                <a:srgbClr val="4F81BD"/>
+              </a:effectRef>
+              <a:fontRef idx="minor">
+                <a:srgbClr val="000000"/>
+              </a:fontRef>
+            </p:style>
+            <p:txBody>
+              <a:bodyPr rtlCol="0" anchor="ctr"/>
+              <a:lstStyle/>
+              <a:p>
+                <a:pPr algn="ctr"/>
+                <a:endParaRPr lang="pt-BR" sz="1050">
+                  <a:solidFill>
+                    <a:prstClr val="white"/>
+                  </a:solidFill>
+                </a:endParaRPr>
+              </a:p>
+            </p:txBody>
+          </p:sp>
+          <p:sp>
+            <p:nvSpPr>
+              <p:cNvPr id="26" name="Line"/>
+              <p:cNvSpPr/>
+              <p:nvPr/>
+            </p:nvSpPr>
+            <p:spPr>
+              <a:xfrm rot="10800000" flipV="1">
+                <a:off x="9347642" y="200476"/>
+                <a:ext cx="91440" cy="9144"/>
+              </a:xfrm>
+              <a:prstGeom prst="rect">
+                <a:avLst/>
+              </a:prstGeom>
+              <a:solidFill>
+                <a:srgbClr val="919191"/>
+              </a:solidFill>
+              <a:ln w="3175">
+                <a:solidFill>
+                  <a:srgbClr val="FFFFFF"/>
+                </a:solidFill>
+              </a:ln>
+            </p:spPr>
+            <p:style>
+              <a:lnRef idx="2">
+                <a:srgbClr val="4F81BD">
+                  <a:shade val="50000"/>
+                </a:srgbClr>
+              </a:lnRef>
+              <a:fillRef idx="1001">
+                <a:srgbClr val="000000"/>
+              </a:fillRef>
+              <a:effectRef idx="0">
+                <a:srgbClr val="4F81BD"/>
+              </a:effectRef>
+              <a:fontRef idx="minor">
+                <a:srgbClr val="000000"/>
+              </a:fontRef>
+            </p:style>
+            <p:txBody>
+              <a:bodyPr rtlCol="0" anchor="ctr"/>
+              <a:lstStyle/>
+              <a:p>
+                <a:pPr algn="ctr"/>
+                <a:endParaRPr lang="pt-BR" sz="1050">
+                  <a:solidFill>
+                    <a:prstClr val="white"/>
+                  </a:solidFill>
+                </a:endParaRPr>
+              </a:p>
+            </p:txBody>
+          </p:sp>
+        </p:grpSp>
+        <p:sp>
+          <p:nvSpPr>
+            <p:cNvPr id="8" name="WebPageBody"/>
+            <p:cNvSpPr/>
+            <p:nvPr/>
+          </p:nvSpPr>
+          <p:spPr>
+            <a:xfrm>
+              <a:off x="76200" y="685159"/>
+              <a:ext cx="8991600" cy="6066801"/>
+            </a:xfrm>
+            <a:prstGeom prst="rect">
+              <a:avLst/>
+            </a:prstGeom>
+            <a:solidFill>
+              <a:sysClr val="window" lastClr="FFFFFF"/>
+            </a:solidFill>
+            <a:ln w="3175" cap="flat" cmpd="sng" algn="ctr">
+              <a:solidFill>
+                <a:srgbClr val="000000">
+                  <a:lumMod val="50000"/>
+                  <a:lumOff val="50000"/>
+                </a:srgbClr>
+              </a:solidFill>
+              <a:prstDash val="solid"/>
+            </a:ln>
+            <a:effectLst/>
+          </p:spPr>
+          <p:txBody>
+            <a:bodyPr rtlCol="0" anchor="ctr"/>
+            <a:lstStyle/>
+            <a:p>
+              <a:pPr algn="ctr"/>
+              <a:endParaRPr lang="pt-BR" sz="1050" kern="0" dirty="0">
+                <a:solidFill>
+                  <a:prstClr val="white"/>
+                </a:solidFill>
+                <a:latin typeface="Segoe UI"/>
+              </a:endParaRPr>
+            </a:p>
+          </p:txBody>
+        </p:sp>
+        <p:grpSp>
+          <p:nvGrpSpPr>
+            <p:cNvPr id="9" name="Group 8"/>
+            <p:cNvGrpSpPr/>
+            <p:nvPr/>
+          </p:nvGrpSpPr>
+          <p:grpSpPr>
+            <a:xfrm>
+              <a:off x="8386335" y="360579"/>
+              <a:ext cx="640645" cy="183940"/>
+              <a:chOff x="8303527" y="360579"/>
+              <a:chExt cx="640645" cy="183940"/>
+            </a:xfrm>
+          </p:grpSpPr>
+          <p:pic>
+            <p:nvPicPr>
+              <p:cNvPr id="19" name="Picture 2" descr="C:\Users\t-dantay\Documents\Placeholders\home.png"/>
+              <p:cNvPicPr>
+                <a:picLocks noChangeAspect="1" noChangeArrowheads="1"/>
+              </p:cNvPicPr>
+              <p:nvPr/>
+            </p:nvPicPr>
+            <p:blipFill>
+              <a:blip r:embed="rId11" cstate="print">
+                <a:extLst>
+                  <a:ext uri="{28A0092B-C50C-407E-A947-70E740481C1C}">
+                    <a14:useLocalDpi xmlns:a14="http://schemas.microsoft.com/office/drawing/2010/main" val="0"/>
+                  </a:ext>
+                </a:extLst>
+              </a:blip>
+              <a:srcRect/>
+              <a:stretch>
+                <a:fillRect/>
+              </a:stretch>
+            </p:blipFill>
+            <p:spPr bwMode="auto">
+              <a:xfrm>
+                <a:off x="8303527" y="361109"/>
+                <a:ext cx="185783" cy="182880"/>
+              </a:xfrm>
+              <a:prstGeom prst="rect">
+                <a:avLst/>
+              </a:prstGeom>
+              <a:noFill/>
+              <a:extLst>
+                <a:ext uri="{909E8E84-426E-40DD-AFC4-6F175D3DCCD1}">
+                  <a14:hiddenFill xmlns:a14="http://schemas.microsoft.com/office/drawing/2010/main">
+                    <a:solidFill>
+                      <a:srgbClr val="FFFFFF"/>
+                    </a:solidFill>
+                  </a14:hiddenFill>
+                </a:ext>
+              </a:extLst>
+            </p:spPr>
+          </p:pic>
+          <p:pic>
+            <p:nvPicPr>
+              <p:cNvPr id="20" name="Picture 2" descr="C:\Users\t-dantay\Documents\Placeholders\setting.png"/>
+              <p:cNvPicPr>
+                <a:picLocks noChangeAspect="1" noChangeArrowheads="1"/>
+              </p:cNvPicPr>
+              <p:nvPr/>
+            </p:nvPicPr>
+            <p:blipFill rotWithShape="1">
+              <a:blip r:embed="rId12" cstate="print">
+                <a:extLst>
+                  <a:ext uri="{28A0092B-C50C-407E-A947-70E740481C1C}">
+                    <a14:useLocalDpi xmlns:a14="http://schemas.microsoft.com/office/drawing/2010/main" val="0"/>
+                  </a:ext>
+                </a:extLst>
+              </a:blip>
+              <a:srcRect t="13480" r="35484"/>
+              <a:stretch/>
+            </p:blipFill>
+            <p:spPr bwMode="auto">
+              <a:xfrm>
+                <a:off x="8761292" y="360579"/>
+                <a:ext cx="182880" cy="183940"/>
+              </a:xfrm>
+              <a:prstGeom prst="rect">
+                <a:avLst/>
+              </a:prstGeom>
+              <a:noFill/>
+              <a:extLst>
+                <a:ext uri="{909E8E84-426E-40DD-AFC4-6F175D3DCCD1}">
+                  <a14:hiddenFill xmlns:a14="http://schemas.microsoft.com/office/drawing/2010/main">
+                    <a:solidFill>
+                      <a:srgbClr val="FFFFFF"/>
+                    </a:solidFill>
+                  </a14:hiddenFill>
+                </a:ext>
+              </a:extLst>
+            </p:spPr>
+          </p:pic>
+          <p:pic>
+            <p:nvPicPr>
+              <p:cNvPr id="21" name="Picture 2" descr="C:\Users\t-dantay\Documents\Placeholders\star.png"/>
+              <p:cNvPicPr>
+                <a:picLocks noChangeAspect="1" noChangeArrowheads="1"/>
+              </p:cNvPicPr>
+              <p:nvPr/>
+            </p:nvPicPr>
+            <p:blipFill>
+              <a:blip r:embed="rId13" cstate="print">
+                <a:extLst>
+                  <a:ext uri="{28A0092B-C50C-407E-A947-70E740481C1C}">
+                    <a14:useLocalDpi xmlns:a14="http://schemas.microsoft.com/office/drawing/2010/main" val="0"/>
+                  </a:ext>
+                </a:extLst>
+              </a:blip>
+              <a:srcRect/>
+              <a:stretch>
+                <a:fillRect/>
+              </a:stretch>
+            </p:blipFill>
+            <p:spPr bwMode="auto">
+              <a:xfrm>
+                <a:off x="8529364" y="361109"/>
+                <a:ext cx="191874" cy="182880"/>
+              </a:xfrm>
+              <a:prstGeom prst="rect">
+                <a:avLst/>
+              </a:prstGeom>
+              <a:noFill/>
+              <a:extLst>
+                <a:ext uri="{909E8E84-426E-40DD-AFC4-6F175D3DCCD1}">
+                  <a14:hiddenFill xmlns:a14="http://schemas.microsoft.com/office/drawing/2010/main">
+                    <a:solidFill>
+                      <a:srgbClr val="FFFFFF"/>
+                    </a:solidFill>
+                  </a14:hiddenFill>
+                </a:ext>
+              </a:extLst>
+            </p:spPr>
+          </p:pic>
+        </p:grpSp>
+        <p:grpSp>
+          <p:nvGrpSpPr>
+            <p:cNvPr id="10" name="Group 9"/>
+            <p:cNvGrpSpPr/>
+            <p:nvPr/>
+          </p:nvGrpSpPr>
+          <p:grpSpPr>
+            <a:xfrm>
+              <a:off x="923925" y="340846"/>
+              <a:ext cx="7142930" cy="228600"/>
+              <a:chOff x="923925" y="340846"/>
+              <a:chExt cx="7142930" cy="228600"/>
+            </a:xfrm>
+          </p:grpSpPr>
+          <p:sp>
+            <p:nvSpPr>
+              <p:cNvPr id="11" name="UrlBar"/>
+              <p:cNvSpPr/>
+              <p:nvPr/>
+            </p:nvSpPr>
+            <p:spPr>
+              <a:xfrm>
+                <a:off x="923925" y="340846"/>
+                <a:ext cx="7142930" cy="228600"/>
+              </a:xfrm>
+              <a:prstGeom prst="rect">
+                <a:avLst/>
+              </a:prstGeom>
+              <a:solidFill>
+                <a:sysClr val="window" lastClr="FFFFFF"/>
+              </a:solidFill>
+              <a:ln w="3175" cap="flat" cmpd="sng" algn="ctr">
+                <a:solidFill>
+                  <a:srgbClr val="000000">
+                    <a:lumMod val="50000"/>
+                    <a:lumOff val="50000"/>
+                  </a:srgbClr>
+                </a:solidFill>
+                <a:prstDash val="solid"/>
+              </a:ln>
+              <a:effectLst/>
+            </p:spPr>
+            <p:txBody>
+              <a:bodyPr rtlCol="0" anchor="ctr"/>
+              <a:lstStyle/>
+              <a:p>
+                <a:endParaRPr lang="pt-BR" sz="1200" kern="0" dirty="0">
+                  <a:solidFill>
+                    <a:prstClr val="black">
+                      <a:lumMod val="75000"/>
+                      <a:lumOff val="25000"/>
+                    </a:prstClr>
+                  </a:solidFill>
+                  <a:latin typeface="Segoe UI"/>
+                </a:endParaRPr>
+              </a:p>
+            </p:txBody>
+          </p:sp>
+          <p:grpSp>
+            <p:nvGrpSpPr>
+              <p:cNvPr id="12" name="Group 11"/>
+              <p:cNvGrpSpPr/>
+              <p:nvPr/>
+            </p:nvGrpSpPr>
+            <p:grpSpPr>
+              <a:xfrm>
+                <a:off x="7260350" y="363706"/>
+                <a:ext cx="744325" cy="182880"/>
+                <a:chOff x="7260350" y="363706"/>
+                <a:chExt cx="744325" cy="182880"/>
+              </a:xfrm>
+            </p:grpSpPr>
+            <p:pic>
+              <p:nvPicPr>
+                <p:cNvPr id="13" name="Search" descr="C:\Users\t-dantay\Documents\Placeholders\search.png"/>
+                <p:cNvPicPr>
+                  <a:picLocks noChangeAspect="1" noChangeArrowheads="1"/>
+                </p:cNvPicPr>
+                <p:nvPr/>
+              </p:nvPicPr>
+              <p:blipFill>
+                <a:blip r:embed="rId14" cstate="print">
+                  <a:extLst>
+                    <a:ext uri="{28A0092B-C50C-407E-A947-70E740481C1C}">
+                      <a14:useLocalDpi xmlns:a14="http://schemas.microsoft.com/office/drawing/2010/main" val="0"/>
+                    </a:ext>
+                  </a:extLst>
+                </a:blip>
+                <a:srcRect/>
+                <a:stretch>
+                  <a:fillRect/>
+                </a:stretch>
+              </p:blipFill>
+              <p:spPr bwMode="auto">
+                <a:xfrm flipH="1">
+                  <a:off x="7260350" y="363706"/>
+                  <a:ext cx="182880" cy="182880"/>
+                </a:xfrm>
+                <a:prstGeom prst="rect">
+                  <a:avLst/>
+                </a:prstGeom>
+                <a:noFill/>
+                <a:extLst>
+                  <a:ext uri="{909E8E84-426E-40DD-AFC4-6F175D3DCCD1}">
+                    <a14:hiddenFill xmlns:a14="http://schemas.microsoft.com/office/drawing/2010/main">
+                      <a:solidFill>
+                        <a:srgbClr val="FFFFFF"/>
+                      </a:solidFill>
+                    </a14:hiddenFill>
+                  </a:ext>
+                </a:extLst>
+              </p:spPr>
+            </p:pic>
+            <p:pic>
+              <p:nvPicPr>
+                <p:cNvPr id="14" name="Refresh" descr="C:\Users\t-dantay\Documents\First24\arrowrepeat1.png"/>
+                <p:cNvPicPr>
+                  <a:picLocks noChangeAspect="1" noChangeArrowheads="1"/>
+                </p:cNvPicPr>
+                <p:nvPr/>
+              </p:nvPicPr>
+              <p:blipFill>
+                <a:blip r:embed="rId15" cstate="print">
+                  <a:extLst>
+                    <a:ext uri="{28A0092B-C50C-407E-A947-70E740481C1C}">
+                      <a14:useLocalDpi xmlns:a14="http://schemas.microsoft.com/office/drawing/2010/main" val="0"/>
+                    </a:ext>
+                  </a:extLst>
+                </a:blip>
+                <a:srcRect/>
+                <a:stretch>
+                  <a:fillRect/>
+                </a:stretch>
+              </p:blipFill>
+              <p:spPr bwMode="auto">
+                <a:xfrm>
+                  <a:off x="7644400" y="363706"/>
+                  <a:ext cx="182880" cy="182880"/>
+                </a:xfrm>
+                <a:prstGeom prst="rect">
+                  <a:avLst/>
+                </a:prstGeom>
+                <a:noFill/>
+                <a:extLst>
+                  <a:ext uri="{909E8E84-426E-40DD-AFC4-6F175D3DCCD1}">
+                    <a14:hiddenFill xmlns:a14="http://schemas.microsoft.com/office/drawing/2010/main">
+                      <a:solidFill>
+                        <a:srgbClr val="FFFFFF"/>
+                      </a:solidFill>
+                    </a14:hiddenFill>
+                  </a:ext>
+                </a:extLst>
+              </p:spPr>
+            </p:pic>
+            <p:pic>
+              <p:nvPicPr>
+                <p:cNvPr id="15" name="Drop Down" descr="C:\Users\t-dantay\Documents\First24\arrowsimple1.png"/>
+                <p:cNvPicPr>
+                  <a:picLocks noChangeAspect="1" noChangeArrowheads="1"/>
+                </p:cNvPicPr>
+                <p:nvPr/>
+              </p:nvPicPr>
+              <p:blipFill>
+                <a:blip r:embed="rId16" cstate="print">
+                  <a:extLst>
+                    <a:ext uri="{28A0092B-C50C-407E-A947-70E740481C1C}">
+                      <a14:useLocalDpi xmlns:a14="http://schemas.microsoft.com/office/drawing/2010/main" val="0"/>
+                    </a:ext>
+                  </a:extLst>
+                </a:blip>
+                <a:srcRect/>
+                <a:stretch>
+                  <a:fillRect/>
+                </a:stretch>
+              </p:blipFill>
+              <p:spPr bwMode="auto">
+                <a:xfrm rot="5400000">
+                  <a:off x="7476150" y="409426"/>
+                  <a:ext cx="91440" cy="91440"/>
+                </a:xfrm>
+                <a:prstGeom prst="rect">
+                  <a:avLst/>
+                </a:prstGeom>
+                <a:noFill/>
+                <a:extLst>
+                  <a:ext uri="{909E8E84-426E-40DD-AFC4-6F175D3DCCD1}">
+                    <a14:hiddenFill xmlns:a14="http://schemas.microsoft.com/office/drawing/2010/main">
+                      <a:solidFill>
+                        <a:srgbClr val="FFFFFF"/>
+                      </a:solidFill>
+                    </a14:hiddenFill>
+                  </a:ext>
+                </a:extLst>
+              </p:spPr>
+            </p:pic>
+            <p:grpSp>
+              <p:nvGrpSpPr>
+                <p:cNvPr id="16" name="X"/>
+                <p:cNvGrpSpPr/>
+                <p:nvPr/>
+              </p:nvGrpSpPr>
+              <p:grpSpPr>
+                <a:xfrm>
+                  <a:off x="7913235" y="409426"/>
+                  <a:ext cx="91440" cy="91440"/>
+                  <a:chOff x="4687215" y="1739180"/>
+                  <a:chExt cx="91440" cy="91440"/>
+                </a:xfrm>
+              </p:grpSpPr>
+              <p:cxnSp>
+                <p:nvCxnSpPr>
+                  <p:cNvPr id="17" name="Straight Connector 16"/>
+                  <p:cNvCxnSpPr/>
+                  <p:nvPr/>
+                </p:nvCxnSpPr>
+                <p:spPr>
+                  <a:xfrm flipV="1">
+                    <a:off x="4687215" y="1739180"/>
+                    <a:ext cx="91440" cy="91440"/>
+                  </a:xfrm>
+                  <a:prstGeom prst="line">
+                    <a:avLst/>
+                  </a:prstGeom>
+                  <a:ln w="28575">
+                    <a:solidFill>
+                      <a:srgbClr val="FFFFFF">
+                        <a:lumMod val="50000"/>
+                      </a:srgbClr>
+                    </a:solidFill>
+                  </a:ln>
+                </p:spPr>
+                <p:style>
+                  <a:lnRef idx="1">
+                    <a:srgbClr val="FFFFFF"/>
+                  </a:lnRef>
+                  <a:fillRef idx="0">
+                    <a:srgbClr val="FFFFFF"/>
+                  </a:fillRef>
+                  <a:effectRef idx="0">
+                    <a:srgbClr val="FFFFFF"/>
+                  </a:effectRef>
+                  <a:fontRef idx="minor">
+                    <a:srgbClr val="000000"/>
+                  </a:fontRef>
+                </p:style>
+              </p:cxnSp>
+              <p:cxnSp>
+                <p:nvCxnSpPr>
+                  <p:cNvPr id="18" name="Straight Connector 17"/>
+                  <p:cNvCxnSpPr/>
+                  <p:nvPr/>
+                </p:nvCxnSpPr>
+                <p:spPr>
+                  <a:xfrm>
+                    <a:off x="4687215" y="1739180"/>
+                    <a:ext cx="91440" cy="91440"/>
+                  </a:xfrm>
+                  <a:prstGeom prst="line">
+                    <a:avLst/>
+                  </a:prstGeom>
+                  <a:ln w="28575">
+                    <a:solidFill>
+                      <a:srgbClr val="FFFFFF">
+                        <a:lumMod val="50000"/>
+                      </a:srgbClr>
+                    </a:solidFill>
+                  </a:ln>
+                </p:spPr>
+                <p:style>
+                  <a:lnRef idx="1">
+                    <a:srgbClr val="FFFFFF"/>
+                  </a:lnRef>
+                  <a:fillRef idx="0">
+                    <a:srgbClr val="FFFFFF"/>
+                  </a:fillRef>
+                  <a:effectRef idx="0">
+                    <a:srgbClr val="FFFFFF"/>
+                  </a:effectRef>
+                  <a:fontRef idx="minor">
+                    <a:srgbClr val="000000"/>
+                  </a:fontRef>
+                </p:style>
+              </p:cxnSp>
+            </p:grpSp>
+          </p:grpSp>
+        </p:grpSp>
+      </p:grpSp>
+      <p:sp>
+        <p:nvSpPr>
+          <p:cNvPr id="33" name="Retângulo 32"/>
+          <p:cNvSpPr/>
+          <p:nvPr/>
+        </p:nvSpPr>
+        <p:spPr>
+          <a:xfrm>
+            <a:off x="101600" y="685159"/>
+            <a:ext cx="11988800" cy="1433201"/>
+          </a:xfrm>
+          <a:prstGeom prst="rect">
+            <a:avLst/>
+          </a:prstGeom>
+          <a:noFill/>
+          <a:ln>
+            <a:solidFill>
+              <a:schemeClr val="tx1"/>
+            </a:solidFill>
+          </a:ln>
+        </p:spPr>
+        <p:style>
+          <a:lnRef idx="2">
+            <a:schemeClr val="accent1">
+              <a:shade val="50000"/>
+            </a:schemeClr>
+          </a:lnRef>
+          <a:fillRef idx="1">
+            <a:schemeClr val="accent1"/>
+          </a:fillRef>
+          <a:effectRef idx="0">
+            <a:schemeClr val="accent1"/>
+          </a:effectRef>
+          <a:fontRef idx="minor">
+            <a:schemeClr val="lt1"/>
+          </a:fontRef>
+        </p:style>
+        <p:txBody>
+          <a:bodyPr rtlCol="0" anchor="ctr"/>
+          <a:lstStyle/>
+          <a:p>
+            <a:pPr algn="ctr"/>
+            <a:endParaRPr lang="pt-BR"/>
+          </a:p>
+        </p:txBody>
+      </p:sp>
+      <p:pic>
+        <p:nvPicPr>
+          <p:cNvPr id="34" name="Imagem 33"/>
+          <p:cNvPicPr>
+            <a:picLocks noChangeAspect="1"/>
+          </p:cNvPicPr>
+          <p:nvPr/>
+        </p:nvPicPr>
+        <p:blipFill>
+          <a:blip r:embed="rId17"/>
+          <a:stretch>
+            <a:fillRect/>
+          </a:stretch>
+        </p:blipFill>
+        <p:spPr>
+          <a:xfrm>
+            <a:off x="206164" y="758648"/>
+            <a:ext cx="361950" cy="780874"/>
+          </a:xfrm>
+          <a:prstGeom prst="rect">
+            <a:avLst/>
+          </a:prstGeom>
+        </p:spPr>
+      </p:pic>
+      <p:sp>
+        <p:nvSpPr>
+          <p:cNvPr id="35" name="Content"/>
+          <p:cNvSpPr txBox="1"/>
+          <p:nvPr>
+            <p:custDataLst>
+              <p:custData r:id="rId2"/>
+            </p:custDataLst>
+          </p:nvPr>
+        </p:nvSpPr>
+        <p:spPr>
+          <a:xfrm>
+            <a:off x="37680" y="1539522"/>
+            <a:ext cx="1060868" cy="323165"/>
+          </a:xfrm>
+          <a:prstGeom prst="rect">
+            <a:avLst/>
+          </a:prstGeom>
+          <a:noFill/>
+        </p:spPr>
+        <p:txBody>
+          <a:bodyPr wrap="none" lIns="91440" tIns="18288" rIns="91440" bIns="27432" rtlCol="0" anchor="ctr" anchorCtr="0">
+            <a:spAutoFit/>
+          </a:bodyPr>
+          <a:lstStyle/>
+          <a:p>
+            <a:r>
+              <a:rPr lang="en-US" dirty="0">
+                <a:solidFill>
+                  <a:srgbClr val="000000"/>
+                </a:solidFill>
+                <a:latin typeface="Segoe UI" pitchFamily="34" charset="0"/>
+                <a:ea typeface="Segoe UI" pitchFamily="34" charset="0"/>
+                <a:cs typeface="Segoe UI" pitchFamily="34" charset="0"/>
+              </a:rPr>
+              <a:t>UNIRON</a:t>
+            </a:r>
+          </a:p>
+        </p:txBody>
+      </p:sp>
+      <p:pic>
+        <p:nvPicPr>
+          <p:cNvPr id="36" name="Picture 2" descr="C:\Users\t-dantay\Documents\Placeholders\user.png"/>
+          <p:cNvPicPr>
+            <a:picLocks noChangeAspect="1" noChangeArrowheads="1"/>
+          </p:cNvPicPr>
+          <p:nvPr>
+            <p:custDataLst>
+              <p:custData r:id="rId3"/>
+            </p:custDataLst>
+          </p:nvPr>
+        </p:nvPicPr>
+        <p:blipFill>
+          <a:blip r:embed="rId18" cstate="print">
+            <a:extLst>
+              <a:ext uri="{28A0092B-C50C-407E-A947-70E740481C1C}">
+                <a14:useLocalDpi xmlns:a14="http://schemas.microsoft.com/office/drawing/2010/main" val="0"/>
+              </a:ext>
+            </a:extLst>
+          </a:blip>
+          <a:srcRect/>
+          <a:stretch>
+            <a:fillRect/>
+          </a:stretch>
+        </p:blipFill>
+        <p:spPr bwMode="auto">
+          <a:xfrm>
+            <a:off x="1351280" y="1149084"/>
+            <a:ext cx="401320" cy="438943"/>
+          </a:xfrm>
+          <a:prstGeom prst="rect">
+            <a:avLst/>
+          </a:prstGeom>
+          <a:noFill/>
+          <a:extLst>
+            <a:ext uri="{909E8E84-426E-40DD-AFC4-6F175D3DCCD1}">
+              <a14:hiddenFill xmlns:a14="http://schemas.microsoft.com/office/drawing/2010/main">
+                <a:solidFill>
+                  <a:srgbClr val="FFFFFF"/>
+                </a:solidFill>
+              </a14:hiddenFill>
+            </a:ext>
+          </a:extLst>
+        </p:spPr>
+      </p:pic>
+      <p:sp>
+        <p:nvSpPr>
+          <p:cNvPr id="37" name="Elipse 36"/>
+          <p:cNvSpPr/>
+          <p:nvPr/>
+        </p:nvSpPr>
+        <p:spPr>
+          <a:xfrm>
+            <a:off x="1133474" y="1048403"/>
+            <a:ext cx="836932" cy="706711"/>
+          </a:xfrm>
+          <a:prstGeom prst="ellipse">
+            <a:avLst/>
+          </a:prstGeom>
+          <a:noFill/>
+        </p:spPr>
+        <p:style>
+          <a:lnRef idx="2">
+            <a:schemeClr val="accent1">
+              <a:shade val="50000"/>
+            </a:schemeClr>
+          </a:lnRef>
+          <a:fillRef idx="1">
+            <a:schemeClr val="accent1"/>
+          </a:fillRef>
+          <a:effectRef idx="0">
+            <a:schemeClr val="accent1"/>
+          </a:effectRef>
+          <a:fontRef idx="minor">
+            <a:schemeClr val="lt1"/>
+          </a:fontRef>
+        </p:style>
+        <p:txBody>
+          <a:bodyPr rtlCol="0" anchor="ctr"/>
+          <a:lstStyle/>
+          <a:p>
+            <a:pPr algn="ctr"/>
+            <a:endParaRPr lang="pt-BR"/>
+          </a:p>
+        </p:txBody>
+      </p:sp>
+      <p:sp>
+        <p:nvSpPr>
+          <p:cNvPr id="38" name="Content"/>
+          <p:cNvSpPr txBox="1"/>
+          <p:nvPr>
+            <p:custDataLst>
+              <p:custData r:id="rId4"/>
+            </p:custDataLst>
+          </p:nvPr>
+        </p:nvSpPr>
+        <p:spPr>
+          <a:xfrm>
+            <a:off x="2059318" y="1030502"/>
+            <a:ext cx="4036682" cy="292388"/>
+          </a:xfrm>
+          <a:prstGeom prst="rect">
+            <a:avLst/>
+          </a:prstGeom>
+          <a:noFill/>
+        </p:spPr>
+        <p:txBody>
+          <a:bodyPr wrap="none" lIns="91440" tIns="18288" rIns="91440" bIns="27432" rtlCol="0" anchor="ctr" anchorCtr="0">
+            <a:spAutoFit/>
+          </a:bodyPr>
+          <a:lstStyle/>
+          <a:p>
+            <a:r>
+              <a:rPr lang="en-US" sz="1600" dirty="0" err="1">
+                <a:solidFill>
+                  <a:srgbClr val="000000"/>
+                </a:solidFill>
+                <a:latin typeface="Segoe UI" pitchFamily="34" charset="0"/>
+                <a:ea typeface="Segoe UI" pitchFamily="34" charset="0"/>
+                <a:cs typeface="Segoe UI" pitchFamily="34" charset="0"/>
+              </a:rPr>
+              <a:t>Acadêmico</a:t>
+            </a:r>
+            <a:r>
+              <a:rPr lang="en-US" sz="1600" dirty="0">
+                <a:solidFill>
+                  <a:srgbClr val="000000"/>
+                </a:solidFill>
+                <a:latin typeface="Segoe UI" pitchFamily="34" charset="0"/>
+                <a:ea typeface="Segoe UI" pitchFamily="34" charset="0"/>
+                <a:cs typeface="Segoe UI" pitchFamily="34" charset="0"/>
+              </a:rPr>
+              <a:t>: </a:t>
+            </a:r>
+            <a:r>
+              <a:rPr lang="en-US" sz="1600" dirty="0" err="1">
+                <a:solidFill>
+                  <a:srgbClr val="000000"/>
+                </a:solidFill>
+                <a:latin typeface="Segoe UI" pitchFamily="34" charset="0"/>
+                <a:ea typeface="Segoe UI" pitchFamily="34" charset="0"/>
+                <a:cs typeface="Segoe UI" pitchFamily="34" charset="0"/>
+              </a:rPr>
+              <a:t>Iscaminosfleuris</a:t>
+            </a:r>
+            <a:r>
+              <a:rPr lang="en-US" sz="1600" dirty="0">
+                <a:solidFill>
+                  <a:srgbClr val="000000"/>
+                </a:solidFill>
+                <a:latin typeface="Segoe UI" pitchFamily="34" charset="0"/>
+                <a:ea typeface="Segoe UI" pitchFamily="34" charset="0"/>
+                <a:cs typeface="Segoe UI" pitchFamily="34" charset="0"/>
+              </a:rPr>
+              <a:t> da Silva </a:t>
+            </a:r>
+            <a:r>
+              <a:rPr lang="en-US" sz="1600" dirty="0" err="1">
+                <a:solidFill>
+                  <a:srgbClr val="000000"/>
+                </a:solidFill>
+                <a:latin typeface="Segoe UI" pitchFamily="34" charset="0"/>
+                <a:ea typeface="Segoe UI" pitchFamily="34" charset="0"/>
+                <a:cs typeface="Segoe UI" pitchFamily="34" charset="0"/>
+              </a:rPr>
+              <a:t>Sauro</a:t>
+            </a:r>
+            <a:endParaRPr lang="en-US" sz="1600" dirty="0">
+              <a:solidFill>
+                <a:srgbClr val="000000"/>
+              </a:solidFill>
+              <a:latin typeface="Segoe UI" pitchFamily="34" charset="0"/>
+              <a:ea typeface="Segoe UI" pitchFamily="34" charset="0"/>
+              <a:cs typeface="Segoe UI" pitchFamily="34" charset="0"/>
+            </a:endParaRPr>
+          </a:p>
+        </p:txBody>
+      </p:sp>
+      <p:sp>
+        <p:nvSpPr>
+          <p:cNvPr id="39" name="Content"/>
+          <p:cNvSpPr txBox="1"/>
+          <p:nvPr>
+            <p:custDataLst>
+              <p:custData r:id="rId5"/>
+            </p:custDataLst>
+          </p:nvPr>
+        </p:nvSpPr>
+        <p:spPr>
+          <a:xfrm>
+            <a:off x="2034326" y="1373056"/>
+            <a:ext cx="2960490" cy="292388"/>
+          </a:xfrm>
+          <a:prstGeom prst="rect">
+            <a:avLst/>
+          </a:prstGeom>
+          <a:noFill/>
+        </p:spPr>
+        <p:txBody>
+          <a:bodyPr wrap="none" lIns="91440" tIns="18288" rIns="91440" bIns="27432" rtlCol="0" anchor="ctr" anchorCtr="0">
+            <a:spAutoFit/>
+          </a:bodyPr>
+          <a:lstStyle/>
+          <a:p>
+            <a:r>
+              <a:rPr lang="en-US" sz="1600" dirty="0" err="1">
+                <a:solidFill>
+                  <a:srgbClr val="000000"/>
+                </a:solidFill>
+                <a:latin typeface="Segoe UI" pitchFamily="34" charset="0"/>
+                <a:ea typeface="Segoe UI" pitchFamily="34" charset="0"/>
+                <a:cs typeface="Segoe UI" pitchFamily="34" charset="0"/>
+              </a:rPr>
+              <a:t>Curso</a:t>
+            </a:r>
+            <a:r>
+              <a:rPr lang="en-US" sz="1600" dirty="0">
+                <a:solidFill>
+                  <a:srgbClr val="000000"/>
+                </a:solidFill>
+                <a:latin typeface="Segoe UI" pitchFamily="34" charset="0"/>
+                <a:ea typeface="Segoe UI" pitchFamily="34" charset="0"/>
+                <a:cs typeface="Segoe UI" pitchFamily="34" charset="0"/>
+              </a:rPr>
+              <a:t>: </a:t>
+            </a:r>
+            <a:r>
+              <a:rPr lang="en-US" sz="1600" dirty="0" err="1">
+                <a:solidFill>
+                  <a:srgbClr val="000000"/>
+                </a:solidFill>
+                <a:latin typeface="Segoe UI" pitchFamily="34" charset="0"/>
+                <a:ea typeface="Segoe UI" pitchFamily="34" charset="0"/>
+                <a:cs typeface="Segoe UI" pitchFamily="34" charset="0"/>
+              </a:rPr>
+              <a:t>Sistemas</a:t>
+            </a:r>
+            <a:r>
+              <a:rPr lang="en-US" sz="1600" dirty="0">
+                <a:solidFill>
+                  <a:srgbClr val="000000"/>
+                </a:solidFill>
+                <a:latin typeface="Segoe UI" pitchFamily="34" charset="0"/>
+                <a:ea typeface="Segoe UI" pitchFamily="34" charset="0"/>
+                <a:cs typeface="Segoe UI" pitchFamily="34" charset="0"/>
+              </a:rPr>
+              <a:t> de </a:t>
+            </a:r>
+            <a:r>
+              <a:rPr lang="en-US" sz="1600" dirty="0" err="1">
+                <a:solidFill>
+                  <a:srgbClr val="000000"/>
+                </a:solidFill>
+                <a:latin typeface="Segoe UI" pitchFamily="34" charset="0"/>
+                <a:ea typeface="Segoe UI" pitchFamily="34" charset="0"/>
+                <a:cs typeface="Segoe UI" pitchFamily="34" charset="0"/>
+              </a:rPr>
+              <a:t>Informação</a:t>
+            </a:r>
+            <a:endParaRPr lang="en-US" sz="1600" dirty="0">
+              <a:solidFill>
+                <a:srgbClr val="000000"/>
+              </a:solidFill>
+              <a:latin typeface="Segoe UI" pitchFamily="34" charset="0"/>
+              <a:ea typeface="Segoe UI" pitchFamily="34" charset="0"/>
+              <a:cs typeface="Segoe UI" pitchFamily="34" charset="0"/>
+            </a:endParaRPr>
+          </a:p>
+        </p:txBody>
+      </p:sp>
+      <p:sp>
+        <p:nvSpPr>
+          <p:cNvPr id="40" name="Content"/>
+          <p:cNvSpPr txBox="1"/>
+          <p:nvPr>
+            <p:custDataLst>
+              <p:custData r:id="rId6"/>
+            </p:custDataLst>
+          </p:nvPr>
+        </p:nvSpPr>
+        <p:spPr>
+          <a:xfrm>
+            <a:off x="5354952" y="1423041"/>
+            <a:ext cx="2070695" cy="292388"/>
+          </a:xfrm>
+          <a:prstGeom prst="rect">
+            <a:avLst/>
+          </a:prstGeom>
+          <a:noFill/>
+        </p:spPr>
+        <p:txBody>
+          <a:bodyPr wrap="none" lIns="91440" tIns="18288" rIns="91440" bIns="27432" rtlCol="0" anchor="ctr" anchorCtr="0">
+            <a:spAutoFit/>
+          </a:bodyPr>
+          <a:lstStyle/>
+          <a:p>
+            <a:r>
+              <a:rPr lang="en-US" sz="1600" dirty="0" err="1">
+                <a:solidFill>
+                  <a:srgbClr val="000000"/>
+                </a:solidFill>
+                <a:latin typeface="Segoe UI" pitchFamily="34" charset="0"/>
+                <a:ea typeface="Segoe UI" pitchFamily="34" charset="0"/>
+                <a:cs typeface="Segoe UI" pitchFamily="34" charset="0"/>
+              </a:rPr>
+              <a:t>Semestre</a:t>
+            </a:r>
+            <a:r>
+              <a:rPr lang="en-US" sz="1600" dirty="0">
+                <a:solidFill>
+                  <a:srgbClr val="000000"/>
+                </a:solidFill>
+                <a:latin typeface="Segoe UI" pitchFamily="34" charset="0"/>
+                <a:ea typeface="Segoe UI" pitchFamily="34" charset="0"/>
+                <a:cs typeface="Segoe UI" pitchFamily="34" charset="0"/>
+              </a:rPr>
+              <a:t>: 7º </a:t>
+            </a:r>
+            <a:r>
+              <a:rPr lang="en-US" sz="1600" dirty="0" err="1">
+                <a:solidFill>
+                  <a:srgbClr val="000000"/>
+                </a:solidFill>
+                <a:latin typeface="Segoe UI" pitchFamily="34" charset="0"/>
+                <a:ea typeface="Segoe UI" pitchFamily="34" charset="0"/>
+                <a:cs typeface="Segoe UI" pitchFamily="34" charset="0"/>
+              </a:rPr>
+              <a:t>Periodo</a:t>
+            </a:r>
+            <a:endParaRPr lang="en-US" sz="1600" dirty="0">
+              <a:solidFill>
+                <a:srgbClr val="000000"/>
+              </a:solidFill>
+              <a:latin typeface="Segoe UI" pitchFamily="34" charset="0"/>
+              <a:ea typeface="Segoe UI" pitchFamily="34" charset="0"/>
+              <a:cs typeface="Segoe UI" pitchFamily="34" charset="0"/>
+            </a:endParaRPr>
+          </a:p>
+        </p:txBody>
+      </p:sp>
+      <p:sp>
+        <p:nvSpPr>
+          <p:cNvPr id="41" name="Content"/>
+          <p:cNvSpPr txBox="1"/>
+          <p:nvPr>
+            <p:custDataLst>
+              <p:custData r:id="rId7"/>
+            </p:custDataLst>
+          </p:nvPr>
+        </p:nvSpPr>
+        <p:spPr>
+          <a:xfrm>
+            <a:off x="6327023" y="1050345"/>
+            <a:ext cx="1681871" cy="292388"/>
+          </a:xfrm>
+          <a:prstGeom prst="rect">
+            <a:avLst/>
+          </a:prstGeom>
+          <a:noFill/>
+        </p:spPr>
+        <p:txBody>
+          <a:bodyPr wrap="none" lIns="91440" tIns="18288" rIns="91440" bIns="27432" rtlCol="0" anchor="ctr" anchorCtr="0">
+            <a:spAutoFit/>
+          </a:bodyPr>
+          <a:lstStyle/>
+          <a:p>
+            <a:r>
+              <a:rPr lang="en-US" sz="1600" dirty="0" err="1">
+                <a:solidFill>
+                  <a:srgbClr val="000000"/>
+                </a:solidFill>
+                <a:latin typeface="Segoe UI" pitchFamily="34" charset="0"/>
+                <a:ea typeface="Segoe UI" pitchFamily="34" charset="0"/>
+                <a:cs typeface="Segoe UI" pitchFamily="34" charset="0"/>
+              </a:rPr>
+              <a:t>Matricula</a:t>
+            </a:r>
+            <a:r>
+              <a:rPr lang="en-US" sz="1600" dirty="0">
+                <a:solidFill>
+                  <a:srgbClr val="000000"/>
+                </a:solidFill>
+                <a:latin typeface="Segoe UI" pitchFamily="34" charset="0"/>
+                <a:ea typeface="Segoe UI" pitchFamily="34" charset="0"/>
+                <a:cs typeface="Segoe UI" pitchFamily="34" charset="0"/>
+              </a:rPr>
+              <a:t>: 00000</a:t>
+            </a:r>
+          </a:p>
+        </p:txBody>
+      </p:sp>
+      <p:sp>
+        <p:nvSpPr>
+          <p:cNvPr id="43" name="Content"/>
+          <p:cNvSpPr txBox="1"/>
+          <p:nvPr>
+            <p:custDataLst>
+              <p:custData r:id="rId8"/>
+            </p:custDataLst>
+          </p:nvPr>
+        </p:nvSpPr>
+        <p:spPr>
+          <a:xfrm>
+            <a:off x="8443336" y="1001432"/>
+            <a:ext cx="1749197" cy="292388"/>
+          </a:xfrm>
+          <a:prstGeom prst="rect">
+            <a:avLst/>
+          </a:prstGeom>
+          <a:noFill/>
+        </p:spPr>
+        <p:txBody>
+          <a:bodyPr wrap="none" lIns="91440" tIns="18288" rIns="91440" bIns="27432" rtlCol="0" anchor="ctr" anchorCtr="0">
+            <a:spAutoFit/>
+          </a:bodyPr>
+          <a:lstStyle/>
+          <a:p>
+            <a:r>
+              <a:rPr lang="en-US" sz="1600" dirty="0" err="1">
+                <a:solidFill>
+                  <a:srgbClr val="000000"/>
+                </a:solidFill>
+                <a:latin typeface="Segoe UI" pitchFamily="34" charset="0"/>
+                <a:ea typeface="Segoe UI" pitchFamily="34" charset="0"/>
+                <a:cs typeface="Segoe UI" pitchFamily="34" charset="0"/>
+              </a:rPr>
+              <a:t>Periodo</a:t>
+            </a:r>
+            <a:r>
+              <a:rPr lang="en-US" sz="1600" dirty="0">
+                <a:solidFill>
+                  <a:srgbClr val="000000"/>
+                </a:solidFill>
+                <a:latin typeface="Segoe UI" pitchFamily="34" charset="0"/>
+                <a:ea typeface="Segoe UI" pitchFamily="34" charset="0"/>
+                <a:cs typeface="Segoe UI" pitchFamily="34" charset="0"/>
+              </a:rPr>
+              <a:t>: </a:t>
+            </a:r>
+            <a:r>
+              <a:rPr lang="en-US" sz="1600" dirty="0" err="1">
+                <a:solidFill>
+                  <a:srgbClr val="000000"/>
+                </a:solidFill>
+                <a:latin typeface="Segoe UI" pitchFamily="34" charset="0"/>
+                <a:ea typeface="Segoe UI" pitchFamily="34" charset="0"/>
+                <a:cs typeface="Segoe UI" pitchFamily="34" charset="0"/>
+              </a:rPr>
+              <a:t>Noturno</a:t>
+            </a:r>
+            <a:endParaRPr lang="en-US" sz="1600" dirty="0">
+              <a:solidFill>
+                <a:srgbClr val="000000"/>
+              </a:solidFill>
+              <a:latin typeface="Segoe UI" pitchFamily="34" charset="0"/>
+              <a:ea typeface="Segoe UI" pitchFamily="34" charset="0"/>
+              <a:cs typeface="Segoe UI" pitchFamily="34" charset="0"/>
+            </a:endParaRPr>
+          </a:p>
+        </p:txBody>
+      </p:sp>
+      <p:sp>
+        <p:nvSpPr>
+          <p:cNvPr id="44" name="Content"/>
+          <p:cNvSpPr txBox="1"/>
+          <p:nvPr>
+            <p:custDataLst>
+              <p:custData r:id="rId9"/>
+            </p:custDataLst>
+          </p:nvPr>
+        </p:nvSpPr>
+        <p:spPr>
+          <a:xfrm>
+            <a:off x="7738397" y="1462726"/>
+            <a:ext cx="1942070" cy="292388"/>
+          </a:xfrm>
+          <a:prstGeom prst="rect">
+            <a:avLst/>
+          </a:prstGeom>
+          <a:noFill/>
+        </p:spPr>
+        <p:txBody>
+          <a:bodyPr wrap="none" lIns="91440" tIns="18288" rIns="91440" bIns="27432" rtlCol="0" anchor="ctr" anchorCtr="0">
+            <a:spAutoFit/>
+          </a:bodyPr>
+          <a:lstStyle/>
+          <a:p>
+            <a:r>
+              <a:rPr lang="en-US" sz="1600" dirty="0">
+                <a:solidFill>
+                  <a:srgbClr val="000000"/>
+                </a:solidFill>
+                <a:latin typeface="Segoe UI" pitchFamily="34" charset="0"/>
+                <a:ea typeface="Segoe UI" pitchFamily="34" charset="0"/>
+                <a:cs typeface="Segoe UI" pitchFamily="34" charset="0"/>
+              </a:rPr>
+              <a:t>Campus: </a:t>
+            </a:r>
+            <a:r>
+              <a:rPr lang="en-US" sz="1600" dirty="0" err="1">
+                <a:solidFill>
+                  <a:srgbClr val="000000"/>
+                </a:solidFill>
+                <a:latin typeface="Segoe UI" pitchFamily="34" charset="0"/>
+                <a:ea typeface="Segoe UI" pitchFamily="34" charset="0"/>
+                <a:cs typeface="Segoe UI" pitchFamily="34" charset="0"/>
+              </a:rPr>
+              <a:t>Mamoré</a:t>
+            </a:r>
+            <a:r>
+              <a:rPr lang="en-US" sz="1600" dirty="0">
+                <a:solidFill>
+                  <a:srgbClr val="000000"/>
+                </a:solidFill>
+                <a:latin typeface="Segoe UI" pitchFamily="34" charset="0"/>
+                <a:ea typeface="Segoe UI" pitchFamily="34" charset="0"/>
+                <a:cs typeface="Segoe UI" pitchFamily="34" charset="0"/>
+              </a:rPr>
+              <a:t> II</a:t>
+            </a:r>
+          </a:p>
+        </p:txBody>
+      </p:sp>
+      <p:sp>
+        <p:nvSpPr>
+          <p:cNvPr id="45" name="Retângulo 44"/>
+          <p:cNvSpPr/>
+          <p:nvPr/>
+        </p:nvSpPr>
+        <p:spPr>
+          <a:xfrm>
+            <a:off x="101600" y="2118360"/>
+            <a:ext cx="873760" cy="4633600"/>
+          </a:xfrm>
+          <a:prstGeom prst="rect">
+            <a:avLst/>
+          </a:prstGeom>
+          <a:noFill/>
+          <a:ln>
+            <a:solidFill>
+              <a:schemeClr val="tx1"/>
+            </a:solidFill>
+          </a:ln>
+        </p:spPr>
+        <p:style>
+          <a:lnRef idx="2">
+            <a:schemeClr val="accent1">
+              <a:shade val="50000"/>
+            </a:schemeClr>
+          </a:lnRef>
+          <a:fillRef idx="1">
+            <a:schemeClr val="accent1"/>
+          </a:fillRef>
+          <a:effectRef idx="0">
+            <a:schemeClr val="accent1"/>
+          </a:effectRef>
+          <a:fontRef idx="minor">
+            <a:schemeClr val="lt1"/>
+          </a:fontRef>
+        </p:style>
+        <p:txBody>
+          <a:bodyPr rtlCol="0" anchor="ctr"/>
+          <a:lstStyle/>
+          <a:p>
+            <a:pPr algn="ctr"/>
+            <a:endParaRPr lang="pt-BR"/>
+          </a:p>
+        </p:txBody>
+      </p:sp>
+      <p:sp>
+        <p:nvSpPr>
+          <p:cNvPr id="46" name="Elipse 45"/>
+          <p:cNvSpPr/>
+          <p:nvPr/>
+        </p:nvSpPr>
+        <p:spPr>
+          <a:xfrm>
+            <a:off x="150919" y="2460619"/>
+            <a:ext cx="769196" cy="685800"/>
+          </a:xfrm>
+          <a:prstGeom prst="ellipse">
+            <a:avLst/>
+          </a:prstGeom>
+          <a:noFill/>
+          <a:ln>
+            <a:solidFill>
+              <a:schemeClr val="tx1"/>
+            </a:solidFill>
+          </a:ln>
+        </p:spPr>
+        <p:style>
+          <a:lnRef idx="2">
+            <a:schemeClr val="accent1">
+              <a:shade val="50000"/>
+            </a:schemeClr>
+          </a:lnRef>
+          <a:fillRef idx="1">
+            <a:schemeClr val="accent1"/>
+          </a:fillRef>
+          <a:effectRef idx="0">
+            <a:schemeClr val="accent1"/>
+          </a:effectRef>
+          <a:fontRef idx="minor">
+            <a:schemeClr val="lt1"/>
+          </a:fontRef>
+        </p:style>
+        <p:txBody>
+          <a:bodyPr rtlCol="0" anchor="ctr"/>
+          <a:lstStyle/>
+          <a:p>
+            <a:pPr algn="ctr"/>
+            <a:endParaRPr lang="pt-BR"/>
+          </a:p>
+        </p:txBody>
+      </p:sp>
+      <p:sp>
+        <p:nvSpPr>
+          <p:cNvPr id="47" name="Elipse 46"/>
+          <p:cNvSpPr/>
+          <p:nvPr/>
+        </p:nvSpPr>
+        <p:spPr>
+          <a:xfrm>
+            <a:off x="137795" y="3351378"/>
+            <a:ext cx="769196" cy="685800"/>
+          </a:xfrm>
+          <a:prstGeom prst="ellipse">
+            <a:avLst/>
+          </a:prstGeom>
+          <a:noFill/>
+          <a:ln>
+            <a:solidFill>
+              <a:schemeClr val="tx1"/>
+            </a:solidFill>
+          </a:ln>
+        </p:spPr>
+        <p:style>
+          <a:lnRef idx="2">
+            <a:schemeClr val="accent1">
+              <a:shade val="50000"/>
+            </a:schemeClr>
+          </a:lnRef>
+          <a:fillRef idx="1">
+            <a:schemeClr val="accent1"/>
+          </a:fillRef>
+          <a:effectRef idx="0">
+            <a:schemeClr val="accent1"/>
+          </a:effectRef>
+          <a:fontRef idx="minor">
+            <a:schemeClr val="lt1"/>
+          </a:fontRef>
+        </p:style>
+        <p:txBody>
+          <a:bodyPr rtlCol="0" anchor="ctr"/>
+          <a:lstStyle/>
+          <a:p>
+            <a:pPr algn="ctr"/>
+            <a:endParaRPr lang="pt-BR"/>
+          </a:p>
+        </p:txBody>
+      </p:sp>
+      <p:sp>
+        <p:nvSpPr>
+          <p:cNvPr id="48" name="Elipse 47"/>
+          <p:cNvSpPr/>
+          <p:nvPr/>
+        </p:nvSpPr>
+        <p:spPr>
+          <a:xfrm>
+            <a:off x="137795" y="4292851"/>
+            <a:ext cx="769196" cy="685800"/>
+          </a:xfrm>
+          <a:prstGeom prst="ellipse">
+            <a:avLst/>
+          </a:prstGeom>
+          <a:noFill/>
+          <a:ln>
+            <a:solidFill>
+              <a:schemeClr val="tx1"/>
+            </a:solidFill>
+          </a:ln>
+        </p:spPr>
+        <p:style>
+          <a:lnRef idx="2">
+            <a:schemeClr val="accent1">
+              <a:shade val="50000"/>
+            </a:schemeClr>
+          </a:lnRef>
+          <a:fillRef idx="1">
+            <a:schemeClr val="accent1"/>
+          </a:fillRef>
+          <a:effectRef idx="0">
+            <a:schemeClr val="accent1"/>
+          </a:effectRef>
+          <a:fontRef idx="minor">
+            <a:schemeClr val="lt1"/>
+          </a:fontRef>
+        </p:style>
+        <p:txBody>
+          <a:bodyPr rtlCol="0" anchor="ctr"/>
+          <a:lstStyle/>
+          <a:p>
+            <a:pPr algn="ctr"/>
+            <a:endParaRPr lang="pt-BR"/>
+          </a:p>
+        </p:txBody>
+      </p:sp>
+      <p:pic>
+        <p:nvPicPr>
+          <p:cNvPr id="50" name="Imagem 49" descr="Uma imagem contendo sinal, ao ar livre, céu, coisa&#10;&#10;Descrição gerada com muito alta confiança"/>
+          <p:cNvPicPr>
+            <a:picLocks noChangeAspect="1"/>
+          </p:cNvPicPr>
+          <p:nvPr/>
+        </p:nvPicPr>
+        <p:blipFill>
+          <a:blip r:embed="rId19">
+            <a:extLst>
+              <a:ext uri="{28A0092B-C50C-407E-A947-70E740481C1C}">
+                <a14:useLocalDpi xmlns:a14="http://schemas.microsoft.com/office/drawing/2010/main" val="0"/>
+              </a:ext>
+            </a:extLst>
+          </a:blip>
+          <a:stretch>
+            <a:fillRect/>
+          </a:stretch>
+        </p:blipFill>
+        <p:spPr>
+          <a:xfrm>
+            <a:off x="284855" y="3416872"/>
+            <a:ext cx="533400" cy="533400"/>
+          </a:xfrm>
+          <a:prstGeom prst="rect">
+            <a:avLst/>
+          </a:prstGeom>
+        </p:spPr>
+      </p:pic>
+      <p:pic>
+        <p:nvPicPr>
+          <p:cNvPr id="54" name="Imagem 53"/>
+          <p:cNvPicPr>
+            <a:picLocks noChangeAspect="1"/>
+          </p:cNvPicPr>
+          <p:nvPr/>
+        </p:nvPicPr>
+        <p:blipFill>
+          <a:blip r:embed="rId20">
+            <a:extLst>
+              <a:ext uri="{28A0092B-C50C-407E-A947-70E740481C1C}">
+                <a14:useLocalDpi xmlns:a14="http://schemas.microsoft.com/office/drawing/2010/main" val="0"/>
+              </a:ext>
+            </a:extLst>
+          </a:blip>
+          <a:stretch>
+            <a:fillRect/>
+          </a:stretch>
+        </p:blipFill>
+        <p:spPr>
+          <a:xfrm>
+            <a:off x="253427" y="2517045"/>
+            <a:ext cx="629374" cy="629374"/>
+          </a:xfrm>
+          <a:prstGeom prst="rect">
+            <a:avLst/>
+          </a:prstGeom>
+        </p:spPr>
+      </p:pic>
+      <p:pic>
+        <p:nvPicPr>
+          <p:cNvPr id="58" name="Imagem 57"/>
+          <p:cNvPicPr>
+            <a:picLocks noChangeAspect="1"/>
+          </p:cNvPicPr>
+          <p:nvPr/>
+        </p:nvPicPr>
+        <p:blipFill>
+          <a:blip r:embed="rId21">
+            <a:extLst>
+              <a:ext uri="{28A0092B-C50C-407E-A947-70E740481C1C}">
+                <a14:useLocalDpi xmlns:a14="http://schemas.microsoft.com/office/drawing/2010/main" val="0"/>
+              </a:ext>
+            </a:extLst>
+          </a:blip>
+          <a:stretch>
+            <a:fillRect/>
+          </a:stretch>
+        </p:blipFill>
+        <p:spPr>
+          <a:xfrm>
+            <a:off x="261127" y="4353096"/>
+            <a:ext cx="564669" cy="564669"/>
+          </a:xfrm>
+          <a:prstGeom prst="rect">
+            <a:avLst/>
+          </a:prstGeom>
+        </p:spPr>
+      </p:pic>
+    </p:spTree>
+    <p:extLst>
+      <p:ext uri="{BB962C8B-B14F-4D97-AF65-F5344CB8AC3E}">
+        <p14:creationId xmlns:p14="http://schemas.microsoft.com/office/powerpoint/2010/main" val="1486036492"/>
+      </p:ext>
+    </p:extLst>
+  </p:cSld>
+  <p:clrMapOvr>
+    <a:masterClrMapping/>
+  </p:clrMapOvr>
+</p:sld>
+</file>
+
+<file path=ppt/slides/slide3.xml><?xml version="1.0" encoding="utf-8"?>
+<p:sld xmlns:a="http://schemas.openxmlformats.org/drawingml/2006/main" xmlns:r="http://schemas.openxmlformats.org/officeDocument/2006/relationships" xmlns:p="http://schemas.openxmlformats.org/presentationml/2006/main">
+  <p:cSld>
+    <p:spTree>
+      <p:nvGrpSpPr>
+        <p:cNvPr id="1" name=""/>
+        <p:cNvGrpSpPr/>
+        <p:nvPr/>
+      </p:nvGrpSpPr>
+      <p:grpSpPr>
+        <a:xfrm>
+          <a:off x="0" y="0"/>
+          <a:ext cx="0" cy="0"/>
+          <a:chOff x="0" y="0"/>
+          <a:chExt cx="0" cy="0"/>
+        </a:xfrm>
+      </p:grpSpPr>
+      <p:grpSp>
+        <p:nvGrpSpPr>
+          <p:cNvPr id="2" name="WindowsPhone"/>
+          <p:cNvGrpSpPr/>
+          <p:nvPr>
+            <p:custDataLst>
+              <p:custData r:id="rId1"/>
+            </p:custDataLst>
+          </p:nvPr>
+        </p:nvGrpSpPr>
+        <p:grpSpPr>
+          <a:xfrm>
+            <a:off x="765292" y="8525"/>
+            <a:ext cx="3464995" cy="6857998"/>
+            <a:chOff x="2839503" y="1"/>
+            <a:chExt cx="3464995" cy="6857998"/>
+          </a:xfrm>
+        </p:grpSpPr>
+        <p:grpSp>
+          <p:nvGrpSpPr>
+            <p:cNvPr id="3" name="Group 2"/>
+            <p:cNvGrpSpPr/>
+            <p:nvPr/>
+          </p:nvGrpSpPr>
+          <p:grpSpPr>
+            <a:xfrm>
+              <a:off x="2839503" y="1"/>
+              <a:ext cx="3464995" cy="6857998"/>
+              <a:chOff x="2839503" y="1"/>
+              <a:chExt cx="3464995" cy="6857998"/>
+            </a:xfrm>
+          </p:grpSpPr>
+          <p:grpSp>
+            <p:nvGrpSpPr>
+              <p:cNvPr id="5" name="Group 4"/>
+              <p:cNvGrpSpPr/>
+              <p:nvPr/>
+            </p:nvGrpSpPr>
+            <p:grpSpPr>
+              <a:xfrm>
+                <a:off x="2839503" y="1"/>
+                <a:ext cx="3464995" cy="6857998"/>
+                <a:chOff x="2834639" y="1"/>
+                <a:chExt cx="3464995" cy="6857998"/>
+              </a:xfrm>
+            </p:grpSpPr>
+            <p:sp>
+              <p:nvSpPr>
+                <p:cNvPr id="7" name="Rounded Rectangle 6"/>
+                <p:cNvSpPr/>
+                <p:nvPr userDrawn="1"/>
+              </p:nvSpPr>
+              <p:spPr>
+                <a:xfrm>
+                  <a:off x="2834639" y="1"/>
+                  <a:ext cx="3464995" cy="6857998"/>
+                </a:xfrm>
+                <a:prstGeom prst="roundRect">
+                  <a:avLst>
+                    <a:gd name="adj" fmla="val 5515"/>
+                  </a:avLst>
+                </a:prstGeom>
+                <a:solidFill>
+                  <a:srgbClr val="FFFFFF"/>
+                </a:solidFill>
+                <a:ln w="3175">
+                  <a:solidFill>
+                    <a:srgbClr val="000000">
+                      <a:lumMod val="95000"/>
+                      <a:lumOff val="5000"/>
+                    </a:srgbClr>
+                  </a:solidFill>
+                </a:ln>
+              </p:spPr>
+              <p:style>
+                <a:lnRef idx="2">
+                  <a:srgbClr val="4F81BD">
+                    <a:shade val="50000"/>
+                  </a:srgbClr>
+                </a:lnRef>
+                <a:fillRef idx="1">
+                  <a:srgbClr val="4F81BD"/>
+                </a:fillRef>
+                <a:effectRef idx="0">
+                  <a:srgbClr val="4F81BD"/>
+                </a:effectRef>
+                <a:fontRef idx="minor">
+                  <a:srgbClr val="000000"/>
+                </a:fontRef>
+              </p:style>
+              <p:txBody>
+                <a:bodyPr rtlCol="0" anchor="ctr"/>
+                <a:lstStyle/>
+                <a:p>
+                  <a:pPr algn="ctr"/>
+                  <a:endParaRPr lang="en-US" u="sng">
+                    <a:solidFill>
+                      <a:prstClr val="white"/>
+                    </a:solidFill>
+                  </a:endParaRPr>
+                </a:p>
+              </p:txBody>
+            </p:sp>
+            <p:sp>
+              <p:nvSpPr>
+                <p:cNvPr id="8" name="Rounded Rectangle 7"/>
+                <p:cNvSpPr/>
+                <p:nvPr/>
+              </p:nvSpPr>
+              <p:spPr>
+                <a:xfrm>
+                  <a:off x="2928205" y="91440"/>
+                  <a:ext cx="3276600" cy="6659880"/>
+                </a:xfrm>
+                <a:prstGeom prst="roundRect">
+                  <a:avLst>
+                    <a:gd name="adj" fmla="val 2819"/>
+                  </a:avLst>
+                </a:prstGeom>
+                <a:solidFill>
+                  <a:srgbClr val="FFFFFF">
+                    <a:lumMod val="65000"/>
+                  </a:srgbClr>
+                </a:solidFill>
+                <a:ln w="3175" cap="flat" cmpd="sng" algn="ctr">
+                  <a:solidFill>
+                    <a:sysClr val="windowText" lastClr="000000">
+                      <a:lumMod val="75000"/>
+                      <a:lumOff val="25000"/>
+                    </a:sysClr>
+                  </a:solidFill>
+                  <a:prstDash val="solid"/>
+                </a:ln>
+                <a:effectLst/>
+              </p:spPr>
+              <p:txBody>
+                <a:bodyPr rot="0" spcFirstLastPara="0" vertOverflow="overflow" horzOverflow="overflow" vert="horz" wrap="square" lIns="45720" tIns="45720" rIns="91440" bIns="45720" numCol="1" spcCol="0" rtlCol="0" fromWordArt="0" anchor="ctr" anchorCtr="0" forceAA="0" compatLnSpc="1">
+                  <a:prstTxWarp prst="textNoShape">
+                    <a:avLst/>
+                  </a:prstTxWarp>
+                  <a:noAutofit/>
+                </a:bodyPr>
+                <a:lstStyle/>
+                <a:p>
+                  <a:pPr algn="ctr"/>
+                  <a:endParaRPr lang="en-US" sz="800" kern="0" dirty="0">
+                    <a:solidFill>
+                      <a:prstClr val="black">
+                        <a:lumMod val="75000"/>
+                        <a:lumOff val="25000"/>
+                      </a:prstClr>
+                    </a:solidFill>
+                    <a:latin typeface="Segoe UI"/>
+                  </a:endParaRPr>
+                </a:p>
+              </p:txBody>
+            </p:sp>
+            <p:sp>
+              <p:nvSpPr>
+                <p:cNvPr id="9" name="Rectangle 8"/>
+                <p:cNvSpPr/>
+                <p:nvPr userDrawn="1"/>
+              </p:nvSpPr>
+              <p:spPr>
+                <a:xfrm>
+                  <a:off x="3050294" y="482053"/>
+                  <a:ext cx="3038085" cy="5074920"/>
+                </a:xfrm>
+                <a:prstGeom prst="rect">
+                  <a:avLst/>
+                </a:prstGeom>
+                <a:solidFill>
+                  <a:srgbClr val="FFFFFF"/>
+                </a:solidFill>
+                <a:ln w="3175">
+                  <a:solidFill>
+                    <a:srgbClr val="000000"/>
+                  </a:solidFill>
+                </a:ln>
+              </p:spPr>
+              <p:style>
+                <a:lnRef idx="2">
+                  <a:srgbClr val="4F81BD">
+                    <a:shade val="50000"/>
+                  </a:srgbClr>
+                </a:lnRef>
+                <a:fillRef idx="1">
+                  <a:srgbClr val="4F81BD"/>
+                </a:fillRef>
+                <a:effectRef idx="0">
+                  <a:srgbClr val="4F81BD"/>
+                </a:effectRef>
+                <a:fontRef idx="minor">
+                  <a:srgbClr val="000000"/>
+                </a:fontRef>
+              </p:style>
+              <p:txBody>
+                <a:bodyPr rtlCol="0" anchor="ctr"/>
+                <a:lstStyle/>
+                <a:p>
+                  <a:pPr algn="ctr"/>
+                  <a:endParaRPr lang="en-US" u="sng">
+                    <a:solidFill>
+                      <a:prstClr val="white"/>
+                    </a:solidFill>
+                  </a:endParaRPr>
+                </a:p>
+              </p:txBody>
+            </p:sp>
+            <p:sp>
+              <p:nvSpPr>
+                <p:cNvPr id="10" name="Left Arrow 9"/>
+                <p:cNvSpPr/>
+                <p:nvPr userDrawn="1"/>
+              </p:nvSpPr>
+              <p:spPr>
+                <a:xfrm>
+                  <a:off x="3300730" y="6215335"/>
+                  <a:ext cx="270769" cy="117324"/>
+                </a:xfrm>
+                <a:prstGeom prst="leftArrow">
+                  <a:avLst>
+                    <a:gd name="adj1" fmla="val 0"/>
+                    <a:gd name="adj2" fmla="val 91165"/>
+                  </a:avLst>
+                </a:prstGeom>
+                <a:noFill/>
+                <a:ln w="3175">
+                  <a:solidFill>
+                    <a:srgbClr val="FFFFFF"/>
+                  </a:solidFill>
+                </a:ln>
+              </p:spPr>
+              <p:style>
+                <a:lnRef idx="2">
+                  <a:srgbClr val="4F81BD">
+                    <a:shade val="50000"/>
+                  </a:srgbClr>
+                </a:lnRef>
+                <a:fillRef idx="1">
+                  <a:srgbClr val="4F81BD"/>
+                </a:fillRef>
+                <a:effectRef idx="0">
+                  <a:srgbClr val="4F81BD"/>
+                </a:effectRef>
+                <a:fontRef idx="minor">
+                  <a:srgbClr val="000000"/>
+                </a:fontRef>
+              </p:style>
+              <p:txBody>
+                <a:bodyPr rtlCol="0" anchor="ctr"/>
+                <a:lstStyle/>
+                <a:p>
+                  <a:pPr algn="ctr"/>
+                  <a:endParaRPr lang="en-US" u="sng">
+                    <a:solidFill>
+                      <a:prstClr val="white"/>
+                    </a:solidFill>
+                  </a:endParaRPr>
+                </a:p>
+              </p:txBody>
+            </p:sp>
+            <p:grpSp>
+              <p:nvGrpSpPr>
+                <p:cNvPr id="11" name="Group 10"/>
+                <p:cNvGrpSpPr/>
+                <p:nvPr/>
+              </p:nvGrpSpPr>
+              <p:grpSpPr>
+                <a:xfrm rot="21384124">
+                  <a:off x="4457215" y="6161552"/>
+                  <a:ext cx="212326" cy="227346"/>
+                  <a:chOff x="4194362" y="5874647"/>
+                  <a:chExt cx="252148" cy="269985"/>
+                </a:xfrm>
+                <a:solidFill>
+                  <a:srgbClr val="FFFFFF"/>
+                </a:solidFill>
+              </p:grpSpPr>
+              <p:sp>
+                <p:nvSpPr>
+                  <p:cNvPr id="13" name="Flowchart: Stored Data 12"/>
+                  <p:cNvSpPr/>
+                  <p:nvPr/>
+                </p:nvSpPr>
+                <p:spPr>
+                  <a:xfrm rot="6230930">
+                    <a:off x="4218638" y="5878261"/>
+                    <a:ext cx="115927" cy="108699"/>
+                  </a:xfrm>
+                  <a:prstGeom prst="flowChartOnlineStorage">
+                    <a:avLst/>
+                  </a:prstGeom>
+                  <a:solidFill>
+                    <a:srgbClr val="FFFFFF"/>
+                  </a:solidFill>
+                  <a:ln>
+                    <a:noFill/>
+                  </a:ln>
+                </p:spPr>
+                <p:style>
+                  <a:lnRef idx="2">
+                    <a:srgbClr val="4F81BD">
+                      <a:shade val="50000"/>
+                    </a:srgbClr>
+                  </a:lnRef>
+                  <a:fillRef idx="1">
+                    <a:srgbClr val="4F81BD"/>
+                  </a:fillRef>
+                  <a:effectRef idx="0">
+                    <a:srgbClr val="4F81BD"/>
+                  </a:effectRef>
+                  <a:fontRef idx="minor">
+                    <a:srgbClr val="000000"/>
+                  </a:fontRef>
+                </p:style>
+                <p:txBody>
+                  <a:bodyPr rtlCol="0" anchor="ctr"/>
+                  <a:lstStyle/>
+                  <a:p>
+                    <a:pPr algn="ctr"/>
+                    <a:endParaRPr lang="en-US" u="sng">
+                      <a:solidFill>
+                        <a:prstClr val="white"/>
+                      </a:solidFill>
+                    </a:endParaRPr>
+                  </a:p>
+                </p:txBody>
+              </p:sp>
+              <p:sp>
+                <p:nvSpPr>
+                  <p:cNvPr id="14" name="Flowchart: Stored Data 13"/>
+                  <p:cNvSpPr/>
+                  <p:nvPr/>
+                </p:nvSpPr>
+                <p:spPr>
+                  <a:xfrm rot="6230930">
+                    <a:off x="4190748" y="5989157"/>
+                    <a:ext cx="115927" cy="108699"/>
+                  </a:xfrm>
+                  <a:prstGeom prst="flowChartOnlineStorage">
+                    <a:avLst/>
+                  </a:prstGeom>
+                  <a:solidFill>
+                    <a:srgbClr val="FFFFFF"/>
+                  </a:solidFill>
+                  <a:ln>
+                    <a:noFill/>
+                  </a:ln>
+                </p:spPr>
+                <p:style>
+                  <a:lnRef idx="2">
+                    <a:srgbClr val="4F81BD">
+                      <a:shade val="50000"/>
+                    </a:srgbClr>
+                  </a:lnRef>
+                  <a:fillRef idx="1">
+                    <a:srgbClr val="4F81BD"/>
+                  </a:fillRef>
+                  <a:effectRef idx="0">
+                    <a:srgbClr val="4F81BD"/>
+                  </a:effectRef>
+                  <a:fontRef idx="minor">
+                    <a:srgbClr val="000000"/>
+                  </a:fontRef>
+                </p:style>
+                <p:txBody>
+                  <a:bodyPr rtlCol="0" anchor="ctr"/>
+                  <a:lstStyle/>
+                  <a:p>
+                    <a:pPr algn="ctr"/>
+                    <a:endParaRPr lang="en-US" u="sng">
+                      <a:solidFill>
+                        <a:prstClr val="white"/>
+                      </a:solidFill>
+                    </a:endParaRPr>
+                  </a:p>
+                </p:txBody>
+              </p:sp>
+              <p:sp>
+                <p:nvSpPr>
+                  <p:cNvPr id="15" name="Flowchart: Stored Data 14"/>
+                  <p:cNvSpPr/>
+                  <p:nvPr/>
+                </p:nvSpPr>
+                <p:spPr>
+                  <a:xfrm rot="16979296">
+                    <a:off x="4335573" y="5922200"/>
+                    <a:ext cx="114310" cy="107565"/>
+                  </a:xfrm>
+                  <a:prstGeom prst="flowChartOnlineStorage">
+                    <a:avLst/>
+                  </a:prstGeom>
+                  <a:solidFill>
+                    <a:srgbClr val="FFFFFF"/>
+                  </a:solidFill>
+                  <a:ln>
+                    <a:noFill/>
+                  </a:ln>
+                </p:spPr>
+                <p:style>
+                  <a:lnRef idx="2">
+                    <a:srgbClr val="4F81BD">
+                      <a:shade val="50000"/>
+                    </a:srgbClr>
+                  </a:lnRef>
+                  <a:fillRef idx="1">
+                    <a:srgbClr val="4F81BD"/>
+                  </a:fillRef>
+                  <a:effectRef idx="0">
+                    <a:srgbClr val="4F81BD"/>
+                  </a:effectRef>
+                  <a:fontRef idx="minor">
+                    <a:srgbClr val="000000"/>
+                  </a:fontRef>
+                </p:style>
+                <p:txBody>
+                  <a:bodyPr rtlCol="0" anchor="ctr"/>
+                  <a:lstStyle/>
+                  <a:p>
+                    <a:pPr algn="ctr"/>
+                    <a:endParaRPr lang="en-US" u="sng">
+                      <a:solidFill>
+                        <a:prstClr val="white"/>
+                      </a:solidFill>
+                    </a:endParaRPr>
+                  </a:p>
+                </p:txBody>
+              </p:sp>
+              <p:sp>
+                <p:nvSpPr>
+                  <p:cNvPr id="16" name="Flowchart: Stored Data 15"/>
+                  <p:cNvSpPr/>
+                  <p:nvPr/>
+                </p:nvSpPr>
+                <p:spPr>
+                  <a:xfrm rot="16979296">
+                    <a:off x="4307999" y="6032886"/>
+                    <a:ext cx="115927" cy="107565"/>
+                  </a:xfrm>
+                  <a:prstGeom prst="flowChartOnlineStorage">
+                    <a:avLst/>
+                  </a:prstGeom>
+                  <a:solidFill>
+                    <a:srgbClr val="FFFFFF"/>
+                  </a:solidFill>
+                  <a:ln>
+                    <a:noFill/>
+                  </a:ln>
+                </p:spPr>
+                <p:style>
+                  <a:lnRef idx="2">
+                    <a:srgbClr val="4F81BD">
+                      <a:shade val="50000"/>
+                    </a:srgbClr>
+                  </a:lnRef>
+                  <a:fillRef idx="1">
+                    <a:srgbClr val="4F81BD"/>
+                  </a:fillRef>
+                  <a:effectRef idx="0">
+                    <a:srgbClr val="4F81BD"/>
+                  </a:effectRef>
+                  <a:fontRef idx="minor">
+                    <a:srgbClr val="000000"/>
+                  </a:fontRef>
+                </p:style>
+                <p:txBody>
+                  <a:bodyPr rtlCol="0" anchor="ctr"/>
+                  <a:lstStyle/>
+                  <a:p>
+                    <a:pPr algn="ctr"/>
+                    <a:endParaRPr lang="en-US" u="sng">
+                      <a:solidFill>
+                        <a:prstClr val="white"/>
+                      </a:solidFill>
+                    </a:endParaRPr>
+                  </a:p>
+                </p:txBody>
+              </p:sp>
+            </p:grpSp>
+            <p:sp>
+              <p:nvSpPr>
+                <p:cNvPr id="12" name="Rounded Rectangle 11"/>
+                <p:cNvSpPr/>
+                <p:nvPr/>
+              </p:nvSpPr>
+              <p:spPr>
+                <a:xfrm>
+                  <a:off x="4138146" y="266078"/>
+                  <a:ext cx="860720" cy="52045"/>
+                </a:xfrm>
+                <a:prstGeom prst="roundRect">
+                  <a:avLst/>
+                </a:prstGeom>
+                <a:solidFill>
+                  <a:srgbClr val="FFFFFF">
+                    <a:lumMod val="95000"/>
+                  </a:srgbClr>
+                </a:solidFill>
+                <a:ln w="3175" cap="flat" cmpd="sng" algn="ctr">
+                  <a:solidFill>
+                    <a:sysClr val="windowText" lastClr="000000">
+                      <a:lumMod val="75000"/>
+                      <a:lumOff val="25000"/>
+                    </a:sysClr>
+                  </a:solidFill>
+                  <a:prstDash val="solid"/>
+                </a:ln>
+                <a:effectLst/>
+              </p:spPr>
+              <p:txBody>
+                <a:bodyPr rot="0" spcFirstLastPara="0" vertOverflow="overflow" horzOverflow="overflow" vert="horz" wrap="square" lIns="45720" tIns="45720" rIns="91440" bIns="45720" numCol="1" spcCol="0" rtlCol="0" fromWordArt="0" anchor="ctr" anchorCtr="0" forceAA="0" compatLnSpc="1">
+                  <a:prstTxWarp prst="textNoShape">
+                    <a:avLst/>
+                  </a:prstTxWarp>
+                  <a:noAutofit/>
+                </a:bodyPr>
+                <a:lstStyle/>
+                <a:p>
+                  <a:pPr algn="ctr"/>
+                  <a:endParaRPr lang="en-US" sz="800" kern="0" dirty="0">
+                    <a:solidFill>
+                      <a:prstClr val="black">
+                        <a:lumMod val="75000"/>
+                        <a:lumOff val="25000"/>
+                      </a:prstClr>
+                    </a:solidFill>
+                    <a:latin typeface="Segoe UI"/>
+                  </a:endParaRPr>
+                </a:p>
+              </p:txBody>
+            </p:sp>
+          </p:grpSp>
+          <p:sp>
+            <p:nvSpPr>
+              <p:cNvPr id="6" name="Rectangle 5"/>
+              <p:cNvSpPr/>
+              <p:nvPr/>
+            </p:nvSpPr>
+            <p:spPr>
+              <a:xfrm>
+                <a:off x="3054545" y="482052"/>
+                <a:ext cx="3038698" cy="188595"/>
+              </a:xfrm>
+              <a:prstGeom prst="rect">
+                <a:avLst/>
+              </a:prstGeom>
+              <a:solidFill>
+                <a:srgbClr val="000000">
+                  <a:alpha val="35000"/>
+                </a:srgbClr>
+              </a:solidFill>
+              <a:ln w="12700" cap="flat" cmpd="sng" algn="ctr">
+                <a:noFill/>
+                <a:prstDash val="solid"/>
+              </a:ln>
+              <a:effectLst/>
+            </p:spPr>
+            <p:txBody>
+              <a:bodyPr rot="0" spcFirstLastPara="0" vertOverflow="overflow" horzOverflow="overflow" vert="horz" wrap="square" lIns="45720" tIns="45720" rIns="45720" bIns="45720" numCol="1" spcCol="0" rtlCol="0" fromWordArt="0" anchor="ctr" anchorCtr="0" forceAA="0" compatLnSpc="1">
+                <a:prstTxWarp prst="textNoShape">
+                  <a:avLst/>
+                </a:prstTxWarp>
+                <a:noAutofit/>
+              </a:bodyPr>
+              <a:lstStyle/>
+              <a:p>
+                <a:pPr marL="0" marR="0" indent="0" algn="r" defTabSz="914400" eaLnBrk="1" fontAlgn="auto" latinLnBrk="0" hangingPunct="1">
+                  <a:lnSpc>
+                    <a:spcPct val="100000"/>
+                  </a:lnSpc>
+                  <a:spcBef>
+                    <a:spcPts val="0"/>
+                  </a:spcBef>
+                  <a:spcAft>
+                    <a:spcPts val="0"/>
+                  </a:spcAft>
+                  <a:buClrTx/>
+                  <a:buSzTx/>
+                  <a:buFontTx/>
+                  <a:buNone/>
+                  <a:tabLst/>
+                </a:pPr>
+                <a:r>
+                  <a:rPr kumimoji="0" lang="en-US" sz="1000" i="0" u="none" strike="noStrike" kern="0" cap="none" spc="0" normalizeH="0" baseline="0" noProof="0" dirty="0">
+                    <a:ln>
+                      <a:noFill/>
+                    </a:ln>
+                    <a:solidFill>
+                      <a:srgbClr val="FFFFFF"/>
+                    </a:solidFill>
+                    <a:effectLst/>
+                    <a:uLnTx/>
+                    <a:uFillTx/>
+                    <a:latin typeface="Segoe UI"/>
+                    <a:ea typeface="+mn-ea"/>
+                    <a:cs typeface="+mn-cs"/>
+                  </a:rPr>
+                  <a:t>12:38</a:t>
+                </a:r>
+              </a:p>
+            </p:txBody>
+          </p:sp>
+        </p:grpSp>
+        <p:pic>
+          <p:nvPicPr>
+            <p:cNvPr id="4" name="Picture 2" descr="C:\Users\t-dantay\Documents\WPIcons\appbar.feature.search.rest.png"/>
+            <p:cNvPicPr>
+              <a:picLocks noChangeAspect="1" noChangeArrowheads="1"/>
+            </p:cNvPicPr>
+            <p:nvPr/>
+          </p:nvPicPr>
+          <p:blipFill>
+            <a:blip r:embed="rId16">
+              <a:lum bright="70000" contrast="-70000"/>
+              <a:extLst>
+                <a:ext uri="{28A0092B-C50C-407E-A947-70E740481C1C}">
+                  <a14:useLocalDpi xmlns:a14="http://schemas.microsoft.com/office/drawing/2010/main" val="0"/>
+                </a:ext>
+              </a:extLst>
+            </a:blip>
+            <a:srcRect/>
+            <a:stretch>
+              <a:fillRect/>
+            </a:stretch>
+          </p:blipFill>
+          <p:spPr bwMode="auto">
+            <a:xfrm>
+              <a:off x="5519769" y="6091117"/>
+              <a:ext cx="365760" cy="365760"/>
+            </a:xfrm>
+            <a:prstGeom prst="rect">
+              <a:avLst/>
+            </a:prstGeom>
+            <a:noFill/>
+            <a:extLst>
+              <a:ext uri="{909E8E84-426E-40DD-AFC4-6F175D3DCCD1}">
+                <a14:hiddenFill xmlns:a14="http://schemas.microsoft.com/office/drawing/2010/main">
+                  <a:solidFill>
+                    <a:srgbClr val="FFFFFF"/>
+                  </a:solidFill>
+                </a14:hiddenFill>
+              </a:ext>
+            </a:extLst>
+          </p:spPr>
+        </p:pic>
+      </p:grpSp>
+      <p:grpSp>
+        <p:nvGrpSpPr>
+          <p:cNvPr id="17" name="WindowsPhoneLandscape"/>
+          <p:cNvGrpSpPr/>
+          <p:nvPr>
+            <p:custDataLst>
+              <p:custData r:id="rId2"/>
+            </p:custDataLst>
+          </p:nvPr>
+        </p:nvGrpSpPr>
+        <p:grpSpPr>
+          <a:xfrm>
+            <a:off x="4861561" y="1696501"/>
+            <a:ext cx="6857998" cy="3464995"/>
+            <a:chOff x="1143003" y="1696502"/>
+            <a:chExt cx="6857998" cy="3464995"/>
+          </a:xfrm>
+        </p:grpSpPr>
+        <p:grpSp>
+          <p:nvGrpSpPr>
+            <p:cNvPr id="18" name="Group 2"/>
+            <p:cNvGrpSpPr/>
+            <p:nvPr/>
+          </p:nvGrpSpPr>
+          <p:grpSpPr>
+            <a:xfrm>
+              <a:off x="1143003" y="1696502"/>
+              <a:ext cx="6857998" cy="3464995"/>
+              <a:chOff x="1143003" y="1696502"/>
+              <a:chExt cx="6857998" cy="3464995"/>
+            </a:xfrm>
+          </p:grpSpPr>
+          <p:grpSp>
+            <p:nvGrpSpPr>
+              <p:cNvPr id="20" name="Group 4"/>
+              <p:cNvGrpSpPr/>
+              <p:nvPr/>
+            </p:nvGrpSpPr>
+            <p:grpSpPr>
+              <a:xfrm rot="16200000">
+                <a:off x="2839504" y="1"/>
+                <a:ext cx="3464995" cy="6857998"/>
+                <a:chOff x="2834639" y="1"/>
+                <a:chExt cx="3464995" cy="6857998"/>
+              </a:xfrm>
+            </p:grpSpPr>
+            <p:sp>
+              <p:nvSpPr>
+                <p:cNvPr id="22" name="Rounded Rectangle 6"/>
+                <p:cNvSpPr/>
+                <p:nvPr userDrawn="1"/>
+              </p:nvSpPr>
+              <p:spPr>
+                <a:xfrm>
+                  <a:off x="2834639" y="1"/>
+                  <a:ext cx="3464995" cy="6857998"/>
+                </a:xfrm>
+                <a:prstGeom prst="roundRect">
+                  <a:avLst>
+                    <a:gd name="adj" fmla="val 5515"/>
+                  </a:avLst>
+                </a:prstGeom>
+                <a:solidFill>
+                  <a:srgbClr val="FFFFFF"/>
+                </a:solidFill>
+                <a:ln w="3175">
+                  <a:solidFill>
+                    <a:srgbClr val="000000">
+                      <a:lumMod val="95000"/>
+                      <a:lumOff val="5000"/>
+                    </a:srgbClr>
+                  </a:solidFill>
+                </a:ln>
+              </p:spPr>
+              <p:style>
+                <a:lnRef idx="2">
+                  <a:srgbClr val="4F81BD">
+                    <a:shade val="50000"/>
+                  </a:srgbClr>
+                </a:lnRef>
+                <a:fillRef idx="1">
+                  <a:srgbClr val="4F81BD"/>
+                </a:fillRef>
+                <a:effectRef idx="0">
+                  <a:srgbClr val="4F81BD"/>
+                </a:effectRef>
+                <a:fontRef idx="minor">
+                  <a:srgbClr val="000000"/>
+                </a:fontRef>
+              </p:style>
+              <p:txBody>
+                <a:bodyPr rtlCol="0" anchor="ctr"/>
+                <a:lstStyle/>
+                <a:p>
+                  <a:pPr algn="ctr"/>
+                  <a:endParaRPr lang="en-US" u="sng">
+                    <a:solidFill>
+                      <a:prstClr val="white"/>
+                    </a:solidFill>
+                  </a:endParaRPr>
+                </a:p>
+              </p:txBody>
+            </p:sp>
+            <p:sp>
+              <p:nvSpPr>
+                <p:cNvPr id="23" name="Rounded Rectangle 7"/>
+                <p:cNvSpPr/>
+                <p:nvPr/>
+              </p:nvSpPr>
+              <p:spPr>
+                <a:xfrm>
+                  <a:off x="2928205" y="91440"/>
+                  <a:ext cx="3276600" cy="6659880"/>
+                </a:xfrm>
+                <a:prstGeom prst="roundRect">
+                  <a:avLst>
+                    <a:gd name="adj" fmla="val 2819"/>
+                  </a:avLst>
+                </a:prstGeom>
+                <a:solidFill>
+                  <a:srgbClr val="FFFFFF">
+                    <a:lumMod val="65000"/>
+                  </a:srgbClr>
+                </a:solidFill>
+                <a:ln w="3175" cap="flat" cmpd="sng" algn="ctr">
+                  <a:solidFill>
+                    <a:sysClr val="windowText" lastClr="000000">
+                      <a:lumMod val="75000"/>
+                      <a:lumOff val="25000"/>
+                    </a:sysClr>
+                  </a:solidFill>
+                  <a:prstDash val="solid"/>
+                </a:ln>
+                <a:effectLst/>
+              </p:spPr>
+              <p:txBody>
+                <a:bodyPr rot="0" spcFirstLastPara="0" vertOverflow="overflow" horzOverflow="overflow" vert="horz" wrap="square" lIns="45720" tIns="45720" rIns="91440" bIns="45720" numCol="1" spcCol="0" rtlCol="0" fromWordArt="0" anchor="ctr" anchorCtr="0" forceAA="0" compatLnSpc="1">
+                  <a:prstTxWarp prst="textNoShape">
+                    <a:avLst/>
+                  </a:prstTxWarp>
+                  <a:noAutofit/>
+                </a:bodyPr>
+                <a:lstStyle/>
+                <a:p>
+                  <a:pPr algn="ctr"/>
+                  <a:endParaRPr lang="en-US" sz="800" kern="0" dirty="0">
+                    <a:solidFill>
+                      <a:prstClr val="black">
+                        <a:lumMod val="75000"/>
+                        <a:lumOff val="25000"/>
+                      </a:prstClr>
+                    </a:solidFill>
+                    <a:latin typeface="Segoe UI"/>
+                  </a:endParaRPr>
+                </a:p>
+              </p:txBody>
+            </p:sp>
+            <p:sp>
+              <p:nvSpPr>
+                <p:cNvPr id="24" name="Rectangle 8"/>
+                <p:cNvSpPr/>
+                <p:nvPr userDrawn="1"/>
+              </p:nvSpPr>
+              <p:spPr>
+                <a:xfrm>
+                  <a:off x="3050294" y="482053"/>
+                  <a:ext cx="3038085" cy="5074920"/>
+                </a:xfrm>
+                <a:prstGeom prst="rect">
+                  <a:avLst/>
+                </a:prstGeom>
+                <a:solidFill>
+                  <a:srgbClr val="FFFFFF"/>
+                </a:solidFill>
+                <a:ln w="3175">
+                  <a:solidFill>
+                    <a:srgbClr val="000000"/>
+                  </a:solidFill>
+                </a:ln>
+              </p:spPr>
+              <p:style>
+                <a:lnRef idx="2">
+                  <a:srgbClr val="4F81BD">
+                    <a:shade val="50000"/>
+                  </a:srgbClr>
+                </a:lnRef>
+                <a:fillRef idx="1">
+                  <a:srgbClr val="4F81BD"/>
+                </a:fillRef>
+                <a:effectRef idx="0">
+                  <a:srgbClr val="4F81BD"/>
+                </a:effectRef>
+                <a:fontRef idx="minor">
+                  <a:srgbClr val="000000"/>
+                </a:fontRef>
+              </p:style>
+              <p:txBody>
+                <a:bodyPr rtlCol="0" anchor="ctr"/>
+                <a:lstStyle/>
+                <a:p>
+                  <a:pPr algn="ctr"/>
+                  <a:endParaRPr lang="en-US" u="sng">
+                    <a:solidFill>
+                      <a:prstClr val="white"/>
+                    </a:solidFill>
+                  </a:endParaRPr>
+                </a:p>
+              </p:txBody>
+            </p:sp>
+            <p:sp>
+              <p:nvSpPr>
+                <p:cNvPr id="25" name="Left Arrow 9"/>
+                <p:cNvSpPr/>
+                <p:nvPr userDrawn="1"/>
+              </p:nvSpPr>
+              <p:spPr>
+                <a:xfrm>
+                  <a:off x="3300730" y="6215335"/>
+                  <a:ext cx="270769" cy="117324"/>
+                </a:xfrm>
+                <a:prstGeom prst="leftArrow">
+                  <a:avLst>
+                    <a:gd name="adj1" fmla="val 0"/>
+                    <a:gd name="adj2" fmla="val 91165"/>
+                  </a:avLst>
+                </a:prstGeom>
+                <a:noFill/>
+                <a:ln w="3175">
+                  <a:solidFill>
+                    <a:srgbClr val="FFFFFF"/>
+                  </a:solidFill>
+                </a:ln>
+              </p:spPr>
+              <p:style>
+                <a:lnRef idx="2">
+                  <a:srgbClr val="4F81BD">
+                    <a:shade val="50000"/>
+                  </a:srgbClr>
+                </a:lnRef>
+                <a:fillRef idx="1">
+                  <a:srgbClr val="4F81BD"/>
+                </a:fillRef>
+                <a:effectRef idx="0">
+                  <a:srgbClr val="4F81BD"/>
+                </a:effectRef>
+                <a:fontRef idx="minor">
+                  <a:srgbClr val="000000"/>
+                </a:fontRef>
+              </p:style>
+              <p:txBody>
+                <a:bodyPr rtlCol="0" anchor="ctr"/>
+                <a:lstStyle/>
+                <a:p>
+                  <a:pPr algn="ctr"/>
+                  <a:endParaRPr lang="en-US" u="sng">
+                    <a:solidFill>
+                      <a:prstClr val="white"/>
+                    </a:solidFill>
+                  </a:endParaRPr>
+                </a:p>
+              </p:txBody>
+            </p:sp>
+            <p:grpSp>
+              <p:nvGrpSpPr>
+                <p:cNvPr id="26" name="Group 10"/>
+                <p:cNvGrpSpPr/>
+                <p:nvPr/>
+              </p:nvGrpSpPr>
+              <p:grpSpPr>
+                <a:xfrm rot="21384124">
+                  <a:off x="4457215" y="6161552"/>
+                  <a:ext cx="212326" cy="227346"/>
+                  <a:chOff x="4194362" y="5874647"/>
+                  <a:chExt cx="252148" cy="269985"/>
+                </a:xfrm>
+                <a:solidFill>
+                  <a:srgbClr val="FFFFFF"/>
+                </a:solidFill>
+              </p:grpSpPr>
+              <p:sp>
+                <p:nvSpPr>
+                  <p:cNvPr id="28" name="Flowchart: Stored Data 12"/>
+                  <p:cNvSpPr/>
+                  <p:nvPr/>
+                </p:nvSpPr>
+                <p:spPr>
+                  <a:xfrm rot="6230930">
+                    <a:off x="4218638" y="5878261"/>
+                    <a:ext cx="115927" cy="108699"/>
+                  </a:xfrm>
+                  <a:prstGeom prst="flowChartOnlineStorage">
+                    <a:avLst/>
+                  </a:prstGeom>
+                  <a:solidFill>
+                    <a:srgbClr val="FFFFFF"/>
+                  </a:solidFill>
+                  <a:ln>
+                    <a:noFill/>
+                  </a:ln>
+                </p:spPr>
+                <p:style>
+                  <a:lnRef idx="2">
+                    <a:srgbClr val="4F81BD">
+                      <a:shade val="50000"/>
+                    </a:srgbClr>
+                  </a:lnRef>
+                  <a:fillRef idx="1">
+                    <a:srgbClr val="4F81BD"/>
+                  </a:fillRef>
+                  <a:effectRef idx="0">
+                    <a:srgbClr val="4F81BD"/>
+                  </a:effectRef>
+                  <a:fontRef idx="minor">
+                    <a:srgbClr val="000000"/>
+                  </a:fontRef>
+                </p:style>
+                <p:txBody>
+                  <a:bodyPr rtlCol="0" anchor="ctr"/>
+                  <a:lstStyle/>
+                  <a:p>
+                    <a:pPr algn="ctr"/>
+                    <a:endParaRPr lang="en-US" u="sng">
+                      <a:solidFill>
+                        <a:prstClr val="white"/>
+                      </a:solidFill>
+                    </a:endParaRPr>
+                  </a:p>
+                </p:txBody>
+              </p:sp>
+              <p:sp>
+                <p:nvSpPr>
+                  <p:cNvPr id="29" name="Flowchart: Stored Data 13"/>
+                  <p:cNvSpPr/>
+                  <p:nvPr/>
+                </p:nvSpPr>
+                <p:spPr>
+                  <a:xfrm rot="6230930">
+                    <a:off x="4190748" y="5989157"/>
+                    <a:ext cx="115927" cy="108699"/>
+                  </a:xfrm>
+                  <a:prstGeom prst="flowChartOnlineStorage">
+                    <a:avLst/>
+                  </a:prstGeom>
+                  <a:solidFill>
+                    <a:srgbClr val="FFFFFF"/>
+                  </a:solidFill>
+                  <a:ln>
+                    <a:noFill/>
+                  </a:ln>
+                </p:spPr>
+                <p:style>
+                  <a:lnRef idx="2">
+                    <a:srgbClr val="4F81BD">
+                      <a:shade val="50000"/>
+                    </a:srgbClr>
+                  </a:lnRef>
+                  <a:fillRef idx="1">
+                    <a:srgbClr val="4F81BD"/>
+                  </a:fillRef>
+                  <a:effectRef idx="0">
+                    <a:srgbClr val="4F81BD"/>
+                  </a:effectRef>
+                  <a:fontRef idx="minor">
+                    <a:srgbClr val="000000"/>
+                  </a:fontRef>
+                </p:style>
+                <p:txBody>
+                  <a:bodyPr rtlCol="0" anchor="ctr"/>
+                  <a:lstStyle/>
+                  <a:p>
+                    <a:pPr algn="ctr"/>
+                    <a:endParaRPr lang="en-US" u="sng">
+                      <a:solidFill>
+                        <a:prstClr val="white"/>
+                      </a:solidFill>
+                    </a:endParaRPr>
+                  </a:p>
+                </p:txBody>
+              </p:sp>
+              <p:sp>
+                <p:nvSpPr>
+                  <p:cNvPr id="30" name="Flowchart: Stored Data 14"/>
+                  <p:cNvSpPr/>
+                  <p:nvPr/>
+                </p:nvSpPr>
+                <p:spPr>
+                  <a:xfrm rot="16979296">
+                    <a:off x="4335573" y="5922200"/>
+                    <a:ext cx="114310" cy="107565"/>
+                  </a:xfrm>
+                  <a:prstGeom prst="flowChartOnlineStorage">
+                    <a:avLst/>
+                  </a:prstGeom>
+                  <a:solidFill>
+                    <a:srgbClr val="FFFFFF"/>
+                  </a:solidFill>
+                  <a:ln>
+                    <a:noFill/>
+                  </a:ln>
+                </p:spPr>
+                <p:style>
+                  <a:lnRef idx="2">
+                    <a:srgbClr val="4F81BD">
+                      <a:shade val="50000"/>
+                    </a:srgbClr>
+                  </a:lnRef>
+                  <a:fillRef idx="1">
+                    <a:srgbClr val="4F81BD"/>
+                  </a:fillRef>
+                  <a:effectRef idx="0">
+                    <a:srgbClr val="4F81BD"/>
+                  </a:effectRef>
+                  <a:fontRef idx="minor">
+                    <a:srgbClr val="000000"/>
+                  </a:fontRef>
+                </p:style>
+                <p:txBody>
+                  <a:bodyPr rtlCol="0" anchor="ctr"/>
+                  <a:lstStyle/>
+                  <a:p>
+                    <a:pPr algn="ctr"/>
+                    <a:endParaRPr lang="en-US" u="sng">
+                      <a:solidFill>
+                        <a:prstClr val="white"/>
+                      </a:solidFill>
+                    </a:endParaRPr>
+                  </a:p>
+                </p:txBody>
+              </p:sp>
+              <p:sp>
+                <p:nvSpPr>
+                  <p:cNvPr id="31" name="Flowchart: Stored Data 15"/>
+                  <p:cNvSpPr/>
+                  <p:nvPr/>
+                </p:nvSpPr>
+                <p:spPr>
+                  <a:xfrm rot="16979296">
+                    <a:off x="4307999" y="6032886"/>
+                    <a:ext cx="115927" cy="107565"/>
+                  </a:xfrm>
+                  <a:prstGeom prst="flowChartOnlineStorage">
+                    <a:avLst/>
+                  </a:prstGeom>
+                  <a:solidFill>
+                    <a:srgbClr val="FFFFFF"/>
+                  </a:solidFill>
+                  <a:ln>
+                    <a:noFill/>
+                  </a:ln>
+                </p:spPr>
+                <p:style>
+                  <a:lnRef idx="2">
+                    <a:srgbClr val="4F81BD">
+                      <a:shade val="50000"/>
+                    </a:srgbClr>
+                  </a:lnRef>
+                  <a:fillRef idx="1">
+                    <a:srgbClr val="4F81BD"/>
+                  </a:fillRef>
+                  <a:effectRef idx="0">
+                    <a:srgbClr val="4F81BD"/>
+                  </a:effectRef>
+                  <a:fontRef idx="minor">
+                    <a:srgbClr val="000000"/>
+                  </a:fontRef>
+                </p:style>
+                <p:txBody>
+                  <a:bodyPr rtlCol="0" anchor="ctr"/>
+                  <a:lstStyle/>
+                  <a:p>
+                    <a:pPr algn="ctr"/>
+                    <a:endParaRPr lang="en-US" u="sng">
+                      <a:solidFill>
+                        <a:prstClr val="white"/>
+                      </a:solidFill>
+                    </a:endParaRPr>
+                  </a:p>
+                </p:txBody>
+              </p:sp>
+            </p:grpSp>
+            <p:sp>
+              <p:nvSpPr>
+                <p:cNvPr id="27" name="Rounded Rectangle 11"/>
+                <p:cNvSpPr/>
+                <p:nvPr/>
+              </p:nvSpPr>
+              <p:spPr>
+                <a:xfrm>
+                  <a:off x="4138146" y="266078"/>
+                  <a:ext cx="860720" cy="52045"/>
+                </a:xfrm>
+                <a:prstGeom prst="roundRect">
+                  <a:avLst/>
+                </a:prstGeom>
+                <a:solidFill>
+                  <a:srgbClr val="FFFFFF">
+                    <a:lumMod val="95000"/>
+                  </a:srgbClr>
+                </a:solidFill>
+                <a:ln w="3175" cap="flat" cmpd="sng" algn="ctr">
+                  <a:solidFill>
+                    <a:sysClr val="windowText" lastClr="000000">
+                      <a:lumMod val="75000"/>
+                      <a:lumOff val="25000"/>
+                    </a:sysClr>
+                  </a:solidFill>
+                  <a:prstDash val="solid"/>
+                </a:ln>
+                <a:effectLst/>
+              </p:spPr>
+              <p:txBody>
+                <a:bodyPr rot="0" spcFirstLastPara="0" vertOverflow="overflow" horzOverflow="overflow" vert="horz" wrap="square" lIns="45720" tIns="45720" rIns="91440" bIns="45720" numCol="1" spcCol="0" rtlCol="0" fromWordArt="0" anchor="ctr" anchorCtr="0" forceAA="0" compatLnSpc="1">
+                  <a:prstTxWarp prst="textNoShape">
+                    <a:avLst/>
+                  </a:prstTxWarp>
+                  <a:noAutofit/>
+                </a:bodyPr>
+                <a:lstStyle/>
+                <a:p>
+                  <a:pPr algn="ctr"/>
+                  <a:endParaRPr lang="en-US" sz="800" kern="0" dirty="0">
+                    <a:solidFill>
+                      <a:prstClr val="black">
+                        <a:lumMod val="75000"/>
+                        <a:lumOff val="25000"/>
+                      </a:prstClr>
+                    </a:solidFill>
+                    <a:latin typeface="Segoe UI"/>
+                  </a:endParaRPr>
+                </a:p>
+              </p:txBody>
+            </p:sp>
+          </p:grpSp>
+          <p:sp>
+            <p:nvSpPr>
+              <p:cNvPr id="21" name="Rectangle 5"/>
+              <p:cNvSpPr/>
+              <p:nvPr/>
+            </p:nvSpPr>
+            <p:spPr>
+              <a:xfrm>
+                <a:off x="1625053" y="1907758"/>
+                <a:ext cx="5074921" cy="178378"/>
+              </a:xfrm>
+              <a:prstGeom prst="rect">
+                <a:avLst/>
+              </a:prstGeom>
+              <a:solidFill>
+                <a:srgbClr val="000000">
+                  <a:alpha val="35000"/>
+                </a:srgbClr>
+              </a:solidFill>
+              <a:ln w="12700" cap="flat" cmpd="sng" algn="ctr">
+                <a:noFill/>
+                <a:prstDash val="solid"/>
+              </a:ln>
+              <a:effectLst/>
+            </p:spPr>
+            <p:txBody>
+              <a:bodyPr rot="0" spcFirstLastPara="0" vertOverflow="overflow" horzOverflow="overflow" vert="horz" wrap="square" lIns="45720" tIns="45720" rIns="45720" bIns="45720" numCol="1" spcCol="0" rtlCol="0" fromWordArt="0" anchor="ctr" anchorCtr="0" forceAA="0" compatLnSpc="1">
+                <a:prstTxWarp prst="textNoShape">
+                  <a:avLst/>
+                </a:prstTxWarp>
+                <a:noAutofit/>
+              </a:bodyPr>
+              <a:lstStyle/>
+              <a:p>
+                <a:pPr marL="0" marR="0" indent="0" algn="r" defTabSz="914400" eaLnBrk="1" fontAlgn="auto" latinLnBrk="0" hangingPunct="1">
+                  <a:lnSpc>
+                    <a:spcPct val="100000"/>
+                  </a:lnSpc>
+                  <a:spcBef>
+                    <a:spcPts val="0"/>
+                  </a:spcBef>
+                  <a:spcAft>
+                    <a:spcPts val="0"/>
+                  </a:spcAft>
+                  <a:buClrTx/>
+                  <a:buSzTx/>
+                  <a:buFontTx/>
+                  <a:buNone/>
+                  <a:tabLst/>
+                </a:pPr>
+                <a:r>
+                  <a:rPr kumimoji="0" lang="en-US" sz="1000" i="0" u="none" strike="noStrike" kern="0" cap="none" spc="0" normalizeH="0" baseline="0" noProof="0" dirty="0">
+                    <a:ln>
+                      <a:noFill/>
+                    </a:ln>
+                    <a:solidFill>
+                      <a:srgbClr val="FFFFFF"/>
+                    </a:solidFill>
+                    <a:effectLst/>
+                    <a:uLnTx/>
+                    <a:uFillTx/>
+                    <a:latin typeface="Segoe UI"/>
+                    <a:ea typeface="+mn-ea"/>
+                    <a:cs typeface="+mn-cs"/>
+                  </a:rPr>
+                  <a:t>12:38</a:t>
+                </a:r>
+              </a:p>
+            </p:txBody>
+          </p:sp>
+        </p:grpSp>
+        <p:pic>
+          <p:nvPicPr>
+            <p:cNvPr id="19" name="Picture 2" descr="C:\Users\t-dantay\Documents\WPIcons\appbar.feature.search.rest.png"/>
+            <p:cNvPicPr>
+              <a:picLocks noChangeAspect="1" noChangeArrowheads="1"/>
+            </p:cNvPicPr>
+            <p:nvPr/>
+          </p:nvPicPr>
+          <p:blipFill>
+            <a:blip r:embed="rId16">
+              <a:lum bright="70000" contrast="-70000"/>
+              <a:extLst>
+                <a:ext uri="{28A0092B-C50C-407E-A947-70E740481C1C}">
+                  <a14:useLocalDpi xmlns:a14="http://schemas.microsoft.com/office/drawing/2010/main" val="0"/>
+                </a:ext>
+              </a:extLst>
+            </a:blip>
+            <a:srcRect/>
+            <a:stretch>
+              <a:fillRect/>
+            </a:stretch>
+          </p:blipFill>
+          <p:spPr bwMode="auto">
+            <a:xfrm rot="16200000">
+              <a:off x="7234118" y="2064710"/>
+              <a:ext cx="365760" cy="365760"/>
+            </a:xfrm>
+            <a:prstGeom prst="rect">
+              <a:avLst/>
+            </a:prstGeom>
+            <a:noFill/>
+            <a:extLst>
+              <a:ext uri="{909E8E84-426E-40DD-AFC4-6F175D3DCCD1}">
+                <a14:hiddenFill xmlns:a14="http://schemas.microsoft.com/office/drawing/2010/main">
+                  <a:solidFill>
+                    <a:srgbClr val="FFFFFF"/>
+                  </a:solidFill>
+                </a14:hiddenFill>
+              </a:ext>
+            </a:extLst>
+          </p:spPr>
+        </p:pic>
+      </p:grpSp>
+      <p:grpSp>
+        <p:nvGrpSpPr>
+          <p:cNvPr id="35" name="WebBrowser"/>
+          <p:cNvGrpSpPr/>
+          <p:nvPr>
+            <p:custDataLst>
+              <p:custData r:id="rId3"/>
+            </p:custDataLst>
+          </p:nvPr>
+        </p:nvGrpSpPr>
+        <p:grpSpPr>
+          <a:xfrm>
+            <a:off x="5354320" y="2089166"/>
+            <a:ext cx="5064212" cy="2856676"/>
+            <a:chOff x="0" y="0"/>
+            <a:chExt cx="9144000" cy="6858000"/>
+          </a:xfrm>
+        </p:grpSpPr>
+        <p:sp>
+          <p:nvSpPr>
+            <p:cNvPr id="36" name="Background"/>
+            <p:cNvSpPr/>
+            <p:nvPr/>
+          </p:nvSpPr>
+          <p:spPr>
+            <a:xfrm>
+              <a:off x="0" y="0"/>
+              <a:ext cx="9144000" cy="6858000"/>
+            </a:xfrm>
+            <a:prstGeom prst="rect">
+              <a:avLst/>
+            </a:prstGeom>
+            <a:solidFill>
+              <a:srgbClr val="FFFFFF">
+                <a:lumMod val="65000"/>
+              </a:srgbClr>
+            </a:solidFill>
+            <a:ln w="3175" cap="flat" cmpd="sng" algn="ctr">
+              <a:solidFill>
+                <a:srgbClr val="000000">
+                  <a:lumMod val="50000"/>
+                  <a:lumOff val="50000"/>
+                </a:srgbClr>
+              </a:solidFill>
+              <a:prstDash val="solid"/>
+            </a:ln>
+            <a:effectLst/>
+          </p:spPr>
+          <p:txBody>
+            <a:bodyPr rtlCol="0" anchor="ctr"/>
+            <a:lstStyle/>
+            <a:p>
+              <a:pPr algn="ctr"/>
+              <a:endParaRPr lang="en-US" sz="1050" kern="0" dirty="0">
+                <a:solidFill>
+                  <a:prstClr val="white"/>
+                </a:solidFill>
+                <a:latin typeface="Segoe UI"/>
+              </a:endParaRPr>
+            </a:p>
+          </p:txBody>
+        </p:sp>
+        <p:sp>
+          <p:nvSpPr>
+            <p:cNvPr id="37" name="WindowTitle"/>
+            <p:cNvSpPr txBox="1"/>
+            <p:nvPr/>
+          </p:nvSpPr>
+          <p:spPr>
+            <a:xfrm>
+              <a:off x="22515" y="22341"/>
+              <a:ext cx="1176028" cy="230832"/>
+            </a:xfrm>
+            <a:prstGeom prst="rect">
+              <a:avLst/>
+            </a:prstGeom>
+            <a:noFill/>
+          </p:spPr>
+          <p:txBody>
+            <a:bodyPr wrap="none" lIns="91440" tIns="18288" rIns="91440" bIns="27432" rtlCol="0" anchor="ctr" anchorCtr="0">
+              <a:spAutoFit/>
+            </a:bodyPr>
+            <a:lstStyle/>
+            <a:p>
+              <a:r>
+                <a:rPr lang="en-US" sz="1200" dirty="0">
+                  <a:solidFill>
+                    <a:prstClr val="white"/>
+                  </a:solidFill>
+                  <a:latin typeface="Segoe UI" pitchFamily="34" charset="0"/>
+                  <a:ea typeface="Segoe UI" pitchFamily="34" charset="0"/>
+                  <a:cs typeface="Segoe UI" pitchFamily="34" charset="0"/>
+                </a:rPr>
+                <a:t>Web page title</a:t>
+              </a:r>
+            </a:p>
+          </p:txBody>
+        </p:sp>
+        <p:grpSp>
+          <p:nvGrpSpPr>
+            <p:cNvPr id="38" name="Group 4"/>
+            <p:cNvGrpSpPr/>
+            <p:nvPr/>
+          </p:nvGrpSpPr>
+          <p:grpSpPr>
+            <a:xfrm>
+              <a:off x="81598" y="286385"/>
+              <a:ext cx="320040" cy="316520"/>
+              <a:chOff x="72073" y="221749"/>
+              <a:chExt cx="320040" cy="316520"/>
+            </a:xfrm>
+          </p:grpSpPr>
+          <p:sp>
+            <p:nvSpPr>
+              <p:cNvPr id="62" name="Oval 28"/>
+              <p:cNvSpPr/>
+              <p:nvPr/>
+            </p:nvSpPr>
+            <p:spPr>
+              <a:xfrm>
+                <a:off x="72073" y="221749"/>
+                <a:ext cx="320040" cy="316520"/>
+              </a:xfrm>
+              <a:prstGeom prst="ellipse">
+                <a:avLst/>
+              </a:prstGeom>
+              <a:gradFill flip="none" rotWithShape="1">
+                <a:gsLst>
+                  <a:gs pos="91000">
+                    <a:srgbClr val="FFFFFF">
+                      <a:lumMod val="85000"/>
+                    </a:srgbClr>
+                  </a:gs>
+                  <a:gs pos="36000">
+                    <a:srgbClr val="FFFFFF">
+                      <a:lumMod val="95000"/>
+                    </a:srgbClr>
+                  </a:gs>
+                  <a:gs pos="100000">
+                    <a:srgbClr val="FFFFFF">
+                      <a:lumMod val="95000"/>
+                    </a:srgbClr>
+                  </a:gs>
+                </a:gsLst>
+                <a:lin ang="5400000" scaled="0"/>
+                <a:tileRect/>
+              </a:gradFill>
+              <a:ln w="3175">
+                <a:solidFill>
+                  <a:srgbClr val="000000">
+                    <a:lumMod val="50000"/>
+                    <a:lumOff val="50000"/>
+                  </a:srgbClr>
+                </a:solidFill>
+              </a:ln>
+              <a:effectLst/>
+            </p:spPr>
+            <p:style>
+              <a:lnRef idx="2">
+                <a:srgbClr val="4F81BD">
+                  <a:shade val="50000"/>
+                </a:srgbClr>
+              </a:lnRef>
+              <a:fillRef idx="1">
+                <a:srgbClr val="4F81BD"/>
+              </a:fillRef>
+              <a:effectRef idx="0">
+                <a:srgbClr val="4F81BD"/>
+              </a:effectRef>
+              <a:fontRef idx="minor">
+                <a:srgbClr val="000000"/>
+              </a:fontRef>
+            </p:style>
+            <p:txBody>
+              <a:bodyPr rtlCol="0" anchor="ctr"/>
+              <a:lstStyle/>
+              <a:p>
+                <a:pPr algn="ctr"/>
+                <a:endParaRPr lang="en-US" sz="1050" u="sng">
+                  <a:solidFill>
+                    <a:prstClr val="white"/>
+                  </a:solidFill>
+                </a:endParaRPr>
+              </a:p>
+            </p:txBody>
+          </p:sp>
+          <p:sp>
+            <p:nvSpPr>
+              <p:cNvPr id="63" name="Left Arrow 29"/>
+              <p:cNvSpPr/>
+              <p:nvPr/>
+            </p:nvSpPr>
+            <p:spPr>
+              <a:xfrm>
+                <a:off x="109358" y="275511"/>
+                <a:ext cx="223134" cy="208997"/>
+              </a:xfrm>
+              <a:prstGeom prst="leftArrow">
+                <a:avLst/>
+              </a:prstGeom>
+              <a:solidFill>
+                <a:sysClr val="window" lastClr="FFFFFF"/>
+              </a:solidFill>
+              <a:ln w="3175" cap="flat" cmpd="sng" algn="ctr">
+                <a:solidFill>
+                  <a:sysClr val="windowText" lastClr="000000">
+                    <a:lumMod val="75000"/>
+                    <a:lumOff val="25000"/>
+                  </a:sysClr>
+                </a:solidFill>
+                <a:prstDash val="solid"/>
+              </a:ln>
+              <a:effectLst/>
+            </p:spPr>
+            <p:txBody>
+              <a:bodyPr rtlCol="0" anchor="ctr"/>
+              <a:lstStyle/>
+              <a:p>
+                <a:pPr algn="ctr"/>
+                <a:endParaRPr lang="en-US" sz="1050" kern="0">
+                  <a:solidFill>
+                    <a:prstClr val="white"/>
+                  </a:solidFill>
+                  <a:latin typeface="Segoe UI"/>
+                </a:endParaRPr>
+              </a:p>
+            </p:txBody>
+          </p:sp>
+        </p:grpSp>
+        <p:grpSp>
+          <p:nvGrpSpPr>
+            <p:cNvPr id="39" name="Group 5"/>
+            <p:cNvGrpSpPr/>
+            <p:nvPr/>
+          </p:nvGrpSpPr>
+          <p:grpSpPr>
+            <a:xfrm>
+              <a:off x="453671" y="286384"/>
+              <a:ext cx="320040" cy="316520"/>
+              <a:chOff x="444146" y="221748"/>
+              <a:chExt cx="320040" cy="316520"/>
+            </a:xfrm>
+          </p:grpSpPr>
+          <p:sp>
+            <p:nvSpPr>
+              <p:cNvPr id="60" name="Oval 26"/>
+              <p:cNvSpPr/>
+              <p:nvPr/>
+            </p:nvSpPr>
+            <p:spPr>
+              <a:xfrm>
+                <a:off x="444146" y="221748"/>
+                <a:ext cx="320040" cy="316520"/>
+              </a:xfrm>
+              <a:prstGeom prst="ellipse">
+                <a:avLst/>
+              </a:prstGeom>
+              <a:gradFill flip="none" rotWithShape="1">
+                <a:gsLst>
+                  <a:gs pos="91000">
+                    <a:srgbClr val="FFFFFF">
+                      <a:lumMod val="85000"/>
+                    </a:srgbClr>
+                  </a:gs>
+                  <a:gs pos="36000">
+                    <a:srgbClr val="FFFFFF">
+                      <a:lumMod val="95000"/>
+                    </a:srgbClr>
+                  </a:gs>
+                  <a:gs pos="100000">
+                    <a:srgbClr val="FFFFFF">
+                      <a:lumMod val="95000"/>
+                    </a:srgbClr>
+                  </a:gs>
+                </a:gsLst>
+                <a:lin ang="5400000" scaled="0"/>
+                <a:tileRect/>
+              </a:gradFill>
+              <a:ln w="3175">
+                <a:solidFill>
+                  <a:srgbClr val="000000">
+                    <a:lumMod val="50000"/>
+                    <a:lumOff val="50000"/>
+                  </a:srgbClr>
+                </a:solidFill>
+              </a:ln>
+              <a:effectLst/>
+            </p:spPr>
+            <p:style>
+              <a:lnRef idx="2">
+                <a:srgbClr val="4F81BD">
+                  <a:shade val="50000"/>
+                </a:srgbClr>
+              </a:lnRef>
+              <a:fillRef idx="1">
+                <a:srgbClr val="4F81BD"/>
+              </a:fillRef>
+              <a:effectRef idx="0">
+                <a:srgbClr val="4F81BD"/>
+              </a:effectRef>
+              <a:fontRef idx="minor">
+                <a:srgbClr val="000000"/>
+              </a:fontRef>
+            </p:style>
+            <p:txBody>
+              <a:bodyPr rtlCol="0" anchor="ctr"/>
+              <a:lstStyle/>
+              <a:p>
+                <a:pPr algn="ctr"/>
+                <a:endParaRPr lang="en-US" sz="1050" u="sng">
+                  <a:solidFill>
+                    <a:prstClr val="white"/>
+                  </a:solidFill>
+                </a:endParaRPr>
+              </a:p>
+            </p:txBody>
+          </p:sp>
+          <p:sp>
+            <p:nvSpPr>
+              <p:cNvPr id="61" name="Right Arrow 27"/>
+              <p:cNvSpPr/>
+              <p:nvPr/>
+            </p:nvSpPr>
+            <p:spPr>
+              <a:xfrm>
+                <a:off x="481249" y="275509"/>
+                <a:ext cx="257146" cy="208999"/>
+              </a:xfrm>
+              <a:prstGeom prst="rightArrow">
+                <a:avLst/>
+              </a:prstGeom>
+              <a:solidFill>
+                <a:sysClr val="window" lastClr="FFFFFF"/>
+              </a:solidFill>
+              <a:ln w="3175" cap="flat" cmpd="sng" algn="ctr">
+                <a:solidFill>
+                  <a:sysClr val="windowText" lastClr="000000">
+                    <a:lumMod val="75000"/>
+                    <a:lumOff val="25000"/>
+                  </a:sysClr>
+                </a:solidFill>
+                <a:prstDash val="solid"/>
+              </a:ln>
+              <a:effectLst/>
+            </p:spPr>
+            <p:txBody>
+              <a:bodyPr rtlCol="0" anchor="ctr"/>
+              <a:lstStyle/>
+              <a:p>
+                <a:pPr algn="ctr"/>
+                <a:endParaRPr lang="en-US" sz="1050" kern="0">
+                  <a:solidFill>
+                    <a:prstClr val="white"/>
+                  </a:solidFill>
+                  <a:latin typeface="Segoe UI"/>
+                </a:endParaRPr>
+              </a:p>
+            </p:txBody>
+          </p:sp>
+        </p:grpSp>
+        <p:grpSp>
+          <p:nvGrpSpPr>
+            <p:cNvPr id="40" name="Minimize - Maximize - Close"/>
+            <p:cNvGrpSpPr/>
+            <p:nvPr/>
+          </p:nvGrpSpPr>
+          <p:grpSpPr>
+            <a:xfrm>
+              <a:off x="8632311" y="92599"/>
+              <a:ext cx="384527" cy="78032"/>
+              <a:chOff x="9347642" y="131588"/>
+              <a:chExt cx="384527" cy="78032"/>
+            </a:xfrm>
+          </p:grpSpPr>
+          <p:cxnSp>
+            <p:nvCxnSpPr>
+              <p:cNvPr id="55" name="Line"/>
+              <p:cNvCxnSpPr/>
+              <p:nvPr/>
+            </p:nvCxnSpPr>
+            <p:spPr>
+              <a:xfrm>
+                <a:off x="9661396" y="131588"/>
+                <a:ext cx="70773" cy="76200"/>
+              </a:xfrm>
+              <a:prstGeom prst="line">
+                <a:avLst/>
+              </a:prstGeom>
+              <a:ln w="12700">
+                <a:solidFill>
+                  <a:srgbClr val="FFFFFF"/>
+                </a:solidFill>
+              </a:ln>
+            </p:spPr>
+            <p:style>
+              <a:lnRef idx="1">
+                <a:srgbClr val="4F81BD"/>
+              </a:lnRef>
+              <a:fillRef idx="0">
+                <a:srgbClr val="4F81BD"/>
+              </a:fillRef>
+              <a:effectRef idx="0">
+                <a:srgbClr val="4F81BD"/>
+              </a:effectRef>
+              <a:fontRef idx="minor">
+                <a:srgbClr val="000000"/>
+              </a:fontRef>
+            </p:style>
+          </p:cxnSp>
+          <p:cxnSp>
+            <p:nvCxnSpPr>
+              <p:cNvPr id="56" name="Line"/>
+              <p:cNvCxnSpPr/>
+              <p:nvPr/>
+            </p:nvCxnSpPr>
+            <p:spPr>
+              <a:xfrm flipH="1">
+                <a:off x="9661395" y="131588"/>
+                <a:ext cx="70773" cy="76200"/>
+              </a:xfrm>
+              <a:prstGeom prst="line">
+                <a:avLst/>
+              </a:prstGeom>
+              <a:ln w="12700">
+                <a:solidFill>
+                  <a:srgbClr val="FFFFFF"/>
+                </a:solidFill>
+              </a:ln>
+            </p:spPr>
+            <p:style>
+              <a:lnRef idx="1">
+                <a:srgbClr val="4F81BD"/>
+              </a:lnRef>
+              <a:fillRef idx="0">
+                <a:srgbClr val="4F81BD"/>
+              </a:fillRef>
+              <a:effectRef idx="0">
+                <a:srgbClr val="4F81BD"/>
+              </a:effectRef>
+              <a:fontRef idx="minor">
+                <a:srgbClr val="000000"/>
+              </a:fontRef>
+            </p:style>
+          </p:cxnSp>
+          <p:sp>
+            <p:nvSpPr>
+              <p:cNvPr id="57" name="Line"/>
+              <p:cNvSpPr/>
+              <p:nvPr/>
+            </p:nvSpPr>
+            <p:spPr>
+              <a:xfrm rot="10800000" flipV="1">
+                <a:off x="9499472" y="143255"/>
+                <a:ext cx="91440" cy="9144"/>
+              </a:xfrm>
+              <a:prstGeom prst="rect">
+                <a:avLst/>
+              </a:prstGeom>
+              <a:solidFill>
+                <a:srgbClr val="919191"/>
+              </a:solidFill>
+              <a:ln w="3175">
+                <a:solidFill>
+                  <a:srgbClr val="FFFFFF"/>
+                </a:solidFill>
+              </a:ln>
+            </p:spPr>
+            <p:style>
+              <a:lnRef idx="2">
+                <a:srgbClr val="4F81BD">
+                  <a:shade val="50000"/>
+                </a:srgbClr>
+              </a:lnRef>
+              <a:fillRef idx="1001">
+                <a:srgbClr val="000000"/>
+              </a:fillRef>
+              <a:effectRef idx="0">
+                <a:srgbClr val="4F81BD"/>
+              </a:effectRef>
+              <a:fontRef idx="minor">
+                <a:srgbClr val="000000"/>
+              </a:fontRef>
+            </p:style>
+            <p:txBody>
+              <a:bodyPr rtlCol="0" anchor="ctr"/>
+              <a:lstStyle/>
+              <a:p>
+                <a:pPr algn="ctr"/>
+                <a:endParaRPr lang="en-US" sz="1050" dirty="0">
+                  <a:solidFill>
+                    <a:prstClr val="white"/>
+                  </a:solidFill>
+                </a:endParaRPr>
+              </a:p>
+            </p:txBody>
+          </p:sp>
+          <p:sp>
+            <p:nvSpPr>
+              <p:cNvPr id="58" name="Line"/>
+              <p:cNvSpPr/>
+              <p:nvPr/>
+            </p:nvSpPr>
+            <p:spPr>
+              <a:xfrm rot="10800000" flipV="1">
+                <a:off x="9498658" y="135261"/>
+                <a:ext cx="91440" cy="72527"/>
+              </a:xfrm>
+              <a:prstGeom prst="rect">
+                <a:avLst/>
+              </a:prstGeom>
+              <a:noFill/>
+              <a:ln w="12700">
+                <a:solidFill>
+                  <a:srgbClr val="FFFFFF"/>
+                </a:solidFill>
+              </a:ln>
+            </p:spPr>
+            <p:style>
+              <a:lnRef idx="2">
+                <a:srgbClr val="4F81BD">
+                  <a:shade val="50000"/>
+                </a:srgbClr>
+              </a:lnRef>
+              <a:fillRef idx="1001">
+                <a:srgbClr val="000000"/>
+              </a:fillRef>
+              <a:effectRef idx="0">
+                <a:srgbClr val="4F81BD"/>
+              </a:effectRef>
+              <a:fontRef idx="minor">
+                <a:srgbClr val="000000"/>
+              </a:fontRef>
+            </p:style>
+            <p:txBody>
+              <a:bodyPr rtlCol="0" anchor="ctr"/>
+              <a:lstStyle/>
+              <a:p>
+                <a:pPr algn="ctr"/>
+                <a:endParaRPr lang="en-US" sz="1050" dirty="0">
+                  <a:solidFill>
+                    <a:prstClr val="white"/>
+                  </a:solidFill>
+                </a:endParaRPr>
+              </a:p>
+            </p:txBody>
+          </p:sp>
+          <p:sp>
+            <p:nvSpPr>
+              <p:cNvPr id="59" name="Line"/>
+              <p:cNvSpPr/>
+              <p:nvPr/>
+            </p:nvSpPr>
+            <p:spPr>
+              <a:xfrm rot="10800000" flipV="1">
+                <a:off x="9347642" y="200476"/>
+                <a:ext cx="91440" cy="9144"/>
+              </a:xfrm>
+              <a:prstGeom prst="rect">
+                <a:avLst/>
+              </a:prstGeom>
+              <a:solidFill>
+                <a:srgbClr val="919191"/>
+              </a:solidFill>
+              <a:ln w="3175">
+                <a:solidFill>
+                  <a:srgbClr val="FFFFFF"/>
+                </a:solidFill>
+              </a:ln>
+            </p:spPr>
+            <p:style>
+              <a:lnRef idx="2">
+                <a:srgbClr val="4F81BD">
+                  <a:shade val="50000"/>
+                </a:srgbClr>
+              </a:lnRef>
+              <a:fillRef idx="1001">
+                <a:srgbClr val="000000"/>
+              </a:fillRef>
+              <a:effectRef idx="0">
+                <a:srgbClr val="4F81BD"/>
+              </a:effectRef>
+              <a:fontRef idx="minor">
+                <a:srgbClr val="000000"/>
+              </a:fontRef>
+            </p:style>
+            <p:txBody>
+              <a:bodyPr rtlCol="0" anchor="ctr"/>
+              <a:lstStyle/>
+              <a:p>
+                <a:pPr algn="ctr"/>
+                <a:endParaRPr lang="en-US" sz="1050" dirty="0">
+                  <a:solidFill>
+                    <a:prstClr val="white"/>
+                  </a:solidFill>
+                </a:endParaRPr>
+              </a:p>
+            </p:txBody>
+          </p:sp>
+        </p:grpSp>
+        <p:sp>
+          <p:nvSpPr>
+            <p:cNvPr id="41" name="WebPageBody"/>
+            <p:cNvSpPr/>
+            <p:nvPr/>
+          </p:nvSpPr>
+          <p:spPr>
+            <a:xfrm>
+              <a:off x="76200" y="685159"/>
+              <a:ext cx="8991600" cy="6066801"/>
+            </a:xfrm>
+            <a:prstGeom prst="rect">
+              <a:avLst/>
+            </a:prstGeom>
+            <a:solidFill>
+              <a:sysClr val="window" lastClr="FFFFFF"/>
+            </a:solidFill>
+            <a:ln w="3175" cap="flat" cmpd="sng" algn="ctr">
+              <a:solidFill>
+                <a:srgbClr val="000000">
+                  <a:lumMod val="50000"/>
+                  <a:lumOff val="50000"/>
+                </a:srgbClr>
+              </a:solidFill>
+              <a:prstDash val="solid"/>
+            </a:ln>
+            <a:effectLst/>
+          </p:spPr>
+          <p:txBody>
+            <a:bodyPr rtlCol="0" anchor="ctr"/>
+            <a:lstStyle/>
+            <a:p>
+              <a:pPr algn="ctr"/>
+              <a:endParaRPr lang="en-US" sz="1050" kern="0">
+                <a:solidFill>
+                  <a:prstClr val="white"/>
+                </a:solidFill>
+                <a:latin typeface="Segoe UI"/>
+              </a:endParaRPr>
+            </a:p>
+          </p:txBody>
+        </p:sp>
+        <p:grpSp>
+          <p:nvGrpSpPr>
+            <p:cNvPr id="42" name="Group 8"/>
+            <p:cNvGrpSpPr/>
+            <p:nvPr/>
+          </p:nvGrpSpPr>
+          <p:grpSpPr>
+            <a:xfrm>
+              <a:off x="8386335" y="360579"/>
+              <a:ext cx="640645" cy="183940"/>
+              <a:chOff x="8303527" y="360579"/>
+              <a:chExt cx="640645" cy="183940"/>
+            </a:xfrm>
+          </p:grpSpPr>
+          <p:pic>
+            <p:nvPicPr>
+              <p:cNvPr id="52" name="Picture 2" descr="C:\Users\t-dantay\Documents\Placeholders\home.png"/>
+              <p:cNvPicPr>
+                <a:picLocks noChangeAspect="1" noChangeArrowheads="1"/>
+              </p:cNvPicPr>
+              <p:nvPr/>
+            </p:nvPicPr>
+            <p:blipFill>
+              <a:blip r:embed="rId17" cstate="print">
+                <a:extLst>
+                  <a:ext uri="{28A0092B-C50C-407E-A947-70E740481C1C}">
+                    <a14:useLocalDpi xmlns:a14="http://schemas.microsoft.com/office/drawing/2010/main" val="0"/>
+                  </a:ext>
+                </a:extLst>
+              </a:blip>
+              <a:srcRect/>
+              <a:stretch>
+                <a:fillRect/>
+              </a:stretch>
+            </p:blipFill>
+            <p:spPr bwMode="auto">
+              <a:xfrm>
+                <a:off x="8303527" y="361109"/>
+                <a:ext cx="185783" cy="182880"/>
+              </a:xfrm>
+              <a:prstGeom prst="rect">
+                <a:avLst/>
+              </a:prstGeom>
+              <a:noFill/>
+              <a:extLst>
+                <a:ext uri="{909E8E84-426E-40DD-AFC4-6F175D3DCCD1}">
+                  <a14:hiddenFill xmlns:a14="http://schemas.microsoft.com/office/drawing/2010/main">
+                    <a:solidFill>
+                      <a:srgbClr val="FFFFFF"/>
+                    </a:solidFill>
+                  </a14:hiddenFill>
+                </a:ext>
+              </a:extLst>
+            </p:spPr>
+          </p:pic>
+          <p:pic>
+            <p:nvPicPr>
+              <p:cNvPr id="53" name="Picture 2" descr="C:\Users\t-dantay\Documents\Placeholders\setting.png"/>
+              <p:cNvPicPr>
+                <a:picLocks noChangeAspect="1" noChangeArrowheads="1"/>
+              </p:cNvPicPr>
+              <p:nvPr/>
+            </p:nvPicPr>
+            <p:blipFill rotWithShape="1">
+              <a:blip r:embed="rId18" cstate="print">
+                <a:extLst>
+                  <a:ext uri="{28A0092B-C50C-407E-A947-70E740481C1C}">
+                    <a14:useLocalDpi xmlns:a14="http://schemas.microsoft.com/office/drawing/2010/main" val="0"/>
+                  </a:ext>
+                </a:extLst>
+              </a:blip>
+              <a:srcRect t="13480" r="35484"/>
+              <a:stretch/>
+            </p:blipFill>
+            <p:spPr bwMode="auto">
+              <a:xfrm>
+                <a:off x="8761292" y="360579"/>
+                <a:ext cx="182880" cy="183940"/>
+              </a:xfrm>
+              <a:prstGeom prst="rect">
+                <a:avLst/>
+              </a:prstGeom>
+              <a:noFill/>
+              <a:extLst>
+                <a:ext uri="{909E8E84-426E-40DD-AFC4-6F175D3DCCD1}">
+                  <a14:hiddenFill xmlns:a14="http://schemas.microsoft.com/office/drawing/2010/main">
+                    <a:solidFill>
+                      <a:srgbClr val="FFFFFF"/>
+                    </a:solidFill>
+                  </a14:hiddenFill>
+                </a:ext>
+              </a:extLst>
+            </p:spPr>
+          </p:pic>
+          <p:pic>
+            <p:nvPicPr>
+              <p:cNvPr id="54" name="Picture 2" descr="C:\Users\t-dantay\Documents\Placeholders\star.png"/>
+              <p:cNvPicPr>
+                <a:picLocks noChangeAspect="1" noChangeArrowheads="1"/>
+              </p:cNvPicPr>
+              <p:nvPr/>
+            </p:nvPicPr>
+            <p:blipFill>
+              <a:blip r:embed="rId19" cstate="print">
+                <a:extLst>
+                  <a:ext uri="{28A0092B-C50C-407E-A947-70E740481C1C}">
+                    <a14:useLocalDpi xmlns:a14="http://schemas.microsoft.com/office/drawing/2010/main" val="0"/>
+                  </a:ext>
+                </a:extLst>
+              </a:blip>
+              <a:srcRect/>
+              <a:stretch>
+                <a:fillRect/>
+              </a:stretch>
+            </p:blipFill>
+            <p:spPr bwMode="auto">
+              <a:xfrm>
+                <a:off x="8529364" y="361109"/>
+                <a:ext cx="191874" cy="182880"/>
+              </a:xfrm>
+              <a:prstGeom prst="rect">
+                <a:avLst/>
+              </a:prstGeom>
+              <a:noFill/>
+              <a:extLst>
+                <a:ext uri="{909E8E84-426E-40DD-AFC4-6F175D3DCCD1}">
+                  <a14:hiddenFill xmlns:a14="http://schemas.microsoft.com/office/drawing/2010/main">
+                    <a:solidFill>
+                      <a:srgbClr val="FFFFFF"/>
+                    </a:solidFill>
+                  </a14:hiddenFill>
+                </a:ext>
+              </a:extLst>
+            </p:spPr>
+          </p:pic>
+        </p:grpSp>
+        <p:grpSp>
+          <p:nvGrpSpPr>
+            <p:cNvPr id="43" name="Group 9"/>
+            <p:cNvGrpSpPr/>
+            <p:nvPr/>
+          </p:nvGrpSpPr>
+          <p:grpSpPr>
+            <a:xfrm>
+              <a:off x="923925" y="340846"/>
+              <a:ext cx="7142930" cy="228600"/>
+              <a:chOff x="923925" y="340846"/>
+              <a:chExt cx="7142930" cy="228600"/>
+            </a:xfrm>
+          </p:grpSpPr>
+          <p:sp>
+            <p:nvSpPr>
+              <p:cNvPr id="44" name="UrlBar"/>
+              <p:cNvSpPr/>
+              <p:nvPr/>
+            </p:nvSpPr>
+            <p:spPr>
+              <a:xfrm>
+                <a:off x="923925" y="340846"/>
+                <a:ext cx="7142930" cy="228600"/>
+              </a:xfrm>
+              <a:prstGeom prst="rect">
+                <a:avLst/>
+              </a:prstGeom>
+              <a:solidFill>
+                <a:sysClr val="window" lastClr="FFFFFF"/>
+              </a:solidFill>
+              <a:ln w="3175" cap="flat" cmpd="sng" algn="ctr">
+                <a:solidFill>
+                  <a:srgbClr val="000000">
+                    <a:lumMod val="50000"/>
+                    <a:lumOff val="50000"/>
+                  </a:srgbClr>
+                </a:solidFill>
+                <a:prstDash val="solid"/>
+              </a:ln>
+              <a:effectLst/>
+            </p:spPr>
+            <p:txBody>
+              <a:bodyPr rtlCol="0" anchor="ctr"/>
+              <a:lstStyle/>
+              <a:p>
+                <a:endParaRPr lang="en-US" sz="1200" kern="0" dirty="0">
+                  <a:solidFill>
+                    <a:prstClr val="black">
+                      <a:lumMod val="75000"/>
+                      <a:lumOff val="25000"/>
+                    </a:prstClr>
+                  </a:solidFill>
+                  <a:latin typeface="Segoe UI"/>
+                </a:endParaRPr>
+              </a:p>
+            </p:txBody>
+          </p:sp>
+          <p:grpSp>
+            <p:nvGrpSpPr>
+              <p:cNvPr id="45" name="Group 11"/>
+              <p:cNvGrpSpPr/>
+              <p:nvPr/>
+            </p:nvGrpSpPr>
+            <p:grpSpPr>
+              <a:xfrm>
+                <a:off x="7260350" y="363706"/>
+                <a:ext cx="744325" cy="182880"/>
+                <a:chOff x="7260350" y="363706"/>
+                <a:chExt cx="744325" cy="182880"/>
+              </a:xfrm>
+            </p:grpSpPr>
+            <p:pic>
+              <p:nvPicPr>
+                <p:cNvPr id="46" name="Search" descr="C:\Users\t-dantay\Documents\Placeholders\search.png"/>
+                <p:cNvPicPr>
+                  <a:picLocks noChangeAspect="1" noChangeArrowheads="1"/>
+                </p:cNvPicPr>
+                <p:nvPr/>
+              </p:nvPicPr>
+              <p:blipFill>
+                <a:blip r:embed="rId20" cstate="print">
+                  <a:extLst>
+                    <a:ext uri="{28A0092B-C50C-407E-A947-70E740481C1C}">
+                      <a14:useLocalDpi xmlns:a14="http://schemas.microsoft.com/office/drawing/2010/main" val="0"/>
+                    </a:ext>
+                  </a:extLst>
+                </a:blip>
+                <a:srcRect/>
+                <a:stretch>
+                  <a:fillRect/>
+                </a:stretch>
+              </p:blipFill>
+              <p:spPr bwMode="auto">
+                <a:xfrm flipH="1">
+                  <a:off x="7260350" y="363706"/>
+                  <a:ext cx="182880" cy="182880"/>
+                </a:xfrm>
+                <a:prstGeom prst="rect">
+                  <a:avLst/>
+                </a:prstGeom>
+                <a:noFill/>
+                <a:extLst>
+                  <a:ext uri="{909E8E84-426E-40DD-AFC4-6F175D3DCCD1}">
+                    <a14:hiddenFill xmlns:a14="http://schemas.microsoft.com/office/drawing/2010/main">
+                      <a:solidFill>
+                        <a:srgbClr val="FFFFFF"/>
+                      </a:solidFill>
+                    </a14:hiddenFill>
+                  </a:ext>
+                </a:extLst>
+              </p:spPr>
+            </p:pic>
+            <p:pic>
+              <p:nvPicPr>
+                <p:cNvPr id="47" name="Refresh" descr="C:\Users\t-dantay\Documents\First24\arrowrepeat1.png"/>
+                <p:cNvPicPr>
+                  <a:picLocks noChangeAspect="1" noChangeArrowheads="1"/>
+                </p:cNvPicPr>
+                <p:nvPr/>
+              </p:nvPicPr>
+              <p:blipFill>
+                <a:blip r:embed="rId21" cstate="print">
+                  <a:extLst>
+                    <a:ext uri="{28A0092B-C50C-407E-A947-70E740481C1C}">
+                      <a14:useLocalDpi xmlns:a14="http://schemas.microsoft.com/office/drawing/2010/main" val="0"/>
+                    </a:ext>
+                  </a:extLst>
+                </a:blip>
+                <a:srcRect/>
+                <a:stretch>
+                  <a:fillRect/>
+                </a:stretch>
+              </p:blipFill>
+              <p:spPr bwMode="auto">
+                <a:xfrm>
+                  <a:off x="7644400" y="363706"/>
+                  <a:ext cx="182880" cy="182880"/>
+                </a:xfrm>
+                <a:prstGeom prst="rect">
+                  <a:avLst/>
+                </a:prstGeom>
+                <a:noFill/>
+                <a:extLst>
+                  <a:ext uri="{909E8E84-426E-40DD-AFC4-6F175D3DCCD1}">
+                    <a14:hiddenFill xmlns:a14="http://schemas.microsoft.com/office/drawing/2010/main">
+                      <a:solidFill>
+                        <a:srgbClr val="FFFFFF"/>
+                      </a:solidFill>
+                    </a14:hiddenFill>
+                  </a:ext>
+                </a:extLst>
+              </p:spPr>
+            </p:pic>
+            <p:pic>
+              <p:nvPicPr>
+                <p:cNvPr id="48" name="Drop Down" descr="C:\Users\t-dantay\Documents\First24\arrowsimple1.png"/>
+                <p:cNvPicPr>
+                  <a:picLocks noChangeAspect="1" noChangeArrowheads="1"/>
+                </p:cNvPicPr>
+                <p:nvPr/>
+              </p:nvPicPr>
+              <p:blipFill>
+                <a:blip r:embed="rId22" cstate="print">
+                  <a:extLst>
+                    <a:ext uri="{28A0092B-C50C-407E-A947-70E740481C1C}">
+                      <a14:useLocalDpi xmlns:a14="http://schemas.microsoft.com/office/drawing/2010/main" val="0"/>
+                    </a:ext>
+                  </a:extLst>
+                </a:blip>
+                <a:srcRect/>
+                <a:stretch>
+                  <a:fillRect/>
+                </a:stretch>
+              </p:blipFill>
+              <p:spPr bwMode="auto">
+                <a:xfrm rot="5400000">
+                  <a:off x="7476150" y="409426"/>
+                  <a:ext cx="91440" cy="91440"/>
+                </a:xfrm>
+                <a:prstGeom prst="rect">
+                  <a:avLst/>
+                </a:prstGeom>
+                <a:noFill/>
+                <a:extLst>
+                  <a:ext uri="{909E8E84-426E-40DD-AFC4-6F175D3DCCD1}">
+                    <a14:hiddenFill xmlns:a14="http://schemas.microsoft.com/office/drawing/2010/main">
+                      <a:solidFill>
+                        <a:srgbClr val="FFFFFF"/>
+                      </a:solidFill>
+                    </a14:hiddenFill>
+                  </a:ext>
+                </a:extLst>
+              </p:spPr>
+            </p:pic>
+            <p:grpSp>
+              <p:nvGrpSpPr>
+                <p:cNvPr id="49" name="X"/>
+                <p:cNvGrpSpPr/>
+                <p:nvPr/>
+              </p:nvGrpSpPr>
+              <p:grpSpPr>
+                <a:xfrm>
+                  <a:off x="7913235" y="409426"/>
+                  <a:ext cx="91440" cy="91440"/>
+                  <a:chOff x="4687215" y="1739180"/>
+                  <a:chExt cx="91440" cy="91440"/>
+                </a:xfrm>
+              </p:grpSpPr>
+              <p:cxnSp>
+                <p:nvCxnSpPr>
+                  <p:cNvPr id="50" name="Straight Connector 16"/>
+                  <p:cNvCxnSpPr/>
+                  <p:nvPr/>
+                </p:nvCxnSpPr>
+                <p:spPr>
+                  <a:xfrm flipV="1">
+                    <a:off x="4687215" y="1739180"/>
+                    <a:ext cx="91440" cy="91440"/>
+                  </a:xfrm>
+                  <a:prstGeom prst="line">
+                    <a:avLst/>
+                  </a:prstGeom>
+                  <a:ln w="28575">
+                    <a:solidFill>
+                      <a:srgbClr val="FFFFFF">
+                        <a:lumMod val="50000"/>
+                      </a:srgbClr>
+                    </a:solidFill>
+                  </a:ln>
+                </p:spPr>
+                <p:style>
+                  <a:lnRef idx="1">
+                    <a:srgbClr val="FFFFFF"/>
+                  </a:lnRef>
+                  <a:fillRef idx="0">
+                    <a:srgbClr val="FFFFFF"/>
+                  </a:fillRef>
+                  <a:effectRef idx="0">
+                    <a:srgbClr val="FFFFFF"/>
+                  </a:effectRef>
+                  <a:fontRef idx="minor">
+                    <a:srgbClr val="000000"/>
+                  </a:fontRef>
+                </p:style>
+              </p:cxnSp>
+              <p:cxnSp>
+                <p:nvCxnSpPr>
+                  <p:cNvPr id="51" name="Straight Connector 17"/>
+                  <p:cNvCxnSpPr/>
+                  <p:nvPr/>
+                </p:nvCxnSpPr>
+                <p:spPr>
+                  <a:xfrm>
+                    <a:off x="4687215" y="1739180"/>
+                    <a:ext cx="91440" cy="91440"/>
+                  </a:xfrm>
+                  <a:prstGeom prst="line">
+                    <a:avLst/>
+                  </a:prstGeom>
+                  <a:ln w="28575">
+                    <a:solidFill>
+                      <a:srgbClr val="FFFFFF">
+                        <a:lumMod val="50000"/>
+                      </a:srgbClr>
+                    </a:solidFill>
+                  </a:ln>
+                </p:spPr>
+                <p:style>
+                  <a:lnRef idx="1">
+                    <a:srgbClr val="FFFFFF"/>
+                  </a:lnRef>
+                  <a:fillRef idx="0">
+                    <a:srgbClr val="FFFFFF"/>
+                  </a:fillRef>
+                  <a:effectRef idx="0">
+                    <a:srgbClr val="FFFFFF"/>
+                  </a:effectRef>
+                  <a:fontRef idx="minor">
+                    <a:srgbClr val="000000"/>
+                  </a:fontRef>
+                </p:style>
+              </p:cxnSp>
+            </p:grpSp>
+          </p:grpSp>
+        </p:grpSp>
+      </p:grpSp>
+      <p:sp>
+        <p:nvSpPr>
+          <p:cNvPr id="65" name="Retângulo: Cantos Arredondados 64"/>
+          <p:cNvSpPr/>
+          <p:nvPr/>
+        </p:nvSpPr>
+        <p:spPr>
+          <a:xfrm>
+            <a:off x="6348388" y="2512888"/>
+            <a:ext cx="3192445" cy="2262701"/>
+          </a:xfrm>
+          <a:prstGeom prst="roundRect">
+            <a:avLst/>
+          </a:prstGeom>
+          <a:noFill/>
+          <a:ln>
+            <a:solidFill>
+              <a:schemeClr val="bg1"/>
+            </a:solidFill>
+          </a:ln>
+          <a:effectLst>
+            <a:outerShdw blurRad="50800" dir="2700000" sx="101000" sy="101000" algn="tl" rotWithShape="0">
+              <a:schemeClr val="tx1">
+                <a:alpha val="66000"/>
+              </a:schemeClr>
+            </a:outerShdw>
+          </a:effectLst>
+        </p:spPr>
+        <p:style>
+          <a:lnRef idx="2">
+            <a:schemeClr val="accent1">
+              <a:shade val="50000"/>
+            </a:schemeClr>
+          </a:lnRef>
+          <a:fillRef idx="1">
+            <a:schemeClr val="accent1"/>
+          </a:fillRef>
+          <a:effectRef idx="0">
+            <a:schemeClr val="accent1"/>
+          </a:effectRef>
+          <a:fontRef idx="minor">
+            <a:schemeClr val="lt1"/>
+          </a:fontRef>
+        </p:style>
+        <p:txBody>
+          <a:bodyPr rtlCol="0" anchor="ctr"/>
+          <a:lstStyle/>
+          <a:p>
+            <a:pPr algn="ctr"/>
+            <a:endParaRPr lang="pt-BR">
+              <a:solidFill>
+                <a:schemeClr val="tx1"/>
+              </a:solidFill>
+            </a:endParaRPr>
+          </a:p>
+        </p:txBody>
+      </p:sp>
+      <p:pic>
+        <p:nvPicPr>
+          <p:cNvPr id="33" name="Imagem 32"/>
+          <p:cNvPicPr>
+            <a:picLocks noChangeAspect="1"/>
+          </p:cNvPicPr>
+          <p:nvPr/>
+        </p:nvPicPr>
+        <p:blipFill>
+          <a:blip r:embed="rId23"/>
+          <a:stretch>
+            <a:fillRect/>
+          </a:stretch>
+        </p:blipFill>
+        <p:spPr>
+          <a:xfrm>
+            <a:off x="6519663" y="2607979"/>
+            <a:ext cx="279868" cy="582634"/>
+          </a:xfrm>
+          <a:prstGeom prst="rect">
+            <a:avLst/>
+          </a:prstGeom>
+        </p:spPr>
+      </p:pic>
+      <p:sp>
+        <p:nvSpPr>
+          <p:cNvPr id="34" name="Content"/>
+          <p:cNvSpPr txBox="1"/>
+          <p:nvPr>
+            <p:custDataLst>
+              <p:custData r:id="rId4"/>
+            </p:custDataLst>
+          </p:nvPr>
+        </p:nvSpPr>
+        <p:spPr>
+          <a:xfrm>
+            <a:off x="6740748" y="2766241"/>
+            <a:ext cx="1060868" cy="323165"/>
+          </a:xfrm>
+          <a:prstGeom prst="rect">
+            <a:avLst/>
+          </a:prstGeom>
+          <a:noFill/>
+        </p:spPr>
+        <p:txBody>
+          <a:bodyPr wrap="none" lIns="91440" tIns="18288" rIns="91440" bIns="27432" rtlCol="0" anchor="ctr" anchorCtr="0">
+            <a:spAutoFit/>
+          </a:bodyPr>
+          <a:lstStyle/>
+          <a:p>
+            <a:r>
+              <a:rPr lang="pt-BR" dirty="0">
+                <a:solidFill>
+                  <a:srgbClr val="000000"/>
+                </a:solidFill>
+                <a:latin typeface="Segoe UI" pitchFamily="34" charset="0"/>
+                <a:ea typeface="Segoe UI" pitchFamily="34" charset="0"/>
+                <a:cs typeface="Segoe UI" pitchFamily="34" charset="0"/>
+              </a:rPr>
+              <a:t>UNIRON</a:t>
+            </a:r>
+          </a:p>
+        </p:txBody>
+      </p:sp>
+      <p:grpSp>
+        <p:nvGrpSpPr>
+          <p:cNvPr id="66" name="WebBrowser"/>
+          <p:cNvGrpSpPr/>
+          <p:nvPr>
+            <p:custDataLst>
+              <p:custData r:id="rId5"/>
+            </p:custDataLst>
+          </p:nvPr>
+        </p:nvGrpSpPr>
+        <p:grpSpPr>
+          <a:xfrm>
+            <a:off x="991536" y="679171"/>
+            <a:ext cx="3022840" cy="4886325"/>
+            <a:chOff x="0" y="0"/>
+            <a:chExt cx="9144000" cy="6858000"/>
+          </a:xfrm>
+        </p:grpSpPr>
+        <p:sp>
+          <p:nvSpPr>
+            <p:cNvPr id="67" name="Background"/>
+            <p:cNvSpPr/>
+            <p:nvPr/>
+          </p:nvSpPr>
+          <p:spPr>
+            <a:xfrm>
+              <a:off x="0" y="0"/>
+              <a:ext cx="9144000" cy="6858000"/>
+            </a:xfrm>
+            <a:prstGeom prst="rect">
+              <a:avLst/>
+            </a:prstGeom>
+            <a:solidFill>
+              <a:srgbClr val="FFFFFF">
+                <a:lumMod val="65000"/>
+              </a:srgbClr>
+            </a:solidFill>
+            <a:ln w="3175" cap="flat" cmpd="sng" algn="ctr">
+              <a:solidFill>
+                <a:srgbClr val="000000">
+                  <a:lumMod val="50000"/>
+                  <a:lumOff val="50000"/>
+                </a:srgbClr>
+              </a:solidFill>
+              <a:prstDash val="solid"/>
+            </a:ln>
+            <a:effectLst/>
+          </p:spPr>
+          <p:txBody>
+            <a:bodyPr rtlCol="0" anchor="ctr"/>
+            <a:lstStyle/>
+            <a:p>
+              <a:pPr algn="ctr"/>
+              <a:endParaRPr lang="en-US" sz="1050" kern="0" dirty="0">
+                <a:solidFill>
+                  <a:prstClr val="white"/>
+                </a:solidFill>
+                <a:latin typeface="Segoe UI"/>
+              </a:endParaRPr>
+            </a:p>
+          </p:txBody>
+        </p:sp>
+        <p:sp>
+          <p:nvSpPr>
+            <p:cNvPr id="68" name="WindowTitle"/>
+            <p:cNvSpPr txBox="1"/>
+            <p:nvPr/>
+          </p:nvSpPr>
+          <p:spPr>
+            <a:xfrm>
+              <a:off x="22515" y="22341"/>
+              <a:ext cx="1176028" cy="230832"/>
+            </a:xfrm>
+            <a:prstGeom prst="rect">
+              <a:avLst/>
+            </a:prstGeom>
+            <a:noFill/>
+          </p:spPr>
+          <p:txBody>
+            <a:bodyPr wrap="none" lIns="91440" tIns="18288" rIns="91440" bIns="27432" rtlCol="0" anchor="ctr" anchorCtr="0">
+              <a:spAutoFit/>
+            </a:bodyPr>
+            <a:lstStyle/>
+            <a:p>
+              <a:r>
+                <a:rPr lang="en-US" sz="1200" dirty="0">
+                  <a:solidFill>
+                    <a:prstClr val="white"/>
+                  </a:solidFill>
+                  <a:latin typeface="Segoe UI" pitchFamily="34" charset="0"/>
+                  <a:ea typeface="Segoe UI" pitchFamily="34" charset="0"/>
+                  <a:cs typeface="Segoe UI" pitchFamily="34" charset="0"/>
+                </a:rPr>
+                <a:t>Web page title</a:t>
+              </a:r>
+            </a:p>
+          </p:txBody>
+        </p:sp>
+        <p:grpSp>
+          <p:nvGrpSpPr>
+            <p:cNvPr id="69" name="Group 4"/>
+            <p:cNvGrpSpPr/>
+            <p:nvPr/>
+          </p:nvGrpSpPr>
+          <p:grpSpPr>
+            <a:xfrm>
+              <a:off x="81598" y="286385"/>
+              <a:ext cx="320040" cy="316520"/>
+              <a:chOff x="72073" y="221749"/>
+              <a:chExt cx="320040" cy="316520"/>
+            </a:xfrm>
+          </p:grpSpPr>
+          <p:sp>
+            <p:nvSpPr>
+              <p:cNvPr id="93" name="Oval 28"/>
+              <p:cNvSpPr/>
+              <p:nvPr/>
+            </p:nvSpPr>
+            <p:spPr>
+              <a:xfrm>
+                <a:off x="72073" y="221749"/>
+                <a:ext cx="320040" cy="316520"/>
+              </a:xfrm>
+              <a:prstGeom prst="ellipse">
+                <a:avLst/>
+              </a:prstGeom>
+              <a:gradFill flip="none" rotWithShape="1">
+                <a:gsLst>
+                  <a:gs pos="91000">
+                    <a:srgbClr val="FFFFFF">
+                      <a:lumMod val="85000"/>
+                    </a:srgbClr>
+                  </a:gs>
+                  <a:gs pos="36000">
+                    <a:srgbClr val="FFFFFF">
+                      <a:lumMod val="95000"/>
+                    </a:srgbClr>
+                  </a:gs>
+                  <a:gs pos="100000">
+                    <a:srgbClr val="FFFFFF">
+                      <a:lumMod val="95000"/>
+                    </a:srgbClr>
+                  </a:gs>
+                </a:gsLst>
+                <a:lin ang="5400000" scaled="0"/>
+                <a:tileRect/>
+              </a:gradFill>
+              <a:ln w="3175">
+                <a:solidFill>
+                  <a:srgbClr val="000000">
+                    <a:lumMod val="50000"/>
+                    <a:lumOff val="50000"/>
+                  </a:srgbClr>
+                </a:solidFill>
+              </a:ln>
+              <a:effectLst/>
+            </p:spPr>
+            <p:style>
+              <a:lnRef idx="2">
+                <a:srgbClr val="4F81BD">
+                  <a:shade val="50000"/>
+                </a:srgbClr>
+              </a:lnRef>
+              <a:fillRef idx="1">
+                <a:srgbClr val="4F81BD"/>
+              </a:fillRef>
+              <a:effectRef idx="0">
+                <a:srgbClr val="4F81BD"/>
+              </a:effectRef>
+              <a:fontRef idx="minor">
+                <a:srgbClr val="000000"/>
+              </a:fontRef>
+            </p:style>
+            <p:txBody>
+              <a:bodyPr rtlCol="0" anchor="ctr"/>
+              <a:lstStyle/>
+              <a:p>
+                <a:pPr algn="ctr"/>
+                <a:endParaRPr lang="en-US" sz="1050" u="sng">
+                  <a:solidFill>
+                    <a:prstClr val="white"/>
+                  </a:solidFill>
+                </a:endParaRPr>
+              </a:p>
+            </p:txBody>
+          </p:sp>
+          <p:sp>
+            <p:nvSpPr>
+              <p:cNvPr id="94" name="Left Arrow 29"/>
+              <p:cNvSpPr/>
+              <p:nvPr/>
+            </p:nvSpPr>
+            <p:spPr>
+              <a:xfrm>
+                <a:off x="109358" y="275511"/>
+                <a:ext cx="223134" cy="208997"/>
+              </a:xfrm>
+              <a:prstGeom prst="leftArrow">
+                <a:avLst/>
+              </a:prstGeom>
+              <a:solidFill>
+                <a:sysClr val="window" lastClr="FFFFFF"/>
+              </a:solidFill>
+              <a:ln w="3175" cap="flat" cmpd="sng" algn="ctr">
+                <a:solidFill>
+                  <a:sysClr val="windowText" lastClr="000000">
+                    <a:lumMod val="75000"/>
+                    <a:lumOff val="25000"/>
+                  </a:sysClr>
+                </a:solidFill>
+                <a:prstDash val="solid"/>
+              </a:ln>
+              <a:effectLst/>
+            </p:spPr>
+            <p:txBody>
+              <a:bodyPr rtlCol="0" anchor="ctr"/>
+              <a:lstStyle/>
+              <a:p>
+                <a:pPr algn="ctr"/>
+                <a:endParaRPr lang="en-US" sz="1050" kern="0">
+                  <a:solidFill>
+                    <a:prstClr val="white"/>
+                  </a:solidFill>
+                  <a:latin typeface="Segoe UI"/>
+                </a:endParaRPr>
+              </a:p>
+            </p:txBody>
+          </p:sp>
+        </p:grpSp>
+        <p:grpSp>
+          <p:nvGrpSpPr>
+            <p:cNvPr id="70" name="Group 5"/>
+            <p:cNvGrpSpPr/>
+            <p:nvPr/>
+          </p:nvGrpSpPr>
+          <p:grpSpPr>
+            <a:xfrm>
+              <a:off x="453671" y="286384"/>
+              <a:ext cx="320040" cy="316520"/>
+              <a:chOff x="444146" y="221748"/>
+              <a:chExt cx="320040" cy="316520"/>
+            </a:xfrm>
+          </p:grpSpPr>
+          <p:sp>
+            <p:nvSpPr>
+              <p:cNvPr id="91" name="Oval 26"/>
+              <p:cNvSpPr/>
+              <p:nvPr/>
+            </p:nvSpPr>
+            <p:spPr>
+              <a:xfrm>
+                <a:off x="444146" y="221748"/>
+                <a:ext cx="320040" cy="316520"/>
+              </a:xfrm>
+              <a:prstGeom prst="ellipse">
+                <a:avLst/>
+              </a:prstGeom>
+              <a:gradFill flip="none" rotWithShape="1">
+                <a:gsLst>
+                  <a:gs pos="91000">
+                    <a:srgbClr val="FFFFFF">
+                      <a:lumMod val="85000"/>
+                    </a:srgbClr>
+                  </a:gs>
+                  <a:gs pos="36000">
+                    <a:srgbClr val="FFFFFF">
+                      <a:lumMod val="95000"/>
+                    </a:srgbClr>
+                  </a:gs>
+                  <a:gs pos="100000">
+                    <a:srgbClr val="FFFFFF">
+                      <a:lumMod val="95000"/>
+                    </a:srgbClr>
+                  </a:gs>
+                </a:gsLst>
+                <a:lin ang="5400000" scaled="0"/>
+                <a:tileRect/>
+              </a:gradFill>
+              <a:ln w="3175">
+                <a:solidFill>
+                  <a:srgbClr val="000000">
+                    <a:lumMod val="50000"/>
+                    <a:lumOff val="50000"/>
+                  </a:srgbClr>
+                </a:solidFill>
+              </a:ln>
+              <a:effectLst/>
+            </p:spPr>
+            <p:style>
+              <a:lnRef idx="2">
+                <a:srgbClr val="4F81BD">
+                  <a:shade val="50000"/>
+                </a:srgbClr>
+              </a:lnRef>
+              <a:fillRef idx="1">
+                <a:srgbClr val="4F81BD"/>
+              </a:fillRef>
+              <a:effectRef idx="0">
+                <a:srgbClr val="4F81BD"/>
+              </a:effectRef>
+              <a:fontRef idx="minor">
+                <a:srgbClr val="000000"/>
+              </a:fontRef>
+            </p:style>
+            <p:txBody>
+              <a:bodyPr rtlCol="0" anchor="ctr"/>
+              <a:lstStyle/>
+              <a:p>
+                <a:pPr algn="ctr"/>
+                <a:endParaRPr lang="en-US" sz="1050" u="sng">
+                  <a:solidFill>
+                    <a:prstClr val="white"/>
+                  </a:solidFill>
+                </a:endParaRPr>
+              </a:p>
+            </p:txBody>
+          </p:sp>
+          <p:sp>
+            <p:nvSpPr>
+              <p:cNvPr id="92" name="Right Arrow 27"/>
+              <p:cNvSpPr/>
+              <p:nvPr/>
+            </p:nvSpPr>
+            <p:spPr>
+              <a:xfrm>
+                <a:off x="481249" y="275509"/>
+                <a:ext cx="257146" cy="208999"/>
+              </a:xfrm>
+              <a:prstGeom prst="rightArrow">
+                <a:avLst/>
+              </a:prstGeom>
+              <a:solidFill>
+                <a:sysClr val="window" lastClr="FFFFFF"/>
+              </a:solidFill>
+              <a:ln w="3175" cap="flat" cmpd="sng" algn="ctr">
+                <a:solidFill>
+                  <a:sysClr val="windowText" lastClr="000000">
+                    <a:lumMod val="75000"/>
+                    <a:lumOff val="25000"/>
+                  </a:sysClr>
+                </a:solidFill>
+                <a:prstDash val="solid"/>
+              </a:ln>
+              <a:effectLst/>
+            </p:spPr>
+            <p:txBody>
+              <a:bodyPr rtlCol="0" anchor="ctr"/>
+              <a:lstStyle/>
+              <a:p>
+                <a:pPr algn="ctr"/>
+                <a:endParaRPr lang="en-US" sz="1050" kern="0">
+                  <a:solidFill>
+                    <a:prstClr val="white"/>
+                  </a:solidFill>
+                  <a:latin typeface="Segoe UI"/>
+                </a:endParaRPr>
+              </a:p>
+            </p:txBody>
+          </p:sp>
+        </p:grpSp>
+        <p:grpSp>
+          <p:nvGrpSpPr>
+            <p:cNvPr id="71" name="Minimize - Maximize - Close"/>
+            <p:cNvGrpSpPr/>
+            <p:nvPr/>
+          </p:nvGrpSpPr>
+          <p:grpSpPr>
+            <a:xfrm>
+              <a:off x="8632311" y="92599"/>
+              <a:ext cx="384527" cy="78032"/>
+              <a:chOff x="9347642" y="131588"/>
+              <a:chExt cx="384527" cy="78032"/>
+            </a:xfrm>
+          </p:grpSpPr>
+          <p:cxnSp>
+            <p:nvCxnSpPr>
+              <p:cNvPr id="86" name="Line"/>
+              <p:cNvCxnSpPr/>
+              <p:nvPr/>
+            </p:nvCxnSpPr>
+            <p:spPr>
+              <a:xfrm>
+                <a:off x="9661396" y="131588"/>
+                <a:ext cx="70773" cy="76200"/>
+              </a:xfrm>
+              <a:prstGeom prst="line">
+                <a:avLst/>
+              </a:prstGeom>
+              <a:ln w="12700">
+                <a:solidFill>
+                  <a:srgbClr val="FFFFFF"/>
+                </a:solidFill>
+              </a:ln>
+            </p:spPr>
+            <p:style>
+              <a:lnRef idx="1">
+                <a:srgbClr val="4F81BD"/>
+              </a:lnRef>
+              <a:fillRef idx="0">
+                <a:srgbClr val="4F81BD"/>
+              </a:fillRef>
+              <a:effectRef idx="0">
+                <a:srgbClr val="4F81BD"/>
+              </a:effectRef>
+              <a:fontRef idx="minor">
+                <a:srgbClr val="000000"/>
+              </a:fontRef>
+            </p:style>
+          </p:cxnSp>
+          <p:cxnSp>
+            <p:nvCxnSpPr>
+              <p:cNvPr id="87" name="Line"/>
+              <p:cNvCxnSpPr/>
+              <p:nvPr/>
+            </p:nvCxnSpPr>
+            <p:spPr>
+              <a:xfrm flipH="1">
+                <a:off x="9661395" y="131588"/>
+                <a:ext cx="70773" cy="76200"/>
+              </a:xfrm>
+              <a:prstGeom prst="line">
+                <a:avLst/>
+              </a:prstGeom>
+              <a:ln w="12700">
+                <a:solidFill>
+                  <a:srgbClr val="FFFFFF"/>
+                </a:solidFill>
+              </a:ln>
+            </p:spPr>
+            <p:style>
+              <a:lnRef idx="1">
+                <a:srgbClr val="4F81BD"/>
+              </a:lnRef>
+              <a:fillRef idx="0">
+                <a:srgbClr val="4F81BD"/>
+              </a:fillRef>
+              <a:effectRef idx="0">
+                <a:srgbClr val="4F81BD"/>
+              </a:effectRef>
+              <a:fontRef idx="minor">
+                <a:srgbClr val="000000"/>
+              </a:fontRef>
+            </p:style>
+          </p:cxnSp>
+          <p:sp>
+            <p:nvSpPr>
+              <p:cNvPr id="88" name="Line"/>
+              <p:cNvSpPr/>
+              <p:nvPr/>
+            </p:nvSpPr>
+            <p:spPr>
+              <a:xfrm rot="10800000" flipV="1">
+                <a:off x="9499472" y="143255"/>
+                <a:ext cx="91440" cy="9144"/>
+              </a:xfrm>
+              <a:prstGeom prst="rect">
+                <a:avLst/>
+              </a:prstGeom>
+              <a:solidFill>
+                <a:srgbClr val="919191"/>
+              </a:solidFill>
+              <a:ln w="3175">
+                <a:solidFill>
+                  <a:srgbClr val="FFFFFF"/>
+                </a:solidFill>
+              </a:ln>
+            </p:spPr>
+            <p:style>
+              <a:lnRef idx="2">
+                <a:srgbClr val="4F81BD">
+                  <a:shade val="50000"/>
+                </a:srgbClr>
+              </a:lnRef>
+              <a:fillRef idx="1001">
+                <a:srgbClr val="000000"/>
+              </a:fillRef>
+              <a:effectRef idx="0">
+                <a:srgbClr val="4F81BD"/>
+              </a:effectRef>
+              <a:fontRef idx="minor">
+                <a:srgbClr val="000000"/>
+              </a:fontRef>
+            </p:style>
+            <p:txBody>
+              <a:bodyPr rtlCol="0" anchor="ctr"/>
+              <a:lstStyle/>
+              <a:p>
+                <a:pPr algn="ctr"/>
+                <a:endParaRPr lang="en-US" sz="1050" dirty="0">
+                  <a:solidFill>
+                    <a:prstClr val="white"/>
+                  </a:solidFill>
+                </a:endParaRPr>
+              </a:p>
+            </p:txBody>
+          </p:sp>
+          <p:sp>
+            <p:nvSpPr>
+              <p:cNvPr id="89" name="Line"/>
+              <p:cNvSpPr/>
+              <p:nvPr/>
+            </p:nvSpPr>
+            <p:spPr>
+              <a:xfrm rot="10800000" flipV="1">
+                <a:off x="9498658" y="135261"/>
+                <a:ext cx="91440" cy="72527"/>
+              </a:xfrm>
+              <a:prstGeom prst="rect">
+                <a:avLst/>
+              </a:prstGeom>
+              <a:noFill/>
+              <a:ln w="12700">
+                <a:solidFill>
+                  <a:srgbClr val="FFFFFF"/>
+                </a:solidFill>
+              </a:ln>
+            </p:spPr>
+            <p:style>
+              <a:lnRef idx="2">
+                <a:srgbClr val="4F81BD">
+                  <a:shade val="50000"/>
+                </a:srgbClr>
+              </a:lnRef>
+              <a:fillRef idx="1001">
+                <a:srgbClr val="000000"/>
+              </a:fillRef>
+              <a:effectRef idx="0">
+                <a:srgbClr val="4F81BD"/>
+              </a:effectRef>
+              <a:fontRef idx="minor">
+                <a:srgbClr val="000000"/>
+              </a:fontRef>
+            </p:style>
+            <p:txBody>
+              <a:bodyPr rtlCol="0" anchor="ctr"/>
+              <a:lstStyle/>
+              <a:p>
+                <a:pPr algn="ctr"/>
+                <a:endParaRPr lang="en-US" sz="1050" dirty="0">
+                  <a:solidFill>
+                    <a:prstClr val="white"/>
+                  </a:solidFill>
+                </a:endParaRPr>
+              </a:p>
+            </p:txBody>
+          </p:sp>
+          <p:sp>
+            <p:nvSpPr>
+              <p:cNvPr id="90" name="Line"/>
+              <p:cNvSpPr/>
+              <p:nvPr/>
+            </p:nvSpPr>
+            <p:spPr>
+              <a:xfrm rot="10800000" flipV="1">
+                <a:off x="9347642" y="200476"/>
+                <a:ext cx="91440" cy="9144"/>
+              </a:xfrm>
+              <a:prstGeom prst="rect">
+                <a:avLst/>
+              </a:prstGeom>
+              <a:solidFill>
+                <a:srgbClr val="919191"/>
+              </a:solidFill>
+              <a:ln w="3175">
+                <a:solidFill>
+                  <a:srgbClr val="FFFFFF"/>
+                </a:solidFill>
+              </a:ln>
+            </p:spPr>
+            <p:style>
+              <a:lnRef idx="2">
+                <a:srgbClr val="4F81BD">
+                  <a:shade val="50000"/>
+                </a:srgbClr>
+              </a:lnRef>
+              <a:fillRef idx="1001">
+                <a:srgbClr val="000000"/>
+              </a:fillRef>
+              <a:effectRef idx="0">
+                <a:srgbClr val="4F81BD"/>
+              </a:effectRef>
+              <a:fontRef idx="minor">
+                <a:srgbClr val="000000"/>
+              </a:fontRef>
+            </p:style>
+            <p:txBody>
+              <a:bodyPr rtlCol="0" anchor="ctr"/>
+              <a:lstStyle/>
+              <a:p>
+                <a:pPr algn="ctr"/>
+                <a:endParaRPr lang="en-US" sz="1050" dirty="0">
+                  <a:solidFill>
+                    <a:prstClr val="white"/>
+                  </a:solidFill>
+                </a:endParaRPr>
+              </a:p>
+            </p:txBody>
+          </p:sp>
+        </p:grpSp>
+        <p:sp>
+          <p:nvSpPr>
+            <p:cNvPr id="72" name="WebPageBody"/>
+            <p:cNvSpPr/>
+            <p:nvPr/>
+          </p:nvSpPr>
+          <p:spPr>
+            <a:xfrm>
+              <a:off x="76200" y="685159"/>
+              <a:ext cx="8991600" cy="6066801"/>
+            </a:xfrm>
+            <a:prstGeom prst="rect">
+              <a:avLst/>
+            </a:prstGeom>
+            <a:solidFill>
+              <a:sysClr val="window" lastClr="FFFFFF"/>
+            </a:solidFill>
+            <a:ln w="3175" cap="flat" cmpd="sng" algn="ctr">
+              <a:solidFill>
+                <a:srgbClr val="000000">
+                  <a:lumMod val="50000"/>
+                  <a:lumOff val="50000"/>
+                </a:srgbClr>
+              </a:solidFill>
+              <a:prstDash val="solid"/>
+            </a:ln>
+            <a:effectLst/>
+          </p:spPr>
+          <p:txBody>
+            <a:bodyPr rtlCol="0" anchor="ctr"/>
+            <a:lstStyle/>
+            <a:p>
+              <a:pPr algn="ctr"/>
+              <a:endParaRPr lang="en-US" sz="1050" kern="0">
+                <a:solidFill>
+                  <a:prstClr val="white"/>
+                </a:solidFill>
+                <a:latin typeface="Segoe UI"/>
+              </a:endParaRPr>
+            </a:p>
+          </p:txBody>
+        </p:sp>
+        <p:grpSp>
+          <p:nvGrpSpPr>
+            <p:cNvPr id="73" name="Group 8"/>
+            <p:cNvGrpSpPr/>
+            <p:nvPr/>
+          </p:nvGrpSpPr>
+          <p:grpSpPr>
+            <a:xfrm>
+              <a:off x="8386335" y="360579"/>
+              <a:ext cx="640645" cy="183940"/>
+              <a:chOff x="8303527" y="360579"/>
+              <a:chExt cx="640645" cy="183940"/>
+            </a:xfrm>
+          </p:grpSpPr>
+          <p:pic>
+            <p:nvPicPr>
+              <p:cNvPr id="83" name="Picture 2" descr="C:\Users\t-dantay\Documents\Placeholders\home.png"/>
+              <p:cNvPicPr>
+                <a:picLocks noChangeAspect="1" noChangeArrowheads="1"/>
+              </p:cNvPicPr>
+              <p:nvPr/>
+            </p:nvPicPr>
+            <p:blipFill>
+              <a:blip r:embed="rId17" cstate="print">
+                <a:extLst>
+                  <a:ext uri="{28A0092B-C50C-407E-A947-70E740481C1C}">
+                    <a14:useLocalDpi xmlns:a14="http://schemas.microsoft.com/office/drawing/2010/main" val="0"/>
+                  </a:ext>
+                </a:extLst>
+              </a:blip>
+              <a:srcRect/>
+              <a:stretch>
+                <a:fillRect/>
+              </a:stretch>
+            </p:blipFill>
+            <p:spPr bwMode="auto">
+              <a:xfrm>
+                <a:off x="8303527" y="361109"/>
+                <a:ext cx="185783" cy="182880"/>
+              </a:xfrm>
+              <a:prstGeom prst="rect">
+                <a:avLst/>
+              </a:prstGeom>
+              <a:noFill/>
+              <a:extLst>
+                <a:ext uri="{909E8E84-426E-40DD-AFC4-6F175D3DCCD1}">
+                  <a14:hiddenFill xmlns:a14="http://schemas.microsoft.com/office/drawing/2010/main">
+                    <a:solidFill>
+                      <a:srgbClr val="FFFFFF"/>
+                    </a:solidFill>
+                  </a14:hiddenFill>
+                </a:ext>
+              </a:extLst>
+            </p:spPr>
+          </p:pic>
+          <p:pic>
+            <p:nvPicPr>
+              <p:cNvPr id="84" name="Picture 2" descr="C:\Users\t-dantay\Documents\Placeholders\setting.png"/>
+              <p:cNvPicPr>
+                <a:picLocks noChangeAspect="1" noChangeArrowheads="1"/>
+              </p:cNvPicPr>
+              <p:nvPr/>
+            </p:nvPicPr>
+            <p:blipFill rotWithShape="1">
+              <a:blip r:embed="rId18" cstate="print">
+                <a:extLst>
+                  <a:ext uri="{28A0092B-C50C-407E-A947-70E740481C1C}">
+                    <a14:useLocalDpi xmlns:a14="http://schemas.microsoft.com/office/drawing/2010/main" val="0"/>
+                  </a:ext>
+                </a:extLst>
+              </a:blip>
+              <a:srcRect t="13480" r="35484"/>
+              <a:stretch/>
+            </p:blipFill>
+            <p:spPr bwMode="auto">
+              <a:xfrm>
+                <a:off x="8761292" y="360579"/>
+                <a:ext cx="182880" cy="183940"/>
+              </a:xfrm>
+              <a:prstGeom prst="rect">
+                <a:avLst/>
+              </a:prstGeom>
+              <a:noFill/>
+              <a:extLst>
+                <a:ext uri="{909E8E84-426E-40DD-AFC4-6F175D3DCCD1}">
+                  <a14:hiddenFill xmlns:a14="http://schemas.microsoft.com/office/drawing/2010/main">
+                    <a:solidFill>
+                      <a:srgbClr val="FFFFFF"/>
+                    </a:solidFill>
+                  </a14:hiddenFill>
+                </a:ext>
+              </a:extLst>
+            </p:spPr>
+          </p:pic>
+          <p:pic>
+            <p:nvPicPr>
+              <p:cNvPr id="85" name="Picture 2" descr="C:\Users\t-dantay\Documents\Placeholders\star.png"/>
+              <p:cNvPicPr>
+                <a:picLocks noChangeAspect="1" noChangeArrowheads="1"/>
+              </p:cNvPicPr>
+              <p:nvPr/>
+            </p:nvPicPr>
+            <p:blipFill>
+              <a:blip r:embed="rId19" cstate="print">
+                <a:extLst>
+                  <a:ext uri="{28A0092B-C50C-407E-A947-70E740481C1C}">
+                    <a14:useLocalDpi xmlns:a14="http://schemas.microsoft.com/office/drawing/2010/main" val="0"/>
+                  </a:ext>
+                </a:extLst>
+              </a:blip>
+              <a:srcRect/>
+              <a:stretch>
+                <a:fillRect/>
+              </a:stretch>
+            </p:blipFill>
+            <p:spPr bwMode="auto">
+              <a:xfrm>
+                <a:off x="8529364" y="361109"/>
+                <a:ext cx="191874" cy="182880"/>
+              </a:xfrm>
+              <a:prstGeom prst="rect">
+                <a:avLst/>
+              </a:prstGeom>
+              <a:noFill/>
+              <a:extLst>
+                <a:ext uri="{909E8E84-426E-40DD-AFC4-6F175D3DCCD1}">
+                  <a14:hiddenFill xmlns:a14="http://schemas.microsoft.com/office/drawing/2010/main">
+                    <a:solidFill>
+                      <a:srgbClr val="FFFFFF"/>
+                    </a:solidFill>
+                  </a14:hiddenFill>
+                </a:ext>
+              </a:extLst>
+            </p:spPr>
+          </p:pic>
+        </p:grpSp>
+        <p:grpSp>
+          <p:nvGrpSpPr>
+            <p:cNvPr id="74" name="Group 9"/>
+            <p:cNvGrpSpPr/>
+            <p:nvPr/>
+          </p:nvGrpSpPr>
+          <p:grpSpPr>
+            <a:xfrm>
+              <a:off x="923925" y="340846"/>
+              <a:ext cx="7142930" cy="228600"/>
+              <a:chOff x="923925" y="340846"/>
+              <a:chExt cx="7142930" cy="228600"/>
+            </a:xfrm>
+          </p:grpSpPr>
+          <p:sp>
+            <p:nvSpPr>
+              <p:cNvPr id="75" name="UrlBar"/>
+              <p:cNvSpPr/>
+              <p:nvPr/>
+            </p:nvSpPr>
+            <p:spPr>
+              <a:xfrm>
+                <a:off x="923925" y="340846"/>
+                <a:ext cx="7142930" cy="228600"/>
+              </a:xfrm>
+              <a:prstGeom prst="rect">
+                <a:avLst/>
+              </a:prstGeom>
+              <a:solidFill>
+                <a:sysClr val="window" lastClr="FFFFFF"/>
+              </a:solidFill>
+              <a:ln w="3175" cap="flat" cmpd="sng" algn="ctr">
+                <a:solidFill>
+                  <a:srgbClr val="000000">
+                    <a:lumMod val="50000"/>
+                    <a:lumOff val="50000"/>
+                  </a:srgbClr>
+                </a:solidFill>
+                <a:prstDash val="solid"/>
+              </a:ln>
+              <a:effectLst/>
+            </p:spPr>
+            <p:txBody>
+              <a:bodyPr rtlCol="0" anchor="ctr"/>
+              <a:lstStyle/>
+              <a:p>
+                <a:endParaRPr lang="en-US" sz="1200" kern="0" dirty="0">
+                  <a:solidFill>
+                    <a:prstClr val="black">
+                      <a:lumMod val="75000"/>
+                      <a:lumOff val="25000"/>
+                    </a:prstClr>
+                  </a:solidFill>
+                  <a:latin typeface="Segoe UI"/>
+                </a:endParaRPr>
+              </a:p>
+            </p:txBody>
+          </p:sp>
+          <p:grpSp>
+            <p:nvGrpSpPr>
+              <p:cNvPr id="76" name="Group 11"/>
+              <p:cNvGrpSpPr/>
+              <p:nvPr/>
+            </p:nvGrpSpPr>
+            <p:grpSpPr>
+              <a:xfrm>
+                <a:off x="7260350" y="363706"/>
+                <a:ext cx="744325" cy="182880"/>
+                <a:chOff x="7260350" y="363706"/>
+                <a:chExt cx="744325" cy="182880"/>
+              </a:xfrm>
+            </p:grpSpPr>
+            <p:pic>
+              <p:nvPicPr>
+                <p:cNvPr id="77" name="Search" descr="C:\Users\t-dantay\Documents\Placeholders\search.png"/>
+                <p:cNvPicPr>
+                  <a:picLocks noChangeAspect="1" noChangeArrowheads="1"/>
+                </p:cNvPicPr>
+                <p:nvPr/>
+              </p:nvPicPr>
+              <p:blipFill>
+                <a:blip r:embed="rId20" cstate="print">
+                  <a:extLst>
+                    <a:ext uri="{28A0092B-C50C-407E-A947-70E740481C1C}">
+                      <a14:useLocalDpi xmlns:a14="http://schemas.microsoft.com/office/drawing/2010/main" val="0"/>
+                    </a:ext>
+                  </a:extLst>
+                </a:blip>
+                <a:srcRect/>
+                <a:stretch>
+                  <a:fillRect/>
+                </a:stretch>
+              </p:blipFill>
+              <p:spPr bwMode="auto">
+                <a:xfrm flipH="1">
+                  <a:off x="7260350" y="363706"/>
+                  <a:ext cx="182880" cy="182880"/>
+                </a:xfrm>
+                <a:prstGeom prst="rect">
+                  <a:avLst/>
+                </a:prstGeom>
+                <a:noFill/>
+                <a:extLst>
+                  <a:ext uri="{909E8E84-426E-40DD-AFC4-6F175D3DCCD1}">
+                    <a14:hiddenFill xmlns:a14="http://schemas.microsoft.com/office/drawing/2010/main">
+                      <a:solidFill>
+                        <a:srgbClr val="FFFFFF"/>
+                      </a:solidFill>
+                    </a14:hiddenFill>
+                  </a:ext>
+                </a:extLst>
+              </p:spPr>
+            </p:pic>
+            <p:pic>
+              <p:nvPicPr>
+                <p:cNvPr id="78" name="Refresh" descr="C:\Users\t-dantay\Documents\First24\arrowrepeat1.png"/>
+                <p:cNvPicPr>
+                  <a:picLocks noChangeAspect="1" noChangeArrowheads="1"/>
+                </p:cNvPicPr>
+                <p:nvPr/>
+              </p:nvPicPr>
+              <p:blipFill>
+                <a:blip r:embed="rId21" cstate="print">
+                  <a:extLst>
+                    <a:ext uri="{28A0092B-C50C-407E-A947-70E740481C1C}">
+                      <a14:useLocalDpi xmlns:a14="http://schemas.microsoft.com/office/drawing/2010/main" val="0"/>
+                    </a:ext>
+                  </a:extLst>
+                </a:blip>
+                <a:srcRect/>
+                <a:stretch>
+                  <a:fillRect/>
+                </a:stretch>
+              </p:blipFill>
+              <p:spPr bwMode="auto">
+                <a:xfrm>
+                  <a:off x="7644400" y="363706"/>
+                  <a:ext cx="182880" cy="182880"/>
+                </a:xfrm>
+                <a:prstGeom prst="rect">
+                  <a:avLst/>
+                </a:prstGeom>
+                <a:noFill/>
+                <a:extLst>
+                  <a:ext uri="{909E8E84-426E-40DD-AFC4-6F175D3DCCD1}">
+                    <a14:hiddenFill xmlns:a14="http://schemas.microsoft.com/office/drawing/2010/main">
+                      <a:solidFill>
+                        <a:srgbClr val="FFFFFF"/>
+                      </a:solidFill>
+                    </a14:hiddenFill>
+                  </a:ext>
+                </a:extLst>
+              </p:spPr>
+            </p:pic>
+            <p:pic>
+              <p:nvPicPr>
+                <p:cNvPr id="79" name="Drop Down" descr="C:\Users\t-dantay\Documents\First24\arrowsimple1.png"/>
+                <p:cNvPicPr>
+                  <a:picLocks noChangeAspect="1" noChangeArrowheads="1"/>
+                </p:cNvPicPr>
+                <p:nvPr/>
+              </p:nvPicPr>
+              <p:blipFill>
+                <a:blip r:embed="rId22" cstate="print">
+                  <a:extLst>
+                    <a:ext uri="{28A0092B-C50C-407E-A947-70E740481C1C}">
+                      <a14:useLocalDpi xmlns:a14="http://schemas.microsoft.com/office/drawing/2010/main" val="0"/>
+                    </a:ext>
+                  </a:extLst>
+                </a:blip>
+                <a:srcRect/>
+                <a:stretch>
+                  <a:fillRect/>
+                </a:stretch>
+              </p:blipFill>
+              <p:spPr bwMode="auto">
+                <a:xfrm rot="5400000">
+                  <a:off x="7476150" y="409426"/>
+                  <a:ext cx="91440" cy="91440"/>
+                </a:xfrm>
+                <a:prstGeom prst="rect">
+                  <a:avLst/>
+                </a:prstGeom>
+                <a:noFill/>
+                <a:extLst>
+                  <a:ext uri="{909E8E84-426E-40DD-AFC4-6F175D3DCCD1}">
+                    <a14:hiddenFill xmlns:a14="http://schemas.microsoft.com/office/drawing/2010/main">
+                      <a:solidFill>
+                        <a:srgbClr val="FFFFFF"/>
+                      </a:solidFill>
+                    </a14:hiddenFill>
+                  </a:ext>
+                </a:extLst>
+              </p:spPr>
+            </p:pic>
+            <p:grpSp>
+              <p:nvGrpSpPr>
+                <p:cNvPr id="80" name="X"/>
+                <p:cNvGrpSpPr/>
+                <p:nvPr/>
+              </p:nvGrpSpPr>
+              <p:grpSpPr>
+                <a:xfrm>
+                  <a:off x="7913235" y="409426"/>
+                  <a:ext cx="91440" cy="91440"/>
+                  <a:chOff x="4687215" y="1739180"/>
+                  <a:chExt cx="91440" cy="91440"/>
+                </a:xfrm>
+              </p:grpSpPr>
+              <p:cxnSp>
+                <p:nvCxnSpPr>
+                  <p:cNvPr id="81" name="Straight Connector 16"/>
+                  <p:cNvCxnSpPr/>
+                  <p:nvPr/>
+                </p:nvCxnSpPr>
+                <p:spPr>
+                  <a:xfrm flipV="1">
+                    <a:off x="4687215" y="1739180"/>
+                    <a:ext cx="91440" cy="91440"/>
+                  </a:xfrm>
+                  <a:prstGeom prst="line">
+                    <a:avLst/>
+                  </a:prstGeom>
+                  <a:ln w="28575">
+                    <a:solidFill>
+                      <a:srgbClr val="FFFFFF">
+                        <a:lumMod val="50000"/>
+                      </a:srgbClr>
+                    </a:solidFill>
+                  </a:ln>
+                </p:spPr>
+                <p:style>
+                  <a:lnRef idx="1">
+                    <a:srgbClr val="FFFFFF"/>
+                  </a:lnRef>
+                  <a:fillRef idx="0">
+                    <a:srgbClr val="FFFFFF"/>
+                  </a:fillRef>
+                  <a:effectRef idx="0">
+                    <a:srgbClr val="FFFFFF"/>
+                  </a:effectRef>
+                  <a:fontRef idx="minor">
+                    <a:srgbClr val="000000"/>
+                  </a:fontRef>
+                </p:style>
+              </p:cxnSp>
+              <p:cxnSp>
+                <p:nvCxnSpPr>
+                  <p:cNvPr id="82" name="Straight Connector 17"/>
+                  <p:cNvCxnSpPr/>
+                  <p:nvPr/>
+                </p:nvCxnSpPr>
+                <p:spPr>
+                  <a:xfrm>
+                    <a:off x="4687215" y="1739180"/>
+                    <a:ext cx="91440" cy="91440"/>
+                  </a:xfrm>
+                  <a:prstGeom prst="line">
+                    <a:avLst/>
+                  </a:prstGeom>
+                  <a:ln w="28575">
+                    <a:solidFill>
+                      <a:srgbClr val="FFFFFF">
+                        <a:lumMod val="50000"/>
+                      </a:srgbClr>
+                    </a:solidFill>
+                  </a:ln>
+                </p:spPr>
+                <p:style>
+                  <a:lnRef idx="1">
+                    <a:srgbClr val="FFFFFF"/>
+                  </a:lnRef>
+                  <a:fillRef idx="0">
+                    <a:srgbClr val="FFFFFF"/>
+                  </a:fillRef>
+                  <a:effectRef idx="0">
+                    <a:srgbClr val="FFFFFF"/>
+                  </a:effectRef>
+                  <a:fontRef idx="minor">
+                    <a:srgbClr val="000000"/>
+                  </a:fontRef>
+                </p:style>
+              </p:cxnSp>
+            </p:grpSp>
+          </p:grpSp>
+        </p:grpSp>
+      </p:grpSp>
+      <p:sp>
+        <p:nvSpPr>
+          <p:cNvPr id="32" name="Retângulo: Cantos Arredondados 31"/>
+          <p:cNvSpPr/>
+          <p:nvPr/>
+        </p:nvSpPr>
+        <p:spPr>
+          <a:xfrm>
+            <a:off x="1083144" y="1517919"/>
+            <a:ext cx="2837845" cy="3572342"/>
+          </a:xfrm>
+          <a:prstGeom prst="roundRect">
+            <a:avLst/>
+          </a:prstGeom>
+          <a:noFill/>
+          <a:ln>
+            <a:solidFill>
+              <a:schemeClr val="bg1"/>
+            </a:solidFill>
+          </a:ln>
+          <a:effectLst>
+            <a:outerShdw blurRad="50800" dir="2700000" sx="101000" sy="101000" algn="tl" rotWithShape="0">
+              <a:schemeClr val="tx1">
+                <a:alpha val="66000"/>
+              </a:schemeClr>
+            </a:outerShdw>
+          </a:effectLst>
+        </p:spPr>
+        <p:style>
+          <a:lnRef idx="2">
+            <a:schemeClr val="accent1">
+              <a:shade val="50000"/>
+            </a:schemeClr>
+          </a:lnRef>
+          <a:fillRef idx="1">
+            <a:schemeClr val="accent1"/>
+          </a:fillRef>
+          <a:effectRef idx="0">
+            <a:schemeClr val="accent1"/>
+          </a:effectRef>
+          <a:fontRef idx="minor">
+            <a:schemeClr val="lt1"/>
+          </a:fontRef>
+        </p:style>
+        <p:txBody>
+          <a:bodyPr rtlCol="0" anchor="ctr"/>
+          <a:lstStyle/>
+          <a:p>
+            <a:pPr algn="ctr"/>
+            <a:endParaRPr lang="pt-BR">
+              <a:solidFill>
+                <a:schemeClr val="tx1"/>
+              </a:solidFill>
+            </a:endParaRPr>
+          </a:p>
+        </p:txBody>
+      </p:sp>
+      <p:sp>
+        <p:nvSpPr>
+          <p:cNvPr id="95" name="Content"/>
+          <p:cNvSpPr txBox="1"/>
+          <p:nvPr>
+            <p:custDataLst>
+              <p:custData r:id="rId6"/>
+            </p:custDataLst>
+          </p:nvPr>
+        </p:nvSpPr>
+        <p:spPr>
+          <a:xfrm>
+            <a:off x="7309942" y="3070563"/>
+            <a:ext cx="1425518" cy="261610"/>
+          </a:xfrm>
+          <a:prstGeom prst="rect">
+            <a:avLst/>
+          </a:prstGeom>
+          <a:noFill/>
+        </p:spPr>
+        <p:txBody>
+          <a:bodyPr wrap="none" lIns="91440" tIns="18288" rIns="91440" bIns="27432" rtlCol="0" anchor="ctr" anchorCtr="0">
+            <a:spAutoFit/>
+          </a:bodyPr>
+          <a:lstStyle/>
+          <a:p>
+            <a:r>
+              <a:rPr lang="en-US" sz="1400" dirty="0">
+                <a:solidFill>
+                  <a:srgbClr val="000000"/>
+                </a:solidFill>
+                <a:latin typeface="Segoe UI" pitchFamily="34" charset="0"/>
+                <a:ea typeface="Segoe UI" pitchFamily="34" charset="0"/>
+                <a:cs typeface="Segoe UI" pitchFamily="34" charset="0"/>
+              </a:rPr>
+              <a:t>Portal do </a:t>
+            </a:r>
+            <a:r>
+              <a:rPr lang="pt-BR" sz="1400" dirty="0">
+                <a:solidFill>
+                  <a:srgbClr val="000000"/>
+                </a:solidFill>
+                <a:latin typeface="Segoe UI" pitchFamily="34" charset="0"/>
+                <a:ea typeface="Segoe UI" pitchFamily="34" charset="0"/>
+                <a:cs typeface="Segoe UI" pitchFamily="34" charset="0"/>
+              </a:rPr>
+              <a:t>Aluno</a:t>
+            </a:r>
+          </a:p>
+        </p:txBody>
+      </p:sp>
+      <p:sp>
+        <p:nvSpPr>
+          <p:cNvPr id="96" name="Content"/>
+          <p:cNvSpPr/>
+          <p:nvPr>
+            <p:custDataLst>
+              <p:custData r:id="rId7"/>
+            </p:custDataLst>
+          </p:nvPr>
+        </p:nvSpPr>
+        <p:spPr>
+          <a:xfrm>
+            <a:off x="7391314" y="4493734"/>
+            <a:ext cx="1106592" cy="228600"/>
+          </a:xfrm>
+          <a:prstGeom prst="roundRect">
+            <a:avLst/>
+          </a:prstGeom>
+          <a:solidFill>
+            <a:srgbClr val="FFFFFF">
+              <a:lumMod val="95000"/>
+            </a:srgbClr>
+          </a:solidFill>
+          <a:ln w="3175">
+            <a:solidFill>
+              <a:srgbClr val="000000">
+                <a:lumMod val="50000"/>
+                <a:lumOff val="50000"/>
+              </a:srgbClr>
+            </a:solidFill>
+          </a:ln>
+          <a:effectLst/>
+        </p:spPr>
+        <p:style>
+          <a:lnRef idx="2">
+            <a:srgbClr val="4F81BD">
+              <a:shade val="50000"/>
+            </a:srgbClr>
+          </a:lnRef>
+          <a:fillRef idx="1">
+            <a:srgbClr val="4F81BD"/>
+          </a:fillRef>
+          <a:effectRef idx="0">
+            <a:srgbClr val="4F81BD"/>
+          </a:effectRef>
+          <a:fontRef idx="minor">
+            <a:srgbClr val="000000"/>
+          </a:fontRef>
+        </p:style>
+        <p:txBody>
+          <a:bodyPr wrap="square" lIns="91440" tIns="0" rIns="91440" bIns="9144" rtlCol="0" anchor="ctr">
+            <a:noAutofit/>
+          </a:bodyPr>
+          <a:lstStyle/>
+          <a:p>
+            <a:pPr algn="ctr"/>
+            <a:r>
+              <a:rPr lang="pt-BR" sz="1200" dirty="0">
+                <a:solidFill>
+                  <a:srgbClr val="000000"/>
+                </a:solidFill>
+                <a:latin typeface="Segoe UI" pitchFamily="34" charset="0"/>
+                <a:cs typeface="Segoe UI" pitchFamily="34" charset="0"/>
+              </a:rPr>
+              <a:t>Acessar</a:t>
+            </a:r>
+          </a:p>
+        </p:txBody>
+      </p:sp>
+      <p:sp>
+        <p:nvSpPr>
+          <p:cNvPr id="97" name="Content"/>
+          <p:cNvSpPr/>
+          <p:nvPr>
+            <p:custDataLst>
+              <p:custData r:id="rId8"/>
+            </p:custDataLst>
+          </p:nvPr>
+        </p:nvSpPr>
+        <p:spPr>
+          <a:xfrm>
+            <a:off x="7309100" y="3383844"/>
+            <a:ext cx="1400901" cy="317072"/>
+          </a:xfrm>
+          <a:prstGeom prst="rect">
+            <a:avLst/>
+          </a:prstGeom>
+          <a:solidFill>
+            <a:sysClr val="window" lastClr="FFFFFF"/>
+          </a:solidFill>
+          <a:ln w="3175">
+            <a:solidFill>
+              <a:srgbClr val="000000">
+                <a:lumMod val="50000"/>
+                <a:lumOff val="50000"/>
+              </a:srgbClr>
+            </a:solidFill>
+          </a:ln>
+          <a:effectLst/>
+        </p:spPr>
+        <p:style>
+          <a:lnRef idx="2">
+            <a:srgbClr val="4F81BD">
+              <a:shade val="50000"/>
+            </a:srgbClr>
+          </a:lnRef>
+          <a:fillRef idx="1">
+            <a:srgbClr val="4F81BD"/>
+          </a:fillRef>
+          <a:effectRef idx="0">
+            <a:srgbClr val="4F81BD"/>
+          </a:effectRef>
+          <a:fontRef idx="minor">
+            <a:srgbClr val="000000"/>
+          </a:fontRef>
+        </p:style>
+        <p:txBody>
+          <a:bodyPr wrap="none" lIns="45720" tIns="18288" rIns="45720" bIns="18288" rtlCol="0" anchor="ctr">
+            <a:noAutofit/>
+          </a:bodyPr>
+          <a:lstStyle/>
+          <a:p>
+            <a:r>
+              <a:rPr lang="en-US" sz="1200" dirty="0">
+                <a:latin typeface="Segoe UI" pitchFamily="34" charset="0"/>
+                <a:cs typeface="Segoe UI" pitchFamily="34" charset="0"/>
+              </a:rPr>
+              <a:t>Login</a:t>
+            </a:r>
+            <a:endParaRPr lang="en-US" sz="1200" dirty="0">
+              <a:solidFill>
+                <a:srgbClr val="000000"/>
+              </a:solidFill>
+              <a:latin typeface="Segoe UI" pitchFamily="34" charset="0"/>
+              <a:cs typeface="Segoe UI" pitchFamily="34" charset="0"/>
+            </a:endParaRPr>
+          </a:p>
+        </p:txBody>
+      </p:sp>
+      <p:sp>
+        <p:nvSpPr>
+          <p:cNvPr id="98" name="Content"/>
+          <p:cNvSpPr/>
+          <p:nvPr>
+            <p:custDataLst>
+              <p:custData r:id="rId9"/>
+            </p:custDataLst>
+          </p:nvPr>
+        </p:nvSpPr>
+        <p:spPr>
+          <a:xfrm>
+            <a:off x="7322250" y="3943683"/>
+            <a:ext cx="1400901" cy="308277"/>
+          </a:xfrm>
+          <a:prstGeom prst="rect">
+            <a:avLst/>
+          </a:prstGeom>
+          <a:solidFill>
+            <a:sysClr val="window" lastClr="FFFFFF"/>
+          </a:solidFill>
+          <a:ln w="3175">
+            <a:solidFill>
+              <a:srgbClr val="000000">
+                <a:lumMod val="50000"/>
+                <a:lumOff val="50000"/>
+              </a:srgbClr>
+            </a:solidFill>
+          </a:ln>
+          <a:effectLst/>
+        </p:spPr>
+        <p:style>
+          <a:lnRef idx="2">
+            <a:srgbClr val="4F81BD">
+              <a:shade val="50000"/>
+            </a:srgbClr>
+          </a:lnRef>
+          <a:fillRef idx="1">
+            <a:srgbClr val="4F81BD"/>
+          </a:fillRef>
+          <a:effectRef idx="0">
+            <a:srgbClr val="4F81BD"/>
+          </a:effectRef>
+          <a:fontRef idx="minor">
+            <a:srgbClr val="000000"/>
+          </a:fontRef>
+        </p:style>
+        <p:txBody>
+          <a:bodyPr wrap="none" lIns="45720" tIns="18288" rIns="45720" bIns="18288" rtlCol="0" anchor="ctr">
+            <a:noAutofit/>
+          </a:bodyPr>
+          <a:lstStyle/>
+          <a:p>
+            <a:r>
+              <a:rPr lang="pt-BR" sz="1200" dirty="0">
+                <a:latin typeface="Segoe UI" pitchFamily="34" charset="0"/>
+                <a:cs typeface="Segoe UI" pitchFamily="34" charset="0"/>
+              </a:rPr>
+              <a:t>Senha</a:t>
+            </a:r>
+            <a:endParaRPr lang="pt-BR" sz="1200" dirty="0">
+              <a:solidFill>
+                <a:srgbClr val="000000"/>
+              </a:solidFill>
+              <a:latin typeface="Segoe UI" pitchFamily="34" charset="0"/>
+              <a:cs typeface="Segoe UI" pitchFamily="34" charset="0"/>
+            </a:endParaRPr>
+          </a:p>
+        </p:txBody>
+      </p:sp>
+      <p:pic>
+        <p:nvPicPr>
+          <p:cNvPr id="99" name="Imagem 98"/>
+          <p:cNvPicPr>
+            <a:picLocks noChangeAspect="1"/>
+          </p:cNvPicPr>
+          <p:nvPr/>
+        </p:nvPicPr>
+        <p:blipFill>
+          <a:blip r:embed="rId23"/>
+          <a:stretch>
+            <a:fillRect/>
+          </a:stretch>
+        </p:blipFill>
+        <p:spPr>
+          <a:xfrm>
+            <a:off x="1329810" y="1707600"/>
+            <a:ext cx="279868" cy="582634"/>
+          </a:xfrm>
+          <a:prstGeom prst="rect">
+            <a:avLst/>
+          </a:prstGeom>
+        </p:spPr>
+      </p:pic>
+      <p:sp>
+        <p:nvSpPr>
+          <p:cNvPr id="100" name="Content"/>
+          <p:cNvSpPr txBox="1"/>
+          <p:nvPr>
+            <p:custDataLst>
+              <p:custData r:id="rId10"/>
+            </p:custDataLst>
+          </p:nvPr>
+        </p:nvSpPr>
+        <p:spPr>
+          <a:xfrm>
+            <a:off x="1550895" y="1865862"/>
+            <a:ext cx="1060868" cy="323165"/>
+          </a:xfrm>
+          <a:prstGeom prst="rect">
+            <a:avLst/>
+          </a:prstGeom>
+          <a:noFill/>
+        </p:spPr>
+        <p:txBody>
+          <a:bodyPr wrap="none" lIns="91440" tIns="18288" rIns="91440" bIns="27432" rtlCol="0" anchor="ctr" anchorCtr="0">
+            <a:spAutoFit/>
+          </a:bodyPr>
+          <a:lstStyle/>
+          <a:p>
+            <a:r>
+              <a:rPr lang="pt-BR" dirty="0">
+                <a:solidFill>
+                  <a:srgbClr val="000000"/>
+                </a:solidFill>
+                <a:latin typeface="Segoe UI" pitchFamily="34" charset="0"/>
+                <a:ea typeface="Segoe UI" pitchFamily="34" charset="0"/>
+                <a:cs typeface="Segoe UI" pitchFamily="34" charset="0"/>
+              </a:rPr>
+              <a:t>UNIRON</a:t>
+            </a:r>
+          </a:p>
+        </p:txBody>
+      </p:sp>
+      <p:sp>
+        <p:nvSpPr>
+          <p:cNvPr id="101" name="Content"/>
+          <p:cNvSpPr txBox="1"/>
+          <p:nvPr>
+            <p:custDataLst>
+              <p:custData r:id="rId11"/>
+            </p:custDataLst>
+          </p:nvPr>
+        </p:nvSpPr>
+        <p:spPr>
+          <a:xfrm>
+            <a:off x="1830763" y="2230852"/>
+            <a:ext cx="1425518" cy="261610"/>
+          </a:xfrm>
+          <a:prstGeom prst="rect">
+            <a:avLst/>
+          </a:prstGeom>
+          <a:noFill/>
+        </p:spPr>
+        <p:txBody>
+          <a:bodyPr wrap="none" lIns="91440" tIns="18288" rIns="91440" bIns="27432" rtlCol="0" anchor="ctr" anchorCtr="0">
+            <a:spAutoFit/>
+          </a:bodyPr>
+          <a:lstStyle/>
+          <a:p>
+            <a:r>
+              <a:rPr lang="en-US" sz="1400" dirty="0">
+                <a:solidFill>
+                  <a:srgbClr val="000000"/>
+                </a:solidFill>
+                <a:latin typeface="Segoe UI" pitchFamily="34" charset="0"/>
+                <a:ea typeface="Segoe UI" pitchFamily="34" charset="0"/>
+                <a:cs typeface="Segoe UI" pitchFamily="34" charset="0"/>
+              </a:rPr>
+              <a:t>Portal do </a:t>
+            </a:r>
+            <a:r>
+              <a:rPr lang="pt-BR" sz="1400" dirty="0">
+                <a:solidFill>
+                  <a:srgbClr val="000000"/>
+                </a:solidFill>
+                <a:latin typeface="Segoe UI" pitchFamily="34" charset="0"/>
+                <a:ea typeface="Segoe UI" pitchFamily="34" charset="0"/>
+                <a:cs typeface="Segoe UI" pitchFamily="34" charset="0"/>
+              </a:rPr>
+              <a:t>Aluno</a:t>
+            </a:r>
+          </a:p>
+        </p:txBody>
+      </p:sp>
+      <p:sp>
+        <p:nvSpPr>
+          <p:cNvPr id="102" name="Content"/>
+          <p:cNvSpPr/>
+          <p:nvPr>
+            <p:custDataLst>
+              <p:custData r:id="rId12"/>
+            </p:custDataLst>
+          </p:nvPr>
+        </p:nvSpPr>
+        <p:spPr>
+          <a:xfrm>
+            <a:off x="1882236" y="3853314"/>
+            <a:ext cx="1106592" cy="228600"/>
+          </a:xfrm>
+          <a:prstGeom prst="roundRect">
+            <a:avLst/>
+          </a:prstGeom>
+          <a:solidFill>
+            <a:srgbClr val="FFFFFF">
+              <a:lumMod val="95000"/>
+            </a:srgbClr>
+          </a:solidFill>
+          <a:ln w="3175">
+            <a:solidFill>
+              <a:srgbClr val="000000">
+                <a:lumMod val="50000"/>
+                <a:lumOff val="50000"/>
+              </a:srgbClr>
+            </a:solidFill>
+          </a:ln>
+          <a:effectLst/>
+        </p:spPr>
+        <p:style>
+          <a:lnRef idx="2">
+            <a:srgbClr val="4F81BD">
+              <a:shade val="50000"/>
+            </a:srgbClr>
+          </a:lnRef>
+          <a:fillRef idx="1">
+            <a:srgbClr val="4F81BD"/>
+          </a:fillRef>
+          <a:effectRef idx="0">
+            <a:srgbClr val="4F81BD"/>
+          </a:effectRef>
+          <a:fontRef idx="minor">
+            <a:srgbClr val="000000"/>
+          </a:fontRef>
+        </p:style>
+        <p:txBody>
+          <a:bodyPr wrap="square" lIns="91440" tIns="0" rIns="91440" bIns="9144" rtlCol="0" anchor="ctr">
+            <a:noAutofit/>
+          </a:bodyPr>
+          <a:lstStyle/>
+          <a:p>
+            <a:pPr algn="ctr"/>
+            <a:r>
+              <a:rPr lang="pt-BR" sz="1200" dirty="0">
+                <a:solidFill>
+                  <a:srgbClr val="000000"/>
+                </a:solidFill>
+                <a:latin typeface="Segoe UI" pitchFamily="34" charset="0"/>
+                <a:cs typeface="Segoe UI" pitchFamily="34" charset="0"/>
+              </a:rPr>
+              <a:t>Acessar</a:t>
+            </a:r>
+          </a:p>
+        </p:txBody>
+      </p:sp>
+      <p:sp>
+        <p:nvSpPr>
+          <p:cNvPr id="103" name="Content"/>
+          <p:cNvSpPr/>
+          <p:nvPr>
+            <p:custDataLst>
+              <p:custData r:id="rId13"/>
+            </p:custDataLst>
+          </p:nvPr>
+        </p:nvSpPr>
+        <p:spPr>
+          <a:xfrm>
+            <a:off x="1800022" y="2743424"/>
+            <a:ext cx="1400901" cy="317072"/>
+          </a:xfrm>
+          <a:prstGeom prst="rect">
+            <a:avLst/>
+          </a:prstGeom>
+          <a:solidFill>
+            <a:sysClr val="window" lastClr="FFFFFF"/>
+          </a:solidFill>
+          <a:ln w="3175">
+            <a:solidFill>
+              <a:srgbClr val="000000">
+                <a:lumMod val="50000"/>
+                <a:lumOff val="50000"/>
+              </a:srgbClr>
+            </a:solidFill>
+          </a:ln>
+          <a:effectLst/>
+        </p:spPr>
+        <p:style>
+          <a:lnRef idx="2">
+            <a:srgbClr val="4F81BD">
+              <a:shade val="50000"/>
+            </a:srgbClr>
+          </a:lnRef>
+          <a:fillRef idx="1">
+            <a:srgbClr val="4F81BD"/>
+          </a:fillRef>
+          <a:effectRef idx="0">
+            <a:srgbClr val="4F81BD"/>
+          </a:effectRef>
+          <a:fontRef idx="minor">
+            <a:srgbClr val="000000"/>
+          </a:fontRef>
+        </p:style>
+        <p:txBody>
+          <a:bodyPr wrap="none" lIns="45720" tIns="18288" rIns="45720" bIns="18288" rtlCol="0" anchor="ctr">
+            <a:noAutofit/>
+          </a:bodyPr>
+          <a:lstStyle/>
+          <a:p>
+            <a:r>
+              <a:rPr lang="en-US" sz="1200" dirty="0">
+                <a:latin typeface="Segoe UI" pitchFamily="34" charset="0"/>
+                <a:cs typeface="Segoe UI" pitchFamily="34" charset="0"/>
+              </a:rPr>
+              <a:t>Login</a:t>
+            </a:r>
+            <a:endParaRPr lang="en-US" sz="1200" dirty="0">
+              <a:solidFill>
+                <a:srgbClr val="000000"/>
+              </a:solidFill>
+              <a:latin typeface="Segoe UI" pitchFamily="34" charset="0"/>
+              <a:cs typeface="Segoe UI" pitchFamily="34" charset="0"/>
+            </a:endParaRPr>
+          </a:p>
+        </p:txBody>
+      </p:sp>
+      <p:sp>
+        <p:nvSpPr>
+          <p:cNvPr id="104" name="Content"/>
+          <p:cNvSpPr/>
+          <p:nvPr>
+            <p:custDataLst>
+              <p:custData r:id="rId14"/>
+            </p:custDataLst>
+          </p:nvPr>
+        </p:nvSpPr>
+        <p:spPr>
+          <a:xfrm>
+            <a:off x="1813172" y="3303263"/>
+            <a:ext cx="1400901" cy="308277"/>
+          </a:xfrm>
+          <a:prstGeom prst="rect">
+            <a:avLst/>
+          </a:prstGeom>
+          <a:solidFill>
+            <a:sysClr val="window" lastClr="FFFFFF"/>
+          </a:solidFill>
+          <a:ln w="3175">
+            <a:solidFill>
+              <a:srgbClr val="000000">
+                <a:lumMod val="50000"/>
+                <a:lumOff val="50000"/>
+              </a:srgbClr>
+            </a:solidFill>
+          </a:ln>
+          <a:effectLst/>
+        </p:spPr>
+        <p:style>
+          <a:lnRef idx="2">
+            <a:srgbClr val="4F81BD">
+              <a:shade val="50000"/>
+            </a:srgbClr>
+          </a:lnRef>
+          <a:fillRef idx="1">
+            <a:srgbClr val="4F81BD"/>
+          </a:fillRef>
+          <a:effectRef idx="0">
+            <a:srgbClr val="4F81BD"/>
+          </a:effectRef>
+          <a:fontRef idx="minor">
+            <a:srgbClr val="000000"/>
+          </a:fontRef>
+        </p:style>
+        <p:txBody>
+          <a:bodyPr wrap="none" lIns="45720" tIns="18288" rIns="45720" bIns="18288" rtlCol="0" anchor="ctr">
+            <a:noAutofit/>
+          </a:bodyPr>
+          <a:lstStyle/>
+          <a:p>
+            <a:r>
+              <a:rPr lang="pt-BR" sz="1200" dirty="0">
+                <a:latin typeface="Segoe UI" pitchFamily="34" charset="0"/>
+                <a:cs typeface="Segoe UI" pitchFamily="34" charset="0"/>
+              </a:rPr>
+              <a:t>Senha</a:t>
+            </a:r>
+            <a:endParaRPr lang="pt-BR" sz="1200" dirty="0">
+              <a:solidFill>
+                <a:srgbClr val="000000"/>
+              </a:solidFill>
+              <a:latin typeface="Segoe UI" pitchFamily="34" charset="0"/>
+              <a:cs typeface="Segoe UI" pitchFamily="34" charset="0"/>
+            </a:endParaRPr>
+          </a:p>
+        </p:txBody>
+      </p:sp>
+    </p:spTree>
+    <p:extLst>
+      <p:ext uri="{BB962C8B-B14F-4D97-AF65-F5344CB8AC3E}">
+        <p14:creationId xmlns:p14="http://schemas.microsoft.com/office/powerpoint/2010/main" val="2210870395"/>
+      </p:ext>
+    </p:extLst>
+  </p:cSld>
+  <p:clrMapOvr>
+    <a:masterClrMapping/>
+  </p:clrMapOvr>
+</p:sld>
+</file>
+
 <file path=ppt/theme/theme1.xml><?xml version="1.0" encoding="utf-8"?>
 <a:theme xmlns:a="http://schemas.openxmlformats.org/drawingml/2006/main" name="Tema do Office">
   <a:themeElements>
@@ -4816,13 +11033,13 @@
 
 <file path=customXml/item10.xml><?xml version="1.0" encoding="utf-8"?>
 <Control xmlns="http://schemas.microsoft.com/VisualStudio/2011/storyboarding/control">
-  <Id Name="System.Storyboarding.Backgrounds.WebBrowser" Revision="1" Stencil="System.Storyboarding.Backgrounds" StencilVersion="0.1"/>
+  <Id Name="System.Storyboarding.Common.TextInput" Revision="1" Stencil="System.Storyboarding.Common" StencilVersion="0.1"/>
 </Control>
 </file>
 
 <file path=customXml/item11.xml><?xml version="1.0" encoding="utf-8"?>
 <Control xmlns="http://schemas.microsoft.com/VisualStudio/2011/storyboarding/control">
-  <Id Name="System.Storyboarding.Backgrounds.WebBrowser" Revision="1" Stencil="System.Storyboarding.Backgrounds" StencilVersion="0.1"/>
+  <Id Name="System.Storyboarding.Common.Text" Revision="1" Stencil="System.Storyboarding.Common" StencilVersion="0.1"/>
 </Control>
 </file>
 
@@ -4840,7 +11057,7 @@
 
 <file path=customXml/item14.xml><?xml version="1.0" encoding="utf-8"?>
 <Control xmlns="http://schemas.microsoft.com/VisualStudio/2011/storyboarding/control">
-  <Id Name="System.Storyboarding.Backgrounds.WebBrowser" Revision="1" Stencil="System.Storyboarding.Backgrounds" StencilVersion="0.1"/>
+  <Id Name="System.Storyboarding.Common.TextInput" Revision="1" Stencil="System.Storyboarding.Common" StencilVersion="0.1"/>
 </Control>
 </file>
 
@@ -4852,7 +11069,7 @@
 
 <file path=customXml/item16.xml><?xml version="1.0" encoding="utf-8"?>
 <Control xmlns="http://schemas.microsoft.com/VisualStudio/2011/storyboarding/control">
-  <Id Name="System.Storyboarding.Backgrounds.WebBrowser" Revision="1" Stencil="System.Storyboarding.Backgrounds" StencilVersion="0.1"/>
+  <Id Name="System.Storyboarding.Common.TextInput" Revision="1" Stencil="System.Storyboarding.Common" StencilVersion="0.1"/>
 </Control>
 </file>
 
@@ -4864,37 +11081,175 @@
 
 <file path=customXml/item18.xml><?xml version="1.0" encoding="utf-8"?>
 <Control xmlns="http://schemas.microsoft.com/VisualStudio/2011/storyboarding/control">
-  <Id Name="System.Storyboarding.Backgrounds.WebBrowser" Revision="1" Stencil="System.Storyboarding.Backgrounds" StencilVersion="0.1"/>
+  <Id Name="System.Storyboarding.Common.TextInput" Revision="1" Stencil="System.Storyboarding.Common" StencilVersion="0.1"/>
+</Control>
+</file>
+
+<file path=customXml/item19.xml><?xml version="1.0" encoding="utf-8"?>
+<Control xmlns="http://schemas.microsoft.com/VisualStudio/2011/storyboarding/control">
+  <Id Name="System.Storyboarding.Common.Text" Revision="1" Stencil="System.Storyboarding.Common" StencilVersion="0.1"/>
 </Control>
 </file>
 
 <file path=customXml/item2.xml><?xml version="1.0" encoding="utf-8"?>
 <Control xmlns="http://schemas.microsoft.com/VisualStudio/2011/storyboarding/control">
+  <Id Name="System.Storyboarding.Common.Text" Revision="1" Stencil="System.Storyboarding.Common" StencilVersion="0.1"/>
+</Control>
+</file>
+
+<file path=customXml/item20.xml><?xml version="1.0" encoding="utf-8"?>
+<Control xmlns="http://schemas.microsoft.com/VisualStudio/2011/storyboarding/control">
+  <Id Name="System.Storyboarding.Backgrounds.WebBrowser" Revision="1" Stencil="System.Storyboarding.Backgrounds" StencilVersion="0.1"/>
+</Control>
+</file>
+
+<file path=customXml/item21.xml><?xml version="1.0" encoding="utf-8"?>
+<Control xmlns="http://schemas.microsoft.com/VisualStudio/2011/storyboarding/control">
+  <Id Name="System.Storyboarding.Common.Button" Revision="1" Stencil="System.Storyboarding.Common" StencilVersion="0.1"/>
+</Control>
+</file>
+
+<file path=customXml/item22.xml><?xml version="1.0" encoding="utf-8"?>
+<Control xmlns="http://schemas.microsoft.com/VisualStudio/2011/storyboarding/control">
+  <Id Name="System.Storyboarding.Common.Text" Revision="1" Stencil="System.Storyboarding.Common" StencilVersion="0.1"/>
+</Control>
+</file>
+
+<file path=customXml/item23.xml><?xml version="1.0" encoding="utf-8"?>
+<Control xmlns="http://schemas.microsoft.com/VisualStudio/2011/storyboarding/control">
+  <Id Name="System.Storyboarding.Common.Button" Revision="1" Stencil="System.Storyboarding.Common" StencilVersion="0.1"/>
+</Control>
+</file>
+
+<file path=customXml/item24.xml><?xml version="1.0" encoding="utf-8"?>
+<Control xmlns="http://schemas.microsoft.com/VisualStudio/2011/storyboarding/control">
+  <Id Name="System.Storyboarding.Backgrounds.WebBrowser" Revision="1" Stencil="System.Storyboarding.Backgrounds" StencilVersion="0.1"/>
+</Control>
+</file>
+
+<file path=customXml/item25.xml><?xml version="1.0" encoding="utf-8"?>
+<Control xmlns="http://schemas.microsoft.com/VisualStudio/2011/storyboarding/control">
+  <Id Name="System.Storyboarding.Common.Text" Revision="1" Stencil="System.Storyboarding.Common" StencilVersion="0.1"/>
+</Control>
+</file>
+
+<file path=customXml/item26.xml><?xml version="1.0" encoding="utf-8"?>
+<Control xmlns="http://schemas.microsoft.com/VisualStudio/2011/storyboarding/control">
   <Id Name="System.Storyboarding.Common.TextInput" Revision="1" Stencil="System.Storyboarding.Common" StencilVersion="0.1"/>
+</Control>
+</file>
+
+<file path=customXml/item27.xml><?xml version="1.0" encoding="utf-8"?>
+<Control xmlns="http://schemas.microsoft.com/VisualStudio/2011/storyboarding/control">
+  <Id Name="System.Storyboarding.Common.Text" Revision="1" Stencil="System.Storyboarding.Common" StencilVersion="0.1"/>
+</Control>
+</file>
+
+<file path=customXml/item28.xml><?xml version="1.0" encoding="utf-8"?>
+<Control xmlns="http://schemas.microsoft.com/VisualStudio/2011/storyboarding/control">
+  <Id Name="System.Storyboarding.Backgrounds.WebBrowser" Revision="1" Stencil="System.Storyboarding.Backgrounds" StencilVersion="0.1"/>
+</Control>
+</file>
+
+<file path=customXml/item29.xml><?xml version="1.0" encoding="utf-8"?>
+<Control xmlns="http://schemas.microsoft.com/VisualStudio/2011/storyboarding/control">
+  <Id Name="System.Storyboarding.Backgrounds.WebBrowser" Revision="1" Stencil="System.Storyboarding.Backgrounds" StencilVersion="0.1"/>
 </Control>
 </file>
 
 <file path=customXml/item3.xml><?xml version="1.0" encoding="utf-8"?>
 <Control xmlns="http://schemas.microsoft.com/VisualStudio/2011/storyboarding/control">
-  <Id Name="System.Storyboarding.Common.TextInput" Revision="1" Stencil="System.Storyboarding.Common" StencilVersion="0.1"/>
+  <Id Name="System.Storyboarding.Backgrounds.WebBrowser" Revision="1" Stencil="System.Storyboarding.Backgrounds" StencilVersion="0.1"/>
+</Control>
+</file>
+
+<file path=customXml/item30.xml><?xml version="1.0" encoding="utf-8"?>
+<Control xmlns="http://schemas.microsoft.com/VisualStudio/2011/storyboarding/control">
+  <Id Name="System.Storyboarding.Backgrounds.WebBrowser" Revision="1" Stencil="System.Storyboarding.Backgrounds" StencilVersion="0.1"/>
+</Control>
+</file>
+
+<file path=customXml/item31.xml><?xml version="1.0" encoding="utf-8"?>
+<Control xmlns="http://schemas.microsoft.com/VisualStudio/2011/storyboarding/control">
+  <Id Name="System.Storyboarding.Common.Button" Revision="1" Stencil="System.Storyboarding.Common" StencilVersion="0.1"/>
+</Control>
+</file>
+
+<file path=customXml/item32.xml><?xml version="1.0" encoding="utf-8"?>
+<Control xmlns="http://schemas.microsoft.com/VisualStudio/2011/storyboarding/control">
+  <Id Name="System.Storyboarding.Backgrounds.WebBrowser" Revision="1" Stencil="System.Storyboarding.Backgrounds" StencilVersion="0.1"/>
+</Control>
+</file>
+
+<file path=customXml/item33.xml><?xml version="1.0" encoding="utf-8"?>
+<Control xmlns="http://schemas.microsoft.com/VisualStudio/2011/storyboarding/control">
+  <Id Name="System.Storyboarding.Backgrounds.WindowsPhoneLandscape" Revision="1" Stencil="System.Storyboarding.Backgrounds" StencilVersion="0.1"/>
+</Control>
+</file>
+
+<file path=customXml/item34.xml><?xml version="1.0" encoding="utf-8"?>
+<Control xmlns="http://schemas.microsoft.com/VisualStudio/2011/storyboarding/control">
+  <Id Name="System.Storyboarding.Common.Text" Revision="1" Stencil="System.Storyboarding.Common" StencilVersion="0.1"/>
+</Control>
+</file>
+
+<file path=customXml/item35.xml><?xml version="1.0" encoding="utf-8"?>
+<Control xmlns="http://schemas.microsoft.com/VisualStudio/2011/storyboarding/control">
+  <Id Name="System.Storyboarding.Icons.User" Revision="1" Stencil="System.Storyboarding.Icons" StencilVersion="0.1"/>
+</Control>
+</file>
+
+<file path=customXml/item36.xml><?xml version="1.0" encoding="utf-8"?>
+<Control xmlns="http://schemas.microsoft.com/VisualStudio/2011/storyboarding/control">
+  <Id Name="System.Storyboarding.Common.Text" Revision="1" Stencil="System.Storyboarding.Common" StencilVersion="0.1"/>
+</Control>
+</file>
+
+<file path=customXml/item37.xml><?xml version="1.0" encoding="utf-8"?>
+<Control xmlns="http://schemas.microsoft.com/VisualStudio/2011/storyboarding/control">
+  <Id Name="System.Storyboarding.Common.Text" Revision="1" Stencil="System.Storyboarding.Common" StencilVersion="0.1"/>
+</Control>
+</file>
+
+<file path=customXml/item38.xml><?xml version="1.0" encoding="utf-8"?>
+<Control xmlns="http://schemas.microsoft.com/VisualStudio/2011/storyboarding/control">
+  <Id Name="System.Storyboarding.Common.Text" Revision="1" Stencil="System.Storyboarding.Common" StencilVersion="0.1"/>
+</Control>
+</file>
+
+<file path=customXml/item39.xml><?xml version="1.0" encoding="utf-8"?>
+<Control xmlns="http://schemas.microsoft.com/VisualStudio/2011/storyboarding/control">
+  <Id Name="System.Storyboarding.Common.Text" Revision="1" Stencil="System.Storyboarding.Common" StencilVersion="0.1"/>
 </Control>
 </file>
 
 <file path=customXml/item4.xml><?xml version="1.0" encoding="utf-8"?>
 <Control xmlns="http://schemas.microsoft.com/VisualStudio/2011/storyboarding/control">
-  <Id Name="System.Storyboarding.Common.Button" Revision="1" Stencil="System.Storyboarding.Common" StencilVersion="0.1"/>
+  <Id Name="System.Storyboarding.Common.Text" Revision="1" Stencil="System.Storyboarding.Common" StencilVersion="0.1"/>
+</Control>
+</file>
+
+<file path=customXml/item40.xml><?xml version="1.0" encoding="utf-8"?>
+<Control xmlns="http://schemas.microsoft.com/VisualStudio/2011/storyboarding/control">
+  <Id Name="System.Storyboarding.Common.Text" Revision="1" Stencil="System.Storyboarding.Common" StencilVersion="0.1"/>
+</Control>
+</file>
+
+<file path=customXml/item41.xml><?xml version="1.0" encoding="utf-8"?>
+<Control xmlns="http://schemas.microsoft.com/VisualStudio/2011/storyboarding/control">
+  <Id Name="System.Storyboarding.Common.Text" Revision="1" Stencil="System.Storyboarding.Common" StencilVersion="0.1"/>
 </Control>
 </file>
 
 <file path=customXml/item5.xml><?xml version="1.0" encoding="utf-8"?>
 <Control xmlns="http://schemas.microsoft.com/VisualStudio/2011/storyboarding/control">
-  <Id Name="System.Storyboarding.Common.Text" Revision="1" Stencil="System.Storyboarding.Common" StencilVersion="0.1"/>
+  <Id Name="System.Storyboarding.Common.TextInput" Revision="1" Stencil="System.Storyboarding.Common" StencilVersion="0.1"/>
 </Control>
 </file>
 
 <file path=customXml/item6.xml><?xml version="1.0" encoding="utf-8"?>
 <Control xmlns="http://schemas.microsoft.com/VisualStudio/2011/storyboarding/control">
-  <Id Name="System.Storyboarding.Common.Text" Revision="1" Stencil="System.Storyboarding.Common" StencilVersion="0.1"/>
+  <Id Name="System.Storyboarding.Backgrounds.WebBrowser" Revision="1" Stencil="System.Storyboarding.Backgrounds" StencilVersion="0.1"/>
 </Control>
 </file>
 
@@ -4906,7 +11261,7 @@
 
 <file path=customXml/item8.xml><?xml version="1.0" encoding="utf-8"?>
 <Control xmlns="http://schemas.microsoft.com/VisualStudio/2011/storyboarding/control">
-  <Id Name="System.Storyboarding.Common.Text" Revision="1" Stencil="System.Storyboarding.Common" StencilVersion="0.1"/>
+  <Id Name="System.Storyboarding.Backgrounds.WindowsPhone" Revision="1" Stencil="System.Storyboarding.Backgrounds" StencilVersion="0.1"/>
 </Control>
 </file>
 
@@ -4917,6 +11272,206 @@
 </file>
 
 <file path=customXml/itemProps1.xml><?xml version="1.0" encoding="utf-8"?>
+<ds:datastoreItem xmlns:ds="http://schemas.openxmlformats.org/officeDocument/2006/customXml" ds:itemID="{BA892619-0C76-46BF-A1E5-E409DF05C4C5}">
+  <ds:schemaRefs>
+    <ds:schemaRef ds:uri="http://schemas.microsoft.com/VisualStudio/2011/storyboarding/control"/>
+  </ds:schemaRefs>
+</ds:datastoreItem>
+</file>
+
+<file path=customXml/itemProps10.xml><?xml version="1.0" encoding="utf-8"?>
+<ds:datastoreItem xmlns:ds="http://schemas.openxmlformats.org/officeDocument/2006/customXml" ds:itemID="{21B35B14-483B-4E76-AAEC-4BB3303C976B}">
+  <ds:schemaRefs>
+    <ds:schemaRef ds:uri="http://schemas.microsoft.com/VisualStudio/2011/storyboarding/control"/>
+  </ds:schemaRefs>
+</ds:datastoreItem>
+</file>
+
+<file path=customXml/itemProps11.xml><?xml version="1.0" encoding="utf-8"?>
+<ds:datastoreItem xmlns:ds="http://schemas.openxmlformats.org/officeDocument/2006/customXml" ds:itemID="{99CE0A09-15EE-4467-B74F-F200B8785290}">
+  <ds:schemaRefs>
+    <ds:schemaRef ds:uri="http://schemas.microsoft.com/VisualStudio/2011/storyboarding/control"/>
+  </ds:schemaRefs>
+</ds:datastoreItem>
+</file>
+
+<file path=customXml/itemProps12.xml><?xml version="1.0" encoding="utf-8"?>
+<ds:datastoreItem xmlns:ds="http://schemas.openxmlformats.org/officeDocument/2006/customXml" ds:itemID="{83197DEB-3330-47B2-AAEF-913A4A605B50}">
+  <ds:schemaRefs>
+    <ds:schemaRef ds:uri="http://schemas.microsoft.com/VisualStudio/2011/storyboarding/control"/>
+  </ds:schemaRefs>
+</ds:datastoreItem>
+</file>
+
+<file path=customXml/itemProps13.xml><?xml version="1.0" encoding="utf-8"?>
+<ds:datastoreItem xmlns:ds="http://schemas.openxmlformats.org/officeDocument/2006/customXml" ds:itemID="{D00F8AC5-EF27-4A9B-A91C-AE690D7BB764}">
+  <ds:schemaRefs>
+    <ds:schemaRef ds:uri="http://schemas.microsoft.com/VisualStudio/2011/storyboarding/control"/>
+  </ds:schemaRefs>
+</ds:datastoreItem>
+</file>
+
+<file path=customXml/itemProps14.xml><?xml version="1.0" encoding="utf-8"?>
+<ds:datastoreItem xmlns:ds="http://schemas.openxmlformats.org/officeDocument/2006/customXml" ds:itemID="{CB32F49F-076A-40EB-9F8E-BE7E4BAE59FC}">
+  <ds:schemaRefs>
+    <ds:schemaRef ds:uri="http://schemas.microsoft.com/VisualStudio/2011/storyboarding/control"/>
+  </ds:schemaRefs>
+</ds:datastoreItem>
+</file>
+
+<file path=customXml/itemProps15.xml><?xml version="1.0" encoding="utf-8"?>
+<ds:datastoreItem xmlns:ds="http://schemas.openxmlformats.org/officeDocument/2006/customXml" ds:itemID="{2AC127BD-FC4D-4BF5-A50B-50CEE625CC83}">
+  <ds:schemaRefs>
+    <ds:schemaRef ds:uri="http://schemas.microsoft.com/VisualStudio/2011/storyboarding/control"/>
+  </ds:schemaRefs>
+</ds:datastoreItem>
+</file>
+
+<file path=customXml/itemProps16.xml><?xml version="1.0" encoding="utf-8"?>
+<ds:datastoreItem xmlns:ds="http://schemas.openxmlformats.org/officeDocument/2006/customXml" ds:itemID="{986B96FE-18A9-49B5-A777-8363FE00896C}">
+  <ds:schemaRefs>
+    <ds:schemaRef ds:uri="http://schemas.microsoft.com/VisualStudio/2011/storyboarding/control"/>
+  </ds:schemaRefs>
+</ds:datastoreItem>
+</file>
+
+<file path=customXml/itemProps17.xml><?xml version="1.0" encoding="utf-8"?>
+<ds:datastoreItem xmlns:ds="http://schemas.openxmlformats.org/officeDocument/2006/customXml" ds:itemID="{A2684E2E-53E5-4026-B555-4EC24CA631FD}">
+  <ds:schemaRefs>
+    <ds:schemaRef ds:uri="http://schemas.microsoft.com/VisualStudio/2011/storyboarding/control"/>
+  </ds:schemaRefs>
+</ds:datastoreItem>
+</file>
+
+<file path=customXml/itemProps18.xml><?xml version="1.0" encoding="utf-8"?>
+<ds:datastoreItem xmlns:ds="http://schemas.openxmlformats.org/officeDocument/2006/customXml" ds:itemID="{51813988-371F-4558-AD72-031874772D90}">
+  <ds:schemaRefs>
+    <ds:schemaRef ds:uri="http://schemas.microsoft.com/VisualStudio/2011/storyboarding/control"/>
+  </ds:schemaRefs>
+</ds:datastoreItem>
+</file>
+
+<file path=customXml/itemProps19.xml><?xml version="1.0" encoding="utf-8"?>
+<ds:datastoreItem xmlns:ds="http://schemas.openxmlformats.org/officeDocument/2006/customXml" ds:itemID="{C2504A3A-27C7-4086-A1D3-270B0D361FAE}">
+  <ds:schemaRefs>
+    <ds:schemaRef ds:uri="http://schemas.microsoft.com/VisualStudio/2011/storyboarding/control"/>
+  </ds:schemaRefs>
+</ds:datastoreItem>
+</file>
+
+<file path=customXml/itemProps2.xml><?xml version="1.0" encoding="utf-8"?>
+<ds:datastoreItem xmlns:ds="http://schemas.openxmlformats.org/officeDocument/2006/customXml" ds:itemID="{67CF3844-0CC4-4FA0-ACDF-BF763B8E0F78}">
+  <ds:schemaRefs>
+    <ds:schemaRef ds:uri="http://schemas.microsoft.com/VisualStudio/2011/storyboarding/control"/>
+  </ds:schemaRefs>
+</ds:datastoreItem>
+</file>
+
+<file path=customXml/itemProps20.xml><?xml version="1.0" encoding="utf-8"?>
+<ds:datastoreItem xmlns:ds="http://schemas.openxmlformats.org/officeDocument/2006/customXml" ds:itemID="{D5275AD7-2249-4A8F-B1FE-589D43E34F89}">
+  <ds:schemaRefs>
+    <ds:schemaRef ds:uri="http://schemas.microsoft.com/VisualStudio/2011/storyboarding/control"/>
+  </ds:schemaRefs>
+</ds:datastoreItem>
+</file>
+
+<file path=customXml/itemProps21.xml><?xml version="1.0" encoding="utf-8"?>
+<ds:datastoreItem xmlns:ds="http://schemas.openxmlformats.org/officeDocument/2006/customXml" ds:itemID="{178F558B-944C-4D3E-8BC7-37CF64AF3827}">
+  <ds:schemaRefs>
+    <ds:schemaRef ds:uri="http://schemas.microsoft.com/VisualStudio/2011/storyboarding/control"/>
+  </ds:schemaRefs>
+</ds:datastoreItem>
+</file>
+
+<file path=customXml/itemProps22.xml><?xml version="1.0" encoding="utf-8"?>
+<ds:datastoreItem xmlns:ds="http://schemas.openxmlformats.org/officeDocument/2006/customXml" ds:itemID="{8517BDEE-C78A-467C-908C-749FEE10693B}">
+  <ds:schemaRefs>
+    <ds:schemaRef ds:uri="http://schemas.microsoft.com/VisualStudio/2011/storyboarding/control"/>
+  </ds:schemaRefs>
+</ds:datastoreItem>
+</file>
+
+<file path=customXml/itemProps23.xml><?xml version="1.0" encoding="utf-8"?>
+<ds:datastoreItem xmlns:ds="http://schemas.openxmlformats.org/officeDocument/2006/customXml" ds:itemID="{E728FC32-ED93-427B-B9DE-6916B1306E12}">
+  <ds:schemaRefs>
+    <ds:schemaRef ds:uri="http://schemas.microsoft.com/VisualStudio/2011/storyboarding/control"/>
+  </ds:schemaRefs>
+</ds:datastoreItem>
+</file>
+
+<file path=customXml/itemProps24.xml><?xml version="1.0" encoding="utf-8"?>
+<ds:datastoreItem xmlns:ds="http://schemas.openxmlformats.org/officeDocument/2006/customXml" ds:itemID="{33F1231F-0306-4431-B9A3-C4103AB3FAD4}">
+  <ds:schemaRefs>
+    <ds:schemaRef ds:uri="http://schemas.microsoft.com/VisualStudio/2011/storyboarding/control"/>
+  </ds:schemaRefs>
+</ds:datastoreItem>
+</file>
+
+<file path=customXml/itemProps25.xml><?xml version="1.0" encoding="utf-8"?>
+<ds:datastoreItem xmlns:ds="http://schemas.openxmlformats.org/officeDocument/2006/customXml" ds:itemID="{6B70A699-757D-44F4-9864-4A570AC44872}">
+  <ds:schemaRefs>
+    <ds:schemaRef ds:uri="http://schemas.microsoft.com/VisualStudio/2011/storyboarding/control"/>
+  </ds:schemaRefs>
+</ds:datastoreItem>
+</file>
+
+<file path=customXml/itemProps26.xml><?xml version="1.0" encoding="utf-8"?>
+<ds:datastoreItem xmlns:ds="http://schemas.openxmlformats.org/officeDocument/2006/customXml" ds:itemID="{C497CC49-5F10-4726-8D1E-12787F46C45D}">
+  <ds:schemaRefs>
+    <ds:schemaRef ds:uri="http://schemas.microsoft.com/VisualStudio/2011/storyboarding/control"/>
+  </ds:schemaRefs>
+</ds:datastoreItem>
+</file>
+
+<file path=customXml/itemProps27.xml><?xml version="1.0" encoding="utf-8"?>
+<ds:datastoreItem xmlns:ds="http://schemas.openxmlformats.org/officeDocument/2006/customXml" ds:itemID="{A6B2C5C4-9808-4527-AA60-BBEECDB27678}">
+  <ds:schemaRefs>
+    <ds:schemaRef ds:uri="http://schemas.microsoft.com/VisualStudio/2011/storyboarding/control"/>
+  </ds:schemaRefs>
+</ds:datastoreItem>
+</file>
+
+<file path=customXml/itemProps28.xml><?xml version="1.0" encoding="utf-8"?>
+<ds:datastoreItem xmlns:ds="http://schemas.openxmlformats.org/officeDocument/2006/customXml" ds:itemID="{136156A8-E1CA-4F3D-82AA-BE652C9F64F2}">
+  <ds:schemaRefs>
+    <ds:schemaRef ds:uri="http://schemas.microsoft.com/VisualStudio/2011/storyboarding/control"/>
+  </ds:schemaRefs>
+</ds:datastoreItem>
+</file>
+
+<file path=customXml/itemProps29.xml><?xml version="1.0" encoding="utf-8"?>
+<ds:datastoreItem xmlns:ds="http://schemas.openxmlformats.org/officeDocument/2006/customXml" ds:itemID="{D9833B6F-3137-4DD4-9271-F02E3222DF3E}">
+  <ds:schemaRefs>
+    <ds:schemaRef ds:uri="http://schemas.microsoft.com/VisualStudio/2011/storyboarding/control"/>
+  </ds:schemaRefs>
+</ds:datastoreItem>
+</file>
+
+<file path=customXml/itemProps3.xml><?xml version="1.0" encoding="utf-8"?>
+<ds:datastoreItem xmlns:ds="http://schemas.openxmlformats.org/officeDocument/2006/customXml" ds:itemID="{3268A3EF-D6CA-49B5-A04C-91B4AA53FFB2}">
+  <ds:schemaRefs>
+    <ds:schemaRef ds:uri="http://schemas.microsoft.com/VisualStudio/2011/storyboarding/control"/>
+  </ds:schemaRefs>
+</ds:datastoreItem>
+</file>
+
+<file path=customXml/itemProps30.xml><?xml version="1.0" encoding="utf-8"?>
+<ds:datastoreItem xmlns:ds="http://schemas.openxmlformats.org/officeDocument/2006/customXml" ds:itemID="{6054DAC1-D987-43B9-93D9-57F739300240}">
+  <ds:schemaRefs>
+    <ds:schemaRef ds:uri="http://schemas.microsoft.com/VisualStudio/2011/storyboarding/control"/>
+  </ds:schemaRefs>
+</ds:datastoreItem>
+</file>
+
+<file path=customXml/itemProps31.xml><?xml version="1.0" encoding="utf-8"?>
+<ds:datastoreItem xmlns:ds="http://schemas.openxmlformats.org/officeDocument/2006/customXml" ds:itemID="{C8E74E62-AB25-4C59-BE0D-F220CD8CFE7E}">
+  <ds:schemaRefs>
+    <ds:schemaRef ds:uri="http://schemas.microsoft.com/VisualStudio/2011/storyboarding/control"/>
+  </ds:schemaRefs>
+</ds:datastoreItem>
+</file>
+
+<file path=customXml/itemProps32.xml><?xml version="1.0" encoding="utf-8"?>
 <ds:datastoreItem xmlns:ds="http://schemas.openxmlformats.org/officeDocument/2006/customXml" ds:itemID="{487173A5-A9D2-4BCA-990A-1965DC6A52B3}">
   <ds:schemaRefs>
     <ds:schemaRef ds:uri="http://schemas.microsoft.com/VisualStudio/2011/storyboarding/control"/>
@@ -4924,88 +11479,56 @@
 </ds:datastoreItem>
 </file>
 
-<file path=customXml/itemProps10.xml><?xml version="1.0" encoding="utf-8"?>
-<ds:datastoreItem xmlns:ds="http://schemas.openxmlformats.org/officeDocument/2006/customXml" ds:itemID="{136156A8-E1CA-4F3D-82AA-BE652C9F64F2}">
+<file path=customXml/itemProps33.xml><?xml version="1.0" encoding="utf-8"?>
+<ds:datastoreItem xmlns:ds="http://schemas.openxmlformats.org/officeDocument/2006/customXml" ds:itemID="{92AEB5D9-C09C-4C16-AC2C-EAF95389FAED}">
   <ds:schemaRefs>
     <ds:schemaRef ds:uri="http://schemas.microsoft.com/VisualStudio/2011/storyboarding/control"/>
   </ds:schemaRefs>
 </ds:datastoreItem>
 </file>
 
-<file path=customXml/itemProps11.xml><?xml version="1.0" encoding="utf-8"?>
-<ds:datastoreItem xmlns:ds="http://schemas.openxmlformats.org/officeDocument/2006/customXml" ds:itemID="{2AC127BD-FC4D-4BF5-A50B-50CEE625CC83}">
+<file path=customXml/itemProps34.xml><?xml version="1.0" encoding="utf-8"?>
+<ds:datastoreItem xmlns:ds="http://schemas.openxmlformats.org/officeDocument/2006/customXml" ds:itemID="{CAEA2DC9-8CBF-493B-A219-676DC86EE2A9}">
   <ds:schemaRefs>
     <ds:schemaRef ds:uri="http://schemas.microsoft.com/VisualStudio/2011/storyboarding/control"/>
   </ds:schemaRefs>
 </ds:datastoreItem>
 </file>
 
-<file path=customXml/itemProps12.xml><?xml version="1.0" encoding="utf-8"?>
-<ds:datastoreItem xmlns:ds="http://schemas.openxmlformats.org/officeDocument/2006/customXml" ds:itemID="{3268A3EF-D6CA-49B5-A04C-91B4AA53FFB2}">
+<file path=customXml/itemProps35.xml><?xml version="1.0" encoding="utf-8"?>
+<ds:datastoreItem xmlns:ds="http://schemas.openxmlformats.org/officeDocument/2006/customXml" ds:itemID="{423687A7-6E3F-4DD5-9CC3-FE2A2B207FBD}">
   <ds:schemaRefs>
     <ds:schemaRef ds:uri="http://schemas.microsoft.com/VisualStudio/2011/storyboarding/control"/>
   </ds:schemaRefs>
 </ds:datastoreItem>
 </file>
 
-<file path=customXml/itemProps13.xml><?xml version="1.0" encoding="utf-8"?>
-<ds:datastoreItem xmlns:ds="http://schemas.openxmlformats.org/officeDocument/2006/customXml" ds:itemID="{D9833B6F-3137-4DD4-9271-F02E3222DF3E}">
+<file path=customXml/itemProps36.xml><?xml version="1.0" encoding="utf-8"?>
+<ds:datastoreItem xmlns:ds="http://schemas.openxmlformats.org/officeDocument/2006/customXml" ds:itemID="{AB54C1FC-FEDD-4C34-956D-D26CC62F50F0}">
   <ds:schemaRefs>
     <ds:schemaRef ds:uri="http://schemas.microsoft.com/VisualStudio/2011/storyboarding/control"/>
   </ds:schemaRefs>
 </ds:datastoreItem>
 </file>
 
-<file path=customXml/itemProps14.xml><?xml version="1.0" encoding="utf-8"?>
-<ds:datastoreItem xmlns:ds="http://schemas.openxmlformats.org/officeDocument/2006/customXml" ds:itemID="{83197DEB-3330-47B2-AAEF-913A4A605B50}">
+<file path=customXml/itemProps37.xml><?xml version="1.0" encoding="utf-8"?>
+<ds:datastoreItem xmlns:ds="http://schemas.openxmlformats.org/officeDocument/2006/customXml" ds:itemID="{2B4A03D5-4470-4553-86AB-6401919B7EC4}">
   <ds:schemaRefs>
     <ds:schemaRef ds:uri="http://schemas.microsoft.com/VisualStudio/2011/storyboarding/control"/>
   </ds:schemaRefs>
 </ds:datastoreItem>
 </file>
 
-<file path=customXml/itemProps15.xml><?xml version="1.0" encoding="utf-8"?>
-<ds:datastoreItem xmlns:ds="http://schemas.openxmlformats.org/officeDocument/2006/customXml" ds:itemID="{BA892619-0C76-46BF-A1E5-E409DF05C4C5}">
+<file path=customXml/itemProps38.xml><?xml version="1.0" encoding="utf-8"?>
+<ds:datastoreItem xmlns:ds="http://schemas.openxmlformats.org/officeDocument/2006/customXml" ds:itemID="{ECD89AED-453D-4F9D-8FAF-94400C51181B}">
   <ds:schemaRefs>
     <ds:schemaRef ds:uri="http://schemas.microsoft.com/VisualStudio/2011/storyboarding/control"/>
   </ds:schemaRefs>
 </ds:datastoreItem>
 </file>
 
-<file path=customXml/itemProps16.xml><?xml version="1.0" encoding="utf-8"?>
-<ds:datastoreItem xmlns:ds="http://schemas.openxmlformats.org/officeDocument/2006/customXml" ds:itemID="{4791953E-C724-42FE-B90C-06F5F247AC0B}">
-  <ds:schemaRefs>
-    <ds:schemaRef ds:uri="http://schemas.microsoft.com/VisualStudio/2011/storyboarding/control"/>
-  </ds:schemaRefs>
-</ds:datastoreItem>
-</file>
-
-<file path=customXml/itemProps17.xml><?xml version="1.0" encoding="utf-8"?>
-<ds:datastoreItem xmlns:ds="http://schemas.openxmlformats.org/officeDocument/2006/customXml" ds:itemID="{6054DAC1-D987-43B9-93D9-57F739300240}">
-  <ds:schemaRefs>
-    <ds:schemaRef ds:uri="http://schemas.microsoft.com/VisualStudio/2011/storyboarding/control"/>
-  </ds:schemaRefs>
-</ds:datastoreItem>
-</file>
-
-<file path=customXml/itemProps18.xml><?xml version="1.0" encoding="utf-8"?>
-<ds:datastoreItem xmlns:ds="http://schemas.openxmlformats.org/officeDocument/2006/customXml" ds:itemID="{33F1231F-0306-4431-B9A3-C4103AB3FAD4}">
-  <ds:schemaRefs>
-    <ds:schemaRef ds:uri="http://schemas.microsoft.com/VisualStudio/2011/storyboarding/control"/>
-  </ds:schemaRefs>
-</ds:datastoreItem>
-</file>
-
-<file path=customXml/itemProps2.xml><?xml version="1.0" encoding="utf-8"?>
-<ds:datastoreItem xmlns:ds="http://schemas.openxmlformats.org/officeDocument/2006/customXml" ds:itemID="{21B35B14-483B-4E76-AAEC-4BB3303C976B}">
-  <ds:schemaRefs>
-    <ds:schemaRef ds:uri="http://schemas.microsoft.com/VisualStudio/2011/storyboarding/control"/>
-  </ds:schemaRefs>
-</ds:datastoreItem>
-</file>
-
-<file path=customXml/itemProps3.xml><?xml version="1.0" encoding="utf-8"?>
-<ds:datastoreItem xmlns:ds="http://schemas.openxmlformats.org/officeDocument/2006/customXml" ds:itemID="{986B96FE-18A9-49B5-A777-8363FE00896C}">
+<file path=customXml/itemProps39.xml><?xml version="1.0" encoding="utf-8"?>
+<ds:datastoreItem xmlns:ds="http://schemas.openxmlformats.org/officeDocument/2006/customXml" ds:itemID="{3F764F7C-36D1-4912-8EE3-C8B3BF60AC67}">
   <ds:schemaRefs>
     <ds:schemaRef ds:uri="http://schemas.microsoft.com/VisualStudio/2011/storyboarding/control"/>
   </ds:schemaRefs>
@@ -5013,7 +11536,23 @@
 </file>
 
 <file path=customXml/itemProps4.xml><?xml version="1.0" encoding="utf-8"?>
-<ds:datastoreItem xmlns:ds="http://schemas.openxmlformats.org/officeDocument/2006/customXml" ds:itemID="{E728FC32-ED93-427B-B9DE-6916B1306E12}">
+<ds:datastoreItem xmlns:ds="http://schemas.openxmlformats.org/officeDocument/2006/customXml" ds:itemID="{7438C02F-1FDC-41DC-A6F8-93C6F64BE611}">
+  <ds:schemaRefs>
+    <ds:schemaRef ds:uri="http://schemas.microsoft.com/VisualStudio/2011/storyboarding/control"/>
+  </ds:schemaRefs>
+</ds:datastoreItem>
+</file>
+
+<file path=customXml/itemProps40.xml><?xml version="1.0" encoding="utf-8"?>
+<ds:datastoreItem xmlns:ds="http://schemas.openxmlformats.org/officeDocument/2006/customXml" ds:itemID="{E1DB7C28-9C55-4A48-9215-0DEFB448D534}">
+  <ds:schemaRefs>
+    <ds:schemaRef ds:uri="http://schemas.microsoft.com/VisualStudio/2011/storyboarding/control"/>
+  </ds:schemaRefs>
+</ds:datastoreItem>
+</file>
+
+<file path=customXml/itemProps41.xml><?xml version="1.0" encoding="utf-8"?>
+<ds:datastoreItem xmlns:ds="http://schemas.openxmlformats.org/officeDocument/2006/customXml" ds:itemID="{FA5AB97C-9636-4D8B-AF93-AF3526549720}">
   <ds:schemaRefs>
     <ds:schemaRef ds:uri="http://schemas.microsoft.com/VisualStudio/2011/storyboarding/control"/>
   </ds:schemaRefs>
@@ -5021,7 +11560,7 @@
 </file>
 
 <file path=customXml/itemProps5.xml><?xml version="1.0" encoding="utf-8"?>
-<ds:datastoreItem xmlns:ds="http://schemas.openxmlformats.org/officeDocument/2006/customXml" ds:itemID="{99CE0A09-15EE-4467-B74F-F200B8785290}">
+<ds:datastoreItem xmlns:ds="http://schemas.openxmlformats.org/officeDocument/2006/customXml" ds:itemID="{7FF320C6-52DF-4CDE-B8DF-7DAD5BDF98B0}">
   <ds:schemaRefs>
     <ds:schemaRef ds:uri="http://schemas.microsoft.com/VisualStudio/2011/storyboarding/control"/>
   </ds:schemaRefs>
@@ -5029,7 +11568,7 @@
 </file>
 
 <file path=customXml/itemProps6.xml><?xml version="1.0" encoding="utf-8"?>
-<ds:datastoreItem xmlns:ds="http://schemas.openxmlformats.org/officeDocument/2006/customXml" ds:itemID="{8517BDEE-C78A-467C-908C-749FEE10693B}">
+<ds:datastoreItem xmlns:ds="http://schemas.openxmlformats.org/officeDocument/2006/customXml" ds:itemID="{4791953E-C724-42FE-B90C-06F5F247AC0B}">
   <ds:schemaRefs>
     <ds:schemaRef ds:uri="http://schemas.microsoft.com/VisualStudio/2011/storyboarding/control"/>
   </ds:schemaRefs>
@@ -5045,7 +11584,7 @@
 </file>
 
 <file path=customXml/itemProps8.xml><?xml version="1.0" encoding="utf-8"?>
-<ds:datastoreItem xmlns:ds="http://schemas.openxmlformats.org/officeDocument/2006/customXml" ds:itemID="{67CF3844-0CC4-4FA0-ACDF-BF763B8E0F78}">
+<ds:datastoreItem xmlns:ds="http://schemas.openxmlformats.org/officeDocument/2006/customXml" ds:itemID="{630F5366-1F32-4414-AB41-55974A04D14B}">
   <ds:schemaRefs>
     <ds:schemaRef ds:uri="http://schemas.microsoft.com/VisualStudio/2011/storyboarding/control"/>
   </ds:schemaRefs>
@@ -5053,7 +11592,7 @@
 </file>
 
 <file path=customXml/itemProps9.xml><?xml version="1.0" encoding="utf-8"?>
-<ds:datastoreItem xmlns:ds="http://schemas.openxmlformats.org/officeDocument/2006/customXml" ds:itemID="{C2504A3A-27C7-4086-A1D3-270B0D361FAE}">
+<ds:datastoreItem xmlns:ds="http://schemas.openxmlformats.org/officeDocument/2006/customXml" ds:itemID="{136014BA-D270-416C-8946-B41E38CA0C08}">
   <ds:schemaRefs>
     <ds:schemaRef ds:uri="http://schemas.microsoft.com/VisualStudio/2011/storyboarding/control"/>
   </ds:schemaRefs>

--- a/StoryBoards/StoryBoard_RF3_AcessoAAcervo_BuscaRapida.pptx
+++ b/StoryBoards/StoryBoard_RF3_AcessoAAcervo_BuscaRapida.pptx
@@ -2,12 +2,12 @@
 <file path=ppt/presentation.xml><?xml version="1.0" encoding="utf-8"?>
 <p:presentation xmlns:a="http://schemas.openxmlformats.org/drawingml/2006/main" xmlns:r="http://schemas.openxmlformats.org/officeDocument/2006/relationships" xmlns:p="http://schemas.openxmlformats.org/presentationml/2006/main" saveSubsetFonts="1">
   <p:sldMasterIdLst>
-    <p:sldMasterId id="2147483648" r:id="rId42"/>
+    <p:sldMasterId id="2147483648" r:id="rId44"/>
   </p:sldMasterIdLst>
   <p:sldIdLst>
-    <p:sldId id="256" r:id="rId43"/>
-    <p:sldId id="257" r:id="rId44"/>
-    <p:sldId id="258" r:id="rId45"/>
+    <p:sldId id="256" r:id="rId45"/>
+    <p:sldId id="257" r:id="rId46"/>
+    <p:sldId id="258" r:id="rId47"/>
   </p:sldIdLst>
   <p:sldSz cx="12192000" cy="6858000"/>
   <p:notesSz cx="6858000" cy="9144000"/>
@@ -247,7 +247,7 @@
           <a:p>
             <a:fld id="{716BBFDE-2C07-41DE-BC66-7742B12803DA}" type="datetimeFigureOut">
               <a:rPr lang="pt-BR" smtClean="0"/>
-              <a:t>13/05/2017</a:t>
+              <a:t>14/05/2017</a:t>
             </a:fld>
             <a:endParaRPr lang="pt-BR"/>
           </a:p>
@@ -415,7 +415,7 @@
           <a:p>
             <a:fld id="{716BBFDE-2C07-41DE-BC66-7742B12803DA}" type="datetimeFigureOut">
               <a:rPr lang="pt-BR" smtClean="0"/>
-              <a:t>13/05/2017</a:t>
+              <a:t>14/05/2017</a:t>
             </a:fld>
             <a:endParaRPr lang="pt-BR"/>
           </a:p>
@@ -593,7 +593,7 @@
           <a:p>
             <a:fld id="{716BBFDE-2C07-41DE-BC66-7742B12803DA}" type="datetimeFigureOut">
               <a:rPr lang="pt-BR" smtClean="0"/>
-              <a:t>13/05/2017</a:t>
+              <a:t>14/05/2017</a:t>
             </a:fld>
             <a:endParaRPr lang="pt-BR"/>
           </a:p>
@@ -761,7 +761,7 @@
           <a:p>
             <a:fld id="{716BBFDE-2C07-41DE-BC66-7742B12803DA}" type="datetimeFigureOut">
               <a:rPr lang="pt-BR" smtClean="0"/>
-              <a:t>13/05/2017</a:t>
+              <a:t>14/05/2017</a:t>
             </a:fld>
             <a:endParaRPr lang="pt-BR"/>
           </a:p>
@@ -1006,7 +1006,7 @@
           <a:p>
             <a:fld id="{716BBFDE-2C07-41DE-BC66-7742B12803DA}" type="datetimeFigureOut">
               <a:rPr lang="pt-BR" smtClean="0"/>
-              <a:t>13/05/2017</a:t>
+              <a:t>14/05/2017</a:t>
             </a:fld>
             <a:endParaRPr lang="pt-BR"/>
           </a:p>
@@ -1235,7 +1235,7 @@
           <a:p>
             <a:fld id="{716BBFDE-2C07-41DE-BC66-7742B12803DA}" type="datetimeFigureOut">
               <a:rPr lang="pt-BR" smtClean="0"/>
-              <a:t>13/05/2017</a:t>
+              <a:t>14/05/2017</a:t>
             </a:fld>
             <a:endParaRPr lang="pt-BR"/>
           </a:p>
@@ -1599,7 +1599,7 @@
           <a:p>
             <a:fld id="{716BBFDE-2C07-41DE-BC66-7742B12803DA}" type="datetimeFigureOut">
               <a:rPr lang="pt-BR" smtClean="0"/>
-              <a:t>13/05/2017</a:t>
+              <a:t>14/05/2017</a:t>
             </a:fld>
             <a:endParaRPr lang="pt-BR"/>
           </a:p>
@@ -1716,7 +1716,7 @@
           <a:p>
             <a:fld id="{716BBFDE-2C07-41DE-BC66-7742B12803DA}" type="datetimeFigureOut">
               <a:rPr lang="pt-BR" smtClean="0"/>
-              <a:t>13/05/2017</a:t>
+              <a:t>14/05/2017</a:t>
             </a:fld>
             <a:endParaRPr lang="pt-BR"/>
           </a:p>
@@ -1811,7 +1811,7 @@
           <a:p>
             <a:fld id="{716BBFDE-2C07-41DE-BC66-7742B12803DA}" type="datetimeFigureOut">
               <a:rPr lang="pt-BR" smtClean="0"/>
-              <a:t>13/05/2017</a:t>
+              <a:t>14/05/2017</a:t>
             </a:fld>
             <a:endParaRPr lang="pt-BR"/>
           </a:p>
@@ -2086,7 +2086,7 @@
           <a:p>
             <a:fld id="{716BBFDE-2C07-41DE-BC66-7742B12803DA}" type="datetimeFigureOut">
               <a:rPr lang="pt-BR" smtClean="0"/>
-              <a:t>13/05/2017</a:t>
+              <a:t>14/05/2017</a:t>
             </a:fld>
             <a:endParaRPr lang="pt-BR"/>
           </a:p>
@@ -2338,7 +2338,7 @@
           <a:p>
             <a:fld id="{716BBFDE-2C07-41DE-BC66-7742B12803DA}" type="datetimeFigureOut">
               <a:rPr lang="pt-BR" smtClean="0"/>
-              <a:t>13/05/2017</a:t>
+              <a:t>14/05/2017</a:t>
             </a:fld>
             <a:endParaRPr lang="pt-BR"/>
           </a:p>
@@ -2549,7 +2549,7 @@
           <a:p>
             <a:fld id="{716BBFDE-2C07-41DE-BC66-7742B12803DA}" type="datetimeFigureOut">
               <a:rPr lang="pt-BR" smtClean="0"/>
-              <a:t>13/05/2017</a:t>
+              <a:t>14/05/2017</a:t>
             </a:fld>
             <a:endParaRPr lang="pt-BR"/>
           </a:p>
@@ -7146,7 +7146,7 @@
             <p:nvPr/>
           </p:nvPicPr>
           <p:blipFill>
-            <a:blip r:embed="rId16">
+            <a:blip r:embed="rId18">
               <a:lum bright="70000" contrast="-70000"/>
               <a:extLst>
                 <a:ext uri="{28A0092B-C50C-407E-A947-70E740481C1C}">
@@ -7793,7 +7793,7 @@
             <p:nvPr/>
           </p:nvPicPr>
           <p:blipFill>
-            <a:blip r:embed="rId16">
+            <a:blip r:embed="rId18">
               <a:lum bright="70000" contrast="-70000"/>
               <a:extLst>
                 <a:ext uri="{28A0092B-C50C-407E-A947-70E740481C1C}">
@@ -8491,7 +8491,7 @@
               <p:nvPr/>
             </p:nvPicPr>
             <p:blipFill>
-              <a:blip r:embed="rId17" cstate="print">
+              <a:blip r:embed="rId19" cstate="print">
                 <a:extLst>
                   <a:ext uri="{28A0092B-C50C-407E-A947-70E740481C1C}">
                     <a14:useLocalDpi xmlns:a14="http://schemas.microsoft.com/office/drawing/2010/main" val="0"/>
@@ -8532,7 +8532,7 @@
               <p:nvPr/>
             </p:nvPicPr>
             <p:blipFill rotWithShape="1">
-              <a:blip r:embed="rId18" cstate="print">
+              <a:blip r:embed="rId20" cstate="print">
                 <a:extLst>
                   <a:ext uri="{28A0092B-C50C-407E-A947-70E740481C1C}">
                     <a14:useLocalDpi xmlns:a14="http://schemas.microsoft.com/office/drawing/2010/main" val="0"/>
@@ -8571,7 +8571,7 @@
               <p:nvPr/>
             </p:nvPicPr>
             <p:blipFill>
-              <a:blip r:embed="rId19" cstate="print">
+              <a:blip r:embed="rId21" cstate="print">
                 <a:extLst>
                   <a:ext uri="{28A0092B-C50C-407E-A947-70E740481C1C}">
                     <a14:useLocalDpi xmlns:a14="http://schemas.microsoft.com/office/drawing/2010/main" val="0"/>
@@ -8685,7 +8685,7 @@
                 <p:nvPr/>
               </p:nvPicPr>
               <p:blipFill>
-                <a:blip r:embed="rId20" cstate="print">
+                <a:blip r:embed="rId22" cstate="print">
                   <a:extLst>
                     <a:ext uri="{28A0092B-C50C-407E-A947-70E740481C1C}">
                       <a14:useLocalDpi xmlns:a14="http://schemas.microsoft.com/office/drawing/2010/main" val="0"/>
@@ -8726,7 +8726,7 @@
                 <p:nvPr/>
               </p:nvPicPr>
               <p:blipFill>
-                <a:blip r:embed="rId21" cstate="print">
+                <a:blip r:embed="rId23" cstate="print">
                   <a:extLst>
                     <a:ext uri="{28A0092B-C50C-407E-A947-70E740481C1C}">
                       <a14:useLocalDpi xmlns:a14="http://schemas.microsoft.com/office/drawing/2010/main" val="0"/>
@@ -8767,7 +8767,7 @@
                 <p:nvPr/>
               </p:nvPicPr>
               <p:blipFill>
-                <a:blip r:embed="rId22" cstate="print">
+                <a:blip r:embed="rId24" cstate="print">
                   <a:extLst>
                     <a:ext uri="{28A0092B-C50C-407E-A947-70E740481C1C}">
                       <a14:useLocalDpi xmlns:a14="http://schemas.microsoft.com/office/drawing/2010/main" val="0"/>
@@ -8957,7 +8957,7 @@
           <p:nvPr/>
         </p:nvPicPr>
         <p:blipFill>
-          <a:blip r:embed="rId23"/>
+          <a:blip r:embed="rId25"/>
           <a:stretch>
             <a:fillRect/>
           </a:stretch>
@@ -9676,7 +9676,7 @@
               <p:nvPr/>
             </p:nvPicPr>
             <p:blipFill>
-              <a:blip r:embed="rId17" cstate="print">
+              <a:blip r:embed="rId19" cstate="print">
                 <a:extLst>
                   <a:ext uri="{28A0092B-C50C-407E-A947-70E740481C1C}">
                     <a14:useLocalDpi xmlns:a14="http://schemas.microsoft.com/office/drawing/2010/main" val="0"/>
@@ -9717,7 +9717,7 @@
               <p:nvPr/>
             </p:nvPicPr>
             <p:blipFill rotWithShape="1">
-              <a:blip r:embed="rId18" cstate="print">
+              <a:blip r:embed="rId20" cstate="print">
                 <a:extLst>
                   <a:ext uri="{28A0092B-C50C-407E-A947-70E740481C1C}">
                     <a14:useLocalDpi xmlns:a14="http://schemas.microsoft.com/office/drawing/2010/main" val="0"/>
@@ -9756,7 +9756,7 @@
               <p:nvPr/>
             </p:nvPicPr>
             <p:blipFill>
-              <a:blip r:embed="rId19" cstate="print">
+              <a:blip r:embed="rId21" cstate="print">
                 <a:extLst>
                   <a:ext uri="{28A0092B-C50C-407E-A947-70E740481C1C}">
                     <a14:useLocalDpi xmlns:a14="http://schemas.microsoft.com/office/drawing/2010/main" val="0"/>
@@ -9870,7 +9870,7 @@
                 <p:nvPr/>
               </p:nvPicPr>
               <p:blipFill>
-                <a:blip r:embed="rId20" cstate="print">
+                <a:blip r:embed="rId22" cstate="print">
                   <a:extLst>
                     <a:ext uri="{28A0092B-C50C-407E-A947-70E740481C1C}">
                       <a14:useLocalDpi xmlns:a14="http://schemas.microsoft.com/office/drawing/2010/main" val="0"/>
@@ -9911,7 +9911,7 @@
                 <p:nvPr/>
               </p:nvPicPr>
               <p:blipFill>
-                <a:blip r:embed="rId21" cstate="print">
+                <a:blip r:embed="rId23" cstate="print">
                   <a:extLst>
                     <a:ext uri="{28A0092B-C50C-407E-A947-70E740481C1C}">
                       <a14:useLocalDpi xmlns:a14="http://schemas.microsoft.com/office/drawing/2010/main" val="0"/>
@@ -9952,7 +9952,7 @@
                 <p:nvPr/>
               </p:nvPicPr>
               <p:blipFill>
-                <a:blip r:embed="rId22" cstate="print">
+                <a:blip r:embed="rId24" cstate="print">
                   <a:extLst>
                     <a:ext uri="{28A0092B-C50C-407E-A947-70E740481C1C}">
                       <a14:useLocalDpi xmlns:a14="http://schemas.microsoft.com/office/drawing/2010/main" val="0"/>
@@ -10084,8 +10084,8 @@
         </p:nvSpPr>
         <p:spPr>
           <a:xfrm>
-            <a:off x="1083144" y="1517919"/>
-            <a:ext cx="2837845" cy="3572342"/>
+            <a:off x="1134215" y="1799731"/>
+            <a:ext cx="2695217" cy="2906717"/>
           </a:xfrm>
           <a:prstGeom prst="roundRect">
             <a:avLst/>
@@ -10335,7 +10335,7 @@
         </p:nvSpPr>
         <p:spPr>
           <a:xfrm>
-            <a:off x="7322250" y="3943683"/>
+            <a:off x="7309100" y="3841215"/>
             <a:ext cx="1400901" cy="308277"/>
           </a:xfrm>
           <a:prstGeom prst="rect">
@@ -10402,14 +10402,14 @@
           <p:nvPr/>
         </p:nvPicPr>
         <p:blipFill>
-          <a:blip r:embed="rId23"/>
+          <a:blip r:embed="rId25"/>
           <a:stretch>
             <a:fillRect/>
           </a:stretch>
         </p:blipFill>
         <p:spPr>
           <a:xfrm>
-            <a:off x="1329810" y="1707600"/>
+            <a:off x="1304790" y="1989412"/>
             <a:ext cx="279868" cy="582634"/>
           </a:xfrm>
           <a:prstGeom prst="rect">
@@ -10429,7 +10429,7 @@
         </p:nvSpPr>
         <p:spPr>
           <a:xfrm>
-            <a:off x="1550895" y="1865862"/>
+            <a:off x="1525875" y="2147674"/>
             <a:ext cx="1060868" cy="323165"/>
           </a:xfrm>
           <a:prstGeom prst="rect">
@@ -10469,7 +10469,7 @@
         </p:nvSpPr>
         <p:spPr>
           <a:xfrm>
-            <a:off x="1830763" y="2230852"/>
+            <a:off x="1798583" y="2576522"/>
             <a:ext cx="1425518" cy="261610"/>
           </a:xfrm>
           <a:prstGeom prst="rect">
@@ -10520,7 +10520,7 @@
         </p:nvSpPr>
         <p:spPr>
           <a:xfrm>
-            <a:off x="1882236" y="3853314"/>
+            <a:off x="1857216" y="4135126"/>
             <a:ext cx="1106592" cy="228600"/>
           </a:xfrm>
           <a:prstGeom prst="roundRect">
@@ -10589,7 +10589,7 @@
         </p:nvSpPr>
         <p:spPr>
           <a:xfrm>
-            <a:off x="1800022" y="2743424"/>
+            <a:off x="1775002" y="3025236"/>
             <a:ext cx="1400901" cy="317072"/>
           </a:xfrm>
           <a:prstGeom prst="rect">
@@ -10659,7 +10659,7 @@
         </p:nvSpPr>
         <p:spPr>
           <a:xfrm>
-            <a:off x="1813172" y="3303263"/>
+            <a:off x="1775002" y="3483180"/>
             <a:ext cx="1400901" cy="308277"/>
           </a:xfrm>
           <a:prstGeom prst="rect">
@@ -10714,6 +10714,86 @@
               <a:latin typeface="Segoe UI" pitchFamily="34" charset="0"/>
               <a:cs typeface="Segoe UI" pitchFamily="34" charset="0"/>
             </a:endParaRPr>
+          </a:p>
+        </p:txBody>
+      </p:sp>
+      <p:sp>
+        <p:nvSpPr>
+          <p:cNvPr id="105" name="Content"/>
+          <p:cNvSpPr txBox="1"/>
+          <p:nvPr>
+            <p:custDataLst>
+              <p:custData r:id="rId15"/>
+            </p:custDataLst>
+          </p:nvPr>
+        </p:nvSpPr>
+        <p:spPr>
+          <a:xfrm>
+            <a:off x="7226903" y="4154748"/>
+            <a:ext cx="1483098" cy="215444"/>
+          </a:xfrm>
+          <a:prstGeom prst="rect">
+            <a:avLst/>
+          </a:prstGeom>
+          <a:noFill/>
+        </p:spPr>
+        <p:txBody>
+          <a:bodyPr wrap="none" lIns="91440" tIns="18288" rIns="91440" bIns="27432" rtlCol="0" anchor="ctr" anchorCtr="0">
+            <a:spAutoFit/>
+          </a:bodyPr>
+          <a:lstStyle/>
+          <a:p>
+            <a:r>
+              <a:rPr lang="pt-BR" sz="1100" dirty="0">
+                <a:solidFill>
+                  <a:srgbClr val="0070C0"/>
+                </a:solidFill>
+                <a:latin typeface="Segoe UI" pitchFamily="34" charset="0"/>
+                <a:ea typeface="Segoe UI" pitchFamily="34" charset="0"/>
+                <a:cs typeface="Segoe UI" pitchFamily="34" charset="0"/>
+              </a:rPr>
+              <a:t>Esqueci minha senha</a:t>
+            </a:r>
+          </a:p>
+        </p:txBody>
+      </p:sp>
+      <p:sp>
+        <p:nvSpPr>
+          <p:cNvPr id="106" name="Content"/>
+          <p:cNvSpPr txBox="1"/>
+          <p:nvPr>
+            <p:custDataLst>
+              <p:custData r:id="rId16"/>
+            </p:custDataLst>
+          </p:nvPr>
+        </p:nvSpPr>
+        <p:spPr>
+          <a:xfrm>
+            <a:off x="1710789" y="3776864"/>
+            <a:ext cx="1483098" cy="215444"/>
+          </a:xfrm>
+          <a:prstGeom prst="rect">
+            <a:avLst/>
+          </a:prstGeom>
+          <a:noFill/>
+        </p:spPr>
+        <p:txBody>
+          <a:bodyPr wrap="none" lIns="91440" tIns="18288" rIns="91440" bIns="27432" rtlCol="0" anchor="ctr" anchorCtr="0">
+            <a:spAutoFit/>
+          </a:bodyPr>
+          <a:lstStyle/>
+          <a:p>
+            <a:r>
+              <a:rPr lang="pt-BR" sz="1100" dirty="0">
+                <a:solidFill>
+                  <a:srgbClr val="0070C0"/>
+                </a:solidFill>
+                <a:latin typeface="Segoe UI" pitchFamily="34" charset="0"/>
+                <a:ea typeface="Segoe UI" pitchFamily="34" charset="0"/>
+                <a:cs typeface="Segoe UI" pitchFamily="34" charset="0"/>
+              </a:rPr>
+              <a:t>Esqueci minha senha</a:t>
+            </a:r>
           </a:p>
         </p:txBody>
       </p:sp>
@@ -11027,13 +11107,13 @@
 
 <file path=customXml/item1.xml><?xml version="1.0" encoding="utf-8"?>
 <Control xmlns="http://schemas.microsoft.com/VisualStudio/2011/storyboarding/control">
-  <Id Name="System.Storyboarding.Backgrounds.WebBrowser" Revision="1" Stencil="System.Storyboarding.Backgrounds" StencilVersion="0.1"/>
+  <Id Name="System.Storyboarding.Common.Text" Revision="1" Stencil="System.Storyboarding.Common" StencilVersion="0.1"/>
 </Control>
 </file>
 
 <file path=customXml/item10.xml><?xml version="1.0" encoding="utf-8"?>
 <Control xmlns="http://schemas.microsoft.com/VisualStudio/2011/storyboarding/control">
-  <Id Name="System.Storyboarding.Common.TextInput" Revision="1" Stencil="System.Storyboarding.Common" StencilVersion="0.1"/>
+  <Id Name="System.Storyboarding.Backgrounds.WebBrowser" Revision="1" Stencil="System.Storyboarding.Backgrounds" StencilVersion="0.1"/>
 </Control>
 </file>
 
@@ -11057,7 +11137,7 @@
 
 <file path=customXml/item14.xml><?xml version="1.0" encoding="utf-8"?>
 <Control xmlns="http://schemas.microsoft.com/VisualStudio/2011/storyboarding/control">
-  <Id Name="System.Storyboarding.Common.TextInput" Revision="1" Stencil="System.Storyboarding.Common" StencilVersion="0.1"/>
+  <Id Name="System.Storyboarding.Common.Text" Revision="1" Stencil="System.Storyboarding.Common" StencilVersion="0.1"/>
 </Control>
 </file>
 
@@ -11069,31 +11149,31 @@
 
 <file path=customXml/item16.xml><?xml version="1.0" encoding="utf-8"?>
 <Control xmlns="http://schemas.microsoft.com/VisualStudio/2011/storyboarding/control">
-  <Id Name="System.Storyboarding.Common.TextInput" Revision="1" Stencil="System.Storyboarding.Common" StencilVersion="0.1"/>
+  <Id Name="System.Storyboarding.Backgrounds.WebBrowser" Revision="1" Stencil="System.Storyboarding.Backgrounds" StencilVersion="0.1"/>
 </Control>
 </file>
 
 <file path=customXml/item17.xml><?xml version="1.0" encoding="utf-8"?>
 <Control xmlns="http://schemas.microsoft.com/VisualStudio/2011/storyboarding/control">
-  <Id Name="System.Storyboarding.Backgrounds.WebBrowser" Revision="1" Stencil="System.Storyboarding.Backgrounds" StencilVersion="0.1"/>
+  <Id Name="System.Storyboarding.Common.Text" Revision="1" Stencil="System.Storyboarding.Common" StencilVersion="0.1"/>
 </Control>
 </file>
 
 <file path=customXml/item18.xml><?xml version="1.0" encoding="utf-8"?>
 <Control xmlns="http://schemas.microsoft.com/VisualStudio/2011/storyboarding/control">
-  <Id Name="System.Storyboarding.Common.TextInput" Revision="1" Stencil="System.Storyboarding.Common" StencilVersion="0.1"/>
+  <Id Name="System.Storyboarding.Common.Text" Revision="1" Stencil="System.Storyboarding.Common" StencilVersion="0.1"/>
 </Control>
 </file>
 
 <file path=customXml/item19.xml><?xml version="1.0" encoding="utf-8"?>
 <Control xmlns="http://schemas.microsoft.com/VisualStudio/2011/storyboarding/control">
-  <Id Name="System.Storyboarding.Common.Text" Revision="1" Stencil="System.Storyboarding.Common" StencilVersion="0.1"/>
+  <Id Name="System.Storyboarding.Common.TextInput" Revision="1" Stencil="System.Storyboarding.Common" StencilVersion="0.1"/>
 </Control>
 </file>
 
 <file path=customXml/item2.xml><?xml version="1.0" encoding="utf-8"?>
 <Control xmlns="http://schemas.microsoft.com/VisualStudio/2011/storyboarding/control">
-  <Id Name="System.Storyboarding.Common.Text" Revision="1" Stencil="System.Storyboarding.Common" StencilVersion="0.1"/>
+  <Id Name="System.Storyboarding.Backgrounds.WebBrowser" Revision="1" Stencil="System.Storyboarding.Backgrounds" StencilVersion="0.1"/>
 </Control>
 </file>
 
@@ -11111,19 +11191,19 @@
 
 <file path=customXml/item22.xml><?xml version="1.0" encoding="utf-8"?>
 <Control xmlns="http://schemas.microsoft.com/VisualStudio/2011/storyboarding/control">
-  <Id Name="System.Storyboarding.Common.Text" Revision="1" Stencil="System.Storyboarding.Common" StencilVersion="0.1"/>
+  <Id Name="System.Storyboarding.Backgrounds.WebBrowser" Revision="1" Stencil="System.Storyboarding.Backgrounds" StencilVersion="0.1"/>
 </Control>
 </file>
 
 <file path=customXml/item23.xml><?xml version="1.0" encoding="utf-8"?>
 <Control xmlns="http://schemas.microsoft.com/VisualStudio/2011/storyboarding/control">
-  <Id Name="System.Storyboarding.Common.Button" Revision="1" Stencil="System.Storyboarding.Common" StencilVersion="0.1"/>
+  <Id Name="System.Storyboarding.Common.Text" Revision="1" Stencil="System.Storyboarding.Common" StencilVersion="0.1"/>
 </Control>
 </file>
 
 <file path=customXml/item24.xml><?xml version="1.0" encoding="utf-8"?>
 <Control xmlns="http://schemas.microsoft.com/VisualStudio/2011/storyboarding/control">
-  <Id Name="System.Storyboarding.Backgrounds.WebBrowser" Revision="1" Stencil="System.Storyboarding.Backgrounds" StencilVersion="0.1"/>
+  <Id Name="System.Storyboarding.Common.TextInput" Revision="1" Stencil="System.Storyboarding.Common" StencilVersion="0.1"/>
 </Control>
 </file>
 
@@ -11135,7 +11215,7 @@
 
 <file path=customXml/item26.xml><?xml version="1.0" encoding="utf-8"?>
 <Control xmlns="http://schemas.microsoft.com/VisualStudio/2011/storyboarding/control">
-  <Id Name="System.Storyboarding.Common.TextInput" Revision="1" Stencil="System.Storyboarding.Common" StencilVersion="0.1"/>
+  <Id Name="System.Storyboarding.Common.Button" Revision="1" Stencil="System.Storyboarding.Common" StencilVersion="0.1"/>
 </Control>
 </file>
 
@@ -11147,13 +11227,13 @@
 
 <file path=customXml/item28.xml><?xml version="1.0" encoding="utf-8"?>
 <Control xmlns="http://schemas.microsoft.com/VisualStudio/2011/storyboarding/control">
-  <Id Name="System.Storyboarding.Backgrounds.WebBrowser" Revision="1" Stencil="System.Storyboarding.Backgrounds" StencilVersion="0.1"/>
+  <Id Name="System.Storyboarding.Common.Text" Revision="1" Stencil="System.Storyboarding.Common" StencilVersion="0.1"/>
 </Control>
 </file>
 
 <file path=customXml/item29.xml><?xml version="1.0" encoding="utf-8"?>
 <Control xmlns="http://schemas.microsoft.com/VisualStudio/2011/storyboarding/control">
-  <Id Name="System.Storyboarding.Backgrounds.WebBrowser" Revision="1" Stencil="System.Storyboarding.Backgrounds" StencilVersion="0.1"/>
+  <Id Name="System.Storyboarding.Common.TextInput" Revision="1" Stencil="System.Storyboarding.Common" StencilVersion="0.1"/>
 </Control>
 </file>
 
@@ -11165,13 +11245,13 @@
 
 <file path=customXml/item30.xml><?xml version="1.0" encoding="utf-8"?>
 <Control xmlns="http://schemas.microsoft.com/VisualStudio/2011/storyboarding/control">
-  <Id Name="System.Storyboarding.Backgrounds.WebBrowser" Revision="1" Stencil="System.Storyboarding.Backgrounds" StencilVersion="0.1"/>
+  <Id Name="System.Storyboarding.Common.Text" Revision="1" Stencil="System.Storyboarding.Common" StencilVersion="0.1"/>
 </Control>
 </file>
 
 <file path=customXml/item31.xml><?xml version="1.0" encoding="utf-8"?>
 <Control xmlns="http://schemas.microsoft.com/VisualStudio/2011/storyboarding/control">
-  <Id Name="System.Storyboarding.Common.Button" Revision="1" Stencil="System.Storyboarding.Common" StencilVersion="0.1"/>
+  <Id Name="System.Storyboarding.Common.Text" Revision="1" Stencil="System.Storyboarding.Common" StencilVersion="0.1"/>
 </Control>
 </file>
 
@@ -11183,31 +11263,31 @@
 
 <file path=customXml/item33.xml><?xml version="1.0" encoding="utf-8"?>
 <Control xmlns="http://schemas.microsoft.com/VisualStudio/2011/storyboarding/control">
-  <Id Name="System.Storyboarding.Backgrounds.WindowsPhoneLandscape" Revision="1" Stencil="System.Storyboarding.Backgrounds" StencilVersion="0.1"/>
+  <Id Name="System.Storyboarding.Icons.User" Revision="1" Stencil="System.Storyboarding.Icons" StencilVersion="0.1"/>
 </Control>
 </file>
 
 <file path=customXml/item34.xml><?xml version="1.0" encoding="utf-8"?>
 <Control xmlns="http://schemas.microsoft.com/VisualStudio/2011/storyboarding/control">
-  <Id Name="System.Storyboarding.Common.Text" Revision="1" Stencil="System.Storyboarding.Common" StencilVersion="0.1"/>
+  <Id Name="System.Storyboarding.Backgrounds.WindowsPhone" Revision="1" Stencil="System.Storyboarding.Backgrounds" StencilVersion="0.1"/>
 </Control>
 </file>
 
 <file path=customXml/item35.xml><?xml version="1.0" encoding="utf-8"?>
 <Control xmlns="http://schemas.microsoft.com/VisualStudio/2011/storyboarding/control">
-  <Id Name="System.Storyboarding.Icons.User" Revision="1" Stencil="System.Storyboarding.Icons" StencilVersion="0.1"/>
+  <Id Name="System.Storyboarding.Backgrounds.WebBrowser" Revision="1" Stencil="System.Storyboarding.Backgrounds" StencilVersion="0.1"/>
 </Control>
 </file>
 
 <file path=customXml/item36.xml><?xml version="1.0" encoding="utf-8"?>
 <Control xmlns="http://schemas.microsoft.com/VisualStudio/2011/storyboarding/control">
-  <Id Name="System.Storyboarding.Common.Text" Revision="1" Stencil="System.Storyboarding.Common" StencilVersion="0.1"/>
+  <Id Name="System.Storyboarding.Common.TextInput" Revision="1" Stencil="System.Storyboarding.Common" StencilVersion="0.1"/>
 </Control>
 </file>
 
 <file path=customXml/item37.xml><?xml version="1.0" encoding="utf-8"?>
 <Control xmlns="http://schemas.microsoft.com/VisualStudio/2011/storyboarding/control">
-  <Id Name="System.Storyboarding.Common.Text" Revision="1" Stencil="System.Storyboarding.Common" StencilVersion="0.1"/>
+  <Id Name="System.Storyboarding.Common.TextInput" Revision="1" Stencil="System.Storyboarding.Common" StencilVersion="0.1"/>
 </Control>
 </file>
 
@@ -11219,7 +11299,7 @@
 
 <file path=customXml/item39.xml><?xml version="1.0" encoding="utf-8"?>
 <Control xmlns="http://schemas.microsoft.com/VisualStudio/2011/storyboarding/control">
-  <Id Name="System.Storyboarding.Common.Text" Revision="1" Stencil="System.Storyboarding.Common" StencilVersion="0.1"/>
+  <Id Name="System.Storyboarding.Backgrounds.WebBrowser" Revision="1" Stencil="System.Storyboarding.Backgrounds" StencilVersion="0.1"/>
 </Control>
 </file>
 
@@ -11231,7 +11311,7 @@
 
 <file path=customXml/item40.xml><?xml version="1.0" encoding="utf-8"?>
 <Control xmlns="http://schemas.microsoft.com/VisualStudio/2011/storyboarding/control">
-  <Id Name="System.Storyboarding.Common.Text" Revision="1" Stencil="System.Storyboarding.Common" StencilVersion="0.1"/>
+  <Id Name="System.Storyboarding.Common.Button" Revision="1" Stencil="System.Storyboarding.Common" StencilVersion="0.1"/>
 </Control>
 </file>
 
@@ -11241,15 +11321,27 @@
 </Control>
 </file>
 
+<file path=customXml/item42.xml><?xml version="1.0" encoding="utf-8"?>
+<Control xmlns="http://schemas.microsoft.com/VisualStudio/2011/storyboarding/control">
+  <Id Name="System.Storyboarding.Common.Text" Revision="1" Stencil="System.Storyboarding.Common" StencilVersion="0.1"/>
+</Control>
+</file>
+
+<file path=customXml/item43.xml><?xml version="1.0" encoding="utf-8"?>
+<Control xmlns="http://schemas.microsoft.com/VisualStudio/2011/storyboarding/control">
+  <Id Name="System.Storyboarding.Common.Text" Revision="1" Stencil="System.Storyboarding.Common" StencilVersion="0.1"/>
+</Control>
+</file>
+
 <file path=customXml/item5.xml><?xml version="1.0" encoding="utf-8"?>
 <Control xmlns="http://schemas.microsoft.com/VisualStudio/2011/storyboarding/control">
-  <Id Name="System.Storyboarding.Common.TextInput" Revision="1" Stencil="System.Storyboarding.Common" StencilVersion="0.1"/>
+  <Id Name="System.Storyboarding.Backgrounds.WindowsPhoneLandscape" Revision="1" Stencil="System.Storyboarding.Backgrounds" StencilVersion="0.1"/>
 </Control>
 </file>
 
 <file path=customXml/item6.xml><?xml version="1.0" encoding="utf-8"?>
 <Control xmlns="http://schemas.microsoft.com/VisualStudio/2011/storyboarding/control">
-  <Id Name="System.Storyboarding.Backgrounds.WebBrowser" Revision="1" Stencil="System.Storyboarding.Backgrounds" StencilVersion="0.1"/>
+  <Id Name="System.Storyboarding.Common.Text" Revision="1" Stencil="System.Storyboarding.Common" StencilVersion="0.1"/>
 </Control>
 </file>
 
@@ -11261,17 +11353,41 @@
 
 <file path=customXml/item8.xml><?xml version="1.0" encoding="utf-8"?>
 <Control xmlns="http://schemas.microsoft.com/VisualStudio/2011/storyboarding/control">
-  <Id Name="System.Storyboarding.Backgrounds.WindowsPhone" Revision="1" Stencil="System.Storyboarding.Backgrounds" StencilVersion="0.1"/>
+  <Id Name="System.Storyboarding.Common.TextInput" Revision="1" Stencil="System.Storyboarding.Common" StencilVersion="0.1"/>
 </Control>
 </file>
 
 <file path=customXml/item9.xml><?xml version="1.0" encoding="utf-8"?>
 <Control xmlns="http://schemas.microsoft.com/VisualStudio/2011/storyboarding/control">
-  <Id Name="System.Storyboarding.Common.Text" Revision="1" Stencil="System.Storyboarding.Common" StencilVersion="0.1"/>
+  <Id Name="System.Storyboarding.Backgrounds.WebBrowser" Revision="1" Stencil="System.Storyboarding.Backgrounds" StencilVersion="0.1"/>
 </Control>
 </file>
 
 <file path=customXml/itemProps1.xml><?xml version="1.0" encoding="utf-8"?>
+<ds:datastoreItem xmlns:ds="http://schemas.openxmlformats.org/officeDocument/2006/customXml" ds:itemID="{5B7DBCCA-82D6-4705-8E56-C44CD2412A33}">
+  <ds:schemaRefs>
+    <ds:schemaRef ds:uri="http://schemas.microsoft.com/VisualStudio/2011/storyboarding/control"/>
+  </ds:schemaRefs>
+</ds:datastoreItem>
+</file>
+
+<file path=customXml/itemProps10.xml><?xml version="1.0" encoding="utf-8"?>
+<ds:datastoreItem xmlns:ds="http://schemas.openxmlformats.org/officeDocument/2006/customXml" ds:itemID="{D9833B6F-3137-4DD4-9271-F02E3222DF3E}">
+  <ds:schemaRefs>
+    <ds:schemaRef ds:uri="http://schemas.microsoft.com/VisualStudio/2011/storyboarding/control"/>
+  </ds:schemaRefs>
+</ds:datastoreItem>
+</file>
+
+<file path=customXml/itemProps11.xml><?xml version="1.0" encoding="utf-8"?>
+<ds:datastoreItem xmlns:ds="http://schemas.openxmlformats.org/officeDocument/2006/customXml" ds:itemID="{FA5AB97C-9636-4D8B-AF93-AF3526549720}">
+  <ds:schemaRefs>
+    <ds:schemaRef ds:uri="http://schemas.microsoft.com/VisualStudio/2011/storyboarding/control"/>
+  </ds:schemaRefs>
+</ds:datastoreItem>
+</file>
+
+<file path=customXml/itemProps12.xml><?xml version="1.0" encoding="utf-8"?>
 <ds:datastoreItem xmlns:ds="http://schemas.openxmlformats.org/officeDocument/2006/customXml" ds:itemID="{BA892619-0C76-46BF-A1E5-E409DF05C4C5}">
   <ds:schemaRefs>
     <ds:schemaRef ds:uri="http://schemas.microsoft.com/VisualStudio/2011/storyboarding/control"/>
@@ -11279,7 +11395,103 @@
 </ds:datastoreItem>
 </file>
 
-<file path=customXml/itemProps10.xml><?xml version="1.0" encoding="utf-8"?>
+<file path=customXml/itemProps13.xml><?xml version="1.0" encoding="utf-8"?>
+<ds:datastoreItem xmlns:ds="http://schemas.openxmlformats.org/officeDocument/2006/customXml" ds:itemID="{4791953E-C724-42FE-B90C-06F5F247AC0B}">
+  <ds:schemaRefs>
+    <ds:schemaRef ds:uri="http://schemas.microsoft.com/VisualStudio/2011/storyboarding/control"/>
+  </ds:schemaRefs>
+</ds:datastoreItem>
+</file>
+
+<file path=customXml/itemProps14.xml><?xml version="1.0" encoding="utf-8"?>
+<ds:datastoreItem xmlns:ds="http://schemas.openxmlformats.org/officeDocument/2006/customXml" ds:itemID="{99CE0A09-15EE-4467-B74F-F200B8785290}">
+  <ds:schemaRefs>
+    <ds:schemaRef ds:uri="http://schemas.microsoft.com/VisualStudio/2011/storyboarding/control"/>
+  </ds:schemaRefs>
+</ds:datastoreItem>
+</file>
+
+<file path=customXml/itemProps15.xml><?xml version="1.0" encoding="utf-8"?>
+<ds:datastoreItem xmlns:ds="http://schemas.openxmlformats.org/officeDocument/2006/customXml" ds:itemID="{33F1231F-0306-4431-B9A3-C4103AB3FAD4}">
+  <ds:schemaRefs>
+    <ds:schemaRef ds:uri="http://schemas.microsoft.com/VisualStudio/2011/storyboarding/control"/>
+  </ds:schemaRefs>
+</ds:datastoreItem>
+</file>
+
+<file path=customXml/itemProps16.xml><?xml version="1.0" encoding="utf-8"?>
+<ds:datastoreItem xmlns:ds="http://schemas.openxmlformats.org/officeDocument/2006/customXml" ds:itemID="{487173A5-A9D2-4BCA-990A-1965DC6A52B3}">
+  <ds:schemaRefs>
+    <ds:schemaRef ds:uri="http://schemas.microsoft.com/VisualStudio/2011/storyboarding/control"/>
+  </ds:schemaRefs>
+</ds:datastoreItem>
+</file>
+
+<file path=customXml/itemProps17.xml><?xml version="1.0" encoding="utf-8"?>
+<ds:datastoreItem xmlns:ds="http://schemas.openxmlformats.org/officeDocument/2006/customXml" ds:itemID="{2B4A03D5-4470-4553-86AB-6401919B7EC4}">
+  <ds:schemaRefs>
+    <ds:schemaRef ds:uri="http://schemas.microsoft.com/VisualStudio/2011/storyboarding/control"/>
+  </ds:schemaRefs>
+</ds:datastoreItem>
+</file>
+
+<file path=customXml/itemProps18.xml><?xml version="1.0" encoding="utf-8"?>
+<ds:datastoreItem xmlns:ds="http://schemas.openxmlformats.org/officeDocument/2006/customXml" ds:itemID="{E1DB7C28-9C55-4A48-9215-0DEFB448D534}">
+  <ds:schemaRefs>
+    <ds:schemaRef ds:uri="http://schemas.microsoft.com/VisualStudio/2011/storyboarding/control"/>
+  </ds:schemaRefs>
+</ds:datastoreItem>
+</file>
+
+<file path=customXml/itemProps19.xml><?xml version="1.0" encoding="utf-8"?>
+<ds:datastoreItem xmlns:ds="http://schemas.openxmlformats.org/officeDocument/2006/customXml" ds:itemID="{7FF320C6-52DF-4CDE-B8DF-7DAD5BDF98B0}">
+  <ds:schemaRefs>
+    <ds:schemaRef ds:uri="http://schemas.microsoft.com/VisualStudio/2011/storyboarding/control"/>
+  </ds:schemaRefs>
+</ds:datastoreItem>
+</file>
+
+<file path=customXml/itemProps2.xml><?xml version="1.0" encoding="utf-8"?>
+<ds:datastoreItem xmlns:ds="http://schemas.openxmlformats.org/officeDocument/2006/customXml" ds:itemID="{83197DEB-3330-47B2-AAEF-913A4A605B50}">
+  <ds:schemaRefs>
+    <ds:schemaRef ds:uri="http://schemas.microsoft.com/VisualStudio/2011/storyboarding/control"/>
+  </ds:schemaRefs>
+</ds:datastoreItem>
+</file>
+
+<file path=customXml/itemProps20.xml><?xml version="1.0" encoding="utf-8"?>
+<ds:datastoreItem xmlns:ds="http://schemas.openxmlformats.org/officeDocument/2006/customXml" ds:itemID="{2AC127BD-FC4D-4BF5-A50B-50CEE625CC83}">
+  <ds:schemaRefs>
+    <ds:schemaRef ds:uri="http://schemas.microsoft.com/VisualStudio/2011/storyboarding/control"/>
+  </ds:schemaRefs>
+</ds:datastoreItem>
+</file>
+
+<file path=customXml/itemProps21.xml><?xml version="1.0" encoding="utf-8"?>
+<ds:datastoreItem xmlns:ds="http://schemas.openxmlformats.org/officeDocument/2006/customXml" ds:itemID="{E728FC32-ED93-427B-B9DE-6916B1306E12}">
+  <ds:schemaRefs>
+    <ds:schemaRef ds:uri="http://schemas.microsoft.com/VisualStudio/2011/storyboarding/control"/>
+  </ds:schemaRefs>
+</ds:datastoreItem>
+</file>
+
+<file path=customXml/itemProps22.xml><?xml version="1.0" encoding="utf-8"?>
+<ds:datastoreItem xmlns:ds="http://schemas.openxmlformats.org/officeDocument/2006/customXml" ds:itemID="{136156A8-E1CA-4F3D-82AA-BE652C9F64F2}">
+  <ds:schemaRefs>
+    <ds:schemaRef ds:uri="http://schemas.microsoft.com/VisualStudio/2011/storyboarding/control"/>
+  </ds:schemaRefs>
+</ds:datastoreItem>
+</file>
+
+<file path=customXml/itemProps23.xml><?xml version="1.0" encoding="utf-8"?>
+<ds:datastoreItem xmlns:ds="http://schemas.openxmlformats.org/officeDocument/2006/customXml" ds:itemID="{AB54C1FC-FEDD-4C34-956D-D26CC62F50F0}">
+  <ds:schemaRefs>
+    <ds:schemaRef ds:uri="http://schemas.microsoft.com/VisualStudio/2011/storyboarding/control"/>
+  </ds:schemaRefs>
+</ds:datastoreItem>
+</file>
+
+<file path=customXml/itemProps24.xml><?xml version="1.0" encoding="utf-8"?>
 <ds:datastoreItem xmlns:ds="http://schemas.openxmlformats.org/officeDocument/2006/customXml" ds:itemID="{21B35B14-483B-4E76-AAEC-4BB3303C976B}">
   <ds:schemaRefs>
     <ds:schemaRef ds:uri="http://schemas.microsoft.com/VisualStudio/2011/storyboarding/control"/>
@@ -11287,23 +11499,95 @@
 </ds:datastoreItem>
 </file>
 
-<file path=customXml/itemProps11.xml><?xml version="1.0" encoding="utf-8"?>
-<ds:datastoreItem xmlns:ds="http://schemas.openxmlformats.org/officeDocument/2006/customXml" ds:itemID="{99CE0A09-15EE-4467-B74F-F200B8785290}">
+<file path=customXml/itemProps25.xml><?xml version="1.0" encoding="utf-8"?>
+<ds:datastoreItem xmlns:ds="http://schemas.openxmlformats.org/officeDocument/2006/customXml" ds:itemID="{C2504A3A-27C7-4086-A1D3-270B0D361FAE}">
   <ds:schemaRefs>
     <ds:schemaRef ds:uri="http://schemas.microsoft.com/VisualStudio/2011/storyboarding/control"/>
   </ds:schemaRefs>
 </ds:datastoreItem>
 </file>
 
-<file path=customXml/itemProps12.xml><?xml version="1.0" encoding="utf-8"?>
-<ds:datastoreItem xmlns:ds="http://schemas.openxmlformats.org/officeDocument/2006/customXml" ds:itemID="{83197DEB-3330-47B2-AAEF-913A4A605B50}">
+<file path=customXml/itemProps26.xml><?xml version="1.0" encoding="utf-8"?>
+<ds:datastoreItem xmlns:ds="http://schemas.openxmlformats.org/officeDocument/2006/customXml" ds:itemID="{C8E74E62-AB25-4C59-BE0D-F220CD8CFE7E}">
   <ds:schemaRefs>
     <ds:schemaRef ds:uri="http://schemas.microsoft.com/VisualStudio/2011/storyboarding/control"/>
   </ds:schemaRefs>
 </ds:datastoreItem>
 </file>
 
-<file path=customXml/itemProps13.xml><?xml version="1.0" encoding="utf-8"?>
+<file path=customXml/itemProps27.xml><?xml version="1.0" encoding="utf-8"?>
+<ds:datastoreItem xmlns:ds="http://schemas.openxmlformats.org/officeDocument/2006/customXml" ds:itemID="{7438C02F-1FDC-41DC-A6F8-93C6F64BE611}">
+  <ds:schemaRefs>
+    <ds:schemaRef ds:uri="http://schemas.microsoft.com/VisualStudio/2011/storyboarding/control"/>
+  </ds:schemaRefs>
+</ds:datastoreItem>
+</file>
+
+<file path=customXml/itemProps28.xml><?xml version="1.0" encoding="utf-8"?>
+<ds:datastoreItem xmlns:ds="http://schemas.openxmlformats.org/officeDocument/2006/customXml" ds:itemID="{136014BA-D270-416C-8946-B41E38CA0C08}">
+  <ds:schemaRefs>
+    <ds:schemaRef ds:uri="http://schemas.microsoft.com/VisualStudio/2011/storyboarding/control"/>
+  </ds:schemaRefs>
+</ds:datastoreItem>
+</file>
+
+<file path=customXml/itemProps29.xml><?xml version="1.0" encoding="utf-8"?>
+<ds:datastoreItem xmlns:ds="http://schemas.openxmlformats.org/officeDocument/2006/customXml" ds:itemID="{CB32F49F-076A-40EB-9F8E-BE7E4BAE59FC}">
+  <ds:schemaRefs>
+    <ds:schemaRef ds:uri="http://schemas.microsoft.com/VisualStudio/2011/storyboarding/control"/>
+  </ds:schemaRefs>
+</ds:datastoreItem>
+</file>
+
+<file path=customXml/itemProps3.xml><?xml version="1.0" encoding="utf-8"?>
+<ds:datastoreItem xmlns:ds="http://schemas.openxmlformats.org/officeDocument/2006/customXml" ds:itemID="{A2684E2E-53E5-4026-B555-4EC24CA631FD}">
+  <ds:schemaRefs>
+    <ds:schemaRef ds:uri="http://schemas.microsoft.com/VisualStudio/2011/storyboarding/control"/>
+  </ds:schemaRefs>
+</ds:datastoreItem>
+</file>
+
+<file path=customXml/itemProps30.xml><?xml version="1.0" encoding="utf-8"?>
+<ds:datastoreItem xmlns:ds="http://schemas.openxmlformats.org/officeDocument/2006/customXml" ds:itemID="{8517BDEE-C78A-467C-908C-749FEE10693B}">
+  <ds:schemaRefs>
+    <ds:schemaRef ds:uri="http://schemas.microsoft.com/VisualStudio/2011/storyboarding/control"/>
+  </ds:schemaRefs>
+</ds:datastoreItem>
+</file>
+
+<file path=customXml/itemProps31.xml><?xml version="1.0" encoding="utf-8"?>
+<ds:datastoreItem xmlns:ds="http://schemas.openxmlformats.org/officeDocument/2006/customXml" ds:itemID="{A6B2C5C4-9808-4527-AA60-BBEECDB27678}">
+  <ds:schemaRefs>
+    <ds:schemaRef ds:uri="http://schemas.microsoft.com/VisualStudio/2011/storyboarding/control"/>
+  </ds:schemaRefs>
+</ds:datastoreItem>
+</file>
+
+<file path=customXml/itemProps32.xml><?xml version="1.0" encoding="utf-8"?>
+<ds:datastoreItem xmlns:ds="http://schemas.openxmlformats.org/officeDocument/2006/customXml" ds:itemID="{6054DAC1-D987-43B9-93D9-57F739300240}">
+  <ds:schemaRefs>
+    <ds:schemaRef ds:uri="http://schemas.microsoft.com/VisualStudio/2011/storyboarding/control"/>
+  </ds:schemaRefs>
+</ds:datastoreItem>
+</file>
+
+<file path=customXml/itemProps33.xml><?xml version="1.0" encoding="utf-8"?>
+<ds:datastoreItem xmlns:ds="http://schemas.openxmlformats.org/officeDocument/2006/customXml" ds:itemID="{423687A7-6E3F-4DD5-9CC3-FE2A2B207FBD}">
+  <ds:schemaRefs>
+    <ds:schemaRef ds:uri="http://schemas.microsoft.com/VisualStudio/2011/storyboarding/control"/>
+  </ds:schemaRefs>
+</ds:datastoreItem>
+</file>
+
+<file path=customXml/itemProps34.xml><?xml version="1.0" encoding="utf-8"?>
+<ds:datastoreItem xmlns:ds="http://schemas.openxmlformats.org/officeDocument/2006/customXml" ds:itemID="{630F5366-1F32-4414-AB41-55974A04D14B}">
+  <ds:schemaRefs>
+    <ds:schemaRef ds:uri="http://schemas.microsoft.com/VisualStudio/2011/storyboarding/control"/>
+  </ds:schemaRefs>
+</ds:datastoreItem>
+</file>
+
+<file path=customXml/itemProps35.xml><?xml version="1.0" encoding="utf-8"?>
 <ds:datastoreItem xmlns:ds="http://schemas.openxmlformats.org/officeDocument/2006/customXml" ds:itemID="{D00F8AC5-EF27-4A9B-A91C-AE690D7BB764}">
   <ds:schemaRefs>
     <ds:schemaRef ds:uri="http://schemas.microsoft.com/VisualStudio/2011/storyboarding/control"/>
@@ -11311,23 +11595,103 @@
 </ds:datastoreItem>
 </file>
 
-<file path=customXml/itemProps14.xml><?xml version="1.0" encoding="utf-8"?>
-<ds:datastoreItem xmlns:ds="http://schemas.openxmlformats.org/officeDocument/2006/customXml" ds:itemID="{CB32F49F-076A-40EB-9F8E-BE7E4BAE59FC}">
+<file path=customXml/itemProps36.xml><?xml version="1.0" encoding="utf-8"?>
+<ds:datastoreItem xmlns:ds="http://schemas.openxmlformats.org/officeDocument/2006/customXml" ds:itemID="{51813988-371F-4558-AD72-031874772D90}">
   <ds:schemaRefs>
     <ds:schemaRef ds:uri="http://schemas.microsoft.com/VisualStudio/2011/storyboarding/control"/>
   </ds:schemaRefs>
 </ds:datastoreItem>
 </file>
 
-<file path=customXml/itemProps15.xml><?xml version="1.0" encoding="utf-8"?>
-<ds:datastoreItem xmlns:ds="http://schemas.openxmlformats.org/officeDocument/2006/customXml" ds:itemID="{2AC127BD-FC4D-4BF5-A50B-50CEE625CC83}">
+<file path=customXml/itemProps37.xml><?xml version="1.0" encoding="utf-8"?>
+<ds:datastoreItem xmlns:ds="http://schemas.openxmlformats.org/officeDocument/2006/customXml" ds:itemID="{C497CC49-5F10-4726-8D1E-12787F46C45D}">
   <ds:schemaRefs>
     <ds:schemaRef ds:uri="http://schemas.microsoft.com/VisualStudio/2011/storyboarding/control"/>
   </ds:schemaRefs>
 </ds:datastoreItem>
 </file>
 
-<file path=customXml/itemProps16.xml><?xml version="1.0" encoding="utf-8"?>
+<file path=customXml/itemProps38.xml><?xml version="1.0" encoding="utf-8"?>
+<ds:datastoreItem xmlns:ds="http://schemas.openxmlformats.org/officeDocument/2006/customXml" ds:itemID="{3F764F7C-36D1-4912-8EE3-C8B3BF60AC67}">
+  <ds:schemaRefs>
+    <ds:schemaRef ds:uri="http://schemas.microsoft.com/VisualStudio/2011/storyboarding/control"/>
+  </ds:schemaRefs>
+</ds:datastoreItem>
+</file>
+
+<file path=customXml/itemProps39.xml><?xml version="1.0" encoding="utf-8"?>
+<ds:datastoreItem xmlns:ds="http://schemas.openxmlformats.org/officeDocument/2006/customXml" ds:itemID="{3268A3EF-D6CA-49B5-A04C-91B4AA53FFB2}">
+  <ds:schemaRefs>
+    <ds:schemaRef ds:uri="http://schemas.microsoft.com/VisualStudio/2011/storyboarding/control"/>
+  </ds:schemaRefs>
+</ds:datastoreItem>
+</file>
+
+<file path=customXml/itemProps4.xml><?xml version="1.0" encoding="utf-8"?>
+<ds:datastoreItem xmlns:ds="http://schemas.openxmlformats.org/officeDocument/2006/customXml" ds:itemID="{6B70A699-757D-44F4-9864-4A570AC44872}">
+  <ds:schemaRefs>
+    <ds:schemaRef ds:uri="http://schemas.microsoft.com/VisualStudio/2011/storyboarding/control"/>
+  </ds:schemaRefs>
+</ds:datastoreItem>
+</file>
+
+<file path=customXml/itemProps40.xml><?xml version="1.0" encoding="utf-8"?>
+<ds:datastoreItem xmlns:ds="http://schemas.openxmlformats.org/officeDocument/2006/customXml" ds:itemID="{178F558B-944C-4D3E-8BC7-37CF64AF3827}">
+  <ds:schemaRefs>
+    <ds:schemaRef ds:uri="http://schemas.microsoft.com/VisualStudio/2011/storyboarding/control"/>
+  </ds:schemaRefs>
+</ds:datastoreItem>
+</file>
+
+<file path=customXml/itemProps41.xml><?xml version="1.0" encoding="utf-8"?>
+<ds:datastoreItem xmlns:ds="http://schemas.openxmlformats.org/officeDocument/2006/customXml" ds:itemID="{CAEA2DC9-8CBF-493B-A219-676DC86EE2A9}">
+  <ds:schemaRefs>
+    <ds:schemaRef ds:uri="http://schemas.microsoft.com/VisualStudio/2011/storyboarding/control"/>
+  </ds:schemaRefs>
+</ds:datastoreItem>
+</file>
+
+<file path=customXml/itemProps42.xml><?xml version="1.0" encoding="utf-8"?>
+<ds:datastoreItem xmlns:ds="http://schemas.openxmlformats.org/officeDocument/2006/customXml" ds:itemID="{147C504D-FB10-405C-824D-2DD72E61F302}">
+  <ds:schemaRefs>
+    <ds:schemaRef ds:uri="http://schemas.microsoft.com/VisualStudio/2011/storyboarding/control"/>
+  </ds:schemaRefs>
+</ds:datastoreItem>
+</file>
+
+<file path=customXml/itemProps43.xml><?xml version="1.0" encoding="utf-8"?>
+<ds:datastoreItem xmlns:ds="http://schemas.openxmlformats.org/officeDocument/2006/customXml" ds:itemID="{65137127-AA4C-4449-B5C5-98023B7CCE73}">
+  <ds:schemaRefs>
+    <ds:schemaRef ds:uri="http://schemas.microsoft.com/VisualStudio/2011/storyboarding/control"/>
+  </ds:schemaRefs>
+</ds:datastoreItem>
+</file>
+
+<file path=customXml/itemProps5.xml><?xml version="1.0" encoding="utf-8"?>
+<ds:datastoreItem xmlns:ds="http://schemas.openxmlformats.org/officeDocument/2006/customXml" ds:itemID="{92AEB5D9-C09C-4C16-AC2C-EAF95389FAED}">
+  <ds:schemaRefs>
+    <ds:schemaRef ds:uri="http://schemas.microsoft.com/VisualStudio/2011/storyboarding/control"/>
+  </ds:schemaRefs>
+</ds:datastoreItem>
+</file>
+
+<file path=customXml/itemProps6.xml><?xml version="1.0" encoding="utf-8"?>
+<ds:datastoreItem xmlns:ds="http://schemas.openxmlformats.org/officeDocument/2006/customXml" ds:itemID="{ECD89AED-453D-4F9D-8FAF-94400C51181B}">
+  <ds:schemaRefs>
+    <ds:schemaRef ds:uri="http://schemas.microsoft.com/VisualStudio/2011/storyboarding/control"/>
+  </ds:schemaRefs>
+</ds:datastoreItem>
+</file>
+
+<file path=customXml/itemProps7.xml><?xml version="1.0" encoding="utf-8"?>
+<ds:datastoreItem xmlns:ds="http://schemas.openxmlformats.org/officeDocument/2006/customXml" ds:itemID="{67CF3844-0CC4-4FA0-ACDF-BF763B8E0F78}">
+  <ds:schemaRefs>
+    <ds:schemaRef ds:uri="http://schemas.microsoft.com/VisualStudio/2011/storyboarding/control"/>
+  </ds:schemaRefs>
+</ds:datastoreItem>
+</file>
+
+<file path=customXml/itemProps8.xml><?xml version="1.0" encoding="utf-8"?>
 <ds:datastoreItem xmlns:ds="http://schemas.openxmlformats.org/officeDocument/2006/customXml" ds:itemID="{986B96FE-18A9-49B5-A777-8363FE00896C}">
   <ds:schemaRefs>
     <ds:schemaRef ds:uri="http://schemas.microsoft.com/VisualStudio/2011/storyboarding/control"/>
@@ -11335,266 +11699,10 @@
 </ds:datastoreItem>
 </file>
 
-<file path=customXml/itemProps17.xml><?xml version="1.0" encoding="utf-8"?>
-<ds:datastoreItem xmlns:ds="http://schemas.openxmlformats.org/officeDocument/2006/customXml" ds:itemID="{A2684E2E-53E5-4026-B555-4EC24CA631FD}">
-  <ds:schemaRefs>
-    <ds:schemaRef ds:uri="http://schemas.microsoft.com/VisualStudio/2011/storyboarding/control"/>
-  </ds:schemaRefs>
-</ds:datastoreItem>
-</file>
-
-<file path=customXml/itemProps18.xml><?xml version="1.0" encoding="utf-8"?>
-<ds:datastoreItem xmlns:ds="http://schemas.openxmlformats.org/officeDocument/2006/customXml" ds:itemID="{51813988-371F-4558-AD72-031874772D90}">
-  <ds:schemaRefs>
-    <ds:schemaRef ds:uri="http://schemas.microsoft.com/VisualStudio/2011/storyboarding/control"/>
-  </ds:schemaRefs>
-</ds:datastoreItem>
-</file>
-
-<file path=customXml/itemProps19.xml><?xml version="1.0" encoding="utf-8"?>
-<ds:datastoreItem xmlns:ds="http://schemas.openxmlformats.org/officeDocument/2006/customXml" ds:itemID="{C2504A3A-27C7-4086-A1D3-270B0D361FAE}">
-  <ds:schemaRefs>
-    <ds:schemaRef ds:uri="http://schemas.microsoft.com/VisualStudio/2011/storyboarding/control"/>
-  </ds:schemaRefs>
-</ds:datastoreItem>
-</file>
-
-<file path=customXml/itemProps2.xml><?xml version="1.0" encoding="utf-8"?>
-<ds:datastoreItem xmlns:ds="http://schemas.openxmlformats.org/officeDocument/2006/customXml" ds:itemID="{67CF3844-0CC4-4FA0-ACDF-BF763B8E0F78}">
-  <ds:schemaRefs>
-    <ds:schemaRef ds:uri="http://schemas.microsoft.com/VisualStudio/2011/storyboarding/control"/>
-  </ds:schemaRefs>
-</ds:datastoreItem>
-</file>
-
-<file path=customXml/itemProps20.xml><?xml version="1.0" encoding="utf-8"?>
+<file path=customXml/itemProps9.xml><?xml version="1.0" encoding="utf-8"?>
 <ds:datastoreItem xmlns:ds="http://schemas.openxmlformats.org/officeDocument/2006/customXml" ds:itemID="{D5275AD7-2249-4A8F-B1FE-589D43E34F89}">
   <ds:schemaRefs>
     <ds:schemaRef ds:uri="http://schemas.microsoft.com/VisualStudio/2011/storyboarding/control"/>
   </ds:schemaRefs>
 </ds:datastoreItem>
-</file>
-
-<file path=customXml/itemProps21.xml><?xml version="1.0" encoding="utf-8"?>
-<ds:datastoreItem xmlns:ds="http://schemas.openxmlformats.org/officeDocument/2006/customXml" ds:itemID="{178F558B-944C-4D3E-8BC7-37CF64AF3827}">
-  <ds:schemaRefs>
-    <ds:schemaRef ds:uri="http://schemas.microsoft.com/VisualStudio/2011/storyboarding/control"/>
-  </ds:schemaRefs>
-</ds:datastoreItem>
-</file>
-
-<file path=customXml/itemProps22.xml><?xml version="1.0" encoding="utf-8"?>
-<ds:datastoreItem xmlns:ds="http://schemas.openxmlformats.org/officeDocument/2006/customXml" ds:itemID="{8517BDEE-C78A-467C-908C-749FEE10693B}">
-  <ds:schemaRefs>
-    <ds:schemaRef ds:uri="http://schemas.microsoft.com/VisualStudio/2011/storyboarding/control"/>
-  </ds:schemaRefs>
-</ds:datastoreItem>
-</file>
-
-<file path=customXml/itemProps23.xml><?xml version="1.0" encoding="utf-8"?>
-<ds:datastoreItem xmlns:ds="http://schemas.openxmlformats.org/officeDocument/2006/customXml" ds:itemID="{E728FC32-ED93-427B-B9DE-6916B1306E12}">
-  <ds:schemaRefs>
-    <ds:schemaRef ds:uri="http://schemas.microsoft.com/VisualStudio/2011/storyboarding/control"/>
-  </ds:schemaRefs>
-</ds:datastoreItem>
-</file>
-
-<file path=customXml/itemProps24.xml><?xml version="1.0" encoding="utf-8"?>
-<ds:datastoreItem xmlns:ds="http://schemas.openxmlformats.org/officeDocument/2006/customXml" ds:itemID="{33F1231F-0306-4431-B9A3-C4103AB3FAD4}">
-  <ds:schemaRefs>
-    <ds:schemaRef ds:uri="http://schemas.microsoft.com/VisualStudio/2011/storyboarding/control"/>
-  </ds:schemaRefs>
-</ds:datastoreItem>
-</file>
-
-<file path=customXml/itemProps25.xml><?xml version="1.0" encoding="utf-8"?>
-<ds:datastoreItem xmlns:ds="http://schemas.openxmlformats.org/officeDocument/2006/customXml" ds:itemID="{6B70A699-757D-44F4-9864-4A570AC44872}">
-  <ds:schemaRefs>
-    <ds:schemaRef ds:uri="http://schemas.microsoft.com/VisualStudio/2011/storyboarding/control"/>
-  </ds:schemaRefs>
-</ds:datastoreItem>
-</file>
-
-<file path=customXml/itemProps26.xml><?xml version="1.0" encoding="utf-8"?>
-<ds:datastoreItem xmlns:ds="http://schemas.openxmlformats.org/officeDocument/2006/customXml" ds:itemID="{C497CC49-5F10-4726-8D1E-12787F46C45D}">
-  <ds:schemaRefs>
-    <ds:schemaRef ds:uri="http://schemas.microsoft.com/VisualStudio/2011/storyboarding/control"/>
-  </ds:schemaRefs>
-</ds:datastoreItem>
-</file>
-
-<file path=customXml/itemProps27.xml><?xml version="1.0" encoding="utf-8"?>
-<ds:datastoreItem xmlns:ds="http://schemas.openxmlformats.org/officeDocument/2006/customXml" ds:itemID="{A6B2C5C4-9808-4527-AA60-BBEECDB27678}">
-  <ds:schemaRefs>
-    <ds:schemaRef ds:uri="http://schemas.microsoft.com/VisualStudio/2011/storyboarding/control"/>
-  </ds:schemaRefs>
-</ds:datastoreItem>
-</file>
-
-<file path=customXml/itemProps28.xml><?xml version="1.0" encoding="utf-8"?>
-<ds:datastoreItem xmlns:ds="http://schemas.openxmlformats.org/officeDocument/2006/customXml" ds:itemID="{136156A8-E1CA-4F3D-82AA-BE652C9F64F2}">
-  <ds:schemaRefs>
-    <ds:schemaRef ds:uri="http://schemas.microsoft.com/VisualStudio/2011/storyboarding/control"/>
-  </ds:schemaRefs>
-</ds:datastoreItem>
-</file>
-
-<file path=customXml/itemProps29.xml><?xml version="1.0" encoding="utf-8"?>
-<ds:datastoreItem xmlns:ds="http://schemas.openxmlformats.org/officeDocument/2006/customXml" ds:itemID="{D9833B6F-3137-4DD4-9271-F02E3222DF3E}">
-  <ds:schemaRefs>
-    <ds:schemaRef ds:uri="http://schemas.microsoft.com/VisualStudio/2011/storyboarding/control"/>
-  </ds:schemaRefs>
-</ds:datastoreItem>
-</file>
-
-<file path=customXml/itemProps3.xml><?xml version="1.0" encoding="utf-8"?>
-<ds:datastoreItem xmlns:ds="http://schemas.openxmlformats.org/officeDocument/2006/customXml" ds:itemID="{3268A3EF-D6CA-49B5-A04C-91B4AA53FFB2}">
-  <ds:schemaRefs>
-    <ds:schemaRef ds:uri="http://schemas.microsoft.com/VisualStudio/2011/storyboarding/control"/>
-  </ds:schemaRefs>
-</ds:datastoreItem>
-</file>
-
-<file path=customXml/itemProps30.xml><?xml version="1.0" encoding="utf-8"?>
-<ds:datastoreItem xmlns:ds="http://schemas.openxmlformats.org/officeDocument/2006/customXml" ds:itemID="{6054DAC1-D987-43B9-93D9-57F739300240}">
-  <ds:schemaRefs>
-    <ds:schemaRef ds:uri="http://schemas.microsoft.com/VisualStudio/2011/storyboarding/control"/>
-  </ds:schemaRefs>
-</ds:datastoreItem>
-</file>
-
-<file path=customXml/itemProps31.xml><?xml version="1.0" encoding="utf-8"?>
-<ds:datastoreItem xmlns:ds="http://schemas.openxmlformats.org/officeDocument/2006/customXml" ds:itemID="{C8E74E62-AB25-4C59-BE0D-F220CD8CFE7E}">
-  <ds:schemaRefs>
-    <ds:schemaRef ds:uri="http://schemas.microsoft.com/VisualStudio/2011/storyboarding/control"/>
-  </ds:schemaRefs>
-</ds:datastoreItem>
-</file>
-
-<file path=customXml/itemProps32.xml><?xml version="1.0" encoding="utf-8"?>
-<ds:datastoreItem xmlns:ds="http://schemas.openxmlformats.org/officeDocument/2006/customXml" ds:itemID="{487173A5-A9D2-4BCA-990A-1965DC6A52B3}">
-  <ds:schemaRefs>
-    <ds:schemaRef ds:uri="http://schemas.microsoft.com/VisualStudio/2011/storyboarding/control"/>
-  </ds:schemaRefs>
-</ds:datastoreItem>
-</file>
-
-<file path=customXml/itemProps33.xml><?xml version="1.0" encoding="utf-8"?>
-<ds:datastoreItem xmlns:ds="http://schemas.openxmlformats.org/officeDocument/2006/customXml" ds:itemID="{92AEB5D9-C09C-4C16-AC2C-EAF95389FAED}">
-  <ds:schemaRefs>
-    <ds:schemaRef ds:uri="http://schemas.microsoft.com/VisualStudio/2011/storyboarding/control"/>
-  </ds:schemaRefs>
-</ds:datastoreItem>
-</file>
-
-<file path=customXml/itemProps34.xml><?xml version="1.0" encoding="utf-8"?>
-<ds:datastoreItem xmlns:ds="http://schemas.openxmlformats.org/officeDocument/2006/customXml" ds:itemID="{CAEA2DC9-8CBF-493B-A219-676DC86EE2A9}">
-  <ds:schemaRefs>
-    <ds:schemaRef ds:uri="http://schemas.microsoft.com/VisualStudio/2011/storyboarding/control"/>
-  </ds:schemaRefs>
-</ds:datastoreItem>
-</file>
-
-<file path=customXml/itemProps35.xml><?xml version="1.0" encoding="utf-8"?>
-<ds:datastoreItem xmlns:ds="http://schemas.openxmlformats.org/officeDocument/2006/customXml" ds:itemID="{423687A7-6E3F-4DD5-9CC3-FE2A2B207FBD}">
-  <ds:schemaRefs>
-    <ds:schemaRef ds:uri="http://schemas.microsoft.com/VisualStudio/2011/storyboarding/control"/>
-  </ds:schemaRefs>
-</ds:datastoreItem>
-</file>
-
-<file path=customXml/itemProps36.xml><?xml version="1.0" encoding="utf-8"?>
-<ds:datastoreItem xmlns:ds="http://schemas.openxmlformats.org/officeDocument/2006/customXml" ds:itemID="{AB54C1FC-FEDD-4C34-956D-D26CC62F50F0}">
-  <ds:schemaRefs>
-    <ds:schemaRef ds:uri="http://schemas.microsoft.com/VisualStudio/2011/storyboarding/control"/>
-  </ds:schemaRefs>
-</ds:datastoreItem>
-</file>
-
-<file path=customXml/itemProps37.xml><?xml version="1.0" encoding="utf-8"?>
-<ds:datastoreItem xmlns:ds="http://schemas.openxmlformats.org/officeDocument/2006/customXml" ds:itemID="{2B4A03D5-4470-4553-86AB-6401919B7EC4}">
-  <ds:schemaRefs>
-    <ds:schemaRef ds:uri="http://schemas.microsoft.com/VisualStudio/2011/storyboarding/control"/>
-  </ds:schemaRefs>
-</ds:datastoreItem>
-</file>
-
-<file path=customXml/itemProps38.xml><?xml version="1.0" encoding="utf-8"?>
-<ds:datastoreItem xmlns:ds="http://schemas.openxmlformats.org/officeDocument/2006/customXml" ds:itemID="{ECD89AED-453D-4F9D-8FAF-94400C51181B}">
-  <ds:schemaRefs>
-    <ds:schemaRef ds:uri="http://schemas.microsoft.com/VisualStudio/2011/storyboarding/control"/>
-  </ds:schemaRefs>
-</ds:datastoreItem>
-</file>
-
-<file path=customXml/itemProps39.xml><?xml version="1.0" encoding="utf-8"?>
-<ds:datastoreItem xmlns:ds="http://schemas.openxmlformats.org/officeDocument/2006/customXml" ds:itemID="{3F764F7C-36D1-4912-8EE3-C8B3BF60AC67}">
-  <ds:schemaRefs>
-    <ds:schemaRef ds:uri="http://schemas.microsoft.com/VisualStudio/2011/storyboarding/control"/>
-  </ds:schemaRefs>
-</ds:datastoreItem>
-</file>
-
-<file path=customXml/itemProps4.xml><?xml version="1.0" encoding="utf-8"?>
-<ds:datastoreItem xmlns:ds="http://schemas.openxmlformats.org/officeDocument/2006/customXml" ds:itemID="{7438C02F-1FDC-41DC-A6F8-93C6F64BE611}">
-  <ds:schemaRefs>
-    <ds:schemaRef ds:uri="http://schemas.microsoft.com/VisualStudio/2011/storyboarding/control"/>
-  </ds:schemaRefs>
-</ds:datastoreItem>
-</file>
-
-<file path=customXml/itemProps40.xml><?xml version="1.0" encoding="utf-8"?>
-<ds:datastoreItem xmlns:ds="http://schemas.openxmlformats.org/officeDocument/2006/customXml" ds:itemID="{E1DB7C28-9C55-4A48-9215-0DEFB448D534}">
-  <ds:schemaRefs>
-    <ds:schemaRef ds:uri="http://schemas.microsoft.com/VisualStudio/2011/storyboarding/control"/>
-  </ds:schemaRefs>
-</ds:datastoreItem>
-</file>
-
-<file path=customXml/itemProps41.xml><?xml version="1.0" encoding="utf-8"?>
-<ds:datastoreItem xmlns:ds="http://schemas.openxmlformats.org/officeDocument/2006/customXml" ds:itemID="{FA5AB97C-9636-4D8B-AF93-AF3526549720}">
-  <ds:schemaRefs>
-    <ds:schemaRef ds:uri="http://schemas.microsoft.com/VisualStudio/2011/storyboarding/control"/>
-  </ds:schemaRefs>
-</ds:datastoreItem>
-</file>
-
-<file path=customXml/itemProps5.xml><?xml version="1.0" encoding="utf-8"?>
-<ds:datastoreItem xmlns:ds="http://schemas.openxmlformats.org/officeDocument/2006/customXml" ds:itemID="{7FF320C6-52DF-4CDE-B8DF-7DAD5BDF98B0}">
-  <ds:schemaRefs>
-    <ds:schemaRef ds:uri="http://schemas.microsoft.com/VisualStudio/2011/storyboarding/control"/>
-  </ds:schemaRefs>
-</ds:datastoreItem>
-</file>
-
-<file path=customXml/itemProps6.xml><?xml version="1.0" encoding="utf-8"?>
-<ds:datastoreItem xmlns:ds="http://schemas.openxmlformats.org/officeDocument/2006/customXml" ds:itemID="{4791953E-C724-42FE-B90C-06F5F247AC0B}">
-  <ds:schemaRefs>
-    <ds:schemaRef ds:uri="http://schemas.microsoft.com/VisualStudio/2011/storyboarding/control"/>
-  </ds:schemaRefs>
-</ds:datastoreItem>
-</file>
-
-<file path=customXml/itemProps7.xml><?xml version="1.0" encoding="utf-8"?>
-<ds:datastoreItem xmlns:ds="http://schemas.openxmlformats.org/officeDocument/2006/customXml" ds:itemID="{5B7DBCCA-82D6-4705-8E56-C44CD2412A33}">
-  <ds:schemaRefs>
-    <ds:schemaRef ds:uri="http://schemas.microsoft.com/VisualStudio/2011/storyboarding/control"/>
-  </ds:schemaRefs>
-</ds:datastoreItem>
-</file>
-
-<file path=customXml/itemProps8.xml><?xml version="1.0" encoding="utf-8"?>
-<ds:datastoreItem xmlns:ds="http://schemas.openxmlformats.org/officeDocument/2006/customXml" ds:itemID="{630F5366-1F32-4414-AB41-55974A04D14B}">
-  <ds:schemaRefs>
-    <ds:schemaRef ds:uri="http://schemas.microsoft.com/VisualStudio/2011/storyboarding/control"/>
-  </ds:schemaRefs>
-</ds:datastoreItem>
-</file>
-
-<file path=customXml/itemProps9.xml><?xml version="1.0" encoding="utf-8"?>
-<ds:datastoreItem xmlns:ds="http://schemas.openxmlformats.org/officeDocument/2006/customXml" ds:itemID="{136014BA-D270-416C-8946-B41E38CA0C08}">
-  <ds:schemaRefs>
-    <ds:schemaRef ds:uri="http://schemas.microsoft.com/VisualStudio/2011/storyboarding/control"/>
-  </ds:schemaRefs>
-</ds:datastoreItem>
 </file>
--- a/StoryBoards/StoryBoard_RF3_AcessoAAcervo_BuscaRapida.pptx
+++ b/StoryBoards/StoryBoard_RF3_AcessoAAcervo_BuscaRapida.pptx
@@ -2,12 +2,15 @@
 <file path=ppt/presentation.xml><?xml version="1.0" encoding="utf-8"?>
 <p:presentation xmlns:a="http://schemas.openxmlformats.org/drawingml/2006/main" xmlns:r="http://schemas.openxmlformats.org/officeDocument/2006/relationships" xmlns:p="http://schemas.openxmlformats.org/presentationml/2006/main" saveSubsetFonts="1">
   <p:sldMasterIdLst>
-    <p:sldMasterId id="2147483648" r:id="rId44"/>
+    <p:sldMasterId id="2147483648" r:id="rId82"/>
   </p:sldMasterIdLst>
   <p:sldIdLst>
-    <p:sldId id="256" r:id="rId45"/>
-    <p:sldId id="257" r:id="rId46"/>
-    <p:sldId id="258" r:id="rId47"/>
+    <p:sldId id="256" r:id="rId83"/>
+    <p:sldId id="257" r:id="rId84"/>
+    <p:sldId id="259" r:id="rId85"/>
+    <p:sldId id="260" r:id="rId86"/>
+    <p:sldId id="261" r:id="rId87"/>
+    <p:sldId id="258" r:id="rId88"/>
   </p:sldIdLst>
   <p:sldSz cx="12192000" cy="6858000"/>
   <p:notesSz cx="6858000" cy="9144000"/>
@@ -6503,6 +6506,49 @@
           </a:prstGeom>
         </p:spPr>
       </p:pic>
+      <p:sp>
+        <p:nvSpPr>
+          <p:cNvPr id="31" name="Triângulo isósceles 30"/>
+          <p:cNvSpPr/>
+          <p:nvPr/>
+        </p:nvSpPr>
+        <p:spPr>
+          <a:xfrm rot="16200000">
+            <a:off x="881744" y="4583263"/>
+            <a:ext cx="120277" cy="104333"/>
+          </a:xfrm>
+          <a:prstGeom prst="triangle">
+            <a:avLst/>
+          </a:prstGeom>
+          <a:solidFill>
+            <a:schemeClr val="tx1"/>
+          </a:solidFill>
+        </p:spPr>
+        <p:style>
+          <a:lnRef idx="2">
+            <a:schemeClr val="accent1">
+              <a:shade val="50000"/>
+            </a:schemeClr>
+          </a:lnRef>
+          <a:fillRef idx="1">
+            <a:schemeClr val="accent1"/>
+          </a:fillRef>
+          <a:effectRef idx="0">
+            <a:schemeClr val="accent1"/>
+          </a:effectRef>
+          <a:fontRef idx="minor">
+            <a:schemeClr val="lt1"/>
+          </a:fontRef>
+        </p:style>
+        <p:txBody>
+          <a:bodyPr rtlCol="0" anchor="ctr"/>
+          <a:lstStyle/>
+          <a:p>
+            <a:pPr algn="ctr"/>
+            <a:endParaRPr lang="pt-BR"/>
+          </a:p>
+        </p:txBody>
+      </p:sp>
     </p:spTree>
     <p:extLst>
       <p:ext uri="{BB962C8B-B14F-4D97-AF65-F5344CB8AC3E}">
@@ -6517,6 +6563,7587 @@
 </file>
 
 <file path=ppt/slides/slide3.xml><?xml version="1.0" encoding="utf-8"?>
+<p:sld xmlns:a="http://schemas.openxmlformats.org/drawingml/2006/main" xmlns:r="http://schemas.openxmlformats.org/officeDocument/2006/relationships" xmlns:p="http://schemas.openxmlformats.org/presentationml/2006/main">
+  <p:cSld>
+    <p:spTree>
+      <p:nvGrpSpPr>
+        <p:cNvPr id="1" name=""/>
+        <p:cNvGrpSpPr/>
+        <p:nvPr/>
+      </p:nvGrpSpPr>
+      <p:grpSpPr>
+        <a:xfrm>
+          <a:off x="0" y="0"/>
+          <a:ext cx="0" cy="0"/>
+          <a:chOff x="0" y="0"/>
+          <a:chExt cx="0" cy="0"/>
+        </a:xfrm>
+      </p:grpSpPr>
+      <p:grpSp>
+        <p:nvGrpSpPr>
+          <p:cNvPr id="2" name="WebBrowser"/>
+          <p:cNvGrpSpPr/>
+          <p:nvPr>
+            <p:custDataLst>
+              <p:custData r:id="rId1"/>
+            </p:custDataLst>
+          </p:nvPr>
+        </p:nvGrpSpPr>
+        <p:grpSpPr>
+          <a:xfrm>
+            <a:off x="0" y="0"/>
+            <a:ext cx="12192000" cy="6858000"/>
+            <a:chOff x="0" y="0"/>
+            <a:chExt cx="9144000" cy="6858000"/>
+          </a:xfrm>
+        </p:grpSpPr>
+        <p:sp>
+          <p:nvSpPr>
+            <p:cNvPr id="3" name="Background"/>
+            <p:cNvSpPr/>
+            <p:nvPr/>
+          </p:nvSpPr>
+          <p:spPr>
+            <a:xfrm>
+              <a:off x="0" y="0"/>
+              <a:ext cx="9144000" cy="6858000"/>
+            </a:xfrm>
+            <a:prstGeom prst="rect">
+              <a:avLst/>
+            </a:prstGeom>
+            <a:solidFill>
+              <a:srgbClr val="FFFFFF">
+                <a:lumMod val="65000"/>
+              </a:srgbClr>
+            </a:solidFill>
+            <a:ln w="3175" cap="flat" cmpd="sng" algn="ctr">
+              <a:solidFill>
+                <a:srgbClr val="000000">
+                  <a:lumMod val="50000"/>
+                  <a:lumOff val="50000"/>
+                </a:srgbClr>
+              </a:solidFill>
+              <a:prstDash val="solid"/>
+            </a:ln>
+            <a:effectLst/>
+          </p:spPr>
+          <p:txBody>
+            <a:bodyPr rtlCol="0" anchor="ctr"/>
+            <a:lstStyle/>
+            <a:p>
+              <a:pPr algn="ctr"/>
+              <a:endParaRPr lang="pt-BR" sz="1050" kern="0">
+                <a:solidFill>
+                  <a:prstClr val="white"/>
+                </a:solidFill>
+                <a:latin typeface="Segoe UI"/>
+              </a:endParaRPr>
+            </a:p>
+          </p:txBody>
+        </p:sp>
+        <p:sp>
+          <p:nvSpPr>
+            <p:cNvPr id="4" name="WindowTitle"/>
+            <p:cNvSpPr txBox="1"/>
+            <p:nvPr/>
+          </p:nvSpPr>
+          <p:spPr>
+            <a:xfrm>
+              <a:off x="22515" y="22341"/>
+              <a:ext cx="882021" cy="230832"/>
+            </a:xfrm>
+            <a:prstGeom prst="rect">
+              <a:avLst/>
+            </a:prstGeom>
+            <a:noFill/>
+          </p:spPr>
+          <p:txBody>
+            <a:bodyPr wrap="none" lIns="91440" tIns="18288" rIns="91440" bIns="27432" rtlCol="0" anchor="ctr" anchorCtr="0">
+              <a:spAutoFit/>
+            </a:bodyPr>
+            <a:lstStyle/>
+            <a:p>
+              <a:r>
+                <a:rPr lang="pt-BR" sz="1200">
+                  <a:solidFill>
+                    <a:prstClr val="white"/>
+                  </a:solidFill>
+                  <a:latin typeface="Segoe UI" pitchFamily="34" charset="0"/>
+                  <a:ea typeface="Segoe UI" pitchFamily="34" charset="0"/>
+                  <a:cs typeface="Segoe UI" pitchFamily="34" charset="0"/>
+                </a:rPr>
+                <a:t>Web page title</a:t>
+              </a:r>
+            </a:p>
+          </p:txBody>
+        </p:sp>
+        <p:grpSp>
+          <p:nvGrpSpPr>
+            <p:cNvPr id="5" name="Group 4"/>
+            <p:cNvGrpSpPr/>
+            <p:nvPr/>
+          </p:nvGrpSpPr>
+          <p:grpSpPr>
+            <a:xfrm>
+              <a:off x="81598" y="286385"/>
+              <a:ext cx="320040" cy="316520"/>
+              <a:chOff x="72073" y="221749"/>
+              <a:chExt cx="320040" cy="316520"/>
+            </a:xfrm>
+          </p:grpSpPr>
+          <p:sp>
+            <p:nvSpPr>
+              <p:cNvPr id="29" name="Oval 28"/>
+              <p:cNvSpPr/>
+              <p:nvPr/>
+            </p:nvSpPr>
+            <p:spPr>
+              <a:xfrm>
+                <a:off x="72073" y="221749"/>
+                <a:ext cx="320040" cy="316520"/>
+              </a:xfrm>
+              <a:prstGeom prst="ellipse">
+                <a:avLst/>
+              </a:prstGeom>
+              <a:gradFill flip="none" rotWithShape="1">
+                <a:gsLst>
+                  <a:gs pos="91000">
+                    <a:srgbClr val="FFFFFF">
+                      <a:lumMod val="85000"/>
+                    </a:srgbClr>
+                  </a:gs>
+                  <a:gs pos="36000">
+                    <a:srgbClr val="FFFFFF">
+                      <a:lumMod val="95000"/>
+                    </a:srgbClr>
+                  </a:gs>
+                  <a:gs pos="100000">
+                    <a:srgbClr val="FFFFFF">
+                      <a:lumMod val="95000"/>
+                    </a:srgbClr>
+                  </a:gs>
+                </a:gsLst>
+                <a:lin ang="5400000" scaled="0"/>
+                <a:tileRect/>
+              </a:gradFill>
+              <a:ln w="3175">
+                <a:solidFill>
+                  <a:srgbClr val="000000">
+                    <a:lumMod val="50000"/>
+                    <a:lumOff val="50000"/>
+                  </a:srgbClr>
+                </a:solidFill>
+              </a:ln>
+              <a:effectLst/>
+            </p:spPr>
+            <p:style>
+              <a:lnRef idx="2">
+                <a:srgbClr val="4F81BD">
+                  <a:shade val="50000"/>
+                </a:srgbClr>
+              </a:lnRef>
+              <a:fillRef idx="1">
+                <a:srgbClr val="4F81BD"/>
+              </a:fillRef>
+              <a:effectRef idx="0">
+                <a:srgbClr val="4F81BD"/>
+              </a:effectRef>
+              <a:fontRef idx="minor">
+                <a:srgbClr val="000000"/>
+              </a:fontRef>
+            </p:style>
+            <p:txBody>
+              <a:bodyPr rtlCol="0" anchor="ctr"/>
+              <a:lstStyle/>
+              <a:p>
+                <a:pPr algn="ctr"/>
+                <a:endParaRPr lang="pt-BR" sz="1050" u="sng">
+                  <a:solidFill>
+                    <a:prstClr val="white"/>
+                  </a:solidFill>
+                </a:endParaRPr>
+              </a:p>
+            </p:txBody>
+          </p:sp>
+          <p:sp>
+            <p:nvSpPr>
+              <p:cNvPr id="30" name="Left Arrow 29"/>
+              <p:cNvSpPr/>
+              <p:nvPr/>
+            </p:nvSpPr>
+            <p:spPr>
+              <a:xfrm>
+                <a:off x="109358" y="275511"/>
+                <a:ext cx="223134" cy="208997"/>
+              </a:xfrm>
+              <a:prstGeom prst="leftArrow">
+                <a:avLst/>
+              </a:prstGeom>
+              <a:solidFill>
+                <a:sysClr val="window" lastClr="FFFFFF"/>
+              </a:solidFill>
+              <a:ln w="3175" cap="flat" cmpd="sng" algn="ctr">
+                <a:solidFill>
+                  <a:sysClr val="windowText" lastClr="000000">
+                    <a:lumMod val="75000"/>
+                    <a:lumOff val="25000"/>
+                  </a:sysClr>
+                </a:solidFill>
+                <a:prstDash val="solid"/>
+              </a:ln>
+              <a:effectLst/>
+            </p:spPr>
+            <p:txBody>
+              <a:bodyPr rtlCol="0" anchor="ctr"/>
+              <a:lstStyle/>
+              <a:p>
+                <a:pPr algn="ctr"/>
+                <a:endParaRPr lang="pt-BR" sz="1050" kern="0">
+                  <a:solidFill>
+                    <a:prstClr val="white"/>
+                  </a:solidFill>
+                  <a:latin typeface="Segoe UI"/>
+                </a:endParaRPr>
+              </a:p>
+            </p:txBody>
+          </p:sp>
+        </p:grpSp>
+        <p:grpSp>
+          <p:nvGrpSpPr>
+            <p:cNvPr id="6" name="Group 5"/>
+            <p:cNvGrpSpPr/>
+            <p:nvPr/>
+          </p:nvGrpSpPr>
+          <p:grpSpPr>
+            <a:xfrm>
+              <a:off x="453671" y="286384"/>
+              <a:ext cx="320040" cy="316520"/>
+              <a:chOff x="444146" y="221748"/>
+              <a:chExt cx="320040" cy="316520"/>
+            </a:xfrm>
+          </p:grpSpPr>
+          <p:sp>
+            <p:nvSpPr>
+              <p:cNvPr id="27" name="Oval 26"/>
+              <p:cNvSpPr/>
+              <p:nvPr/>
+            </p:nvSpPr>
+            <p:spPr>
+              <a:xfrm>
+                <a:off x="444146" y="221748"/>
+                <a:ext cx="320040" cy="316520"/>
+              </a:xfrm>
+              <a:prstGeom prst="ellipse">
+                <a:avLst/>
+              </a:prstGeom>
+              <a:gradFill flip="none" rotWithShape="1">
+                <a:gsLst>
+                  <a:gs pos="91000">
+                    <a:srgbClr val="FFFFFF">
+                      <a:lumMod val="85000"/>
+                    </a:srgbClr>
+                  </a:gs>
+                  <a:gs pos="36000">
+                    <a:srgbClr val="FFFFFF">
+                      <a:lumMod val="95000"/>
+                    </a:srgbClr>
+                  </a:gs>
+                  <a:gs pos="100000">
+                    <a:srgbClr val="FFFFFF">
+                      <a:lumMod val="95000"/>
+                    </a:srgbClr>
+                  </a:gs>
+                </a:gsLst>
+                <a:lin ang="5400000" scaled="0"/>
+                <a:tileRect/>
+              </a:gradFill>
+              <a:ln w="3175">
+                <a:solidFill>
+                  <a:srgbClr val="000000">
+                    <a:lumMod val="50000"/>
+                    <a:lumOff val="50000"/>
+                  </a:srgbClr>
+                </a:solidFill>
+              </a:ln>
+              <a:effectLst/>
+            </p:spPr>
+            <p:style>
+              <a:lnRef idx="2">
+                <a:srgbClr val="4F81BD">
+                  <a:shade val="50000"/>
+                </a:srgbClr>
+              </a:lnRef>
+              <a:fillRef idx="1">
+                <a:srgbClr val="4F81BD"/>
+              </a:fillRef>
+              <a:effectRef idx="0">
+                <a:srgbClr val="4F81BD"/>
+              </a:effectRef>
+              <a:fontRef idx="minor">
+                <a:srgbClr val="000000"/>
+              </a:fontRef>
+            </p:style>
+            <p:txBody>
+              <a:bodyPr rtlCol="0" anchor="ctr"/>
+              <a:lstStyle/>
+              <a:p>
+                <a:pPr algn="ctr"/>
+                <a:endParaRPr lang="pt-BR" sz="1050" u="sng">
+                  <a:solidFill>
+                    <a:prstClr val="white"/>
+                  </a:solidFill>
+                </a:endParaRPr>
+              </a:p>
+            </p:txBody>
+          </p:sp>
+          <p:sp>
+            <p:nvSpPr>
+              <p:cNvPr id="28" name="Right Arrow 27"/>
+              <p:cNvSpPr/>
+              <p:nvPr/>
+            </p:nvSpPr>
+            <p:spPr>
+              <a:xfrm>
+                <a:off x="481249" y="275509"/>
+                <a:ext cx="257146" cy="208999"/>
+              </a:xfrm>
+              <a:prstGeom prst="rightArrow">
+                <a:avLst/>
+              </a:prstGeom>
+              <a:solidFill>
+                <a:sysClr val="window" lastClr="FFFFFF"/>
+              </a:solidFill>
+              <a:ln w="3175" cap="flat" cmpd="sng" algn="ctr">
+                <a:solidFill>
+                  <a:sysClr val="windowText" lastClr="000000">
+                    <a:lumMod val="75000"/>
+                    <a:lumOff val="25000"/>
+                  </a:sysClr>
+                </a:solidFill>
+                <a:prstDash val="solid"/>
+              </a:ln>
+              <a:effectLst/>
+            </p:spPr>
+            <p:txBody>
+              <a:bodyPr rtlCol="0" anchor="ctr"/>
+              <a:lstStyle/>
+              <a:p>
+                <a:pPr algn="ctr"/>
+                <a:endParaRPr lang="pt-BR" sz="1050" kern="0">
+                  <a:solidFill>
+                    <a:prstClr val="white"/>
+                  </a:solidFill>
+                  <a:latin typeface="Segoe UI"/>
+                </a:endParaRPr>
+              </a:p>
+            </p:txBody>
+          </p:sp>
+        </p:grpSp>
+        <p:grpSp>
+          <p:nvGrpSpPr>
+            <p:cNvPr id="7" name="Minimize - Maximize - Close"/>
+            <p:cNvGrpSpPr/>
+            <p:nvPr/>
+          </p:nvGrpSpPr>
+          <p:grpSpPr>
+            <a:xfrm>
+              <a:off x="8632311" y="92599"/>
+              <a:ext cx="384527" cy="78032"/>
+              <a:chOff x="9347642" y="131588"/>
+              <a:chExt cx="384527" cy="78032"/>
+            </a:xfrm>
+          </p:grpSpPr>
+          <p:cxnSp>
+            <p:nvCxnSpPr>
+              <p:cNvPr id="22" name="Line"/>
+              <p:cNvCxnSpPr/>
+              <p:nvPr/>
+            </p:nvCxnSpPr>
+            <p:spPr>
+              <a:xfrm>
+                <a:off x="9661396" y="131588"/>
+                <a:ext cx="70773" cy="76200"/>
+              </a:xfrm>
+              <a:prstGeom prst="line">
+                <a:avLst/>
+              </a:prstGeom>
+              <a:ln w="12700">
+                <a:solidFill>
+                  <a:srgbClr val="FFFFFF"/>
+                </a:solidFill>
+              </a:ln>
+            </p:spPr>
+            <p:style>
+              <a:lnRef idx="1">
+                <a:srgbClr val="4F81BD"/>
+              </a:lnRef>
+              <a:fillRef idx="0">
+                <a:srgbClr val="4F81BD"/>
+              </a:fillRef>
+              <a:effectRef idx="0">
+                <a:srgbClr val="4F81BD"/>
+              </a:effectRef>
+              <a:fontRef idx="minor">
+                <a:srgbClr val="000000"/>
+              </a:fontRef>
+            </p:style>
+          </p:cxnSp>
+          <p:cxnSp>
+            <p:nvCxnSpPr>
+              <p:cNvPr id="23" name="Line"/>
+              <p:cNvCxnSpPr/>
+              <p:nvPr/>
+            </p:nvCxnSpPr>
+            <p:spPr>
+              <a:xfrm flipH="1">
+                <a:off x="9661395" y="131588"/>
+                <a:ext cx="70773" cy="76200"/>
+              </a:xfrm>
+              <a:prstGeom prst="line">
+                <a:avLst/>
+              </a:prstGeom>
+              <a:ln w="12700">
+                <a:solidFill>
+                  <a:srgbClr val="FFFFFF"/>
+                </a:solidFill>
+              </a:ln>
+            </p:spPr>
+            <p:style>
+              <a:lnRef idx="1">
+                <a:srgbClr val="4F81BD"/>
+              </a:lnRef>
+              <a:fillRef idx="0">
+                <a:srgbClr val="4F81BD"/>
+              </a:fillRef>
+              <a:effectRef idx="0">
+                <a:srgbClr val="4F81BD"/>
+              </a:effectRef>
+              <a:fontRef idx="minor">
+                <a:srgbClr val="000000"/>
+              </a:fontRef>
+            </p:style>
+          </p:cxnSp>
+          <p:sp>
+            <p:nvSpPr>
+              <p:cNvPr id="24" name="Line"/>
+              <p:cNvSpPr/>
+              <p:nvPr/>
+            </p:nvSpPr>
+            <p:spPr>
+              <a:xfrm rot="10800000" flipV="1">
+                <a:off x="9499472" y="143255"/>
+                <a:ext cx="91440" cy="9144"/>
+              </a:xfrm>
+              <a:prstGeom prst="rect">
+                <a:avLst/>
+              </a:prstGeom>
+              <a:solidFill>
+                <a:srgbClr val="919191"/>
+              </a:solidFill>
+              <a:ln w="3175">
+                <a:solidFill>
+                  <a:srgbClr val="FFFFFF"/>
+                </a:solidFill>
+              </a:ln>
+            </p:spPr>
+            <p:style>
+              <a:lnRef idx="2">
+                <a:srgbClr val="4F81BD">
+                  <a:shade val="50000"/>
+                </a:srgbClr>
+              </a:lnRef>
+              <a:fillRef idx="1001">
+                <a:srgbClr val="000000"/>
+              </a:fillRef>
+              <a:effectRef idx="0">
+                <a:srgbClr val="4F81BD"/>
+              </a:effectRef>
+              <a:fontRef idx="minor">
+                <a:srgbClr val="000000"/>
+              </a:fontRef>
+            </p:style>
+            <p:txBody>
+              <a:bodyPr rtlCol="0" anchor="ctr"/>
+              <a:lstStyle/>
+              <a:p>
+                <a:pPr algn="ctr"/>
+                <a:endParaRPr lang="pt-BR" sz="1050">
+                  <a:solidFill>
+                    <a:prstClr val="white"/>
+                  </a:solidFill>
+                </a:endParaRPr>
+              </a:p>
+            </p:txBody>
+          </p:sp>
+          <p:sp>
+            <p:nvSpPr>
+              <p:cNvPr id="25" name="Line"/>
+              <p:cNvSpPr/>
+              <p:nvPr/>
+            </p:nvSpPr>
+            <p:spPr>
+              <a:xfrm rot="10800000" flipV="1">
+                <a:off x="9498658" y="135261"/>
+                <a:ext cx="91440" cy="72527"/>
+              </a:xfrm>
+              <a:prstGeom prst="rect">
+                <a:avLst/>
+              </a:prstGeom>
+              <a:noFill/>
+              <a:ln w="12700">
+                <a:solidFill>
+                  <a:srgbClr val="FFFFFF"/>
+                </a:solidFill>
+              </a:ln>
+            </p:spPr>
+            <p:style>
+              <a:lnRef idx="2">
+                <a:srgbClr val="4F81BD">
+                  <a:shade val="50000"/>
+                </a:srgbClr>
+              </a:lnRef>
+              <a:fillRef idx="1001">
+                <a:srgbClr val="000000"/>
+              </a:fillRef>
+              <a:effectRef idx="0">
+                <a:srgbClr val="4F81BD"/>
+              </a:effectRef>
+              <a:fontRef idx="minor">
+                <a:srgbClr val="000000"/>
+              </a:fontRef>
+            </p:style>
+            <p:txBody>
+              <a:bodyPr rtlCol="0" anchor="ctr"/>
+              <a:lstStyle/>
+              <a:p>
+                <a:pPr algn="ctr"/>
+                <a:endParaRPr lang="pt-BR" sz="1050">
+                  <a:solidFill>
+                    <a:prstClr val="white"/>
+                  </a:solidFill>
+                </a:endParaRPr>
+              </a:p>
+            </p:txBody>
+          </p:sp>
+          <p:sp>
+            <p:nvSpPr>
+              <p:cNvPr id="26" name="Line"/>
+              <p:cNvSpPr/>
+              <p:nvPr/>
+            </p:nvSpPr>
+            <p:spPr>
+              <a:xfrm rot="10800000" flipV="1">
+                <a:off x="9347642" y="200476"/>
+                <a:ext cx="91440" cy="9144"/>
+              </a:xfrm>
+              <a:prstGeom prst="rect">
+                <a:avLst/>
+              </a:prstGeom>
+              <a:solidFill>
+                <a:srgbClr val="919191"/>
+              </a:solidFill>
+              <a:ln w="3175">
+                <a:solidFill>
+                  <a:srgbClr val="FFFFFF"/>
+                </a:solidFill>
+              </a:ln>
+            </p:spPr>
+            <p:style>
+              <a:lnRef idx="2">
+                <a:srgbClr val="4F81BD">
+                  <a:shade val="50000"/>
+                </a:srgbClr>
+              </a:lnRef>
+              <a:fillRef idx="1001">
+                <a:srgbClr val="000000"/>
+              </a:fillRef>
+              <a:effectRef idx="0">
+                <a:srgbClr val="4F81BD"/>
+              </a:effectRef>
+              <a:fontRef idx="minor">
+                <a:srgbClr val="000000"/>
+              </a:fontRef>
+            </p:style>
+            <p:txBody>
+              <a:bodyPr rtlCol="0" anchor="ctr"/>
+              <a:lstStyle/>
+              <a:p>
+                <a:pPr algn="ctr"/>
+                <a:endParaRPr lang="pt-BR" sz="1050">
+                  <a:solidFill>
+                    <a:prstClr val="white"/>
+                  </a:solidFill>
+                </a:endParaRPr>
+              </a:p>
+            </p:txBody>
+          </p:sp>
+        </p:grpSp>
+        <p:sp>
+          <p:nvSpPr>
+            <p:cNvPr id="8" name="WebPageBody"/>
+            <p:cNvSpPr/>
+            <p:nvPr/>
+          </p:nvSpPr>
+          <p:spPr>
+            <a:xfrm>
+              <a:off x="76200" y="685159"/>
+              <a:ext cx="8991600" cy="6066801"/>
+            </a:xfrm>
+            <a:prstGeom prst="rect">
+              <a:avLst/>
+            </a:prstGeom>
+            <a:solidFill>
+              <a:sysClr val="window" lastClr="FFFFFF"/>
+            </a:solidFill>
+            <a:ln w="3175" cap="flat" cmpd="sng" algn="ctr">
+              <a:solidFill>
+                <a:srgbClr val="000000">
+                  <a:lumMod val="50000"/>
+                  <a:lumOff val="50000"/>
+                </a:srgbClr>
+              </a:solidFill>
+              <a:prstDash val="solid"/>
+            </a:ln>
+            <a:effectLst/>
+          </p:spPr>
+          <p:txBody>
+            <a:bodyPr rtlCol="0" anchor="ctr"/>
+            <a:lstStyle/>
+            <a:p>
+              <a:pPr algn="ctr"/>
+              <a:endParaRPr lang="pt-BR" sz="1050" kern="0" dirty="0">
+                <a:solidFill>
+                  <a:prstClr val="white"/>
+                </a:solidFill>
+                <a:latin typeface="Segoe UI"/>
+              </a:endParaRPr>
+            </a:p>
+          </p:txBody>
+        </p:sp>
+        <p:grpSp>
+          <p:nvGrpSpPr>
+            <p:cNvPr id="9" name="Group 8"/>
+            <p:cNvGrpSpPr/>
+            <p:nvPr/>
+          </p:nvGrpSpPr>
+          <p:grpSpPr>
+            <a:xfrm>
+              <a:off x="8386335" y="360579"/>
+              <a:ext cx="640645" cy="183940"/>
+              <a:chOff x="8303527" y="360579"/>
+              <a:chExt cx="640645" cy="183940"/>
+            </a:xfrm>
+          </p:grpSpPr>
+          <p:pic>
+            <p:nvPicPr>
+              <p:cNvPr id="19" name="Picture 2" descr="C:\Users\t-dantay\Documents\Placeholders\home.png"/>
+              <p:cNvPicPr>
+                <a:picLocks noChangeAspect="1" noChangeArrowheads="1"/>
+              </p:cNvPicPr>
+              <p:nvPr/>
+            </p:nvPicPr>
+            <p:blipFill>
+              <a:blip r:embed="rId11" cstate="print">
+                <a:extLst>
+                  <a:ext uri="{28A0092B-C50C-407E-A947-70E740481C1C}">
+                    <a14:useLocalDpi xmlns:a14="http://schemas.microsoft.com/office/drawing/2010/main" val="0"/>
+                  </a:ext>
+                </a:extLst>
+              </a:blip>
+              <a:srcRect/>
+              <a:stretch>
+                <a:fillRect/>
+              </a:stretch>
+            </p:blipFill>
+            <p:spPr bwMode="auto">
+              <a:xfrm>
+                <a:off x="8303527" y="361109"/>
+                <a:ext cx="185783" cy="182880"/>
+              </a:xfrm>
+              <a:prstGeom prst="rect">
+                <a:avLst/>
+              </a:prstGeom>
+              <a:noFill/>
+              <a:extLst>
+                <a:ext uri="{909E8E84-426E-40DD-AFC4-6F175D3DCCD1}">
+                  <a14:hiddenFill xmlns:a14="http://schemas.microsoft.com/office/drawing/2010/main">
+                    <a:solidFill>
+                      <a:srgbClr val="FFFFFF"/>
+                    </a:solidFill>
+                  </a14:hiddenFill>
+                </a:ext>
+              </a:extLst>
+            </p:spPr>
+          </p:pic>
+          <p:pic>
+            <p:nvPicPr>
+              <p:cNvPr id="20" name="Picture 2" descr="C:\Users\t-dantay\Documents\Placeholders\setting.png"/>
+              <p:cNvPicPr>
+                <a:picLocks noChangeAspect="1" noChangeArrowheads="1"/>
+              </p:cNvPicPr>
+              <p:nvPr/>
+            </p:nvPicPr>
+            <p:blipFill rotWithShape="1">
+              <a:blip r:embed="rId12" cstate="print">
+                <a:extLst>
+                  <a:ext uri="{28A0092B-C50C-407E-A947-70E740481C1C}">
+                    <a14:useLocalDpi xmlns:a14="http://schemas.microsoft.com/office/drawing/2010/main" val="0"/>
+                  </a:ext>
+                </a:extLst>
+              </a:blip>
+              <a:srcRect t="13480" r="35484"/>
+              <a:stretch/>
+            </p:blipFill>
+            <p:spPr bwMode="auto">
+              <a:xfrm>
+                <a:off x="8761292" y="360579"/>
+                <a:ext cx="182880" cy="183940"/>
+              </a:xfrm>
+              <a:prstGeom prst="rect">
+                <a:avLst/>
+              </a:prstGeom>
+              <a:noFill/>
+              <a:extLst>
+                <a:ext uri="{909E8E84-426E-40DD-AFC4-6F175D3DCCD1}">
+                  <a14:hiddenFill xmlns:a14="http://schemas.microsoft.com/office/drawing/2010/main">
+                    <a:solidFill>
+                      <a:srgbClr val="FFFFFF"/>
+                    </a:solidFill>
+                  </a14:hiddenFill>
+                </a:ext>
+              </a:extLst>
+            </p:spPr>
+          </p:pic>
+          <p:pic>
+            <p:nvPicPr>
+              <p:cNvPr id="21" name="Picture 2" descr="C:\Users\t-dantay\Documents\Placeholders\star.png"/>
+              <p:cNvPicPr>
+                <a:picLocks noChangeAspect="1" noChangeArrowheads="1"/>
+              </p:cNvPicPr>
+              <p:nvPr/>
+            </p:nvPicPr>
+            <p:blipFill>
+              <a:blip r:embed="rId13" cstate="print">
+                <a:extLst>
+                  <a:ext uri="{28A0092B-C50C-407E-A947-70E740481C1C}">
+                    <a14:useLocalDpi xmlns:a14="http://schemas.microsoft.com/office/drawing/2010/main" val="0"/>
+                  </a:ext>
+                </a:extLst>
+              </a:blip>
+              <a:srcRect/>
+              <a:stretch>
+                <a:fillRect/>
+              </a:stretch>
+            </p:blipFill>
+            <p:spPr bwMode="auto">
+              <a:xfrm>
+                <a:off x="8529364" y="361109"/>
+                <a:ext cx="191874" cy="182880"/>
+              </a:xfrm>
+              <a:prstGeom prst="rect">
+                <a:avLst/>
+              </a:prstGeom>
+              <a:noFill/>
+              <a:extLst>
+                <a:ext uri="{909E8E84-426E-40DD-AFC4-6F175D3DCCD1}">
+                  <a14:hiddenFill xmlns:a14="http://schemas.microsoft.com/office/drawing/2010/main">
+                    <a:solidFill>
+                      <a:srgbClr val="FFFFFF"/>
+                    </a:solidFill>
+                  </a14:hiddenFill>
+                </a:ext>
+              </a:extLst>
+            </p:spPr>
+          </p:pic>
+        </p:grpSp>
+        <p:grpSp>
+          <p:nvGrpSpPr>
+            <p:cNvPr id="10" name="Group 9"/>
+            <p:cNvGrpSpPr/>
+            <p:nvPr/>
+          </p:nvGrpSpPr>
+          <p:grpSpPr>
+            <a:xfrm>
+              <a:off x="923925" y="340846"/>
+              <a:ext cx="7142930" cy="228600"/>
+              <a:chOff x="923925" y="340846"/>
+              <a:chExt cx="7142930" cy="228600"/>
+            </a:xfrm>
+          </p:grpSpPr>
+          <p:sp>
+            <p:nvSpPr>
+              <p:cNvPr id="11" name="UrlBar"/>
+              <p:cNvSpPr/>
+              <p:nvPr/>
+            </p:nvSpPr>
+            <p:spPr>
+              <a:xfrm>
+                <a:off x="923925" y="340846"/>
+                <a:ext cx="7142930" cy="228600"/>
+              </a:xfrm>
+              <a:prstGeom prst="rect">
+                <a:avLst/>
+              </a:prstGeom>
+              <a:solidFill>
+                <a:sysClr val="window" lastClr="FFFFFF"/>
+              </a:solidFill>
+              <a:ln w="3175" cap="flat" cmpd="sng" algn="ctr">
+                <a:solidFill>
+                  <a:srgbClr val="000000">
+                    <a:lumMod val="50000"/>
+                    <a:lumOff val="50000"/>
+                  </a:srgbClr>
+                </a:solidFill>
+                <a:prstDash val="solid"/>
+              </a:ln>
+              <a:effectLst/>
+            </p:spPr>
+            <p:txBody>
+              <a:bodyPr rtlCol="0" anchor="ctr"/>
+              <a:lstStyle/>
+              <a:p>
+                <a:endParaRPr lang="pt-BR" sz="1200" kern="0" dirty="0">
+                  <a:solidFill>
+                    <a:prstClr val="black">
+                      <a:lumMod val="75000"/>
+                      <a:lumOff val="25000"/>
+                    </a:prstClr>
+                  </a:solidFill>
+                  <a:latin typeface="Segoe UI"/>
+                </a:endParaRPr>
+              </a:p>
+            </p:txBody>
+          </p:sp>
+          <p:grpSp>
+            <p:nvGrpSpPr>
+              <p:cNvPr id="12" name="Group 11"/>
+              <p:cNvGrpSpPr/>
+              <p:nvPr/>
+            </p:nvGrpSpPr>
+            <p:grpSpPr>
+              <a:xfrm>
+                <a:off x="7260350" y="363706"/>
+                <a:ext cx="744325" cy="182880"/>
+                <a:chOff x="7260350" y="363706"/>
+                <a:chExt cx="744325" cy="182880"/>
+              </a:xfrm>
+            </p:grpSpPr>
+            <p:pic>
+              <p:nvPicPr>
+                <p:cNvPr id="13" name="Search" descr="C:\Users\t-dantay\Documents\Placeholders\search.png"/>
+                <p:cNvPicPr>
+                  <a:picLocks noChangeAspect="1" noChangeArrowheads="1"/>
+                </p:cNvPicPr>
+                <p:nvPr/>
+              </p:nvPicPr>
+              <p:blipFill>
+                <a:blip r:embed="rId14" cstate="print">
+                  <a:extLst>
+                    <a:ext uri="{28A0092B-C50C-407E-A947-70E740481C1C}">
+                      <a14:useLocalDpi xmlns:a14="http://schemas.microsoft.com/office/drawing/2010/main" val="0"/>
+                    </a:ext>
+                  </a:extLst>
+                </a:blip>
+                <a:srcRect/>
+                <a:stretch>
+                  <a:fillRect/>
+                </a:stretch>
+              </p:blipFill>
+              <p:spPr bwMode="auto">
+                <a:xfrm flipH="1">
+                  <a:off x="7260350" y="363706"/>
+                  <a:ext cx="182880" cy="182880"/>
+                </a:xfrm>
+                <a:prstGeom prst="rect">
+                  <a:avLst/>
+                </a:prstGeom>
+                <a:noFill/>
+                <a:extLst>
+                  <a:ext uri="{909E8E84-426E-40DD-AFC4-6F175D3DCCD1}">
+                    <a14:hiddenFill xmlns:a14="http://schemas.microsoft.com/office/drawing/2010/main">
+                      <a:solidFill>
+                        <a:srgbClr val="FFFFFF"/>
+                      </a:solidFill>
+                    </a14:hiddenFill>
+                  </a:ext>
+                </a:extLst>
+              </p:spPr>
+            </p:pic>
+            <p:pic>
+              <p:nvPicPr>
+                <p:cNvPr id="14" name="Refresh" descr="C:\Users\t-dantay\Documents\First24\arrowrepeat1.png"/>
+                <p:cNvPicPr>
+                  <a:picLocks noChangeAspect="1" noChangeArrowheads="1"/>
+                </p:cNvPicPr>
+                <p:nvPr/>
+              </p:nvPicPr>
+              <p:blipFill>
+                <a:blip r:embed="rId15" cstate="print">
+                  <a:extLst>
+                    <a:ext uri="{28A0092B-C50C-407E-A947-70E740481C1C}">
+                      <a14:useLocalDpi xmlns:a14="http://schemas.microsoft.com/office/drawing/2010/main" val="0"/>
+                    </a:ext>
+                  </a:extLst>
+                </a:blip>
+                <a:srcRect/>
+                <a:stretch>
+                  <a:fillRect/>
+                </a:stretch>
+              </p:blipFill>
+              <p:spPr bwMode="auto">
+                <a:xfrm>
+                  <a:off x="7644400" y="363706"/>
+                  <a:ext cx="182880" cy="182880"/>
+                </a:xfrm>
+                <a:prstGeom prst="rect">
+                  <a:avLst/>
+                </a:prstGeom>
+                <a:noFill/>
+                <a:extLst>
+                  <a:ext uri="{909E8E84-426E-40DD-AFC4-6F175D3DCCD1}">
+                    <a14:hiddenFill xmlns:a14="http://schemas.microsoft.com/office/drawing/2010/main">
+                      <a:solidFill>
+                        <a:srgbClr val="FFFFFF"/>
+                      </a:solidFill>
+                    </a14:hiddenFill>
+                  </a:ext>
+                </a:extLst>
+              </p:spPr>
+            </p:pic>
+            <p:pic>
+              <p:nvPicPr>
+                <p:cNvPr id="15" name="Drop Down" descr="C:\Users\t-dantay\Documents\First24\arrowsimple1.png"/>
+                <p:cNvPicPr>
+                  <a:picLocks noChangeAspect="1" noChangeArrowheads="1"/>
+                </p:cNvPicPr>
+                <p:nvPr/>
+              </p:nvPicPr>
+              <p:blipFill>
+                <a:blip r:embed="rId16" cstate="print">
+                  <a:extLst>
+                    <a:ext uri="{28A0092B-C50C-407E-A947-70E740481C1C}">
+                      <a14:useLocalDpi xmlns:a14="http://schemas.microsoft.com/office/drawing/2010/main" val="0"/>
+                    </a:ext>
+                  </a:extLst>
+                </a:blip>
+                <a:srcRect/>
+                <a:stretch>
+                  <a:fillRect/>
+                </a:stretch>
+              </p:blipFill>
+              <p:spPr bwMode="auto">
+                <a:xfrm rot="5400000">
+                  <a:off x="7476150" y="409426"/>
+                  <a:ext cx="91440" cy="91440"/>
+                </a:xfrm>
+                <a:prstGeom prst="rect">
+                  <a:avLst/>
+                </a:prstGeom>
+                <a:noFill/>
+                <a:extLst>
+                  <a:ext uri="{909E8E84-426E-40DD-AFC4-6F175D3DCCD1}">
+                    <a14:hiddenFill xmlns:a14="http://schemas.microsoft.com/office/drawing/2010/main">
+                      <a:solidFill>
+                        <a:srgbClr val="FFFFFF"/>
+                      </a:solidFill>
+                    </a14:hiddenFill>
+                  </a:ext>
+                </a:extLst>
+              </p:spPr>
+            </p:pic>
+            <p:grpSp>
+              <p:nvGrpSpPr>
+                <p:cNvPr id="16" name="X"/>
+                <p:cNvGrpSpPr/>
+                <p:nvPr/>
+              </p:nvGrpSpPr>
+              <p:grpSpPr>
+                <a:xfrm>
+                  <a:off x="7913235" y="409426"/>
+                  <a:ext cx="91440" cy="91440"/>
+                  <a:chOff x="4687215" y="1739180"/>
+                  <a:chExt cx="91440" cy="91440"/>
+                </a:xfrm>
+              </p:grpSpPr>
+              <p:cxnSp>
+                <p:nvCxnSpPr>
+                  <p:cNvPr id="17" name="Straight Connector 16"/>
+                  <p:cNvCxnSpPr/>
+                  <p:nvPr/>
+                </p:nvCxnSpPr>
+                <p:spPr>
+                  <a:xfrm flipV="1">
+                    <a:off x="4687215" y="1739180"/>
+                    <a:ext cx="91440" cy="91440"/>
+                  </a:xfrm>
+                  <a:prstGeom prst="line">
+                    <a:avLst/>
+                  </a:prstGeom>
+                  <a:ln w="28575">
+                    <a:solidFill>
+                      <a:srgbClr val="FFFFFF">
+                        <a:lumMod val="50000"/>
+                      </a:srgbClr>
+                    </a:solidFill>
+                  </a:ln>
+                </p:spPr>
+                <p:style>
+                  <a:lnRef idx="1">
+                    <a:srgbClr val="FFFFFF"/>
+                  </a:lnRef>
+                  <a:fillRef idx="0">
+                    <a:srgbClr val="FFFFFF"/>
+                  </a:fillRef>
+                  <a:effectRef idx="0">
+                    <a:srgbClr val="FFFFFF"/>
+                  </a:effectRef>
+                  <a:fontRef idx="minor">
+                    <a:srgbClr val="000000"/>
+                  </a:fontRef>
+                </p:style>
+              </p:cxnSp>
+              <p:cxnSp>
+                <p:nvCxnSpPr>
+                  <p:cNvPr id="18" name="Straight Connector 17"/>
+                  <p:cNvCxnSpPr/>
+                  <p:nvPr/>
+                </p:nvCxnSpPr>
+                <p:spPr>
+                  <a:xfrm>
+                    <a:off x="4687215" y="1739180"/>
+                    <a:ext cx="91440" cy="91440"/>
+                  </a:xfrm>
+                  <a:prstGeom prst="line">
+                    <a:avLst/>
+                  </a:prstGeom>
+                  <a:ln w="28575">
+                    <a:solidFill>
+                      <a:srgbClr val="FFFFFF">
+                        <a:lumMod val="50000"/>
+                      </a:srgbClr>
+                    </a:solidFill>
+                  </a:ln>
+                </p:spPr>
+                <p:style>
+                  <a:lnRef idx="1">
+                    <a:srgbClr val="FFFFFF"/>
+                  </a:lnRef>
+                  <a:fillRef idx="0">
+                    <a:srgbClr val="FFFFFF"/>
+                  </a:fillRef>
+                  <a:effectRef idx="0">
+                    <a:srgbClr val="FFFFFF"/>
+                  </a:effectRef>
+                  <a:fontRef idx="minor">
+                    <a:srgbClr val="000000"/>
+                  </a:fontRef>
+                </p:style>
+              </p:cxnSp>
+            </p:grpSp>
+          </p:grpSp>
+        </p:grpSp>
+      </p:grpSp>
+      <p:sp>
+        <p:nvSpPr>
+          <p:cNvPr id="33" name="Retângulo 32"/>
+          <p:cNvSpPr/>
+          <p:nvPr/>
+        </p:nvSpPr>
+        <p:spPr>
+          <a:xfrm>
+            <a:off x="101600" y="685159"/>
+            <a:ext cx="11988800" cy="1433201"/>
+          </a:xfrm>
+          <a:prstGeom prst="rect">
+            <a:avLst/>
+          </a:prstGeom>
+          <a:noFill/>
+          <a:ln>
+            <a:solidFill>
+              <a:schemeClr val="tx1"/>
+            </a:solidFill>
+          </a:ln>
+        </p:spPr>
+        <p:style>
+          <a:lnRef idx="2">
+            <a:schemeClr val="accent1">
+              <a:shade val="50000"/>
+            </a:schemeClr>
+          </a:lnRef>
+          <a:fillRef idx="1">
+            <a:schemeClr val="accent1"/>
+          </a:fillRef>
+          <a:effectRef idx="0">
+            <a:schemeClr val="accent1"/>
+          </a:effectRef>
+          <a:fontRef idx="minor">
+            <a:schemeClr val="lt1"/>
+          </a:fontRef>
+        </p:style>
+        <p:txBody>
+          <a:bodyPr rtlCol="0" anchor="ctr"/>
+          <a:lstStyle/>
+          <a:p>
+            <a:pPr algn="ctr"/>
+            <a:endParaRPr lang="pt-BR"/>
+          </a:p>
+        </p:txBody>
+      </p:sp>
+      <p:pic>
+        <p:nvPicPr>
+          <p:cNvPr id="34" name="Imagem 33"/>
+          <p:cNvPicPr>
+            <a:picLocks noChangeAspect="1"/>
+          </p:cNvPicPr>
+          <p:nvPr/>
+        </p:nvPicPr>
+        <p:blipFill>
+          <a:blip r:embed="rId17"/>
+          <a:stretch>
+            <a:fillRect/>
+          </a:stretch>
+        </p:blipFill>
+        <p:spPr>
+          <a:xfrm>
+            <a:off x="206164" y="758648"/>
+            <a:ext cx="361950" cy="780874"/>
+          </a:xfrm>
+          <a:prstGeom prst="rect">
+            <a:avLst/>
+          </a:prstGeom>
+        </p:spPr>
+      </p:pic>
+      <p:sp>
+        <p:nvSpPr>
+          <p:cNvPr id="35" name="Content"/>
+          <p:cNvSpPr txBox="1"/>
+          <p:nvPr>
+            <p:custDataLst>
+              <p:custData r:id="rId2"/>
+            </p:custDataLst>
+          </p:nvPr>
+        </p:nvSpPr>
+        <p:spPr>
+          <a:xfrm>
+            <a:off x="37680" y="1539522"/>
+            <a:ext cx="1060868" cy="323165"/>
+          </a:xfrm>
+          <a:prstGeom prst="rect">
+            <a:avLst/>
+          </a:prstGeom>
+          <a:noFill/>
+        </p:spPr>
+        <p:txBody>
+          <a:bodyPr wrap="none" lIns="91440" tIns="18288" rIns="91440" bIns="27432" rtlCol="0" anchor="ctr" anchorCtr="0">
+            <a:spAutoFit/>
+          </a:bodyPr>
+          <a:lstStyle/>
+          <a:p>
+            <a:r>
+              <a:rPr lang="en-US" dirty="0">
+                <a:solidFill>
+                  <a:srgbClr val="000000"/>
+                </a:solidFill>
+                <a:latin typeface="Segoe UI" pitchFamily="34" charset="0"/>
+                <a:ea typeface="Segoe UI" pitchFamily="34" charset="0"/>
+                <a:cs typeface="Segoe UI" pitchFamily="34" charset="0"/>
+              </a:rPr>
+              <a:t>UNIRON</a:t>
+            </a:r>
+          </a:p>
+        </p:txBody>
+      </p:sp>
+      <p:pic>
+        <p:nvPicPr>
+          <p:cNvPr id="36" name="Picture 2" descr="C:\Users\t-dantay\Documents\Placeholders\user.png"/>
+          <p:cNvPicPr>
+            <a:picLocks noChangeAspect="1" noChangeArrowheads="1"/>
+          </p:cNvPicPr>
+          <p:nvPr>
+            <p:custDataLst>
+              <p:custData r:id="rId3"/>
+            </p:custDataLst>
+          </p:nvPr>
+        </p:nvPicPr>
+        <p:blipFill>
+          <a:blip r:embed="rId18" cstate="print">
+            <a:extLst>
+              <a:ext uri="{28A0092B-C50C-407E-A947-70E740481C1C}">
+                <a14:useLocalDpi xmlns:a14="http://schemas.microsoft.com/office/drawing/2010/main" val="0"/>
+              </a:ext>
+            </a:extLst>
+          </a:blip>
+          <a:srcRect/>
+          <a:stretch>
+            <a:fillRect/>
+          </a:stretch>
+        </p:blipFill>
+        <p:spPr bwMode="auto">
+          <a:xfrm>
+            <a:off x="1351280" y="1149084"/>
+            <a:ext cx="401320" cy="438943"/>
+          </a:xfrm>
+          <a:prstGeom prst="rect">
+            <a:avLst/>
+          </a:prstGeom>
+          <a:noFill/>
+          <a:extLst>
+            <a:ext uri="{909E8E84-426E-40DD-AFC4-6F175D3DCCD1}">
+              <a14:hiddenFill xmlns:a14="http://schemas.microsoft.com/office/drawing/2010/main">
+                <a:solidFill>
+                  <a:srgbClr val="FFFFFF"/>
+                </a:solidFill>
+              </a14:hiddenFill>
+            </a:ext>
+          </a:extLst>
+        </p:spPr>
+      </p:pic>
+      <p:sp>
+        <p:nvSpPr>
+          <p:cNvPr id="37" name="Elipse 36"/>
+          <p:cNvSpPr/>
+          <p:nvPr/>
+        </p:nvSpPr>
+        <p:spPr>
+          <a:xfrm>
+            <a:off x="1133474" y="1048403"/>
+            <a:ext cx="836932" cy="706711"/>
+          </a:xfrm>
+          <a:prstGeom prst="ellipse">
+            <a:avLst/>
+          </a:prstGeom>
+          <a:noFill/>
+        </p:spPr>
+        <p:style>
+          <a:lnRef idx="2">
+            <a:schemeClr val="accent1">
+              <a:shade val="50000"/>
+            </a:schemeClr>
+          </a:lnRef>
+          <a:fillRef idx="1">
+            <a:schemeClr val="accent1"/>
+          </a:fillRef>
+          <a:effectRef idx="0">
+            <a:schemeClr val="accent1"/>
+          </a:effectRef>
+          <a:fontRef idx="minor">
+            <a:schemeClr val="lt1"/>
+          </a:fontRef>
+        </p:style>
+        <p:txBody>
+          <a:bodyPr rtlCol="0" anchor="ctr"/>
+          <a:lstStyle/>
+          <a:p>
+            <a:pPr algn="ctr"/>
+            <a:endParaRPr lang="pt-BR"/>
+          </a:p>
+        </p:txBody>
+      </p:sp>
+      <p:sp>
+        <p:nvSpPr>
+          <p:cNvPr id="38" name="Content"/>
+          <p:cNvSpPr txBox="1"/>
+          <p:nvPr>
+            <p:custDataLst>
+              <p:custData r:id="rId4"/>
+            </p:custDataLst>
+          </p:nvPr>
+        </p:nvSpPr>
+        <p:spPr>
+          <a:xfrm>
+            <a:off x="2059318" y="1030502"/>
+            <a:ext cx="4036682" cy="292388"/>
+          </a:xfrm>
+          <a:prstGeom prst="rect">
+            <a:avLst/>
+          </a:prstGeom>
+          <a:noFill/>
+        </p:spPr>
+        <p:txBody>
+          <a:bodyPr wrap="none" lIns="91440" tIns="18288" rIns="91440" bIns="27432" rtlCol="0" anchor="ctr" anchorCtr="0">
+            <a:spAutoFit/>
+          </a:bodyPr>
+          <a:lstStyle/>
+          <a:p>
+            <a:r>
+              <a:rPr lang="en-US" sz="1600" dirty="0" err="1">
+                <a:solidFill>
+                  <a:srgbClr val="000000"/>
+                </a:solidFill>
+                <a:latin typeface="Segoe UI" pitchFamily="34" charset="0"/>
+                <a:ea typeface="Segoe UI" pitchFamily="34" charset="0"/>
+                <a:cs typeface="Segoe UI" pitchFamily="34" charset="0"/>
+              </a:rPr>
+              <a:t>Acadêmico</a:t>
+            </a:r>
+            <a:r>
+              <a:rPr lang="en-US" sz="1600" dirty="0">
+                <a:solidFill>
+                  <a:srgbClr val="000000"/>
+                </a:solidFill>
+                <a:latin typeface="Segoe UI" pitchFamily="34" charset="0"/>
+                <a:ea typeface="Segoe UI" pitchFamily="34" charset="0"/>
+                <a:cs typeface="Segoe UI" pitchFamily="34" charset="0"/>
+              </a:rPr>
+              <a:t>: </a:t>
+            </a:r>
+            <a:r>
+              <a:rPr lang="en-US" sz="1600" dirty="0" err="1">
+                <a:solidFill>
+                  <a:srgbClr val="000000"/>
+                </a:solidFill>
+                <a:latin typeface="Segoe UI" pitchFamily="34" charset="0"/>
+                <a:ea typeface="Segoe UI" pitchFamily="34" charset="0"/>
+                <a:cs typeface="Segoe UI" pitchFamily="34" charset="0"/>
+              </a:rPr>
+              <a:t>Iscaminosfleuris</a:t>
+            </a:r>
+            <a:r>
+              <a:rPr lang="en-US" sz="1600" dirty="0">
+                <a:solidFill>
+                  <a:srgbClr val="000000"/>
+                </a:solidFill>
+                <a:latin typeface="Segoe UI" pitchFamily="34" charset="0"/>
+                <a:ea typeface="Segoe UI" pitchFamily="34" charset="0"/>
+                <a:cs typeface="Segoe UI" pitchFamily="34" charset="0"/>
+              </a:rPr>
+              <a:t> da Silva </a:t>
+            </a:r>
+            <a:r>
+              <a:rPr lang="en-US" sz="1600" dirty="0" err="1">
+                <a:solidFill>
+                  <a:srgbClr val="000000"/>
+                </a:solidFill>
+                <a:latin typeface="Segoe UI" pitchFamily="34" charset="0"/>
+                <a:ea typeface="Segoe UI" pitchFamily="34" charset="0"/>
+                <a:cs typeface="Segoe UI" pitchFamily="34" charset="0"/>
+              </a:rPr>
+              <a:t>Sauro</a:t>
+            </a:r>
+            <a:endParaRPr lang="en-US" sz="1600" dirty="0">
+              <a:solidFill>
+                <a:srgbClr val="000000"/>
+              </a:solidFill>
+              <a:latin typeface="Segoe UI" pitchFamily="34" charset="0"/>
+              <a:ea typeface="Segoe UI" pitchFamily="34" charset="0"/>
+              <a:cs typeface="Segoe UI" pitchFamily="34" charset="0"/>
+            </a:endParaRPr>
+          </a:p>
+        </p:txBody>
+      </p:sp>
+      <p:sp>
+        <p:nvSpPr>
+          <p:cNvPr id="39" name="Content"/>
+          <p:cNvSpPr txBox="1"/>
+          <p:nvPr>
+            <p:custDataLst>
+              <p:custData r:id="rId5"/>
+            </p:custDataLst>
+          </p:nvPr>
+        </p:nvSpPr>
+        <p:spPr>
+          <a:xfrm>
+            <a:off x="2034326" y="1373056"/>
+            <a:ext cx="2960490" cy="292388"/>
+          </a:xfrm>
+          <a:prstGeom prst="rect">
+            <a:avLst/>
+          </a:prstGeom>
+          <a:noFill/>
+        </p:spPr>
+        <p:txBody>
+          <a:bodyPr wrap="none" lIns="91440" tIns="18288" rIns="91440" bIns="27432" rtlCol="0" anchor="ctr" anchorCtr="0">
+            <a:spAutoFit/>
+          </a:bodyPr>
+          <a:lstStyle/>
+          <a:p>
+            <a:r>
+              <a:rPr lang="en-US" sz="1600" dirty="0" err="1">
+                <a:solidFill>
+                  <a:srgbClr val="000000"/>
+                </a:solidFill>
+                <a:latin typeface="Segoe UI" pitchFamily="34" charset="0"/>
+                <a:ea typeface="Segoe UI" pitchFamily="34" charset="0"/>
+                <a:cs typeface="Segoe UI" pitchFamily="34" charset="0"/>
+              </a:rPr>
+              <a:t>Curso</a:t>
+            </a:r>
+            <a:r>
+              <a:rPr lang="en-US" sz="1600" dirty="0">
+                <a:solidFill>
+                  <a:srgbClr val="000000"/>
+                </a:solidFill>
+                <a:latin typeface="Segoe UI" pitchFamily="34" charset="0"/>
+                <a:ea typeface="Segoe UI" pitchFamily="34" charset="0"/>
+                <a:cs typeface="Segoe UI" pitchFamily="34" charset="0"/>
+              </a:rPr>
+              <a:t>: </a:t>
+            </a:r>
+            <a:r>
+              <a:rPr lang="en-US" sz="1600" dirty="0" err="1">
+                <a:solidFill>
+                  <a:srgbClr val="000000"/>
+                </a:solidFill>
+                <a:latin typeface="Segoe UI" pitchFamily="34" charset="0"/>
+                <a:ea typeface="Segoe UI" pitchFamily="34" charset="0"/>
+                <a:cs typeface="Segoe UI" pitchFamily="34" charset="0"/>
+              </a:rPr>
+              <a:t>Sistemas</a:t>
+            </a:r>
+            <a:r>
+              <a:rPr lang="en-US" sz="1600" dirty="0">
+                <a:solidFill>
+                  <a:srgbClr val="000000"/>
+                </a:solidFill>
+                <a:latin typeface="Segoe UI" pitchFamily="34" charset="0"/>
+                <a:ea typeface="Segoe UI" pitchFamily="34" charset="0"/>
+                <a:cs typeface="Segoe UI" pitchFamily="34" charset="0"/>
+              </a:rPr>
+              <a:t> de </a:t>
+            </a:r>
+            <a:r>
+              <a:rPr lang="en-US" sz="1600" dirty="0" err="1">
+                <a:solidFill>
+                  <a:srgbClr val="000000"/>
+                </a:solidFill>
+                <a:latin typeface="Segoe UI" pitchFamily="34" charset="0"/>
+                <a:ea typeface="Segoe UI" pitchFamily="34" charset="0"/>
+                <a:cs typeface="Segoe UI" pitchFamily="34" charset="0"/>
+              </a:rPr>
+              <a:t>Informação</a:t>
+            </a:r>
+            <a:endParaRPr lang="en-US" sz="1600" dirty="0">
+              <a:solidFill>
+                <a:srgbClr val="000000"/>
+              </a:solidFill>
+              <a:latin typeface="Segoe UI" pitchFamily="34" charset="0"/>
+              <a:ea typeface="Segoe UI" pitchFamily="34" charset="0"/>
+              <a:cs typeface="Segoe UI" pitchFamily="34" charset="0"/>
+            </a:endParaRPr>
+          </a:p>
+        </p:txBody>
+      </p:sp>
+      <p:sp>
+        <p:nvSpPr>
+          <p:cNvPr id="40" name="Content"/>
+          <p:cNvSpPr txBox="1"/>
+          <p:nvPr>
+            <p:custDataLst>
+              <p:custData r:id="rId6"/>
+            </p:custDataLst>
+          </p:nvPr>
+        </p:nvSpPr>
+        <p:spPr>
+          <a:xfrm>
+            <a:off x="5354952" y="1423041"/>
+            <a:ext cx="2070695" cy="292388"/>
+          </a:xfrm>
+          <a:prstGeom prst="rect">
+            <a:avLst/>
+          </a:prstGeom>
+          <a:noFill/>
+        </p:spPr>
+        <p:txBody>
+          <a:bodyPr wrap="none" lIns="91440" tIns="18288" rIns="91440" bIns="27432" rtlCol="0" anchor="ctr" anchorCtr="0">
+            <a:spAutoFit/>
+          </a:bodyPr>
+          <a:lstStyle/>
+          <a:p>
+            <a:r>
+              <a:rPr lang="en-US" sz="1600" dirty="0" err="1">
+                <a:solidFill>
+                  <a:srgbClr val="000000"/>
+                </a:solidFill>
+                <a:latin typeface="Segoe UI" pitchFamily="34" charset="0"/>
+                <a:ea typeface="Segoe UI" pitchFamily="34" charset="0"/>
+                <a:cs typeface="Segoe UI" pitchFamily="34" charset="0"/>
+              </a:rPr>
+              <a:t>Semestre</a:t>
+            </a:r>
+            <a:r>
+              <a:rPr lang="en-US" sz="1600" dirty="0">
+                <a:solidFill>
+                  <a:srgbClr val="000000"/>
+                </a:solidFill>
+                <a:latin typeface="Segoe UI" pitchFamily="34" charset="0"/>
+                <a:ea typeface="Segoe UI" pitchFamily="34" charset="0"/>
+                <a:cs typeface="Segoe UI" pitchFamily="34" charset="0"/>
+              </a:rPr>
+              <a:t>: 7º </a:t>
+            </a:r>
+            <a:r>
+              <a:rPr lang="en-US" sz="1600" dirty="0" err="1">
+                <a:solidFill>
+                  <a:srgbClr val="000000"/>
+                </a:solidFill>
+                <a:latin typeface="Segoe UI" pitchFamily="34" charset="0"/>
+                <a:ea typeface="Segoe UI" pitchFamily="34" charset="0"/>
+                <a:cs typeface="Segoe UI" pitchFamily="34" charset="0"/>
+              </a:rPr>
+              <a:t>Periodo</a:t>
+            </a:r>
+            <a:endParaRPr lang="en-US" sz="1600" dirty="0">
+              <a:solidFill>
+                <a:srgbClr val="000000"/>
+              </a:solidFill>
+              <a:latin typeface="Segoe UI" pitchFamily="34" charset="0"/>
+              <a:ea typeface="Segoe UI" pitchFamily="34" charset="0"/>
+              <a:cs typeface="Segoe UI" pitchFamily="34" charset="0"/>
+            </a:endParaRPr>
+          </a:p>
+        </p:txBody>
+      </p:sp>
+      <p:sp>
+        <p:nvSpPr>
+          <p:cNvPr id="41" name="Content"/>
+          <p:cNvSpPr txBox="1"/>
+          <p:nvPr>
+            <p:custDataLst>
+              <p:custData r:id="rId7"/>
+            </p:custDataLst>
+          </p:nvPr>
+        </p:nvSpPr>
+        <p:spPr>
+          <a:xfrm>
+            <a:off x="6327023" y="1050345"/>
+            <a:ext cx="1681871" cy="292388"/>
+          </a:xfrm>
+          <a:prstGeom prst="rect">
+            <a:avLst/>
+          </a:prstGeom>
+          <a:noFill/>
+        </p:spPr>
+        <p:txBody>
+          <a:bodyPr wrap="none" lIns="91440" tIns="18288" rIns="91440" bIns="27432" rtlCol="0" anchor="ctr" anchorCtr="0">
+            <a:spAutoFit/>
+          </a:bodyPr>
+          <a:lstStyle/>
+          <a:p>
+            <a:r>
+              <a:rPr lang="en-US" sz="1600" dirty="0" err="1">
+                <a:solidFill>
+                  <a:srgbClr val="000000"/>
+                </a:solidFill>
+                <a:latin typeface="Segoe UI" pitchFamily="34" charset="0"/>
+                <a:ea typeface="Segoe UI" pitchFamily="34" charset="0"/>
+                <a:cs typeface="Segoe UI" pitchFamily="34" charset="0"/>
+              </a:rPr>
+              <a:t>Matricula</a:t>
+            </a:r>
+            <a:r>
+              <a:rPr lang="en-US" sz="1600" dirty="0">
+                <a:solidFill>
+                  <a:srgbClr val="000000"/>
+                </a:solidFill>
+                <a:latin typeface="Segoe UI" pitchFamily="34" charset="0"/>
+                <a:ea typeface="Segoe UI" pitchFamily="34" charset="0"/>
+                <a:cs typeface="Segoe UI" pitchFamily="34" charset="0"/>
+              </a:rPr>
+              <a:t>: 00000</a:t>
+            </a:r>
+          </a:p>
+        </p:txBody>
+      </p:sp>
+      <p:sp>
+        <p:nvSpPr>
+          <p:cNvPr id="43" name="Content"/>
+          <p:cNvSpPr txBox="1"/>
+          <p:nvPr>
+            <p:custDataLst>
+              <p:custData r:id="rId8"/>
+            </p:custDataLst>
+          </p:nvPr>
+        </p:nvSpPr>
+        <p:spPr>
+          <a:xfrm>
+            <a:off x="8443336" y="1001432"/>
+            <a:ext cx="1749197" cy="292388"/>
+          </a:xfrm>
+          <a:prstGeom prst="rect">
+            <a:avLst/>
+          </a:prstGeom>
+          <a:noFill/>
+        </p:spPr>
+        <p:txBody>
+          <a:bodyPr wrap="none" lIns="91440" tIns="18288" rIns="91440" bIns="27432" rtlCol="0" anchor="ctr" anchorCtr="0">
+            <a:spAutoFit/>
+          </a:bodyPr>
+          <a:lstStyle/>
+          <a:p>
+            <a:r>
+              <a:rPr lang="en-US" sz="1600" dirty="0" err="1">
+                <a:solidFill>
+                  <a:srgbClr val="000000"/>
+                </a:solidFill>
+                <a:latin typeface="Segoe UI" pitchFamily="34" charset="0"/>
+                <a:ea typeface="Segoe UI" pitchFamily="34" charset="0"/>
+                <a:cs typeface="Segoe UI" pitchFamily="34" charset="0"/>
+              </a:rPr>
+              <a:t>Periodo</a:t>
+            </a:r>
+            <a:r>
+              <a:rPr lang="en-US" sz="1600" dirty="0">
+                <a:solidFill>
+                  <a:srgbClr val="000000"/>
+                </a:solidFill>
+                <a:latin typeface="Segoe UI" pitchFamily="34" charset="0"/>
+                <a:ea typeface="Segoe UI" pitchFamily="34" charset="0"/>
+                <a:cs typeface="Segoe UI" pitchFamily="34" charset="0"/>
+              </a:rPr>
+              <a:t>: </a:t>
+            </a:r>
+            <a:r>
+              <a:rPr lang="en-US" sz="1600" dirty="0" err="1">
+                <a:solidFill>
+                  <a:srgbClr val="000000"/>
+                </a:solidFill>
+                <a:latin typeface="Segoe UI" pitchFamily="34" charset="0"/>
+                <a:ea typeface="Segoe UI" pitchFamily="34" charset="0"/>
+                <a:cs typeface="Segoe UI" pitchFamily="34" charset="0"/>
+              </a:rPr>
+              <a:t>Noturno</a:t>
+            </a:r>
+            <a:endParaRPr lang="en-US" sz="1600" dirty="0">
+              <a:solidFill>
+                <a:srgbClr val="000000"/>
+              </a:solidFill>
+              <a:latin typeface="Segoe UI" pitchFamily="34" charset="0"/>
+              <a:ea typeface="Segoe UI" pitchFamily="34" charset="0"/>
+              <a:cs typeface="Segoe UI" pitchFamily="34" charset="0"/>
+            </a:endParaRPr>
+          </a:p>
+        </p:txBody>
+      </p:sp>
+      <p:sp>
+        <p:nvSpPr>
+          <p:cNvPr id="44" name="Content"/>
+          <p:cNvSpPr txBox="1"/>
+          <p:nvPr>
+            <p:custDataLst>
+              <p:custData r:id="rId9"/>
+            </p:custDataLst>
+          </p:nvPr>
+        </p:nvSpPr>
+        <p:spPr>
+          <a:xfrm>
+            <a:off x="7738397" y="1462726"/>
+            <a:ext cx="1942070" cy="292388"/>
+          </a:xfrm>
+          <a:prstGeom prst="rect">
+            <a:avLst/>
+          </a:prstGeom>
+          <a:noFill/>
+        </p:spPr>
+        <p:txBody>
+          <a:bodyPr wrap="none" lIns="91440" tIns="18288" rIns="91440" bIns="27432" rtlCol="0" anchor="ctr" anchorCtr="0">
+            <a:spAutoFit/>
+          </a:bodyPr>
+          <a:lstStyle/>
+          <a:p>
+            <a:r>
+              <a:rPr lang="en-US" sz="1600" dirty="0">
+                <a:solidFill>
+                  <a:srgbClr val="000000"/>
+                </a:solidFill>
+                <a:latin typeface="Segoe UI" pitchFamily="34" charset="0"/>
+                <a:ea typeface="Segoe UI" pitchFamily="34" charset="0"/>
+                <a:cs typeface="Segoe UI" pitchFamily="34" charset="0"/>
+              </a:rPr>
+              <a:t>Campus: </a:t>
+            </a:r>
+            <a:r>
+              <a:rPr lang="en-US" sz="1600" dirty="0" err="1">
+                <a:solidFill>
+                  <a:srgbClr val="000000"/>
+                </a:solidFill>
+                <a:latin typeface="Segoe UI" pitchFamily="34" charset="0"/>
+                <a:ea typeface="Segoe UI" pitchFamily="34" charset="0"/>
+                <a:cs typeface="Segoe UI" pitchFamily="34" charset="0"/>
+              </a:rPr>
+              <a:t>Mamoré</a:t>
+            </a:r>
+            <a:r>
+              <a:rPr lang="en-US" sz="1600" dirty="0">
+                <a:solidFill>
+                  <a:srgbClr val="000000"/>
+                </a:solidFill>
+                <a:latin typeface="Segoe UI" pitchFamily="34" charset="0"/>
+                <a:ea typeface="Segoe UI" pitchFamily="34" charset="0"/>
+                <a:cs typeface="Segoe UI" pitchFamily="34" charset="0"/>
+              </a:rPr>
+              <a:t> II</a:t>
+            </a:r>
+          </a:p>
+        </p:txBody>
+      </p:sp>
+      <p:sp>
+        <p:nvSpPr>
+          <p:cNvPr id="45" name="Retângulo 44"/>
+          <p:cNvSpPr/>
+          <p:nvPr/>
+        </p:nvSpPr>
+        <p:spPr>
+          <a:xfrm>
+            <a:off x="101600" y="2118360"/>
+            <a:ext cx="873760" cy="4633600"/>
+          </a:xfrm>
+          <a:prstGeom prst="rect">
+            <a:avLst/>
+          </a:prstGeom>
+          <a:noFill/>
+          <a:ln>
+            <a:solidFill>
+              <a:schemeClr val="tx1"/>
+            </a:solidFill>
+          </a:ln>
+        </p:spPr>
+        <p:style>
+          <a:lnRef idx="2">
+            <a:schemeClr val="accent1">
+              <a:shade val="50000"/>
+            </a:schemeClr>
+          </a:lnRef>
+          <a:fillRef idx="1">
+            <a:schemeClr val="accent1"/>
+          </a:fillRef>
+          <a:effectRef idx="0">
+            <a:schemeClr val="accent1"/>
+          </a:effectRef>
+          <a:fontRef idx="minor">
+            <a:schemeClr val="lt1"/>
+          </a:fontRef>
+        </p:style>
+        <p:txBody>
+          <a:bodyPr rtlCol="0" anchor="ctr"/>
+          <a:lstStyle/>
+          <a:p>
+            <a:pPr algn="ctr"/>
+            <a:endParaRPr lang="pt-BR"/>
+          </a:p>
+        </p:txBody>
+      </p:sp>
+      <p:sp>
+        <p:nvSpPr>
+          <p:cNvPr id="46" name="Elipse 45"/>
+          <p:cNvSpPr/>
+          <p:nvPr/>
+        </p:nvSpPr>
+        <p:spPr>
+          <a:xfrm>
+            <a:off x="150919" y="2460619"/>
+            <a:ext cx="769196" cy="685800"/>
+          </a:xfrm>
+          <a:prstGeom prst="ellipse">
+            <a:avLst/>
+          </a:prstGeom>
+          <a:noFill/>
+          <a:ln>
+            <a:solidFill>
+              <a:schemeClr val="tx1"/>
+            </a:solidFill>
+          </a:ln>
+        </p:spPr>
+        <p:style>
+          <a:lnRef idx="2">
+            <a:schemeClr val="accent1">
+              <a:shade val="50000"/>
+            </a:schemeClr>
+          </a:lnRef>
+          <a:fillRef idx="1">
+            <a:schemeClr val="accent1"/>
+          </a:fillRef>
+          <a:effectRef idx="0">
+            <a:schemeClr val="accent1"/>
+          </a:effectRef>
+          <a:fontRef idx="minor">
+            <a:schemeClr val="lt1"/>
+          </a:fontRef>
+        </p:style>
+        <p:txBody>
+          <a:bodyPr rtlCol="0" anchor="ctr"/>
+          <a:lstStyle/>
+          <a:p>
+            <a:pPr algn="ctr"/>
+            <a:endParaRPr lang="pt-BR"/>
+          </a:p>
+        </p:txBody>
+      </p:sp>
+      <p:sp>
+        <p:nvSpPr>
+          <p:cNvPr id="47" name="Elipse 46"/>
+          <p:cNvSpPr/>
+          <p:nvPr/>
+        </p:nvSpPr>
+        <p:spPr>
+          <a:xfrm>
+            <a:off x="137795" y="3351378"/>
+            <a:ext cx="769196" cy="685800"/>
+          </a:xfrm>
+          <a:prstGeom prst="ellipse">
+            <a:avLst/>
+          </a:prstGeom>
+          <a:noFill/>
+          <a:ln>
+            <a:solidFill>
+              <a:schemeClr val="tx1"/>
+            </a:solidFill>
+          </a:ln>
+        </p:spPr>
+        <p:style>
+          <a:lnRef idx="2">
+            <a:schemeClr val="accent1">
+              <a:shade val="50000"/>
+            </a:schemeClr>
+          </a:lnRef>
+          <a:fillRef idx="1">
+            <a:schemeClr val="accent1"/>
+          </a:fillRef>
+          <a:effectRef idx="0">
+            <a:schemeClr val="accent1"/>
+          </a:effectRef>
+          <a:fontRef idx="minor">
+            <a:schemeClr val="lt1"/>
+          </a:fontRef>
+        </p:style>
+        <p:txBody>
+          <a:bodyPr rtlCol="0" anchor="ctr"/>
+          <a:lstStyle/>
+          <a:p>
+            <a:pPr algn="ctr"/>
+            <a:endParaRPr lang="pt-BR"/>
+          </a:p>
+        </p:txBody>
+      </p:sp>
+      <p:sp>
+        <p:nvSpPr>
+          <p:cNvPr id="48" name="Elipse 47"/>
+          <p:cNvSpPr/>
+          <p:nvPr/>
+        </p:nvSpPr>
+        <p:spPr>
+          <a:xfrm>
+            <a:off x="137795" y="4292851"/>
+            <a:ext cx="769196" cy="685800"/>
+          </a:xfrm>
+          <a:prstGeom prst="ellipse">
+            <a:avLst/>
+          </a:prstGeom>
+          <a:noFill/>
+          <a:ln>
+            <a:solidFill>
+              <a:schemeClr val="tx1"/>
+            </a:solidFill>
+          </a:ln>
+        </p:spPr>
+        <p:style>
+          <a:lnRef idx="2">
+            <a:schemeClr val="accent1">
+              <a:shade val="50000"/>
+            </a:schemeClr>
+          </a:lnRef>
+          <a:fillRef idx="1">
+            <a:schemeClr val="accent1"/>
+          </a:fillRef>
+          <a:effectRef idx="0">
+            <a:schemeClr val="accent1"/>
+          </a:effectRef>
+          <a:fontRef idx="minor">
+            <a:schemeClr val="lt1"/>
+          </a:fontRef>
+        </p:style>
+        <p:txBody>
+          <a:bodyPr rtlCol="0" anchor="ctr"/>
+          <a:lstStyle/>
+          <a:p>
+            <a:pPr algn="ctr"/>
+            <a:endParaRPr lang="pt-BR"/>
+          </a:p>
+        </p:txBody>
+      </p:sp>
+      <p:pic>
+        <p:nvPicPr>
+          <p:cNvPr id="50" name="Imagem 49" descr="Uma imagem contendo sinal, ao ar livre, céu, coisa&#10;&#10;Descrição gerada com muito alta confiança"/>
+          <p:cNvPicPr>
+            <a:picLocks noChangeAspect="1"/>
+          </p:cNvPicPr>
+          <p:nvPr/>
+        </p:nvPicPr>
+        <p:blipFill>
+          <a:blip r:embed="rId19">
+            <a:extLst>
+              <a:ext uri="{28A0092B-C50C-407E-A947-70E740481C1C}">
+                <a14:useLocalDpi xmlns:a14="http://schemas.microsoft.com/office/drawing/2010/main" val="0"/>
+              </a:ext>
+            </a:extLst>
+          </a:blip>
+          <a:stretch>
+            <a:fillRect/>
+          </a:stretch>
+        </p:blipFill>
+        <p:spPr>
+          <a:xfrm>
+            <a:off x="284855" y="3416872"/>
+            <a:ext cx="533400" cy="533400"/>
+          </a:xfrm>
+          <a:prstGeom prst="rect">
+            <a:avLst/>
+          </a:prstGeom>
+        </p:spPr>
+      </p:pic>
+      <p:pic>
+        <p:nvPicPr>
+          <p:cNvPr id="54" name="Imagem 53"/>
+          <p:cNvPicPr>
+            <a:picLocks noChangeAspect="1"/>
+          </p:cNvPicPr>
+          <p:nvPr/>
+        </p:nvPicPr>
+        <p:blipFill>
+          <a:blip r:embed="rId20">
+            <a:extLst>
+              <a:ext uri="{28A0092B-C50C-407E-A947-70E740481C1C}">
+                <a14:useLocalDpi xmlns:a14="http://schemas.microsoft.com/office/drawing/2010/main" val="0"/>
+              </a:ext>
+            </a:extLst>
+          </a:blip>
+          <a:stretch>
+            <a:fillRect/>
+          </a:stretch>
+        </p:blipFill>
+        <p:spPr>
+          <a:xfrm>
+            <a:off x="253427" y="2517045"/>
+            <a:ext cx="629374" cy="629374"/>
+          </a:xfrm>
+          <a:prstGeom prst="rect">
+            <a:avLst/>
+          </a:prstGeom>
+        </p:spPr>
+      </p:pic>
+      <p:pic>
+        <p:nvPicPr>
+          <p:cNvPr id="58" name="Imagem 57"/>
+          <p:cNvPicPr>
+            <a:picLocks noChangeAspect="1"/>
+          </p:cNvPicPr>
+          <p:nvPr/>
+        </p:nvPicPr>
+        <p:blipFill>
+          <a:blip r:embed="rId21">
+            <a:extLst>
+              <a:ext uri="{28A0092B-C50C-407E-A947-70E740481C1C}">
+                <a14:useLocalDpi xmlns:a14="http://schemas.microsoft.com/office/drawing/2010/main" val="0"/>
+              </a:ext>
+            </a:extLst>
+          </a:blip>
+          <a:stretch>
+            <a:fillRect/>
+          </a:stretch>
+        </p:blipFill>
+        <p:spPr>
+          <a:xfrm>
+            <a:off x="261127" y="4353096"/>
+            <a:ext cx="564669" cy="564669"/>
+          </a:xfrm>
+          <a:prstGeom prst="rect">
+            <a:avLst/>
+          </a:prstGeom>
+        </p:spPr>
+      </p:pic>
+      <p:sp>
+        <p:nvSpPr>
+          <p:cNvPr id="31" name="Triângulo isósceles 30"/>
+          <p:cNvSpPr/>
+          <p:nvPr/>
+        </p:nvSpPr>
+        <p:spPr>
+          <a:xfrm rot="16200000">
+            <a:off x="881744" y="4583263"/>
+            <a:ext cx="120277" cy="104333"/>
+          </a:xfrm>
+          <a:prstGeom prst="triangle">
+            <a:avLst/>
+          </a:prstGeom>
+          <a:solidFill>
+            <a:schemeClr val="tx1"/>
+          </a:solidFill>
+        </p:spPr>
+        <p:style>
+          <a:lnRef idx="2">
+            <a:schemeClr val="accent1">
+              <a:shade val="50000"/>
+            </a:schemeClr>
+          </a:lnRef>
+          <a:fillRef idx="1">
+            <a:schemeClr val="accent1"/>
+          </a:fillRef>
+          <a:effectRef idx="0">
+            <a:schemeClr val="accent1"/>
+          </a:effectRef>
+          <a:fontRef idx="minor">
+            <a:schemeClr val="lt1"/>
+          </a:fontRef>
+        </p:style>
+        <p:txBody>
+          <a:bodyPr rtlCol="0" anchor="ctr"/>
+          <a:lstStyle/>
+          <a:p>
+            <a:pPr algn="ctr"/>
+            <a:endParaRPr lang="pt-BR"/>
+          </a:p>
+        </p:txBody>
+      </p:sp>
+      <p:sp>
+        <p:nvSpPr>
+          <p:cNvPr id="32" name="Retângulo 31"/>
+          <p:cNvSpPr/>
+          <p:nvPr/>
+        </p:nvSpPr>
+        <p:spPr>
+          <a:xfrm>
+            <a:off x="984036" y="2118358"/>
+            <a:ext cx="633372" cy="4633602"/>
+          </a:xfrm>
+          <a:prstGeom prst="rect">
+            <a:avLst/>
+          </a:prstGeom>
+          <a:noFill/>
+          <a:ln>
+            <a:solidFill>
+              <a:schemeClr val="tx1"/>
+            </a:solidFill>
+          </a:ln>
+        </p:spPr>
+        <p:style>
+          <a:lnRef idx="2">
+            <a:schemeClr val="accent1">
+              <a:shade val="50000"/>
+            </a:schemeClr>
+          </a:lnRef>
+          <a:fillRef idx="1">
+            <a:schemeClr val="accent1"/>
+          </a:fillRef>
+          <a:effectRef idx="0">
+            <a:schemeClr val="accent1"/>
+          </a:effectRef>
+          <a:fontRef idx="minor">
+            <a:schemeClr val="lt1"/>
+          </a:fontRef>
+        </p:style>
+        <p:txBody>
+          <a:bodyPr rtlCol="0" anchor="ctr"/>
+          <a:lstStyle/>
+          <a:p>
+            <a:pPr algn="ctr"/>
+            <a:endParaRPr lang="pt-BR"/>
+          </a:p>
+        </p:txBody>
+      </p:sp>
+      <p:sp>
+        <p:nvSpPr>
+          <p:cNvPr id="42" name="Elipse 41"/>
+          <p:cNvSpPr/>
+          <p:nvPr/>
+        </p:nvSpPr>
+        <p:spPr>
+          <a:xfrm>
+            <a:off x="1028309" y="3751084"/>
+            <a:ext cx="540447" cy="544156"/>
+          </a:xfrm>
+          <a:prstGeom prst="ellipse">
+            <a:avLst/>
+          </a:prstGeom>
+          <a:noFill/>
+          <a:ln>
+            <a:solidFill>
+              <a:schemeClr val="tx1"/>
+            </a:solidFill>
+          </a:ln>
+        </p:spPr>
+        <p:style>
+          <a:lnRef idx="2">
+            <a:schemeClr val="accent1">
+              <a:shade val="50000"/>
+            </a:schemeClr>
+          </a:lnRef>
+          <a:fillRef idx="1">
+            <a:schemeClr val="accent1"/>
+          </a:fillRef>
+          <a:effectRef idx="0">
+            <a:schemeClr val="accent1"/>
+          </a:effectRef>
+          <a:fontRef idx="minor">
+            <a:schemeClr val="lt1"/>
+          </a:fontRef>
+        </p:style>
+        <p:txBody>
+          <a:bodyPr rtlCol="0" anchor="ctr"/>
+          <a:lstStyle/>
+          <a:p>
+            <a:pPr algn="ctr"/>
+            <a:endParaRPr lang="pt-BR"/>
+          </a:p>
+        </p:txBody>
+      </p:sp>
+      <p:sp>
+        <p:nvSpPr>
+          <p:cNvPr id="52" name="Elipse 51"/>
+          <p:cNvSpPr/>
+          <p:nvPr/>
+        </p:nvSpPr>
+        <p:spPr>
+          <a:xfrm>
+            <a:off x="1024197" y="4353096"/>
+            <a:ext cx="540447" cy="544156"/>
+          </a:xfrm>
+          <a:prstGeom prst="ellipse">
+            <a:avLst/>
+          </a:prstGeom>
+          <a:noFill/>
+          <a:ln>
+            <a:solidFill>
+              <a:schemeClr val="tx1"/>
+            </a:solidFill>
+          </a:ln>
+        </p:spPr>
+        <p:style>
+          <a:lnRef idx="2">
+            <a:schemeClr val="accent1">
+              <a:shade val="50000"/>
+            </a:schemeClr>
+          </a:lnRef>
+          <a:fillRef idx="1">
+            <a:schemeClr val="accent1"/>
+          </a:fillRef>
+          <a:effectRef idx="0">
+            <a:schemeClr val="accent1"/>
+          </a:effectRef>
+          <a:fontRef idx="minor">
+            <a:schemeClr val="lt1"/>
+          </a:fontRef>
+        </p:style>
+        <p:txBody>
+          <a:bodyPr rtlCol="0" anchor="ctr"/>
+          <a:lstStyle/>
+          <a:p>
+            <a:pPr algn="ctr"/>
+            <a:endParaRPr lang="pt-BR"/>
+          </a:p>
+        </p:txBody>
+      </p:sp>
+      <p:sp>
+        <p:nvSpPr>
+          <p:cNvPr id="53" name="Triângulo isósceles 52"/>
+          <p:cNvSpPr/>
+          <p:nvPr/>
+        </p:nvSpPr>
+        <p:spPr>
+          <a:xfrm rot="16200000">
+            <a:off x="1526183" y="3991782"/>
+            <a:ext cx="120277" cy="104333"/>
+          </a:xfrm>
+          <a:prstGeom prst="triangle">
+            <a:avLst/>
+          </a:prstGeom>
+          <a:solidFill>
+            <a:schemeClr val="tx1"/>
+          </a:solidFill>
+        </p:spPr>
+        <p:style>
+          <a:lnRef idx="2">
+            <a:schemeClr val="accent1">
+              <a:shade val="50000"/>
+            </a:schemeClr>
+          </a:lnRef>
+          <a:fillRef idx="1">
+            <a:schemeClr val="accent1"/>
+          </a:fillRef>
+          <a:effectRef idx="0">
+            <a:schemeClr val="accent1"/>
+          </a:effectRef>
+          <a:fontRef idx="minor">
+            <a:schemeClr val="lt1"/>
+          </a:fontRef>
+        </p:style>
+        <p:txBody>
+          <a:bodyPr rtlCol="0" anchor="ctr"/>
+          <a:lstStyle/>
+          <a:p>
+            <a:pPr algn="ctr"/>
+            <a:endParaRPr lang="pt-BR"/>
+          </a:p>
+        </p:txBody>
+      </p:sp>
+      <p:pic>
+        <p:nvPicPr>
+          <p:cNvPr id="51" name="Imagem 50" descr="Uma imagem contendo coisa&#10;&#10;Descrição gerada com alta confiança"/>
+          <p:cNvPicPr>
+            <a:picLocks noChangeAspect="1"/>
+          </p:cNvPicPr>
+          <p:nvPr/>
+        </p:nvPicPr>
+        <p:blipFill>
+          <a:blip r:embed="rId22">
+            <a:extLst>
+              <a:ext uri="{28A0092B-C50C-407E-A947-70E740481C1C}">
+                <a14:useLocalDpi xmlns:a14="http://schemas.microsoft.com/office/drawing/2010/main" val="0"/>
+              </a:ext>
+            </a:extLst>
+          </a:blip>
+          <a:stretch>
+            <a:fillRect/>
+          </a:stretch>
+        </p:blipFill>
+        <p:spPr>
+          <a:xfrm>
+            <a:off x="1114279" y="4445594"/>
+            <a:ext cx="369286" cy="369286"/>
+          </a:xfrm>
+          <a:prstGeom prst="rect">
+            <a:avLst/>
+          </a:prstGeom>
+        </p:spPr>
+      </p:pic>
+      <p:pic>
+        <p:nvPicPr>
+          <p:cNvPr id="56" name="Imagem 55"/>
+          <p:cNvPicPr>
+            <a:picLocks noChangeAspect="1"/>
+          </p:cNvPicPr>
+          <p:nvPr/>
+        </p:nvPicPr>
+        <p:blipFill>
+          <a:blip r:embed="rId23">
+            <a:extLst>
+              <a:ext uri="{28A0092B-C50C-407E-A947-70E740481C1C}">
+                <a14:useLocalDpi xmlns:a14="http://schemas.microsoft.com/office/drawing/2010/main" val="0"/>
+              </a:ext>
+            </a:extLst>
+          </a:blip>
+          <a:stretch>
+            <a:fillRect/>
+          </a:stretch>
+        </p:blipFill>
+        <p:spPr>
+          <a:xfrm>
+            <a:off x="1184145" y="3908411"/>
+            <a:ext cx="228692" cy="228692"/>
+          </a:xfrm>
+          <a:prstGeom prst="rect">
+            <a:avLst/>
+          </a:prstGeom>
+        </p:spPr>
+      </p:pic>
+    </p:spTree>
+    <p:extLst>
+      <p:ext uri="{BB962C8B-B14F-4D97-AF65-F5344CB8AC3E}">
+        <p14:creationId xmlns:p14="http://schemas.microsoft.com/office/powerpoint/2010/main" val="268465261"/>
+      </p:ext>
+    </p:extLst>
+  </p:cSld>
+  <p:clrMapOvr>
+    <a:masterClrMapping/>
+  </p:clrMapOvr>
+</p:sld>
+</file>
+
+<file path=ppt/slides/slide4.xml><?xml version="1.0" encoding="utf-8"?>
+<p:sld xmlns:a="http://schemas.openxmlformats.org/drawingml/2006/main" xmlns:r="http://schemas.openxmlformats.org/officeDocument/2006/relationships" xmlns:p="http://schemas.openxmlformats.org/presentationml/2006/main">
+  <p:cSld>
+    <p:spTree>
+      <p:nvGrpSpPr>
+        <p:cNvPr id="1" name=""/>
+        <p:cNvGrpSpPr/>
+        <p:nvPr/>
+      </p:nvGrpSpPr>
+      <p:grpSpPr>
+        <a:xfrm>
+          <a:off x="0" y="0"/>
+          <a:ext cx="0" cy="0"/>
+          <a:chOff x="0" y="0"/>
+          <a:chExt cx="0" cy="0"/>
+        </a:xfrm>
+      </p:grpSpPr>
+      <p:grpSp>
+        <p:nvGrpSpPr>
+          <p:cNvPr id="2" name="WebBrowser"/>
+          <p:cNvGrpSpPr/>
+          <p:nvPr>
+            <p:custDataLst>
+              <p:custData r:id="rId1"/>
+            </p:custDataLst>
+          </p:nvPr>
+        </p:nvGrpSpPr>
+        <p:grpSpPr>
+          <a:xfrm>
+            <a:off x="0" y="0"/>
+            <a:ext cx="12192000" cy="6858000"/>
+            <a:chOff x="0" y="0"/>
+            <a:chExt cx="9144000" cy="6858000"/>
+          </a:xfrm>
+        </p:grpSpPr>
+        <p:sp>
+          <p:nvSpPr>
+            <p:cNvPr id="3" name="Background"/>
+            <p:cNvSpPr/>
+            <p:nvPr/>
+          </p:nvSpPr>
+          <p:spPr>
+            <a:xfrm>
+              <a:off x="0" y="0"/>
+              <a:ext cx="9144000" cy="6858000"/>
+            </a:xfrm>
+            <a:prstGeom prst="rect">
+              <a:avLst/>
+            </a:prstGeom>
+            <a:solidFill>
+              <a:srgbClr val="FFFFFF">
+                <a:lumMod val="65000"/>
+              </a:srgbClr>
+            </a:solidFill>
+            <a:ln w="3175" cap="flat" cmpd="sng" algn="ctr">
+              <a:solidFill>
+                <a:srgbClr val="000000">
+                  <a:lumMod val="50000"/>
+                  <a:lumOff val="50000"/>
+                </a:srgbClr>
+              </a:solidFill>
+              <a:prstDash val="solid"/>
+            </a:ln>
+            <a:effectLst/>
+          </p:spPr>
+          <p:txBody>
+            <a:bodyPr rtlCol="0" anchor="ctr"/>
+            <a:lstStyle/>
+            <a:p>
+              <a:pPr algn="ctr"/>
+              <a:endParaRPr lang="pt-BR" sz="1050" kern="0">
+                <a:solidFill>
+                  <a:prstClr val="white"/>
+                </a:solidFill>
+                <a:latin typeface="Segoe UI"/>
+              </a:endParaRPr>
+            </a:p>
+          </p:txBody>
+        </p:sp>
+        <p:sp>
+          <p:nvSpPr>
+            <p:cNvPr id="4" name="WindowTitle"/>
+            <p:cNvSpPr txBox="1"/>
+            <p:nvPr/>
+          </p:nvSpPr>
+          <p:spPr>
+            <a:xfrm>
+              <a:off x="22515" y="22341"/>
+              <a:ext cx="882021" cy="230832"/>
+            </a:xfrm>
+            <a:prstGeom prst="rect">
+              <a:avLst/>
+            </a:prstGeom>
+            <a:noFill/>
+          </p:spPr>
+          <p:txBody>
+            <a:bodyPr wrap="none" lIns="91440" tIns="18288" rIns="91440" bIns="27432" rtlCol="0" anchor="ctr" anchorCtr="0">
+              <a:spAutoFit/>
+            </a:bodyPr>
+            <a:lstStyle/>
+            <a:p>
+              <a:r>
+                <a:rPr lang="pt-BR" sz="1200">
+                  <a:solidFill>
+                    <a:prstClr val="white"/>
+                  </a:solidFill>
+                  <a:latin typeface="Segoe UI" pitchFamily="34" charset="0"/>
+                  <a:ea typeface="Segoe UI" pitchFamily="34" charset="0"/>
+                  <a:cs typeface="Segoe UI" pitchFamily="34" charset="0"/>
+                </a:rPr>
+                <a:t>Web page title</a:t>
+              </a:r>
+            </a:p>
+          </p:txBody>
+        </p:sp>
+        <p:grpSp>
+          <p:nvGrpSpPr>
+            <p:cNvPr id="5" name="Group 4"/>
+            <p:cNvGrpSpPr/>
+            <p:nvPr/>
+          </p:nvGrpSpPr>
+          <p:grpSpPr>
+            <a:xfrm>
+              <a:off x="81598" y="286385"/>
+              <a:ext cx="320040" cy="316520"/>
+              <a:chOff x="72073" y="221749"/>
+              <a:chExt cx="320040" cy="316520"/>
+            </a:xfrm>
+          </p:grpSpPr>
+          <p:sp>
+            <p:nvSpPr>
+              <p:cNvPr id="29" name="Oval 28"/>
+              <p:cNvSpPr/>
+              <p:nvPr/>
+            </p:nvSpPr>
+            <p:spPr>
+              <a:xfrm>
+                <a:off x="72073" y="221749"/>
+                <a:ext cx="320040" cy="316520"/>
+              </a:xfrm>
+              <a:prstGeom prst="ellipse">
+                <a:avLst/>
+              </a:prstGeom>
+              <a:gradFill flip="none" rotWithShape="1">
+                <a:gsLst>
+                  <a:gs pos="91000">
+                    <a:srgbClr val="FFFFFF">
+                      <a:lumMod val="85000"/>
+                    </a:srgbClr>
+                  </a:gs>
+                  <a:gs pos="36000">
+                    <a:srgbClr val="FFFFFF">
+                      <a:lumMod val="95000"/>
+                    </a:srgbClr>
+                  </a:gs>
+                  <a:gs pos="100000">
+                    <a:srgbClr val="FFFFFF">
+                      <a:lumMod val="95000"/>
+                    </a:srgbClr>
+                  </a:gs>
+                </a:gsLst>
+                <a:lin ang="5400000" scaled="0"/>
+                <a:tileRect/>
+              </a:gradFill>
+              <a:ln w="3175">
+                <a:solidFill>
+                  <a:srgbClr val="000000">
+                    <a:lumMod val="50000"/>
+                    <a:lumOff val="50000"/>
+                  </a:srgbClr>
+                </a:solidFill>
+              </a:ln>
+              <a:effectLst/>
+            </p:spPr>
+            <p:style>
+              <a:lnRef idx="2">
+                <a:srgbClr val="4F81BD">
+                  <a:shade val="50000"/>
+                </a:srgbClr>
+              </a:lnRef>
+              <a:fillRef idx="1">
+                <a:srgbClr val="4F81BD"/>
+              </a:fillRef>
+              <a:effectRef idx="0">
+                <a:srgbClr val="4F81BD"/>
+              </a:effectRef>
+              <a:fontRef idx="minor">
+                <a:srgbClr val="000000"/>
+              </a:fontRef>
+            </p:style>
+            <p:txBody>
+              <a:bodyPr rtlCol="0" anchor="ctr"/>
+              <a:lstStyle/>
+              <a:p>
+                <a:pPr algn="ctr"/>
+                <a:endParaRPr lang="pt-BR" sz="1050" u="sng">
+                  <a:solidFill>
+                    <a:prstClr val="white"/>
+                  </a:solidFill>
+                </a:endParaRPr>
+              </a:p>
+            </p:txBody>
+          </p:sp>
+          <p:sp>
+            <p:nvSpPr>
+              <p:cNvPr id="30" name="Left Arrow 29"/>
+              <p:cNvSpPr/>
+              <p:nvPr/>
+            </p:nvSpPr>
+            <p:spPr>
+              <a:xfrm>
+                <a:off x="109358" y="275511"/>
+                <a:ext cx="223134" cy="208997"/>
+              </a:xfrm>
+              <a:prstGeom prst="leftArrow">
+                <a:avLst/>
+              </a:prstGeom>
+              <a:solidFill>
+                <a:sysClr val="window" lastClr="FFFFFF"/>
+              </a:solidFill>
+              <a:ln w="3175" cap="flat" cmpd="sng" algn="ctr">
+                <a:solidFill>
+                  <a:sysClr val="windowText" lastClr="000000">
+                    <a:lumMod val="75000"/>
+                    <a:lumOff val="25000"/>
+                  </a:sysClr>
+                </a:solidFill>
+                <a:prstDash val="solid"/>
+              </a:ln>
+              <a:effectLst/>
+            </p:spPr>
+            <p:txBody>
+              <a:bodyPr rtlCol="0" anchor="ctr"/>
+              <a:lstStyle/>
+              <a:p>
+                <a:pPr algn="ctr"/>
+                <a:endParaRPr lang="pt-BR" sz="1050" kern="0">
+                  <a:solidFill>
+                    <a:prstClr val="white"/>
+                  </a:solidFill>
+                  <a:latin typeface="Segoe UI"/>
+                </a:endParaRPr>
+              </a:p>
+            </p:txBody>
+          </p:sp>
+        </p:grpSp>
+        <p:grpSp>
+          <p:nvGrpSpPr>
+            <p:cNvPr id="6" name="Group 5"/>
+            <p:cNvGrpSpPr/>
+            <p:nvPr/>
+          </p:nvGrpSpPr>
+          <p:grpSpPr>
+            <a:xfrm>
+              <a:off x="453671" y="286384"/>
+              <a:ext cx="320040" cy="316520"/>
+              <a:chOff x="444146" y="221748"/>
+              <a:chExt cx="320040" cy="316520"/>
+            </a:xfrm>
+          </p:grpSpPr>
+          <p:sp>
+            <p:nvSpPr>
+              <p:cNvPr id="27" name="Oval 26"/>
+              <p:cNvSpPr/>
+              <p:nvPr/>
+            </p:nvSpPr>
+            <p:spPr>
+              <a:xfrm>
+                <a:off x="444146" y="221748"/>
+                <a:ext cx="320040" cy="316520"/>
+              </a:xfrm>
+              <a:prstGeom prst="ellipse">
+                <a:avLst/>
+              </a:prstGeom>
+              <a:gradFill flip="none" rotWithShape="1">
+                <a:gsLst>
+                  <a:gs pos="91000">
+                    <a:srgbClr val="FFFFFF">
+                      <a:lumMod val="85000"/>
+                    </a:srgbClr>
+                  </a:gs>
+                  <a:gs pos="36000">
+                    <a:srgbClr val="FFFFFF">
+                      <a:lumMod val="95000"/>
+                    </a:srgbClr>
+                  </a:gs>
+                  <a:gs pos="100000">
+                    <a:srgbClr val="FFFFFF">
+                      <a:lumMod val="95000"/>
+                    </a:srgbClr>
+                  </a:gs>
+                </a:gsLst>
+                <a:lin ang="5400000" scaled="0"/>
+                <a:tileRect/>
+              </a:gradFill>
+              <a:ln w="3175">
+                <a:solidFill>
+                  <a:srgbClr val="000000">
+                    <a:lumMod val="50000"/>
+                    <a:lumOff val="50000"/>
+                  </a:srgbClr>
+                </a:solidFill>
+              </a:ln>
+              <a:effectLst/>
+            </p:spPr>
+            <p:style>
+              <a:lnRef idx="2">
+                <a:srgbClr val="4F81BD">
+                  <a:shade val="50000"/>
+                </a:srgbClr>
+              </a:lnRef>
+              <a:fillRef idx="1">
+                <a:srgbClr val="4F81BD"/>
+              </a:fillRef>
+              <a:effectRef idx="0">
+                <a:srgbClr val="4F81BD"/>
+              </a:effectRef>
+              <a:fontRef idx="minor">
+                <a:srgbClr val="000000"/>
+              </a:fontRef>
+            </p:style>
+            <p:txBody>
+              <a:bodyPr rtlCol="0" anchor="ctr"/>
+              <a:lstStyle/>
+              <a:p>
+                <a:pPr algn="ctr"/>
+                <a:endParaRPr lang="pt-BR" sz="1050" u="sng">
+                  <a:solidFill>
+                    <a:prstClr val="white"/>
+                  </a:solidFill>
+                </a:endParaRPr>
+              </a:p>
+            </p:txBody>
+          </p:sp>
+          <p:sp>
+            <p:nvSpPr>
+              <p:cNvPr id="28" name="Right Arrow 27"/>
+              <p:cNvSpPr/>
+              <p:nvPr/>
+            </p:nvSpPr>
+            <p:spPr>
+              <a:xfrm>
+                <a:off x="481249" y="275509"/>
+                <a:ext cx="257146" cy="208999"/>
+              </a:xfrm>
+              <a:prstGeom prst="rightArrow">
+                <a:avLst/>
+              </a:prstGeom>
+              <a:solidFill>
+                <a:sysClr val="window" lastClr="FFFFFF"/>
+              </a:solidFill>
+              <a:ln w="3175" cap="flat" cmpd="sng" algn="ctr">
+                <a:solidFill>
+                  <a:sysClr val="windowText" lastClr="000000">
+                    <a:lumMod val="75000"/>
+                    <a:lumOff val="25000"/>
+                  </a:sysClr>
+                </a:solidFill>
+                <a:prstDash val="solid"/>
+              </a:ln>
+              <a:effectLst/>
+            </p:spPr>
+            <p:txBody>
+              <a:bodyPr rtlCol="0" anchor="ctr"/>
+              <a:lstStyle/>
+              <a:p>
+                <a:pPr algn="ctr"/>
+                <a:endParaRPr lang="pt-BR" sz="1050" kern="0">
+                  <a:solidFill>
+                    <a:prstClr val="white"/>
+                  </a:solidFill>
+                  <a:latin typeface="Segoe UI"/>
+                </a:endParaRPr>
+              </a:p>
+            </p:txBody>
+          </p:sp>
+        </p:grpSp>
+        <p:grpSp>
+          <p:nvGrpSpPr>
+            <p:cNvPr id="7" name="Minimize - Maximize - Close"/>
+            <p:cNvGrpSpPr/>
+            <p:nvPr/>
+          </p:nvGrpSpPr>
+          <p:grpSpPr>
+            <a:xfrm>
+              <a:off x="8632311" y="92599"/>
+              <a:ext cx="384527" cy="78032"/>
+              <a:chOff x="9347642" y="131588"/>
+              <a:chExt cx="384527" cy="78032"/>
+            </a:xfrm>
+          </p:grpSpPr>
+          <p:cxnSp>
+            <p:nvCxnSpPr>
+              <p:cNvPr id="22" name="Line"/>
+              <p:cNvCxnSpPr/>
+              <p:nvPr/>
+            </p:nvCxnSpPr>
+            <p:spPr>
+              <a:xfrm>
+                <a:off x="9661396" y="131588"/>
+                <a:ext cx="70773" cy="76200"/>
+              </a:xfrm>
+              <a:prstGeom prst="line">
+                <a:avLst/>
+              </a:prstGeom>
+              <a:ln w="12700">
+                <a:solidFill>
+                  <a:srgbClr val="FFFFFF"/>
+                </a:solidFill>
+              </a:ln>
+            </p:spPr>
+            <p:style>
+              <a:lnRef idx="1">
+                <a:srgbClr val="4F81BD"/>
+              </a:lnRef>
+              <a:fillRef idx="0">
+                <a:srgbClr val="4F81BD"/>
+              </a:fillRef>
+              <a:effectRef idx="0">
+                <a:srgbClr val="4F81BD"/>
+              </a:effectRef>
+              <a:fontRef idx="minor">
+                <a:srgbClr val="000000"/>
+              </a:fontRef>
+            </p:style>
+          </p:cxnSp>
+          <p:cxnSp>
+            <p:nvCxnSpPr>
+              <p:cNvPr id="23" name="Line"/>
+              <p:cNvCxnSpPr/>
+              <p:nvPr/>
+            </p:nvCxnSpPr>
+            <p:spPr>
+              <a:xfrm flipH="1">
+                <a:off x="9661395" y="131588"/>
+                <a:ext cx="70773" cy="76200"/>
+              </a:xfrm>
+              <a:prstGeom prst="line">
+                <a:avLst/>
+              </a:prstGeom>
+              <a:ln w="12700">
+                <a:solidFill>
+                  <a:srgbClr val="FFFFFF"/>
+                </a:solidFill>
+              </a:ln>
+            </p:spPr>
+            <p:style>
+              <a:lnRef idx="1">
+                <a:srgbClr val="4F81BD"/>
+              </a:lnRef>
+              <a:fillRef idx="0">
+                <a:srgbClr val="4F81BD"/>
+              </a:fillRef>
+              <a:effectRef idx="0">
+                <a:srgbClr val="4F81BD"/>
+              </a:effectRef>
+              <a:fontRef idx="minor">
+                <a:srgbClr val="000000"/>
+              </a:fontRef>
+            </p:style>
+          </p:cxnSp>
+          <p:sp>
+            <p:nvSpPr>
+              <p:cNvPr id="24" name="Line"/>
+              <p:cNvSpPr/>
+              <p:nvPr/>
+            </p:nvSpPr>
+            <p:spPr>
+              <a:xfrm rot="10800000" flipV="1">
+                <a:off x="9499472" y="143255"/>
+                <a:ext cx="91440" cy="9144"/>
+              </a:xfrm>
+              <a:prstGeom prst="rect">
+                <a:avLst/>
+              </a:prstGeom>
+              <a:solidFill>
+                <a:srgbClr val="919191"/>
+              </a:solidFill>
+              <a:ln w="3175">
+                <a:solidFill>
+                  <a:srgbClr val="FFFFFF"/>
+                </a:solidFill>
+              </a:ln>
+            </p:spPr>
+            <p:style>
+              <a:lnRef idx="2">
+                <a:srgbClr val="4F81BD">
+                  <a:shade val="50000"/>
+                </a:srgbClr>
+              </a:lnRef>
+              <a:fillRef idx="1001">
+                <a:srgbClr val="000000"/>
+              </a:fillRef>
+              <a:effectRef idx="0">
+                <a:srgbClr val="4F81BD"/>
+              </a:effectRef>
+              <a:fontRef idx="minor">
+                <a:srgbClr val="000000"/>
+              </a:fontRef>
+            </p:style>
+            <p:txBody>
+              <a:bodyPr rtlCol="0" anchor="ctr"/>
+              <a:lstStyle/>
+              <a:p>
+                <a:pPr algn="ctr"/>
+                <a:endParaRPr lang="pt-BR" sz="1050">
+                  <a:solidFill>
+                    <a:prstClr val="white"/>
+                  </a:solidFill>
+                </a:endParaRPr>
+              </a:p>
+            </p:txBody>
+          </p:sp>
+          <p:sp>
+            <p:nvSpPr>
+              <p:cNvPr id="25" name="Line"/>
+              <p:cNvSpPr/>
+              <p:nvPr/>
+            </p:nvSpPr>
+            <p:spPr>
+              <a:xfrm rot="10800000" flipV="1">
+                <a:off x="9498658" y="135261"/>
+                <a:ext cx="91440" cy="72527"/>
+              </a:xfrm>
+              <a:prstGeom prst="rect">
+                <a:avLst/>
+              </a:prstGeom>
+              <a:noFill/>
+              <a:ln w="12700">
+                <a:solidFill>
+                  <a:srgbClr val="FFFFFF"/>
+                </a:solidFill>
+              </a:ln>
+            </p:spPr>
+            <p:style>
+              <a:lnRef idx="2">
+                <a:srgbClr val="4F81BD">
+                  <a:shade val="50000"/>
+                </a:srgbClr>
+              </a:lnRef>
+              <a:fillRef idx="1001">
+                <a:srgbClr val="000000"/>
+              </a:fillRef>
+              <a:effectRef idx="0">
+                <a:srgbClr val="4F81BD"/>
+              </a:effectRef>
+              <a:fontRef idx="minor">
+                <a:srgbClr val="000000"/>
+              </a:fontRef>
+            </p:style>
+            <p:txBody>
+              <a:bodyPr rtlCol="0" anchor="ctr"/>
+              <a:lstStyle/>
+              <a:p>
+                <a:pPr algn="ctr"/>
+                <a:endParaRPr lang="pt-BR" sz="1050">
+                  <a:solidFill>
+                    <a:prstClr val="white"/>
+                  </a:solidFill>
+                </a:endParaRPr>
+              </a:p>
+            </p:txBody>
+          </p:sp>
+          <p:sp>
+            <p:nvSpPr>
+              <p:cNvPr id="26" name="Line"/>
+              <p:cNvSpPr/>
+              <p:nvPr/>
+            </p:nvSpPr>
+            <p:spPr>
+              <a:xfrm rot="10800000" flipV="1">
+                <a:off x="9347642" y="200476"/>
+                <a:ext cx="91440" cy="9144"/>
+              </a:xfrm>
+              <a:prstGeom prst="rect">
+                <a:avLst/>
+              </a:prstGeom>
+              <a:solidFill>
+                <a:srgbClr val="919191"/>
+              </a:solidFill>
+              <a:ln w="3175">
+                <a:solidFill>
+                  <a:srgbClr val="FFFFFF"/>
+                </a:solidFill>
+              </a:ln>
+            </p:spPr>
+            <p:style>
+              <a:lnRef idx="2">
+                <a:srgbClr val="4F81BD">
+                  <a:shade val="50000"/>
+                </a:srgbClr>
+              </a:lnRef>
+              <a:fillRef idx="1001">
+                <a:srgbClr val="000000"/>
+              </a:fillRef>
+              <a:effectRef idx="0">
+                <a:srgbClr val="4F81BD"/>
+              </a:effectRef>
+              <a:fontRef idx="minor">
+                <a:srgbClr val="000000"/>
+              </a:fontRef>
+            </p:style>
+            <p:txBody>
+              <a:bodyPr rtlCol="0" anchor="ctr"/>
+              <a:lstStyle/>
+              <a:p>
+                <a:pPr algn="ctr"/>
+                <a:endParaRPr lang="pt-BR" sz="1050">
+                  <a:solidFill>
+                    <a:prstClr val="white"/>
+                  </a:solidFill>
+                </a:endParaRPr>
+              </a:p>
+            </p:txBody>
+          </p:sp>
+        </p:grpSp>
+        <p:sp>
+          <p:nvSpPr>
+            <p:cNvPr id="8" name="WebPageBody"/>
+            <p:cNvSpPr/>
+            <p:nvPr/>
+          </p:nvSpPr>
+          <p:spPr>
+            <a:xfrm>
+              <a:off x="76200" y="685159"/>
+              <a:ext cx="8991600" cy="6066801"/>
+            </a:xfrm>
+            <a:prstGeom prst="rect">
+              <a:avLst/>
+            </a:prstGeom>
+            <a:solidFill>
+              <a:sysClr val="window" lastClr="FFFFFF"/>
+            </a:solidFill>
+            <a:ln w="3175" cap="flat" cmpd="sng" algn="ctr">
+              <a:solidFill>
+                <a:srgbClr val="000000">
+                  <a:lumMod val="50000"/>
+                  <a:lumOff val="50000"/>
+                </a:srgbClr>
+              </a:solidFill>
+              <a:prstDash val="solid"/>
+            </a:ln>
+            <a:effectLst/>
+          </p:spPr>
+          <p:txBody>
+            <a:bodyPr rtlCol="0" anchor="ctr"/>
+            <a:lstStyle/>
+            <a:p>
+              <a:pPr algn="ctr"/>
+              <a:endParaRPr lang="pt-BR" sz="1050" kern="0" dirty="0">
+                <a:solidFill>
+                  <a:prstClr val="white"/>
+                </a:solidFill>
+                <a:latin typeface="Segoe UI"/>
+              </a:endParaRPr>
+            </a:p>
+          </p:txBody>
+        </p:sp>
+        <p:grpSp>
+          <p:nvGrpSpPr>
+            <p:cNvPr id="9" name="Group 8"/>
+            <p:cNvGrpSpPr/>
+            <p:nvPr/>
+          </p:nvGrpSpPr>
+          <p:grpSpPr>
+            <a:xfrm>
+              <a:off x="8386335" y="360579"/>
+              <a:ext cx="640645" cy="183940"/>
+              <a:chOff x="8303527" y="360579"/>
+              <a:chExt cx="640645" cy="183940"/>
+            </a:xfrm>
+          </p:grpSpPr>
+          <p:pic>
+            <p:nvPicPr>
+              <p:cNvPr id="19" name="Picture 2" descr="C:\Users\t-dantay\Documents\Placeholders\home.png"/>
+              <p:cNvPicPr>
+                <a:picLocks noChangeAspect="1" noChangeArrowheads="1"/>
+              </p:cNvPicPr>
+              <p:nvPr/>
+            </p:nvPicPr>
+            <p:blipFill>
+              <a:blip r:embed="rId14" cstate="print">
+                <a:extLst>
+                  <a:ext uri="{28A0092B-C50C-407E-A947-70E740481C1C}">
+                    <a14:useLocalDpi xmlns:a14="http://schemas.microsoft.com/office/drawing/2010/main" val="0"/>
+                  </a:ext>
+                </a:extLst>
+              </a:blip>
+              <a:srcRect/>
+              <a:stretch>
+                <a:fillRect/>
+              </a:stretch>
+            </p:blipFill>
+            <p:spPr bwMode="auto">
+              <a:xfrm>
+                <a:off x="8303527" y="361109"/>
+                <a:ext cx="185783" cy="182880"/>
+              </a:xfrm>
+              <a:prstGeom prst="rect">
+                <a:avLst/>
+              </a:prstGeom>
+              <a:noFill/>
+              <a:extLst>
+                <a:ext uri="{909E8E84-426E-40DD-AFC4-6F175D3DCCD1}">
+                  <a14:hiddenFill xmlns:a14="http://schemas.microsoft.com/office/drawing/2010/main">
+                    <a:solidFill>
+                      <a:srgbClr val="FFFFFF"/>
+                    </a:solidFill>
+                  </a14:hiddenFill>
+                </a:ext>
+              </a:extLst>
+            </p:spPr>
+          </p:pic>
+          <p:pic>
+            <p:nvPicPr>
+              <p:cNvPr id="20" name="Picture 2" descr="C:\Users\t-dantay\Documents\Placeholders\setting.png"/>
+              <p:cNvPicPr>
+                <a:picLocks noChangeAspect="1" noChangeArrowheads="1"/>
+              </p:cNvPicPr>
+              <p:nvPr/>
+            </p:nvPicPr>
+            <p:blipFill rotWithShape="1">
+              <a:blip r:embed="rId15" cstate="print">
+                <a:extLst>
+                  <a:ext uri="{28A0092B-C50C-407E-A947-70E740481C1C}">
+                    <a14:useLocalDpi xmlns:a14="http://schemas.microsoft.com/office/drawing/2010/main" val="0"/>
+                  </a:ext>
+                </a:extLst>
+              </a:blip>
+              <a:srcRect t="13480" r="35484"/>
+              <a:stretch/>
+            </p:blipFill>
+            <p:spPr bwMode="auto">
+              <a:xfrm>
+                <a:off x="8761292" y="360579"/>
+                <a:ext cx="182880" cy="183940"/>
+              </a:xfrm>
+              <a:prstGeom prst="rect">
+                <a:avLst/>
+              </a:prstGeom>
+              <a:noFill/>
+              <a:extLst>
+                <a:ext uri="{909E8E84-426E-40DD-AFC4-6F175D3DCCD1}">
+                  <a14:hiddenFill xmlns:a14="http://schemas.microsoft.com/office/drawing/2010/main">
+                    <a:solidFill>
+                      <a:srgbClr val="FFFFFF"/>
+                    </a:solidFill>
+                  </a14:hiddenFill>
+                </a:ext>
+              </a:extLst>
+            </p:spPr>
+          </p:pic>
+          <p:pic>
+            <p:nvPicPr>
+              <p:cNvPr id="21" name="Picture 2" descr="C:\Users\t-dantay\Documents\Placeholders\star.png"/>
+              <p:cNvPicPr>
+                <a:picLocks noChangeAspect="1" noChangeArrowheads="1"/>
+              </p:cNvPicPr>
+              <p:nvPr/>
+            </p:nvPicPr>
+            <p:blipFill>
+              <a:blip r:embed="rId16" cstate="print">
+                <a:extLst>
+                  <a:ext uri="{28A0092B-C50C-407E-A947-70E740481C1C}">
+                    <a14:useLocalDpi xmlns:a14="http://schemas.microsoft.com/office/drawing/2010/main" val="0"/>
+                  </a:ext>
+                </a:extLst>
+              </a:blip>
+              <a:srcRect/>
+              <a:stretch>
+                <a:fillRect/>
+              </a:stretch>
+            </p:blipFill>
+            <p:spPr bwMode="auto">
+              <a:xfrm>
+                <a:off x="8529364" y="361109"/>
+                <a:ext cx="191874" cy="182880"/>
+              </a:xfrm>
+              <a:prstGeom prst="rect">
+                <a:avLst/>
+              </a:prstGeom>
+              <a:noFill/>
+              <a:extLst>
+                <a:ext uri="{909E8E84-426E-40DD-AFC4-6F175D3DCCD1}">
+                  <a14:hiddenFill xmlns:a14="http://schemas.microsoft.com/office/drawing/2010/main">
+                    <a:solidFill>
+                      <a:srgbClr val="FFFFFF"/>
+                    </a:solidFill>
+                  </a14:hiddenFill>
+                </a:ext>
+              </a:extLst>
+            </p:spPr>
+          </p:pic>
+        </p:grpSp>
+        <p:grpSp>
+          <p:nvGrpSpPr>
+            <p:cNvPr id="10" name="Group 9"/>
+            <p:cNvGrpSpPr/>
+            <p:nvPr/>
+          </p:nvGrpSpPr>
+          <p:grpSpPr>
+            <a:xfrm>
+              <a:off x="923925" y="340846"/>
+              <a:ext cx="7142930" cy="228600"/>
+              <a:chOff x="923925" y="340846"/>
+              <a:chExt cx="7142930" cy="228600"/>
+            </a:xfrm>
+          </p:grpSpPr>
+          <p:sp>
+            <p:nvSpPr>
+              <p:cNvPr id="11" name="UrlBar"/>
+              <p:cNvSpPr/>
+              <p:nvPr/>
+            </p:nvSpPr>
+            <p:spPr>
+              <a:xfrm>
+                <a:off x="923925" y="340846"/>
+                <a:ext cx="7142930" cy="228600"/>
+              </a:xfrm>
+              <a:prstGeom prst="rect">
+                <a:avLst/>
+              </a:prstGeom>
+              <a:solidFill>
+                <a:sysClr val="window" lastClr="FFFFFF"/>
+              </a:solidFill>
+              <a:ln w="3175" cap="flat" cmpd="sng" algn="ctr">
+                <a:solidFill>
+                  <a:srgbClr val="000000">
+                    <a:lumMod val="50000"/>
+                    <a:lumOff val="50000"/>
+                  </a:srgbClr>
+                </a:solidFill>
+                <a:prstDash val="solid"/>
+              </a:ln>
+              <a:effectLst/>
+            </p:spPr>
+            <p:txBody>
+              <a:bodyPr rtlCol="0" anchor="ctr"/>
+              <a:lstStyle/>
+              <a:p>
+                <a:endParaRPr lang="pt-BR" sz="1200" kern="0" dirty="0">
+                  <a:solidFill>
+                    <a:prstClr val="black">
+                      <a:lumMod val="75000"/>
+                      <a:lumOff val="25000"/>
+                    </a:prstClr>
+                  </a:solidFill>
+                  <a:latin typeface="Segoe UI"/>
+                </a:endParaRPr>
+              </a:p>
+            </p:txBody>
+          </p:sp>
+          <p:grpSp>
+            <p:nvGrpSpPr>
+              <p:cNvPr id="12" name="Group 11"/>
+              <p:cNvGrpSpPr/>
+              <p:nvPr/>
+            </p:nvGrpSpPr>
+            <p:grpSpPr>
+              <a:xfrm>
+                <a:off x="7260350" y="363706"/>
+                <a:ext cx="744325" cy="182880"/>
+                <a:chOff x="7260350" y="363706"/>
+                <a:chExt cx="744325" cy="182880"/>
+              </a:xfrm>
+            </p:grpSpPr>
+            <p:pic>
+              <p:nvPicPr>
+                <p:cNvPr id="13" name="Search" descr="C:\Users\t-dantay\Documents\Placeholders\search.png"/>
+                <p:cNvPicPr>
+                  <a:picLocks noChangeAspect="1" noChangeArrowheads="1"/>
+                </p:cNvPicPr>
+                <p:nvPr/>
+              </p:nvPicPr>
+              <p:blipFill>
+                <a:blip r:embed="rId17" cstate="print">
+                  <a:extLst>
+                    <a:ext uri="{28A0092B-C50C-407E-A947-70E740481C1C}">
+                      <a14:useLocalDpi xmlns:a14="http://schemas.microsoft.com/office/drawing/2010/main" val="0"/>
+                    </a:ext>
+                  </a:extLst>
+                </a:blip>
+                <a:srcRect/>
+                <a:stretch>
+                  <a:fillRect/>
+                </a:stretch>
+              </p:blipFill>
+              <p:spPr bwMode="auto">
+                <a:xfrm flipH="1">
+                  <a:off x="7260350" y="363706"/>
+                  <a:ext cx="182880" cy="182880"/>
+                </a:xfrm>
+                <a:prstGeom prst="rect">
+                  <a:avLst/>
+                </a:prstGeom>
+                <a:noFill/>
+                <a:extLst>
+                  <a:ext uri="{909E8E84-426E-40DD-AFC4-6F175D3DCCD1}">
+                    <a14:hiddenFill xmlns:a14="http://schemas.microsoft.com/office/drawing/2010/main">
+                      <a:solidFill>
+                        <a:srgbClr val="FFFFFF"/>
+                      </a:solidFill>
+                    </a14:hiddenFill>
+                  </a:ext>
+                </a:extLst>
+              </p:spPr>
+            </p:pic>
+            <p:pic>
+              <p:nvPicPr>
+                <p:cNvPr id="14" name="Refresh" descr="C:\Users\t-dantay\Documents\First24\arrowrepeat1.png"/>
+                <p:cNvPicPr>
+                  <a:picLocks noChangeAspect="1" noChangeArrowheads="1"/>
+                </p:cNvPicPr>
+                <p:nvPr/>
+              </p:nvPicPr>
+              <p:blipFill>
+                <a:blip r:embed="rId18" cstate="print">
+                  <a:extLst>
+                    <a:ext uri="{28A0092B-C50C-407E-A947-70E740481C1C}">
+                      <a14:useLocalDpi xmlns:a14="http://schemas.microsoft.com/office/drawing/2010/main" val="0"/>
+                    </a:ext>
+                  </a:extLst>
+                </a:blip>
+                <a:srcRect/>
+                <a:stretch>
+                  <a:fillRect/>
+                </a:stretch>
+              </p:blipFill>
+              <p:spPr bwMode="auto">
+                <a:xfrm>
+                  <a:off x="7644400" y="363706"/>
+                  <a:ext cx="182880" cy="182880"/>
+                </a:xfrm>
+                <a:prstGeom prst="rect">
+                  <a:avLst/>
+                </a:prstGeom>
+                <a:noFill/>
+                <a:extLst>
+                  <a:ext uri="{909E8E84-426E-40DD-AFC4-6F175D3DCCD1}">
+                    <a14:hiddenFill xmlns:a14="http://schemas.microsoft.com/office/drawing/2010/main">
+                      <a:solidFill>
+                        <a:srgbClr val="FFFFFF"/>
+                      </a:solidFill>
+                    </a14:hiddenFill>
+                  </a:ext>
+                </a:extLst>
+              </p:spPr>
+            </p:pic>
+            <p:pic>
+              <p:nvPicPr>
+                <p:cNvPr id="15" name="Drop Down" descr="C:\Users\t-dantay\Documents\First24\arrowsimple1.png"/>
+                <p:cNvPicPr>
+                  <a:picLocks noChangeAspect="1" noChangeArrowheads="1"/>
+                </p:cNvPicPr>
+                <p:nvPr/>
+              </p:nvPicPr>
+              <p:blipFill>
+                <a:blip r:embed="rId19" cstate="print">
+                  <a:extLst>
+                    <a:ext uri="{28A0092B-C50C-407E-A947-70E740481C1C}">
+                      <a14:useLocalDpi xmlns:a14="http://schemas.microsoft.com/office/drawing/2010/main" val="0"/>
+                    </a:ext>
+                  </a:extLst>
+                </a:blip>
+                <a:srcRect/>
+                <a:stretch>
+                  <a:fillRect/>
+                </a:stretch>
+              </p:blipFill>
+              <p:spPr bwMode="auto">
+                <a:xfrm rot="5400000">
+                  <a:off x="7476150" y="409426"/>
+                  <a:ext cx="91440" cy="91440"/>
+                </a:xfrm>
+                <a:prstGeom prst="rect">
+                  <a:avLst/>
+                </a:prstGeom>
+                <a:noFill/>
+                <a:extLst>
+                  <a:ext uri="{909E8E84-426E-40DD-AFC4-6F175D3DCCD1}">
+                    <a14:hiddenFill xmlns:a14="http://schemas.microsoft.com/office/drawing/2010/main">
+                      <a:solidFill>
+                        <a:srgbClr val="FFFFFF"/>
+                      </a:solidFill>
+                    </a14:hiddenFill>
+                  </a:ext>
+                </a:extLst>
+              </p:spPr>
+            </p:pic>
+            <p:grpSp>
+              <p:nvGrpSpPr>
+                <p:cNvPr id="16" name="X"/>
+                <p:cNvGrpSpPr/>
+                <p:nvPr/>
+              </p:nvGrpSpPr>
+              <p:grpSpPr>
+                <a:xfrm>
+                  <a:off x="7913235" y="409426"/>
+                  <a:ext cx="91440" cy="91440"/>
+                  <a:chOff x="4687215" y="1739180"/>
+                  <a:chExt cx="91440" cy="91440"/>
+                </a:xfrm>
+              </p:grpSpPr>
+              <p:cxnSp>
+                <p:nvCxnSpPr>
+                  <p:cNvPr id="17" name="Straight Connector 16"/>
+                  <p:cNvCxnSpPr/>
+                  <p:nvPr/>
+                </p:nvCxnSpPr>
+                <p:spPr>
+                  <a:xfrm flipV="1">
+                    <a:off x="4687215" y="1739180"/>
+                    <a:ext cx="91440" cy="91440"/>
+                  </a:xfrm>
+                  <a:prstGeom prst="line">
+                    <a:avLst/>
+                  </a:prstGeom>
+                  <a:ln w="28575">
+                    <a:solidFill>
+                      <a:srgbClr val="FFFFFF">
+                        <a:lumMod val="50000"/>
+                      </a:srgbClr>
+                    </a:solidFill>
+                  </a:ln>
+                </p:spPr>
+                <p:style>
+                  <a:lnRef idx="1">
+                    <a:srgbClr val="FFFFFF"/>
+                  </a:lnRef>
+                  <a:fillRef idx="0">
+                    <a:srgbClr val="FFFFFF"/>
+                  </a:fillRef>
+                  <a:effectRef idx="0">
+                    <a:srgbClr val="FFFFFF"/>
+                  </a:effectRef>
+                  <a:fontRef idx="minor">
+                    <a:srgbClr val="000000"/>
+                  </a:fontRef>
+                </p:style>
+              </p:cxnSp>
+              <p:cxnSp>
+                <p:nvCxnSpPr>
+                  <p:cNvPr id="18" name="Straight Connector 17"/>
+                  <p:cNvCxnSpPr/>
+                  <p:nvPr/>
+                </p:nvCxnSpPr>
+                <p:spPr>
+                  <a:xfrm>
+                    <a:off x="4687215" y="1739180"/>
+                    <a:ext cx="91440" cy="91440"/>
+                  </a:xfrm>
+                  <a:prstGeom prst="line">
+                    <a:avLst/>
+                  </a:prstGeom>
+                  <a:ln w="28575">
+                    <a:solidFill>
+                      <a:srgbClr val="FFFFFF">
+                        <a:lumMod val="50000"/>
+                      </a:srgbClr>
+                    </a:solidFill>
+                  </a:ln>
+                </p:spPr>
+                <p:style>
+                  <a:lnRef idx="1">
+                    <a:srgbClr val="FFFFFF"/>
+                  </a:lnRef>
+                  <a:fillRef idx="0">
+                    <a:srgbClr val="FFFFFF"/>
+                  </a:fillRef>
+                  <a:effectRef idx="0">
+                    <a:srgbClr val="FFFFFF"/>
+                  </a:effectRef>
+                  <a:fontRef idx="minor">
+                    <a:srgbClr val="000000"/>
+                  </a:fontRef>
+                </p:style>
+              </p:cxnSp>
+            </p:grpSp>
+          </p:grpSp>
+        </p:grpSp>
+      </p:grpSp>
+      <p:sp>
+        <p:nvSpPr>
+          <p:cNvPr id="33" name="Retângulo 32"/>
+          <p:cNvSpPr/>
+          <p:nvPr/>
+        </p:nvSpPr>
+        <p:spPr>
+          <a:xfrm>
+            <a:off x="101600" y="685159"/>
+            <a:ext cx="11988800" cy="1433201"/>
+          </a:xfrm>
+          <a:prstGeom prst="rect">
+            <a:avLst/>
+          </a:prstGeom>
+          <a:noFill/>
+          <a:ln>
+            <a:solidFill>
+              <a:schemeClr val="tx1"/>
+            </a:solidFill>
+          </a:ln>
+        </p:spPr>
+        <p:style>
+          <a:lnRef idx="2">
+            <a:schemeClr val="accent1">
+              <a:shade val="50000"/>
+            </a:schemeClr>
+          </a:lnRef>
+          <a:fillRef idx="1">
+            <a:schemeClr val="accent1"/>
+          </a:fillRef>
+          <a:effectRef idx="0">
+            <a:schemeClr val="accent1"/>
+          </a:effectRef>
+          <a:fontRef idx="minor">
+            <a:schemeClr val="lt1"/>
+          </a:fontRef>
+        </p:style>
+        <p:txBody>
+          <a:bodyPr rtlCol="0" anchor="ctr"/>
+          <a:lstStyle/>
+          <a:p>
+            <a:pPr algn="ctr"/>
+            <a:endParaRPr lang="pt-BR"/>
+          </a:p>
+        </p:txBody>
+      </p:sp>
+      <p:pic>
+        <p:nvPicPr>
+          <p:cNvPr id="34" name="Imagem 33"/>
+          <p:cNvPicPr>
+            <a:picLocks noChangeAspect="1"/>
+          </p:cNvPicPr>
+          <p:nvPr/>
+        </p:nvPicPr>
+        <p:blipFill>
+          <a:blip r:embed="rId20"/>
+          <a:stretch>
+            <a:fillRect/>
+          </a:stretch>
+        </p:blipFill>
+        <p:spPr>
+          <a:xfrm>
+            <a:off x="206164" y="758648"/>
+            <a:ext cx="361950" cy="780874"/>
+          </a:xfrm>
+          <a:prstGeom prst="rect">
+            <a:avLst/>
+          </a:prstGeom>
+        </p:spPr>
+      </p:pic>
+      <p:sp>
+        <p:nvSpPr>
+          <p:cNvPr id="35" name="Content"/>
+          <p:cNvSpPr txBox="1"/>
+          <p:nvPr>
+            <p:custDataLst>
+              <p:custData r:id="rId2"/>
+            </p:custDataLst>
+          </p:nvPr>
+        </p:nvSpPr>
+        <p:spPr>
+          <a:xfrm>
+            <a:off x="37680" y="1539522"/>
+            <a:ext cx="1060868" cy="323165"/>
+          </a:xfrm>
+          <a:prstGeom prst="rect">
+            <a:avLst/>
+          </a:prstGeom>
+          <a:noFill/>
+        </p:spPr>
+        <p:txBody>
+          <a:bodyPr wrap="none" lIns="91440" tIns="18288" rIns="91440" bIns="27432" rtlCol="0" anchor="ctr" anchorCtr="0">
+            <a:spAutoFit/>
+          </a:bodyPr>
+          <a:lstStyle/>
+          <a:p>
+            <a:r>
+              <a:rPr lang="en-US" dirty="0">
+                <a:solidFill>
+                  <a:srgbClr val="000000"/>
+                </a:solidFill>
+                <a:latin typeface="Segoe UI" pitchFamily="34" charset="0"/>
+                <a:ea typeface="Segoe UI" pitchFamily="34" charset="0"/>
+                <a:cs typeface="Segoe UI" pitchFamily="34" charset="0"/>
+              </a:rPr>
+              <a:t>UNIRON</a:t>
+            </a:r>
+          </a:p>
+        </p:txBody>
+      </p:sp>
+      <p:pic>
+        <p:nvPicPr>
+          <p:cNvPr id="36" name="Picture 2" descr="C:\Users\t-dantay\Documents\Placeholders\user.png"/>
+          <p:cNvPicPr>
+            <a:picLocks noChangeAspect="1" noChangeArrowheads="1"/>
+          </p:cNvPicPr>
+          <p:nvPr>
+            <p:custDataLst>
+              <p:custData r:id="rId3"/>
+            </p:custDataLst>
+          </p:nvPr>
+        </p:nvPicPr>
+        <p:blipFill>
+          <a:blip r:embed="rId21" cstate="print">
+            <a:extLst>
+              <a:ext uri="{28A0092B-C50C-407E-A947-70E740481C1C}">
+                <a14:useLocalDpi xmlns:a14="http://schemas.microsoft.com/office/drawing/2010/main" val="0"/>
+              </a:ext>
+            </a:extLst>
+          </a:blip>
+          <a:srcRect/>
+          <a:stretch>
+            <a:fillRect/>
+          </a:stretch>
+        </p:blipFill>
+        <p:spPr bwMode="auto">
+          <a:xfrm>
+            <a:off x="1351280" y="1149084"/>
+            <a:ext cx="401320" cy="438943"/>
+          </a:xfrm>
+          <a:prstGeom prst="rect">
+            <a:avLst/>
+          </a:prstGeom>
+          <a:noFill/>
+          <a:extLst>
+            <a:ext uri="{909E8E84-426E-40DD-AFC4-6F175D3DCCD1}">
+              <a14:hiddenFill xmlns:a14="http://schemas.microsoft.com/office/drawing/2010/main">
+                <a:solidFill>
+                  <a:srgbClr val="FFFFFF"/>
+                </a:solidFill>
+              </a14:hiddenFill>
+            </a:ext>
+          </a:extLst>
+        </p:spPr>
+      </p:pic>
+      <p:sp>
+        <p:nvSpPr>
+          <p:cNvPr id="37" name="Elipse 36"/>
+          <p:cNvSpPr/>
+          <p:nvPr/>
+        </p:nvSpPr>
+        <p:spPr>
+          <a:xfrm>
+            <a:off x="1133474" y="1048403"/>
+            <a:ext cx="836932" cy="706711"/>
+          </a:xfrm>
+          <a:prstGeom prst="ellipse">
+            <a:avLst/>
+          </a:prstGeom>
+          <a:noFill/>
+        </p:spPr>
+        <p:style>
+          <a:lnRef idx="2">
+            <a:schemeClr val="accent1">
+              <a:shade val="50000"/>
+            </a:schemeClr>
+          </a:lnRef>
+          <a:fillRef idx="1">
+            <a:schemeClr val="accent1"/>
+          </a:fillRef>
+          <a:effectRef idx="0">
+            <a:schemeClr val="accent1"/>
+          </a:effectRef>
+          <a:fontRef idx="minor">
+            <a:schemeClr val="lt1"/>
+          </a:fontRef>
+        </p:style>
+        <p:txBody>
+          <a:bodyPr rtlCol="0" anchor="ctr"/>
+          <a:lstStyle/>
+          <a:p>
+            <a:pPr algn="ctr"/>
+            <a:endParaRPr lang="pt-BR"/>
+          </a:p>
+        </p:txBody>
+      </p:sp>
+      <p:sp>
+        <p:nvSpPr>
+          <p:cNvPr id="38" name="Content"/>
+          <p:cNvSpPr txBox="1"/>
+          <p:nvPr>
+            <p:custDataLst>
+              <p:custData r:id="rId4"/>
+            </p:custDataLst>
+          </p:nvPr>
+        </p:nvSpPr>
+        <p:spPr>
+          <a:xfrm>
+            <a:off x="2059318" y="1030502"/>
+            <a:ext cx="4036682" cy="292388"/>
+          </a:xfrm>
+          <a:prstGeom prst="rect">
+            <a:avLst/>
+          </a:prstGeom>
+          <a:noFill/>
+        </p:spPr>
+        <p:txBody>
+          <a:bodyPr wrap="none" lIns="91440" tIns="18288" rIns="91440" bIns="27432" rtlCol="0" anchor="ctr" anchorCtr="0">
+            <a:spAutoFit/>
+          </a:bodyPr>
+          <a:lstStyle/>
+          <a:p>
+            <a:r>
+              <a:rPr lang="en-US" sz="1600" dirty="0" err="1">
+                <a:solidFill>
+                  <a:srgbClr val="000000"/>
+                </a:solidFill>
+                <a:latin typeface="Segoe UI" pitchFamily="34" charset="0"/>
+                <a:ea typeface="Segoe UI" pitchFamily="34" charset="0"/>
+                <a:cs typeface="Segoe UI" pitchFamily="34" charset="0"/>
+              </a:rPr>
+              <a:t>Acadêmico</a:t>
+            </a:r>
+            <a:r>
+              <a:rPr lang="en-US" sz="1600" dirty="0">
+                <a:solidFill>
+                  <a:srgbClr val="000000"/>
+                </a:solidFill>
+                <a:latin typeface="Segoe UI" pitchFamily="34" charset="0"/>
+                <a:ea typeface="Segoe UI" pitchFamily="34" charset="0"/>
+                <a:cs typeface="Segoe UI" pitchFamily="34" charset="0"/>
+              </a:rPr>
+              <a:t>: </a:t>
+            </a:r>
+            <a:r>
+              <a:rPr lang="en-US" sz="1600" dirty="0" err="1">
+                <a:solidFill>
+                  <a:srgbClr val="000000"/>
+                </a:solidFill>
+                <a:latin typeface="Segoe UI" pitchFamily="34" charset="0"/>
+                <a:ea typeface="Segoe UI" pitchFamily="34" charset="0"/>
+                <a:cs typeface="Segoe UI" pitchFamily="34" charset="0"/>
+              </a:rPr>
+              <a:t>Iscaminosfleuris</a:t>
+            </a:r>
+            <a:r>
+              <a:rPr lang="en-US" sz="1600" dirty="0">
+                <a:solidFill>
+                  <a:srgbClr val="000000"/>
+                </a:solidFill>
+                <a:latin typeface="Segoe UI" pitchFamily="34" charset="0"/>
+                <a:ea typeface="Segoe UI" pitchFamily="34" charset="0"/>
+                <a:cs typeface="Segoe UI" pitchFamily="34" charset="0"/>
+              </a:rPr>
+              <a:t> da Silva </a:t>
+            </a:r>
+            <a:r>
+              <a:rPr lang="en-US" sz="1600" dirty="0" err="1">
+                <a:solidFill>
+                  <a:srgbClr val="000000"/>
+                </a:solidFill>
+                <a:latin typeface="Segoe UI" pitchFamily="34" charset="0"/>
+                <a:ea typeface="Segoe UI" pitchFamily="34" charset="0"/>
+                <a:cs typeface="Segoe UI" pitchFamily="34" charset="0"/>
+              </a:rPr>
+              <a:t>Sauro</a:t>
+            </a:r>
+            <a:endParaRPr lang="en-US" sz="1600" dirty="0">
+              <a:solidFill>
+                <a:srgbClr val="000000"/>
+              </a:solidFill>
+              <a:latin typeface="Segoe UI" pitchFamily="34" charset="0"/>
+              <a:ea typeface="Segoe UI" pitchFamily="34" charset="0"/>
+              <a:cs typeface="Segoe UI" pitchFamily="34" charset="0"/>
+            </a:endParaRPr>
+          </a:p>
+        </p:txBody>
+      </p:sp>
+      <p:sp>
+        <p:nvSpPr>
+          <p:cNvPr id="39" name="Content"/>
+          <p:cNvSpPr txBox="1"/>
+          <p:nvPr>
+            <p:custDataLst>
+              <p:custData r:id="rId5"/>
+            </p:custDataLst>
+          </p:nvPr>
+        </p:nvSpPr>
+        <p:spPr>
+          <a:xfrm>
+            <a:off x="2034326" y="1373056"/>
+            <a:ext cx="2960490" cy="292388"/>
+          </a:xfrm>
+          <a:prstGeom prst="rect">
+            <a:avLst/>
+          </a:prstGeom>
+          <a:noFill/>
+        </p:spPr>
+        <p:txBody>
+          <a:bodyPr wrap="none" lIns="91440" tIns="18288" rIns="91440" bIns="27432" rtlCol="0" anchor="ctr" anchorCtr="0">
+            <a:spAutoFit/>
+          </a:bodyPr>
+          <a:lstStyle/>
+          <a:p>
+            <a:r>
+              <a:rPr lang="en-US" sz="1600" dirty="0" err="1">
+                <a:solidFill>
+                  <a:srgbClr val="000000"/>
+                </a:solidFill>
+                <a:latin typeface="Segoe UI" pitchFamily="34" charset="0"/>
+                <a:ea typeface="Segoe UI" pitchFamily="34" charset="0"/>
+                <a:cs typeface="Segoe UI" pitchFamily="34" charset="0"/>
+              </a:rPr>
+              <a:t>Curso</a:t>
+            </a:r>
+            <a:r>
+              <a:rPr lang="en-US" sz="1600" dirty="0">
+                <a:solidFill>
+                  <a:srgbClr val="000000"/>
+                </a:solidFill>
+                <a:latin typeface="Segoe UI" pitchFamily="34" charset="0"/>
+                <a:ea typeface="Segoe UI" pitchFamily="34" charset="0"/>
+                <a:cs typeface="Segoe UI" pitchFamily="34" charset="0"/>
+              </a:rPr>
+              <a:t>: </a:t>
+            </a:r>
+            <a:r>
+              <a:rPr lang="en-US" sz="1600" dirty="0" err="1">
+                <a:solidFill>
+                  <a:srgbClr val="000000"/>
+                </a:solidFill>
+                <a:latin typeface="Segoe UI" pitchFamily="34" charset="0"/>
+                <a:ea typeface="Segoe UI" pitchFamily="34" charset="0"/>
+                <a:cs typeface="Segoe UI" pitchFamily="34" charset="0"/>
+              </a:rPr>
+              <a:t>Sistemas</a:t>
+            </a:r>
+            <a:r>
+              <a:rPr lang="en-US" sz="1600" dirty="0">
+                <a:solidFill>
+                  <a:srgbClr val="000000"/>
+                </a:solidFill>
+                <a:latin typeface="Segoe UI" pitchFamily="34" charset="0"/>
+                <a:ea typeface="Segoe UI" pitchFamily="34" charset="0"/>
+                <a:cs typeface="Segoe UI" pitchFamily="34" charset="0"/>
+              </a:rPr>
+              <a:t> de </a:t>
+            </a:r>
+            <a:r>
+              <a:rPr lang="en-US" sz="1600" dirty="0" err="1">
+                <a:solidFill>
+                  <a:srgbClr val="000000"/>
+                </a:solidFill>
+                <a:latin typeface="Segoe UI" pitchFamily="34" charset="0"/>
+                <a:ea typeface="Segoe UI" pitchFamily="34" charset="0"/>
+                <a:cs typeface="Segoe UI" pitchFamily="34" charset="0"/>
+              </a:rPr>
+              <a:t>Informação</a:t>
+            </a:r>
+            <a:endParaRPr lang="en-US" sz="1600" dirty="0">
+              <a:solidFill>
+                <a:srgbClr val="000000"/>
+              </a:solidFill>
+              <a:latin typeface="Segoe UI" pitchFamily="34" charset="0"/>
+              <a:ea typeface="Segoe UI" pitchFamily="34" charset="0"/>
+              <a:cs typeface="Segoe UI" pitchFamily="34" charset="0"/>
+            </a:endParaRPr>
+          </a:p>
+        </p:txBody>
+      </p:sp>
+      <p:sp>
+        <p:nvSpPr>
+          <p:cNvPr id="40" name="Content"/>
+          <p:cNvSpPr txBox="1"/>
+          <p:nvPr>
+            <p:custDataLst>
+              <p:custData r:id="rId6"/>
+            </p:custDataLst>
+          </p:nvPr>
+        </p:nvSpPr>
+        <p:spPr>
+          <a:xfrm>
+            <a:off x="5354952" y="1423041"/>
+            <a:ext cx="2070695" cy="292388"/>
+          </a:xfrm>
+          <a:prstGeom prst="rect">
+            <a:avLst/>
+          </a:prstGeom>
+          <a:noFill/>
+        </p:spPr>
+        <p:txBody>
+          <a:bodyPr wrap="none" lIns="91440" tIns="18288" rIns="91440" bIns="27432" rtlCol="0" anchor="ctr" anchorCtr="0">
+            <a:spAutoFit/>
+          </a:bodyPr>
+          <a:lstStyle/>
+          <a:p>
+            <a:r>
+              <a:rPr lang="en-US" sz="1600" dirty="0" err="1">
+                <a:solidFill>
+                  <a:srgbClr val="000000"/>
+                </a:solidFill>
+                <a:latin typeface="Segoe UI" pitchFamily="34" charset="0"/>
+                <a:ea typeface="Segoe UI" pitchFamily="34" charset="0"/>
+                <a:cs typeface="Segoe UI" pitchFamily="34" charset="0"/>
+              </a:rPr>
+              <a:t>Semestre</a:t>
+            </a:r>
+            <a:r>
+              <a:rPr lang="en-US" sz="1600" dirty="0">
+                <a:solidFill>
+                  <a:srgbClr val="000000"/>
+                </a:solidFill>
+                <a:latin typeface="Segoe UI" pitchFamily="34" charset="0"/>
+                <a:ea typeface="Segoe UI" pitchFamily="34" charset="0"/>
+                <a:cs typeface="Segoe UI" pitchFamily="34" charset="0"/>
+              </a:rPr>
+              <a:t>: 7º </a:t>
+            </a:r>
+            <a:r>
+              <a:rPr lang="en-US" sz="1600" dirty="0" err="1">
+                <a:solidFill>
+                  <a:srgbClr val="000000"/>
+                </a:solidFill>
+                <a:latin typeface="Segoe UI" pitchFamily="34" charset="0"/>
+                <a:ea typeface="Segoe UI" pitchFamily="34" charset="0"/>
+                <a:cs typeface="Segoe UI" pitchFamily="34" charset="0"/>
+              </a:rPr>
+              <a:t>Periodo</a:t>
+            </a:r>
+            <a:endParaRPr lang="en-US" sz="1600" dirty="0">
+              <a:solidFill>
+                <a:srgbClr val="000000"/>
+              </a:solidFill>
+              <a:latin typeface="Segoe UI" pitchFamily="34" charset="0"/>
+              <a:ea typeface="Segoe UI" pitchFamily="34" charset="0"/>
+              <a:cs typeface="Segoe UI" pitchFamily="34" charset="0"/>
+            </a:endParaRPr>
+          </a:p>
+        </p:txBody>
+      </p:sp>
+      <p:sp>
+        <p:nvSpPr>
+          <p:cNvPr id="41" name="Content"/>
+          <p:cNvSpPr txBox="1"/>
+          <p:nvPr>
+            <p:custDataLst>
+              <p:custData r:id="rId7"/>
+            </p:custDataLst>
+          </p:nvPr>
+        </p:nvSpPr>
+        <p:spPr>
+          <a:xfrm>
+            <a:off x="6327023" y="1050345"/>
+            <a:ext cx="1681871" cy="292388"/>
+          </a:xfrm>
+          <a:prstGeom prst="rect">
+            <a:avLst/>
+          </a:prstGeom>
+          <a:noFill/>
+        </p:spPr>
+        <p:txBody>
+          <a:bodyPr wrap="none" lIns="91440" tIns="18288" rIns="91440" bIns="27432" rtlCol="0" anchor="ctr" anchorCtr="0">
+            <a:spAutoFit/>
+          </a:bodyPr>
+          <a:lstStyle/>
+          <a:p>
+            <a:r>
+              <a:rPr lang="en-US" sz="1600" dirty="0" err="1">
+                <a:solidFill>
+                  <a:srgbClr val="000000"/>
+                </a:solidFill>
+                <a:latin typeface="Segoe UI" pitchFamily="34" charset="0"/>
+                <a:ea typeface="Segoe UI" pitchFamily="34" charset="0"/>
+                <a:cs typeface="Segoe UI" pitchFamily="34" charset="0"/>
+              </a:rPr>
+              <a:t>Matricula</a:t>
+            </a:r>
+            <a:r>
+              <a:rPr lang="en-US" sz="1600" dirty="0">
+                <a:solidFill>
+                  <a:srgbClr val="000000"/>
+                </a:solidFill>
+                <a:latin typeface="Segoe UI" pitchFamily="34" charset="0"/>
+                <a:ea typeface="Segoe UI" pitchFamily="34" charset="0"/>
+                <a:cs typeface="Segoe UI" pitchFamily="34" charset="0"/>
+              </a:rPr>
+              <a:t>: 00000</a:t>
+            </a:r>
+          </a:p>
+        </p:txBody>
+      </p:sp>
+      <p:sp>
+        <p:nvSpPr>
+          <p:cNvPr id="43" name="Content"/>
+          <p:cNvSpPr txBox="1"/>
+          <p:nvPr>
+            <p:custDataLst>
+              <p:custData r:id="rId8"/>
+            </p:custDataLst>
+          </p:nvPr>
+        </p:nvSpPr>
+        <p:spPr>
+          <a:xfrm>
+            <a:off x="8443336" y="1001432"/>
+            <a:ext cx="1749197" cy="292388"/>
+          </a:xfrm>
+          <a:prstGeom prst="rect">
+            <a:avLst/>
+          </a:prstGeom>
+          <a:noFill/>
+        </p:spPr>
+        <p:txBody>
+          <a:bodyPr wrap="none" lIns="91440" tIns="18288" rIns="91440" bIns="27432" rtlCol="0" anchor="ctr" anchorCtr="0">
+            <a:spAutoFit/>
+          </a:bodyPr>
+          <a:lstStyle/>
+          <a:p>
+            <a:r>
+              <a:rPr lang="en-US" sz="1600" dirty="0" err="1">
+                <a:solidFill>
+                  <a:srgbClr val="000000"/>
+                </a:solidFill>
+                <a:latin typeface="Segoe UI" pitchFamily="34" charset="0"/>
+                <a:ea typeface="Segoe UI" pitchFamily="34" charset="0"/>
+                <a:cs typeface="Segoe UI" pitchFamily="34" charset="0"/>
+              </a:rPr>
+              <a:t>Periodo</a:t>
+            </a:r>
+            <a:r>
+              <a:rPr lang="en-US" sz="1600" dirty="0">
+                <a:solidFill>
+                  <a:srgbClr val="000000"/>
+                </a:solidFill>
+                <a:latin typeface="Segoe UI" pitchFamily="34" charset="0"/>
+                <a:ea typeface="Segoe UI" pitchFamily="34" charset="0"/>
+                <a:cs typeface="Segoe UI" pitchFamily="34" charset="0"/>
+              </a:rPr>
+              <a:t>: </a:t>
+            </a:r>
+            <a:r>
+              <a:rPr lang="en-US" sz="1600" dirty="0" err="1">
+                <a:solidFill>
+                  <a:srgbClr val="000000"/>
+                </a:solidFill>
+                <a:latin typeface="Segoe UI" pitchFamily="34" charset="0"/>
+                <a:ea typeface="Segoe UI" pitchFamily="34" charset="0"/>
+                <a:cs typeface="Segoe UI" pitchFamily="34" charset="0"/>
+              </a:rPr>
+              <a:t>Noturno</a:t>
+            </a:r>
+            <a:endParaRPr lang="en-US" sz="1600" dirty="0">
+              <a:solidFill>
+                <a:srgbClr val="000000"/>
+              </a:solidFill>
+              <a:latin typeface="Segoe UI" pitchFamily="34" charset="0"/>
+              <a:ea typeface="Segoe UI" pitchFamily="34" charset="0"/>
+              <a:cs typeface="Segoe UI" pitchFamily="34" charset="0"/>
+            </a:endParaRPr>
+          </a:p>
+        </p:txBody>
+      </p:sp>
+      <p:sp>
+        <p:nvSpPr>
+          <p:cNvPr id="44" name="Content"/>
+          <p:cNvSpPr txBox="1"/>
+          <p:nvPr>
+            <p:custDataLst>
+              <p:custData r:id="rId9"/>
+            </p:custDataLst>
+          </p:nvPr>
+        </p:nvSpPr>
+        <p:spPr>
+          <a:xfrm>
+            <a:off x="7738397" y="1462726"/>
+            <a:ext cx="1942070" cy="292388"/>
+          </a:xfrm>
+          <a:prstGeom prst="rect">
+            <a:avLst/>
+          </a:prstGeom>
+          <a:noFill/>
+        </p:spPr>
+        <p:txBody>
+          <a:bodyPr wrap="none" lIns="91440" tIns="18288" rIns="91440" bIns="27432" rtlCol="0" anchor="ctr" anchorCtr="0">
+            <a:spAutoFit/>
+          </a:bodyPr>
+          <a:lstStyle/>
+          <a:p>
+            <a:r>
+              <a:rPr lang="en-US" sz="1600" dirty="0">
+                <a:solidFill>
+                  <a:srgbClr val="000000"/>
+                </a:solidFill>
+                <a:latin typeface="Segoe UI" pitchFamily="34" charset="0"/>
+                <a:ea typeface="Segoe UI" pitchFamily="34" charset="0"/>
+                <a:cs typeface="Segoe UI" pitchFamily="34" charset="0"/>
+              </a:rPr>
+              <a:t>Campus: </a:t>
+            </a:r>
+            <a:r>
+              <a:rPr lang="en-US" sz="1600" dirty="0" err="1">
+                <a:solidFill>
+                  <a:srgbClr val="000000"/>
+                </a:solidFill>
+                <a:latin typeface="Segoe UI" pitchFamily="34" charset="0"/>
+                <a:ea typeface="Segoe UI" pitchFamily="34" charset="0"/>
+                <a:cs typeface="Segoe UI" pitchFamily="34" charset="0"/>
+              </a:rPr>
+              <a:t>Mamoré</a:t>
+            </a:r>
+            <a:r>
+              <a:rPr lang="en-US" sz="1600" dirty="0">
+                <a:solidFill>
+                  <a:srgbClr val="000000"/>
+                </a:solidFill>
+                <a:latin typeface="Segoe UI" pitchFamily="34" charset="0"/>
+                <a:ea typeface="Segoe UI" pitchFamily="34" charset="0"/>
+                <a:cs typeface="Segoe UI" pitchFamily="34" charset="0"/>
+              </a:rPr>
+              <a:t> II</a:t>
+            </a:r>
+          </a:p>
+        </p:txBody>
+      </p:sp>
+      <p:sp>
+        <p:nvSpPr>
+          <p:cNvPr id="45" name="Retângulo 44"/>
+          <p:cNvSpPr/>
+          <p:nvPr/>
+        </p:nvSpPr>
+        <p:spPr>
+          <a:xfrm>
+            <a:off x="101600" y="2118360"/>
+            <a:ext cx="873760" cy="4633600"/>
+          </a:xfrm>
+          <a:prstGeom prst="rect">
+            <a:avLst/>
+          </a:prstGeom>
+          <a:noFill/>
+          <a:ln>
+            <a:solidFill>
+              <a:schemeClr val="tx1"/>
+            </a:solidFill>
+          </a:ln>
+        </p:spPr>
+        <p:style>
+          <a:lnRef idx="2">
+            <a:schemeClr val="accent1">
+              <a:shade val="50000"/>
+            </a:schemeClr>
+          </a:lnRef>
+          <a:fillRef idx="1">
+            <a:schemeClr val="accent1"/>
+          </a:fillRef>
+          <a:effectRef idx="0">
+            <a:schemeClr val="accent1"/>
+          </a:effectRef>
+          <a:fontRef idx="minor">
+            <a:schemeClr val="lt1"/>
+          </a:fontRef>
+        </p:style>
+        <p:txBody>
+          <a:bodyPr rtlCol="0" anchor="ctr"/>
+          <a:lstStyle/>
+          <a:p>
+            <a:pPr algn="ctr"/>
+            <a:endParaRPr lang="pt-BR"/>
+          </a:p>
+        </p:txBody>
+      </p:sp>
+      <p:sp>
+        <p:nvSpPr>
+          <p:cNvPr id="46" name="Elipse 45"/>
+          <p:cNvSpPr/>
+          <p:nvPr/>
+        </p:nvSpPr>
+        <p:spPr>
+          <a:xfrm>
+            <a:off x="150919" y="2460619"/>
+            <a:ext cx="769196" cy="685800"/>
+          </a:xfrm>
+          <a:prstGeom prst="ellipse">
+            <a:avLst/>
+          </a:prstGeom>
+          <a:noFill/>
+          <a:ln>
+            <a:solidFill>
+              <a:schemeClr val="tx1"/>
+            </a:solidFill>
+          </a:ln>
+        </p:spPr>
+        <p:style>
+          <a:lnRef idx="2">
+            <a:schemeClr val="accent1">
+              <a:shade val="50000"/>
+            </a:schemeClr>
+          </a:lnRef>
+          <a:fillRef idx="1">
+            <a:schemeClr val="accent1"/>
+          </a:fillRef>
+          <a:effectRef idx="0">
+            <a:schemeClr val="accent1"/>
+          </a:effectRef>
+          <a:fontRef idx="minor">
+            <a:schemeClr val="lt1"/>
+          </a:fontRef>
+        </p:style>
+        <p:txBody>
+          <a:bodyPr rtlCol="0" anchor="ctr"/>
+          <a:lstStyle/>
+          <a:p>
+            <a:pPr algn="ctr"/>
+            <a:endParaRPr lang="pt-BR"/>
+          </a:p>
+        </p:txBody>
+      </p:sp>
+      <p:sp>
+        <p:nvSpPr>
+          <p:cNvPr id="47" name="Elipse 46"/>
+          <p:cNvSpPr/>
+          <p:nvPr/>
+        </p:nvSpPr>
+        <p:spPr>
+          <a:xfrm>
+            <a:off x="137795" y="3351378"/>
+            <a:ext cx="769196" cy="685800"/>
+          </a:xfrm>
+          <a:prstGeom prst="ellipse">
+            <a:avLst/>
+          </a:prstGeom>
+          <a:noFill/>
+          <a:ln>
+            <a:solidFill>
+              <a:schemeClr val="tx1"/>
+            </a:solidFill>
+          </a:ln>
+        </p:spPr>
+        <p:style>
+          <a:lnRef idx="2">
+            <a:schemeClr val="accent1">
+              <a:shade val="50000"/>
+            </a:schemeClr>
+          </a:lnRef>
+          <a:fillRef idx="1">
+            <a:schemeClr val="accent1"/>
+          </a:fillRef>
+          <a:effectRef idx="0">
+            <a:schemeClr val="accent1"/>
+          </a:effectRef>
+          <a:fontRef idx="minor">
+            <a:schemeClr val="lt1"/>
+          </a:fontRef>
+        </p:style>
+        <p:txBody>
+          <a:bodyPr rtlCol="0" anchor="ctr"/>
+          <a:lstStyle/>
+          <a:p>
+            <a:pPr algn="ctr"/>
+            <a:endParaRPr lang="pt-BR"/>
+          </a:p>
+        </p:txBody>
+      </p:sp>
+      <p:sp>
+        <p:nvSpPr>
+          <p:cNvPr id="48" name="Elipse 47"/>
+          <p:cNvSpPr/>
+          <p:nvPr/>
+        </p:nvSpPr>
+        <p:spPr>
+          <a:xfrm>
+            <a:off x="137795" y="4292851"/>
+            <a:ext cx="769196" cy="685800"/>
+          </a:xfrm>
+          <a:prstGeom prst="ellipse">
+            <a:avLst/>
+          </a:prstGeom>
+          <a:noFill/>
+          <a:ln>
+            <a:solidFill>
+              <a:schemeClr val="tx1"/>
+            </a:solidFill>
+          </a:ln>
+        </p:spPr>
+        <p:style>
+          <a:lnRef idx="2">
+            <a:schemeClr val="accent1">
+              <a:shade val="50000"/>
+            </a:schemeClr>
+          </a:lnRef>
+          <a:fillRef idx="1">
+            <a:schemeClr val="accent1"/>
+          </a:fillRef>
+          <a:effectRef idx="0">
+            <a:schemeClr val="accent1"/>
+          </a:effectRef>
+          <a:fontRef idx="minor">
+            <a:schemeClr val="lt1"/>
+          </a:fontRef>
+        </p:style>
+        <p:txBody>
+          <a:bodyPr rtlCol="0" anchor="ctr"/>
+          <a:lstStyle/>
+          <a:p>
+            <a:pPr algn="ctr"/>
+            <a:endParaRPr lang="pt-BR"/>
+          </a:p>
+        </p:txBody>
+      </p:sp>
+      <p:pic>
+        <p:nvPicPr>
+          <p:cNvPr id="50" name="Imagem 49" descr="Uma imagem contendo sinal, ao ar livre, céu, coisa&#10;&#10;Descrição gerada com muito alta confiança"/>
+          <p:cNvPicPr>
+            <a:picLocks noChangeAspect="1"/>
+          </p:cNvPicPr>
+          <p:nvPr/>
+        </p:nvPicPr>
+        <p:blipFill>
+          <a:blip r:embed="rId22">
+            <a:extLst>
+              <a:ext uri="{28A0092B-C50C-407E-A947-70E740481C1C}">
+                <a14:useLocalDpi xmlns:a14="http://schemas.microsoft.com/office/drawing/2010/main" val="0"/>
+              </a:ext>
+            </a:extLst>
+          </a:blip>
+          <a:stretch>
+            <a:fillRect/>
+          </a:stretch>
+        </p:blipFill>
+        <p:spPr>
+          <a:xfrm>
+            <a:off x="284855" y="3416872"/>
+            <a:ext cx="533400" cy="533400"/>
+          </a:xfrm>
+          <a:prstGeom prst="rect">
+            <a:avLst/>
+          </a:prstGeom>
+        </p:spPr>
+      </p:pic>
+      <p:pic>
+        <p:nvPicPr>
+          <p:cNvPr id="54" name="Imagem 53"/>
+          <p:cNvPicPr>
+            <a:picLocks noChangeAspect="1"/>
+          </p:cNvPicPr>
+          <p:nvPr/>
+        </p:nvPicPr>
+        <p:blipFill>
+          <a:blip r:embed="rId23">
+            <a:extLst>
+              <a:ext uri="{28A0092B-C50C-407E-A947-70E740481C1C}">
+                <a14:useLocalDpi xmlns:a14="http://schemas.microsoft.com/office/drawing/2010/main" val="0"/>
+              </a:ext>
+            </a:extLst>
+          </a:blip>
+          <a:stretch>
+            <a:fillRect/>
+          </a:stretch>
+        </p:blipFill>
+        <p:spPr>
+          <a:xfrm>
+            <a:off x="253427" y="2517045"/>
+            <a:ext cx="629374" cy="629374"/>
+          </a:xfrm>
+          <a:prstGeom prst="rect">
+            <a:avLst/>
+          </a:prstGeom>
+        </p:spPr>
+      </p:pic>
+      <p:pic>
+        <p:nvPicPr>
+          <p:cNvPr id="58" name="Imagem 57"/>
+          <p:cNvPicPr>
+            <a:picLocks noChangeAspect="1"/>
+          </p:cNvPicPr>
+          <p:nvPr/>
+        </p:nvPicPr>
+        <p:blipFill>
+          <a:blip r:embed="rId24">
+            <a:extLst>
+              <a:ext uri="{28A0092B-C50C-407E-A947-70E740481C1C}">
+                <a14:useLocalDpi xmlns:a14="http://schemas.microsoft.com/office/drawing/2010/main" val="0"/>
+              </a:ext>
+            </a:extLst>
+          </a:blip>
+          <a:stretch>
+            <a:fillRect/>
+          </a:stretch>
+        </p:blipFill>
+        <p:spPr>
+          <a:xfrm>
+            <a:off x="261127" y="4353096"/>
+            <a:ext cx="564669" cy="564669"/>
+          </a:xfrm>
+          <a:prstGeom prst="rect">
+            <a:avLst/>
+          </a:prstGeom>
+        </p:spPr>
+      </p:pic>
+      <p:sp>
+        <p:nvSpPr>
+          <p:cNvPr id="31" name="Triângulo isósceles 30"/>
+          <p:cNvSpPr/>
+          <p:nvPr/>
+        </p:nvSpPr>
+        <p:spPr>
+          <a:xfrm rot="16200000">
+            <a:off x="881744" y="4583263"/>
+            <a:ext cx="120277" cy="104333"/>
+          </a:xfrm>
+          <a:prstGeom prst="triangle">
+            <a:avLst/>
+          </a:prstGeom>
+          <a:solidFill>
+            <a:schemeClr val="tx1"/>
+          </a:solidFill>
+        </p:spPr>
+        <p:style>
+          <a:lnRef idx="2">
+            <a:schemeClr val="accent1">
+              <a:shade val="50000"/>
+            </a:schemeClr>
+          </a:lnRef>
+          <a:fillRef idx="1">
+            <a:schemeClr val="accent1"/>
+          </a:fillRef>
+          <a:effectRef idx="0">
+            <a:schemeClr val="accent1"/>
+          </a:effectRef>
+          <a:fontRef idx="minor">
+            <a:schemeClr val="lt1"/>
+          </a:fontRef>
+        </p:style>
+        <p:txBody>
+          <a:bodyPr rtlCol="0" anchor="ctr"/>
+          <a:lstStyle/>
+          <a:p>
+            <a:pPr algn="ctr"/>
+            <a:endParaRPr lang="pt-BR"/>
+          </a:p>
+        </p:txBody>
+      </p:sp>
+      <p:sp>
+        <p:nvSpPr>
+          <p:cNvPr id="32" name="Retângulo 31"/>
+          <p:cNvSpPr/>
+          <p:nvPr/>
+        </p:nvSpPr>
+        <p:spPr>
+          <a:xfrm>
+            <a:off x="984036" y="2118358"/>
+            <a:ext cx="633372" cy="4633602"/>
+          </a:xfrm>
+          <a:prstGeom prst="rect">
+            <a:avLst/>
+          </a:prstGeom>
+          <a:noFill/>
+          <a:ln>
+            <a:solidFill>
+              <a:schemeClr val="tx1"/>
+            </a:solidFill>
+          </a:ln>
+        </p:spPr>
+        <p:style>
+          <a:lnRef idx="2">
+            <a:schemeClr val="accent1">
+              <a:shade val="50000"/>
+            </a:schemeClr>
+          </a:lnRef>
+          <a:fillRef idx="1">
+            <a:schemeClr val="accent1"/>
+          </a:fillRef>
+          <a:effectRef idx="0">
+            <a:schemeClr val="accent1"/>
+          </a:effectRef>
+          <a:fontRef idx="minor">
+            <a:schemeClr val="lt1"/>
+          </a:fontRef>
+        </p:style>
+        <p:txBody>
+          <a:bodyPr rtlCol="0" anchor="ctr"/>
+          <a:lstStyle/>
+          <a:p>
+            <a:pPr algn="ctr"/>
+            <a:endParaRPr lang="pt-BR"/>
+          </a:p>
+        </p:txBody>
+      </p:sp>
+      <p:sp>
+        <p:nvSpPr>
+          <p:cNvPr id="42" name="Elipse 41"/>
+          <p:cNvSpPr/>
+          <p:nvPr/>
+        </p:nvSpPr>
+        <p:spPr>
+          <a:xfrm>
+            <a:off x="1028309" y="3751084"/>
+            <a:ext cx="540447" cy="544156"/>
+          </a:xfrm>
+          <a:prstGeom prst="ellipse">
+            <a:avLst/>
+          </a:prstGeom>
+          <a:noFill/>
+          <a:ln>
+            <a:solidFill>
+              <a:schemeClr val="tx1"/>
+            </a:solidFill>
+          </a:ln>
+        </p:spPr>
+        <p:style>
+          <a:lnRef idx="2">
+            <a:schemeClr val="accent1">
+              <a:shade val="50000"/>
+            </a:schemeClr>
+          </a:lnRef>
+          <a:fillRef idx="1">
+            <a:schemeClr val="accent1"/>
+          </a:fillRef>
+          <a:effectRef idx="0">
+            <a:schemeClr val="accent1"/>
+          </a:effectRef>
+          <a:fontRef idx="minor">
+            <a:schemeClr val="lt1"/>
+          </a:fontRef>
+        </p:style>
+        <p:txBody>
+          <a:bodyPr rtlCol="0" anchor="ctr"/>
+          <a:lstStyle/>
+          <a:p>
+            <a:pPr algn="ctr"/>
+            <a:endParaRPr lang="pt-BR"/>
+          </a:p>
+        </p:txBody>
+      </p:sp>
+      <p:sp>
+        <p:nvSpPr>
+          <p:cNvPr id="52" name="Elipse 51"/>
+          <p:cNvSpPr/>
+          <p:nvPr/>
+        </p:nvSpPr>
+        <p:spPr>
+          <a:xfrm>
+            <a:off x="1024197" y="4353096"/>
+            <a:ext cx="540447" cy="544156"/>
+          </a:xfrm>
+          <a:prstGeom prst="ellipse">
+            <a:avLst/>
+          </a:prstGeom>
+          <a:noFill/>
+          <a:ln>
+            <a:solidFill>
+              <a:schemeClr val="tx1"/>
+            </a:solidFill>
+          </a:ln>
+        </p:spPr>
+        <p:style>
+          <a:lnRef idx="2">
+            <a:schemeClr val="accent1">
+              <a:shade val="50000"/>
+            </a:schemeClr>
+          </a:lnRef>
+          <a:fillRef idx="1">
+            <a:schemeClr val="accent1"/>
+          </a:fillRef>
+          <a:effectRef idx="0">
+            <a:schemeClr val="accent1"/>
+          </a:effectRef>
+          <a:fontRef idx="minor">
+            <a:schemeClr val="lt1"/>
+          </a:fontRef>
+        </p:style>
+        <p:txBody>
+          <a:bodyPr rtlCol="0" anchor="ctr"/>
+          <a:lstStyle/>
+          <a:p>
+            <a:pPr algn="ctr"/>
+            <a:endParaRPr lang="pt-BR"/>
+          </a:p>
+        </p:txBody>
+      </p:sp>
+      <p:sp>
+        <p:nvSpPr>
+          <p:cNvPr id="53" name="Triângulo isósceles 52"/>
+          <p:cNvSpPr/>
+          <p:nvPr/>
+        </p:nvSpPr>
+        <p:spPr>
+          <a:xfrm rot="16200000">
+            <a:off x="1526183" y="3991782"/>
+            <a:ext cx="120277" cy="104333"/>
+          </a:xfrm>
+          <a:prstGeom prst="triangle">
+            <a:avLst/>
+          </a:prstGeom>
+          <a:solidFill>
+            <a:schemeClr val="tx1"/>
+          </a:solidFill>
+        </p:spPr>
+        <p:style>
+          <a:lnRef idx="2">
+            <a:schemeClr val="accent1">
+              <a:shade val="50000"/>
+            </a:schemeClr>
+          </a:lnRef>
+          <a:fillRef idx="1">
+            <a:schemeClr val="accent1"/>
+          </a:fillRef>
+          <a:effectRef idx="0">
+            <a:schemeClr val="accent1"/>
+          </a:effectRef>
+          <a:fontRef idx="minor">
+            <a:schemeClr val="lt1"/>
+          </a:fontRef>
+        </p:style>
+        <p:txBody>
+          <a:bodyPr rtlCol="0" anchor="ctr"/>
+          <a:lstStyle/>
+          <a:p>
+            <a:pPr algn="ctr"/>
+            <a:endParaRPr lang="pt-BR"/>
+          </a:p>
+        </p:txBody>
+      </p:sp>
+      <p:pic>
+        <p:nvPicPr>
+          <p:cNvPr id="51" name="Imagem 50" descr="Uma imagem contendo coisa&#10;&#10;Descrição gerada com alta confiança"/>
+          <p:cNvPicPr>
+            <a:picLocks noChangeAspect="1"/>
+          </p:cNvPicPr>
+          <p:nvPr/>
+        </p:nvPicPr>
+        <p:blipFill>
+          <a:blip r:embed="rId25">
+            <a:extLst>
+              <a:ext uri="{28A0092B-C50C-407E-A947-70E740481C1C}">
+                <a14:useLocalDpi xmlns:a14="http://schemas.microsoft.com/office/drawing/2010/main" val="0"/>
+              </a:ext>
+            </a:extLst>
+          </a:blip>
+          <a:stretch>
+            <a:fillRect/>
+          </a:stretch>
+        </p:blipFill>
+        <p:spPr>
+          <a:xfrm>
+            <a:off x="1114279" y="4445594"/>
+            <a:ext cx="369286" cy="369286"/>
+          </a:xfrm>
+          <a:prstGeom prst="rect">
+            <a:avLst/>
+          </a:prstGeom>
+        </p:spPr>
+      </p:pic>
+      <p:pic>
+        <p:nvPicPr>
+          <p:cNvPr id="56" name="Imagem 55"/>
+          <p:cNvPicPr>
+            <a:picLocks noChangeAspect="1"/>
+          </p:cNvPicPr>
+          <p:nvPr/>
+        </p:nvPicPr>
+        <p:blipFill>
+          <a:blip r:embed="rId26">
+            <a:extLst>
+              <a:ext uri="{28A0092B-C50C-407E-A947-70E740481C1C}">
+                <a14:useLocalDpi xmlns:a14="http://schemas.microsoft.com/office/drawing/2010/main" val="0"/>
+              </a:ext>
+            </a:extLst>
+          </a:blip>
+          <a:stretch>
+            <a:fillRect/>
+          </a:stretch>
+        </p:blipFill>
+        <p:spPr>
+          <a:xfrm>
+            <a:off x="1184145" y="3908411"/>
+            <a:ext cx="228692" cy="228692"/>
+          </a:xfrm>
+          <a:prstGeom prst="rect">
+            <a:avLst/>
+          </a:prstGeom>
+        </p:spPr>
+      </p:pic>
+      <p:sp>
+        <p:nvSpPr>
+          <p:cNvPr id="57" name="Content"/>
+          <p:cNvSpPr txBox="1"/>
+          <p:nvPr>
+            <p:custDataLst>
+              <p:custData r:id="rId10"/>
+            </p:custDataLst>
+          </p:nvPr>
+        </p:nvSpPr>
+        <p:spPr>
+          <a:xfrm>
+            <a:off x="1626084" y="2094608"/>
+            <a:ext cx="3133358" cy="415498"/>
+          </a:xfrm>
+          <a:prstGeom prst="rect">
+            <a:avLst/>
+          </a:prstGeom>
+          <a:noFill/>
+        </p:spPr>
+        <p:txBody>
+          <a:bodyPr wrap="none" lIns="91440" tIns="18288" rIns="91440" bIns="27432" rtlCol="0" anchor="ctr" anchorCtr="0">
+            <a:spAutoFit/>
+          </a:bodyPr>
+          <a:lstStyle/>
+          <a:p>
+            <a:r>
+              <a:rPr lang="en-US" sz="2400" dirty="0" err="1">
+                <a:solidFill>
+                  <a:srgbClr val="000000"/>
+                </a:solidFill>
+                <a:latin typeface="Segoe UI" pitchFamily="34" charset="0"/>
+                <a:ea typeface="Segoe UI" pitchFamily="34" charset="0"/>
+                <a:cs typeface="Segoe UI" pitchFamily="34" charset="0"/>
+              </a:rPr>
+              <a:t>Busca</a:t>
+            </a:r>
+            <a:r>
+              <a:rPr lang="en-US" sz="2400" dirty="0">
+                <a:solidFill>
+                  <a:srgbClr val="000000"/>
+                </a:solidFill>
+                <a:latin typeface="Segoe UI" pitchFamily="34" charset="0"/>
+                <a:ea typeface="Segoe UI" pitchFamily="34" charset="0"/>
+                <a:cs typeface="Segoe UI" pitchFamily="34" charset="0"/>
+              </a:rPr>
+              <a:t> </a:t>
+            </a:r>
+            <a:r>
+              <a:rPr lang="en-US" sz="2400" dirty="0" err="1">
+                <a:solidFill>
+                  <a:srgbClr val="000000"/>
+                </a:solidFill>
+                <a:latin typeface="Segoe UI" pitchFamily="34" charset="0"/>
+                <a:ea typeface="Segoe UI" pitchFamily="34" charset="0"/>
+                <a:cs typeface="Segoe UI" pitchFamily="34" charset="0"/>
+              </a:rPr>
+              <a:t>rápida</a:t>
+            </a:r>
+            <a:r>
+              <a:rPr lang="en-US" sz="2400" dirty="0">
+                <a:solidFill>
+                  <a:srgbClr val="000000"/>
+                </a:solidFill>
+                <a:latin typeface="Segoe UI" pitchFamily="34" charset="0"/>
+                <a:ea typeface="Segoe UI" pitchFamily="34" charset="0"/>
+                <a:cs typeface="Segoe UI" pitchFamily="34" charset="0"/>
+              </a:rPr>
+              <a:t> de </a:t>
+            </a:r>
+            <a:r>
+              <a:rPr lang="en-US" sz="2400" dirty="0" err="1">
+                <a:solidFill>
+                  <a:srgbClr val="000000"/>
+                </a:solidFill>
+                <a:latin typeface="Segoe UI" pitchFamily="34" charset="0"/>
+                <a:ea typeface="Segoe UI" pitchFamily="34" charset="0"/>
+                <a:cs typeface="Segoe UI" pitchFamily="34" charset="0"/>
+              </a:rPr>
+              <a:t>livros</a:t>
+            </a:r>
+            <a:endParaRPr lang="en-US" sz="2400" dirty="0">
+              <a:solidFill>
+                <a:srgbClr val="000000"/>
+              </a:solidFill>
+              <a:latin typeface="Segoe UI" pitchFamily="34" charset="0"/>
+              <a:ea typeface="Segoe UI" pitchFamily="34" charset="0"/>
+              <a:cs typeface="Segoe UI" pitchFamily="34" charset="0"/>
+            </a:endParaRPr>
+          </a:p>
+        </p:txBody>
+      </p:sp>
+      <p:sp>
+        <p:nvSpPr>
+          <p:cNvPr id="59" name="Content"/>
+          <p:cNvSpPr/>
+          <p:nvPr>
+            <p:custDataLst>
+              <p:custData r:id="rId11"/>
+            </p:custDataLst>
+          </p:nvPr>
+        </p:nvSpPr>
+        <p:spPr>
+          <a:xfrm>
+            <a:off x="1752600" y="2547523"/>
+            <a:ext cx="8439933" cy="391747"/>
+          </a:xfrm>
+          <a:prstGeom prst="rect">
+            <a:avLst/>
+          </a:prstGeom>
+          <a:solidFill>
+            <a:sysClr val="window" lastClr="FFFFFF"/>
+          </a:solidFill>
+          <a:ln w="3175">
+            <a:solidFill>
+              <a:srgbClr val="000000">
+                <a:lumMod val="50000"/>
+                <a:lumOff val="50000"/>
+              </a:srgbClr>
+            </a:solidFill>
+          </a:ln>
+          <a:effectLst/>
+        </p:spPr>
+        <p:style>
+          <a:lnRef idx="2">
+            <a:srgbClr val="4F81BD">
+              <a:shade val="50000"/>
+            </a:srgbClr>
+          </a:lnRef>
+          <a:fillRef idx="1">
+            <a:srgbClr val="4F81BD"/>
+          </a:fillRef>
+          <a:effectRef idx="0">
+            <a:srgbClr val="4F81BD"/>
+          </a:effectRef>
+          <a:fontRef idx="minor">
+            <a:srgbClr val="000000"/>
+          </a:fontRef>
+        </p:style>
+        <p:txBody>
+          <a:bodyPr wrap="none" lIns="45720" tIns="18288" rIns="45720" bIns="18288" rtlCol="0" anchor="ctr">
+            <a:noAutofit/>
+          </a:bodyPr>
+          <a:lstStyle/>
+          <a:p>
+            <a:r>
+              <a:rPr lang="en-US" sz="1200" dirty="0" err="1">
+                <a:latin typeface="Segoe UI" pitchFamily="34" charset="0"/>
+                <a:cs typeface="Segoe UI" pitchFamily="34" charset="0"/>
+              </a:rPr>
+              <a:t>Titulo</a:t>
+            </a:r>
+            <a:endParaRPr lang="en-US" sz="1200" dirty="0">
+              <a:solidFill>
+                <a:srgbClr val="000000"/>
+              </a:solidFill>
+              <a:latin typeface="Segoe UI" pitchFamily="34" charset="0"/>
+              <a:cs typeface="Segoe UI" pitchFamily="34" charset="0"/>
+            </a:endParaRPr>
+          </a:p>
+        </p:txBody>
+      </p:sp>
+      <p:sp>
+        <p:nvSpPr>
+          <p:cNvPr id="63" name="Content"/>
+          <p:cNvSpPr/>
+          <p:nvPr>
+            <p:custDataLst>
+              <p:custData r:id="rId12"/>
+            </p:custDataLst>
+          </p:nvPr>
+        </p:nvSpPr>
+        <p:spPr>
+          <a:xfrm>
+            <a:off x="10343513" y="2563839"/>
+            <a:ext cx="1157298" cy="375431"/>
+          </a:xfrm>
+          <a:prstGeom prst="roundRect">
+            <a:avLst/>
+          </a:prstGeom>
+          <a:solidFill>
+            <a:srgbClr val="FFFFFF">
+              <a:lumMod val="95000"/>
+            </a:srgbClr>
+          </a:solidFill>
+          <a:ln w="3175">
+            <a:solidFill>
+              <a:srgbClr val="000000">
+                <a:lumMod val="50000"/>
+                <a:lumOff val="50000"/>
+              </a:srgbClr>
+            </a:solidFill>
+          </a:ln>
+          <a:effectLst/>
+        </p:spPr>
+        <p:style>
+          <a:lnRef idx="2">
+            <a:srgbClr val="4F81BD">
+              <a:shade val="50000"/>
+            </a:srgbClr>
+          </a:lnRef>
+          <a:fillRef idx="1">
+            <a:srgbClr val="4F81BD"/>
+          </a:fillRef>
+          <a:effectRef idx="0">
+            <a:srgbClr val="4F81BD"/>
+          </a:effectRef>
+          <a:fontRef idx="minor">
+            <a:srgbClr val="000000"/>
+          </a:fontRef>
+        </p:style>
+        <p:txBody>
+          <a:bodyPr wrap="square" lIns="91440" tIns="0" rIns="91440" bIns="9144" rtlCol="0" anchor="ctr">
+            <a:noAutofit/>
+          </a:bodyPr>
+          <a:lstStyle/>
+          <a:p>
+            <a:pPr algn="ctr"/>
+            <a:r>
+              <a:rPr lang="en-US" sz="1200" dirty="0" err="1">
+                <a:solidFill>
+                  <a:srgbClr val="000000"/>
+                </a:solidFill>
+                <a:latin typeface="Segoe UI" pitchFamily="34" charset="0"/>
+                <a:cs typeface="Segoe UI" pitchFamily="34" charset="0"/>
+              </a:rPr>
+              <a:t>Buscar</a:t>
+            </a:r>
+            <a:endParaRPr lang="en-US" sz="1200" dirty="0">
+              <a:solidFill>
+                <a:srgbClr val="000000"/>
+              </a:solidFill>
+              <a:latin typeface="Segoe UI" pitchFamily="34" charset="0"/>
+              <a:cs typeface="Segoe UI" pitchFamily="34" charset="0"/>
+            </a:endParaRPr>
+          </a:p>
+        </p:txBody>
+      </p:sp>
+    </p:spTree>
+    <p:extLst>
+      <p:ext uri="{BB962C8B-B14F-4D97-AF65-F5344CB8AC3E}">
+        <p14:creationId xmlns:p14="http://schemas.microsoft.com/office/powerpoint/2010/main" val="3203672026"/>
+      </p:ext>
+    </p:extLst>
+  </p:cSld>
+  <p:clrMapOvr>
+    <a:masterClrMapping/>
+  </p:clrMapOvr>
+</p:sld>
+</file>
+
+<file path=ppt/slides/slide5.xml><?xml version="1.0" encoding="utf-8"?>
+<p:sld xmlns:a="http://schemas.openxmlformats.org/drawingml/2006/main" xmlns:r="http://schemas.openxmlformats.org/officeDocument/2006/relationships" xmlns:p="http://schemas.openxmlformats.org/presentationml/2006/main">
+  <p:cSld>
+    <p:spTree>
+      <p:nvGrpSpPr>
+        <p:cNvPr id="1" name=""/>
+        <p:cNvGrpSpPr/>
+        <p:nvPr/>
+      </p:nvGrpSpPr>
+      <p:grpSpPr>
+        <a:xfrm>
+          <a:off x="0" y="0"/>
+          <a:ext cx="0" cy="0"/>
+          <a:chOff x="0" y="0"/>
+          <a:chExt cx="0" cy="0"/>
+        </a:xfrm>
+      </p:grpSpPr>
+      <p:grpSp>
+        <p:nvGrpSpPr>
+          <p:cNvPr id="2" name="WebBrowser"/>
+          <p:cNvGrpSpPr/>
+          <p:nvPr>
+            <p:custDataLst>
+              <p:custData r:id="rId1"/>
+            </p:custDataLst>
+          </p:nvPr>
+        </p:nvGrpSpPr>
+        <p:grpSpPr>
+          <a:xfrm>
+            <a:off x="0" y="0"/>
+            <a:ext cx="12192000" cy="6858000"/>
+            <a:chOff x="0" y="0"/>
+            <a:chExt cx="9144000" cy="6858000"/>
+          </a:xfrm>
+        </p:grpSpPr>
+        <p:sp>
+          <p:nvSpPr>
+            <p:cNvPr id="3" name="Background"/>
+            <p:cNvSpPr/>
+            <p:nvPr/>
+          </p:nvSpPr>
+          <p:spPr>
+            <a:xfrm>
+              <a:off x="0" y="0"/>
+              <a:ext cx="9144000" cy="6858000"/>
+            </a:xfrm>
+            <a:prstGeom prst="rect">
+              <a:avLst/>
+            </a:prstGeom>
+            <a:solidFill>
+              <a:srgbClr val="FFFFFF">
+                <a:lumMod val="65000"/>
+              </a:srgbClr>
+            </a:solidFill>
+            <a:ln w="3175" cap="flat" cmpd="sng" algn="ctr">
+              <a:solidFill>
+                <a:srgbClr val="000000">
+                  <a:lumMod val="50000"/>
+                  <a:lumOff val="50000"/>
+                </a:srgbClr>
+              </a:solidFill>
+              <a:prstDash val="solid"/>
+            </a:ln>
+            <a:effectLst/>
+          </p:spPr>
+          <p:txBody>
+            <a:bodyPr rtlCol="0" anchor="ctr"/>
+            <a:lstStyle/>
+            <a:p>
+              <a:pPr algn="ctr"/>
+              <a:endParaRPr lang="pt-BR" sz="1050" kern="0">
+                <a:solidFill>
+                  <a:prstClr val="white"/>
+                </a:solidFill>
+                <a:latin typeface="Segoe UI"/>
+              </a:endParaRPr>
+            </a:p>
+          </p:txBody>
+        </p:sp>
+        <p:sp>
+          <p:nvSpPr>
+            <p:cNvPr id="4" name="WindowTitle"/>
+            <p:cNvSpPr txBox="1"/>
+            <p:nvPr/>
+          </p:nvSpPr>
+          <p:spPr>
+            <a:xfrm>
+              <a:off x="22515" y="22341"/>
+              <a:ext cx="882021" cy="230832"/>
+            </a:xfrm>
+            <a:prstGeom prst="rect">
+              <a:avLst/>
+            </a:prstGeom>
+            <a:noFill/>
+          </p:spPr>
+          <p:txBody>
+            <a:bodyPr wrap="none" lIns="91440" tIns="18288" rIns="91440" bIns="27432" rtlCol="0" anchor="ctr" anchorCtr="0">
+              <a:spAutoFit/>
+            </a:bodyPr>
+            <a:lstStyle/>
+            <a:p>
+              <a:r>
+                <a:rPr lang="pt-BR" sz="1200">
+                  <a:solidFill>
+                    <a:prstClr val="white"/>
+                  </a:solidFill>
+                  <a:latin typeface="Segoe UI" pitchFamily="34" charset="0"/>
+                  <a:ea typeface="Segoe UI" pitchFamily="34" charset="0"/>
+                  <a:cs typeface="Segoe UI" pitchFamily="34" charset="0"/>
+                </a:rPr>
+                <a:t>Web page title</a:t>
+              </a:r>
+            </a:p>
+          </p:txBody>
+        </p:sp>
+        <p:grpSp>
+          <p:nvGrpSpPr>
+            <p:cNvPr id="5" name="Group 4"/>
+            <p:cNvGrpSpPr/>
+            <p:nvPr/>
+          </p:nvGrpSpPr>
+          <p:grpSpPr>
+            <a:xfrm>
+              <a:off x="81598" y="286385"/>
+              <a:ext cx="320040" cy="316520"/>
+              <a:chOff x="72073" y="221749"/>
+              <a:chExt cx="320040" cy="316520"/>
+            </a:xfrm>
+          </p:grpSpPr>
+          <p:sp>
+            <p:nvSpPr>
+              <p:cNvPr id="29" name="Oval 28"/>
+              <p:cNvSpPr/>
+              <p:nvPr/>
+            </p:nvSpPr>
+            <p:spPr>
+              <a:xfrm>
+                <a:off x="72073" y="221749"/>
+                <a:ext cx="320040" cy="316520"/>
+              </a:xfrm>
+              <a:prstGeom prst="ellipse">
+                <a:avLst/>
+              </a:prstGeom>
+              <a:gradFill flip="none" rotWithShape="1">
+                <a:gsLst>
+                  <a:gs pos="91000">
+                    <a:srgbClr val="FFFFFF">
+                      <a:lumMod val="85000"/>
+                    </a:srgbClr>
+                  </a:gs>
+                  <a:gs pos="36000">
+                    <a:srgbClr val="FFFFFF">
+                      <a:lumMod val="95000"/>
+                    </a:srgbClr>
+                  </a:gs>
+                  <a:gs pos="100000">
+                    <a:srgbClr val="FFFFFF">
+                      <a:lumMod val="95000"/>
+                    </a:srgbClr>
+                  </a:gs>
+                </a:gsLst>
+                <a:lin ang="5400000" scaled="0"/>
+                <a:tileRect/>
+              </a:gradFill>
+              <a:ln w="3175">
+                <a:solidFill>
+                  <a:srgbClr val="000000">
+                    <a:lumMod val="50000"/>
+                    <a:lumOff val="50000"/>
+                  </a:srgbClr>
+                </a:solidFill>
+              </a:ln>
+              <a:effectLst/>
+            </p:spPr>
+            <p:style>
+              <a:lnRef idx="2">
+                <a:srgbClr val="4F81BD">
+                  <a:shade val="50000"/>
+                </a:srgbClr>
+              </a:lnRef>
+              <a:fillRef idx="1">
+                <a:srgbClr val="4F81BD"/>
+              </a:fillRef>
+              <a:effectRef idx="0">
+                <a:srgbClr val="4F81BD"/>
+              </a:effectRef>
+              <a:fontRef idx="minor">
+                <a:srgbClr val="000000"/>
+              </a:fontRef>
+            </p:style>
+            <p:txBody>
+              <a:bodyPr rtlCol="0" anchor="ctr"/>
+              <a:lstStyle/>
+              <a:p>
+                <a:pPr algn="ctr"/>
+                <a:endParaRPr lang="pt-BR" sz="1050" u="sng">
+                  <a:solidFill>
+                    <a:prstClr val="white"/>
+                  </a:solidFill>
+                </a:endParaRPr>
+              </a:p>
+            </p:txBody>
+          </p:sp>
+          <p:sp>
+            <p:nvSpPr>
+              <p:cNvPr id="30" name="Left Arrow 29"/>
+              <p:cNvSpPr/>
+              <p:nvPr/>
+            </p:nvSpPr>
+            <p:spPr>
+              <a:xfrm>
+                <a:off x="109358" y="275511"/>
+                <a:ext cx="223134" cy="208997"/>
+              </a:xfrm>
+              <a:prstGeom prst="leftArrow">
+                <a:avLst/>
+              </a:prstGeom>
+              <a:solidFill>
+                <a:sysClr val="window" lastClr="FFFFFF"/>
+              </a:solidFill>
+              <a:ln w="3175" cap="flat" cmpd="sng" algn="ctr">
+                <a:solidFill>
+                  <a:sysClr val="windowText" lastClr="000000">
+                    <a:lumMod val="75000"/>
+                    <a:lumOff val="25000"/>
+                  </a:sysClr>
+                </a:solidFill>
+                <a:prstDash val="solid"/>
+              </a:ln>
+              <a:effectLst/>
+            </p:spPr>
+            <p:txBody>
+              <a:bodyPr rtlCol="0" anchor="ctr"/>
+              <a:lstStyle/>
+              <a:p>
+                <a:pPr algn="ctr"/>
+                <a:endParaRPr lang="pt-BR" sz="1050" kern="0">
+                  <a:solidFill>
+                    <a:prstClr val="white"/>
+                  </a:solidFill>
+                  <a:latin typeface="Segoe UI"/>
+                </a:endParaRPr>
+              </a:p>
+            </p:txBody>
+          </p:sp>
+        </p:grpSp>
+        <p:grpSp>
+          <p:nvGrpSpPr>
+            <p:cNvPr id="6" name="Group 5"/>
+            <p:cNvGrpSpPr/>
+            <p:nvPr/>
+          </p:nvGrpSpPr>
+          <p:grpSpPr>
+            <a:xfrm>
+              <a:off x="453671" y="286384"/>
+              <a:ext cx="320040" cy="316520"/>
+              <a:chOff x="444146" y="221748"/>
+              <a:chExt cx="320040" cy="316520"/>
+            </a:xfrm>
+          </p:grpSpPr>
+          <p:sp>
+            <p:nvSpPr>
+              <p:cNvPr id="27" name="Oval 26"/>
+              <p:cNvSpPr/>
+              <p:nvPr/>
+            </p:nvSpPr>
+            <p:spPr>
+              <a:xfrm>
+                <a:off x="444146" y="221748"/>
+                <a:ext cx="320040" cy="316520"/>
+              </a:xfrm>
+              <a:prstGeom prst="ellipse">
+                <a:avLst/>
+              </a:prstGeom>
+              <a:gradFill flip="none" rotWithShape="1">
+                <a:gsLst>
+                  <a:gs pos="91000">
+                    <a:srgbClr val="FFFFFF">
+                      <a:lumMod val="85000"/>
+                    </a:srgbClr>
+                  </a:gs>
+                  <a:gs pos="36000">
+                    <a:srgbClr val="FFFFFF">
+                      <a:lumMod val="95000"/>
+                    </a:srgbClr>
+                  </a:gs>
+                  <a:gs pos="100000">
+                    <a:srgbClr val="FFFFFF">
+                      <a:lumMod val="95000"/>
+                    </a:srgbClr>
+                  </a:gs>
+                </a:gsLst>
+                <a:lin ang="5400000" scaled="0"/>
+                <a:tileRect/>
+              </a:gradFill>
+              <a:ln w="3175">
+                <a:solidFill>
+                  <a:srgbClr val="000000">
+                    <a:lumMod val="50000"/>
+                    <a:lumOff val="50000"/>
+                  </a:srgbClr>
+                </a:solidFill>
+              </a:ln>
+              <a:effectLst/>
+            </p:spPr>
+            <p:style>
+              <a:lnRef idx="2">
+                <a:srgbClr val="4F81BD">
+                  <a:shade val="50000"/>
+                </a:srgbClr>
+              </a:lnRef>
+              <a:fillRef idx="1">
+                <a:srgbClr val="4F81BD"/>
+              </a:fillRef>
+              <a:effectRef idx="0">
+                <a:srgbClr val="4F81BD"/>
+              </a:effectRef>
+              <a:fontRef idx="minor">
+                <a:srgbClr val="000000"/>
+              </a:fontRef>
+            </p:style>
+            <p:txBody>
+              <a:bodyPr rtlCol="0" anchor="ctr"/>
+              <a:lstStyle/>
+              <a:p>
+                <a:pPr algn="ctr"/>
+                <a:endParaRPr lang="pt-BR" sz="1050" u="sng">
+                  <a:solidFill>
+                    <a:prstClr val="white"/>
+                  </a:solidFill>
+                </a:endParaRPr>
+              </a:p>
+            </p:txBody>
+          </p:sp>
+          <p:sp>
+            <p:nvSpPr>
+              <p:cNvPr id="28" name="Right Arrow 27"/>
+              <p:cNvSpPr/>
+              <p:nvPr/>
+            </p:nvSpPr>
+            <p:spPr>
+              <a:xfrm>
+                <a:off x="481249" y="275509"/>
+                <a:ext cx="257146" cy="208999"/>
+              </a:xfrm>
+              <a:prstGeom prst="rightArrow">
+                <a:avLst/>
+              </a:prstGeom>
+              <a:solidFill>
+                <a:sysClr val="window" lastClr="FFFFFF"/>
+              </a:solidFill>
+              <a:ln w="3175" cap="flat" cmpd="sng" algn="ctr">
+                <a:solidFill>
+                  <a:sysClr val="windowText" lastClr="000000">
+                    <a:lumMod val="75000"/>
+                    <a:lumOff val="25000"/>
+                  </a:sysClr>
+                </a:solidFill>
+                <a:prstDash val="solid"/>
+              </a:ln>
+              <a:effectLst/>
+            </p:spPr>
+            <p:txBody>
+              <a:bodyPr rtlCol="0" anchor="ctr"/>
+              <a:lstStyle/>
+              <a:p>
+                <a:pPr algn="ctr"/>
+                <a:endParaRPr lang="pt-BR" sz="1050" kern="0">
+                  <a:solidFill>
+                    <a:prstClr val="white"/>
+                  </a:solidFill>
+                  <a:latin typeface="Segoe UI"/>
+                </a:endParaRPr>
+              </a:p>
+            </p:txBody>
+          </p:sp>
+        </p:grpSp>
+        <p:grpSp>
+          <p:nvGrpSpPr>
+            <p:cNvPr id="7" name="Minimize - Maximize - Close"/>
+            <p:cNvGrpSpPr/>
+            <p:nvPr/>
+          </p:nvGrpSpPr>
+          <p:grpSpPr>
+            <a:xfrm>
+              <a:off x="8632311" y="92599"/>
+              <a:ext cx="384527" cy="78032"/>
+              <a:chOff x="9347642" y="131588"/>
+              <a:chExt cx="384527" cy="78032"/>
+            </a:xfrm>
+          </p:grpSpPr>
+          <p:cxnSp>
+            <p:nvCxnSpPr>
+              <p:cNvPr id="22" name="Line"/>
+              <p:cNvCxnSpPr/>
+              <p:nvPr/>
+            </p:nvCxnSpPr>
+            <p:spPr>
+              <a:xfrm>
+                <a:off x="9661396" y="131588"/>
+                <a:ext cx="70773" cy="76200"/>
+              </a:xfrm>
+              <a:prstGeom prst="line">
+                <a:avLst/>
+              </a:prstGeom>
+              <a:ln w="12700">
+                <a:solidFill>
+                  <a:srgbClr val="FFFFFF"/>
+                </a:solidFill>
+              </a:ln>
+            </p:spPr>
+            <p:style>
+              <a:lnRef idx="1">
+                <a:srgbClr val="4F81BD"/>
+              </a:lnRef>
+              <a:fillRef idx="0">
+                <a:srgbClr val="4F81BD"/>
+              </a:fillRef>
+              <a:effectRef idx="0">
+                <a:srgbClr val="4F81BD"/>
+              </a:effectRef>
+              <a:fontRef idx="minor">
+                <a:srgbClr val="000000"/>
+              </a:fontRef>
+            </p:style>
+          </p:cxnSp>
+          <p:cxnSp>
+            <p:nvCxnSpPr>
+              <p:cNvPr id="23" name="Line"/>
+              <p:cNvCxnSpPr/>
+              <p:nvPr/>
+            </p:nvCxnSpPr>
+            <p:spPr>
+              <a:xfrm flipH="1">
+                <a:off x="9661395" y="131588"/>
+                <a:ext cx="70773" cy="76200"/>
+              </a:xfrm>
+              <a:prstGeom prst="line">
+                <a:avLst/>
+              </a:prstGeom>
+              <a:ln w="12700">
+                <a:solidFill>
+                  <a:srgbClr val="FFFFFF"/>
+                </a:solidFill>
+              </a:ln>
+            </p:spPr>
+            <p:style>
+              <a:lnRef idx="1">
+                <a:srgbClr val="4F81BD"/>
+              </a:lnRef>
+              <a:fillRef idx="0">
+                <a:srgbClr val="4F81BD"/>
+              </a:fillRef>
+              <a:effectRef idx="0">
+                <a:srgbClr val="4F81BD"/>
+              </a:effectRef>
+              <a:fontRef idx="minor">
+                <a:srgbClr val="000000"/>
+              </a:fontRef>
+            </p:style>
+          </p:cxnSp>
+          <p:sp>
+            <p:nvSpPr>
+              <p:cNvPr id="24" name="Line"/>
+              <p:cNvSpPr/>
+              <p:nvPr/>
+            </p:nvSpPr>
+            <p:spPr>
+              <a:xfrm rot="10800000" flipV="1">
+                <a:off x="9499472" y="143255"/>
+                <a:ext cx="91440" cy="9144"/>
+              </a:xfrm>
+              <a:prstGeom prst="rect">
+                <a:avLst/>
+              </a:prstGeom>
+              <a:solidFill>
+                <a:srgbClr val="919191"/>
+              </a:solidFill>
+              <a:ln w="3175">
+                <a:solidFill>
+                  <a:srgbClr val="FFFFFF"/>
+                </a:solidFill>
+              </a:ln>
+            </p:spPr>
+            <p:style>
+              <a:lnRef idx="2">
+                <a:srgbClr val="4F81BD">
+                  <a:shade val="50000"/>
+                </a:srgbClr>
+              </a:lnRef>
+              <a:fillRef idx="1001">
+                <a:srgbClr val="000000"/>
+              </a:fillRef>
+              <a:effectRef idx="0">
+                <a:srgbClr val="4F81BD"/>
+              </a:effectRef>
+              <a:fontRef idx="minor">
+                <a:srgbClr val="000000"/>
+              </a:fontRef>
+            </p:style>
+            <p:txBody>
+              <a:bodyPr rtlCol="0" anchor="ctr"/>
+              <a:lstStyle/>
+              <a:p>
+                <a:pPr algn="ctr"/>
+                <a:endParaRPr lang="pt-BR" sz="1050">
+                  <a:solidFill>
+                    <a:prstClr val="white"/>
+                  </a:solidFill>
+                </a:endParaRPr>
+              </a:p>
+            </p:txBody>
+          </p:sp>
+          <p:sp>
+            <p:nvSpPr>
+              <p:cNvPr id="25" name="Line"/>
+              <p:cNvSpPr/>
+              <p:nvPr/>
+            </p:nvSpPr>
+            <p:spPr>
+              <a:xfrm rot="10800000" flipV="1">
+                <a:off x="9498658" y="135261"/>
+                <a:ext cx="91440" cy="72527"/>
+              </a:xfrm>
+              <a:prstGeom prst="rect">
+                <a:avLst/>
+              </a:prstGeom>
+              <a:noFill/>
+              <a:ln w="12700">
+                <a:solidFill>
+                  <a:srgbClr val="FFFFFF"/>
+                </a:solidFill>
+              </a:ln>
+            </p:spPr>
+            <p:style>
+              <a:lnRef idx="2">
+                <a:srgbClr val="4F81BD">
+                  <a:shade val="50000"/>
+                </a:srgbClr>
+              </a:lnRef>
+              <a:fillRef idx="1001">
+                <a:srgbClr val="000000"/>
+              </a:fillRef>
+              <a:effectRef idx="0">
+                <a:srgbClr val="4F81BD"/>
+              </a:effectRef>
+              <a:fontRef idx="minor">
+                <a:srgbClr val="000000"/>
+              </a:fontRef>
+            </p:style>
+            <p:txBody>
+              <a:bodyPr rtlCol="0" anchor="ctr"/>
+              <a:lstStyle/>
+              <a:p>
+                <a:pPr algn="ctr"/>
+                <a:endParaRPr lang="pt-BR" sz="1050">
+                  <a:solidFill>
+                    <a:prstClr val="white"/>
+                  </a:solidFill>
+                </a:endParaRPr>
+              </a:p>
+            </p:txBody>
+          </p:sp>
+          <p:sp>
+            <p:nvSpPr>
+              <p:cNvPr id="26" name="Line"/>
+              <p:cNvSpPr/>
+              <p:nvPr/>
+            </p:nvSpPr>
+            <p:spPr>
+              <a:xfrm rot="10800000" flipV="1">
+                <a:off x="9347642" y="200476"/>
+                <a:ext cx="91440" cy="9144"/>
+              </a:xfrm>
+              <a:prstGeom prst="rect">
+                <a:avLst/>
+              </a:prstGeom>
+              <a:solidFill>
+                <a:srgbClr val="919191"/>
+              </a:solidFill>
+              <a:ln w="3175">
+                <a:solidFill>
+                  <a:srgbClr val="FFFFFF"/>
+                </a:solidFill>
+              </a:ln>
+            </p:spPr>
+            <p:style>
+              <a:lnRef idx="2">
+                <a:srgbClr val="4F81BD">
+                  <a:shade val="50000"/>
+                </a:srgbClr>
+              </a:lnRef>
+              <a:fillRef idx="1001">
+                <a:srgbClr val="000000"/>
+              </a:fillRef>
+              <a:effectRef idx="0">
+                <a:srgbClr val="4F81BD"/>
+              </a:effectRef>
+              <a:fontRef idx="minor">
+                <a:srgbClr val="000000"/>
+              </a:fontRef>
+            </p:style>
+            <p:txBody>
+              <a:bodyPr rtlCol="0" anchor="ctr"/>
+              <a:lstStyle/>
+              <a:p>
+                <a:pPr algn="ctr"/>
+                <a:endParaRPr lang="pt-BR" sz="1050">
+                  <a:solidFill>
+                    <a:prstClr val="white"/>
+                  </a:solidFill>
+                </a:endParaRPr>
+              </a:p>
+            </p:txBody>
+          </p:sp>
+        </p:grpSp>
+        <p:sp>
+          <p:nvSpPr>
+            <p:cNvPr id="8" name="WebPageBody"/>
+            <p:cNvSpPr/>
+            <p:nvPr/>
+          </p:nvSpPr>
+          <p:spPr>
+            <a:xfrm>
+              <a:off x="76200" y="685159"/>
+              <a:ext cx="8991600" cy="6066801"/>
+            </a:xfrm>
+            <a:prstGeom prst="rect">
+              <a:avLst/>
+            </a:prstGeom>
+            <a:solidFill>
+              <a:sysClr val="window" lastClr="FFFFFF"/>
+            </a:solidFill>
+            <a:ln w="3175" cap="flat" cmpd="sng" algn="ctr">
+              <a:solidFill>
+                <a:srgbClr val="000000">
+                  <a:lumMod val="50000"/>
+                  <a:lumOff val="50000"/>
+                </a:srgbClr>
+              </a:solidFill>
+              <a:prstDash val="solid"/>
+            </a:ln>
+            <a:effectLst/>
+          </p:spPr>
+          <p:txBody>
+            <a:bodyPr rtlCol="0" anchor="ctr"/>
+            <a:lstStyle/>
+            <a:p>
+              <a:pPr algn="ctr"/>
+              <a:endParaRPr lang="pt-BR" sz="1050" kern="0" dirty="0">
+                <a:solidFill>
+                  <a:prstClr val="white"/>
+                </a:solidFill>
+                <a:latin typeface="Segoe UI"/>
+              </a:endParaRPr>
+            </a:p>
+          </p:txBody>
+        </p:sp>
+        <p:grpSp>
+          <p:nvGrpSpPr>
+            <p:cNvPr id="9" name="Group 8"/>
+            <p:cNvGrpSpPr/>
+            <p:nvPr/>
+          </p:nvGrpSpPr>
+          <p:grpSpPr>
+            <a:xfrm>
+              <a:off x="8386335" y="360579"/>
+              <a:ext cx="640645" cy="183940"/>
+              <a:chOff x="8303527" y="360579"/>
+              <a:chExt cx="640645" cy="183940"/>
+            </a:xfrm>
+          </p:grpSpPr>
+          <p:pic>
+            <p:nvPicPr>
+              <p:cNvPr id="19" name="Picture 2" descr="C:\Users\t-dantay\Documents\Placeholders\home.png"/>
+              <p:cNvPicPr>
+                <a:picLocks noChangeAspect="1" noChangeArrowheads="1"/>
+              </p:cNvPicPr>
+              <p:nvPr/>
+            </p:nvPicPr>
+            <p:blipFill>
+              <a:blip r:embed="rId18" cstate="print">
+                <a:extLst>
+                  <a:ext uri="{28A0092B-C50C-407E-A947-70E740481C1C}">
+                    <a14:useLocalDpi xmlns:a14="http://schemas.microsoft.com/office/drawing/2010/main" val="0"/>
+                  </a:ext>
+                </a:extLst>
+              </a:blip>
+              <a:srcRect/>
+              <a:stretch>
+                <a:fillRect/>
+              </a:stretch>
+            </p:blipFill>
+            <p:spPr bwMode="auto">
+              <a:xfrm>
+                <a:off x="8303527" y="361109"/>
+                <a:ext cx="185783" cy="182880"/>
+              </a:xfrm>
+              <a:prstGeom prst="rect">
+                <a:avLst/>
+              </a:prstGeom>
+              <a:noFill/>
+              <a:extLst>
+                <a:ext uri="{909E8E84-426E-40DD-AFC4-6F175D3DCCD1}">
+                  <a14:hiddenFill xmlns:a14="http://schemas.microsoft.com/office/drawing/2010/main">
+                    <a:solidFill>
+                      <a:srgbClr val="FFFFFF"/>
+                    </a:solidFill>
+                  </a14:hiddenFill>
+                </a:ext>
+              </a:extLst>
+            </p:spPr>
+          </p:pic>
+          <p:pic>
+            <p:nvPicPr>
+              <p:cNvPr id="20" name="Picture 2" descr="C:\Users\t-dantay\Documents\Placeholders\setting.png"/>
+              <p:cNvPicPr>
+                <a:picLocks noChangeAspect="1" noChangeArrowheads="1"/>
+              </p:cNvPicPr>
+              <p:nvPr/>
+            </p:nvPicPr>
+            <p:blipFill rotWithShape="1">
+              <a:blip r:embed="rId19" cstate="print">
+                <a:extLst>
+                  <a:ext uri="{28A0092B-C50C-407E-A947-70E740481C1C}">
+                    <a14:useLocalDpi xmlns:a14="http://schemas.microsoft.com/office/drawing/2010/main" val="0"/>
+                  </a:ext>
+                </a:extLst>
+              </a:blip>
+              <a:srcRect t="13480" r="35484"/>
+              <a:stretch/>
+            </p:blipFill>
+            <p:spPr bwMode="auto">
+              <a:xfrm>
+                <a:off x="8761292" y="360579"/>
+                <a:ext cx="182880" cy="183940"/>
+              </a:xfrm>
+              <a:prstGeom prst="rect">
+                <a:avLst/>
+              </a:prstGeom>
+              <a:noFill/>
+              <a:extLst>
+                <a:ext uri="{909E8E84-426E-40DD-AFC4-6F175D3DCCD1}">
+                  <a14:hiddenFill xmlns:a14="http://schemas.microsoft.com/office/drawing/2010/main">
+                    <a:solidFill>
+                      <a:srgbClr val="FFFFFF"/>
+                    </a:solidFill>
+                  </a14:hiddenFill>
+                </a:ext>
+              </a:extLst>
+            </p:spPr>
+          </p:pic>
+          <p:pic>
+            <p:nvPicPr>
+              <p:cNvPr id="21" name="Picture 2" descr="C:\Users\t-dantay\Documents\Placeholders\star.png"/>
+              <p:cNvPicPr>
+                <a:picLocks noChangeAspect="1" noChangeArrowheads="1"/>
+              </p:cNvPicPr>
+              <p:nvPr/>
+            </p:nvPicPr>
+            <p:blipFill>
+              <a:blip r:embed="rId20" cstate="print">
+                <a:extLst>
+                  <a:ext uri="{28A0092B-C50C-407E-A947-70E740481C1C}">
+                    <a14:useLocalDpi xmlns:a14="http://schemas.microsoft.com/office/drawing/2010/main" val="0"/>
+                  </a:ext>
+                </a:extLst>
+              </a:blip>
+              <a:srcRect/>
+              <a:stretch>
+                <a:fillRect/>
+              </a:stretch>
+            </p:blipFill>
+            <p:spPr bwMode="auto">
+              <a:xfrm>
+                <a:off x="8529364" y="361109"/>
+                <a:ext cx="191874" cy="182880"/>
+              </a:xfrm>
+              <a:prstGeom prst="rect">
+                <a:avLst/>
+              </a:prstGeom>
+              <a:noFill/>
+              <a:extLst>
+                <a:ext uri="{909E8E84-426E-40DD-AFC4-6F175D3DCCD1}">
+                  <a14:hiddenFill xmlns:a14="http://schemas.microsoft.com/office/drawing/2010/main">
+                    <a:solidFill>
+                      <a:srgbClr val="FFFFFF"/>
+                    </a:solidFill>
+                  </a14:hiddenFill>
+                </a:ext>
+              </a:extLst>
+            </p:spPr>
+          </p:pic>
+        </p:grpSp>
+        <p:grpSp>
+          <p:nvGrpSpPr>
+            <p:cNvPr id="10" name="Group 9"/>
+            <p:cNvGrpSpPr/>
+            <p:nvPr/>
+          </p:nvGrpSpPr>
+          <p:grpSpPr>
+            <a:xfrm>
+              <a:off x="923925" y="340846"/>
+              <a:ext cx="7142930" cy="228600"/>
+              <a:chOff x="923925" y="340846"/>
+              <a:chExt cx="7142930" cy="228600"/>
+            </a:xfrm>
+          </p:grpSpPr>
+          <p:sp>
+            <p:nvSpPr>
+              <p:cNvPr id="11" name="UrlBar"/>
+              <p:cNvSpPr/>
+              <p:nvPr/>
+            </p:nvSpPr>
+            <p:spPr>
+              <a:xfrm>
+                <a:off x="923925" y="340846"/>
+                <a:ext cx="7142930" cy="228600"/>
+              </a:xfrm>
+              <a:prstGeom prst="rect">
+                <a:avLst/>
+              </a:prstGeom>
+              <a:solidFill>
+                <a:sysClr val="window" lastClr="FFFFFF"/>
+              </a:solidFill>
+              <a:ln w="3175" cap="flat" cmpd="sng" algn="ctr">
+                <a:solidFill>
+                  <a:srgbClr val="000000">
+                    <a:lumMod val="50000"/>
+                    <a:lumOff val="50000"/>
+                  </a:srgbClr>
+                </a:solidFill>
+                <a:prstDash val="solid"/>
+              </a:ln>
+              <a:effectLst/>
+            </p:spPr>
+            <p:txBody>
+              <a:bodyPr rtlCol="0" anchor="ctr"/>
+              <a:lstStyle/>
+              <a:p>
+                <a:endParaRPr lang="pt-BR" sz="1200" kern="0" dirty="0">
+                  <a:solidFill>
+                    <a:prstClr val="black">
+                      <a:lumMod val="75000"/>
+                      <a:lumOff val="25000"/>
+                    </a:prstClr>
+                  </a:solidFill>
+                  <a:latin typeface="Segoe UI"/>
+                </a:endParaRPr>
+              </a:p>
+            </p:txBody>
+          </p:sp>
+          <p:grpSp>
+            <p:nvGrpSpPr>
+              <p:cNvPr id="12" name="Group 11"/>
+              <p:cNvGrpSpPr/>
+              <p:nvPr/>
+            </p:nvGrpSpPr>
+            <p:grpSpPr>
+              <a:xfrm>
+                <a:off x="7260350" y="363706"/>
+                <a:ext cx="744325" cy="182880"/>
+                <a:chOff x="7260350" y="363706"/>
+                <a:chExt cx="744325" cy="182880"/>
+              </a:xfrm>
+            </p:grpSpPr>
+            <p:pic>
+              <p:nvPicPr>
+                <p:cNvPr id="13" name="Search" descr="C:\Users\t-dantay\Documents\Placeholders\search.png"/>
+                <p:cNvPicPr>
+                  <a:picLocks noChangeAspect="1" noChangeArrowheads="1"/>
+                </p:cNvPicPr>
+                <p:nvPr/>
+              </p:nvPicPr>
+              <p:blipFill>
+                <a:blip r:embed="rId21" cstate="print">
+                  <a:extLst>
+                    <a:ext uri="{28A0092B-C50C-407E-A947-70E740481C1C}">
+                      <a14:useLocalDpi xmlns:a14="http://schemas.microsoft.com/office/drawing/2010/main" val="0"/>
+                    </a:ext>
+                  </a:extLst>
+                </a:blip>
+                <a:srcRect/>
+                <a:stretch>
+                  <a:fillRect/>
+                </a:stretch>
+              </p:blipFill>
+              <p:spPr bwMode="auto">
+                <a:xfrm flipH="1">
+                  <a:off x="7260350" y="363706"/>
+                  <a:ext cx="182880" cy="182880"/>
+                </a:xfrm>
+                <a:prstGeom prst="rect">
+                  <a:avLst/>
+                </a:prstGeom>
+                <a:noFill/>
+                <a:extLst>
+                  <a:ext uri="{909E8E84-426E-40DD-AFC4-6F175D3DCCD1}">
+                    <a14:hiddenFill xmlns:a14="http://schemas.microsoft.com/office/drawing/2010/main">
+                      <a:solidFill>
+                        <a:srgbClr val="FFFFFF"/>
+                      </a:solidFill>
+                    </a14:hiddenFill>
+                  </a:ext>
+                </a:extLst>
+              </p:spPr>
+            </p:pic>
+            <p:pic>
+              <p:nvPicPr>
+                <p:cNvPr id="14" name="Refresh" descr="C:\Users\t-dantay\Documents\First24\arrowrepeat1.png"/>
+                <p:cNvPicPr>
+                  <a:picLocks noChangeAspect="1" noChangeArrowheads="1"/>
+                </p:cNvPicPr>
+                <p:nvPr/>
+              </p:nvPicPr>
+              <p:blipFill>
+                <a:blip r:embed="rId22" cstate="print">
+                  <a:extLst>
+                    <a:ext uri="{28A0092B-C50C-407E-A947-70E740481C1C}">
+                      <a14:useLocalDpi xmlns:a14="http://schemas.microsoft.com/office/drawing/2010/main" val="0"/>
+                    </a:ext>
+                  </a:extLst>
+                </a:blip>
+                <a:srcRect/>
+                <a:stretch>
+                  <a:fillRect/>
+                </a:stretch>
+              </p:blipFill>
+              <p:spPr bwMode="auto">
+                <a:xfrm>
+                  <a:off x="7644400" y="363706"/>
+                  <a:ext cx="182880" cy="182880"/>
+                </a:xfrm>
+                <a:prstGeom prst="rect">
+                  <a:avLst/>
+                </a:prstGeom>
+                <a:noFill/>
+                <a:extLst>
+                  <a:ext uri="{909E8E84-426E-40DD-AFC4-6F175D3DCCD1}">
+                    <a14:hiddenFill xmlns:a14="http://schemas.microsoft.com/office/drawing/2010/main">
+                      <a:solidFill>
+                        <a:srgbClr val="FFFFFF"/>
+                      </a:solidFill>
+                    </a14:hiddenFill>
+                  </a:ext>
+                </a:extLst>
+              </p:spPr>
+            </p:pic>
+            <p:pic>
+              <p:nvPicPr>
+                <p:cNvPr id="15" name="Drop Down" descr="C:\Users\t-dantay\Documents\First24\arrowsimple1.png"/>
+                <p:cNvPicPr>
+                  <a:picLocks noChangeAspect="1" noChangeArrowheads="1"/>
+                </p:cNvPicPr>
+                <p:nvPr/>
+              </p:nvPicPr>
+              <p:blipFill>
+                <a:blip r:embed="rId23" cstate="print">
+                  <a:extLst>
+                    <a:ext uri="{28A0092B-C50C-407E-A947-70E740481C1C}">
+                      <a14:useLocalDpi xmlns:a14="http://schemas.microsoft.com/office/drawing/2010/main" val="0"/>
+                    </a:ext>
+                  </a:extLst>
+                </a:blip>
+                <a:srcRect/>
+                <a:stretch>
+                  <a:fillRect/>
+                </a:stretch>
+              </p:blipFill>
+              <p:spPr bwMode="auto">
+                <a:xfrm rot="5400000">
+                  <a:off x="7476150" y="409426"/>
+                  <a:ext cx="91440" cy="91440"/>
+                </a:xfrm>
+                <a:prstGeom prst="rect">
+                  <a:avLst/>
+                </a:prstGeom>
+                <a:noFill/>
+                <a:extLst>
+                  <a:ext uri="{909E8E84-426E-40DD-AFC4-6F175D3DCCD1}">
+                    <a14:hiddenFill xmlns:a14="http://schemas.microsoft.com/office/drawing/2010/main">
+                      <a:solidFill>
+                        <a:srgbClr val="FFFFFF"/>
+                      </a:solidFill>
+                    </a14:hiddenFill>
+                  </a:ext>
+                </a:extLst>
+              </p:spPr>
+            </p:pic>
+            <p:grpSp>
+              <p:nvGrpSpPr>
+                <p:cNvPr id="16" name="X"/>
+                <p:cNvGrpSpPr/>
+                <p:nvPr/>
+              </p:nvGrpSpPr>
+              <p:grpSpPr>
+                <a:xfrm>
+                  <a:off x="7913235" y="409426"/>
+                  <a:ext cx="91440" cy="91440"/>
+                  <a:chOff x="4687215" y="1739180"/>
+                  <a:chExt cx="91440" cy="91440"/>
+                </a:xfrm>
+              </p:grpSpPr>
+              <p:cxnSp>
+                <p:nvCxnSpPr>
+                  <p:cNvPr id="17" name="Straight Connector 16"/>
+                  <p:cNvCxnSpPr/>
+                  <p:nvPr/>
+                </p:nvCxnSpPr>
+                <p:spPr>
+                  <a:xfrm flipV="1">
+                    <a:off x="4687215" y="1739180"/>
+                    <a:ext cx="91440" cy="91440"/>
+                  </a:xfrm>
+                  <a:prstGeom prst="line">
+                    <a:avLst/>
+                  </a:prstGeom>
+                  <a:ln w="28575">
+                    <a:solidFill>
+                      <a:srgbClr val="FFFFFF">
+                        <a:lumMod val="50000"/>
+                      </a:srgbClr>
+                    </a:solidFill>
+                  </a:ln>
+                </p:spPr>
+                <p:style>
+                  <a:lnRef idx="1">
+                    <a:srgbClr val="FFFFFF"/>
+                  </a:lnRef>
+                  <a:fillRef idx="0">
+                    <a:srgbClr val="FFFFFF"/>
+                  </a:fillRef>
+                  <a:effectRef idx="0">
+                    <a:srgbClr val="FFFFFF"/>
+                  </a:effectRef>
+                  <a:fontRef idx="minor">
+                    <a:srgbClr val="000000"/>
+                  </a:fontRef>
+                </p:style>
+              </p:cxnSp>
+              <p:cxnSp>
+                <p:nvCxnSpPr>
+                  <p:cNvPr id="18" name="Straight Connector 17"/>
+                  <p:cNvCxnSpPr/>
+                  <p:nvPr/>
+                </p:nvCxnSpPr>
+                <p:spPr>
+                  <a:xfrm>
+                    <a:off x="4687215" y="1739180"/>
+                    <a:ext cx="91440" cy="91440"/>
+                  </a:xfrm>
+                  <a:prstGeom prst="line">
+                    <a:avLst/>
+                  </a:prstGeom>
+                  <a:ln w="28575">
+                    <a:solidFill>
+                      <a:srgbClr val="FFFFFF">
+                        <a:lumMod val="50000"/>
+                      </a:srgbClr>
+                    </a:solidFill>
+                  </a:ln>
+                </p:spPr>
+                <p:style>
+                  <a:lnRef idx="1">
+                    <a:srgbClr val="FFFFFF"/>
+                  </a:lnRef>
+                  <a:fillRef idx="0">
+                    <a:srgbClr val="FFFFFF"/>
+                  </a:fillRef>
+                  <a:effectRef idx="0">
+                    <a:srgbClr val="FFFFFF"/>
+                  </a:effectRef>
+                  <a:fontRef idx="minor">
+                    <a:srgbClr val="000000"/>
+                  </a:fontRef>
+                </p:style>
+              </p:cxnSp>
+            </p:grpSp>
+          </p:grpSp>
+        </p:grpSp>
+      </p:grpSp>
+      <p:sp>
+        <p:nvSpPr>
+          <p:cNvPr id="33" name="Retângulo 32"/>
+          <p:cNvSpPr/>
+          <p:nvPr/>
+        </p:nvSpPr>
+        <p:spPr>
+          <a:xfrm>
+            <a:off x="101600" y="685159"/>
+            <a:ext cx="11988800" cy="1433201"/>
+          </a:xfrm>
+          <a:prstGeom prst="rect">
+            <a:avLst/>
+          </a:prstGeom>
+          <a:noFill/>
+          <a:ln>
+            <a:solidFill>
+              <a:schemeClr val="tx1"/>
+            </a:solidFill>
+          </a:ln>
+        </p:spPr>
+        <p:style>
+          <a:lnRef idx="2">
+            <a:schemeClr val="accent1">
+              <a:shade val="50000"/>
+            </a:schemeClr>
+          </a:lnRef>
+          <a:fillRef idx="1">
+            <a:schemeClr val="accent1"/>
+          </a:fillRef>
+          <a:effectRef idx="0">
+            <a:schemeClr val="accent1"/>
+          </a:effectRef>
+          <a:fontRef idx="minor">
+            <a:schemeClr val="lt1"/>
+          </a:fontRef>
+        </p:style>
+        <p:txBody>
+          <a:bodyPr rtlCol="0" anchor="ctr"/>
+          <a:lstStyle/>
+          <a:p>
+            <a:pPr algn="ctr"/>
+            <a:endParaRPr lang="pt-BR"/>
+          </a:p>
+        </p:txBody>
+      </p:sp>
+      <p:pic>
+        <p:nvPicPr>
+          <p:cNvPr id="34" name="Imagem 33"/>
+          <p:cNvPicPr>
+            <a:picLocks noChangeAspect="1"/>
+          </p:cNvPicPr>
+          <p:nvPr/>
+        </p:nvPicPr>
+        <p:blipFill>
+          <a:blip r:embed="rId24"/>
+          <a:stretch>
+            <a:fillRect/>
+          </a:stretch>
+        </p:blipFill>
+        <p:spPr>
+          <a:xfrm>
+            <a:off x="206164" y="758648"/>
+            <a:ext cx="361950" cy="780874"/>
+          </a:xfrm>
+          <a:prstGeom prst="rect">
+            <a:avLst/>
+          </a:prstGeom>
+        </p:spPr>
+      </p:pic>
+      <p:sp>
+        <p:nvSpPr>
+          <p:cNvPr id="35" name="Content"/>
+          <p:cNvSpPr txBox="1"/>
+          <p:nvPr>
+            <p:custDataLst>
+              <p:custData r:id="rId2"/>
+            </p:custDataLst>
+          </p:nvPr>
+        </p:nvSpPr>
+        <p:spPr>
+          <a:xfrm>
+            <a:off x="37680" y="1539522"/>
+            <a:ext cx="1060868" cy="323165"/>
+          </a:xfrm>
+          <a:prstGeom prst="rect">
+            <a:avLst/>
+          </a:prstGeom>
+          <a:noFill/>
+        </p:spPr>
+        <p:txBody>
+          <a:bodyPr wrap="none" lIns="91440" tIns="18288" rIns="91440" bIns="27432" rtlCol="0" anchor="ctr" anchorCtr="0">
+            <a:spAutoFit/>
+          </a:bodyPr>
+          <a:lstStyle/>
+          <a:p>
+            <a:r>
+              <a:rPr lang="en-US" dirty="0">
+                <a:solidFill>
+                  <a:srgbClr val="000000"/>
+                </a:solidFill>
+                <a:latin typeface="Segoe UI" pitchFamily="34" charset="0"/>
+                <a:ea typeface="Segoe UI" pitchFamily="34" charset="0"/>
+                <a:cs typeface="Segoe UI" pitchFamily="34" charset="0"/>
+              </a:rPr>
+              <a:t>UNIRON</a:t>
+            </a:r>
+          </a:p>
+        </p:txBody>
+      </p:sp>
+      <p:pic>
+        <p:nvPicPr>
+          <p:cNvPr id="36" name="Picture 2" descr="C:\Users\t-dantay\Documents\Placeholders\user.png"/>
+          <p:cNvPicPr>
+            <a:picLocks noChangeAspect="1" noChangeArrowheads="1"/>
+          </p:cNvPicPr>
+          <p:nvPr>
+            <p:custDataLst>
+              <p:custData r:id="rId3"/>
+            </p:custDataLst>
+          </p:nvPr>
+        </p:nvPicPr>
+        <p:blipFill>
+          <a:blip r:embed="rId25" cstate="print">
+            <a:extLst>
+              <a:ext uri="{28A0092B-C50C-407E-A947-70E740481C1C}">
+                <a14:useLocalDpi xmlns:a14="http://schemas.microsoft.com/office/drawing/2010/main" val="0"/>
+              </a:ext>
+            </a:extLst>
+          </a:blip>
+          <a:srcRect/>
+          <a:stretch>
+            <a:fillRect/>
+          </a:stretch>
+        </p:blipFill>
+        <p:spPr bwMode="auto">
+          <a:xfrm>
+            <a:off x="1351280" y="1149084"/>
+            <a:ext cx="401320" cy="438943"/>
+          </a:xfrm>
+          <a:prstGeom prst="rect">
+            <a:avLst/>
+          </a:prstGeom>
+          <a:noFill/>
+          <a:extLst>
+            <a:ext uri="{909E8E84-426E-40DD-AFC4-6F175D3DCCD1}">
+              <a14:hiddenFill xmlns:a14="http://schemas.microsoft.com/office/drawing/2010/main">
+                <a:solidFill>
+                  <a:srgbClr val="FFFFFF"/>
+                </a:solidFill>
+              </a14:hiddenFill>
+            </a:ext>
+          </a:extLst>
+        </p:spPr>
+      </p:pic>
+      <p:sp>
+        <p:nvSpPr>
+          <p:cNvPr id="37" name="Elipse 36"/>
+          <p:cNvSpPr/>
+          <p:nvPr/>
+        </p:nvSpPr>
+        <p:spPr>
+          <a:xfrm>
+            <a:off x="1133474" y="1048403"/>
+            <a:ext cx="836932" cy="706711"/>
+          </a:xfrm>
+          <a:prstGeom prst="ellipse">
+            <a:avLst/>
+          </a:prstGeom>
+          <a:noFill/>
+        </p:spPr>
+        <p:style>
+          <a:lnRef idx="2">
+            <a:schemeClr val="accent1">
+              <a:shade val="50000"/>
+            </a:schemeClr>
+          </a:lnRef>
+          <a:fillRef idx="1">
+            <a:schemeClr val="accent1"/>
+          </a:fillRef>
+          <a:effectRef idx="0">
+            <a:schemeClr val="accent1"/>
+          </a:effectRef>
+          <a:fontRef idx="minor">
+            <a:schemeClr val="lt1"/>
+          </a:fontRef>
+        </p:style>
+        <p:txBody>
+          <a:bodyPr rtlCol="0" anchor="ctr"/>
+          <a:lstStyle/>
+          <a:p>
+            <a:pPr algn="ctr"/>
+            <a:endParaRPr lang="pt-BR"/>
+          </a:p>
+        </p:txBody>
+      </p:sp>
+      <p:sp>
+        <p:nvSpPr>
+          <p:cNvPr id="38" name="Content"/>
+          <p:cNvSpPr txBox="1"/>
+          <p:nvPr>
+            <p:custDataLst>
+              <p:custData r:id="rId4"/>
+            </p:custDataLst>
+          </p:nvPr>
+        </p:nvSpPr>
+        <p:spPr>
+          <a:xfrm>
+            <a:off x="2059318" y="1030502"/>
+            <a:ext cx="4036682" cy="292388"/>
+          </a:xfrm>
+          <a:prstGeom prst="rect">
+            <a:avLst/>
+          </a:prstGeom>
+          <a:noFill/>
+        </p:spPr>
+        <p:txBody>
+          <a:bodyPr wrap="none" lIns="91440" tIns="18288" rIns="91440" bIns="27432" rtlCol="0" anchor="ctr" anchorCtr="0">
+            <a:spAutoFit/>
+          </a:bodyPr>
+          <a:lstStyle/>
+          <a:p>
+            <a:r>
+              <a:rPr lang="en-US" sz="1600" dirty="0" err="1">
+                <a:solidFill>
+                  <a:srgbClr val="000000"/>
+                </a:solidFill>
+                <a:latin typeface="Segoe UI" pitchFamily="34" charset="0"/>
+                <a:ea typeface="Segoe UI" pitchFamily="34" charset="0"/>
+                <a:cs typeface="Segoe UI" pitchFamily="34" charset="0"/>
+              </a:rPr>
+              <a:t>Acadêmico</a:t>
+            </a:r>
+            <a:r>
+              <a:rPr lang="en-US" sz="1600" dirty="0">
+                <a:solidFill>
+                  <a:srgbClr val="000000"/>
+                </a:solidFill>
+                <a:latin typeface="Segoe UI" pitchFamily="34" charset="0"/>
+                <a:ea typeface="Segoe UI" pitchFamily="34" charset="0"/>
+                <a:cs typeface="Segoe UI" pitchFamily="34" charset="0"/>
+              </a:rPr>
+              <a:t>: </a:t>
+            </a:r>
+            <a:r>
+              <a:rPr lang="en-US" sz="1600" dirty="0" err="1">
+                <a:solidFill>
+                  <a:srgbClr val="000000"/>
+                </a:solidFill>
+                <a:latin typeface="Segoe UI" pitchFamily="34" charset="0"/>
+                <a:ea typeface="Segoe UI" pitchFamily="34" charset="0"/>
+                <a:cs typeface="Segoe UI" pitchFamily="34" charset="0"/>
+              </a:rPr>
+              <a:t>Iscaminosfleuris</a:t>
+            </a:r>
+            <a:r>
+              <a:rPr lang="en-US" sz="1600" dirty="0">
+                <a:solidFill>
+                  <a:srgbClr val="000000"/>
+                </a:solidFill>
+                <a:latin typeface="Segoe UI" pitchFamily="34" charset="0"/>
+                <a:ea typeface="Segoe UI" pitchFamily="34" charset="0"/>
+                <a:cs typeface="Segoe UI" pitchFamily="34" charset="0"/>
+              </a:rPr>
+              <a:t> da Silva </a:t>
+            </a:r>
+            <a:r>
+              <a:rPr lang="en-US" sz="1600" dirty="0" err="1">
+                <a:solidFill>
+                  <a:srgbClr val="000000"/>
+                </a:solidFill>
+                <a:latin typeface="Segoe UI" pitchFamily="34" charset="0"/>
+                <a:ea typeface="Segoe UI" pitchFamily="34" charset="0"/>
+                <a:cs typeface="Segoe UI" pitchFamily="34" charset="0"/>
+              </a:rPr>
+              <a:t>Sauro</a:t>
+            </a:r>
+            <a:endParaRPr lang="en-US" sz="1600" dirty="0">
+              <a:solidFill>
+                <a:srgbClr val="000000"/>
+              </a:solidFill>
+              <a:latin typeface="Segoe UI" pitchFamily="34" charset="0"/>
+              <a:ea typeface="Segoe UI" pitchFamily="34" charset="0"/>
+              <a:cs typeface="Segoe UI" pitchFamily="34" charset="0"/>
+            </a:endParaRPr>
+          </a:p>
+        </p:txBody>
+      </p:sp>
+      <p:sp>
+        <p:nvSpPr>
+          <p:cNvPr id="39" name="Content"/>
+          <p:cNvSpPr txBox="1"/>
+          <p:nvPr>
+            <p:custDataLst>
+              <p:custData r:id="rId5"/>
+            </p:custDataLst>
+          </p:nvPr>
+        </p:nvSpPr>
+        <p:spPr>
+          <a:xfrm>
+            <a:off x="2034326" y="1373056"/>
+            <a:ext cx="2960490" cy="292388"/>
+          </a:xfrm>
+          <a:prstGeom prst="rect">
+            <a:avLst/>
+          </a:prstGeom>
+          <a:noFill/>
+        </p:spPr>
+        <p:txBody>
+          <a:bodyPr wrap="none" lIns="91440" tIns="18288" rIns="91440" bIns="27432" rtlCol="0" anchor="ctr" anchorCtr="0">
+            <a:spAutoFit/>
+          </a:bodyPr>
+          <a:lstStyle/>
+          <a:p>
+            <a:r>
+              <a:rPr lang="en-US" sz="1600" dirty="0" err="1">
+                <a:solidFill>
+                  <a:srgbClr val="000000"/>
+                </a:solidFill>
+                <a:latin typeface="Segoe UI" pitchFamily="34" charset="0"/>
+                <a:ea typeface="Segoe UI" pitchFamily="34" charset="0"/>
+                <a:cs typeface="Segoe UI" pitchFamily="34" charset="0"/>
+              </a:rPr>
+              <a:t>Curso</a:t>
+            </a:r>
+            <a:r>
+              <a:rPr lang="en-US" sz="1600" dirty="0">
+                <a:solidFill>
+                  <a:srgbClr val="000000"/>
+                </a:solidFill>
+                <a:latin typeface="Segoe UI" pitchFamily="34" charset="0"/>
+                <a:ea typeface="Segoe UI" pitchFamily="34" charset="0"/>
+                <a:cs typeface="Segoe UI" pitchFamily="34" charset="0"/>
+              </a:rPr>
+              <a:t>: </a:t>
+            </a:r>
+            <a:r>
+              <a:rPr lang="en-US" sz="1600" dirty="0" err="1">
+                <a:solidFill>
+                  <a:srgbClr val="000000"/>
+                </a:solidFill>
+                <a:latin typeface="Segoe UI" pitchFamily="34" charset="0"/>
+                <a:ea typeface="Segoe UI" pitchFamily="34" charset="0"/>
+                <a:cs typeface="Segoe UI" pitchFamily="34" charset="0"/>
+              </a:rPr>
+              <a:t>Sistemas</a:t>
+            </a:r>
+            <a:r>
+              <a:rPr lang="en-US" sz="1600" dirty="0">
+                <a:solidFill>
+                  <a:srgbClr val="000000"/>
+                </a:solidFill>
+                <a:latin typeface="Segoe UI" pitchFamily="34" charset="0"/>
+                <a:ea typeface="Segoe UI" pitchFamily="34" charset="0"/>
+                <a:cs typeface="Segoe UI" pitchFamily="34" charset="0"/>
+              </a:rPr>
+              <a:t> de </a:t>
+            </a:r>
+            <a:r>
+              <a:rPr lang="en-US" sz="1600" dirty="0" err="1">
+                <a:solidFill>
+                  <a:srgbClr val="000000"/>
+                </a:solidFill>
+                <a:latin typeface="Segoe UI" pitchFamily="34" charset="0"/>
+                <a:ea typeface="Segoe UI" pitchFamily="34" charset="0"/>
+                <a:cs typeface="Segoe UI" pitchFamily="34" charset="0"/>
+              </a:rPr>
+              <a:t>Informação</a:t>
+            </a:r>
+            <a:endParaRPr lang="en-US" sz="1600" dirty="0">
+              <a:solidFill>
+                <a:srgbClr val="000000"/>
+              </a:solidFill>
+              <a:latin typeface="Segoe UI" pitchFamily="34" charset="0"/>
+              <a:ea typeface="Segoe UI" pitchFamily="34" charset="0"/>
+              <a:cs typeface="Segoe UI" pitchFamily="34" charset="0"/>
+            </a:endParaRPr>
+          </a:p>
+        </p:txBody>
+      </p:sp>
+      <p:sp>
+        <p:nvSpPr>
+          <p:cNvPr id="40" name="Content"/>
+          <p:cNvSpPr txBox="1"/>
+          <p:nvPr>
+            <p:custDataLst>
+              <p:custData r:id="rId6"/>
+            </p:custDataLst>
+          </p:nvPr>
+        </p:nvSpPr>
+        <p:spPr>
+          <a:xfrm>
+            <a:off x="5354952" y="1423041"/>
+            <a:ext cx="2070695" cy="292388"/>
+          </a:xfrm>
+          <a:prstGeom prst="rect">
+            <a:avLst/>
+          </a:prstGeom>
+          <a:noFill/>
+        </p:spPr>
+        <p:txBody>
+          <a:bodyPr wrap="none" lIns="91440" tIns="18288" rIns="91440" bIns="27432" rtlCol="0" anchor="ctr" anchorCtr="0">
+            <a:spAutoFit/>
+          </a:bodyPr>
+          <a:lstStyle/>
+          <a:p>
+            <a:r>
+              <a:rPr lang="en-US" sz="1600" dirty="0" err="1">
+                <a:solidFill>
+                  <a:srgbClr val="000000"/>
+                </a:solidFill>
+                <a:latin typeface="Segoe UI" pitchFamily="34" charset="0"/>
+                <a:ea typeface="Segoe UI" pitchFamily="34" charset="0"/>
+                <a:cs typeface="Segoe UI" pitchFamily="34" charset="0"/>
+              </a:rPr>
+              <a:t>Semestre</a:t>
+            </a:r>
+            <a:r>
+              <a:rPr lang="en-US" sz="1600" dirty="0">
+                <a:solidFill>
+                  <a:srgbClr val="000000"/>
+                </a:solidFill>
+                <a:latin typeface="Segoe UI" pitchFamily="34" charset="0"/>
+                <a:ea typeface="Segoe UI" pitchFamily="34" charset="0"/>
+                <a:cs typeface="Segoe UI" pitchFamily="34" charset="0"/>
+              </a:rPr>
+              <a:t>: 7º </a:t>
+            </a:r>
+            <a:r>
+              <a:rPr lang="en-US" sz="1600" dirty="0" err="1">
+                <a:solidFill>
+                  <a:srgbClr val="000000"/>
+                </a:solidFill>
+                <a:latin typeface="Segoe UI" pitchFamily="34" charset="0"/>
+                <a:ea typeface="Segoe UI" pitchFamily="34" charset="0"/>
+                <a:cs typeface="Segoe UI" pitchFamily="34" charset="0"/>
+              </a:rPr>
+              <a:t>Periodo</a:t>
+            </a:r>
+            <a:endParaRPr lang="en-US" sz="1600" dirty="0">
+              <a:solidFill>
+                <a:srgbClr val="000000"/>
+              </a:solidFill>
+              <a:latin typeface="Segoe UI" pitchFamily="34" charset="0"/>
+              <a:ea typeface="Segoe UI" pitchFamily="34" charset="0"/>
+              <a:cs typeface="Segoe UI" pitchFamily="34" charset="0"/>
+            </a:endParaRPr>
+          </a:p>
+        </p:txBody>
+      </p:sp>
+      <p:sp>
+        <p:nvSpPr>
+          <p:cNvPr id="41" name="Content"/>
+          <p:cNvSpPr txBox="1"/>
+          <p:nvPr>
+            <p:custDataLst>
+              <p:custData r:id="rId7"/>
+            </p:custDataLst>
+          </p:nvPr>
+        </p:nvSpPr>
+        <p:spPr>
+          <a:xfrm>
+            <a:off x="6327023" y="1050345"/>
+            <a:ext cx="1681871" cy="292388"/>
+          </a:xfrm>
+          <a:prstGeom prst="rect">
+            <a:avLst/>
+          </a:prstGeom>
+          <a:noFill/>
+        </p:spPr>
+        <p:txBody>
+          <a:bodyPr wrap="none" lIns="91440" tIns="18288" rIns="91440" bIns="27432" rtlCol="0" anchor="ctr" anchorCtr="0">
+            <a:spAutoFit/>
+          </a:bodyPr>
+          <a:lstStyle/>
+          <a:p>
+            <a:r>
+              <a:rPr lang="en-US" sz="1600" dirty="0" err="1">
+                <a:solidFill>
+                  <a:srgbClr val="000000"/>
+                </a:solidFill>
+                <a:latin typeface="Segoe UI" pitchFamily="34" charset="0"/>
+                <a:ea typeface="Segoe UI" pitchFamily="34" charset="0"/>
+                <a:cs typeface="Segoe UI" pitchFamily="34" charset="0"/>
+              </a:rPr>
+              <a:t>Matricula</a:t>
+            </a:r>
+            <a:r>
+              <a:rPr lang="en-US" sz="1600" dirty="0">
+                <a:solidFill>
+                  <a:srgbClr val="000000"/>
+                </a:solidFill>
+                <a:latin typeface="Segoe UI" pitchFamily="34" charset="0"/>
+                <a:ea typeface="Segoe UI" pitchFamily="34" charset="0"/>
+                <a:cs typeface="Segoe UI" pitchFamily="34" charset="0"/>
+              </a:rPr>
+              <a:t>: 00000</a:t>
+            </a:r>
+          </a:p>
+        </p:txBody>
+      </p:sp>
+      <p:sp>
+        <p:nvSpPr>
+          <p:cNvPr id="43" name="Content"/>
+          <p:cNvSpPr txBox="1"/>
+          <p:nvPr>
+            <p:custDataLst>
+              <p:custData r:id="rId8"/>
+            </p:custDataLst>
+          </p:nvPr>
+        </p:nvSpPr>
+        <p:spPr>
+          <a:xfrm>
+            <a:off x="8443336" y="1001432"/>
+            <a:ext cx="1749197" cy="292388"/>
+          </a:xfrm>
+          <a:prstGeom prst="rect">
+            <a:avLst/>
+          </a:prstGeom>
+          <a:noFill/>
+        </p:spPr>
+        <p:txBody>
+          <a:bodyPr wrap="none" lIns="91440" tIns="18288" rIns="91440" bIns="27432" rtlCol="0" anchor="ctr" anchorCtr="0">
+            <a:spAutoFit/>
+          </a:bodyPr>
+          <a:lstStyle/>
+          <a:p>
+            <a:r>
+              <a:rPr lang="en-US" sz="1600" dirty="0" err="1">
+                <a:solidFill>
+                  <a:srgbClr val="000000"/>
+                </a:solidFill>
+                <a:latin typeface="Segoe UI" pitchFamily="34" charset="0"/>
+                <a:ea typeface="Segoe UI" pitchFamily="34" charset="0"/>
+                <a:cs typeface="Segoe UI" pitchFamily="34" charset="0"/>
+              </a:rPr>
+              <a:t>Periodo</a:t>
+            </a:r>
+            <a:r>
+              <a:rPr lang="en-US" sz="1600" dirty="0">
+                <a:solidFill>
+                  <a:srgbClr val="000000"/>
+                </a:solidFill>
+                <a:latin typeface="Segoe UI" pitchFamily="34" charset="0"/>
+                <a:ea typeface="Segoe UI" pitchFamily="34" charset="0"/>
+                <a:cs typeface="Segoe UI" pitchFamily="34" charset="0"/>
+              </a:rPr>
+              <a:t>: </a:t>
+            </a:r>
+            <a:r>
+              <a:rPr lang="en-US" sz="1600" dirty="0" err="1">
+                <a:solidFill>
+                  <a:srgbClr val="000000"/>
+                </a:solidFill>
+                <a:latin typeface="Segoe UI" pitchFamily="34" charset="0"/>
+                <a:ea typeface="Segoe UI" pitchFamily="34" charset="0"/>
+                <a:cs typeface="Segoe UI" pitchFamily="34" charset="0"/>
+              </a:rPr>
+              <a:t>Noturno</a:t>
+            </a:r>
+            <a:endParaRPr lang="en-US" sz="1600" dirty="0">
+              <a:solidFill>
+                <a:srgbClr val="000000"/>
+              </a:solidFill>
+              <a:latin typeface="Segoe UI" pitchFamily="34" charset="0"/>
+              <a:ea typeface="Segoe UI" pitchFamily="34" charset="0"/>
+              <a:cs typeface="Segoe UI" pitchFamily="34" charset="0"/>
+            </a:endParaRPr>
+          </a:p>
+        </p:txBody>
+      </p:sp>
+      <p:sp>
+        <p:nvSpPr>
+          <p:cNvPr id="44" name="Content"/>
+          <p:cNvSpPr txBox="1"/>
+          <p:nvPr>
+            <p:custDataLst>
+              <p:custData r:id="rId9"/>
+            </p:custDataLst>
+          </p:nvPr>
+        </p:nvSpPr>
+        <p:spPr>
+          <a:xfrm>
+            <a:off x="7738397" y="1462726"/>
+            <a:ext cx="1942070" cy="292388"/>
+          </a:xfrm>
+          <a:prstGeom prst="rect">
+            <a:avLst/>
+          </a:prstGeom>
+          <a:noFill/>
+        </p:spPr>
+        <p:txBody>
+          <a:bodyPr wrap="none" lIns="91440" tIns="18288" rIns="91440" bIns="27432" rtlCol="0" anchor="ctr" anchorCtr="0">
+            <a:spAutoFit/>
+          </a:bodyPr>
+          <a:lstStyle/>
+          <a:p>
+            <a:r>
+              <a:rPr lang="en-US" sz="1600" dirty="0">
+                <a:solidFill>
+                  <a:srgbClr val="000000"/>
+                </a:solidFill>
+                <a:latin typeface="Segoe UI" pitchFamily="34" charset="0"/>
+                <a:ea typeface="Segoe UI" pitchFamily="34" charset="0"/>
+                <a:cs typeface="Segoe UI" pitchFamily="34" charset="0"/>
+              </a:rPr>
+              <a:t>Campus: </a:t>
+            </a:r>
+            <a:r>
+              <a:rPr lang="en-US" sz="1600" dirty="0" err="1">
+                <a:solidFill>
+                  <a:srgbClr val="000000"/>
+                </a:solidFill>
+                <a:latin typeface="Segoe UI" pitchFamily="34" charset="0"/>
+                <a:ea typeface="Segoe UI" pitchFamily="34" charset="0"/>
+                <a:cs typeface="Segoe UI" pitchFamily="34" charset="0"/>
+              </a:rPr>
+              <a:t>Mamoré</a:t>
+            </a:r>
+            <a:r>
+              <a:rPr lang="en-US" sz="1600" dirty="0">
+                <a:solidFill>
+                  <a:srgbClr val="000000"/>
+                </a:solidFill>
+                <a:latin typeface="Segoe UI" pitchFamily="34" charset="0"/>
+                <a:ea typeface="Segoe UI" pitchFamily="34" charset="0"/>
+                <a:cs typeface="Segoe UI" pitchFamily="34" charset="0"/>
+              </a:rPr>
+              <a:t> II</a:t>
+            </a:r>
+          </a:p>
+        </p:txBody>
+      </p:sp>
+      <p:sp>
+        <p:nvSpPr>
+          <p:cNvPr id="45" name="Retângulo 44"/>
+          <p:cNvSpPr/>
+          <p:nvPr/>
+        </p:nvSpPr>
+        <p:spPr>
+          <a:xfrm>
+            <a:off x="101600" y="2118360"/>
+            <a:ext cx="873760" cy="4633600"/>
+          </a:xfrm>
+          <a:prstGeom prst="rect">
+            <a:avLst/>
+          </a:prstGeom>
+          <a:noFill/>
+          <a:ln>
+            <a:solidFill>
+              <a:schemeClr val="tx1"/>
+            </a:solidFill>
+          </a:ln>
+        </p:spPr>
+        <p:style>
+          <a:lnRef idx="2">
+            <a:schemeClr val="accent1">
+              <a:shade val="50000"/>
+            </a:schemeClr>
+          </a:lnRef>
+          <a:fillRef idx="1">
+            <a:schemeClr val="accent1"/>
+          </a:fillRef>
+          <a:effectRef idx="0">
+            <a:schemeClr val="accent1"/>
+          </a:effectRef>
+          <a:fontRef idx="minor">
+            <a:schemeClr val="lt1"/>
+          </a:fontRef>
+        </p:style>
+        <p:txBody>
+          <a:bodyPr rtlCol="0" anchor="ctr"/>
+          <a:lstStyle/>
+          <a:p>
+            <a:pPr algn="ctr"/>
+            <a:endParaRPr lang="pt-BR"/>
+          </a:p>
+        </p:txBody>
+      </p:sp>
+      <p:sp>
+        <p:nvSpPr>
+          <p:cNvPr id="46" name="Elipse 45"/>
+          <p:cNvSpPr/>
+          <p:nvPr/>
+        </p:nvSpPr>
+        <p:spPr>
+          <a:xfrm>
+            <a:off x="150919" y="2460619"/>
+            <a:ext cx="769196" cy="685800"/>
+          </a:xfrm>
+          <a:prstGeom prst="ellipse">
+            <a:avLst/>
+          </a:prstGeom>
+          <a:noFill/>
+          <a:ln>
+            <a:solidFill>
+              <a:schemeClr val="tx1"/>
+            </a:solidFill>
+          </a:ln>
+        </p:spPr>
+        <p:style>
+          <a:lnRef idx="2">
+            <a:schemeClr val="accent1">
+              <a:shade val="50000"/>
+            </a:schemeClr>
+          </a:lnRef>
+          <a:fillRef idx="1">
+            <a:schemeClr val="accent1"/>
+          </a:fillRef>
+          <a:effectRef idx="0">
+            <a:schemeClr val="accent1"/>
+          </a:effectRef>
+          <a:fontRef idx="minor">
+            <a:schemeClr val="lt1"/>
+          </a:fontRef>
+        </p:style>
+        <p:txBody>
+          <a:bodyPr rtlCol="0" anchor="ctr"/>
+          <a:lstStyle/>
+          <a:p>
+            <a:pPr algn="ctr"/>
+            <a:endParaRPr lang="pt-BR"/>
+          </a:p>
+        </p:txBody>
+      </p:sp>
+      <p:sp>
+        <p:nvSpPr>
+          <p:cNvPr id="47" name="Elipse 46"/>
+          <p:cNvSpPr/>
+          <p:nvPr/>
+        </p:nvSpPr>
+        <p:spPr>
+          <a:xfrm>
+            <a:off x="137795" y="3351378"/>
+            <a:ext cx="769196" cy="685800"/>
+          </a:xfrm>
+          <a:prstGeom prst="ellipse">
+            <a:avLst/>
+          </a:prstGeom>
+          <a:noFill/>
+          <a:ln>
+            <a:solidFill>
+              <a:schemeClr val="tx1"/>
+            </a:solidFill>
+          </a:ln>
+        </p:spPr>
+        <p:style>
+          <a:lnRef idx="2">
+            <a:schemeClr val="accent1">
+              <a:shade val="50000"/>
+            </a:schemeClr>
+          </a:lnRef>
+          <a:fillRef idx="1">
+            <a:schemeClr val="accent1"/>
+          </a:fillRef>
+          <a:effectRef idx="0">
+            <a:schemeClr val="accent1"/>
+          </a:effectRef>
+          <a:fontRef idx="minor">
+            <a:schemeClr val="lt1"/>
+          </a:fontRef>
+        </p:style>
+        <p:txBody>
+          <a:bodyPr rtlCol="0" anchor="ctr"/>
+          <a:lstStyle/>
+          <a:p>
+            <a:pPr algn="ctr"/>
+            <a:endParaRPr lang="pt-BR"/>
+          </a:p>
+        </p:txBody>
+      </p:sp>
+      <p:sp>
+        <p:nvSpPr>
+          <p:cNvPr id="48" name="Elipse 47"/>
+          <p:cNvSpPr/>
+          <p:nvPr/>
+        </p:nvSpPr>
+        <p:spPr>
+          <a:xfrm>
+            <a:off x="137795" y="4292851"/>
+            <a:ext cx="769196" cy="685800"/>
+          </a:xfrm>
+          <a:prstGeom prst="ellipse">
+            <a:avLst/>
+          </a:prstGeom>
+          <a:noFill/>
+          <a:ln>
+            <a:solidFill>
+              <a:schemeClr val="tx1"/>
+            </a:solidFill>
+          </a:ln>
+        </p:spPr>
+        <p:style>
+          <a:lnRef idx="2">
+            <a:schemeClr val="accent1">
+              <a:shade val="50000"/>
+            </a:schemeClr>
+          </a:lnRef>
+          <a:fillRef idx="1">
+            <a:schemeClr val="accent1"/>
+          </a:fillRef>
+          <a:effectRef idx="0">
+            <a:schemeClr val="accent1"/>
+          </a:effectRef>
+          <a:fontRef idx="minor">
+            <a:schemeClr val="lt1"/>
+          </a:fontRef>
+        </p:style>
+        <p:txBody>
+          <a:bodyPr rtlCol="0" anchor="ctr"/>
+          <a:lstStyle/>
+          <a:p>
+            <a:pPr algn="ctr"/>
+            <a:endParaRPr lang="pt-BR"/>
+          </a:p>
+        </p:txBody>
+      </p:sp>
+      <p:pic>
+        <p:nvPicPr>
+          <p:cNvPr id="50" name="Imagem 49" descr="Uma imagem contendo sinal, ao ar livre, céu, coisa&#10;&#10;Descrição gerada com muito alta confiança"/>
+          <p:cNvPicPr>
+            <a:picLocks noChangeAspect="1"/>
+          </p:cNvPicPr>
+          <p:nvPr/>
+        </p:nvPicPr>
+        <p:blipFill>
+          <a:blip r:embed="rId26">
+            <a:extLst>
+              <a:ext uri="{28A0092B-C50C-407E-A947-70E740481C1C}">
+                <a14:useLocalDpi xmlns:a14="http://schemas.microsoft.com/office/drawing/2010/main" val="0"/>
+              </a:ext>
+            </a:extLst>
+          </a:blip>
+          <a:stretch>
+            <a:fillRect/>
+          </a:stretch>
+        </p:blipFill>
+        <p:spPr>
+          <a:xfrm>
+            <a:off x="284855" y="3416872"/>
+            <a:ext cx="533400" cy="533400"/>
+          </a:xfrm>
+          <a:prstGeom prst="rect">
+            <a:avLst/>
+          </a:prstGeom>
+        </p:spPr>
+      </p:pic>
+      <p:pic>
+        <p:nvPicPr>
+          <p:cNvPr id="54" name="Imagem 53"/>
+          <p:cNvPicPr>
+            <a:picLocks noChangeAspect="1"/>
+          </p:cNvPicPr>
+          <p:nvPr/>
+        </p:nvPicPr>
+        <p:blipFill>
+          <a:blip r:embed="rId27">
+            <a:extLst>
+              <a:ext uri="{28A0092B-C50C-407E-A947-70E740481C1C}">
+                <a14:useLocalDpi xmlns:a14="http://schemas.microsoft.com/office/drawing/2010/main" val="0"/>
+              </a:ext>
+            </a:extLst>
+          </a:blip>
+          <a:stretch>
+            <a:fillRect/>
+          </a:stretch>
+        </p:blipFill>
+        <p:spPr>
+          <a:xfrm>
+            <a:off x="253427" y="2517045"/>
+            <a:ext cx="629374" cy="629374"/>
+          </a:xfrm>
+          <a:prstGeom prst="rect">
+            <a:avLst/>
+          </a:prstGeom>
+        </p:spPr>
+      </p:pic>
+      <p:pic>
+        <p:nvPicPr>
+          <p:cNvPr id="58" name="Imagem 57"/>
+          <p:cNvPicPr>
+            <a:picLocks noChangeAspect="1"/>
+          </p:cNvPicPr>
+          <p:nvPr/>
+        </p:nvPicPr>
+        <p:blipFill>
+          <a:blip r:embed="rId28">
+            <a:extLst>
+              <a:ext uri="{28A0092B-C50C-407E-A947-70E740481C1C}">
+                <a14:useLocalDpi xmlns:a14="http://schemas.microsoft.com/office/drawing/2010/main" val="0"/>
+              </a:ext>
+            </a:extLst>
+          </a:blip>
+          <a:stretch>
+            <a:fillRect/>
+          </a:stretch>
+        </p:blipFill>
+        <p:spPr>
+          <a:xfrm>
+            <a:off x="261127" y="4353096"/>
+            <a:ext cx="564669" cy="564669"/>
+          </a:xfrm>
+          <a:prstGeom prst="rect">
+            <a:avLst/>
+          </a:prstGeom>
+        </p:spPr>
+      </p:pic>
+      <p:sp>
+        <p:nvSpPr>
+          <p:cNvPr id="31" name="Triângulo isósceles 30"/>
+          <p:cNvSpPr/>
+          <p:nvPr/>
+        </p:nvSpPr>
+        <p:spPr>
+          <a:xfrm rot="16200000">
+            <a:off x="881744" y="4583263"/>
+            <a:ext cx="120277" cy="104333"/>
+          </a:xfrm>
+          <a:prstGeom prst="triangle">
+            <a:avLst/>
+          </a:prstGeom>
+          <a:solidFill>
+            <a:schemeClr val="tx1"/>
+          </a:solidFill>
+        </p:spPr>
+        <p:style>
+          <a:lnRef idx="2">
+            <a:schemeClr val="accent1">
+              <a:shade val="50000"/>
+            </a:schemeClr>
+          </a:lnRef>
+          <a:fillRef idx="1">
+            <a:schemeClr val="accent1"/>
+          </a:fillRef>
+          <a:effectRef idx="0">
+            <a:schemeClr val="accent1"/>
+          </a:effectRef>
+          <a:fontRef idx="minor">
+            <a:schemeClr val="lt1"/>
+          </a:fontRef>
+        </p:style>
+        <p:txBody>
+          <a:bodyPr rtlCol="0" anchor="ctr"/>
+          <a:lstStyle/>
+          <a:p>
+            <a:pPr algn="ctr"/>
+            <a:endParaRPr lang="pt-BR"/>
+          </a:p>
+        </p:txBody>
+      </p:sp>
+      <p:sp>
+        <p:nvSpPr>
+          <p:cNvPr id="32" name="Retângulo 31"/>
+          <p:cNvSpPr/>
+          <p:nvPr/>
+        </p:nvSpPr>
+        <p:spPr>
+          <a:xfrm>
+            <a:off x="984036" y="2118358"/>
+            <a:ext cx="633372" cy="4633602"/>
+          </a:xfrm>
+          <a:prstGeom prst="rect">
+            <a:avLst/>
+          </a:prstGeom>
+          <a:noFill/>
+          <a:ln>
+            <a:solidFill>
+              <a:schemeClr val="tx1"/>
+            </a:solidFill>
+          </a:ln>
+        </p:spPr>
+        <p:style>
+          <a:lnRef idx="2">
+            <a:schemeClr val="accent1">
+              <a:shade val="50000"/>
+            </a:schemeClr>
+          </a:lnRef>
+          <a:fillRef idx="1">
+            <a:schemeClr val="accent1"/>
+          </a:fillRef>
+          <a:effectRef idx="0">
+            <a:schemeClr val="accent1"/>
+          </a:effectRef>
+          <a:fontRef idx="minor">
+            <a:schemeClr val="lt1"/>
+          </a:fontRef>
+        </p:style>
+        <p:txBody>
+          <a:bodyPr rtlCol="0" anchor="ctr"/>
+          <a:lstStyle/>
+          <a:p>
+            <a:pPr algn="ctr"/>
+            <a:endParaRPr lang="pt-BR"/>
+          </a:p>
+        </p:txBody>
+      </p:sp>
+      <p:sp>
+        <p:nvSpPr>
+          <p:cNvPr id="42" name="Elipse 41"/>
+          <p:cNvSpPr/>
+          <p:nvPr/>
+        </p:nvSpPr>
+        <p:spPr>
+          <a:xfrm>
+            <a:off x="1028309" y="3751084"/>
+            <a:ext cx="540447" cy="544156"/>
+          </a:xfrm>
+          <a:prstGeom prst="ellipse">
+            <a:avLst/>
+          </a:prstGeom>
+          <a:noFill/>
+          <a:ln>
+            <a:solidFill>
+              <a:schemeClr val="tx1"/>
+            </a:solidFill>
+          </a:ln>
+        </p:spPr>
+        <p:style>
+          <a:lnRef idx="2">
+            <a:schemeClr val="accent1">
+              <a:shade val="50000"/>
+            </a:schemeClr>
+          </a:lnRef>
+          <a:fillRef idx="1">
+            <a:schemeClr val="accent1"/>
+          </a:fillRef>
+          <a:effectRef idx="0">
+            <a:schemeClr val="accent1"/>
+          </a:effectRef>
+          <a:fontRef idx="minor">
+            <a:schemeClr val="lt1"/>
+          </a:fontRef>
+        </p:style>
+        <p:txBody>
+          <a:bodyPr rtlCol="0" anchor="ctr"/>
+          <a:lstStyle/>
+          <a:p>
+            <a:pPr algn="ctr"/>
+            <a:endParaRPr lang="pt-BR"/>
+          </a:p>
+        </p:txBody>
+      </p:sp>
+      <p:sp>
+        <p:nvSpPr>
+          <p:cNvPr id="52" name="Elipse 51"/>
+          <p:cNvSpPr/>
+          <p:nvPr/>
+        </p:nvSpPr>
+        <p:spPr>
+          <a:xfrm>
+            <a:off x="1024197" y="4353096"/>
+            <a:ext cx="540447" cy="544156"/>
+          </a:xfrm>
+          <a:prstGeom prst="ellipse">
+            <a:avLst/>
+          </a:prstGeom>
+          <a:noFill/>
+          <a:ln>
+            <a:solidFill>
+              <a:schemeClr val="tx1"/>
+            </a:solidFill>
+          </a:ln>
+        </p:spPr>
+        <p:style>
+          <a:lnRef idx="2">
+            <a:schemeClr val="accent1">
+              <a:shade val="50000"/>
+            </a:schemeClr>
+          </a:lnRef>
+          <a:fillRef idx="1">
+            <a:schemeClr val="accent1"/>
+          </a:fillRef>
+          <a:effectRef idx="0">
+            <a:schemeClr val="accent1"/>
+          </a:effectRef>
+          <a:fontRef idx="minor">
+            <a:schemeClr val="lt1"/>
+          </a:fontRef>
+        </p:style>
+        <p:txBody>
+          <a:bodyPr rtlCol="0" anchor="ctr"/>
+          <a:lstStyle/>
+          <a:p>
+            <a:pPr algn="ctr"/>
+            <a:endParaRPr lang="pt-BR"/>
+          </a:p>
+        </p:txBody>
+      </p:sp>
+      <p:sp>
+        <p:nvSpPr>
+          <p:cNvPr id="53" name="Triângulo isósceles 52"/>
+          <p:cNvSpPr/>
+          <p:nvPr/>
+        </p:nvSpPr>
+        <p:spPr>
+          <a:xfrm rot="16200000">
+            <a:off x="1526183" y="3991782"/>
+            <a:ext cx="120277" cy="104333"/>
+          </a:xfrm>
+          <a:prstGeom prst="triangle">
+            <a:avLst/>
+          </a:prstGeom>
+          <a:solidFill>
+            <a:schemeClr val="tx1"/>
+          </a:solidFill>
+        </p:spPr>
+        <p:style>
+          <a:lnRef idx="2">
+            <a:schemeClr val="accent1">
+              <a:shade val="50000"/>
+            </a:schemeClr>
+          </a:lnRef>
+          <a:fillRef idx="1">
+            <a:schemeClr val="accent1"/>
+          </a:fillRef>
+          <a:effectRef idx="0">
+            <a:schemeClr val="accent1"/>
+          </a:effectRef>
+          <a:fontRef idx="minor">
+            <a:schemeClr val="lt1"/>
+          </a:fontRef>
+        </p:style>
+        <p:txBody>
+          <a:bodyPr rtlCol="0" anchor="ctr"/>
+          <a:lstStyle/>
+          <a:p>
+            <a:pPr algn="ctr"/>
+            <a:endParaRPr lang="pt-BR"/>
+          </a:p>
+        </p:txBody>
+      </p:sp>
+      <p:pic>
+        <p:nvPicPr>
+          <p:cNvPr id="51" name="Imagem 50" descr="Uma imagem contendo coisa&#10;&#10;Descrição gerada com alta confiança"/>
+          <p:cNvPicPr>
+            <a:picLocks noChangeAspect="1"/>
+          </p:cNvPicPr>
+          <p:nvPr/>
+        </p:nvPicPr>
+        <p:blipFill>
+          <a:blip r:embed="rId29">
+            <a:extLst>
+              <a:ext uri="{28A0092B-C50C-407E-A947-70E740481C1C}">
+                <a14:useLocalDpi xmlns:a14="http://schemas.microsoft.com/office/drawing/2010/main" val="0"/>
+              </a:ext>
+            </a:extLst>
+          </a:blip>
+          <a:stretch>
+            <a:fillRect/>
+          </a:stretch>
+        </p:blipFill>
+        <p:spPr>
+          <a:xfrm>
+            <a:off x="1114279" y="4445594"/>
+            <a:ext cx="369286" cy="369286"/>
+          </a:xfrm>
+          <a:prstGeom prst="rect">
+            <a:avLst/>
+          </a:prstGeom>
+        </p:spPr>
+      </p:pic>
+      <p:pic>
+        <p:nvPicPr>
+          <p:cNvPr id="56" name="Imagem 55"/>
+          <p:cNvPicPr>
+            <a:picLocks noChangeAspect="1"/>
+          </p:cNvPicPr>
+          <p:nvPr/>
+        </p:nvPicPr>
+        <p:blipFill>
+          <a:blip r:embed="rId30">
+            <a:extLst>
+              <a:ext uri="{28A0092B-C50C-407E-A947-70E740481C1C}">
+                <a14:useLocalDpi xmlns:a14="http://schemas.microsoft.com/office/drawing/2010/main" val="0"/>
+              </a:ext>
+            </a:extLst>
+          </a:blip>
+          <a:stretch>
+            <a:fillRect/>
+          </a:stretch>
+        </p:blipFill>
+        <p:spPr>
+          <a:xfrm>
+            <a:off x="1184145" y="3908411"/>
+            <a:ext cx="228692" cy="228692"/>
+          </a:xfrm>
+          <a:prstGeom prst="rect">
+            <a:avLst/>
+          </a:prstGeom>
+        </p:spPr>
+      </p:pic>
+      <p:sp>
+        <p:nvSpPr>
+          <p:cNvPr id="57" name="Content"/>
+          <p:cNvSpPr txBox="1"/>
+          <p:nvPr>
+            <p:custDataLst>
+              <p:custData r:id="rId10"/>
+            </p:custDataLst>
+          </p:nvPr>
+        </p:nvSpPr>
+        <p:spPr>
+          <a:xfrm>
+            <a:off x="1626084" y="2094608"/>
+            <a:ext cx="3133358" cy="415498"/>
+          </a:xfrm>
+          <a:prstGeom prst="rect">
+            <a:avLst/>
+          </a:prstGeom>
+          <a:noFill/>
+        </p:spPr>
+        <p:txBody>
+          <a:bodyPr wrap="none" lIns="91440" tIns="18288" rIns="91440" bIns="27432" rtlCol="0" anchor="ctr" anchorCtr="0">
+            <a:spAutoFit/>
+          </a:bodyPr>
+          <a:lstStyle/>
+          <a:p>
+            <a:r>
+              <a:rPr lang="en-US" sz="2400" dirty="0" err="1">
+                <a:solidFill>
+                  <a:srgbClr val="000000"/>
+                </a:solidFill>
+                <a:latin typeface="Segoe UI" pitchFamily="34" charset="0"/>
+                <a:ea typeface="Segoe UI" pitchFamily="34" charset="0"/>
+                <a:cs typeface="Segoe UI" pitchFamily="34" charset="0"/>
+              </a:rPr>
+              <a:t>Busca</a:t>
+            </a:r>
+            <a:r>
+              <a:rPr lang="en-US" sz="2400" dirty="0">
+                <a:solidFill>
+                  <a:srgbClr val="000000"/>
+                </a:solidFill>
+                <a:latin typeface="Segoe UI" pitchFamily="34" charset="0"/>
+                <a:ea typeface="Segoe UI" pitchFamily="34" charset="0"/>
+                <a:cs typeface="Segoe UI" pitchFamily="34" charset="0"/>
+              </a:rPr>
+              <a:t> </a:t>
+            </a:r>
+            <a:r>
+              <a:rPr lang="en-US" sz="2400" dirty="0" err="1">
+                <a:solidFill>
+                  <a:srgbClr val="000000"/>
+                </a:solidFill>
+                <a:latin typeface="Segoe UI" pitchFamily="34" charset="0"/>
+                <a:ea typeface="Segoe UI" pitchFamily="34" charset="0"/>
+                <a:cs typeface="Segoe UI" pitchFamily="34" charset="0"/>
+              </a:rPr>
+              <a:t>rápida</a:t>
+            </a:r>
+            <a:r>
+              <a:rPr lang="en-US" sz="2400" dirty="0">
+                <a:solidFill>
+                  <a:srgbClr val="000000"/>
+                </a:solidFill>
+                <a:latin typeface="Segoe UI" pitchFamily="34" charset="0"/>
+                <a:ea typeface="Segoe UI" pitchFamily="34" charset="0"/>
+                <a:cs typeface="Segoe UI" pitchFamily="34" charset="0"/>
+              </a:rPr>
+              <a:t> de </a:t>
+            </a:r>
+            <a:r>
+              <a:rPr lang="en-US" sz="2400" dirty="0" err="1">
+                <a:solidFill>
+                  <a:srgbClr val="000000"/>
+                </a:solidFill>
+                <a:latin typeface="Segoe UI" pitchFamily="34" charset="0"/>
+                <a:ea typeface="Segoe UI" pitchFamily="34" charset="0"/>
+                <a:cs typeface="Segoe UI" pitchFamily="34" charset="0"/>
+              </a:rPr>
+              <a:t>livros</a:t>
+            </a:r>
+            <a:endParaRPr lang="en-US" sz="2400" dirty="0">
+              <a:solidFill>
+                <a:srgbClr val="000000"/>
+              </a:solidFill>
+              <a:latin typeface="Segoe UI" pitchFamily="34" charset="0"/>
+              <a:ea typeface="Segoe UI" pitchFamily="34" charset="0"/>
+              <a:cs typeface="Segoe UI" pitchFamily="34" charset="0"/>
+            </a:endParaRPr>
+          </a:p>
+        </p:txBody>
+      </p:sp>
+      <p:sp>
+        <p:nvSpPr>
+          <p:cNvPr id="59" name="Content"/>
+          <p:cNvSpPr/>
+          <p:nvPr>
+            <p:custDataLst>
+              <p:custData r:id="rId11"/>
+            </p:custDataLst>
+          </p:nvPr>
+        </p:nvSpPr>
+        <p:spPr>
+          <a:xfrm>
+            <a:off x="1752600" y="2547523"/>
+            <a:ext cx="8439933" cy="391747"/>
+          </a:xfrm>
+          <a:prstGeom prst="rect">
+            <a:avLst/>
+          </a:prstGeom>
+          <a:solidFill>
+            <a:sysClr val="window" lastClr="FFFFFF"/>
+          </a:solidFill>
+          <a:ln w="3175">
+            <a:solidFill>
+              <a:srgbClr val="000000">
+                <a:lumMod val="50000"/>
+                <a:lumOff val="50000"/>
+              </a:srgbClr>
+            </a:solidFill>
+          </a:ln>
+          <a:effectLst/>
+        </p:spPr>
+        <p:style>
+          <a:lnRef idx="2">
+            <a:srgbClr val="4F81BD">
+              <a:shade val="50000"/>
+            </a:srgbClr>
+          </a:lnRef>
+          <a:fillRef idx="1">
+            <a:srgbClr val="4F81BD"/>
+          </a:fillRef>
+          <a:effectRef idx="0">
+            <a:srgbClr val="4F81BD"/>
+          </a:effectRef>
+          <a:fontRef idx="minor">
+            <a:srgbClr val="000000"/>
+          </a:fontRef>
+        </p:style>
+        <p:txBody>
+          <a:bodyPr wrap="none" lIns="45720" tIns="18288" rIns="45720" bIns="18288" rtlCol="0" anchor="ctr">
+            <a:noAutofit/>
+          </a:bodyPr>
+          <a:lstStyle/>
+          <a:p>
+            <a:r>
+              <a:rPr lang="en-US" sz="1200" dirty="0">
+                <a:solidFill>
+                  <a:srgbClr val="000000"/>
+                </a:solidFill>
+                <a:latin typeface="Segoe UI" pitchFamily="34" charset="0"/>
+                <a:cs typeface="Segoe UI" pitchFamily="34" charset="0"/>
+              </a:rPr>
+              <a:t>Use a </a:t>
+            </a:r>
+            <a:r>
+              <a:rPr lang="en-US" sz="1200" dirty="0" err="1">
+                <a:solidFill>
+                  <a:srgbClr val="000000"/>
+                </a:solidFill>
+                <a:latin typeface="Segoe UI" pitchFamily="34" charset="0"/>
+                <a:cs typeface="Segoe UI" pitchFamily="34" charset="0"/>
+              </a:rPr>
+              <a:t>cabeça</a:t>
+            </a:r>
+            <a:r>
+              <a:rPr lang="en-US" sz="1200" dirty="0">
+                <a:solidFill>
+                  <a:srgbClr val="000000"/>
+                </a:solidFill>
+                <a:latin typeface="Segoe UI" pitchFamily="34" charset="0"/>
+                <a:cs typeface="Segoe UI" pitchFamily="34" charset="0"/>
+              </a:rPr>
+              <a:t> C#</a:t>
+            </a:r>
+          </a:p>
+        </p:txBody>
+      </p:sp>
+      <p:sp>
+        <p:nvSpPr>
+          <p:cNvPr id="63" name="Content"/>
+          <p:cNvSpPr/>
+          <p:nvPr>
+            <p:custDataLst>
+              <p:custData r:id="rId12"/>
+            </p:custDataLst>
+          </p:nvPr>
+        </p:nvSpPr>
+        <p:spPr>
+          <a:xfrm>
+            <a:off x="10343513" y="2563839"/>
+            <a:ext cx="1157298" cy="375431"/>
+          </a:xfrm>
+          <a:prstGeom prst="roundRect">
+            <a:avLst/>
+          </a:prstGeom>
+          <a:solidFill>
+            <a:srgbClr val="FFFFFF">
+              <a:lumMod val="95000"/>
+            </a:srgbClr>
+          </a:solidFill>
+          <a:ln w="3175">
+            <a:solidFill>
+              <a:srgbClr val="000000">
+                <a:lumMod val="50000"/>
+                <a:lumOff val="50000"/>
+              </a:srgbClr>
+            </a:solidFill>
+          </a:ln>
+          <a:effectLst/>
+        </p:spPr>
+        <p:style>
+          <a:lnRef idx="2">
+            <a:srgbClr val="4F81BD">
+              <a:shade val="50000"/>
+            </a:srgbClr>
+          </a:lnRef>
+          <a:fillRef idx="1">
+            <a:srgbClr val="4F81BD"/>
+          </a:fillRef>
+          <a:effectRef idx="0">
+            <a:srgbClr val="4F81BD"/>
+          </a:effectRef>
+          <a:fontRef idx="minor">
+            <a:srgbClr val="000000"/>
+          </a:fontRef>
+        </p:style>
+        <p:txBody>
+          <a:bodyPr wrap="square" lIns="91440" tIns="0" rIns="91440" bIns="9144" rtlCol="0" anchor="ctr">
+            <a:noAutofit/>
+          </a:bodyPr>
+          <a:lstStyle/>
+          <a:p>
+            <a:pPr algn="ctr"/>
+            <a:r>
+              <a:rPr lang="en-US" sz="1200" dirty="0" err="1">
+                <a:solidFill>
+                  <a:srgbClr val="000000"/>
+                </a:solidFill>
+                <a:latin typeface="Segoe UI" pitchFamily="34" charset="0"/>
+                <a:cs typeface="Segoe UI" pitchFamily="34" charset="0"/>
+              </a:rPr>
+              <a:t>Buscar</a:t>
+            </a:r>
+            <a:endParaRPr lang="en-US" sz="1200" dirty="0">
+              <a:solidFill>
+                <a:srgbClr val="000000"/>
+              </a:solidFill>
+              <a:latin typeface="Segoe UI" pitchFamily="34" charset="0"/>
+              <a:cs typeface="Segoe UI" pitchFamily="34" charset="0"/>
+            </a:endParaRPr>
+          </a:p>
+        </p:txBody>
+      </p:sp>
+      <p:pic>
+        <p:nvPicPr>
+          <p:cNvPr id="55" name="Imagem 54"/>
+          <p:cNvPicPr>
+            <a:picLocks noChangeAspect="1"/>
+          </p:cNvPicPr>
+          <p:nvPr/>
+        </p:nvPicPr>
+        <p:blipFill>
+          <a:blip r:embed="rId31">
+            <a:extLst>
+              <a:ext uri="{28A0092B-C50C-407E-A947-70E740481C1C}">
+                <a14:useLocalDpi xmlns:a14="http://schemas.microsoft.com/office/drawing/2010/main" val="0"/>
+              </a:ext>
+            </a:extLst>
+          </a:blip>
+          <a:stretch>
+            <a:fillRect/>
+          </a:stretch>
+        </p:blipFill>
+        <p:spPr>
+          <a:xfrm>
+            <a:off x="1789426" y="3195264"/>
+            <a:ext cx="1500303" cy="1500303"/>
+          </a:xfrm>
+          <a:prstGeom prst="rect">
+            <a:avLst/>
+          </a:prstGeom>
+        </p:spPr>
+      </p:pic>
+      <p:sp>
+        <p:nvSpPr>
+          <p:cNvPr id="61" name="Content"/>
+          <p:cNvSpPr txBox="1"/>
+          <p:nvPr>
+            <p:custDataLst>
+              <p:custData r:id="rId13"/>
+            </p:custDataLst>
+          </p:nvPr>
+        </p:nvSpPr>
+        <p:spPr>
+          <a:xfrm>
+            <a:off x="3415148" y="3462872"/>
+            <a:ext cx="825291" cy="261610"/>
+          </a:xfrm>
+          <a:prstGeom prst="rect">
+            <a:avLst/>
+          </a:prstGeom>
+          <a:noFill/>
+        </p:spPr>
+        <p:txBody>
+          <a:bodyPr wrap="none" lIns="91440" tIns="18288" rIns="91440" bIns="27432" rtlCol="0" anchor="ctr" anchorCtr="0">
+            <a:spAutoFit/>
+          </a:bodyPr>
+          <a:lstStyle/>
+          <a:p>
+            <a:r>
+              <a:rPr lang="en-US" sz="1400" dirty="0" err="1">
+                <a:solidFill>
+                  <a:srgbClr val="000000"/>
+                </a:solidFill>
+                <a:latin typeface="Segoe UI" pitchFamily="34" charset="0"/>
+                <a:ea typeface="Segoe UI" pitchFamily="34" charset="0"/>
+                <a:cs typeface="Segoe UI" pitchFamily="34" charset="0"/>
+              </a:rPr>
+              <a:t>Livro</a:t>
+            </a:r>
+            <a:r>
+              <a:rPr lang="en-US" sz="1400" dirty="0">
+                <a:solidFill>
+                  <a:srgbClr val="000000"/>
+                </a:solidFill>
+                <a:latin typeface="Segoe UI" pitchFamily="34" charset="0"/>
+                <a:ea typeface="Segoe UI" pitchFamily="34" charset="0"/>
+                <a:cs typeface="Segoe UI" pitchFamily="34" charset="0"/>
+              </a:rPr>
+              <a:t> Tal</a:t>
+            </a:r>
+          </a:p>
+        </p:txBody>
+      </p:sp>
+      <p:sp>
+        <p:nvSpPr>
+          <p:cNvPr id="62" name="Content"/>
+          <p:cNvSpPr txBox="1"/>
+          <p:nvPr>
+            <p:custDataLst>
+              <p:custData r:id="rId14"/>
+            </p:custDataLst>
+          </p:nvPr>
+        </p:nvSpPr>
+        <p:spPr>
+          <a:xfrm>
+            <a:off x="3415148" y="3751084"/>
+            <a:ext cx="888769" cy="261610"/>
+          </a:xfrm>
+          <a:prstGeom prst="rect">
+            <a:avLst/>
+          </a:prstGeom>
+          <a:noFill/>
+        </p:spPr>
+        <p:txBody>
+          <a:bodyPr wrap="none" lIns="91440" tIns="18288" rIns="91440" bIns="27432" rtlCol="0" anchor="ctr" anchorCtr="0">
+            <a:spAutoFit/>
+          </a:bodyPr>
+          <a:lstStyle/>
+          <a:p>
+            <a:r>
+              <a:rPr lang="en-US" sz="1400" dirty="0">
+                <a:solidFill>
+                  <a:srgbClr val="000000"/>
+                </a:solidFill>
+                <a:latin typeface="Segoe UI" pitchFamily="34" charset="0"/>
+                <a:ea typeface="Segoe UI" pitchFamily="34" charset="0"/>
+                <a:cs typeface="Segoe UI" pitchFamily="34" charset="0"/>
+              </a:rPr>
+              <a:t>Autor Tal</a:t>
+            </a:r>
+          </a:p>
+        </p:txBody>
+      </p:sp>
+      <p:sp>
+        <p:nvSpPr>
+          <p:cNvPr id="64" name="Content"/>
+          <p:cNvSpPr txBox="1"/>
+          <p:nvPr>
+            <p:custDataLst>
+              <p:custData r:id="rId15"/>
+            </p:custDataLst>
+          </p:nvPr>
+        </p:nvSpPr>
+        <p:spPr>
+          <a:xfrm>
+            <a:off x="3434410" y="4042733"/>
+            <a:ext cx="766748" cy="261610"/>
+          </a:xfrm>
+          <a:prstGeom prst="rect">
+            <a:avLst/>
+          </a:prstGeom>
+          <a:noFill/>
+        </p:spPr>
+        <p:txBody>
+          <a:bodyPr wrap="none" lIns="91440" tIns="18288" rIns="91440" bIns="27432" rtlCol="0" anchor="ctr" anchorCtr="0">
+            <a:spAutoFit/>
+          </a:bodyPr>
+          <a:lstStyle/>
+          <a:p>
+            <a:r>
+              <a:rPr lang="en-US" sz="1400" dirty="0" err="1">
+                <a:solidFill>
+                  <a:srgbClr val="000000"/>
+                </a:solidFill>
+                <a:latin typeface="Segoe UI" pitchFamily="34" charset="0"/>
+                <a:ea typeface="Segoe UI" pitchFamily="34" charset="0"/>
+                <a:cs typeface="Segoe UI" pitchFamily="34" charset="0"/>
+              </a:rPr>
+              <a:t>Ano</a:t>
+            </a:r>
+            <a:r>
+              <a:rPr lang="en-US" sz="1400" dirty="0">
+                <a:solidFill>
+                  <a:srgbClr val="000000"/>
+                </a:solidFill>
+                <a:latin typeface="Segoe UI" pitchFamily="34" charset="0"/>
+                <a:ea typeface="Segoe UI" pitchFamily="34" charset="0"/>
+                <a:cs typeface="Segoe UI" pitchFamily="34" charset="0"/>
+              </a:rPr>
+              <a:t> Tal</a:t>
+            </a:r>
+          </a:p>
+        </p:txBody>
+      </p:sp>
+      <p:sp>
+        <p:nvSpPr>
+          <p:cNvPr id="65" name="Content"/>
+          <p:cNvSpPr txBox="1"/>
+          <p:nvPr>
+            <p:custDataLst>
+              <p:custData r:id="rId16"/>
+            </p:custDataLst>
+          </p:nvPr>
+        </p:nvSpPr>
+        <p:spPr>
+          <a:xfrm>
+            <a:off x="4973919" y="4012694"/>
+            <a:ext cx="1885453" cy="261610"/>
+          </a:xfrm>
+          <a:prstGeom prst="rect">
+            <a:avLst/>
+          </a:prstGeom>
+          <a:noFill/>
+        </p:spPr>
+        <p:txBody>
+          <a:bodyPr wrap="none" lIns="91440" tIns="18288" rIns="91440" bIns="27432" rtlCol="0" anchor="ctr" anchorCtr="0">
+            <a:spAutoFit/>
+          </a:bodyPr>
+          <a:lstStyle/>
+          <a:p>
+            <a:r>
+              <a:rPr lang="en-US" sz="1400" dirty="0" err="1">
+                <a:solidFill>
+                  <a:srgbClr val="000000"/>
+                </a:solidFill>
+                <a:latin typeface="Segoe UI" pitchFamily="34" charset="0"/>
+                <a:ea typeface="Segoe UI" pitchFamily="34" charset="0"/>
+                <a:cs typeface="Segoe UI" pitchFamily="34" charset="0"/>
+              </a:rPr>
+              <a:t>Situação</a:t>
+            </a:r>
+            <a:r>
+              <a:rPr lang="en-US" sz="1400" dirty="0">
+                <a:solidFill>
+                  <a:srgbClr val="000000"/>
+                </a:solidFill>
+                <a:latin typeface="Segoe UI" pitchFamily="34" charset="0"/>
+                <a:ea typeface="Segoe UI" pitchFamily="34" charset="0"/>
+                <a:cs typeface="Segoe UI" pitchFamily="34" charset="0"/>
+              </a:rPr>
+              <a:t> </a:t>
+            </a:r>
+            <a:r>
+              <a:rPr lang="en-US" sz="1400" dirty="0">
+                <a:solidFill>
+                  <a:srgbClr val="00B050"/>
+                </a:solidFill>
+                <a:latin typeface="Segoe UI" pitchFamily="34" charset="0"/>
+                <a:ea typeface="Segoe UI" pitchFamily="34" charset="0"/>
+                <a:cs typeface="Segoe UI" pitchFamily="34" charset="0"/>
+              </a:rPr>
+              <a:t>DISPONIVEL</a:t>
+            </a:r>
+          </a:p>
+        </p:txBody>
+      </p:sp>
+    </p:spTree>
+    <p:extLst>
+      <p:ext uri="{BB962C8B-B14F-4D97-AF65-F5344CB8AC3E}">
+        <p14:creationId xmlns:p14="http://schemas.microsoft.com/office/powerpoint/2010/main" val="2478079822"/>
+      </p:ext>
+    </p:extLst>
+  </p:cSld>
+  <p:clrMapOvr>
+    <a:masterClrMapping/>
+  </p:clrMapOvr>
+</p:sld>
+</file>
+
+<file path=ppt/slides/slide6.xml><?xml version="1.0" encoding="utf-8"?>
 <p:sld xmlns:a="http://schemas.openxmlformats.org/drawingml/2006/main" xmlns:r="http://schemas.openxmlformats.org/officeDocument/2006/relationships" xmlns:p="http://schemas.openxmlformats.org/presentationml/2006/main">
   <p:cSld>
     <p:spTree>
@@ -11113,7 +18740,7 @@
 
 <file path=customXml/item10.xml><?xml version="1.0" encoding="utf-8"?>
 <Control xmlns="http://schemas.microsoft.com/VisualStudio/2011/storyboarding/control">
-  <Id Name="System.Storyboarding.Backgrounds.WebBrowser" Revision="1" Stencil="System.Storyboarding.Backgrounds" StencilVersion="0.1"/>
+  <Id Name="System.Storyboarding.Common.TextInput" Revision="1" Stencil="System.Storyboarding.Common" StencilVersion="0.1"/>
 </Control>
 </file>
 
@@ -11125,13 +18752,13 @@
 
 <file path=customXml/item12.xml><?xml version="1.0" encoding="utf-8"?>
 <Control xmlns="http://schemas.microsoft.com/VisualStudio/2011/storyboarding/control">
-  <Id Name="System.Storyboarding.Backgrounds.WebBrowser" Revision="1" Stencil="System.Storyboarding.Backgrounds" StencilVersion="0.1"/>
+  <Id Name="System.Storyboarding.Common.Text" Revision="1" Stencil="System.Storyboarding.Common" StencilVersion="0.1"/>
 </Control>
 </file>
 
 <file path=customXml/item13.xml><?xml version="1.0" encoding="utf-8"?>
 <Control xmlns="http://schemas.microsoft.com/VisualStudio/2011/storyboarding/control">
-  <Id Name="System.Storyboarding.Backgrounds.WebBrowser" Revision="1" Stencil="System.Storyboarding.Backgrounds" StencilVersion="0.1"/>
+  <Id Name="System.Storyboarding.Common.Text" Revision="1" Stencil="System.Storyboarding.Common" StencilVersion="0.1"/>
 </Control>
 </file>
 
@@ -11143,7 +18770,7 @@
 
 <file path=customXml/item15.xml><?xml version="1.0" encoding="utf-8"?>
 <Control xmlns="http://schemas.microsoft.com/VisualStudio/2011/storyboarding/control">
-  <Id Name="System.Storyboarding.Backgrounds.WebBrowser" Revision="1" Stencil="System.Storyboarding.Backgrounds" StencilVersion="0.1"/>
+  <Id Name="System.Storyboarding.Common.TextInput" Revision="1" Stencil="System.Storyboarding.Common" StencilVersion="0.1"/>
 </Control>
 </file>
 
@@ -11155,19 +18782,19 @@
 
 <file path=customXml/item17.xml><?xml version="1.0" encoding="utf-8"?>
 <Control xmlns="http://schemas.microsoft.com/VisualStudio/2011/storyboarding/control">
-  <Id Name="System.Storyboarding.Common.Text" Revision="1" Stencil="System.Storyboarding.Common" StencilVersion="0.1"/>
+  <Id Name="System.Storyboarding.Common.TextInput" Revision="1" Stencil="System.Storyboarding.Common" StencilVersion="0.1"/>
 </Control>
 </file>
 
 <file path=customXml/item18.xml><?xml version="1.0" encoding="utf-8"?>
 <Control xmlns="http://schemas.microsoft.com/VisualStudio/2011/storyboarding/control">
-  <Id Name="System.Storyboarding.Common.Text" Revision="1" Stencil="System.Storyboarding.Common" StencilVersion="0.1"/>
+  <Id Name="System.Storyboarding.Common.Button" Revision="1" Stencil="System.Storyboarding.Common" StencilVersion="0.1"/>
 </Control>
 </file>
 
 <file path=customXml/item19.xml><?xml version="1.0" encoding="utf-8"?>
 <Control xmlns="http://schemas.microsoft.com/VisualStudio/2011/storyboarding/control">
-  <Id Name="System.Storyboarding.Common.TextInput" Revision="1" Stencil="System.Storyboarding.Common" StencilVersion="0.1"/>
+  <Id Name="System.Storyboarding.Backgrounds.WindowsPhoneLandscape" Revision="1" Stencil="System.Storyboarding.Backgrounds" StencilVersion="0.1"/>
 </Control>
 </file>
 
@@ -11185,37 +18812,37 @@
 
 <file path=customXml/item21.xml><?xml version="1.0" encoding="utf-8"?>
 <Control xmlns="http://schemas.microsoft.com/VisualStudio/2011/storyboarding/control">
-  <Id Name="System.Storyboarding.Common.Button" Revision="1" Stencil="System.Storyboarding.Common" StencilVersion="0.1"/>
+  <Id Name="System.Storyboarding.Common.Text" Revision="1" Stencil="System.Storyboarding.Common" StencilVersion="0.1"/>
 </Control>
 </file>
 
 <file path=customXml/item22.xml><?xml version="1.0" encoding="utf-8"?>
 <Control xmlns="http://schemas.microsoft.com/VisualStudio/2011/storyboarding/control">
-  <Id Name="System.Storyboarding.Backgrounds.WebBrowser" Revision="1" Stencil="System.Storyboarding.Backgrounds" StencilVersion="0.1"/>
+  <Id Name="System.Storyboarding.Common.Text" Revision="1" Stencil="System.Storyboarding.Common" StencilVersion="0.1"/>
 </Control>
 </file>
 
 <file path=customXml/item23.xml><?xml version="1.0" encoding="utf-8"?>
 <Control xmlns="http://schemas.microsoft.com/VisualStudio/2011/storyboarding/control">
-  <Id Name="System.Storyboarding.Common.Text" Revision="1" Stencil="System.Storyboarding.Common" StencilVersion="0.1"/>
+  <Id Name="System.Storyboarding.Common.TextInput" Revision="1" Stencil="System.Storyboarding.Common" StencilVersion="0.1"/>
 </Control>
 </file>
 
 <file path=customXml/item24.xml><?xml version="1.0" encoding="utf-8"?>
 <Control xmlns="http://schemas.microsoft.com/VisualStudio/2011/storyboarding/control">
-  <Id Name="System.Storyboarding.Common.TextInput" Revision="1" Stencil="System.Storyboarding.Common" StencilVersion="0.1"/>
+  <Id Name="System.Storyboarding.Backgrounds.WebBrowser" Revision="1" Stencil="System.Storyboarding.Backgrounds" StencilVersion="0.1"/>
 </Control>
 </file>
 
 <file path=customXml/item25.xml><?xml version="1.0" encoding="utf-8"?>
 <Control xmlns="http://schemas.microsoft.com/VisualStudio/2011/storyboarding/control">
-  <Id Name="System.Storyboarding.Common.Text" Revision="1" Stencil="System.Storyboarding.Common" StencilVersion="0.1"/>
+  <Id Name="System.Storyboarding.Common.TextInput" Revision="1" Stencil="System.Storyboarding.Common" StencilVersion="0.1"/>
 </Control>
 </file>
 
 <file path=customXml/item26.xml><?xml version="1.0" encoding="utf-8"?>
 <Control xmlns="http://schemas.microsoft.com/VisualStudio/2011/storyboarding/control">
-  <Id Name="System.Storyboarding.Common.Button" Revision="1" Stencil="System.Storyboarding.Common" StencilVersion="0.1"/>
+  <Id Name="System.Storyboarding.Common.Text" Revision="1" Stencil="System.Storyboarding.Common" StencilVersion="0.1"/>
 </Control>
 </file>
 
@@ -11227,25 +18854,25 @@
 
 <file path=customXml/item28.xml><?xml version="1.0" encoding="utf-8"?>
 <Control xmlns="http://schemas.microsoft.com/VisualStudio/2011/storyboarding/control">
-  <Id Name="System.Storyboarding.Common.Text" Revision="1" Stencil="System.Storyboarding.Common" StencilVersion="0.1"/>
+  <Id Name="System.Storyboarding.Backgrounds.WebBrowser" Revision="1" Stencil="System.Storyboarding.Backgrounds" StencilVersion="0.1"/>
 </Control>
 </file>
 
 <file path=customXml/item29.xml><?xml version="1.0" encoding="utf-8"?>
 <Control xmlns="http://schemas.microsoft.com/VisualStudio/2011/storyboarding/control">
-  <Id Name="System.Storyboarding.Common.TextInput" Revision="1" Stencil="System.Storyboarding.Common" StencilVersion="0.1"/>
+  <Id Name="System.Storyboarding.Common.Text" Revision="1" Stencil="System.Storyboarding.Common" StencilVersion="0.1"/>
 </Control>
 </file>
 
 <file path=customXml/item3.xml><?xml version="1.0" encoding="utf-8"?>
 <Control xmlns="http://schemas.microsoft.com/VisualStudio/2011/storyboarding/control">
-  <Id Name="System.Storyboarding.Backgrounds.WebBrowser" Revision="1" Stencil="System.Storyboarding.Backgrounds" StencilVersion="0.1"/>
+  <Id Name="System.Storyboarding.Common.Text" Revision="1" Stencil="System.Storyboarding.Common" StencilVersion="0.1"/>
 </Control>
 </file>
 
 <file path=customXml/item30.xml><?xml version="1.0" encoding="utf-8"?>
 <Control xmlns="http://schemas.microsoft.com/VisualStudio/2011/storyboarding/control">
-  <Id Name="System.Storyboarding.Common.Text" Revision="1" Stencil="System.Storyboarding.Common" StencilVersion="0.1"/>
+  <Id Name="System.Storyboarding.Backgrounds.WebBrowser" Revision="1" Stencil="System.Storyboarding.Backgrounds" StencilVersion="0.1"/>
 </Control>
 </file>
 
@@ -11257,43 +18884,43 @@
 
 <file path=customXml/item32.xml><?xml version="1.0" encoding="utf-8"?>
 <Control xmlns="http://schemas.microsoft.com/VisualStudio/2011/storyboarding/control">
-  <Id Name="System.Storyboarding.Backgrounds.WebBrowser" Revision="1" Stencil="System.Storyboarding.Backgrounds" StencilVersion="0.1"/>
+  <Id Name="System.Storyboarding.Common.Text" Revision="1" Stencil="System.Storyboarding.Common" StencilVersion="0.1"/>
 </Control>
 </file>
 
 <file path=customXml/item33.xml><?xml version="1.0" encoding="utf-8"?>
 <Control xmlns="http://schemas.microsoft.com/VisualStudio/2011/storyboarding/control">
-  <Id Name="System.Storyboarding.Icons.User" Revision="1" Stencil="System.Storyboarding.Icons" StencilVersion="0.1"/>
+  <Id Name="System.Storyboarding.Backgrounds.WebBrowser" Revision="1" Stencil="System.Storyboarding.Backgrounds" StencilVersion="0.1"/>
 </Control>
 </file>
 
 <file path=customXml/item34.xml><?xml version="1.0" encoding="utf-8"?>
 <Control xmlns="http://schemas.microsoft.com/VisualStudio/2011/storyboarding/control">
-  <Id Name="System.Storyboarding.Backgrounds.WindowsPhone" Revision="1" Stencil="System.Storyboarding.Backgrounds" StencilVersion="0.1"/>
+  <Id Name="System.Storyboarding.Common.Text" Revision="1" Stencil="System.Storyboarding.Common" StencilVersion="0.1"/>
 </Control>
 </file>
 
 <file path=customXml/item35.xml><?xml version="1.0" encoding="utf-8"?>
 <Control xmlns="http://schemas.microsoft.com/VisualStudio/2011/storyboarding/control">
-  <Id Name="System.Storyboarding.Backgrounds.WebBrowser" Revision="1" Stencil="System.Storyboarding.Backgrounds" StencilVersion="0.1"/>
+  <Id Name="System.Storyboarding.Common.TextInput" Revision="1" Stencil="System.Storyboarding.Common" StencilVersion="0.1"/>
 </Control>
 </file>
 
 <file path=customXml/item36.xml><?xml version="1.0" encoding="utf-8"?>
 <Control xmlns="http://schemas.microsoft.com/VisualStudio/2011/storyboarding/control">
-  <Id Name="System.Storyboarding.Common.TextInput" Revision="1" Stencil="System.Storyboarding.Common" StencilVersion="0.1"/>
+  <Id Name="System.Storyboarding.Backgrounds.WebBrowser" Revision="1" Stencil="System.Storyboarding.Backgrounds" StencilVersion="0.1"/>
 </Control>
 </file>
 
 <file path=customXml/item37.xml><?xml version="1.0" encoding="utf-8"?>
 <Control xmlns="http://schemas.microsoft.com/VisualStudio/2011/storyboarding/control">
-  <Id Name="System.Storyboarding.Common.TextInput" Revision="1" Stencil="System.Storyboarding.Common" StencilVersion="0.1"/>
+  <Id Name="System.Storyboarding.Common.Text" Revision="1" Stencil="System.Storyboarding.Common" StencilVersion="0.1"/>
 </Control>
 </file>
 
 <file path=customXml/item38.xml><?xml version="1.0" encoding="utf-8"?>
 <Control xmlns="http://schemas.microsoft.com/VisualStudio/2011/storyboarding/control">
-  <Id Name="System.Storyboarding.Common.Text" Revision="1" Stencil="System.Storyboarding.Common" StencilVersion="0.1"/>
+  <Id Name="System.Storyboarding.Common.Button" Revision="1" Stencil="System.Storyboarding.Common" StencilVersion="0.1"/>
 </Control>
 </file>
 
@@ -11311,19 +18938,19 @@
 
 <file path=customXml/item40.xml><?xml version="1.0" encoding="utf-8"?>
 <Control xmlns="http://schemas.microsoft.com/VisualStudio/2011/storyboarding/control">
-  <Id Name="System.Storyboarding.Common.Button" Revision="1" Stencil="System.Storyboarding.Common" StencilVersion="0.1"/>
+  <Id Name="System.Storyboarding.Backgrounds.WebBrowser" Revision="1" Stencil="System.Storyboarding.Backgrounds" StencilVersion="0.1"/>
 </Control>
 </file>
 
 <file path=customXml/item41.xml><?xml version="1.0" encoding="utf-8"?>
 <Control xmlns="http://schemas.microsoft.com/VisualStudio/2011/storyboarding/control">
-  <Id Name="System.Storyboarding.Common.Text" Revision="1" Stencil="System.Storyboarding.Common" StencilVersion="0.1"/>
+  <Id Name="System.Storyboarding.Common.Button" Revision="1" Stencil="System.Storyboarding.Common" StencilVersion="0.1"/>
 </Control>
 </file>
 
 <file path=customXml/item42.xml><?xml version="1.0" encoding="utf-8"?>
 <Control xmlns="http://schemas.microsoft.com/VisualStudio/2011/storyboarding/control">
-  <Id Name="System.Storyboarding.Common.Text" Revision="1" Stencil="System.Storyboarding.Common" StencilVersion="0.1"/>
+  <Id Name="System.Storyboarding.Backgrounds.WindowsPhone" Revision="1" Stencil="System.Storyboarding.Backgrounds" StencilVersion="0.1"/>
 </Control>
 </file>
 
@@ -11333,9 +18960,105 @@
 </Control>
 </file>
 
+<file path=customXml/item44.xml><?xml version="1.0" encoding="utf-8"?>
+<Control xmlns="http://schemas.microsoft.com/VisualStudio/2011/storyboarding/control">
+  <Id Name="System.Storyboarding.Backgrounds.WebBrowser" Revision="1" Stencil="System.Storyboarding.Backgrounds" StencilVersion="0.1"/>
+</Control>
+</file>
+
+<file path=customXml/item45.xml><?xml version="1.0" encoding="utf-8"?>
+<Control xmlns="http://schemas.microsoft.com/VisualStudio/2011/storyboarding/control">
+  <Id Name="System.Storyboarding.Common.Text" Revision="1" Stencil="System.Storyboarding.Common" StencilVersion="0.1"/>
+</Control>
+</file>
+
+<file path=customXml/item46.xml><?xml version="1.0" encoding="utf-8"?>
+<Control xmlns="http://schemas.microsoft.com/VisualStudio/2011/storyboarding/control">
+  <Id Name="System.Storyboarding.Icons.User" Revision="1" Stencil="System.Storyboarding.Icons" StencilVersion="0.1"/>
+</Control>
+</file>
+
+<file path=customXml/item47.xml><?xml version="1.0" encoding="utf-8"?>
+<Control xmlns="http://schemas.microsoft.com/VisualStudio/2011/storyboarding/control">
+  <Id Name="System.Storyboarding.Common.Text" Revision="1" Stencil="System.Storyboarding.Common" StencilVersion="0.1"/>
+</Control>
+</file>
+
+<file path=customXml/item48.xml><?xml version="1.0" encoding="utf-8"?>
+<Control xmlns="http://schemas.microsoft.com/VisualStudio/2011/storyboarding/control">
+  <Id Name="System.Storyboarding.Common.Text" Revision="1" Stencil="System.Storyboarding.Common" StencilVersion="0.1"/>
+</Control>
+</file>
+
+<file path=customXml/item49.xml><?xml version="1.0" encoding="utf-8"?>
+<Control xmlns="http://schemas.microsoft.com/VisualStudio/2011/storyboarding/control">
+  <Id Name="System.Storyboarding.Common.Text" Revision="1" Stencil="System.Storyboarding.Common" StencilVersion="0.1"/>
+</Control>
+</file>
+
 <file path=customXml/item5.xml><?xml version="1.0" encoding="utf-8"?>
 <Control xmlns="http://schemas.microsoft.com/VisualStudio/2011/storyboarding/control">
-  <Id Name="System.Storyboarding.Backgrounds.WindowsPhoneLandscape" Revision="1" Stencil="System.Storyboarding.Backgrounds" StencilVersion="0.1"/>
+  <Id Name="System.Storyboarding.Icons.User" Revision="1" Stencil="System.Storyboarding.Icons" StencilVersion="0.1"/>
+</Control>
+</file>
+
+<file path=customXml/item50.xml><?xml version="1.0" encoding="utf-8"?>
+<Control xmlns="http://schemas.microsoft.com/VisualStudio/2011/storyboarding/control">
+  <Id Name="System.Storyboarding.Common.Text" Revision="1" Stencil="System.Storyboarding.Common" StencilVersion="0.1"/>
+</Control>
+</file>
+
+<file path=customXml/item51.xml><?xml version="1.0" encoding="utf-8"?>
+<Control xmlns="http://schemas.microsoft.com/VisualStudio/2011/storyboarding/control">
+  <Id Name="System.Storyboarding.Common.Text" Revision="1" Stencil="System.Storyboarding.Common" StencilVersion="0.1"/>
+</Control>
+</file>
+
+<file path=customXml/item52.xml><?xml version="1.0" encoding="utf-8"?>
+<Control xmlns="http://schemas.microsoft.com/VisualStudio/2011/storyboarding/control">
+  <Id Name="System.Storyboarding.Common.Text" Revision="1" Stencil="System.Storyboarding.Common" StencilVersion="0.1"/>
+</Control>
+</file>
+
+<file path=customXml/item53.xml><?xml version="1.0" encoding="utf-8"?>
+<Control xmlns="http://schemas.microsoft.com/VisualStudio/2011/storyboarding/control">
+  <Id Name="System.Storyboarding.Backgrounds.WebBrowser" Revision="1" Stencil="System.Storyboarding.Backgrounds" StencilVersion="0.1"/>
+</Control>
+</file>
+
+<file path=customXml/item54.xml><?xml version="1.0" encoding="utf-8"?>
+<Control xmlns="http://schemas.microsoft.com/VisualStudio/2011/storyboarding/control">
+  <Id Name="System.Storyboarding.Common.Text" Revision="1" Stencil="System.Storyboarding.Common" StencilVersion="0.1"/>
+</Control>
+</file>
+
+<file path=customXml/item55.xml><?xml version="1.0" encoding="utf-8"?>
+<Control xmlns="http://schemas.microsoft.com/VisualStudio/2011/storyboarding/control">
+  <Id Name="System.Storyboarding.Icons.User" Revision="1" Stencil="System.Storyboarding.Icons" StencilVersion="0.1"/>
+</Control>
+</file>
+
+<file path=customXml/item56.xml><?xml version="1.0" encoding="utf-8"?>
+<Control xmlns="http://schemas.microsoft.com/VisualStudio/2011/storyboarding/control">
+  <Id Name="System.Storyboarding.Common.Text" Revision="1" Stencil="System.Storyboarding.Common" StencilVersion="0.1"/>
+</Control>
+</file>
+
+<file path=customXml/item57.xml><?xml version="1.0" encoding="utf-8"?>
+<Control xmlns="http://schemas.microsoft.com/VisualStudio/2011/storyboarding/control">
+  <Id Name="System.Storyboarding.Common.Text" Revision="1" Stencil="System.Storyboarding.Common" StencilVersion="0.1"/>
+</Control>
+</file>
+
+<file path=customXml/item58.xml><?xml version="1.0" encoding="utf-8"?>
+<Control xmlns="http://schemas.microsoft.com/VisualStudio/2011/storyboarding/control">
+  <Id Name="System.Storyboarding.Common.Text" Revision="1" Stencil="System.Storyboarding.Common" StencilVersion="0.1"/>
+</Control>
+</file>
+
+<file path=customXml/item59.xml><?xml version="1.0" encoding="utf-8"?>
+<Control xmlns="http://schemas.microsoft.com/VisualStudio/2011/storyboarding/control">
+  <Id Name="System.Storyboarding.Common.Text" Revision="1" Stencil="System.Storyboarding.Common" StencilVersion="0.1"/>
 </Control>
 </file>
 
@@ -11345,7 +19068,127 @@
 </Control>
 </file>
 
+<file path=customXml/item60.xml><?xml version="1.0" encoding="utf-8"?>
+<Control xmlns="http://schemas.microsoft.com/VisualStudio/2011/storyboarding/control">
+  <Id Name="System.Storyboarding.Common.Text" Revision="1" Stencil="System.Storyboarding.Common" StencilVersion="0.1"/>
+</Control>
+</file>
+
+<file path=customXml/item61.xml><?xml version="1.0" encoding="utf-8"?>
+<Control xmlns="http://schemas.microsoft.com/VisualStudio/2011/storyboarding/control">
+  <Id Name="System.Storyboarding.Common.Text" Revision="1" Stencil="System.Storyboarding.Common" StencilVersion="0.1"/>
+</Control>
+</file>
+
+<file path=customXml/item62.xml><?xml version="1.0" encoding="utf-8"?>
+<Control xmlns="http://schemas.microsoft.com/VisualStudio/2011/storyboarding/control">
+  <Id Name="System.Storyboarding.Common.Text" Revision="1" Stencil="System.Storyboarding.Common" StencilVersion="0.1"/>
+</Control>
+</file>
+
+<file path=customXml/item63.xml><?xml version="1.0" encoding="utf-8"?>
+<Control xmlns="http://schemas.microsoft.com/VisualStudio/2011/storyboarding/control">
+  <Id Name="System.Storyboarding.Common.TextInput" Revision="1" Stencil="System.Storyboarding.Common" StencilVersion="0.1"/>
+</Control>
+</file>
+
+<file path=customXml/item64.xml><?xml version="1.0" encoding="utf-8"?>
+<Control xmlns="http://schemas.microsoft.com/VisualStudio/2011/storyboarding/control">
+  <Id Name="System.Storyboarding.Common.SearchBox" Revision="1" Stencil="System.Storyboarding.Common" StencilVersion="0.1"/>
+</Control>
+</file>
+
+<file path=customXml/item65.xml><?xml version="1.0" encoding="utf-8"?>
+<Control xmlns="http://schemas.microsoft.com/VisualStudio/2011/storyboarding/control">
+  <Id Name="System.Storyboarding.Common.Button" Revision="1" Stencil="System.Storyboarding.Common" StencilVersion="0.1"/>
+</Control>
+</file>
+
+<file path=customXml/item66.xml><?xml version="1.0" encoding="utf-8"?>
+<Control xmlns="http://schemas.microsoft.com/VisualStudio/2011/storyboarding/control">
+  <Id Name="System.Storyboarding.Backgrounds.WebBrowser" Revision="1" Stencil="System.Storyboarding.Backgrounds" StencilVersion="0.1"/>
+</Control>
+</file>
+
+<file path=customXml/item67.xml><?xml version="1.0" encoding="utf-8"?>
+<Control xmlns="http://schemas.microsoft.com/VisualStudio/2011/storyboarding/control">
+  <Id Name="System.Storyboarding.Common.Text" Revision="1" Stencil="System.Storyboarding.Common" StencilVersion="0.1"/>
+</Control>
+</file>
+
+<file path=customXml/item68.xml><?xml version="1.0" encoding="utf-8"?>
+<Control xmlns="http://schemas.microsoft.com/VisualStudio/2011/storyboarding/control">
+  <Id Name="System.Storyboarding.Icons.User" Revision="1" Stencil="System.Storyboarding.Icons" StencilVersion="0.1"/>
+</Control>
+</file>
+
+<file path=customXml/item69.xml><?xml version="1.0" encoding="utf-8"?>
+<Control xmlns="http://schemas.microsoft.com/VisualStudio/2011/storyboarding/control">
+  <Id Name="System.Storyboarding.Common.Text" Revision="1" Stencil="System.Storyboarding.Common" StencilVersion="0.1"/>
+</Control>
+</file>
+
 <file path=customXml/item7.xml><?xml version="1.0" encoding="utf-8"?>
+<Control xmlns="http://schemas.microsoft.com/VisualStudio/2011/storyboarding/control">
+  <Id Name="System.Storyboarding.Backgrounds.WebBrowser" Revision="1" Stencil="System.Storyboarding.Backgrounds" StencilVersion="0.1"/>
+</Control>
+</file>
+
+<file path=customXml/item70.xml><?xml version="1.0" encoding="utf-8"?>
+<Control xmlns="http://schemas.microsoft.com/VisualStudio/2011/storyboarding/control">
+  <Id Name="System.Storyboarding.Common.Text" Revision="1" Stencil="System.Storyboarding.Common" StencilVersion="0.1"/>
+</Control>
+</file>
+
+<file path=customXml/item71.xml><?xml version="1.0" encoding="utf-8"?>
+<Control xmlns="http://schemas.microsoft.com/VisualStudio/2011/storyboarding/control">
+  <Id Name="System.Storyboarding.Common.Text" Revision="1" Stencil="System.Storyboarding.Common" StencilVersion="0.1"/>
+</Control>
+</file>
+
+<file path=customXml/item72.xml><?xml version="1.0" encoding="utf-8"?>
+<Control xmlns="http://schemas.microsoft.com/VisualStudio/2011/storyboarding/control">
+  <Id Name="System.Storyboarding.Common.Text" Revision="1" Stencil="System.Storyboarding.Common" StencilVersion="0.1"/>
+</Control>
+</file>
+
+<file path=customXml/item73.xml><?xml version="1.0" encoding="utf-8"?>
+<Control xmlns="http://schemas.microsoft.com/VisualStudio/2011/storyboarding/control">
+  <Id Name="System.Storyboarding.Common.Text" Revision="1" Stencil="System.Storyboarding.Common" StencilVersion="0.1"/>
+</Control>
+</file>
+
+<file path=customXml/item74.xml><?xml version="1.0" encoding="utf-8"?>
+<Control xmlns="http://schemas.microsoft.com/VisualStudio/2011/storyboarding/control">
+  <Id Name="System.Storyboarding.Common.Text" Revision="1" Stencil="System.Storyboarding.Common" StencilVersion="0.1"/>
+</Control>
+</file>
+
+<file path=customXml/item75.xml><?xml version="1.0" encoding="utf-8"?>
+<Control xmlns="http://schemas.microsoft.com/VisualStudio/2011/storyboarding/control">
+  <Id Name="System.Storyboarding.Common.Text" Revision="1" Stencil="System.Storyboarding.Common" StencilVersion="0.1"/>
+</Control>
+</file>
+
+<file path=customXml/item76.xml><?xml version="1.0" encoding="utf-8"?>
+<Control xmlns="http://schemas.microsoft.com/VisualStudio/2011/storyboarding/control">
+  <Id Name="System.Storyboarding.Common.TextInput" Revision="1" Stencil="System.Storyboarding.Common" StencilVersion="0.1"/>
+</Control>
+</file>
+
+<file path=customXml/item77.xml><?xml version="1.0" encoding="utf-8"?>
+<Control xmlns="http://schemas.microsoft.com/VisualStudio/2011/storyboarding/control">
+  <Id Name="System.Storyboarding.Common.Button" Revision="1" Stencil="System.Storyboarding.Common" StencilVersion="0.1"/>
+</Control>
+</file>
+
+<file path=customXml/item78.xml><?xml version="1.0" encoding="utf-8"?>
+<Control xmlns="http://schemas.microsoft.com/VisualStudio/2011/storyboarding/control">
+  <Id Name="System.Storyboarding.Common.Text" Revision="1" Stencil="System.Storyboarding.Common" StencilVersion="0.1"/>
+</Control>
+</file>
+
+<file path=customXml/item79.xml><?xml version="1.0" encoding="utf-8"?>
 <Control xmlns="http://schemas.microsoft.com/VisualStudio/2011/storyboarding/control">
   <Id Name="System.Storyboarding.Common.Text" Revision="1" Stencil="System.Storyboarding.Common" StencilVersion="0.1"/>
 </Control>
@@ -11353,7 +19196,19 @@
 
 <file path=customXml/item8.xml><?xml version="1.0" encoding="utf-8"?>
 <Control xmlns="http://schemas.microsoft.com/VisualStudio/2011/storyboarding/control">
-  <Id Name="System.Storyboarding.Common.TextInput" Revision="1" Stencil="System.Storyboarding.Common" StencilVersion="0.1"/>
+  <Id Name="System.Storyboarding.Backgrounds.WebBrowser" Revision="1" Stencil="System.Storyboarding.Backgrounds" StencilVersion="0.1"/>
+</Control>
+</file>
+
+<file path=customXml/item80.xml><?xml version="1.0" encoding="utf-8"?>
+<Control xmlns="http://schemas.microsoft.com/VisualStudio/2011/storyboarding/control">
+  <Id Name="System.Storyboarding.Common.Text" Revision="1" Stencil="System.Storyboarding.Common" StencilVersion="0.1"/>
+</Control>
+</file>
+
+<file path=customXml/item81.xml><?xml version="1.0" encoding="utf-8"?>
+<Control xmlns="http://schemas.microsoft.com/VisualStudio/2011/storyboarding/control">
+  <Id Name="System.Storyboarding.Common.Text" Revision="1" Stencil="System.Storyboarding.Common" StencilVersion="0.1"/>
 </Control>
 </file>
 
@@ -11364,6 +19219,30 @@
 </file>
 
 <file path=customXml/itemProps1.xml><?xml version="1.0" encoding="utf-8"?>
+<ds:datastoreItem xmlns:ds="http://schemas.openxmlformats.org/officeDocument/2006/customXml" ds:itemID="{67CF3844-0CC4-4FA0-ACDF-BF763B8E0F78}">
+  <ds:schemaRefs>
+    <ds:schemaRef ds:uri="http://schemas.microsoft.com/VisualStudio/2011/storyboarding/control"/>
+  </ds:schemaRefs>
+</ds:datastoreItem>
+</file>
+
+<file path=customXml/itemProps10.xml><?xml version="1.0" encoding="utf-8"?>
+<ds:datastoreItem xmlns:ds="http://schemas.openxmlformats.org/officeDocument/2006/customXml" ds:itemID="{CB32F49F-076A-40EB-9F8E-BE7E4BAE59FC}">
+  <ds:schemaRefs>
+    <ds:schemaRef ds:uri="http://schemas.microsoft.com/VisualStudio/2011/storyboarding/control"/>
+  </ds:schemaRefs>
+</ds:datastoreItem>
+</file>
+
+<file path=customXml/itemProps11.xml><?xml version="1.0" encoding="utf-8"?>
+<ds:datastoreItem xmlns:ds="http://schemas.openxmlformats.org/officeDocument/2006/customXml" ds:itemID="{CAEA2DC9-8CBF-493B-A219-676DC86EE2A9}">
+  <ds:schemaRefs>
+    <ds:schemaRef ds:uri="http://schemas.microsoft.com/VisualStudio/2011/storyboarding/control"/>
+  </ds:schemaRefs>
+</ds:datastoreItem>
+</file>
+
+<file path=customXml/itemProps12.xml><?xml version="1.0" encoding="utf-8"?>
 <ds:datastoreItem xmlns:ds="http://schemas.openxmlformats.org/officeDocument/2006/customXml" ds:itemID="{5B7DBCCA-82D6-4705-8E56-C44CD2412A33}">
   <ds:schemaRefs>
     <ds:schemaRef ds:uri="http://schemas.microsoft.com/VisualStudio/2011/storyboarding/control"/>
@@ -11371,7 +19250,103 @@
 </ds:datastoreItem>
 </file>
 
-<file path=customXml/itemProps10.xml><?xml version="1.0" encoding="utf-8"?>
+<file path=customXml/itemProps13.xml><?xml version="1.0" encoding="utf-8"?>
+<ds:datastoreItem xmlns:ds="http://schemas.openxmlformats.org/officeDocument/2006/customXml" ds:itemID="{ECD89AED-453D-4F9D-8FAF-94400C51181B}">
+  <ds:schemaRefs>
+    <ds:schemaRef ds:uri="http://schemas.microsoft.com/VisualStudio/2011/storyboarding/control"/>
+  </ds:schemaRefs>
+</ds:datastoreItem>
+</file>
+
+<file path=customXml/itemProps14.xml><?xml version="1.0" encoding="utf-8"?>
+<ds:datastoreItem xmlns:ds="http://schemas.openxmlformats.org/officeDocument/2006/customXml" ds:itemID="{FA5AB97C-9636-4D8B-AF93-AF3526549720}">
+  <ds:schemaRefs>
+    <ds:schemaRef ds:uri="http://schemas.microsoft.com/VisualStudio/2011/storyboarding/control"/>
+  </ds:schemaRefs>
+</ds:datastoreItem>
+</file>
+
+<file path=customXml/itemProps15.xml><?xml version="1.0" encoding="utf-8"?>
+<ds:datastoreItem xmlns:ds="http://schemas.openxmlformats.org/officeDocument/2006/customXml" ds:itemID="{21B35B14-483B-4E76-AAEC-4BB3303C976B}">
+  <ds:schemaRefs>
+    <ds:schemaRef ds:uri="http://schemas.microsoft.com/VisualStudio/2011/storyboarding/control"/>
+  </ds:schemaRefs>
+</ds:datastoreItem>
+</file>
+
+<file path=customXml/itemProps16.xml><?xml version="1.0" encoding="utf-8"?>
+<ds:datastoreItem xmlns:ds="http://schemas.openxmlformats.org/officeDocument/2006/customXml" ds:itemID="{6054DAC1-D987-43B9-93D9-57F739300240}">
+  <ds:schemaRefs>
+    <ds:schemaRef ds:uri="http://schemas.microsoft.com/VisualStudio/2011/storyboarding/control"/>
+  </ds:schemaRefs>
+</ds:datastoreItem>
+</file>
+
+<file path=customXml/itemProps17.xml><?xml version="1.0" encoding="utf-8"?>
+<ds:datastoreItem xmlns:ds="http://schemas.openxmlformats.org/officeDocument/2006/customXml" ds:itemID="{C497CC49-5F10-4726-8D1E-12787F46C45D}">
+  <ds:schemaRefs>
+    <ds:schemaRef ds:uri="http://schemas.microsoft.com/VisualStudio/2011/storyboarding/control"/>
+  </ds:schemaRefs>
+</ds:datastoreItem>
+</file>
+
+<file path=customXml/itemProps18.xml><?xml version="1.0" encoding="utf-8"?>
+<ds:datastoreItem xmlns:ds="http://schemas.openxmlformats.org/officeDocument/2006/customXml" ds:itemID="{178F558B-944C-4D3E-8BC7-37CF64AF3827}">
+  <ds:schemaRefs>
+    <ds:schemaRef ds:uri="http://schemas.microsoft.com/VisualStudio/2011/storyboarding/control"/>
+  </ds:schemaRefs>
+</ds:datastoreItem>
+</file>
+
+<file path=customXml/itemProps19.xml><?xml version="1.0" encoding="utf-8"?>
+<ds:datastoreItem xmlns:ds="http://schemas.openxmlformats.org/officeDocument/2006/customXml" ds:itemID="{92AEB5D9-C09C-4C16-AC2C-EAF95389FAED}">
+  <ds:schemaRefs>
+    <ds:schemaRef ds:uri="http://schemas.microsoft.com/VisualStudio/2011/storyboarding/control"/>
+  </ds:schemaRefs>
+</ds:datastoreItem>
+</file>
+
+<file path=customXml/itemProps2.xml><?xml version="1.0" encoding="utf-8"?>
+<ds:datastoreItem xmlns:ds="http://schemas.openxmlformats.org/officeDocument/2006/customXml" ds:itemID="{BA892619-0C76-46BF-A1E5-E409DF05C4C5}">
+  <ds:schemaRefs>
+    <ds:schemaRef ds:uri="http://schemas.microsoft.com/VisualStudio/2011/storyboarding/control"/>
+  </ds:schemaRefs>
+</ds:datastoreItem>
+</file>
+
+<file path=customXml/itemProps20.xml><?xml version="1.0" encoding="utf-8"?>
+<ds:datastoreItem xmlns:ds="http://schemas.openxmlformats.org/officeDocument/2006/customXml" ds:itemID="{33F1231F-0306-4431-B9A3-C4103AB3FAD4}">
+  <ds:schemaRefs>
+    <ds:schemaRef ds:uri="http://schemas.microsoft.com/VisualStudio/2011/storyboarding/control"/>
+  </ds:schemaRefs>
+</ds:datastoreItem>
+</file>
+
+<file path=customXml/itemProps21.xml><?xml version="1.0" encoding="utf-8"?>
+<ds:datastoreItem xmlns:ds="http://schemas.openxmlformats.org/officeDocument/2006/customXml" ds:itemID="{AB54C1FC-FEDD-4C34-956D-D26CC62F50F0}">
+  <ds:schemaRefs>
+    <ds:schemaRef ds:uri="http://schemas.microsoft.com/VisualStudio/2011/storyboarding/control"/>
+  </ds:schemaRefs>
+</ds:datastoreItem>
+</file>
+
+<file path=customXml/itemProps22.xml><?xml version="1.0" encoding="utf-8"?>
+<ds:datastoreItem xmlns:ds="http://schemas.openxmlformats.org/officeDocument/2006/customXml" ds:itemID="{136014BA-D270-416C-8946-B41E38CA0C08}">
+  <ds:schemaRefs>
+    <ds:schemaRef ds:uri="http://schemas.microsoft.com/VisualStudio/2011/storyboarding/control"/>
+  </ds:schemaRefs>
+</ds:datastoreItem>
+</file>
+
+<file path=customXml/itemProps23.xml><?xml version="1.0" encoding="utf-8"?>
+<ds:datastoreItem xmlns:ds="http://schemas.openxmlformats.org/officeDocument/2006/customXml" ds:itemID="{51813988-371F-4558-AD72-031874772D90}">
+  <ds:schemaRefs>
+    <ds:schemaRef ds:uri="http://schemas.microsoft.com/VisualStudio/2011/storyboarding/control"/>
+  </ds:schemaRefs>
+</ds:datastoreItem>
+</file>
+
+<file path=customXml/itemProps24.xml><?xml version="1.0" encoding="utf-8"?>
 <ds:datastoreItem xmlns:ds="http://schemas.openxmlformats.org/officeDocument/2006/customXml" ds:itemID="{D9833B6F-3137-4DD4-9271-F02E3222DF3E}">
   <ds:schemaRefs>
     <ds:schemaRef ds:uri="http://schemas.microsoft.com/VisualStudio/2011/storyboarding/control"/>
@@ -11379,23 +19354,103 @@
 </ds:datastoreItem>
 </file>
 
-<file path=customXml/itemProps11.xml><?xml version="1.0" encoding="utf-8"?>
-<ds:datastoreItem xmlns:ds="http://schemas.openxmlformats.org/officeDocument/2006/customXml" ds:itemID="{FA5AB97C-9636-4D8B-AF93-AF3526549720}">
+<file path=customXml/itemProps25.xml><?xml version="1.0" encoding="utf-8"?>
+<ds:datastoreItem xmlns:ds="http://schemas.openxmlformats.org/officeDocument/2006/customXml" ds:itemID="{7FF320C6-52DF-4CDE-B8DF-7DAD5BDF98B0}">
   <ds:schemaRefs>
     <ds:schemaRef ds:uri="http://schemas.microsoft.com/VisualStudio/2011/storyboarding/control"/>
   </ds:schemaRefs>
 </ds:datastoreItem>
 </file>
 
-<file path=customXml/itemProps12.xml><?xml version="1.0" encoding="utf-8"?>
-<ds:datastoreItem xmlns:ds="http://schemas.openxmlformats.org/officeDocument/2006/customXml" ds:itemID="{BA892619-0C76-46BF-A1E5-E409DF05C4C5}">
+<file path=customXml/itemProps26.xml><?xml version="1.0" encoding="utf-8"?>
+<ds:datastoreItem xmlns:ds="http://schemas.openxmlformats.org/officeDocument/2006/customXml" ds:itemID="{A6B2C5C4-9808-4527-AA60-BBEECDB27678}">
   <ds:schemaRefs>
     <ds:schemaRef ds:uri="http://schemas.microsoft.com/VisualStudio/2011/storyboarding/control"/>
   </ds:schemaRefs>
 </ds:datastoreItem>
 </file>
 
-<file path=customXml/itemProps13.xml><?xml version="1.0" encoding="utf-8"?>
+<file path=customXml/itemProps27.xml><?xml version="1.0" encoding="utf-8"?>
+<ds:datastoreItem xmlns:ds="http://schemas.openxmlformats.org/officeDocument/2006/customXml" ds:itemID="{6B70A699-757D-44F4-9864-4A570AC44872}">
+  <ds:schemaRefs>
+    <ds:schemaRef ds:uri="http://schemas.microsoft.com/VisualStudio/2011/storyboarding/control"/>
+  </ds:schemaRefs>
+</ds:datastoreItem>
+</file>
+
+<file path=customXml/itemProps28.xml><?xml version="1.0" encoding="utf-8"?>
+<ds:datastoreItem xmlns:ds="http://schemas.openxmlformats.org/officeDocument/2006/customXml" ds:itemID="{D5275AD7-2249-4A8F-B1FE-589D43E34F89}">
+  <ds:schemaRefs>
+    <ds:schemaRef ds:uri="http://schemas.microsoft.com/VisualStudio/2011/storyboarding/control"/>
+  </ds:schemaRefs>
+</ds:datastoreItem>
+</file>
+
+<file path=customXml/itemProps29.xml><?xml version="1.0" encoding="utf-8"?>
+<ds:datastoreItem xmlns:ds="http://schemas.openxmlformats.org/officeDocument/2006/customXml" ds:itemID="{99CE0A09-15EE-4467-B74F-F200B8785290}">
+  <ds:schemaRefs>
+    <ds:schemaRef ds:uri="http://schemas.microsoft.com/VisualStudio/2011/storyboarding/control"/>
+  </ds:schemaRefs>
+</ds:datastoreItem>
+</file>
+
+<file path=customXml/itemProps3.xml><?xml version="1.0" encoding="utf-8"?>
+<ds:datastoreItem xmlns:ds="http://schemas.openxmlformats.org/officeDocument/2006/customXml" ds:itemID="{2B4A03D5-4470-4553-86AB-6401919B7EC4}">
+  <ds:schemaRefs>
+    <ds:schemaRef ds:uri="http://schemas.microsoft.com/VisualStudio/2011/storyboarding/control"/>
+  </ds:schemaRefs>
+</ds:datastoreItem>
+</file>
+
+<file path=customXml/itemProps30.xml><?xml version="1.0" encoding="utf-8"?>
+<ds:datastoreItem xmlns:ds="http://schemas.openxmlformats.org/officeDocument/2006/customXml" ds:itemID="{136156A8-E1CA-4F3D-82AA-BE652C9F64F2}">
+  <ds:schemaRefs>
+    <ds:schemaRef ds:uri="http://schemas.microsoft.com/VisualStudio/2011/storyboarding/control"/>
+  </ds:schemaRefs>
+</ds:datastoreItem>
+</file>
+
+<file path=customXml/itemProps31.xml><?xml version="1.0" encoding="utf-8"?>
+<ds:datastoreItem xmlns:ds="http://schemas.openxmlformats.org/officeDocument/2006/customXml" ds:itemID="{7438C02F-1FDC-41DC-A6F8-93C6F64BE611}">
+  <ds:schemaRefs>
+    <ds:schemaRef ds:uri="http://schemas.microsoft.com/VisualStudio/2011/storyboarding/control"/>
+  </ds:schemaRefs>
+</ds:datastoreItem>
+</file>
+
+<file path=customXml/itemProps32.xml><?xml version="1.0" encoding="utf-8"?>
+<ds:datastoreItem xmlns:ds="http://schemas.openxmlformats.org/officeDocument/2006/customXml" ds:itemID="{8517BDEE-C78A-467C-908C-749FEE10693B}">
+  <ds:schemaRefs>
+    <ds:schemaRef ds:uri="http://schemas.microsoft.com/VisualStudio/2011/storyboarding/control"/>
+  </ds:schemaRefs>
+</ds:datastoreItem>
+</file>
+
+<file path=customXml/itemProps33.xml><?xml version="1.0" encoding="utf-8"?>
+<ds:datastoreItem xmlns:ds="http://schemas.openxmlformats.org/officeDocument/2006/customXml" ds:itemID="{D00F8AC5-EF27-4A9B-A91C-AE690D7BB764}">
+  <ds:schemaRefs>
+    <ds:schemaRef ds:uri="http://schemas.microsoft.com/VisualStudio/2011/storyboarding/control"/>
+  </ds:schemaRefs>
+</ds:datastoreItem>
+</file>
+
+<file path=customXml/itemProps34.xml><?xml version="1.0" encoding="utf-8"?>
+<ds:datastoreItem xmlns:ds="http://schemas.openxmlformats.org/officeDocument/2006/customXml" ds:itemID="{65137127-AA4C-4449-B5C5-98023B7CCE73}">
+  <ds:schemaRefs>
+    <ds:schemaRef ds:uri="http://schemas.microsoft.com/VisualStudio/2011/storyboarding/control"/>
+  </ds:schemaRefs>
+</ds:datastoreItem>
+</file>
+
+<file path=customXml/itemProps35.xml><?xml version="1.0" encoding="utf-8"?>
+<ds:datastoreItem xmlns:ds="http://schemas.openxmlformats.org/officeDocument/2006/customXml" ds:itemID="{986B96FE-18A9-49B5-A777-8363FE00896C}">
+  <ds:schemaRefs>
+    <ds:schemaRef ds:uri="http://schemas.microsoft.com/VisualStudio/2011/storyboarding/control"/>
+  </ds:schemaRefs>
+</ds:datastoreItem>
+</file>
+
+<file path=customXml/itemProps36.xml><?xml version="1.0" encoding="utf-8"?>
 <ds:datastoreItem xmlns:ds="http://schemas.openxmlformats.org/officeDocument/2006/customXml" ds:itemID="{4791953E-C724-42FE-B90C-06F5F247AC0B}">
   <ds:schemaRefs>
     <ds:schemaRef ds:uri="http://schemas.microsoft.com/VisualStudio/2011/storyboarding/control"/>
@@ -11403,39 +19458,7 @@
 </ds:datastoreItem>
 </file>
 
-<file path=customXml/itemProps14.xml><?xml version="1.0" encoding="utf-8"?>
-<ds:datastoreItem xmlns:ds="http://schemas.openxmlformats.org/officeDocument/2006/customXml" ds:itemID="{99CE0A09-15EE-4467-B74F-F200B8785290}">
-  <ds:schemaRefs>
-    <ds:schemaRef ds:uri="http://schemas.microsoft.com/VisualStudio/2011/storyboarding/control"/>
-  </ds:schemaRefs>
-</ds:datastoreItem>
-</file>
-
-<file path=customXml/itemProps15.xml><?xml version="1.0" encoding="utf-8"?>
-<ds:datastoreItem xmlns:ds="http://schemas.openxmlformats.org/officeDocument/2006/customXml" ds:itemID="{33F1231F-0306-4431-B9A3-C4103AB3FAD4}">
-  <ds:schemaRefs>
-    <ds:schemaRef ds:uri="http://schemas.microsoft.com/VisualStudio/2011/storyboarding/control"/>
-  </ds:schemaRefs>
-</ds:datastoreItem>
-</file>
-
-<file path=customXml/itemProps16.xml><?xml version="1.0" encoding="utf-8"?>
-<ds:datastoreItem xmlns:ds="http://schemas.openxmlformats.org/officeDocument/2006/customXml" ds:itemID="{487173A5-A9D2-4BCA-990A-1965DC6A52B3}">
-  <ds:schemaRefs>
-    <ds:schemaRef ds:uri="http://schemas.microsoft.com/VisualStudio/2011/storyboarding/control"/>
-  </ds:schemaRefs>
-</ds:datastoreItem>
-</file>
-
-<file path=customXml/itemProps17.xml><?xml version="1.0" encoding="utf-8"?>
-<ds:datastoreItem xmlns:ds="http://schemas.openxmlformats.org/officeDocument/2006/customXml" ds:itemID="{2B4A03D5-4470-4553-86AB-6401919B7EC4}">
-  <ds:schemaRefs>
-    <ds:schemaRef ds:uri="http://schemas.microsoft.com/VisualStudio/2011/storyboarding/control"/>
-  </ds:schemaRefs>
-</ds:datastoreItem>
-</file>
-
-<file path=customXml/itemProps18.xml><?xml version="1.0" encoding="utf-8"?>
+<file path=customXml/itemProps37.xml><?xml version="1.0" encoding="utf-8"?>
 <ds:datastoreItem xmlns:ds="http://schemas.openxmlformats.org/officeDocument/2006/customXml" ds:itemID="{E1DB7C28-9C55-4A48-9215-0DEFB448D534}">
   <ds:schemaRefs>
     <ds:schemaRef ds:uri="http://schemas.microsoft.com/VisualStudio/2011/storyboarding/control"/>
@@ -11443,176 +19466,8 @@
 </ds:datastoreItem>
 </file>
 
-<file path=customXml/itemProps19.xml><?xml version="1.0" encoding="utf-8"?>
-<ds:datastoreItem xmlns:ds="http://schemas.openxmlformats.org/officeDocument/2006/customXml" ds:itemID="{7FF320C6-52DF-4CDE-B8DF-7DAD5BDF98B0}">
-  <ds:schemaRefs>
-    <ds:schemaRef ds:uri="http://schemas.microsoft.com/VisualStudio/2011/storyboarding/control"/>
-  </ds:schemaRefs>
-</ds:datastoreItem>
-</file>
-
-<file path=customXml/itemProps2.xml><?xml version="1.0" encoding="utf-8"?>
-<ds:datastoreItem xmlns:ds="http://schemas.openxmlformats.org/officeDocument/2006/customXml" ds:itemID="{83197DEB-3330-47B2-AAEF-913A4A605B50}">
-  <ds:schemaRefs>
-    <ds:schemaRef ds:uri="http://schemas.microsoft.com/VisualStudio/2011/storyboarding/control"/>
-  </ds:schemaRefs>
-</ds:datastoreItem>
-</file>
-
-<file path=customXml/itemProps20.xml><?xml version="1.0" encoding="utf-8"?>
-<ds:datastoreItem xmlns:ds="http://schemas.openxmlformats.org/officeDocument/2006/customXml" ds:itemID="{2AC127BD-FC4D-4BF5-A50B-50CEE625CC83}">
-  <ds:schemaRefs>
-    <ds:schemaRef ds:uri="http://schemas.microsoft.com/VisualStudio/2011/storyboarding/control"/>
-  </ds:schemaRefs>
-</ds:datastoreItem>
-</file>
-
-<file path=customXml/itemProps21.xml><?xml version="1.0" encoding="utf-8"?>
-<ds:datastoreItem xmlns:ds="http://schemas.openxmlformats.org/officeDocument/2006/customXml" ds:itemID="{E728FC32-ED93-427B-B9DE-6916B1306E12}">
-  <ds:schemaRefs>
-    <ds:schemaRef ds:uri="http://schemas.microsoft.com/VisualStudio/2011/storyboarding/control"/>
-  </ds:schemaRefs>
-</ds:datastoreItem>
-</file>
-
-<file path=customXml/itemProps22.xml><?xml version="1.0" encoding="utf-8"?>
-<ds:datastoreItem xmlns:ds="http://schemas.openxmlformats.org/officeDocument/2006/customXml" ds:itemID="{136156A8-E1CA-4F3D-82AA-BE652C9F64F2}">
-  <ds:schemaRefs>
-    <ds:schemaRef ds:uri="http://schemas.microsoft.com/VisualStudio/2011/storyboarding/control"/>
-  </ds:schemaRefs>
-</ds:datastoreItem>
-</file>
-
-<file path=customXml/itemProps23.xml><?xml version="1.0" encoding="utf-8"?>
-<ds:datastoreItem xmlns:ds="http://schemas.openxmlformats.org/officeDocument/2006/customXml" ds:itemID="{AB54C1FC-FEDD-4C34-956D-D26CC62F50F0}">
-  <ds:schemaRefs>
-    <ds:schemaRef ds:uri="http://schemas.microsoft.com/VisualStudio/2011/storyboarding/control"/>
-  </ds:schemaRefs>
-</ds:datastoreItem>
-</file>
-
-<file path=customXml/itemProps24.xml><?xml version="1.0" encoding="utf-8"?>
-<ds:datastoreItem xmlns:ds="http://schemas.openxmlformats.org/officeDocument/2006/customXml" ds:itemID="{21B35B14-483B-4E76-AAEC-4BB3303C976B}">
-  <ds:schemaRefs>
-    <ds:schemaRef ds:uri="http://schemas.microsoft.com/VisualStudio/2011/storyboarding/control"/>
-  </ds:schemaRefs>
-</ds:datastoreItem>
-</file>
-
-<file path=customXml/itemProps25.xml><?xml version="1.0" encoding="utf-8"?>
-<ds:datastoreItem xmlns:ds="http://schemas.openxmlformats.org/officeDocument/2006/customXml" ds:itemID="{C2504A3A-27C7-4086-A1D3-270B0D361FAE}">
-  <ds:schemaRefs>
-    <ds:schemaRef ds:uri="http://schemas.microsoft.com/VisualStudio/2011/storyboarding/control"/>
-  </ds:schemaRefs>
-</ds:datastoreItem>
-</file>
-
-<file path=customXml/itemProps26.xml><?xml version="1.0" encoding="utf-8"?>
+<file path=customXml/itemProps38.xml><?xml version="1.0" encoding="utf-8"?>
 <ds:datastoreItem xmlns:ds="http://schemas.openxmlformats.org/officeDocument/2006/customXml" ds:itemID="{C8E74E62-AB25-4C59-BE0D-F220CD8CFE7E}">
-  <ds:schemaRefs>
-    <ds:schemaRef ds:uri="http://schemas.microsoft.com/VisualStudio/2011/storyboarding/control"/>
-  </ds:schemaRefs>
-</ds:datastoreItem>
-</file>
-
-<file path=customXml/itemProps27.xml><?xml version="1.0" encoding="utf-8"?>
-<ds:datastoreItem xmlns:ds="http://schemas.openxmlformats.org/officeDocument/2006/customXml" ds:itemID="{7438C02F-1FDC-41DC-A6F8-93C6F64BE611}">
-  <ds:schemaRefs>
-    <ds:schemaRef ds:uri="http://schemas.microsoft.com/VisualStudio/2011/storyboarding/control"/>
-  </ds:schemaRefs>
-</ds:datastoreItem>
-</file>
-
-<file path=customXml/itemProps28.xml><?xml version="1.0" encoding="utf-8"?>
-<ds:datastoreItem xmlns:ds="http://schemas.openxmlformats.org/officeDocument/2006/customXml" ds:itemID="{136014BA-D270-416C-8946-B41E38CA0C08}">
-  <ds:schemaRefs>
-    <ds:schemaRef ds:uri="http://schemas.microsoft.com/VisualStudio/2011/storyboarding/control"/>
-  </ds:schemaRefs>
-</ds:datastoreItem>
-</file>
-
-<file path=customXml/itemProps29.xml><?xml version="1.0" encoding="utf-8"?>
-<ds:datastoreItem xmlns:ds="http://schemas.openxmlformats.org/officeDocument/2006/customXml" ds:itemID="{CB32F49F-076A-40EB-9F8E-BE7E4BAE59FC}">
-  <ds:schemaRefs>
-    <ds:schemaRef ds:uri="http://schemas.microsoft.com/VisualStudio/2011/storyboarding/control"/>
-  </ds:schemaRefs>
-</ds:datastoreItem>
-</file>
-
-<file path=customXml/itemProps3.xml><?xml version="1.0" encoding="utf-8"?>
-<ds:datastoreItem xmlns:ds="http://schemas.openxmlformats.org/officeDocument/2006/customXml" ds:itemID="{A2684E2E-53E5-4026-B555-4EC24CA631FD}">
-  <ds:schemaRefs>
-    <ds:schemaRef ds:uri="http://schemas.microsoft.com/VisualStudio/2011/storyboarding/control"/>
-  </ds:schemaRefs>
-</ds:datastoreItem>
-</file>
-
-<file path=customXml/itemProps30.xml><?xml version="1.0" encoding="utf-8"?>
-<ds:datastoreItem xmlns:ds="http://schemas.openxmlformats.org/officeDocument/2006/customXml" ds:itemID="{8517BDEE-C78A-467C-908C-749FEE10693B}">
-  <ds:schemaRefs>
-    <ds:schemaRef ds:uri="http://schemas.microsoft.com/VisualStudio/2011/storyboarding/control"/>
-  </ds:schemaRefs>
-</ds:datastoreItem>
-</file>
-
-<file path=customXml/itemProps31.xml><?xml version="1.0" encoding="utf-8"?>
-<ds:datastoreItem xmlns:ds="http://schemas.openxmlformats.org/officeDocument/2006/customXml" ds:itemID="{A6B2C5C4-9808-4527-AA60-BBEECDB27678}">
-  <ds:schemaRefs>
-    <ds:schemaRef ds:uri="http://schemas.microsoft.com/VisualStudio/2011/storyboarding/control"/>
-  </ds:schemaRefs>
-</ds:datastoreItem>
-</file>
-
-<file path=customXml/itemProps32.xml><?xml version="1.0" encoding="utf-8"?>
-<ds:datastoreItem xmlns:ds="http://schemas.openxmlformats.org/officeDocument/2006/customXml" ds:itemID="{6054DAC1-D987-43B9-93D9-57F739300240}">
-  <ds:schemaRefs>
-    <ds:schemaRef ds:uri="http://schemas.microsoft.com/VisualStudio/2011/storyboarding/control"/>
-  </ds:schemaRefs>
-</ds:datastoreItem>
-</file>
-
-<file path=customXml/itemProps33.xml><?xml version="1.0" encoding="utf-8"?>
-<ds:datastoreItem xmlns:ds="http://schemas.openxmlformats.org/officeDocument/2006/customXml" ds:itemID="{423687A7-6E3F-4DD5-9CC3-FE2A2B207FBD}">
-  <ds:schemaRefs>
-    <ds:schemaRef ds:uri="http://schemas.microsoft.com/VisualStudio/2011/storyboarding/control"/>
-  </ds:schemaRefs>
-</ds:datastoreItem>
-</file>
-
-<file path=customXml/itemProps34.xml><?xml version="1.0" encoding="utf-8"?>
-<ds:datastoreItem xmlns:ds="http://schemas.openxmlformats.org/officeDocument/2006/customXml" ds:itemID="{630F5366-1F32-4414-AB41-55974A04D14B}">
-  <ds:schemaRefs>
-    <ds:schemaRef ds:uri="http://schemas.microsoft.com/VisualStudio/2011/storyboarding/control"/>
-  </ds:schemaRefs>
-</ds:datastoreItem>
-</file>
-
-<file path=customXml/itemProps35.xml><?xml version="1.0" encoding="utf-8"?>
-<ds:datastoreItem xmlns:ds="http://schemas.openxmlformats.org/officeDocument/2006/customXml" ds:itemID="{D00F8AC5-EF27-4A9B-A91C-AE690D7BB764}">
-  <ds:schemaRefs>
-    <ds:schemaRef ds:uri="http://schemas.microsoft.com/VisualStudio/2011/storyboarding/control"/>
-  </ds:schemaRefs>
-</ds:datastoreItem>
-</file>
-
-<file path=customXml/itemProps36.xml><?xml version="1.0" encoding="utf-8"?>
-<ds:datastoreItem xmlns:ds="http://schemas.openxmlformats.org/officeDocument/2006/customXml" ds:itemID="{51813988-371F-4558-AD72-031874772D90}">
-  <ds:schemaRefs>
-    <ds:schemaRef ds:uri="http://schemas.microsoft.com/VisualStudio/2011/storyboarding/control"/>
-  </ds:schemaRefs>
-</ds:datastoreItem>
-</file>
-
-<file path=customXml/itemProps37.xml><?xml version="1.0" encoding="utf-8"?>
-<ds:datastoreItem xmlns:ds="http://schemas.openxmlformats.org/officeDocument/2006/customXml" ds:itemID="{C497CC49-5F10-4726-8D1E-12787F46C45D}">
-  <ds:schemaRefs>
-    <ds:schemaRef ds:uri="http://schemas.microsoft.com/VisualStudio/2011/storyboarding/control"/>
-  </ds:schemaRefs>
-</ds:datastoreItem>
-</file>
-
-<file path=customXml/itemProps38.xml><?xml version="1.0" encoding="utf-8"?>
-<ds:datastoreItem xmlns:ds="http://schemas.openxmlformats.org/officeDocument/2006/customXml" ds:itemID="{3F764F7C-36D1-4912-8EE3-C8B3BF60AC67}">
   <ds:schemaRefs>
     <ds:schemaRef ds:uri="http://schemas.microsoft.com/VisualStudio/2011/storyboarding/control"/>
   </ds:schemaRefs>
@@ -11628,7 +19483,7 @@
 </file>
 
 <file path=customXml/itemProps4.xml><?xml version="1.0" encoding="utf-8"?>
-<ds:datastoreItem xmlns:ds="http://schemas.openxmlformats.org/officeDocument/2006/customXml" ds:itemID="{6B70A699-757D-44F4-9864-4A570AC44872}">
+<ds:datastoreItem xmlns:ds="http://schemas.openxmlformats.org/officeDocument/2006/customXml" ds:itemID="{C2504A3A-27C7-4086-A1D3-270B0D361FAE}">
   <ds:schemaRefs>
     <ds:schemaRef ds:uri="http://schemas.microsoft.com/VisualStudio/2011/storyboarding/control"/>
   </ds:schemaRefs>
@@ -11636,7 +19491,7 @@
 </file>
 
 <file path=customXml/itemProps40.xml><?xml version="1.0" encoding="utf-8"?>
-<ds:datastoreItem xmlns:ds="http://schemas.openxmlformats.org/officeDocument/2006/customXml" ds:itemID="{178F558B-944C-4D3E-8BC7-37CF64AF3827}">
+<ds:datastoreItem xmlns:ds="http://schemas.openxmlformats.org/officeDocument/2006/customXml" ds:itemID="{A2684E2E-53E5-4026-B555-4EC24CA631FD}">
   <ds:schemaRefs>
     <ds:schemaRef ds:uri="http://schemas.microsoft.com/VisualStudio/2011/storyboarding/control"/>
   </ds:schemaRefs>
@@ -11644,7 +19499,7 @@
 </file>
 
 <file path=customXml/itemProps41.xml><?xml version="1.0" encoding="utf-8"?>
-<ds:datastoreItem xmlns:ds="http://schemas.openxmlformats.org/officeDocument/2006/customXml" ds:itemID="{CAEA2DC9-8CBF-493B-A219-676DC86EE2A9}">
+<ds:datastoreItem xmlns:ds="http://schemas.openxmlformats.org/officeDocument/2006/customXml" ds:itemID="{E728FC32-ED93-427B-B9DE-6916B1306E12}">
   <ds:schemaRefs>
     <ds:schemaRef ds:uri="http://schemas.microsoft.com/VisualStudio/2011/storyboarding/control"/>
   </ds:schemaRefs>
@@ -11652,6 +19507,14 @@
 </file>
 
 <file path=customXml/itemProps42.xml><?xml version="1.0" encoding="utf-8"?>
+<ds:datastoreItem xmlns:ds="http://schemas.openxmlformats.org/officeDocument/2006/customXml" ds:itemID="{630F5366-1F32-4414-AB41-55974A04D14B}">
+  <ds:schemaRefs>
+    <ds:schemaRef ds:uri="http://schemas.microsoft.com/VisualStudio/2011/storyboarding/control"/>
+  </ds:schemaRefs>
+</ds:datastoreItem>
+</file>
+
+<file path=customXml/itemProps43.xml><?xml version="1.0" encoding="utf-8"?>
 <ds:datastoreItem xmlns:ds="http://schemas.openxmlformats.org/officeDocument/2006/customXml" ds:itemID="{147C504D-FB10-405C-824D-2DD72E61F302}">
   <ds:schemaRefs>
     <ds:schemaRef ds:uri="http://schemas.microsoft.com/VisualStudio/2011/storyboarding/control"/>
@@ -11659,8 +19522,48 @@
 </ds:datastoreItem>
 </file>
 
-<file path=customXml/itemProps43.xml><?xml version="1.0" encoding="utf-8"?>
-<ds:datastoreItem xmlns:ds="http://schemas.openxmlformats.org/officeDocument/2006/customXml" ds:itemID="{65137127-AA4C-4449-B5C5-98023B7CCE73}">
+<file path=customXml/itemProps44.xml><?xml version="1.0" encoding="utf-8"?>
+<ds:datastoreItem xmlns:ds="http://schemas.openxmlformats.org/officeDocument/2006/customXml" ds:itemID="{9A006404-ACD1-4521-9805-D18F4A6A3E35}">
+  <ds:schemaRefs>
+    <ds:schemaRef ds:uri="http://schemas.microsoft.com/VisualStudio/2011/storyboarding/control"/>
+  </ds:schemaRefs>
+</ds:datastoreItem>
+</file>
+
+<file path=customXml/itemProps45.xml><?xml version="1.0" encoding="utf-8"?>
+<ds:datastoreItem xmlns:ds="http://schemas.openxmlformats.org/officeDocument/2006/customXml" ds:itemID="{98CDE5FC-1369-462A-B461-8737A1752E74}">
+  <ds:schemaRefs>
+    <ds:schemaRef ds:uri="http://schemas.microsoft.com/VisualStudio/2011/storyboarding/control"/>
+  </ds:schemaRefs>
+</ds:datastoreItem>
+</file>
+
+<file path=customXml/itemProps46.xml><?xml version="1.0" encoding="utf-8"?>
+<ds:datastoreItem xmlns:ds="http://schemas.openxmlformats.org/officeDocument/2006/customXml" ds:itemID="{3991839D-FCA1-4AE4-B9EA-02B11D16FC43}">
+  <ds:schemaRefs>
+    <ds:schemaRef ds:uri="http://schemas.microsoft.com/VisualStudio/2011/storyboarding/control"/>
+  </ds:schemaRefs>
+</ds:datastoreItem>
+</file>
+
+<file path=customXml/itemProps47.xml><?xml version="1.0" encoding="utf-8"?>
+<ds:datastoreItem xmlns:ds="http://schemas.openxmlformats.org/officeDocument/2006/customXml" ds:itemID="{E04D4427-3A0F-417E-B511-F2501A56E5BE}">
+  <ds:schemaRefs>
+    <ds:schemaRef ds:uri="http://schemas.microsoft.com/VisualStudio/2011/storyboarding/control"/>
+  </ds:schemaRefs>
+</ds:datastoreItem>
+</file>
+
+<file path=customXml/itemProps48.xml><?xml version="1.0" encoding="utf-8"?>
+<ds:datastoreItem xmlns:ds="http://schemas.openxmlformats.org/officeDocument/2006/customXml" ds:itemID="{9461729E-EF7F-481D-9CCA-DB382A8886C4}">
+  <ds:schemaRefs>
+    <ds:schemaRef ds:uri="http://schemas.microsoft.com/VisualStudio/2011/storyboarding/control"/>
+  </ds:schemaRefs>
+</ds:datastoreItem>
+</file>
+
+<file path=customXml/itemProps49.xml><?xml version="1.0" encoding="utf-8"?>
+<ds:datastoreItem xmlns:ds="http://schemas.openxmlformats.org/officeDocument/2006/customXml" ds:itemID="{49F788A8-E3CA-4053-86BD-27B7AE93263A}">
   <ds:schemaRefs>
     <ds:schemaRef ds:uri="http://schemas.microsoft.com/VisualStudio/2011/storyboarding/control"/>
   </ds:schemaRefs>
@@ -11668,7 +19571,87 @@
 </file>
 
 <file path=customXml/itemProps5.xml><?xml version="1.0" encoding="utf-8"?>
-<ds:datastoreItem xmlns:ds="http://schemas.openxmlformats.org/officeDocument/2006/customXml" ds:itemID="{92AEB5D9-C09C-4C16-AC2C-EAF95389FAED}">
+<ds:datastoreItem xmlns:ds="http://schemas.openxmlformats.org/officeDocument/2006/customXml" ds:itemID="{423687A7-6E3F-4DD5-9CC3-FE2A2B207FBD}">
+  <ds:schemaRefs>
+    <ds:schemaRef ds:uri="http://schemas.microsoft.com/VisualStudio/2011/storyboarding/control"/>
+  </ds:schemaRefs>
+</ds:datastoreItem>
+</file>
+
+<file path=customXml/itemProps50.xml><?xml version="1.0" encoding="utf-8"?>
+<ds:datastoreItem xmlns:ds="http://schemas.openxmlformats.org/officeDocument/2006/customXml" ds:itemID="{885C0D53-DBB4-4BBB-888E-D3A5F81946D3}">
+  <ds:schemaRefs>
+    <ds:schemaRef ds:uri="http://schemas.microsoft.com/VisualStudio/2011/storyboarding/control"/>
+  </ds:schemaRefs>
+</ds:datastoreItem>
+</file>
+
+<file path=customXml/itemProps51.xml><?xml version="1.0" encoding="utf-8"?>
+<ds:datastoreItem xmlns:ds="http://schemas.openxmlformats.org/officeDocument/2006/customXml" ds:itemID="{30788A3B-5413-4DD4-885A-ABD66A994E2C}">
+  <ds:schemaRefs>
+    <ds:schemaRef ds:uri="http://schemas.microsoft.com/VisualStudio/2011/storyboarding/control"/>
+  </ds:schemaRefs>
+</ds:datastoreItem>
+</file>
+
+<file path=customXml/itemProps52.xml><?xml version="1.0" encoding="utf-8"?>
+<ds:datastoreItem xmlns:ds="http://schemas.openxmlformats.org/officeDocument/2006/customXml" ds:itemID="{765A257F-473D-4FE9-8AD8-1520377A6BBE}">
+  <ds:schemaRefs>
+    <ds:schemaRef ds:uri="http://schemas.microsoft.com/VisualStudio/2011/storyboarding/control"/>
+  </ds:schemaRefs>
+</ds:datastoreItem>
+</file>
+
+<file path=customXml/itemProps53.xml><?xml version="1.0" encoding="utf-8"?>
+<ds:datastoreItem xmlns:ds="http://schemas.openxmlformats.org/officeDocument/2006/customXml" ds:itemID="{978B0030-6F8B-4304-A2B5-CA205739147C}">
+  <ds:schemaRefs>
+    <ds:schemaRef ds:uri="http://schemas.microsoft.com/VisualStudio/2011/storyboarding/control"/>
+  </ds:schemaRefs>
+</ds:datastoreItem>
+</file>
+
+<file path=customXml/itemProps54.xml><?xml version="1.0" encoding="utf-8"?>
+<ds:datastoreItem xmlns:ds="http://schemas.openxmlformats.org/officeDocument/2006/customXml" ds:itemID="{F74F2047-4B01-4C17-B345-ECBD59F4B9B1}">
+  <ds:schemaRefs>
+    <ds:schemaRef ds:uri="http://schemas.microsoft.com/VisualStudio/2011/storyboarding/control"/>
+  </ds:schemaRefs>
+</ds:datastoreItem>
+</file>
+
+<file path=customXml/itemProps55.xml><?xml version="1.0" encoding="utf-8"?>
+<ds:datastoreItem xmlns:ds="http://schemas.openxmlformats.org/officeDocument/2006/customXml" ds:itemID="{99E799F5-BCEB-4C02-A05F-B9FB1970AEC6}">
+  <ds:schemaRefs>
+    <ds:schemaRef ds:uri="http://schemas.microsoft.com/VisualStudio/2011/storyboarding/control"/>
+  </ds:schemaRefs>
+</ds:datastoreItem>
+</file>
+
+<file path=customXml/itemProps56.xml><?xml version="1.0" encoding="utf-8"?>
+<ds:datastoreItem xmlns:ds="http://schemas.openxmlformats.org/officeDocument/2006/customXml" ds:itemID="{6F0F105E-C991-442A-9831-D14F60A48CDC}">
+  <ds:schemaRefs>
+    <ds:schemaRef ds:uri="http://schemas.microsoft.com/VisualStudio/2011/storyboarding/control"/>
+  </ds:schemaRefs>
+</ds:datastoreItem>
+</file>
+
+<file path=customXml/itemProps57.xml><?xml version="1.0" encoding="utf-8"?>
+<ds:datastoreItem xmlns:ds="http://schemas.openxmlformats.org/officeDocument/2006/customXml" ds:itemID="{3B8C0752-0C44-4AAF-ADB6-4D3D6626C37D}">
+  <ds:schemaRefs>
+    <ds:schemaRef ds:uri="http://schemas.microsoft.com/VisualStudio/2011/storyboarding/control"/>
+  </ds:schemaRefs>
+</ds:datastoreItem>
+</file>
+
+<file path=customXml/itemProps58.xml><?xml version="1.0" encoding="utf-8"?>
+<ds:datastoreItem xmlns:ds="http://schemas.openxmlformats.org/officeDocument/2006/customXml" ds:itemID="{34584222-4742-4F9F-A310-67A982104CE8}">
+  <ds:schemaRefs>
+    <ds:schemaRef ds:uri="http://schemas.microsoft.com/VisualStudio/2011/storyboarding/control"/>
+  </ds:schemaRefs>
+</ds:datastoreItem>
+</file>
+
+<file path=customXml/itemProps59.xml><?xml version="1.0" encoding="utf-8"?>
+<ds:datastoreItem xmlns:ds="http://schemas.openxmlformats.org/officeDocument/2006/customXml" ds:itemID="{F932F3A0-8F20-4251-81C0-F121E2AEAD1E}">
   <ds:schemaRefs>
     <ds:schemaRef ds:uri="http://schemas.microsoft.com/VisualStudio/2011/storyboarding/control"/>
   </ds:schemaRefs>
@@ -11676,7 +19659,87 @@
 </file>
 
 <file path=customXml/itemProps6.xml><?xml version="1.0" encoding="utf-8"?>
-<ds:datastoreItem xmlns:ds="http://schemas.openxmlformats.org/officeDocument/2006/customXml" ds:itemID="{ECD89AED-453D-4F9D-8FAF-94400C51181B}">
+<ds:datastoreItem xmlns:ds="http://schemas.openxmlformats.org/officeDocument/2006/customXml" ds:itemID="{3F764F7C-36D1-4912-8EE3-C8B3BF60AC67}">
+  <ds:schemaRefs>
+    <ds:schemaRef ds:uri="http://schemas.microsoft.com/VisualStudio/2011/storyboarding/control"/>
+  </ds:schemaRefs>
+</ds:datastoreItem>
+</file>
+
+<file path=customXml/itemProps60.xml><?xml version="1.0" encoding="utf-8"?>
+<ds:datastoreItem xmlns:ds="http://schemas.openxmlformats.org/officeDocument/2006/customXml" ds:itemID="{10FDFC2D-3B7B-4269-A790-4F3649F9D218}">
+  <ds:schemaRefs>
+    <ds:schemaRef ds:uri="http://schemas.microsoft.com/VisualStudio/2011/storyboarding/control"/>
+  </ds:schemaRefs>
+</ds:datastoreItem>
+</file>
+
+<file path=customXml/itemProps61.xml><?xml version="1.0" encoding="utf-8"?>
+<ds:datastoreItem xmlns:ds="http://schemas.openxmlformats.org/officeDocument/2006/customXml" ds:itemID="{A26275BE-102F-4B9B-927D-A4B993919E08}">
+  <ds:schemaRefs>
+    <ds:schemaRef ds:uri="http://schemas.microsoft.com/VisualStudio/2011/storyboarding/control"/>
+  </ds:schemaRefs>
+</ds:datastoreItem>
+</file>
+
+<file path=customXml/itemProps62.xml><?xml version="1.0" encoding="utf-8"?>
+<ds:datastoreItem xmlns:ds="http://schemas.openxmlformats.org/officeDocument/2006/customXml" ds:itemID="{8D667DB8-AAE8-4B60-A6C2-753E08D93B52}">
+  <ds:schemaRefs>
+    <ds:schemaRef ds:uri="http://schemas.microsoft.com/VisualStudio/2011/storyboarding/control"/>
+  </ds:schemaRefs>
+</ds:datastoreItem>
+</file>
+
+<file path=customXml/itemProps63.xml><?xml version="1.0" encoding="utf-8"?>
+<ds:datastoreItem xmlns:ds="http://schemas.openxmlformats.org/officeDocument/2006/customXml" ds:itemID="{84DF6A27-E979-4979-BF56-77A54CCE0955}">
+  <ds:schemaRefs>
+    <ds:schemaRef ds:uri="http://schemas.microsoft.com/VisualStudio/2011/storyboarding/control"/>
+  </ds:schemaRefs>
+</ds:datastoreItem>
+</file>
+
+<file path=customXml/itemProps64.xml><?xml version="1.0" encoding="utf-8"?>
+<ds:datastoreItem xmlns:ds="http://schemas.openxmlformats.org/officeDocument/2006/customXml" ds:itemID="{887EFC2F-2DDD-4C12-A5AC-114452E49FD8}">
+  <ds:schemaRefs>
+    <ds:schemaRef ds:uri="http://schemas.microsoft.com/VisualStudio/2011/storyboarding/control"/>
+  </ds:schemaRefs>
+</ds:datastoreItem>
+</file>
+
+<file path=customXml/itemProps65.xml><?xml version="1.0" encoding="utf-8"?>
+<ds:datastoreItem xmlns:ds="http://schemas.openxmlformats.org/officeDocument/2006/customXml" ds:itemID="{6951E499-0BD4-401B-9BF2-A1810697808E}">
+  <ds:schemaRefs>
+    <ds:schemaRef ds:uri="http://schemas.microsoft.com/VisualStudio/2011/storyboarding/control"/>
+  </ds:schemaRefs>
+</ds:datastoreItem>
+</file>
+
+<file path=customXml/itemProps66.xml><?xml version="1.0" encoding="utf-8"?>
+<ds:datastoreItem xmlns:ds="http://schemas.openxmlformats.org/officeDocument/2006/customXml" ds:itemID="{88453F2B-BF7B-428A-BB98-BBCE8CA80A59}">
+  <ds:schemaRefs>
+    <ds:schemaRef ds:uri="http://schemas.microsoft.com/VisualStudio/2011/storyboarding/control"/>
+  </ds:schemaRefs>
+</ds:datastoreItem>
+</file>
+
+<file path=customXml/itemProps67.xml><?xml version="1.0" encoding="utf-8"?>
+<ds:datastoreItem xmlns:ds="http://schemas.openxmlformats.org/officeDocument/2006/customXml" ds:itemID="{195D4AF7-72BE-49CA-A3B2-E9D893E8FD50}">
+  <ds:schemaRefs>
+    <ds:schemaRef ds:uri="http://schemas.microsoft.com/VisualStudio/2011/storyboarding/control"/>
+  </ds:schemaRefs>
+</ds:datastoreItem>
+</file>
+
+<file path=customXml/itemProps68.xml><?xml version="1.0" encoding="utf-8"?>
+<ds:datastoreItem xmlns:ds="http://schemas.openxmlformats.org/officeDocument/2006/customXml" ds:itemID="{4F5A9A6F-65C7-46A8-94CC-A3E676B69DF2}">
+  <ds:schemaRefs>
+    <ds:schemaRef ds:uri="http://schemas.microsoft.com/VisualStudio/2011/storyboarding/control"/>
+  </ds:schemaRefs>
+</ds:datastoreItem>
+</file>
+
+<file path=customXml/itemProps69.xml><?xml version="1.0" encoding="utf-8"?>
+<ds:datastoreItem xmlns:ds="http://schemas.openxmlformats.org/officeDocument/2006/customXml" ds:itemID="{C8C60423-EB87-45D6-A957-1864F9BAFC67}">
   <ds:schemaRefs>
     <ds:schemaRef ds:uri="http://schemas.microsoft.com/VisualStudio/2011/storyboarding/control"/>
   </ds:schemaRefs>
@@ -11684,7 +19747,87 @@
 </file>
 
 <file path=customXml/itemProps7.xml><?xml version="1.0" encoding="utf-8"?>
-<ds:datastoreItem xmlns:ds="http://schemas.openxmlformats.org/officeDocument/2006/customXml" ds:itemID="{67CF3844-0CC4-4FA0-ACDF-BF763B8E0F78}">
+<ds:datastoreItem xmlns:ds="http://schemas.openxmlformats.org/officeDocument/2006/customXml" ds:itemID="{83197DEB-3330-47B2-AAEF-913A4A605B50}">
+  <ds:schemaRefs>
+    <ds:schemaRef ds:uri="http://schemas.microsoft.com/VisualStudio/2011/storyboarding/control"/>
+  </ds:schemaRefs>
+</ds:datastoreItem>
+</file>
+
+<file path=customXml/itemProps70.xml><?xml version="1.0" encoding="utf-8"?>
+<ds:datastoreItem xmlns:ds="http://schemas.openxmlformats.org/officeDocument/2006/customXml" ds:itemID="{5837A29F-AD1E-47A1-81FF-08D831A96AD0}">
+  <ds:schemaRefs>
+    <ds:schemaRef ds:uri="http://schemas.microsoft.com/VisualStudio/2011/storyboarding/control"/>
+  </ds:schemaRefs>
+</ds:datastoreItem>
+</file>
+
+<file path=customXml/itemProps71.xml><?xml version="1.0" encoding="utf-8"?>
+<ds:datastoreItem xmlns:ds="http://schemas.openxmlformats.org/officeDocument/2006/customXml" ds:itemID="{1CA3848C-C2A0-4A7B-B831-EFFE26AFD849}">
+  <ds:schemaRefs>
+    <ds:schemaRef ds:uri="http://schemas.microsoft.com/VisualStudio/2011/storyboarding/control"/>
+  </ds:schemaRefs>
+</ds:datastoreItem>
+</file>
+
+<file path=customXml/itemProps72.xml><?xml version="1.0" encoding="utf-8"?>
+<ds:datastoreItem xmlns:ds="http://schemas.openxmlformats.org/officeDocument/2006/customXml" ds:itemID="{FEB7DD79-5F86-4ACF-B046-E6D2CEB83B9D}">
+  <ds:schemaRefs>
+    <ds:schemaRef ds:uri="http://schemas.microsoft.com/VisualStudio/2011/storyboarding/control"/>
+  </ds:schemaRefs>
+</ds:datastoreItem>
+</file>
+
+<file path=customXml/itemProps73.xml><?xml version="1.0" encoding="utf-8"?>
+<ds:datastoreItem xmlns:ds="http://schemas.openxmlformats.org/officeDocument/2006/customXml" ds:itemID="{4B732E27-1694-4AAA-9639-FA862105E5DF}">
+  <ds:schemaRefs>
+    <ds:schemaRef ds:uri="http://schemas.microsoft.com/VisualStudio/2011/storyboarding/control"/>
+  </ds:schemaRefs>
+</ds:datastoreItem>
+</file>
+
+<file path=customXml/itemProps74.xml><?xml version="1.0" encoding="utf-8"?>
+<ds:datastoreItem xmlns:ds="http://schemas.openxmlformats.org/officeDocument/2006/customXml" ds:itemID="{3D5C5E78-A75B-4479-BEC3-3412E3BCB7A9}">
+  <ds:schemaRefs>
+    <ds:schemaRef ds:uri="http://schemas.microsoft.com/VisualStudio/2011/storyboarding/control"/>
+  </ds:schemaRefs>
+</ds:datastoreItem>
+</file>
+
+<file path=customXml/itemProps75.xml><?xml version="1.0" encoding="utf-8"?>
+<ds:datastoreItem xmlns:ds="http://schemas.openxmlformats.org/officeDocument/2006/customXml" ds:itemID="{34D82384-F03D-4C89-AD25-9BE5A352BA6D}">
+  <ds:schemaRefs>
+    <ds:schemaRef ds:uri="http://schemas.microsoft.com/VisualStudio/2011/storyboarding/control"/>
+  </ds:schemaRefs>
+</ds:datastoreItem>
+</file>
+
+<file path=customXml/itemProps76.xml><?xml version="1.0" encoding="utf-8"?>
+<ds:datastoreItem xmlns:ds="http://schemas.openxmlformats.org/officeDocument/2006/customXml" ds:itemID="{1F5354C9-F1A5-422D-B104-5836DAD34E7A}">
+  <ds:schemaRefs>
+    <ds:schemaRef ds:uri="http://schemas.microsoft.com/VisualStudio/2011/storyboarding/control"/>
+  </ds:schemaRefs>
+</ds:datastoreItem>
+</file>
+
+<file path=customXml/itemProps77.xml><?xml version="1.0" encoding="utf-8"?>
+<ds:datastoreItem xmlns:ds="http://schemas.openxmlformats.org/officeDocument/2006/customXml" ds:itemID="{059080CE-9A11-4F43-975A-8B3948DEBC9A}">
+  <ds:schemaRefs>
+    <ds:schemaRef ds:uri="http://schemas.microsoft.com/VisualStudio/2011/storyboarding/control"/>
+  </ds:schemaRefs>
+</ds:datastoreItem>
+</file>
+
+<file path=customXml/itemProps78.xml><?xml version="1.0" encoding="utf-8"?>
+<ds:datastoreItem xmlns:ds="http://schemas.openxmlformats.org/officeDocument/2006/customXml" ds:itemID="{4D22EF59-9F2A-4258-B1A7-6202FE5F1746}">
+  <ds:schemaRefs>
+    <ds:schemaRef ds:uri="http://schemas.microsoft.com/VisualStudio/2011/storyboarding/control"/>
+  </ds:schemaRefs>
+</ds:datastoreItem>
+</file>
+
+<file path=customXml/itemProps79.xml><?xml version="1.0" encoding="utf-8"?>
+<ds:datastoreItem xmlns:ds="http://schemas.openxmlformats.org/officeDocument/2006/customXml" ds:itemID="{66E55E83-FE18-4439-85D3-480F7E487006}">
   <ds:schemaRefs>
     <ds:schemaRef ds:uri="http://schemas.microsoft.com/VisualStudio/2011/storyboarding/control"/>
   </ds:schemaRefs>
@@ -11692,7 +19835,23 @@
 </file>
 
 <file path=customXml/itemProps8.xml><?xml version="1.0" encoding="utf-8"?>
-<ds:datastoreItem xmlns:ds="http://schemas.openxmlformats.org/officeDocument/2006/customXml" ds:itemID="{986B96FE-18A9-49B5-A777-8363FE00896C}">
+<ds:datastoreItem xmlns:ds="http://schemas.openxmlformats.org/officeDocument/2006/customXml" ds:itemID="{487173A5-A9D2-4BCA-990A-1965DC6A52B3}">
+  <ds:schemaRefs>
+    <ds:schemaRef ds:uri="http://schemas.microsoft.com/VisualStudio/2011/storyboarding/control"/>
+  </ds:schemaRefs>
+</ds:datastoreItem>
+</file>
+
+<file path=customXml/itemProps80.xml><?xml version="1.0" encoding="utf-8"?>
+<ds:datastoreItem xmlns:ds="http://schemas.openxmlformats.org/officeDocument/2006/customXml" ds:itemID="{09DEC759-9CBE-41FA-B445-08BEAE6D7E07}">
+  <ds:schemaRefs>
+    <ds:schemaRef ds:uri="http://schemas.microsoft.com/VisualStudio/2011/storyboarding/control"/>
+  </ds:schemaRefs>
+</ds:datastoreItem>
+</file>
+
+<file path=customXml/itemProps81.xml><?xml version="1.0" encoding="utf-8"?>
+<ds:datastoreItem xmlns:ds="http://schemas.openxmlformats.org/officeDocument/2006/customXml" ds:itemID="{378981F8-4A49-4219-A049-5C5C55C1AB3F}">
   <ds:schemaRefs>
     <ds:schemaRef ds:uri="http://schemas.microsoft.com/VisualStudio/2011/storyboarding/control"/>
   </ds:schemaRefs>
@@ -11700,7 +19859,7 @@
 </file>
 
 <file path=customXml/itemProps9.xml><?xml version="1.0" encoding="utf-8"?>
-<ds:datastoreItem xmlns:ds="http://schemas.openxmlformats.org/officeDocument/2006/customXml" ds:itemID="{D5275AD7-2249-4A8F-B1FE-589D43E34F89}">
+<ds:datastoreItem xmlns:ds="http://schemas.openxmlformats.org/officeDocument/2006/customXml" ds:itemID="{2AC127BD-FC4D-4BF5-A50B-50CEE625CC83}">
   <ds:schemaRefs>
     <ds:schemaRef ds:uri="http://schemas.microsoft.com/VisualStudio/2011/storyboarding/control"/>
   </ds:schemaRefs>
